--- a/Final Powerpoint presentation for 12.08.22.pptx
+++ b/Final Powerpoint presentation for 12.08.22.pptx
@@ -14,10 +14,10 @@
     <p:sldId id="260" r:id="rId5"/>
     <p:sldId id="310" r:id="rId6"/>
     <p:sldId id="305" r:id="rId7"/>
-    <p:sldId id="321" r:id="rId8"/>
-    <p:sldId id="304" r:id="rId9"/>
-    <p:sldId id="303" r:id="rId10"/>
-    <p:sldId id="300" r:id="rId11"/>
+    <p:sldId id="304" r:id="rId8"/>
+    <p:sldId id="303" r:id="rId9"/>
+    <p:sldId id="300" r:id="rId10"/>
+    <p:sldId id="321" r:id="rId11"/>
     <p:sldId id="320" r:id="rId12"/>
     <p:sldId id="309" r:id="rId13"/>
     <p:sldId id="306" r:id="rId14"/>
@@ -1415,7 +1415,7 @@
             </a:extLst>
           </p:cNvPr>
           <p:cNvSpPr>
-            <a:spLocks noChangeArrowheads="1" noTextEdit="1"/>
+            <a:spLocks noGrp="1" noRot="1" noChangeAspect="1" noChangeArrowheads="1" noTextEdit="1"/>
           </p:cNvSpPr>
           <p:nvPr>
             <p:ph type="sldImg" idx="2"/>
@@ -1945,7 +1945,7 @@
             </a:extLst>
           </p:cNvPr>
           <p:cNvSpPr>
-            <a:spLocks noChangeArrowheads="1" noTextEdit="1"/>
+            <a:spLocks noGrp="1" noRot="1" noChangeAspect="1" noChangeArrowheads="1" noTextEdit="1"/>
           </p:cNvSpPr>
           <p:nvPr>
             <p:ph type="sldImg"/>
@@ -5932,10 +5932,10 @@
       </p:grpSpPr>
       <p:pic>
         <p:nvPicPr>
-          <p:cNvPr id="11266" name="Picture 6" descr="Whoosh">
+          <p:cNvPr id="8194" name="Picture 6" descr="Whoosh">
             <a:extLst>
               <a:ext uri="{FF2B5EF4-FFF2-40B4-BE49-F238E27FC236}">
-                <a16:creationId xmlns:a16="http://schemas.microsoft.com/office/drawing/2014/main" id="{CA74C155-1AC0-0752-CC26-BE6F203D3A88}"/>
+                <a16:creationId xmlns:a16="http://schemas.microsoft.com/office/drawing/2014/main" id="{D0ACA285-350D-1EE1-67B2-A65CA1A63995}"/>
               </a:ext>
             </a:extLst>
           </p:cNvPr>
@@ -5992,10 +5992,10 @@
       </p:pic>
       <p:sp>
         <p:nvSpPr>
-          <p:cNvPr id="11267" name="Title 1">
+          <p:cNvPr id="8195" name="Title 1">
             <a:extLst>
               <a:ext uri="{FF2B5EF4-FFF2-40B4-BE49-F238E27FC236}">
-                <a16:creationId xmlns:a16="http://schemas.microsoft.com/office/drawing/2014/main" id="{1451893C-1255-1EFC-7B76-09729BD80122}"/>
+                <a16:creationId xmlns:a16="http://schemas.microsoft.com/office/drawing/2014/main" id="{9DA92B1A-4FB5-598B-6CC9-15B802F18B4E}"/>
               </a:ext>
             </a:extLst>
           </p:cNvPr>
@@ -6008,8 +6008,8 @@
         </p:nvSpPr>
         <p:spPr>
           <a:xfrm>
-            <a:off x="684213" y="620713"/>
-            <a:ext cx="7772400" cy="1143000"/>
+            <a:off x="0" y="-171451"/>
+            <a:ext cx="7772400" cy="1008063"/>
           </a:xfrm>
         </p:spPr>
         <p:txBody>
@@ -6018,18 +6018,18 @@
           <a:p>
             <a:pPr algn="l" eaLnBrk="1" hangingPunct="1"/>
             <a:r>
-              <a:rPr lang="en-GB" altLang="en-US" b="1"/>
-              <a:t>What are we NOT changing?</a:t>
+              <a:rPr lang="en-GB" altLang="en-US" b="1" dirty="0"/>
+              <a:t>Conclusion</a:t>
             </a:r>
           </a:p>
         </p:txBody>
       </p:sp>
       <p:sp>
         <p:nvSpPr>
-          <p:cNvPr id="11268" name="Content Placeholder 2">
+          <p:cNvPr id="8196" name="Content Placeholder 2">
             <a:extLst>
               <a:ext uri="{FF2B5EF4-FFF2-40B4-BE49-F238E27FC236}">
-                <a16:creationId xmlns:a16="http://schemas.microsoft.com/office/drawing/2014/main" id="{E4640EB0-BCC9-7F22-83B4-BF4A99C7F7A9}"/>
+                <a16:creationId xmlns:a16="http://schemas.microsoft.com/office/drawing/2014/main" id="{7996BF65-080D-3C12-BCD7-5948A613E4D8}"/>
               </a:ext>
             </a:extLst>
           </p:cNvPr>
@@ -6043,40 +6043,17 @@
         <p:spPr>
           <a:xfrm>
             <a:off x="684213" y="1989138"/>
-            <a:ext cx="7772400" cy="4114800"/>
+            <a:ext cx="7772400" cy="4032250"/>
           </a:xfrm>
         </p:spPr>
         <p:txBody>
           <a:bodyPr/>
           <a:lstStyle/>
           <a:p>
-            <a:pPr eaLnBrk="1" hangingPunct="1">
-              <a:spcAft>
-                <a:spcPts val="1800"/>
-              </a:spcAft>
-            </a:pPr>
+            <a:pPr eaLnBrk="1" hangingPunct="1"/>
             <a:r>
               <a:rPr lang="en-GB" altLang="en-US"/>
-              <a:t>95% of our patients attend for either one off appointments or for courses which run on non consecutive days over several days or weeks</a:t>
-            </a:r>
-          </a:p>
-          <a:p>
-            <a:pPr eaLnBrk="1" hangingPunct="1">
-              <a:spcAft>
-                <a:spcPts val="1800"/>
-              </a:spcAft>
-            </a:pPr>
-            <a:r>
-              <a:rPr lang="en-GB" altLang="en-US"/>
-              <a:t>There are </a:t>
-            </a:r>
-            <a:r>
-              <a:rPr lang="en-GB" altLang="en-US" b="1"/>
-              <a:t>no planned changes </a:t>
-            </a:r>
-            <a:r>
-              <a:rPr lang="en-GB" altLang="en-US"/>
-              <a:t>to these outpatient programmes</a:t>
+              <a:t>We are proposing that this 5% of the overall patients return home after their treatment each day as the other 95% of patients do, returning to the CIC for further treatment or assessment  the next day</a:t>
             </a:r>
           </a:p>
         </p:txBody>
@@ -12767,32 +12744,6 @@
           </a:p>
         </p:txBody>
       </p:sp>
-      <p:sp>
-        <p:nvSpPr>
-          <p:cNvPr id="4100" name="Content Placeholder 2">
-            <a:extLst>
-              <a:ext uri="{FF2B5EF4-FFF2-40B4-BE49-F238E27FC236}">
-                <a16:creationId xmlns:a16="http://schemas.microsoft.com/office/drawing/2014/main" id="{B39366A1-63EE-AE04-A361-4334427D10E4}"/>
-              </a:ext>
-            </a:extLst>
-          </p:cNvPr>
-          <p:cNvSpPr>
-            <a:spLocks noGrp="1"/>
-          </p:cNvSpPr>
-          <p:nvPr>
-            <p:ph idx="1"/>
-          </p:nvPr>
-        </p:nvSpPr>
-        <p:spPr/>
-        <p:txBody>
-          <a:bodyPr/>
-          <a:lstStyle/>
-          <a:p>
-            <a:pPr eaLnBrk="1" hangingPunct="1"/>
-            <a:endParaRPr lang="en-GB" altLang="en-US" dirty="0"/>
-          </a:p>
-        </p:txBody>
-      </p:sp>
     </p:spTree>
   </p:cSld>
   <p:clrMapOvr>
@@ -13550,8 +13501,8 @@
         </p:nvSpPr>
         <p:spPr>
           <a:xfrm>
-            <a:off x="685800" y="2060575"/>
-            <a:ext cx="7772400" cy="2520950"/>
+            <a:off x="-538850" y="476672"/>
+            <a:ext cx="5110336" cy="288032"/>
           </a:xfrm>
         </p:spPr>
         <p:txBody>
@@ -13560,30 +13511,13 @@
           <a:p>
             <a:pPr eaLnBrk="1" hangingPunct="1"/>
             <a:r>
-              <a:rPr lang="en-GB" altLang="en-US" b="1"/>
-              <a:t>Proposed New </a:t>
+              <a:rPr lang="en-GB" altLang="en-US" b="1" dirty="0"/>
+              <a:t>Map of Impact</a:t>
             </a:r>
             <a:br>
-              <a:rPr lang="en-GB" altLang="en-US" b="1"/>
+              <a:rPr lang="en-GB" altLang="en-US" b="1" dirty="0"/>
             </a:br>
-            <a:r>
-              <a:rPr lang="en-GB" altLang="en-US" b="1"/>
-              <a:t>Model of Service</a:t>
-            </a:r>
-            <a:br>
-              <a:rPr lang="en-GB" altLang="en-US" b="1"/>
-            </a:br>
-            <a:r>
-              <a:rPr lang="en-GB" altLang="en-US" sz="3200" b="1"/>
-              <a:t>Centre for Integrative Care (CIC)</a:t>
-            </a:r>
-            <a:br>
-              <a:rPr lang="en-GB" altLang="en-US" sz="3200" b="1"/>
-            </a:br>
-            <a:r>
-              <a:rPr lang="en-GB" altLang="en-US" sz="3200" b="1"/>
-              <a:t>Multiple Day Therapy Programme </a:t>
-            </a:r>
+            <a:endParaRPr lang="en-GB" altLang="en-US" sz="3200" b="1" dirty="0"/>
           </a:p>
         </p:txBody>
       </p:sp>
@@ -13674,66 +13608,6 @@
       </p:pic>
       <p:sp>
         <p:nvSpPr>
-          <p:cNvPr id="7171" name="Content Placeholder 2">
-            <a:extLst>
-              <a:ext uri="{FF2B5EF4-FFF2-40B4-BE49-F238E27FC236}">
-                <a16:creationId xmlns:a16="http://schemas.microsoft.com/office/drawing/2014/main" id="{9DD03CF3-A29A-4D9F-B6D6-22A7116D9805}"/>
-              </a:ext>
-            </a:extLst>
-          </p:cNvPr>
-          <p:cNvSpPr>
-            <a:spLocks noGrp="1"/>
-          </p:cNvSpPr>
-          <p:nvPr>
-            <p:ph idx="1"/>
-          </p:nvPr>
-        </p:nvSpPr>
-        <p:spPr>
-          <a:xfrm>
-            <a:off x="684213" y="1700213"/>
-            <a:ext cx="7772400" cy="4824412"/>
-          </a:xfrm>
-        </p:spPr>
-        <p:txBody>
-          <a:bodyPr/>
-          <a:lstStyle/>
-          <a:p>
-            <a:pPr eaLnBrk="1" hangingPunct="1">
-              <a:spcAft>
-                <a:spcPts val="1800"/>
-              </a:spcAft>
-            </a:pPr>
-            <a:r>
-              <a:rPr lang="en-GB" altLang="en-US" sz="2800"/>
-              <a:t>The CIC carries out over 6,000 patient episodes each year</a:t>
-            </a:r>
-          </a:p>
-          <a:p>
-            <a:pPr eaLnBrk="1" hangingPunct="1">
-              <a:spcAft>
-                <a:spcPts val="1800"/>
-              </a:spcAft>
-            </a:pPr>
-            <a:r>
-              <a:rPr lang="en-GB" altLang="en-US" sz="2800"/>
-              <a:t>Of this total care treatment delivery, 5% of patients are assessed as suitable for a multiple consecutive day programme of assessment or treatment</a:t>
-            </a:r>
-          </a:p>
-          <a:p>
-            <a:pPr eaLnBrk="1" hangingPunct="1">
-              <a:spcAft>
-                <a:spcPts val="1800"/>
-              </a:spcAft>
-            </a:pPr>
-            <a:r>
-              <a:rPr lang="en-GB" altLang="en-US" sz="2800"/>
-              <a:t>These patients currently have overnight accommodation in the CIC after their treatment each day for the extent of the programme (typically 4 nights)</a:t>
-            </a:r>
-          </a:p>
-        </p:txBody>
-      </p:sp>
-      <p:sp>
-        <p:nvSpPr>
           <p:cNvPr id="6" name="Title 1">
             <a:extLst>
               <a:ext uri="{FF2B5EF4-FFF2-40B4-BE49-F238E27FC236}">
@@ -13748,7 +13622,7 @@
         </p:nvSpPr>
         <p:spPr bwMode="auto">
           <a:xfrm>
-            <a:off x="684213" y="692150"/>
+            <a:off x="0" y="-170657"/>
             <a:ext cx="7772400" cy="1008063"/>
           </a:xfrm>
           <a:prstGeom prst="rect">
@@ -13770,7 +13644,7 @@
               <a:defRPr/>
             </a:pPr>
             <a:r>
-              <a:rPr lang="en-GB" sz="4400" b="1" kern="0">
+              <a:rPr lang="en-GB" sz="4400" b="1" kern="0" dirty="0">
                 <a:solidFill>
                   <a:schemeClr val="tx2"/>
                 </a:solidFill>
@@ -13778,16 +13652,33 @@
                 <a:ea typeface="+mj-ea"/>
                 <a:cs typeface="+mj-cs"/>
               </a:rPr>
-              <a:t>What are we changing?</a:t>
+              <a:t>Temporal data</a:t>
             </a:r>
-            <a:endParaRPr lang="en-GB" sz="4400" b="1" kern="0" dirty="0">
-              <a:solidFill>
-                <a:schemeClr val="tx2"/>
-              </a:solidFill>
-              <a:latin typeface="+mj-lt"/>
-              <a:ea typeface="+mj-ea"/>
-              <a:cs typeface="+mj-cs"/>
-            </a:endParaRPr>
+          </a:p>
+        </p:txBody>
+      </p:sp>
+      <p:sp>
+        <p:nvSpPr>
+          <p:cNvPr id="2" name="Content Placeholder 1">
+            <a:extLst>
+              <a:ext uri="{FF2B5EF4-FFF2-40B4-BE49-F238E27FC236}">
+                <a16:creationId xmlns:a16="http://schemas.microsoft.com/office/drawing/2014/main" id="{06235267-39C6-0C14-A3DA-8B87223773E7}"/>
+              </a:ext>
+            </a:extLst>
+          </p:cNvPr>
+          <p:cNvSpPr>
+            <a:spLocks noGrp="1"/>
+          </p:cNvSpPr>
+          <p:nvPr>
+            <p:ph idx="1"/>
+          </p:nvPr>
+        </p:nvSpPr>
+        <p:spPr/>
+        <p:txBody>
+          <a:bodyPr/>
+          <a:lstStyle/>
+          <a:p>
+            <a:endParaRPr lang="en-GB"/>
           </a:p>
         </p:txBody>
       </p:sp>
@@ -13800,159 +13691,6 @@
 </file>
 
 <file path=ppt/slides/slide7.xml><?xml version="1.0" encoding="utf-8"?>
-<p:sld xmlns:a="http://schemas.openxmlformats.org/drawingml/2006/main" xmlns:r="http://schemas.openxmlformats.org/officeDocument/2006/relationships" xmlns:p="http://schemas.openxmlformats.org/presentationml/2006/main">
-  <p:cSld>
-    <p:spTree>
-      <p:nvGrpSpPr>
-        <p:cNvPr id="1" name=""/>
-        <p:cNvGrpSpPr/>
-        <p:nvPr/>
-      </p:nvGrpSpPr>
-      <p:grpSpPr>
-        <a:xfrm>
-          <a:off x="0" y="0"/>
-          <a:ext cx="0" cy="0"/>
-          <a:chOff x="0" y="0"/>
-          <a:chExt cx="0" cy="0"/>
-        </a:xfrm>
-      </p:grpSpPr>
-      <p:pic>
-        <p:nvPicPr>
-          <p:cNvPr id="8194" name="Picture 6" descr="Whoosh">
-            <a:extLst>
-              <a:ext uri="{FF2B5EF4-FFF2-40B4-BE49-F238E27FC236}">
-                <a16:creationId xmlns:a16="http://schemas.microsoft.com/office/drawing/2014/main" id="{D0ACA285-350D-1EE1-67B2-A65CA1A63995}"/>
-              </a:ext>
-            </a:extLst>
-          </p:cNvPr>
-          <p:cNvPicPr>
-            <a:picLocks noChangeAspect="1" noChangeArrowheads="1"/>
-          </p:cNvPicPr>
-          <p:nvPr/>
-        </p:nvPicPr>
-        <p:blipFill>
-          <a:blip r:embed="rId2">
-            <a:extLst>
-              <a:ext uri="{28A0092B-C50C-407E-A947-70E740481C1C}">
-                <a14:useLocalDpi xmlns:a14="http://schemas.microsoft.com/office/drawing/2010/main" val="0"/>
-              </a:ext>
-            </a:extLst>
-          </a:blip>
-          <a:srcRect/>
-          <a:stretch>
-            <a:fillRect/>
-          </a:stretch>
-        </p:blipFill>
-        <p:spPr bwMode="auto">
-          <a:xfrm>
-            <a:off x="0" y="3892550"/>
-            <a:ext cx="9144000" cy="2965450"/>
-          </a:xfrm>
-          <a:prstGeom prst="rect">
-            <a:avLst/>
-          </a:prstGeom>
-          <a:noFill/>
-          <a:ln>
-            <a:noFill/>
-          </a:ln>
-          <a:extLst>
-            <a:ext uri="{909E8E84-426E-40DD-AFC4-6F175D3DCCD1}">
-              <a14:hiddenFill xmlns:a14="http://schemas.microsoft.com/office/drawing/2010/main">
-                <a:solidFill>
-                  <a:srgbClr val="FFFFFF"/>
-                </a:solidFill>
-              </a14:hiddenFill>
-            </a:ext>
-            <a:ext uri="{91240B29-F687-4F45-9708-019B960494DF}">
-              <a14:hiddenLine xmlns:a14="http://schemas.microsoft.com/office/drawing/2010/main" w="9525">
-                <a:solidFill>
-                  <a:srgbClr val="000000"/>
-                </a:solidFill>
-                <a:miter lim="800000"/>
-                <a:headEnd/>
-                <a:tailEnd/>
-              </a14:hiddenLine>
-            </a:ext>
-          </a:extLst>
-        </p:spPr>
-      </p:pic>
-      <p:sp>
-        <p:nvSpPr>
-          <p:cNvPr id="8195" name="Title 1">
-            <a:extLst>
-              <a:ext uri="{FF2B5EF4-FFF2-40B4-BE49-F238E27FC236}">
-                <a16:creationId xmlns:a16="http://schemas.microsoft.com/office/drawing/2014/main" id="{9DA92B1A-4FB5-598B-6CC9-15B802F18B4E}"/>
-              </a:ext>
-            </a:extLst>
-          </p:cNvPr>
-          <p:cNvSpPr>
-            <a:spLocks noGrp="1"/>
-          </p:cNvSpPr>
-          <p:nvPr>
-            <p:ph type="title"/>
-          </p:nvPr>
-        </p:nvSpPr>
-        <p:spPr>
-          <a:xfrm>
-            <a:off x="684213" y="692150"/>
-            <a:ext cx="7772400" cy="1008063"/>
-          </a:xfrm>
-        </p:spPr>
-        <p:txBody>
-          <a:bodyPr/>
-          <a:lstStyle/>
-          <a:p>
-            <a:pPr algn="l" eaLnBrk="1" hangingPunct="1"/>
-            <a:r>
-              <a:rPr lang="en-GB" altLang="en-US" b="1"/>
-              <a:t>What are we changing?</a:t>
-            </a:r>
-          </a:p>
-        </p:txBody>
-      </p:sp>
-      <p:sp>
-        <p:nvSpPr>
-          <p:cNvPr id="8196" name="Content Placeholder 2">
-            <a:extLst>
-              <a:ext uri="{FF2B5EF4-FFF2-40B4-BE49-F238E27FC236}">
-                <a16:creationId xmlns:a16="http://schemas.microsoft.com/office/drawing/2014/main" id="{7996BF65-080D-3C12-BCD7-5948A613E4D8}"/>
-              </a:ext>
-            </a:extLst>
-          </p:cNvPr>
-          <p:cNvSpPr>
-            <a:spLocks noGrp="1"/>
-          </p:cNvSpPr>
-          <p:nvPr>
-            <p:ph idx="1"/>
-          </p:nvPr>
-        </p:nvSpPr>
-        <p:spPr>
-          <a:xfrm>
-            <a:off x="684213" y="1989138"/>
-            <a:ext cx="7772400" cy="4032250"/>
-          </a:xfrm>
-        </p:spPr>
-        <p:txBody>
-          <a:bodyPr/>
-          <a:lstStyle/>
-          <a:p>
-            <a:pPr eaLnBrk="1" hangingPunct="1"/>
-            <a:r>
-              <a:rPr lang="en-GB" altLang="en-US"/>
-              <a:t>We are proposing that this 5% of the overall patients return home after their treatment each day as the other 95% of patients do, returning to the CIC for further treatment or assessment  the next day</a:t>
-            </a:r>
-          </a:p>
-        </p:txBody>
-      </p:sp>
-    </p:spTree>
-  </p:cSld>
-  <p:clrMapOvr>
-    <a:masterClrMapping/>
-  </p:clrMapOvr>
-</p:sld>
-</file>
-
-<file path=ppt/slides/slide8.xml><?xml version="1.0" encoding="utf-8"?>
 <p:sld xmlns:a="http://schemas.openxmlformats.org/drawingml/2006/main" xmlns:r="http://schemas.openxmlformats.org/officeDocument/2006/relationships" xmlns:p="http://schemas.openxmlformats.org/presentationml/2006/main">
   <p:cSld>
     <p:spTree>
@@ -14045,25 +13783,30 @@
             <p:ph type="title"/>
           </p:nvPr>
         </p:nvSpPr>
-        <p:spPr/>
+        <p:spPr>
+          <a:xfrm>
+            <a:off x="0" y="-243408"/>
+            <a:ext cx="7772400" cy="1143000"/>
+          </a:xfrm>
+        </p:spPr>
         <p:txBody>
           <a:bodyPr/>
           <a:lstStyle/>
           <a:p>
             <a:pPr algn="l" eaLnBrk="1" hangingPunct="1"/>
             <a:r>
-              <a:rPr lang="en-GB" altLang="en-US" b="1"/>
-              <a:t>What are our options?</a:t>
+              <a:rPr lang="en-GB" altLang="en-US" b="1" dirty="0"/>
+              <a:t>Trend of Admissions</a:t>
             </a:r>
           </a:p>
         </p:txBody>
       </p:sp>
       <p:sp>
         <p:nvSpPr>
-          <p:cNvPr id="9220" name="Content Placeholder 2">
+          <p:cNvPr id="2" name="Content Placeholder 1">
             <a:extLst>
               <a:ext uri="{FF2B5EF4-FFF2-40B4-BE49-F238E27FC236}">
-                <a16:creationId xmlns:a16="http://schemas.microsoft.com/office/drawing/2014/main" id="{7818EB8A-684F-CB0F-A04A-F985ED3248EB}"/>
+                <a16:creationId xmlns:a16="http://schemas.microsoft.com/office/drawing/2014/main" id="{BBD1610E-A90A-9867-154F-BBF950A691F5}"/>
               </a:ext>
             </a:extLst>
           </p:cNvPr>
@@ -14079,25 +13822,7 @@
           <a:bodyPr/>
           <a:lstStyle/>
           <a:p>
-            <a:pPr eaLnBrk="1" hangingPunct="1"/>
-            <a:r>
-              <a:rPr lang="en-GB" altLang="en-US"/>
-              <a:t>For patients who have challenges, we could:</a:t>
-            </a:r>
-          </a:p>
-          <a:p>
-            <a:pPr lvl="1" eaLnBrk="1" hangingPunct="1"/>
-            <a:r>
-              <a:rPr lang="en-GB" altLang="en-US"/>
-              <a:t>Deliver over a longer period than one week</a:t>
-            </a:r>
-          </a:p>
-          <a:p>
-            <a:pPr lvl="1" eaLnBrk="1" hangingPunct="1"/>
-            <a:r>
-              <a:rPr lang="en-GB" altLang="en-US"/>
-              <a:t>Thus giving patients rest between treatment programme days</a:t>
-            </a:r>
+            <a:endParaRPr lang="en-GB"/>
           </a:p>
         </p:txBody>
       </p:sp>
@@ -14109,7 +13834,7 @@
 </p:sld>
 </file>
 
-<file path=ppt/slides/slide9.xml><?xml version="1.0" encoding="utf-8"?>
+<file path=ppt/slides/slide8.xml><?xml version="1.0" encoding="utf-8"?>
 <p:sld xmlns:a="http://schemas.openxmlformats.org/drawingml/2006/main" xmlns:r="http://schemas.openxmlformats.org/officeDocument/2006/relationships" xmlns:p="http://schemas.openxmlformats.org/presentationml/2006/main">
   <p:cSld>
     <p:spTree>
@@ -14202,15 +13927,20 @@
             <p:ph type="title"/>
           </p:nvPr>
         </p:nvSpPr>
-        <p:spPr/>
+        <p:spPr>
+          <a:xfrm>
+            <a:off x="-1981" y="-243408"/>
+            <a:ext cx="7772400" cy="1143000"/>
+          </a:xfrm>
+        </p:spPr>
         <p:txBody>
           <a:bodyPr/>
           <a:lstStyle/>
           <a:p>
             <a:pPr algn="l" eaLnBrk="1" hangingPunct="1"/>
             <a:r>
-              <a:rPr lang="en-GB" altLang="en-US" b="1"/>
-              <a:t>What are our options?</a:t>
+              <a:rPr lang="en-GB" altLang="en-US" b="1" dirty="0"/>
+              <a:t>Trend of stays</a:t>
             </a:r>
           </a:p>
         </p:txBody>
@@ -14244,6 +13974,180 @@
           </a:p>
         </p:txBody>
       </p:sp>
+    </p:spTree>
+  </p:cSld>
+  <p:clrMapOvr>
+    <a:masterClrMapping/>
+  </p:clrMapOvr>
+</p:sld>
+</file>
+
+<file path=ppt/slides/slide9.xml><?xml version="1.0" encoding="utf-8"?>
+<p:sld xmlns:a="http://schemas.openxmlformats.org/drawingml/2006/main" xmlns:r="http://schemas.openxmlformats.org/officeDocument/2006/relationships" xmlns:p="http://schemas.openxmlformats.org/presentationml/2006/main">
+  <p:cSld>
+    <p:spTree>
+      <p:nvGrpSpPr>
+        <p:cNvPr id="1" name=""/>
+        <p:cNvGrpSpPr/>
+        <p:nvPr/>
+      </p:nvGrpSpPr>
+      <p:grpSpPr>
+        <a:xfrm>
+          <a:off x="0" y="0"/>
+          <a:ext cx="0" cy="0"/>
+          <a:chOff x="0" y="0"/>
+          <a:chExt cx="0" cy="0"/>
+        </a:xfrm>
+      </p:grpSpPr>
+      <p:pic>
+        <p:nvPicPr>
+          <p:cNvPr id="11266" name="Picture 6" descr="Whoosh">
+            <a:extLst>
+              <a:ext uri="{FF2B5EF4-FFF2-40B4-BE49-F238E27FC236}">
+                <a16:creationId xmlns:a16="http://schemas.microsoft.com/office/drawing/2014/main" id="{CA74C155-1AC0-0752-CC26-BE6F203D3A88}"/>
+              </a:ext>
+            </a:extLst>
+          </p:cNvPr>
+          <p:cNvPicPr>
+            <a:picLocks noChangeAspect="1" noChangeArrowheads="1"/>
+          </p:cNvPicPr>
+          <p:nvPr/>
+        </p:nvPicPr>
+        <p:blipFill>
+          <a:blip r:embed="rId2">
+            <a:extLst>
+              <a:ext uri="{28A0092B-C50C-407E-A947-70E740481C1C}">
+                <a14:useLocalDpi xmlns:a14="http://schemas.microsoft.com/office/drawing/2010/main" val="0"/>
+              </a:ext>
+            </a:extLst>
+          </a:blip>
+          <a:srcRect/>
+          <a:stretch>
+            <a:fillRect/>
+          </a:stretch>
+        </p:blipFill>
+        <p:spPr bwMode="auto">
+          <a:xfrm>
+            <a:off x="0" y="3892550"/>
+            <a:ext cx="9144000" cy="2965450"/>
+          </a:xfrm>
+          <a:prstGeom prst="rect">
+            <a:avLst/>
+          </a:prstGeom>
+          <a:noFill/>
+          <a:ln>
+            <a:noFill/>
+          </a:ln>
+          <a:extLst>
+            <a:ext uri="{909E8E84-426E-40DD-AFC4-6F175D3DCCD1}">
+              <a14:hiddenFill xmlns:a14="http://schemas.microsoft.com/office/drawing/2010/main">
+                <a:solidFill>
+                  <a:srgbClr val="FFFFFF"/>
+                </a:solidFill>
+              </a14:hiddenFill>
+            </a:ext>
+            <a:ext uri="{91240B29-F687-4F45-9708-019B960494DF}">
+              <a14:hiddenLine xmlns:a14="http://schemas.microsoft.com/office/drawing/2010/main" w="9525">
+                <a:solidFill>
+                  <a:srgbClr val="000000"/>
+                </a:solidFill>
+                <a:miter lim="800000"/>
+                <a:headEnd/>
+                <a:tailEnd/>
+              </a14:hiddenLine>
+            </a:ext>
+          </a:extLst>
+        </p:spPr>
+      </p:pic>
+      <p:sp>
+        <p:nvSpPr>
+          <p:cNvPr id="11267" name="Title 1">
+            <a:extLst>
+              <a:ext uri="{FF2B5EF4-FFF2-40B4-BE49-F238E27FC236}">
+                <a16:creationId xmlns:a16="http://schemas.microsoft.com/office/drawing/2014/main" id="{1451893C-1255-1EFC-7B76-09729BD80122}"/>
+              </a:ext>
+            </a:extLst>
+          </p:cNvPr>
+          <p:cNvSpPr>
+            <a:spLocks noGrp="1"/>
+          </p:cNvSpPr>
+          <p:nvPr>
+            <p:ph type="title"/>
+          </p:nvPr>
+        </p:nvSpPr>
+        <p:spPr>
+          <a:xfrm>
+            <a:off x="0" y="-243408"/>
+            <a:ext cx="7772400" cy="1143000"/>
+          </a:xfrm>
+        </p:spPr>
+        <p:txBody>
+          <a:bodyPr/>
+          <a:lstStyle/>
+          <a:p>
+            <a:pPr algn="l" eaLnBrk="1" hangingPunct="1"/>
+            <a:r>
+              <a:rPr lang="en-GB" altLang="en-US" b="1" dirty="0"/>
+              <a:t>Trend of deaths</a:t>
+            </a:r>
+          </a:p>
+        </p:txBody>
+      </p:sp>
+      <p:sp>
+        <p:nvSpPr>
+          <p:cNvPr id="2" name="Content Placeholder 1">
+            <a:extLst>
+              <a:ext uri="{FF2B5EF4-FFF2-40B4-BE49-F238E27FC236}">
+                <a16:creationId xmlns:a16="http://schemas.microsoft.com/office/drawing/2014/main" id="{CDFA73F2-E46F-B451-C791-D9C9088507CD}"/>
+              </a:ext>
+            </a:extLst>
+          </p:cNvPr>
+          <p:cNvSpPr>
+            <a:spLocks noGrp="1"/>
+          </p:cNvSpPr>
+          <p:nvPr>
+            <p:ph idx="1"/>
+          </p:nvPr>
+        </p:nvSpPr>
+        <p:spPr/>
+        <p:txBody>
+          <a:bodyPr/>
+          <a:lstStyle/>
+          <a:p>
+            <a:endParaRPr lang="en-GB" dirty="0"/>
+          </a:p>
+        </p:txBody>
+      </p:sp>
+      <p:pic>
+        <p:nvPicPr>
+          <p:cNvPr id="4" name="Picture 3">
+            <a:extLst>
+              <a:ext uri="{FF2B5EF4-FFF2-40B4-BE49-F238E27FC236}">
+                <a16:creationId xmlns:a16="http://schemas.microsoft.com/office/drawing/2014/main" id="{2B73243A-8B93-8D1F-8EC2-5F61342D71C4}"/>
+              </a:ext>
+            </a:extLst>
+          </p:cNvPr>
+          <p:cNvPicPr>
+            <a:picLocks noChangeAspect="1"/>
+          </p:cNvPicPr>
+          <p:nvPr/>
+        </p:nvPicPr>
+        <p:blipFill>
+          <a:blip r:embed="rId3"/>
+          <a:stretch>
+            <a:fillRect/>
+          </a:stretch>
+        </p:blipFill>
+        <p:spPr>
+          <a:xfrm>
+            <a:off x="179512" y="859218"/>
+            <a:ext cx="4959845" cy="3073706"/>
+          </a:xfrm>
+          <a:prstGeom prst="rect">
+            <a:avLst/>
+          </a:prstGeom>
+        </p:spPr>
+      </p:pic>
     </p:spTree>
   </p:cSld>
   <p:clrMapOvr>

--- a/Final Powerpoint presentation for 12.08.22.pptx
+++ b/Final Powerpoint presentation for 12.08.22.pptx
@@ -17,8 +17,8 @@
     <p:sldId id="304" r:id="rId8"/>
     <p:sldId id="303" r:id="rId9"/>
     <p:sldId id="300" r:id="rId10"/>
-    <p:sldId id="321" r:id="rId11"/>
-    <p:sldId id="320" r:id="rId12"/>
+    <p:sldId id="320" r:id="rId11"/>
+    <p:sldId id="321" r:id="rId12"/>
     <p:sldId id="309" r:id="rId13"/>
     <p:sldId id="306" r:id="rId14"/>
     <p:sldId id="308" r:id="rId15"/>
@@ -5932,6 +5932,155 @@
       </p:grpSpPr>
       <p:pic>
         <p:nvPicPr>
+          <p:cNvPr id="12290" name="Picture 6" descr="Whoosh">
+            <a:extLst>
+              <a:ext uri="{FF2B5EF4-FFF2-40B4-BE49-F238E27FC236}">
+                <a16:creationId xmlns:a16="http://schemas.microsoft.com/office/drawing/2014/main" id="{D426872C-4429-862B-F06E-64EBCDE036B4}"/>
+              </a:ext>
+            </a:extLst>
+          </p:cNvPr>
+          <p:cNvPicPr>
+            <a:picLocks noChangeAspect="1" noChangeArrowheads="1"/>
+          </p:cNvPicPr>
+          <p:nvPr/>
+        </p:nvPicPr>
+        <p:blipFill>
+          <a:blip r:embed="rId2">
+            <a:extLst>
+              <a:ext uri="{28A0092B-C50C-407E-A947-70E740481C1C}">
+                <a14:useLocalDpi xmlns:a14="http://schemas.microsoft.com/office/drawing/2010/main" val="0"/>
+              </a:ext>
+            </a:extLst>
+          </a:blip>
+          <a:srcRect/>
+          <a:stretch>
+            <a:fillRect/>
+          </a:stretch>
+        </p:blipFill>
+        <p:spPr bwMode="auto">
+          <a:xfrm>
+            <a:off x="0" y="3892550"/>
+            <a:ext cx="9144000" cy="2965450"/>
+          </a:xfrm>
+          <a:prstGeom prst="rect">
+            <a:avLst/>
+          </a:prstGeom>
+          <a:noFill/>
+          <a:ln>
+            <a:noFill/>
+          </a:ln>
+          <a:extLst>
+            <a:ext uri="{909E8E84-426E-40DD-AFC4-6F175D3DCCD1}">
+              <a14:hiddenFill xmlns:a14="http://schemas.microsoft.com/office/drawing/2010/main">
+                <a:solidFill>
+                  <a:srgbClr val="FFFFFF"/>
+                </a:solidFill>
+              </a14:hiddenFill>
+            </a:ext>
+            <a:ext uri="{91240B29-F687-4F45-9708-019B960494DF}">
+              <a14:hiddenLine xmlns:a14="http://schemas.microsoft.com/office/drawing/2010/main" w="9525">
+                <a:solidFill>
+                  <a:srgbClr val="000000"/>
+                </a:solidFill>
+                <a:miter lim="800000"/>
+                <a:headEnd/>
+                <a:tailEnd/>
+              </a14:hiddenLine>
+            </a:ext>
+          </a:extLst>
+        </p:spPr>
+      </p:pic>
+      <p:sp>
+        <p:nvSpPr>
+          <p:cNvPr id="12291" name="Title 1">
+            <a:extLst>
+              <a:ext uri="{FF2B5EF4-FFF2-40B4-BE49-F238E27FC236}">
+                <a16:creationId xmlns:a16="http://schemas.microsoft.com/office/drawing/2014/main" id="{7D1FC264-AA21-9D78-DA44-78D269C937FA}"/>
+              </a:ext>
+            </a:extLst>
+          </p:cNvPr>
+          <p:cNvSpPr>
+            <a:spLocks noGrp="1"/>
+          </p:cNvSpPr>
+          <p:nvPr>
+            <p:ph type="title"/>
+          </p:nvPr>
+        </p:nvSpPr>
+        <p:spPr>
+          <a:xfrm>
+            <a:off x="-19873" y="-243408"/>
+            <a:ext cx="7772400" cy="1143000"/>
+          </a:xfrm>
+        </p:spPr>
+        <p:txBody>
+          <a:bodyPr/>
+          <a:lstStyle/>
+          <a:p>
+            <a:pPr algn="l" eaLnBrk="1" hangingPunct="1"/>
+            <a:r>
+              <a:rPr lang="en-GB" altLang="en-US" b="1" dirty="0"/>
+              <a:t>Impact of Winter</a:t>
+            </a:r>
+          </a:p>
+        </p:txBody>
+      </p:sp>
+      <p:pic>
+        <p:nvPicPr>
+          <p:cNvPr id="4" name="Picture 3">
+            <a:extLst>
+              <a:ext uri="{FF2B5EF4-FFF2-40B4-BE49-F238E27FC236}">
+                <a16:creationId xmlns:a16="http://schemas.microsoft.com/office/drawing/2014/main" id="{396096F6-7133-62B9-EDC2-DECF7DF155BA}"/>
+              </a:ext>
+            </a:extLst>
+          </p:cNvPr>
+          <p:cNvPicPr>
+            <a:picLocks noChangeAspect="1"/>
+          </p:cNvPicPr>
+          <p:nvPr/>
+        </p:nvPicPr>
+        <p:blipFill>
+          <a:blip r:embed="rId3"/>
+          <a:stretch>
+            <a:fillRect/>
+          </a:stretch>
+        </p:blipFill>
+        <p:spPr>
+          <a:xfrm>
+            <a:off x="35496" y="836712"/>
+            <a:ext cx="5173334" cy="3177480"/>
+          </a:xfrm>
+          <a:prstGeom prst="rect">
+            <a:avLst/>
+          </a:prstGeom>
+        </p:spPr>
+      </p:pic>
+    </p:spTree>
+  </p:cSld>
+  <p:clrMapOvr>
+    <a:masterClrMapping/>
+  </p:clrMapOvr>
+</p:sld>
+</file>
+
+<file path=ppt/slides/slide11.xml><?xml version="1.0" encoding="utf-8"?>
+<p:sld xmlns:a="http://schemas.openxmlformats.org/drawingml/2006/main" xmlns:r="http://schemas.openxmlformats.org/officeDocument/2006/relationships" xmlns:p="http://schemas.openxmlformats.org/presentationml/2006/main">
+  <p:cSld>
+    <p:spTree>
+      <p:nvGrpSpPr>
+        <p:cNvPr id="1" name=""/>
+        <p:cNvGrpSpPr/>
+        <p:nvPr/>
+      </p:nvGrpSpPr>
+      <p:grpSpPr>
+        <a:xfrm>
+          <a:off x="0" y="0"/>
+          <a:ext cx="0" cy="0"/>
+          <a:chOff x="0" y="0"/>
+          <a:chExt cx="0" cy="0"/>
+        </a:xfrm>
+      </p:grpSpPr>
+      <p:pic>
+        <p:nvPicPr>
           <p:cNvPr id="8194" name="Picture 6" descr="Whoosh">
             <a:extLst>
               <a:ext uri="{FF2B5EF4-FFF2-40B4-BE49-F238E27FC236}">
@@ -6054,165 +6203,6 @@
             <a:r>
               <a:rPr lang="en-GB" altLang="en-US"/>
               <a:t>We are proposing that this 5% of the overall patients return home after their treatment each day as the other 95% of patients do, returning to the CIC for further treatment or assessment  the next day</a:t>
-            </a:r>
-          </a:p>
-        </p:txBody>
-      </p:sp>
-    </p:spTree>
-  </p:cSld>
-  <p:clrMapOvr>
-    <a:masterClrMapping/>
-  </p:clrMapOvr>
-</p:sld>
-</file>
-
-<file path=ppt/slides/slide11.xml><?xml version="1.0" encoding="utf-8"?>
-<p:sld xmlns:a="http://schemas.openxmlformats.org/drawingml/2006/main" xmlns:r="http://schemas.openxmlformats.org/officeDocument/2006/relationships" xmlns:p="http://schemas.openxmlformats.org/presentationml/2006/main">
-  <p:cSld>
-    <p:spTree>
-      <p:nvGrpSpPr>
-        <p:cNvPr id="1" name=""/>
-        <p:cNvGrpSpPr/>
-        <p:nvPr/>
-      </p:nvGrpSpPr>
-      <p:grpSpPr>
-        <a:xfrm>
-          <a:off x="0" y="0"/>
-          <a:ext cx="0" cy="0"/>
-          <a:chOff x="0" y="0"/>
-          <a:chExt cx="0" cy="0"/>
-        </a:xfrm>
-      </p:grpSpPr>
-      <p:pic>
-        <p:nvPicPr>
-          <p:cNvPr id="12290" name="Picture 6" descr="Whoosh">
-            <a:extLst>
-              <a:ext uri="{FF2B5EF4-FFF2-40B4-BE49-F238E27FC236}">
-                <a16:creationId xmlns:a16="http://schemas.microsoft.com/office/drawing/2014/main" id="{D426872C-4429-862B-F06E-64EBCDE036B4}"/>
-              </a:ext>
-            </a:extLst>
-          </p:cNvPr>
-          <p:cNvPicPr>
-            <a:picLocks noChangeAspect="1" noChangeArrowheads="1"/>
-          </p:cNvPicPr>
-          <p:nvPr/>
-        </p:nvPicPr>
-        <p:blipFill>
-          <a:blip r:embed="rId2">
-            <a:extLst>
-              <a:ext uri="{28A0092B-C50C-407E-A947-70E740481C1C}">
-                <a14:useLocalDpi xmlns:a14="http://schemas.microsoft.com/office/drawing/2010/main" val="0"/>
-              </a:ext>
-            </a:extLst>
-          </a:blip>
-          <a:srcRect/>
-          <a:stretch>
-            <a:fillRect/>
-          </a:stretch>
-        </p:blipFill>
-        <p:spPr bwMode="auto">
-          <a:xfrm>
-            <a:off x="0" y="3892550"/>
-            <a:ext cx="9144000" cy="2965450"/>
-          </a:xfrm>
-          <a:prstGeom prst="rect">
-            <a:avLst/>
-          </a:prstGeom>
-          <a:noFill/>
-          <a:ln>
-            <a:noFill/>
-          </a:ln>
-          <a:extLst>
-            <a:ext uri="{909E8E84-426E-40DD-AFC4-6F175D3DCCD1}">
-              <a14:hiddenFill xmlns:a14="http://schemas.microsoft.com/office/drawing/2010/main">
-                <a:solidFill>
-                  <a:srgbClr val="FFFFFF"/>
-                </a:solidFill>
-              </a14:hiddenFill>
-            </a:ext>
-            <a:ext uri="{91240B29-F687-4F45-9708-019B960494DF}">
-              <a14:hiddenLine xmlns:a14="http://schemas.microsoft.com/office/drawing/2010/main" w="9525">
-                <a:solidFill>
-                  <a:srgbClr val="000000"/>
-                </a:solidFill>
-                <a:miter lim="800000"/>
-                <a:headEnd/>
-                <a:tailEnd/>
-              </a14:hiddenLine>
-            </a:ext>
-          </a:extLst>
-        </p:spPr>
-      </p:pic>
-      <p:sp>
-        <p:nvSpPr>
-          <p:cNvPr id="12291" name="Title 1">
-            <a:extLst>
-              <a:ext uri="{FF2B5EF4-FFF2-40B4-BE49-F238E27FC236}">
-                <a16:creationId xmlns:a16="http://schemas.microsoft.com/office/drawing/2014/main" id="{7D1FC264-AA21-9D78-DA44-78D269C937FA}"/>
-              </a:ext>
-            </a:extLst>
-          </p:cNvPr>
-          <p:cNvSpPr>
-            <a:spLocks noGrp="1"/>
-          </p:cNvSpPr>
-          <p:nvPr>
-            <p:ph type="title"/>
-          </p:nvPr>
-        </p:nvSpPr>
-        <p:spPr/>
-        <p:txBody>
-          <a:bodyPr/>
-          <a:lstStyle/>
-          <a:p>
-            <a:pPr algn="l" eaLnBrk="1" hangingPunct="1"/>
-            <a:r>
-              <a:rPr lang="en-GB" altLang="en-US" b="1"/>
-              <a:t>What are we NOT changing?</a:t>
-            </a:r>
-          </a:p>
-        </p:txBody>
-      </p:sp>
-      <p:sp>
-        <p:nvSpPr>
-          <p:cNvPr id="12292" name="Content Placeholder 2">
-            <a:extLst>
-              <a:ext uri="{FF2B5EF4-FFF2-40B4-BE49-F238E27FC236}">
-                <a16:creationId xmlns:a16="http://schemas.microsoft.com/office/drawing/2014/main" id="{FD60BB77-3FF6-1E2C-2267-F395F6B1F219}"/>
-              </a:ext>
-            </a:extLst>
-          </p:cNvPr>
-          <p:cNvSpPr>
-            <a:spLocks noGrp="1"/>
-          </p:cNvSpPr>
-          <p:nvPr>
-            <p:ph idx="1"/>
-          </p:nvPr>
-        </p:nvSpPr>
-        <p:spPr/>
-        <p:txBody>
-          <a:bodyPr/>
-          <a:lstStyle/>
-          <a:p>
-            <a:pPr eaLnBrk="1" hangingPunct="1">
-              <a:spcAft>
-                <a:spcPts val="1800"/>
-              </a:spcAft>
-            </a:pPr>
-            <a:r>
-              <a:rPr lang="en-GB" altLang="en-US"/>
-              <a:t>The Centre for Integrative Care will continue to provide all of its existing day services in their current setting</a:t>
-            </a:r>
-            <a:endParaRPr lang="en-GB" altLang="en-US" sz="1600"/>
-          </a:p>
-          <a:p>
-            <a:pPr eaLnBrk="1" hangingPunct="1">
-              <a:spcAft>
-                <a:spcPts val="1800"/>
-              </a:spcAft>
-            </a:pPr>
-            <a:r>
-              <a:rPr lang="en-GB" altLang="en-US"/>
-              <a:t>As only 5% of patients access the current provision of overnight accommodation, 95% of patients will see no service change at all</a:t>
             </a:r>
           </a:p>
         </p:txBody>
@@ -13947,10 +13937,10 @@
       </p:sp>
       <p:sp>
         <p:nvSpPr>
-          <p:cNvPr id="10244" name="Content Placeholder 2">
+          <p:cNvPr id="2" name="Content Placeholder 1">
             <a:extLst>
               <a:ext uri="{FF2B5EF4-FFF2-40B4-BE49-F238E27FC236}">
-                <a16:creationId xmlns:a16="http://schemas.microsoft.com/office/drawing/2014/main" id="{372B1071-FB96-C8F2-4051-F2630AD9A8B5}"/>
+                <a16:creationId xmlns:a16="http://schemas.microsoft.com/office/drawing/2014/main" id="{5478A769-7D39-9A6F-45FB-28700452DC33}"/>
               </a:ext>
             </a:extLst>
           </p:cNvPr>
@@ -13966,14 +13956,40 @@
           <a:bodyPr/>
           <a:lstStyle/>
           <a:p>
-            <a:pPr eaLnBrk="1" hangingPunct="1"/>
-            <a:r>
-              <a:rPr lang="en-GB" altLang="en-US"/>
-              <a:t>We have not been prescriptive about what the week long programme will look like, as we want input from both the Stakeholder Reference Group and Patients’ Panel on the best options for the future design of the new service</a:t>
-            </a:r>
+            <a:endParaRPr lang="en-GB"/>
           </a:p>
         </p:txBody>
       </p:sp>
+      <p:pic>
+        <p:nvPicPr>
+          <p:cNvPr id="4" name="Picture 3">
+            <a:extLst>
+              <a:ext uri="{FF2B5EF4-FFF2-40B4-BE49-F238E27FC236}">
+                <a16:creationId xmlns:a16="http://schemas.microsoft.com/office/drawing/2014/main" id="{A7C7F028-B870-A699-6167-DC6A79401A4D}"/>
+              </a:ext>
+            </a:extLst>
+          </p:cNvPr>
+          <p:cNvPicPr>
+            <a:picLocks noChangeAspect="1"/>
+          </p:cNvPicPr>
+          <p:nvPr/>
+        </p:nvPicPr>
+        <p:blipFill>
+          <a:blip r:embed="rId3"/>
+          <a:stretch>
+            <a:fillRect/>
+          </a:stretch>
+        </p:blipFill>
+        <p:spPr>
+          <a:xfrm>
+            <a:off x="107505" y="762000"/>
+            <a:ext cx="5116964" cy="3130550"/>
+          </a:xfrm>
+          <a:prstGeom prst="rect">
+            <a:avLst/>
+          </a:prstGeom>
+        </p:spPr>
+      </p:pic>
     </p:spTree>
   </p:cSld>
   <p:clrMapOvr>
@@ -14140,8 +14156,38 @@
         </p:blipFill>
         <p:spPr>
           <a:xfrm>
-            <a:off x="179512" y="859218"/>
-            <a:ext cx="4959845" cy="3073706"/>
+            <a:off x="179512" y="764704"/>
+            <a:ext cx="4959845" cy="2831423"/>
+          </a:xfrm>
+          <a:prstGeom prst="rect">
+            <a:avLst/>
+          </a:prstGeom>
+        </p:spPr>
+      </p:pic>
+      <p:pic>
+        <p:nvPicPr>
+          <p:cNvPr id="5" name="Picture 4">
+            <a:extLst>
+              <a:ext uri="{FF2B5EF4-FFF2-40B4-BE49-F238E27FC236}">
+                <a16:creationId xmlns:a16="http://schemas.microsoft.com/office/drawing/2014/main" id="{1E254B53-EBAB-36FD-9754-B900E5691B27}"/>
+              </a:ext>
+            </a:extLst>
+          </p:cNvPr>
+          <p:cNvPicPr>
+            <a:picLocks noChangeAspect="1"/>
+          </p:cNvPicPr>
+          <p:nvPr/>
+        </p:nvPicPr>
+        <p:blipFill>
+          <a:blip r:embed="rId4"/>
+          <a:stretch>
+            <a:fillRect/>
+          </a:stretch>
+        </p:blipFill>
+        <p:spPr>
+          <a:xfrm>
+            <a:off x="179512" y="3690641"/>
+            <a:ext cx="4959845" cy="3048582"/>
           </a:xfrm>
           <a:prstGeom prst="rect">
             <a:avLst/>

--- a/Final Powerpoint presentation for 12.08.22.pptx
+++ b/Final Powerpoint presentation for 12.08.22.pptx
@@ -5,7 +5,7 @@
     <p:sldMasterId id="2147483648" r:id="rId1"/>
   </p:sldMasterIdLst>
   <p:notesMasterIdLst>
-    <p:notesMasterId r:id="rId35"/>
+    <p:notesMasterId r:id="rId34"/>
   </p:notesMasterIdLst>
   <p:sldIdLst>
     <p:sldId id="256" r:id="rId2"/>
@@ -19,28 +19,27 @@
     <p:sldId id="300" r:id="rId10"/>
     <p:sldId id="320" r:id="rId11"/>
     <p:sldId id="321" r:id="rId12"/>
-    <p:sldId id="309" r:id="rId13"/>
-    <p:sldId id="306" r:id="rId14"/>
-    <p:sldId id="308" r:id="rId15"/>
-    <p:sldId id="273" r:id="rId16"/>
-    <p:sldId id="265" r:id="rId17"/>
-    <p:sldId id="266" r:id="rId18"/>
-    <p:sldId id="270" r:id="rId19"/>
-    <p:sldId id="268" r:id="rId20"/>
-    <p:sldId id="322" r:id="rId21"/>
-    <p:sldId id="298" r:id="rId22"/>
-    <p:sldId id="301" r:id="rId23"/>
-    <p:sldId id="297" r:id="rId24"/>
-    <p:sldId id="293" r:id="rId25"/>
-    <p:sldId id="294" r:id="rId26"/>
-    <p:sldId id="295" r:id="rId27"/>
-    <p:sldId id="261" r:id="rId28"/>
-    <p:sldId id="262" r:id="rId29"/>
-    <p:sldId id="312" r:id="rId30"/>
-    <p:sldId id="280" r:id="rId31"/>
-    <p:sldId id="314" r:id="rId32"/>
-    <p:sldId id="317" r:id="rId33"/>
-    <p:sldId id="318" r:id="rId34"/>
+    <p:sldId id="306" r:id="rId13"/>
+    <p:sldId id="308" r:id="rId14"/>
+    <p:sldId id="273" r:id="rId15"/>
+    <p:sldId id="265" r:id="rId16"/>
+    <p:sldId id="266" r:id="rId17"/>
+    <p:sldId id="270" r:id="rId18"/>
+    <p:sldId id="268" r:id="rId19"/>
+    <p:sldId id="322" r:id="rId20"/>
+    <p:sldId id="298" r:id="rId21"/>
+    <p:sldId id="301" r:id="rId22"/>
+    <p:sldId id="297" r:id="rId23"/>
+    <p:sldId id="293" r:id="rId24"/>
+    <p:sldId id="294" r:id="rId25"/>
+    <p:sldId id="295" r:id="rId26"/>
+    <p:sldId id="261" r:id="rId27"/>
+    <p:sldId id="262" r:id="rId28"/>
+    <p:sldId id="312" r:id="rId29"/>
+    <p:sldId id="280" r:id="rId30"/>
+    <p:sldId id="314" r:id="rId31"/>
+    <p:sldId id="317" r:id="rId32"/>
+    <p:sldId id="318" r:id="rId33"/>
   </p:sldIdLst>
   <p:sldSz cx="9144000" cy="6858000" type="screen4x3"/>
   <p:notesSz cx="7099300" cy="10234613"/>
@@ -189,305 +188,6 @@
 </file>
 
 <file path=ppt/charts/chart1.xml><?xml version="1.0" encoding="utf-8"?>
-<c:chartSpace xmlns:c="http://schemas.openxmlformats.org/drawingml/2006/chart" xmlns:a="http://schemas.openxmlformats.org/drawingml/2006/main" xmlns:r="http://schemas.openxmlformats.org/officeDocument/2006/relationships" xmlns:c16r2="http://schemas.microsoft.com/office/drawing/2015/06/chart">
-  <c:date1904 val="0"/>
-  <c:lang val="en-US"/>
-  <c:roundedCorners val="0"/>
-  <mc:AlternateContent xmlns:mc="http://schemas.openxmlformats.org/markup-compatibility/2006">
-    <mc:Choice xmlns:c14="http://schemas.microsoft.com/office/drawing/2007/8/2/chart" Requires="c14">
-      <c14:style val="102"/>
-    </mc:Choice>
-    <mc:Fallback>
-      <c:style val="2"/>
-    </mc:Fallback>
-  </mc:AlternateContent>
-  <c:clrMapOvr bg1="lt1" tx1="dk1" bg2="lt2" tx2="dk2" accent1="accent1" accent2="accent2" accent3="accent3" accent4="accent4" accent5="accent5" accent6="accent6" hlink="hlink" folHlink="folHlink"/>
-  <c:chart>
-    <c:autoTitleDeleted val="0"/>
-    <c:plotArea>
-      <c:layout/>
-      <c:barChart>
-        <c:barDir val="bar"/>
-        <c:grouping val="clustered"/>
-        <c:varyColors val="0"/>
-        <c:ser>
-          <c:idx val="0"/>
-          <c:order val="0"/>
-          <c:tx>
-            <c:strRef>
-              <c:f>Sheet1!$B$5</c:f>
-              <c:strCache>
-                <c:ptCount val="1"/>
-                <c:pt idx="0">
-                  <c:v>Inpatient attendances</c:v>
-                </c:pt>
-              </c:strCache>
-            </c:strRef>
-          </c:tx>
-          <c:invertIfNegative val="0"/>
-          <c:cat>
-            <c:strRef>
-              <c:f>Sheet1!$A$6:$A$13</c:f>
-              <c:strCache>
-                <c:ptCount val="8"/>
-                <c:pt idx="0">
-                  <c:v>Greater Glasgow &amp; Clyde</c:v>
-                </c:pt>
-                <c:pt idx="1">
-                  <c:v>Lanarkshire</c:v>
-                </c:pt>
-                <c:pt idx="2">
-                  <c:v>Ayrshire &amp; Arran</c:v>
-                </c:pt>
-                <c:pt idx="3">
-                  <c:v>Forth Valley</c:v>
-                </c:pt>
-                <c:pt idx="4">
-                  <c:v>Highland</c:v>
-                </c:pt>
-                <c:pt idx="5">
-                  <c:v>Lothian</c:v>
-                </c:pt>
-                <c:pt idx="6">
-                  <c:v>Others</c:v>
-                </c:pt>
-                <c:pt idx="7">
-                  <c:v>TOTAL</c:v>
-                </c:pt>
-              </c:strCache>
-            </c:strRef>
-          </c:cat>
-          <c:val>
-            <c:numRef>
-              <c:f>Sheet1!$B$6:$B$13</c:f>
-              <c:numCache>
-                <c:formatCode>General</c:formatCode>
-                <c:ptCount val="8"/>
-                <c:pt idx="0">
-                  <c:v>224</c:v>
-                </c:pt>
-                <c:pt idx="1">
-                  <c:v>50</c:v>
-                </c:pt>
-                <c:pt idx="2">
-                  <c:v>28</c:v>
-                </c:pt>
-                <c:pt idx="3">
-                  <c:v>14</c:v>
-                </c:pt>
-                <c:pt idx="4">
-                  <c:v>7</c:v>
-                </c:pt>
-                <c:pt idx="5">
-                  <c:v>6</c:v>
-                </c:pt>
-                <c:pt idx="6">
-                  <c:v>3</c:v>
-                </c:pt>
-                <c:pt idx="7">
-                  <c:v>332</c:v>
-                </c:pt>
-              </c:numCache>
-            </c:numRef>
-          </c:val>
-          <c:extLst>
-            <c:ext xmlns:c16="http://schemas.microsoft.com/office/drawing/2014/chart" uri="{C3380CC4-5D6E-409C-BE32-E72D297353CC}">
-              <c16:uniqueId val="{00000000-824B-4919-B095-224D667ADEA3}"/>
-            </c:ext>
-          </c:extLst>
-        </c:ser>
-        <c:ser>
-          <c:idx val="1"/>
-          <c:order val="1"/>
-          <c:tx>
-            <c:strRef>
-              <c:f>Sheet1!$C$5</c:f>
-              <c:strCache>
-                <c:ptCount val="1"/>
-                <c:pt idx="0">
-                  <c:v>Outpatient attendances</c:v>
-                </c:pt>
-              </c:strCache>
-            </c:strRef>
-          </c:tx>
-          <c:invertIfNegative val="0"/>
-          <c:cat>
-            <c:strRef>
-              <c:f>Sheet1!$A$6:$A$13</c:f>
-              <c:strCache>
-                <c:ptCount val="8"/>
-                <c:pt idx="0">
-                  <c:v>Greater Glasgow &amp; Clyde</c:v>
-                </c:pt>
-                <c:pt idx="1">
-                  <c:v>Lanarkshire</c:v>
-                </c:pt>
-                <c:pt idx="2">
-                  <c:v>Ayrshire &amp; Arran</c:v>
-                </c:pt>
-                <c:pt idx="3">
-                  <c:v>Forth Valley</c:v>
-                </c:pt>
-                <c:pt idx="4">
-                  <c:v>Highland</c:v>
-                </c:pt>
-                <c:pt idx="5">
-                  <c:v>Lothian</c:v>
-                </c:pt>
-                <c:pt idx="6">
-                  <c:v>Others</c:v>
-                </c:pt>
-                <c:pt idx="7">
-                  <c:v>TOTAL</c:v>
-                </c:pt>
-              </c:strCache>
-            </c:strRef>
-          </c:cat>
-          <c:val>
-            <c:numRef>
-              <c:f>Sheet1!$C$6:$C$13</c:f>
-              <c:numCache>
-                <c:formatCode>General</c:formatCode>
-                <c:ptCount val="8"/>
-                <c:pt idx="0">
-                  <c:v>4070</c:v>
-                </c:pt>
-                <c:pt idx="1">
-                  <c:v>827</c:v>
-                </c:pt>
-                <c:pt idx="2">
-                  <c:v>322</c:v>
-                </c:pt>
-                <c:pt idx="3">
-                  <c:v>185</c:v>
-                </c:pt>
-                <c:pt idx="4">
-                  <c:v>162</c:v>
-                </c:pt>
-                <c:pt idx="5">
-                  <c:v>80</c:v>
-                </c:pt>
-                <c:pt idx="6">
-                  <c:v>91</c:v>
-                </c:pt>
-                <c:pt idx="7">
-                  <c:v>5737</c:v>
-                </c:pt>
-              </c:numCache>
-            </c:numRef>
-          </c:val>
-          <c:extLst>
-            <c:ext xmlns:c16="http://schemas.microsoft.com/office/drawing/2014/chart" uri="{C3380CC4-5D6E-409C-BE32-E72D297353CC}">
-              <c16:uniqueId val="{00000001-824B-4919-B095-224D667ADEA3}"/>
-            </c:ext>
-          </c:extLst>
-        </c:ser>
-        <c:dLbls>
-          <c:showLegendKey val="0"/>
-          <c:showVal val="0"/>
-          <c:showCatName val="0"/>
-          <c:showSerName val="0"/>
-          <c:showPercent val="0"/>
-          <c:showBubbleSize val="0"/>
-        </c:dLbls>
-        <c:gapWidth val="150"/>
-        <c:axId val="92027520"/>
-        <c:axId val="108009344"/>
-      </c:barChart>
-      <c:catAx>
-        <c:axId val="92027520"/>
-        <c:scaling>
-          <c:orientation val="maxMin"/>
-        </c:scaling>
-        <c:delete val="0"/>
-        <c:axPos val="l"/>
-        <c:numFmt formatCode="General" sourceLinked="0"/>
-        <c:majorTickMark val="out"/>
-        <c:minorTickMark val="none"/>
-        <c:tickLblPos val="nextTo"/>
-        <c:txPr>
-          <a:bodyPr/>
-          <a:lstStyle/>
-          <a:p>
-            <a:pPr>
-              <a:defRPr sz="1600" b="1"/>
-            </a:pPr>
-            <a:endParaRPr lang="en-US"/>
-          </a:p>
-        </c:txPr>
-        <c:crossAx val="108009344"/>
-        <c:crosses val="autoZero"/>
-        <c:auto val="1"/>
-        <c:lblAlgn val="ctr"/>
-        <c:lblOffset val="100"/>
-        <c:noMultiLvlLbl val="0"/>
-      </c:catAx>
-      <c:valAx>
-        <c:axId val="108009344"/>
-        <c:scaling>
-          <c:orientation val="minMax"/>
-          <c:max val="6000"/>
-        </c:scaling>
-        <c:delete val="0"/>
-        <c:axPos val="t"/>
-        <c:majorGridlines/>
-        <c:numFmt formatCode="General" sourceLinked="1"/>
-        <c:majorTickMark val="out"/>
-        <c:minorTickMark val="none"/>
-        <c:tickLblPos val="nextTo"/>
-        <c:txPr>
-          <a:bodyPr/>
-          <a:lstStyle/>
-          <a:p>
-            <a:pPr>
-              <a:defRPr sz="1600"/>
-            </a:pPr>
-            <a:endParaRPr lang="en-US"/>
-          </a:p>
-        </c:txPr>
-        <c:crossAx val="92027520"/>
-        <c:crosses val="autoZero"/>
-        <c:crossBetween val="between"/>
-      </c:valAx>
-    </c:plotArea>
-    <c:legend>
-      <c:legendPos val="t"/>
-      <c:overlay val="0"/>
-      <c:txPr>
-        <a:bodyPr/>
-        <a:lstStyle/>
-        <a:p>
-          <a:pPr>
-            <a:defRPr sz="1800" b="1"/>
-          </a:pPr>
-          <a:endParaRPr lang="en-US"/>
-        </a:p>
-      </c:txPr>
-    </c:legend>
-    <c:plotVisOnly val="1"/>
-    <c:dispBlanksAs val="gap"/>
-    <c:showDLblsOverMax val="0"/>
-  </c:chart>
-  <c:txPr>
-    <a:bodyPr/>
-    <a:lstStyle/>
-    <a:p>
-      <a:pPr>
-        <a:defRPr sz="1100">
-          <a:latin typeface="Arial" pitchFamily="34" charset="0"/>
-          <a:cs typeface="Arial" pitchFamily="34" charset="0"/>
-        </a:defRPr>
-      </a:pPr>
-      <a:endParaRPr lang="en-US"/>
-    </a:p>
-  </c:txPr>
-  <c:externalData r:id="rId2">
-    <c:autoUpdate val="0"/>
-  </c:externalData>
-</c:chartSpace>
-</file>
-
-<file path=ppt/charts/chart2.xml><?xml version="1.0" encoding="utf-8"?>
 <c:chartSpace xmlns:c="http://schemas.openxmlformats.org/drawingml/2006/chart" xmlns:a="http://schemas.openxmlformats.org/drawingml/2006/main" xmlns:r="http://schemas.openxmlformats.org/officeDocument/2006/relationships" xmlns:c16r2="http://schemas.microsoft.com/office/drawing/2015/06/chart">
   <c:date1904 val="0"/>
   <c:lang val="en-US"/>
@@ -1022,7 +722,7 @@
 </c:chartSpace>
 </file>
 
-<file path=ppt/charts/chart3.xml><?xml version="1.0" encoding="utf-8"?>
+<file path=ppt/charts/chart2.xml><?xml version="1.0" encoding="utf-8"?>
 <c:chartSpace xmlns:c="http://schemas.openxmlformats.org/drawingml/2006/chart" xmlns:a="http://schemas.openxmlformats.org/drawingml/2006/main" xmlns:r="http://schemas.openxmlformats.org/officeDocument/2006/relationships" xmlns:c16r2="http://schemas.microsoft.com/office/drawing/2015/06/chart">
   <c:date1904 val="0"/>
   <c:lang val="en-US"/>
@@ -6232,143 +5932,6 @@
           <a:chExt cx="0" cy="0"/>
         </a:xfrm>
       </p:grpSpPr>
-      <p:graphicFrame>
-        <p:nvGraphicFramePr>
-          <p:cNvPr id="4" name="Chart 3">
-            <a:extLst>
-              <a:ext uri="{FF2B5EF4-FFF2-40B4-BE49-F238E27FC236}">
-                <a16:creationId xmlns:a16="http://schemas.microsoft.com/office/drawing/2014/main" id="{459906F2-5B63-A3B6-DD3D-DC2B7A977383}"/>
-              </a:ext>
-            </a:extLst>
-          </p:cNvPr>
-          <p:cNvGraphicFramePr/>
-          <p:nvPr/>
-        </p:nvGraphicFramePr>
-        <p:xfrm>
-          <a:off x="611560" y="1412776"/>
-          <a:ext cx="7704856" cy="3816424"/>
-        </p:xfrm>
-        <a:graphic>
-          <a:graphicData uri="http://schemas.openxmlformats.org/drawingml/2006/chart">
-            <c:chart xmlns:c="http://schemas.openxmlformats.org/drawingml/2006/chart" xmlns:r="http://schemas.openxmlformats.org/officeDocument/2006/relationships" r:id="rId2"/>
-          </a:graphicData>
-        </a:graphic>
-      </p:graphicFrame>
-      <p:sp>
-        <p:nvSpPr>
-          <p:cNvPr id="13315" name="Title 2">
-            <a:extLst>
-              <a:ext uri="{FF2B5EF4-FFF2-40B4-BE49-F238E27FC236}">
-                <a16:creationId xmlns:a16="http://schemas.microsoft.com/office/drawing/2014/main" id="{23719440-2080-30DE-A9F3-077D19EBBB80}"/>
-              </a:ext>
-            </a:extLst>
-          </p:cNvPr>
-          <p:cNvSpPr>
-            <a:spLocks noGrp="1"/>
-          </p:cNvSpPr>
-          <p:nvPr>
-            <p:ph type="title"/>
-          </p:nvPr>
-        </p:nvSpPr>
-        <p:spPr>
-          <a:xfrm>
-            <a:off x="684213" y="765175"/>
-            <a:ext cx="7559675" cy="587375"/>
-          </a:xfrm>
-        </p:spPr>
-        <p:txBody>
-          <a:bodyPr/>
-          <a:lstStyle/>
-          <a:p>
-            <a:pPr algn="l"/>
-            <a:r>
-              <a:rPr lang="en-GB" altLang="en-US" sz="4000" b="1"/>
-              <a:t>CIC Current Service Provision</a:t>
-            </a:r>
-          </a:p>
-        </p:txBody>
-      </p:sp>
-      <p:sp>
-        <p:nvSpPr>
-          <p:cNvPr id="12292" name="Content Placeholder 4">
-            <a:extLst>
-              <a:ext uri="{FF2B5EF4-FFF2-40B4-BE49-F238E27FC236}">
-                <a16:creationId xmlns:a16="http://schemas.microsoft.com/office/drawing/2014/main" id="{FB873745-5E4A-8CE4-E1FC-702790B0504C}"/>
-              </a:ext>
-            </a:extLst>
-          </p:cNvPr>
-          <p:cNvSpPr>
-            <a:spLocks noGrp="1"/>
-          </p:cNvSpPr>
-          <p:nvPr>
-            <p:ph idx="1"/>
-          </p:nvPr>
-        </p:nvSpPr>
-        <p:spPr>
-          <a:xfrm>
-            <a:off x="827088" y="5229225"/>
-            <a:ext cx="7772400" cy="1368425"/>
-          </a:xfrm>
-        </p:spPr>
-        <p:txBody>
-          <a:bodyPr/>
-          <a:lstStyle/>
-          <a:p>
-            <a:pPr marL="0" indent="0">
-              <a:buFontTx/>
-              <a:buNone/>
-              <a:defRPr/>
-            </a:pPr>
-            <a:r>
-              <a:rPr lang="en-GB" sz="2400" dirty="0"/>
-              <a:t>Of the total of 6,069 CIC attendances:</a:t>
-            </a:r>
-          </a:p>
-          <a:p>
-            <a:pPr marL="441325" indent="-252413">
-              <a:defRPr/>
-            </a:pPr>
-            <a:r>
-              <a:rPr lang="en-GB" sz="2400" dirty="0"/>
-              <a:t>5,737 (95%) are outpatients</a:t>
-            </a:r>
-          </a:p>
-          <a:p>
-            <a:pPr marL="441325" indent="-252413">
-              <a:defRPr/>
-            </a:pPr>
-            <a:r>
-              <a:rPr lang="en-GB" sz="2400" dirty="0"/>
-              <a:t>4,294 (71%) are by GGC residents</a:t>
-            </a:r>
-          </a:p>
-        </p:txBody>
-      </p:sp>
-    </p:spTree>
-  </p:cSld>
-  <p:clrMapOvr>
-    <a:masterClrMapping/>
-  </p:clrMapOvr>
-</p:sld>
-</file>
-
-<file path=ppt/slides/slide13.xml><?xml version="1.0" encoding="utf-8"?>
-<p:sld xmlns:a="http://schemas.openxmlformats.org/drawingml/2006/main" xmlns:r="http://schemas.openxmlformats.org/officeDocument/2006/relationships" xmlns:p="http://schemas.openxmlformats.org/presentationml/2006/main">
-  <p:cSld>
-    <p:spTree>
-      <p:nvGrpSpPr>
-        <p:cNvPr id="1" name=""/>
-        <p:cNvGrpSpPr/>
-        <p:nvPr/>
-      </p:nvGrpSpPr>
-      <p:grpSpPr>
-        <a:xfrm>
-          <a:off x="0" y="0"/>
-          <a:ext cx="0" cy="0"/>
-          <a:chOff x="0" y="0"/>
-          <a:chExt cx="0" cy="0"/>
-        </a:xfrm>
-      </p:grpSpPr>
       <p:pic>
         <p:nvPicPr>
           <p:cNvPr id="14338" name="Picture 6" descr="Whoosh">
@@ -6447,7 +6010,7 @@
         </p:nvSpPr>
         <p:spPr>
           <a:xfrm>
-            <a:off x="539750" y="476250"/>
+            <a:off x="-33958" y="-243408"/>
             <a:ext cx="8134350" cy="1143000"/>
           </a:xfrm>
         </p:spPr>
@@ -6457,18 +6020,18 @@
           <a:p>
             <a:pPr algn="l"/>
             <a:r>
-              <a:rPr lang="en-GB" altLang="en-US" sz="4000" b="1"/>
-              <a:t>Current Multi Day Programme </a:t>
+              <a:rPr lang="en-GB" altLang="en-US" sz="4000" b="1" dirty="0"/>
+              <a:t>Shiny Dashboard</a:t>
             </a:r>
           </a:p>
         </p:txBody>
       </p:sp>
       <p:sp>
         <p:nvSpPr>
-          <p:cNvPr id="14340" name="Content Placeholder 2">
+          <p:cNvPr id="2" name="Content Placeholder 1">
             <a:extLst>
               <a:ext uri="{FF2B5EF4-FFF2-40B4-BE49-F238E27FC236}">
-                <a16:creationId xmlns:a16="http://schemas.microsoft.com/office/drawing/2014/main" id="{4DE55F91-3567-0130-EC94-8E4C9318F692}"/>
+                <a16:creationId xmlns:a16="http://schemas.microsoft.com/office/drawing/2014/main" id="{C40039FB-6060-B9A4-20C5-3A610FF473DB}"/>
               </a:ext>
             </a:extLst>
           </p:cNvPr>
@@ -6479,44 +6042,12 @@
             <p:ph idx="1"/>
           </p:nvPr>
         </p:nvSpPr>
-        <p:spPr>
-          <a:xfrm>
-            <a:off x="755650" y="1844675"/>
-            <a:ext cx="7772400" cy="4114800"/>
-          </a:xfrm>
-        </p:spPr>
+        <p:spPr/>
         <p:txBody>
           <a:bodyPr/>
           <a:lstStyle/>
           <a:p>
-            <a:r>
-              <a:rPr lang="en-GB" altLang="en-US" sz="2800"/>
-              <a:t>The current programme offers a five consecutive day programme delivered during core hours daily by the nursing team and provides the opportunity to achieve a holistic assessment of patients’ problems</a:t>
-            </a:r>
-          </a:p>
-          <a:p>
-            <a:pPr>
-              <a:buFontTx/>
-              <a:buNone/>
-            </a:pPr>
-            <a:endParaRPr lang="en-GB" altLang="en-US" sz="1100"/>
-          </a:p>
-          <a:p>
-            <a:pPr eaLnBrk="1" fontAlgn="b" hangingPunct="1"/>
-            <a:r>
-              <a:rPr lang="en-GB" altLang="en-US" sz="2800"/>
-              <a:t>Patients may also receive Complimentary Therapy or Acupuncture if referred by the Ward Doctor</a:t>
-            </a:r>
-          </a:p>
-          <a:p>
-            <a:endParaRPr lang="en-GB" altLang="en-US"/>
-          </a:p>
-          <a:p>
-            <a:pPr>
-              <a:buFontTx/>
-              <a:buNone/>
-            </a:pPr>
-            <a:endParaRPr lang="en-GB" altLang="en-US"/>
+            <a:endParaRPr lang="en-GB"/>
           </a:p>
         </p:txBody>
       </p:sp>
@@ -6528,7 +6059,7 @@
 </p:sld>
 </file>
 
-<file path=ppt/slides/slide14.xml><?xml version="1.0" encoding="utf-8"?>
+<file path=ppt/slides/slide13.xml><?xml version="1.0" encoding="utf-8"?>
 <p:sld xmlns:a="http://schemas.openxmlformats.org/drawingml/2006/main" xmlns:r="http://schemas.openxmlformats.org/officeDocument/2006/relationships" xmlns:p="http://schemas.openxmlformats.org/presentationml/2006/main">
   <p:cSld>
     <p:spTree>
@@ -8957,7 +8488,7 @@
 </p:sld>
 </file>
 
-<file path=ppt/slides/slide15.xml><?xml version="1.0" encoding="utf-8"?>
+<file path=ppt/slides/slide14.xml><?xml version="1.0" encoding="utf-8"?>
 <p:sld xmlns:a="http://schemas.openxmlformats.org/drawingml/2006/main" xmlns:r="http://schemas.openxmlformats.org/officeDocument/2006/relationships" xmlns:p="http://schemas.openxmlformats.org/presentationml/2006/main">
   <p:cSld>
     <p:spTree>
@@ -9076,7 +8607,7 @@
 </p:sld>
 </file>
 
-<file path=ppt/slides/slide16.xml><?xml version="1.0" encoding="utf-8"?>
+<file path=ppt/slides/slide15.xml><?xml version="1.0" encoding="utf-8"?>
 <p:sld xmlns:a="http://schemas.openxmlformats.org/drawingml/2006/main" xmlns:r="http://schemas.openxmlformats.org/officeDocument/2006/relationships" xmlns:p="http://schemas.openxmlformats.org/presentationml/2006/main">
   <p:cSld>
     <p:spTree>
@@ -9255,7 +8786,7 @@
 </p:sld>
 </file>
 
-<file path=ppt/slides/slide17.xml><?xml version="1.0" encoding="utf-8"?>
+<file path=ppt/slides/slide16.xml><?xml version="1.0" encoding="utf-8"?>
 <p:sld xmlns:a="http://schemas.openxmlformats.org/drawingml/2006/main" xmlns:r="http://schemas.openxmlformats.org/officeDocument/2006/relationships" xmlns:p="http://schemas.openxmlformats.org/presentationml/2006/main">
   <p:cSld>
     <p:spTree>
@@ -10384,7 +9915,7 @@
 </p:sld>
 </file>
 
-<file path=ppt/slides/slide18.xml><?xml version="1.0" encoding="utf-8"?>
+<file path=ppt/slides/slide17.xml><?xml version="1.0" encoding="utf-8"?>
 <p:sld xmlns:a="http://schemas.openxmlformats.org/drawingml/2006/main" xmlns:r="http://schemas.openxmlformats.org/officeDocument/2006/relationships" xmlns:p="http://schemas.openxmlformats.org/presentationml/2006/main">
   <p:cSld>
     <p:spTree>
@@ -10524,7 +10055,7 @@
 </p:sld>
 </file>
 
-<file path=ppt/slides/slide19.xml><?xml version="1.0" encoding="utf-8"?>
+<file path=ppt/slides/slide18.xml><?xml version="1.0" encoding="utf-8"?>
 <p:sld xmlns:a="http://schemas.openxmlformats.org/drawingml/2006/main" xmlns:r="http://schemas.openxmlformats.org/officeDocument/2006/relationships" xmlns:p="http://schemas.openxmlformats.org/presentationml/2006/main">
   <p:cSld>
     <p:spTree>
@@ -10609,182 +10140,7 @@
 </p:sld>
 </file>
 
-<file path=ppt/slides/slide2.xml><?xml version="1.0" encoding="utf-8"?>
-<p:sld xmlns:a="http://schemas.openxmlformats.org/drawingml/2006/main" xmlns:r="http://schemas.openxmlformats.org/officeDocument/2006/relationships" xmlns:p="http://schemas.openxmlformats.org/presentationml/2006/main">
-  <p:cSld>
-    <p:spTree>
-      <p:nvGrpSpPr>
-        <p:cNvPr id="1" name=""/>
-        <p:cNvGrpSpPr/>
-        <p:nvPr/>
-      </p:nvGrpSpPr>
-      <p:grpSpPr>
-        <a:xfrm>
-          <a:off x="0" y="0"/>
-          <a:ext cx="0" cy="0"/>
-          <a:chOff x="0" y="0"/>
-          <a:chExt cx="0" cy="0"/>
-        </a:xfrm>
-      </p:grpSpPr>
-      <p:pic>
-        <p:nvPicPr>
-          <p:cNvPr id="3076" name="Picture 6" descr="Whoosh">
-            <a:extLst>
-              <a:ext uri="{FF2B5EF4-FFF2-40B4-BE49-F238E27FC236}">
-                <a16:creationId xmlns:a16="http://schemas.microsoft.com/office/drawing/2014/main" id="{56805B9A-C037-1FDA-CBFE-4C740F4A375D}"/>
-              </a:ext>
-            </a:extLst>
-          </p:cNvPr>
-          <p:cNvPicPr>
-            <a:picLocks noChangeAspect="1" noChangeArrowheads="1"/>
-          </p:cNvPicPr>
-          <p:nvPr/>
-        </p:nvPicPr>
-        <p:blipFill>
-          <a:blip r:embed="rId2">
-            <a:extLst>
-              <a:ext uri="{28A0092B-C50C-407E-A947-70E740481C1C}">
-                <a14:useLocalDpi xmlns:a14="http://schemas.microsoft.com/office/drawing/2010/main" val="0"/>
-              </a:ext>
-            </a:extLst>
-          </a:blip>
-          <a:srcRect/>
-          <a:stretch>
-            <a:fillRect/>
-          </a:stretch>
-        </p:blipFill>
-        <p:spPr bwMode="auto">
-          <a:xfrm>
-            <a:off x="0" y="3892550"/>
-            <a:ext cx="9144000" cy="2965450"/>
-          </a:xfrm>
-          <a:prstGeom prst="rect">
-            <a:avLst/>
-          </a:prstGeom>
-          <a:noFill/>
-          <a:ln>
-            <a:noFill/>
-          </a:ln>
-          <a:extLst>
-            <a:ext uri="{909E8E84-426E-40DD-AFC4-6F175D3DCCD1}">
-              <a14:hiddenFill xmlns:a14="http://schemas.microsoft.com/office/drawing/2010/main">
-                <a:solidFill>
-                  <a:srgbClr val="FFFFFF"/>
-                </a:solidFill>
-              </a14:hiddenFill>
-            </a:ext>
-            <a:ext uri="{91240B29-F687-4F45-9708-019B960494DF}">
-              <a14:hiddenLine xmlns:a14="http://schemas.microsoft.com/office/drawing/2010/main" w="9525">
-                <a:solidFill>
-                  <a:srgbClr val="000000"/>
-                </a:solidFill>
-                <a:miter lim="800000"/>
-                <a:headEnd/>
-                <a:tailEnd/>
-              </a14:hiddenLine>
-            </a:ext>
-          </a:extLst>
-        </p:spPr>
-      </p:pic>
-      <p:sp>
-        <p:nvSpPr>
-          <p:cNvPr id="3074" name="Title 1">
-            <a:extLst>
-              <a:ext uri="{FF2B5EF4-FFF2-40B4-BE49-F238E27FC236}">
-                <a16:creationId xmlns:a16="http://schemas.microsoft.com/office/drawing/2014/main" id="{DB405E41-8DBE-0A2D-7587-F65A429379FA}"/>
-              </a:ext>
-            </a:extLst>
-          </p:cNvPr>
-          <p:cNvSpPr>
-            <a:spLocks noGrp="1"/>
-          </p:cNvSpPr>
-          <p:nvPr>
-            <p:ph type="title"/>
-          </p:nvPr>
-        </p:nvSpPr>
-        <p:spPr/>
-        <p:txBody>
-          <a:bodyPr/>
-          <a:lstStyle/>
-          <a:p>
-            <a:pPr algn="l" eaLnBrk="1" hangingPunct="1"/>
-            <a:r>
-              <a:rPr lang="en-GB" altLang="en-US" b="1" dirty="0"/>
-              <a:t>Intent of our report</a:t>
-            </a:r>
-          </a:p>
-        </p:txBody>
-      </p:sp>
-      <p:sp>
-        <p:nvSpPr>
-          <p:cNvPr id="3075" name="Content Placeholder 2">
-            <a:extLst>
-              <a:ext uri="{FF2B5EF4-FFF2-40B4-BE49-F238E27FC236}">
-                <a16:creationId xmlns:a16="http://schemas.microsoft.com/office/drawing/2014/main" id="{288F9F58-AD57-A1AA-493E-A317F4F81FD9}"/>
-              </a:ext>
-            </a:extLst>
-          </p:cNvPr>
-          <p:cNvSpPr>
-            <a:spLocks noGrp="1"/>
-          </p:cNvSpPr>
-          <p:nvPr>
-            <p:ph idx="1"/>
-          </p:nvPr>
-        </p:nvSpPr>
-        <p:spPr/>
-        <p:txBody>
-          <a:bodyPr/>
-          <a:lstStyle/>
-          <a:p>
-            <a:pPr eaLnBrk="1" hangingPunct="1"/>
-            <a:r>
-              <a:rPr lang="en-US" altLang="en-US" sz="3200" b="1" dirty="0">
-                <a:latin typeface="+mj-lt"/>
-              </a:rPr>
-              <a:t>Impact of Covid on hospitalizations</a:t>
-            </a:r>
-          </a:p>
-          <a:p>
-            <a:pPr eaLnBrk="1" hangingPunct="1"/>
-            <a:r>
-              <a:rPr lang="en-US" altLang="en-US" sz="3200" b="1" dirty="0">
-                <a:latin typeface="+mj-lt"/>
-              </a:rPr>
-              <a:t>Impact of Covid on demographics</a:t>
-            </a:r>
-          </a:p>
-          <a:p>
-            <a:pPr eaLnBrk="1" hangingPunct="1"/>
-            <a:r>
-              <a:rPr lang="en-US" altLang="en-US" sz="3200" b="1" dirty="0">
-                <a:latin typeface="+mj-lt"/>
-              </a:rPr>
-              <a:t>General trend of consequent admissions</a:t>
-            </a:r>
-          </a:p>
-          <a:p>
-            <a:pPr eaLnBrk="1" hangingPunct="1"/>
-            <a:r>
-              <a:rPr lang="en-US" altLang="en-US" b="1" dirty="0">
-                <a:latin typeface="+mj-lt"/>
-              </a:rPr>
-              <a:t>Representation in Shiny dashboard</a:t>
-            </a:r>
-            <a:endParaRPr lang="en-GB" altLang="en-US" dirty="0">
-              <a:latin typeface="+mj-lt"/>
-            </a:endParaRPr>
-          </a:p>
-        </p:txBody>
-      </p:sp>
-    </p:spTree>
-  </p:cSld>
-  <p:clrMapOvr>
-    <a:masterClrMapping/>
-  </p:clrMapOvr>
-</p:sld>
-</file>
-
-<file path=ppt/slides/slide20.xml><?xml version="1.0" encoding="utf-8"?>
+<file path=ppt/slides/slide19.xml><?xml version="1.0" encoding="utf-8"?>
 <p:sld xmlns:a="http://schemas.openxmlformats.org/drawingml/2006/main" xmlns:r="http://schemas.openxmlformats.org/officeDocument/2006/relationships" xmlns:p="http://schemas.openxmlformats.org/presentationml/2006/main">
   <p:cSld>
     <p:spTree>
@@ -11000,7 +10356,182 @@
 </p:sld>
 </file>
 
-<file path=ppt/slides/slide21.xml><?xml version="1.0" encoding="utf-8"?>
+<file path=ppt/slides/slide2.xml><?xml version="1.0" encoding="utf-8"?>
+<p:sld xmlns:a="http://schemas.openxmlformats.org/drawingml/2006/main" xmlns:r="http://schemas.openxmlformats.org/officeDocument/2006/relationships" xmlns:p="http://schemas.openxmlformats.org/presentationml/2006/main">
+  <p:cSld>
+    <p:spTree>
+      <p:nvGrpSpPr>
+        <p:cNvPr id="1" name=""/>
+        <p:cNvGrpSpPr/>
+        <p:nvPr/>
+      </p:nvGrpSpPr>
+      <p:grpSpPr>
+        <a:xfrm>
+          <a:off x="0" y="0"/>
+          <a:ext cx="0" cy="0"/>
+          <a:chOff x="0" y="0"/>
+          <a:chExt cx="0" cy="0"/>
+        </a:xfrm>
+      </p:grpSpPr>
+      <p:pic>
+        <p:nvPicPr>
+          <p:cNvPr id="3076" name="Picture 6" descr="Whoosh">
+            <a:extLst>
+              <a:ext uri="{FF2B5EF4-FFF2-40B4-BE49-F238E27FC236}">
+                <a16:creationId xmlns:a16="http://schemas.microsoft.com/office/drawing/2014/main" id="{56805B9A-C037-1FDA-CBFE-4C740F4A375D}"/>
+              </a:ext>
+            </a:extLst>
+          </p:cNvPr>
+          <p:cNvPicPr>
+            <a:picLocks noChangeAspect="1" noChangeArrowheads="1"/>
+          </p:cNvPicPr>
+          <p:nvPr/>
+        </p:nvPicPr>
+        <p:blipFill>
+          <a:blip r:embed="rId2">
+            <a:extLst>
+              <a:ext uri="{28A0092B-C50C-407E-A947-70E740481C1C}">
+                <a14:useLocalDpi xmlns:a14="http://schemas.microsoft.com/office/drawing/2010/main" val="0"/>
+              </a:ext>
+            </a:extLst>
+          </a:blip>
+          <a:srcRect/>
+          <a:stretch>
+            <a:fillRect/>
+          </a:stretch>
+        </p:blipFill>
+        <p:spPr bwMode="auto">
+          <a:xfrm>
+            <a:off x="0" y="3892550"/>
+            <a:ext cx="9144000" cy="2965450"/>
+          </a:xfrm>
+          <a:prstGeom prst="rect">
+            <a:avLst/>
+          </a:prstGeom>
+          <a:noFill/>
+          <a:ln>
+            <a:noFill/>
+          </a:ln>
+          <a:extLst>
+            <a:ext uri="{909E8E84-426E-40DD-AFC4-6F175D3DCCD1}">
+              <a14:hiddenFill xmlns:a14="http://schemas.microsoft.com/office/drawing/2010/main">
+                <a:solidFill>
+                  <a:srgbClr val="FFFFFF"/>
+                </a:solidFill>
+              </a14:hiddenFill>
+            </a:ext>
+            <a:ext uri="{91240B29-F687-4F45-9708-019B960494DF}">
+              <a14:hiddenLine xmlns:a14="http://schemas.microsoft.com/office/drawing/2010/main" w="9525">
+                <a:solidFill>
+                  <a:srgbClr val="000000"/>
+                </a:solidFill>
+                <a:miter lim="800000"/>
+                <a:headEnd/>
+                <a:tailEnd/>
+              </a14:hiddenLine>
+            </a:ext>
+          </a:extLst>
+        </p:spPr>
+      </p:pic>
+      <p:sp>
+        <p:nvSpPr>
+          <p:cNvPr id="3074" name="Title 1">
+            <a:extLst>
+              <a:ext uri="{FF2B5EF4-FFF2-40B4-BE49-F238E27FC236}">
+                <a16:creationId xmlns:a16="http://schemas.microsoft.com/office/drawing/2014/main" id="{DB405E41-8DBE-0A2D-7587-F65A429379FA}"/>
+              </a:ext>
+            </a:extLst>
+          </p:cNvPr>
+          <p:cNvSpPr>
+            <a:spLocks noGrp="1"/>
+          </p:cNvSpPr>
+          <p:nvPr>
+            <p:ph type="title"/>
+          </p:nvPr>
+        </p:nvSpPr>
+        <p:spPr/>
+        <p:txBody>
+          <a:bodyPr/>
+          <a:lstStyle/>
+          <a:p>
+            <a:pPr algn="l" eaLnBrk="1" hangingPunct="1"/>
+            <a:r>
+              <a:rPr lang="en-GB" altLang="en-US" b="1" dirty="0"/>
+              <a:t>Intent of our report</a:t>
+            </a:r>
+          </a:p>
+        </p:txBody>
+      </p:sp>
+      <p:sp>
+        <p:nvSpPr>
+          <p:cNvPr id="3075" name="Content Placeholder 2">
+            <a:extLst>
+              <a:ext uri="{FF2B5EF4-FFF2-40B4-BE49-F238E27FC236}">
+                <a16:creationId xmlns:a16="http://schemas.microsoft.com/office/drawing/2014/main" id="{288F9F58-AD57-A1AA-493E-A317F4F81FD9}"/>
+              </a:ext>
+            </a:extLst>
+          </p:cNvPr>
+          <p:cNvSpPr>
+            <a:spLocks noGrp="1"/>
+          </p:cNvSpPr>
+          <p:nvPr>
+            <p:ph idx="1"/>
+          </p:nvPr>
+        </p:nvSpPr>
+        <p:spPr/>
+        <p:txBody>
+          <a:bodyPr/>
+          <a:lstStyle/>
+          <a:p>
+            <a:pPr eaLnBrk="1" hangingPunct="1"/>
+            <a:r>
+              <a:rPr lang="en-US" altLang="en-US" sz="3200" b="1" dirty="0">
+                <a:latin typeface="+mj-lt"/>
+              </a:rPr>
+              <a:t>Impact of Covid on hospitalizations</a:t>
+            </a:r>
+          </a:p>
+          <a:p>
+            <a:pPr eaLnBrk="1" hangingPunct="1"/>
+            <a:r>
+              <a:rPr lang="en-US" altLang="en-US" sz="3200" b="1" dirty="0">
+                <a:latin typeface="+mj-lt"/>
+              </a:rPr>
+              <a:t>Impact of Covid on demographics</a:t>
+            </a:r>
+          </a:p>
+          <a:p>
+            <a:pPr eaLnBrk="1" hangingPunct="1"/>
+            <a:r>
+              <a:rPr lang="en-US" altLang="en-US" sz="3200" b="1" dirty="0">
+                <a:latin typeface="+mj-lt"/>
+              </a:rPr>
+              <a:t>General trend of consequent admissions</a:t>
+            </a:r>
+          </a:p>
+          <a:p>
+            <a:pPr eaLnBrk="1" hangingPunct="1"/>
+            <a:r>
+              <a:rPr lang="en-US" altLang="en-US" b="1" dirty="0">
+                <a:latin typeface="+mj-lt"/>
+              </a:rPr>
+              <a:t>Representation in Shiny dashboard</a:t>
+            </a:r>
+            <a:endParaRPr lang="en-GB" altLang="en-US" dirty="0">
+              <a:latin typeface="+mj-lt"/>
+            </a:endParaRPr>
+          </a:p>
+        </p:txBody>
+      </p:sp>
+    </p:spTree>
+  </p:cSld>
+  <p:clrMapOvr>
+    <a:masterClrMapping/>
+  </p:clrMapOvr>
+</p:sld>
+</file>
+
+<file path=ppt/slides/slide20.xml><?xml version="1.0" encoding="utf-8"?>
 <p:sld xmlns:a="http://schemas.openxmlformats.org/drawingml/2006/main" xmlns:r="http://schemas.openxmlformats.org/officeDocument/2006/relationships" xmlns:p="http://schemas.openxmlformats.org/presentationml/2006/main">
   <p:cSld>
     <p:spTree>
@@ -11182,7 +10713,7 @@
 </p:sld>
 </file>
 
-<file path=ppt/slides/slide22.xml><?xml version="1.0" encoding="utf-8"?>
+<file path=ppt/slides/slide21.xml><?xml version="1.0" encoding="utf-8"?>
 <p:sld xmlns:a="http://schemas.openxmlformats.org/drawingml/2006/main" xmlns:r="http://schemas.openxmlformats.org/officeDocument/2006/relationships" xmlns:p="http://schemas.openxmlformats.org/presentationml/2006/main">
   <p:cSld>
     <p:spTree>
@@ -11488,7 +11019,7 @@
 </p:sld>
 </file>
 
-<file path=ppt/slides/slide23.xml><?xml version="1.0" encoding="utf-8"?>
+<file path=ppt/slides/slide22.xml><?xml version="1.0" encoding="utf-8"?>
 <p:sld xmlns:a="http://schemas.openxmlformats.org/drawingml/2006/main" xmlns:r="http://schemas.openxmlformats.org/officeDocument/2006/relationships" xmlns:p="http://schemas.openxmlformats.org/presentationml/2006/main">
   <p:cSld>
     <p:spTree>
@@ -11677,7 +11208,7 @@
 </p:sld>
 </file>
 
-<file path=ppt/slides/slide24.xml><?xml version="1.0" encoding="utf-8"?>
+<file path=ppt/slides/slide23.xml><?xml version="1.0" encoding="utf-8"?>
 <p:sld xmlns:a="http://schemas.openxmlformats.org/drawingml/2006/main" xmlns:r="http://schemas.openxmlformats.org/officeDocument/2006/relationships" xmlns:p="http://schemas.openxmlformats.org/presentationml/2006/main">
   <p:cSld>
     <p:spTree>
@@ -11858,7 +11389,7 @@
 </p:sld>
 </file>
 
-<file path=ppt/slides/slide25.xml><?xml version="1.0" encoding="utf-8"?>
+<file path=ppt/slides/slide24.xml><?xml version="1.0" encoding="utf-8"?>
 <p:sld xmlns:a="http://schemas.openxmlformats.org/drawingml/2006/main" xmlns:r="http://schemas.openxmlformats.org/officeDocument/2006/relationships" xmlns:p="http://schemas.openxmlformats.org/presentationml/2006/main">
   <p:cSld>
     <p:spTree>
@@ -11943,7 +11474,7 @@
 </p:sld>
 </file>
 
-<file path=ppt/slides/slide26.xml><?xml version="1.0" encoding="utf-8"?>
+<file path=ppt/slides/slide25.xml><?xml version="1.0" encoding="utf-8"?>
 <p:sld xmlns:a="http://schemas.openxmlformats.org/drawingml/2006/main" xmlns:r="http://schemas.openxmlformats.org/officeDocument/2006/relationships" xmlns:p="http://schemas.openxmlformats.org/presentationml/2006/main">
   <p:cSld>
     <p:spTree>
@@ -12211,7 +11742,7 @@
 </p:sld>
 </file>
 
-<file path=ppt/slides/slide27.xml><?xml version="1.0" encoding="utf-8"?>
+<file path=ppt/slides/slide26.xml><?xml version="1.0" encoding="utf-8"?>
 <p:sld xmlns:a="http://schemas.openxmlformats.org/drawingml/2006/main" xmlns:r="http://schemas.openxmlformats.org/officeDocument/2006/relationships" xmlns:p="http://schemas.openxmlformats.org/presentationml/2006/main">
   <p:cSld>
     <p:spTree>
@@ -12378,7 +11909,7 @@
 </p:sld>
 </file>
 
-<file path=ppt/slides/slide28.xml><?xml version="1.0" encoding="utf-8"?>
+<file path=ppt/slides/slide27.xml><?xml version="1.0" encoding="utf-8"?>
 <p:sld xmlns:a="http://schemas.openxmlformats.org/drawingml/2006/main" xmlns:r="http://schemas.openxmlformats.org/officeDocument/2006/relationships" xmlns:p="http://schemas.openxmlformats.org/presentationml/2006/main">
   <p:cSld>
     <p:spTree>
@@ -12454,7 +11985,7 @@
 </p:sld>
 </file>
 
-<file path=ppt/slides/slide29.xml><?xml version="1.0" encoding="utf-8"?>
+<file path=ppt/slides/slide28.xml><?xml version="1.0" encoding="utf-8"?>
 <p:sld xmlns:a="http://schemas.openxmlformats.org/drawingml/2006/main" xmlns:r="http://schemas.openxmlformats.org/officeDocument/2006/relationships" xmlns:p="http://schemas.openxmlformats.org/presentationml/2006/main">
   <p:cSld>
     <p:spTree>
@@ -12623,6 +12154,156 @@
 </p:sld>
 </file>
 
+<file path=ppt/slides/slide29.xml><?xml version="1.0" encoding="utf-8"?>
+<p:sld xmlns:a="http://schemas.openxmlformats.org/drawingml/2006/main" xmlns:r="http://schemas.openxmlformats.org/officeDocument/2006/relationships" xmlns:p="http://schemas.openxmlformats.org/presentationml/2006/main">
+  <p:cSld>
+    <p:spTree>
+      <p:nvGrpSpPr>
+        <p:cNvPr id="1" name=""/>
+        <p:cNvGrpSpPr/>
+        <p:nvPr/>
+      </p:nvGrpSpPr>
+      <p:grpSpPr>
+        <a:xfrm>
+          <a:off x="0" y="0"/>
+          <a:ext cx="0" cy="0"/>
+          <a:chOff x="0" y="0"/>
+          <a:chExt cx="0" cy="0"/>
+        </a:xfrm>
+      </p:grpSpPr>
+      <p:pic>
+        <p:nvPicPr>
+          <p:cNvPr id="31746" name="Picture 6" descr="Whoosh">
+            <a:extLst>
+              <a:ext uri="{FF2B5EF4-FFF2-40B4-BE49-F238E27FC236}">
+                <a16:creationId xmlns:a16="http://schemas.microsoft.com/office/drawing/2014/main" id="{3AE9047E-18BE-E67B-02AD-6D411BF19760}"/>
+              </a:ext>
+            </a:extLst>
+          </p:cNvPr>
+          <p:cNvPicPr>
+            <a:picLocks noChangeAspect="1" noChangeArrowheads="1"/>
+          </p:cNvPicPr>
+          <p:nvPr/>
+        </p:nvPicPr>
+        <p:blipFill>
+          <a:blip r:embed="rId2">
+            <a:extLst>
+              <a:ext uri="{28A0092B-C50C-407E-A947-70E740481C1C}">
+                <a14:useLocalDpi xmlns:a14="http://schemas.microsoft.com/office/drawing/2010/main" val="0"/>
+              </a:ext>
+            </a:extLst>
+          </a:blip>
+          <a:srcRect/>
+          <a:stretch>
+            <a:fillRect/>
+          </a:stretch>
+        </p:blipFill>
+        <p:spPr bwMode="auto">
+          <a:xfrm>
+            <a:off x="0" y="3892550"/>
+            <a:ext cx="9144000" cy="2965450"/>
+          </a:xfrm>
+          <a:prstGeom prst="rect">
+            <a:avLst/>
+          </a:prstGeom>
+          <a:noFill/>
+          <a:ln>
+            <a:noFill/>
+          </a:ln>
+          <a:extLst>
+            <a:ext uri="{909E8E84-426E-40DD-AFC4-6F175D3DCCD1}">
+              <a14:hiddenFill xmlns:a14="http://schemas.microsoft.com/office/drawing/2010/main">
+                <a:solidFill>
+                  <a:srgbClr val="FFFFFF"/>
+                </a:solidFill>
+              </a14:hiddenFill>
+            </a:ext>
+            <a:ext uri="{91240B29-F687-4F45-9708-019B960494DF}">
+              <a14:hiddenLine xmlns:a14="http://schemas.microsoft.com/office/drawing/2010/main" w="9525">
+                <a:solidFill>
+                  <a:srgbClr val="000000"/>
+                </a:solidFill>
+                <a:miter lim="800000"/>
+                <a:headEnd/>
+                <a:tailEnd/>
+              </a14:hiddenLine>
+            </a:ext>
+          </a:extLst>
+        </p:spPr>
+      </p:pic>
+      <p:sp>
+        <p:nvSpPr>
+          <p:cNvPr id="31747" name="Title 1">
+            <a:extLst>
+              <a:ext uri="{FF2B5EF4-FFF2-40B4-BE49-F238E27FC236}">
+                <a16:creationId xmlns:a16="http://schemas.microsoft.com/office/drawing/2014/main" id="{0C0128FF-5AC9-4F41-0087-DC7ABE4D860C}"/>
+              </a:ext>
+            </a:extLst>
+          </p:cNvPr>
+          <p:cNvSpPr>
+            <a:spLocks noGrp="1"/>
+          </p:cNvSpPr>
+          <p:nvPr>
+            <p:ph type="title"/>
+          </p:nvPr>
+        </p:nvSpPr>
+        <p:spPr/>
+        <p:txBody>
+          <a:bodyPr/>
+          <a:lstStyle/>
+          <a:p>
+            <a:pPr algn="l" eaLnBrk="1" hangingPunct="1"/>
+            <a:r>
+              <a:rPr lang="en-GB" altLang="en-US" b="1"/>
+              <a:t>Feedback</a:t>
+            </a:r>
+          </a:p>
+        </p:txBody>
+      </p:sp>
+      <p:sp>
+        <p:nvSpPr>
+          <p:cNvPr id="31748" name="Content Placeholder 2">
+            <a:extLst>
+              <a:ext uri="{FF2B5EF4-FFF2-40B4-BE49-F238E27FC236}">
+                <a16:creationId xmlns:a16="http://schemas.microsoft.com/office/drawing/2014/main" id="{18729ECF-E5AE-90AC-F7D9-D4F8E2F61965}"/>
+              </a:ext>
+            </a:extLst>
+          </p:cNvPr>
+          <p:cNvSpPr>
+            <a:spLocks noGrp="1"/>
+          </p:cNvSpPr>
+          <p:nvPr>
+            <p:ph idx="1"/>
+          </p:nvPr>
+        </p:nvSpPr>
+        <p:spPr/>
+        <p:txBody>
+          <a:bodyPr/>
+          <a:lstStyle/>
+          <a:p>
+            <a:pPr lvl="1" eaLnBrk="1" hangingPunct="1"/>
+            <a:r>
+              <a:rPr lang="en-GB" altLang="en-US"/>
+              <a:t>What are your thoughts so far?</a:t>
+            </a:r>
+          </a:p>
+          <a:p>
+            <a:pPr lvl="1" eaLnBrk="1" hangingPunct="1"/>
+            <a:r>
+              <a:rPr lang="en-GB" altLang="en-US"/>
+              <a:t>Do you have any comments?</a:t>
+            </a:r>
+          </a:p>
+        </p:txBody>
+      </p:sp>
+    </p:spTree>
+  </p:cSld>
+  <p:clrMapOvr>
+    <a:masterClrMapping/>
+  </p:clrMapOvr>
+</p:sld>
+</file>
+
 <file path=ppt/slides/slide3.xml><?xml version="1.0" encoding="utf-8"?>
 <p:sld xmlns:a="http://schemas.openxmlformats.org/drawingml/2006/main" xmlns:r="http://schemas.openxmlformats.org/officeDocument/2006/relationships" xmlns:p="http://schemas.openxmlformats.org/presentationml/2006/main">
   <p:cSld>
@@ -12761,156 +12442,6 @@
       </p:grpSpPr>
       <p:pic>
         <p:nvPicPr>
-          <p:cNvPr id="31746" name="Picture 6" descr="Whoosh">
-            <a:extLst>
-              <a:ext uri="{FF2B5EF4-FFF2-40B4-BE49-F238E27FC236}">
-                <a16:creationId xmlns:a16="http://schemas.microsoft.com/office/drawing/2014/main" id="{3AE9047E-18BE-E67B-02AD-6D411BF19760}"/>
-              </a:ext>
-            </a:extLst>
-          </p:cNvPr>
-          <p:cNvPicPr>
-            <a:picLocks noChangeAspect="1" noChangeArrowheads="1"/>
-          </p:cNvPicPr>
-          <p:nvPr/>
-        </p:nvPicPr>
-        <p:blipFill>
-          <a:blip r:embed="rId2">
-            <a:extLst>
-              <a:ext uri="{28A0092B-C50C-407E-A947-70E740481C1C}">
-                <a14:useLocalDpi xmlns:a14="http://schemas.microsoft.com/office/drawing/2010/main" val="0"/>
-              </a:ext>
-            </a:extLst>
-          </a:blip>
-          <a:srcRect/>
-          <a:stretch>
-            <a:fillRect/>
-          </a:stretch>
-        </p:blipFill>
-        <p:spPr bwMode="auto">
-          <a:xfrm>
-            <a:off x="0" y="3892550"/>
-            <a:ext cx="9144000" cy="2965450"/>
-          </a:xfrm>
-          <a:prstGeom prst="rect">
-            <a:avLst/>
-          </a:prstGeom>
-          <a:noFill/>
-          <a:ln>
-            <a:noFill/>
-          </a:ln>
-          <a:extLst>
-            <a:ext uri="{909E8E84-426E-40DD-AFC4-6F175D3DCCD1}">
-              <a14:hiddenFill xmlns:a14="http://schemas.microsoft.com/office/drawing/2010/main">
-                <a:solidFill>
-                  <a:srgbClr val="FFFFFF"/>
-                </a:solidFill>
-              </a14:hiddenFill>
-            </a:ext>
-            <a:ext uri="{91240B29-F687-4F45-9708-019B960494DF}">
-              <a14:hiddenLine xmlns:a14="http://schemas.microsoft.com/office/drawing/2010/main" w="9525">
-                <a:solidFill>
-                  <a:srgbClr val="000000"/>
-                </a:solidFill>
-                <a:miter lim="800000"/>
-                <a:headEnd/>
-                <a:tailEnd/>
-              </a14:hiddenLine>
-            </a:ext>
-          </a:extLst>
-        </p:spPr>
-      </p:pic>
-      <p:sp>
-        <p:nvSpPr>
-          <p:cNvPr id="31747" name="Title 1">
-            <a:extLst>
-              <a:ext uri="{FF2B5EF4-FFF2-40B4-BE49-F238E27FC236}">
-                <a16:creationId xmlns:a16="http://schemas.microsoft.com/office/drawing/2014/main" id="{0C0128FF-5AC9-4F41-0087-DC7ABE4D860C}"/>
-              </a:ext>
-            </a:extLst>
-          </p:cNvPr>
-          <p:cNvSpPr>
-            <a:spLocks noGrp="1"/>
-          </p:cNvSpPr>
-          <p:nvPr>
-            <p:ph type="title"/>
-          </p:nvPr>
-        </p:nvSpPr>
-        <p:spPr/>
-        <p:txBody>
-          <a:bodyPr/>
-          <a:lstStyle/>
-          <a:p>
-            <a:pPr algn="l" eaLnBrk="1" hangingPunct="1"/>
-            <a:r>
-              <a:rPr lang="en-GB" altLang="en-US" b="1"/>
-              <a:t>Feedback</a:t>
-            </a:r>
-          </a:p>
-        </p:txBody>
-      </p:sp>
-      <p:sp>
-        <p:nvSpPr>
-          <p:cNvPr id="31748" name="Content Placeholder 2">
-            <a:extLst>
-              <a:ext uri="{FF2B5EF4-FFF2-40B4-BE49-F238E27FC236}">
-                <a16:creationId xmlns:a16="http://schemas.microsoft.com/office/drawing/2014/main" id="{18729ECF-E5AE-90AC-F7D9-D4F8E2F61965}"/>
-              </a:ext>
-            </a:extLst>
-          </p:cNvPr>
-          <p:cNvSpPr>
-            <a:spLocks noGrp="1"/>
-          </p:cNvSpPr>
-          <p:nvPr>
-            <p:ph idx="1"/>
-          </p:nvPr>
-        </p:nvSpPr>
-        <p:spPr/>
-        <p:txBody>
-          <a:bodyPr/>
-          <a:lstStyle/>
-          <a:p>
-            <a:pPr lvl="1" eaLnBrk="1" hangingPunct="1"/>
-            <a:r>
-              <a:rPr lang="en-GB" altLang="en-US"/>
-              <a:t>What are your thoughts so far?</a:t>
-            </a:r>
-          </a:p>
-          <a:p>
-            <a:pPr lvl="1" eaLnBrk="1" hangingPunct="1"/>
-            <a:r>
-              <a:rPr lang="en-GB" altLang="en-US"/>
-              <a:t>Do you have any comments?</a:t>
-            </a:r>
-          </a:p>
-        </p:txBody>
-      </p:sp>
-    </p:spTree>
-  </p:cSld>
-  <p:clrMapOvr>
-    <a:masterClrMapping/>
-  </p:clrMapOvr>
-</p:sld>
-</file>
-
-<file path=ppt/slides/slide31.xml><?xml version="1.0" encoding="utf-8"?>
-<p:sld xmlns:a="http://schemas.openxmlformats.org/drawingml/2006/main" xmlns:r="http://schemas.openxmlformats.org/officeDocument/2006/relationships" xmlns:p="http://schemas.openxmlformats.org/presentationml/2006/main">
-  <p:cSld>
-    <p:spTree>
-      <p:nvGrpSpPr>
-        <p:cNvPr id="1" name=""/>
-        <p:cNvGrpSpPr/>
-        <p:nvPr/>
-      </p:nvGrpSpPr>
-      <p:grpSpPr>
-        <a:xfrm>
-          <a:off x="0" y="0"/>
-          <a:ext cx="0" cy="0"/>
-          <a:chOff x="0" y="0"/>
-          <a:chExt cx="0" cy="0"/>
-        </a:xfrm>
-      </p:grpSpPr>
-      <p:pic>
-        <p:nvPicPr>
           <p:cNvPr id="32770" name="Picture 6" descr="Whoosh">
             <a:extLst>
               <a:ext uri="{FF2B5EF4-FFF2-40B4-BE49-F238E27FC236}">
@@ -13049,7 +12580,7 @@
 </p:sld>
 </file>
 
-<file path=ppt/slides/slide32.xml><?xml version="1.0" encoding="utf-8"?>
+<file path=ppt/slides/slide31.xml><?xml version="1.0" encoding="utf-8"?>
 <p:sld xmlns:a="http://schemas.openxmlformats.org/drawingml/2006/main" xmlns:r="http://schemas.openxmlformats.org/officeDocument/2006/relationships" xmlns:p="http://schemas.openxmlformats.org/presentationml/2006/main">
   <p:cSld>
     <p:spTree>
@@ -13163,7 +12694,7 @@
 </p:sld>
 </file>
 
-<file path=ppt/slides/slide33.xml><?xml version="1.0" encoding="utf-8"?>
+<file path=ppt/slides/slide32.xml><?xml version="1.0" encoding="utf-8"?>
 <p:sld xmlns:a="http://schemas.openxmlformats.org/drawingml/2006/main" xmlns:r="http://schemas.openxmlformats.org/officeDocument/2006/relationships" xmlns:p="http://schemas.openxmlformats.org/presentationml/2006/main">
   <p:cSld>
     <p:spTree>
@@ -15770,225 +15301,4 @@
     </a:bgFillStyleLst>
   </a:fmtScheme>
 </a:themeOverride>
-</file>
-
-<file path=ppt/theme/themeOverride3.xml><?xml version="1.0" encoding="utf-8"?>
-<a:themeOverride xmlns:a="http://schemas.openxmlformats.org/drawingml/2006/main">
-  <a:clrScheme name="Blank Presentation 1">
-    <a:dk1>
-      <a:srgbClr val="000000"/>
-    </a:dk1>
-    <a:lt1>
-      <a:srgbClr val="FFFFFF"/>
-    </a:lt1>
-    <a:dk2>
-      <a:srgbClr val="000000"/>
-    </a:dk2>
-    <a:lt2>
-      <a:srgbClr val="808080"/>
-    </a:lt2>
-    <a:accent1>
-      <a:srgbClr val="BBE0E3"/>
-    </a:accent1>
-    <a:accent2>
-      <a:srgbClr val="333399"/>
-    </a:accent2>
-    <a:accent3>
-      <a:srgbClr val="FFFFFF"/>
-    </a:accent3>
-    <a:accent4>
-      <a:srgbClr val="000000"/>
-    </a:accent4>
-    <a:accent5>
-      <a:srgbClr val="DAEDEF"/>
-    </a:accent5>
-    <a:accent6>
-      <a:srgbClr val="2D2D8A"/>
-    </a:accent6>
-    <a:hlink>
-      <a:srgbClr val="009999"/>
-    </a:hlink>
-    <a:folHlink>
-      <a:srgbClr val="99CC00"/>
-    </a:folHlink>
-  </a:clrScheme>
-  <a:fontScheme name="Blank Presentation">
-    <a:majorFont>
-      <a:latin typeface="Arial"/>
-      <a:ea typeface="ＭＳ Ｐゴシック"/>
-      <a:cs typeface=""/>
-    </a:majorFont>
-    <a:minorFont>
-      <a:latin typeface="Arial"/>
-      <a:ea typeface="ＭＳ Ｐゴシック"/>
-      <a:cs typeface=""/>
-    </a:minorFont>
-  </a:fontScheme>
-  <a:fmtScheme name="Office">
-    <a:fillStyleLst>
-      <a:solidFill>
-        <a:schemeClr val="phClr"/>
-      </a:solidFill>
-      <a:gradFill rotWithShape="1">
-        <a:gsLst>
-          <a:gs pos="0">
-            <a:schemeClr val="phClr">
-              <a:tint val="50000"/>
-              <a:satMod val="300000"/>
-            </a:schemeClr>
-          </a:gs>
-          <a:gs pos="35000">
-            <a:schemeClr val="phClr">
-              <a:tint val="37000"/>
-              <a:satMod val="300000"/>
-            </a:schemeClr>
-          </a:gs>
-          <a:gs pos="100000">
-            <a:schemeClr val="phClr">
-              <a:tint val="15000"/>
-              <a:satMod val="350000"/>
-            </a:schemeClr>
-          </a:gs>
-        </a:gsLst>
-        <a:lin ang="16200000" scaled="1"/>
-      </a:gradFill>
-      <a:gradFill rotWithShape="1">
-        <a:gsLst>
-          <a:gs pos="0">
-            <a:schemeClr val="phClr">
-              <a:shade val="51000"/>
-              <a:satMod val="130000"/>
-            </a:schemeClr>
-          </a:gs>
-          <a:gs pos="80000">
-            <a:schemeClr val="phClr">
-              <a:shade val="93000"/>
-              <a:satMod val="130000"/>
-            </a:schemeClr>
-          </a:gs>
-          <a:gs pos="100000">
-            <a:schemeClr val="phClr">
-              <a:shade val="94000"/>
-              <a:satMod val="135000"/>
-            </a:schemeClr>
-          </a:gs>
-        </a:gsLst>
-        <a:lin ang="16200000" scaled="0"/>
-      </a:gradFill>
-    </a:fillStyleLst>
-    <a:lnStyleLst>
-      <a:ln w="9525" cap="flat" cmpd="sng" algn="ctr">
-        <a:solidFill>
-          <a:schemeClr val="phClr">
-            <a:shade val="95000"/>
-            <a:satMod val="105000"/>
-          </a:schemeClr>
-        </a:solidFill>
-        <a:prstDash val="solid"/>
-      </a:ln>
-      <a:ln w="25400" cap="flat" cmpd="sng" algn="ctr">
-        <a:solidFill>
-          <a:schemeClr val="phClr"/>
-        </a:solidFill>
-        <a:prstDash val="solid"/>
-      </a:ln>
-      <a:ln w="38100" cap="flat" cmpd="sng" algn="ctr">
-        <a:solidFill>
-          <a:schemeClr val="phClr"/>
-        </a:solidFill>
-        <a:prstDash val="solid"/>
-      </a:ln>
-    </a:lnStyleLst>
-    <a:effectStyleLst>
-      <a:effectStyle>
-        <a:effectLst>
-          <a:outerShdw blurRad="40000" dist="20000" dir="5400000" rotWithShape="0">
-            <a:srgbClr val="000000">
-              <a:alpha val="38000"/>
-            </a:srgbClr>
-          </a:outerShdw>
-        </a:effectLst>
-      </a:effectStyle>
-      <a:effectStyle>
-        <a:effectLst>
-          <a:outerShdw blurRad="40000" dist="23000" dir="5400000" rotWithShape="0">
-            <a:srgbClr val="000000">
-              <a:alpha val="35000"/>
-            </a:srgbClr>
-          </a:outerShdw>
-        </a:effectLst>
-      </a:effectStyle>
-      <a:effectStyle>
-        <a:effectLst>
-          <a:outerShdw blurRad="40000" dist="23000" dir="5400000" rotWithShape="0">
-            <a:srgbClr val="000000">
-              <a:alpha val="35000"/>
-            </a:srgbClr>
-          </a:outerShdw>
-        </a:effectLst>
-        <a:scene3d>
-          <a:camera prst="orthographicFront">
-            <a:rot lat="0" lon="0" rev="0"/>
-          </a:camera>
-          <a:lightRig rig="threePt" dir="t">
-            <a:rot lat="0" lon="0" rev="1200000"/>
-          </a:lightRig>
-        </a:scene3d>
-        <a:sp3d>
-          <a:bevelT w="63500" h="25400"/>
-        </a:sp3d>
-      </a:effectStyle>
-    </a:effectStyleLst>
-    <a:bgFillStyleLst>
-      <a:solidFill>
-        <a:schemeClr val="phClr"/>
-      </a:solidFill>
-      <a:gradFill rotWithShape="1">
-        <a:gsLst>
-          <a:gs pos="0">
-            <a:schemeClr val="phClr">
-              <a:tint val="40000"/>
-              <a:satMod val="350000"/>
-            </a:schemeClr>
-          </a:gs>
-          <a:gs pos="40000">
-            <a:schemeClr val="phClr">
-              <a:tint val="45000"/>
-              <a:shade val="99000"/>
-              <a:satMod val="350000"/>
-            </a:schemeClr>
-          </a:gs>
-          <a:gs pos="100000">
-            <a:schemeClr val="phClr">
-              <a:shade val="20000"/>
-              <a:satMod val="255000"/>
-            </a:schemeClr>
-          </a:gs>
-        </a:gsLst>
-        <a:path path="circle">
-          <a:fillToRect l="50000" t="-80000" r="50000" b="180000"/>
-        </a:path>
-      </a:gradFill>
-      <a:gradFill rotWithShape="1">
-        <a:gsLst>
-          <a:gs pos="0">
-            <a:schemeClr val="phClr">
-              <a:tint val="80000"/>
-              <a:satMod val="300000"/>
-            </a:schemeClr>
-          </a:gs>
-          <a:gs pos="100000">
-            <a:schemeClr val="phClr">
-              <a:shade val="30000"/>
-              <a:satMod val="200000"/>
-            </a:schemeClr>
-          </a:gs>
-        </a:gsLst>
-        <a:path path="circle">
-          <a:fillToRect l="50000" t="50000" r="50000" b="50000"/>
-        </a:path>
-      </a:gradFill>
-    </a:bgFillStyleLst>
-  </a:fmtScheme>
-</a:themeOverride>
 </file>
--- a/Final Powerpoint presentation for 12.08.22.pptx
+++ b/Final Powerpoint presentation for 12.08.22.pptx
@@ -13322,31 +13322,42 @@
           </a:p>
         </p:txBody>
       </p:sp>
-      <p:sp>
-        <p:nvSpPr>
-          <p:cNvPr id="2" name="Content Placeholder 1">
+      <p:pic>
+        <p:nvPicPr>
+          <p:cNvPr id="4" name="Picture 3">
             <a:extLst>
               <a:ext uri="{FF2B5EF4-FFF2-40B4-BE49-F238E27FC236}">
-                <a16:creationId xmlns:a16="http://schemas.microsoft.com/office/drawing/2014/main" id="{BBD1610E-A90A-9867-154F-BBF950A691F5}"/>
+                <a16:creationId xmlns:a16="http://schemas.microsoft.com/office/drawing/2014/main" id="{FFB61ECD-EE4C-10AD-7BEF-A6E62FC1D23E}"/>
               </a:ext>
             </a:extLst>
           </p:cNvPr>
-          <p:cNvSpPr>
-            <a:spLocks noGrp="1"/>
-          </p:cNvSpPr>
-          <p:nvPr>
-            <p:ph idx="1"/>
-          </p:nvPr>
-        </p:nvSpPr>
-        <p:spPr/>
-        <p:txBody>
-          <a:bodyPr/>
-          <a:lstStyle/>
-          <a:p>
-            <a:endParaRPr lang="en-GB"/>
-          </a:p>
-        </p:txBody>
-      </p:sp>
+          <p:cNvPicPr>
+            <a:picLocks noChangeAspect="1"/>
+          </p:cNvPicPr>
+          <p:nvPr/>
+        </p:nvPicPr>
+        <p:blipFill>
+          <a:blip r:embed="rId3">
+            <a:extLst>
+              <a:ext uri="{28A0092B-C50C-407E-A947-70E740481C1C}">
+                <a14:useLocalDpi xmlns:a14="http://schemas.microsoft.com/office/drawing/2010/main" val="0"/>
+              </a:ext>
+            </a:extLst>
+          </a:blip>
+          <a:stretch>
+            <a:fillRect/>
+          </a:stretch>
+        </p:blipFill>
+        <p:spPr>
+          <a:xfrm>
+            <a:off x="0" y="987424"/>
+            <a:ext cx="9144000" cy="5249887"/>
+          </a:xfrm>
+          <a:prstGeom prst="rect">
+            <a:avLst/>
+          </a:prstGeom>
+        </p:spPr>
+      </p:pic>
     </p:spTree>
   </p:cSld>
   <p:clrMapOvr>

--- a/Final Powerpoint presentation for 12.08.22.pptx
+++ b/Final Powerpoint presentation for 12.08.22.pptx
@@ -5,7 +5,7 @@
     <p:sldMasterId id="2147483648" r:id="rId1"/>
   </p:sldMasterIdLst>
   <p:notesMasterIdLst>
-    <p:notesMasterId r:id="rId34"/>
+    <p:notesMasterId r:id="rId24"/>
   </p:notesMasterIdLst>
   <p:sldIdLst>
     <p:sldId id="256" r:id="rId2"/>
@@ -18,28 +18,18 @@
     <p:sldId id="303" r:id="rId9"/>
     <p:sldId id="300" r:id="rId10"/>
     <p:sldId id="320" r:id="rId11"/>
-    <p:sldId id="321" r:id="rId12"/>
-    <p:sldId id="306" r:id="rId13"/>
-    <p:sldId id="308" r:id="rId14"/>
-    <p:sldId id="273" r:id="rId15"/>
-    <p:sldId id="265" r:id="rId16"/>
-    <p:sldId id="266" r:id="rId17"/>
+    <p:sldId id="306" r:id="rId12"/>
+    <p:sldId id="308" r:id="rId13"/>
+    <p:sldId id="273" r:id="rId14"/>
+    <p:sldId id="321" r:id="rId15"/>
+    <p:sldId id="322" r:id="rId16"/>
+    <p:sldId id="280" r:id="rId17"/>
     <p:sldId id="270" r:id="rId18"/>
-    <p:sldId id="268" r:id="rId19"/>
-    <p:sldId id="322" r:id="rId20"/>
-    <p:sldId id="298" r:id="rId21"/>
-    <p:sldId id="301" r:id="rId22"/>
-    <p:sldId id="297" r:id="rId23"/>
-    <p:sldId id="293" r:id="rId24"/>
-    <p:sldId id="294" r:id="rId25"/>
-    <p:sldId id="295" r:id="rId26"/>
-    <p:sldId id="261" r:id="rId27"/>
-    <p:sldId id="262" r:id="rId28"/>
-    <p:sldId id="312" r:id="rId29"/>
-    <p:sldId id="280" r:id="rId30"/>
-    <p:sldId id="314" r:id="rId31"/>
-    <p:sldId id="317" r:id="rId32"/>
-    <p:sldId id="318" r:id="rId33"/>
+    <p:sldId id="298" r:id="rId19"/>
+    <p:sldId id="301" r:id="rId20"/>
+    <p:sldId id="297" r:id="rId21"/>
+    <p:sldId id="293" r:id="rId22"/>
+    <p:sldId id="261" r:id="rId23"/>
   </p:sldIdLst>
   <p:sldSz cx="9144000" cy="6858000" type="screen4x3"/>
   <p:notesSz cx="7099300" cy="10234613"/>
@@ -185,791 +175,6 @@
     </p:ext>
   </p:extLst>
 </p:presentation>
-</file>
-
-<file path=ppt/charts/chart1.xml><?xml version="1.0" encoding="utf-8"?>
-<c:chartSpace xmlns:c="http://schemas.openxmlformats.org/drawingml/2006/chart" xmlns:a="http://schemas.openxmlformats.org/drawingml/2006/main" xmlns:r="http://schemas.openxmlformats.org/officeDocument/2006/relationships" xmlns:c16r2="http://schemas.microsoft.com/office/drawing/2015/06/chart">
-  <c:date1904 val="0"/>
-  <c:lang val="en-US"/>
-  <c:roundedCorners val="0"/>
-  <mc:AlternateContent xmlns:mc="http://schemas.openxmlformats.org/markup-compatibility/2006">
-    <mc:Choice xmlns:c14="http://schemas.microsoft.com/office/drawing/2007/8/2/chart" Requires="c14">
-      <c14:style val="102"/>
-    </mc:Choice>
-    <mc:Fallback>
-      <c:style val="2"/>
-    </mc:Fallback>
-  </mc:AlternateContent>
-  <c:clrMapOvr bg1="lt1" tx1="dk1" bg2="lt2" tx2="dk2" accent1="accent1" accent2="accent2" accent3="accent3" accent4="accent4" accent5="accent5" accent6="accent6" hlink="hlink" folHlink="folHlink"/>
-  <c:pivotSource>
-    <c:name>[2016-09-23 CIC IP 2015-16 by PC.xlsx]HSCP!PivotTable4</c:name>
-    <c:fmtId val="11"/>
-  </c:pivotSource>
-  <c:chart>
-    <c:title>
-      <c:tx>
-        <c:rich>
-          <a:bodyPr/>
-          <a:lstStyle/>
-          <a:p>
-            <a:pPr>
-              <a:defRPr sz="2800"/>
-            </a:pPr>
-            <a:r>
-              <a:rPr lang="en-US" sz="2800" b="1" i="0" baseline="0"/>
-              <a:t>Overnight stay patients by HSCP locality</a:t>
-            </a:r>
-          </a:p>
-        </c:rich>
-      </c:tx>
-      <c:overlay val="0"/>
-    </c:title>
-    <c:autoTitleDeleted val="0"/>
-    <c:pivotFmts>
-      <c:pivotFmt>
-        <c:idx val="0"/>
-        <c:marker>
-          <c:symbol val="none"/>
-        </c:marker>
-        <c:dLbl>
-          <c:idx val="0"/>
-          <c:spPr/>
-          <c:txPr>
-            <a:bodyPr/>
-            <a:lstStyle/>
-            <a:p>
-              <a:pPr>
-                <a:defRPr/>
-              </a:pPr>
-              <a:endParaRPr lang="en-US"/>
-            </a:p>
-          </c:txPr>
-          <c:showLegendKey val="0"/>
-          <c:showVal val="1"/>
-          <c:showCatName val="0"/>
-          <c:showSerName val="0"/>
-          <c:showPercent val="0"/>
-          <c:showBubbleSize val="0"/>
-          <c:extLst>
-            <c:ext xmlns:c15="http://schemas.microsoft.com/office/drawing/2012/chart" uri="{CE6537A1-D6FC-4f65-9D91-7224C49458BB}"/>
-          </c:extLst>
-        </c:dLbl>
-      </c:pivotFmt>
-      <c:pivotFmt>
-        <c:idx val="1"/>
-        <c:marker>
-          <c:symbol val="none"/>
-        </c:marker>
-        <c:dLbl>
-          <c:idx val="0"/>
-          <c:spPr/>
-          <c:txPr>
-            <a:bodyPr/>
-            <a:lstStyle/>
-            <a:p>
-              <a:pPr>
-                <a:defRPr/>
-              </a:pPr>
-              <a:endParaRPr lang="en-US"/>
-            </a:p>
-          </c:txPr>
-          <c:showLegendKey val="0"/>
-          <c:showVal val="1"/>
-          <c:showCatName val="0"/>
-          <c:showSerName val="0"/>
-          <c:showPercent val="0"/>
-          <c:showBubbleSize val="0"/>
-          <c:extLst>
-            <c:ext xmlns:c15="http://schemas.microsoft.com/office/drawing/2012/chart" uri="{CE6537A1-D6FC-4f65-9D91-7224C49458BB}"/>
-          </c:extLst>
-        </c:dLbl>
-      </c:pivotFmt>
-    </c:pivotFmts>
-    <c:plotArea>
-      <c:layout/>
-      <c:barChart>
-        <c:barDir val="bar"/>
-        <c:grouping val="clustered"/>
-        <c:varyColors val="0"/>
-        <c:ser>
-          <c:idx val="0"/>
-          <c:order val="0"/>
-          <c:tx>
-            <c:strRef>
-              <c:f>HSCP!$B$3</c:f>
-              <c:strCache>
-                <c:ptCount val="1"/>
-                <c:pt idx="0">
-                  <c:v>Total</c:v>
-                </c:pt>
-              </c:strCache>
-            </c:strRef>
-          </c:tx>
-          <c:invertIfNegative val="0"/>
-          <c:dPt>
-            <c:idx val="0"/>
-            <c:invertIfNegative val="0"/>
-            <c:bubble3D val="0"/>
-            <c:spPr>
-              <a:solidFill>
-                <a:schemeClr val="accent6"/>
-              </a:solidFill>
-            </c:spPr>
-            <c:extLst>
-              <c:ext xmlns:c16="http://schemas.microsoft.com/office/drawing/2014/chart" uri="{C3380CC4-5D6E-409C-BE32-E72D297353CC}">
-                <c16:uniqueId val="{00000000-3D7C-4E19-9744-E9A1BC772F4F}"/>
-              </c:ext>
-            </c:extLst>
-          </c:dPt>
-          <c:dPt>
-            <c:idx val="1"/>
-            <c:invertIfNegative val="0"/>
-            <c:bubble3D val="0"/>
-            <c:spPr>
-              <a:solidFill>
-                <a:schemeClr val="accent6"/>
-              </a:solidFill>
-            </c:spPr>
-            <c:extLst>
-              <c:ext xmlns:c16="http://schemas.microsoft.com/office/drawing/2014/chart" uri="{C3380CC4-5D6E-409C-BE32-E72D297353CC}">
-                <c16:uniqueId val="{00000001-3D7C-4E19-9744-E9A1BC772F4F}"/>
-              </c:ext>
-            </c:extLst>
-          </c:dPt>
-          <c:dPt>
-            <c:idx val="2"/>
-            <c:invertIfNegative val="0"/>
-            <c:bubble3D val="0"/>
-            <c:spPr>
-              <a:solidFill>
-                <a:schemeClr val="accent6"/>
-              </a:solidFill>
-            </c:spPr>
-            <c:extLst>
-              <c:ext xmlns:c16="http://schemas.microsoft.com/office/drawing/2014/chart" uri="{C3380CC4-5D6E-409C-BE32-E72D297353CC}">
-                <c16:uniqueId val="{00000002-3D7C-4E19-9744-E9A1BC772F4F}"/>
-              </c:ext>
-            </c:extLst>
-          </c:dPt>
-          <c:dPt>
-            <c:idx val="3"/>
-            <c:invertIfNegative val="0"/>
-            <c:bubble3D val="0"/>
-            <c:spPr>
-              <a:solidFill>
-                <a:schemeClr val="accent6"/>
-              </a:solidFill>
-            </c:spPr>
-            <c:extLst>
-              <c:ext xmlns:c16="http://schemas.microsoft.com/office/drawing/2014/chart" uri="{C3380CC4-5D6E-409C-BE32-E72D297353CC}">
-                <c16:uniqueId val="{00000003-3D7C-4E19-9744-E9A1BC772F4F}"/>
-              </c:ext>
-            </c:extLst>
-          </c:dPt>
-          <c:dPt>
-            <c:idx val="4"/>
-            <c:invertIfNegative val="0"/>
-            <c:bubble3D val="0"/>
-            <c:spPr>
-              <a:solidFill>
-                <a:schemeClr val="accent1"/>
-              </a:solidFill>
-            </c:spPr>
-            <c:extLst>
-              <c:ext xmlns:c16="http://schemas.microsoft.com/office/drawing/2014/chart" uri="{C3380CC4-5D6E-409C-BE32-E72D297353CC}">
-                <c16:uniqueId val="{00000004-3D7C-4E19-9744-E9A1BC772F4F}"/>
-              </c:ext>
-            </c:extLst>
-          </c:dPt>
-          <c:dPt>
-            <c:idx val="5"/>
-            <c:invertIfNegative val="0"/>
-            <c:bubble3D val="0"/>
-            <c:spPr>
-              <a:solidFill>
-                <a:schemeClr val="accent1"/>
-              </a:solidFill>
-            </c:spPr>
-            <c:extLst>
-              <c:ext xmlns:c16="http://schemas.microsoft.com/office/drawing/2014/chart" uri="{C3380CC4-5D6E-409C-BE32-E72D297353CC}">
-                <c16:uniqueId val="{00000005-3D7C-4E19-9744-E9A1BC772F4F}"/>
-              </c:ext>
-            </c:extLst>
-          </c:dPt>
-          <c:dPt>
-            <c:idx val="6"/>
-            <c:invertIfNegative val="0"/>
-            <c:bubble3D val="0"/>
-            <c:spPr>
-              <a:solidFill>
-                <a:schemeClr val="accent6"/>
-              </a:solidFill>
-            </c:spPr>
-            <c:extLst>
-              <c:ext xmlns:c16="http://schemas.microsoft.com/office/drawing/2014/chart" uri="{C3380CC4-5D6E-409C-BE32-E72D297353CC}">
-                <c16:uniqueId val="{00000006-3D7C-4E19-9744-E9A1BC772F4F}"/>
-              </c:ext>
-            </c:extLst>
-          </c:dPt>
-          <c:dPt>
-            <c:idx val="7"/>
-            <c:invertIfNegative val="0"/>
-            <c:bubble3D val="0"/>
-            <c:spPr>
-              <a:solidFill>
-                <a:schemeClr val="accent6"/>
-              </a:solidFill>
-            </c:spPr>
-            <c:extLst>
-              <c:ext xmlns:c16="http://schemas.microsoft.com/office/drawing/2014/chart" uri="{C3380CC4-5D6E-409C-BE32-E72D297353CC}">
-                <c16:uniqueId val="{00000007-3D7C-4E19-9744-E9A1BC772F4F}"/>
-              </c:ext>
-            </c:extLst>
-          </c:dPt>
-          <c:dPt>
-            <c:idx val="8"/>
-            <c:invertIfNegative val="0"/>
-            <c:bubble3D val="0"/>
-            <c:spPr>
-              <a:solidFill>
-                <a:schemeClr val="accent6"/>
-              </a:solidFill>
-            </c:spPr>
-            <c:extLst>
-              <c:ext xmlns:c16="http://schemas.microsoft.com/office/drawing/2014/chart" uri="{C3380CC4-5D6E-409C-BE32-E72D297353CC}">
-                <c16:uniqueId val="{00000008-3D7C-4E19-9744-E9A1BC772F4F}"/>
-              </c:ext>
-            </c:extLst>
-          </c:dPt>
-          <c:dPt>
-            <c:idx val="13"/>
-            <c:invertIfNegative val="0"/>
-            <c:bubble3D val="0"/>
-            <c:spPr>
-              <a:solidFill>
-                <a:schemeClr val="accent6"/>
-              </a:solidFill>
-            </c:spPr>
-            <c:extLst>
-              <c:ext xmlns:c16="http://schemas.microsoft.com/office/drawing/2014/chart" uri="{C3380CC4-5D6E-409C-BE32-E72D297353CC}">
-                <c16:uniqueId val="{00000009-3D7C-4E19-9744-E9A1BC772F4F}"/>
-              </c:ext>
-            </c:extLst>
-          </c:dPt>
-          <c:dLbls>
-            <c:spPr>
-              <a:noFill/>
-              <a:ln>
-                <a:noFill/>
-              </a:ln>
-              <a:effectLst/>
-            </c:spPr>
-            <c:txPr>
-              <a:bodyPr/>
-              <a:lstStyle/>
-              <a:p>
-                <a:pPr>
-                  <a:defRPr sz="1600"/>
-                </a:pPr>
-                <a:endParaRPr lang="en-US"/>
-              </a:p>
-            </c:txPr>
-            <c:showLegendKey val="0"/>
-            <c:showVal val="1"/>
-            <c:showCatName val="0"/>
-            <c:showSerName val="0"/>
-            <c:showPercent val="0"/>
-            <c:showBubbleSize val="0"/>
-            <c:showLeaderLines val="0"/>
-            <c:extLst>
-              <c:ext xmlns:c15="http://schemas.microsoft.com/office/drawing/2012/chart" uri="{CE6537A1-D6FC-4f65-9D91-7224C49458BB}">
-                <c15:showLeaderLines val="0"/>
-              </c:ext>
-            </c:extLst>
-          </c:dLbls>
-          <c:cat>
-            <c:strRef>
-              <c:f>HSCP!$A$4:$A$26</c:f>
-              <c:strCache>
-                <c:ptCount val="22"/>
-                <c:pt idx="0">
-                  <c:v>Glasgow North West</c:v>
-                </c:pt>
-                <c:pt idx="1">
-                  <c:v>Glasgow North East</c:v>
-                </c:pt>
-                <c:pt idx="2">
-                  <c:v>West Dunbartonshire</c:v>
-                </c:pt>
-                <c:pt idx="3">
-                  <c:v>Renfrewshire</c:v>
-                </c:pt>
-                <c:pt idx="4">
-                  <c:v>South Lanarkshire</c:v>
-                </c:pt>
-                <c:pt idx="5">
-                  <c:v>North Lanarkshire</c:v>
-                </c:pt>
-                <c:pt idx="6">
-                  <c:v>Glasgow South</c:v>
-                </c:pt>
-                <c:pt idx="7">
-                  <c:v>East Dunbartonshire</c:v>
-                </c:pt>
-                <c:pt idx="8">
-                  <c:v>East Renfrewshire</c:v>
-                </c:pt>
-                <c:pt idx="9">
-                  <c:v>North Ayrshire</c:v>
-                </c:pt>
-                <c:pt idx="10">
-                  <c:v>Falkirk</c:v>
-                </c:pt>
-                <c:pt idx="11">
-                  <c:v>South Ayrshire</c:v>
-                </c:pt>
-                <c:pt idx="12">
-                  <c:v>East Ayrshire</c:v>
-                </c:pt>
-                <c:pt idx="13">
-                  <c:v>Inverclyde</c:v>
-                </c:pt>
-                <c:pt idx="14">
-                  <c:v>Argyll &amp; Bute</c:v>
-                </c:pt>
-                <c:pt idx="15">
-                  <c:v>Stirling</c:v>
-                </c:pt>
-                <c:pt idx="16">
-                  <c:v>West Lothian</c:v>
-                </c:pt>
-                <c:pt idx="17">
-                  <c:v>Edinburgh City</c:v>
-                </c:pt>
-                <c:pt idx="18">
-                  <c:v>Borders</c:v>
-                </c:pt>
-                <c:pt idx="19">
-                  <c:v>Perth &amp; Kinross</c:v>
-                </c:pt>
-                <c:pt idx="20">
-                  <c:v>Mid Highland</c:v>
-                </c:pt>
-                <c:pt idx="21">
-                  <c:v>Glenrothes &amp; North East Fife</c:v>
-                </c:pt>
-              </c:strCache>
-            </c:strRef>
-          </c:cat>
-          <c:val>
-            <c:numRef>
-              <c:f>HSCP!$B$4:$B$26</c:f>
-              <c:numCache>
-                <c:formatCode>General</c:formatCode>
-                <c:ptCount val="22"/>
-                <c:pt idx="0">
-                  <c:v>54</c:v>
-                </c:pt>
-                <c:pt idx="1">
-                  <c:v>27</c:v>
-                </c:pt>
-                <c:pt idx="2">
-                  <c:v>26</c:v>
-                </c:pt>
-                <c:pt idx="3">
-                  <c:v>25</c:v>
-                </c:pt>
-                <c:pt idx="4">
-                  <c:v>20</c:v>
-                </c:pt>
-                <c:pt idx="5">
-                  <c:v>18</c:v>
-                </c:pt>
-                <c:pt idx="6">
-                  <c:v>17</c:v>
-                </c:pt>
-                <c:pt idx="7">
-                  <c:v>16</c:v>
-                </c:pt>
-                <c:pt idx="8">
-                  <c:v>11</c:v>
-                </c:pt>
-                <c:pt idx="9">
-                  <c:v>10</c:v>
-                </c:pt>
-                <c:pt idx="10">
-                  <c:v>7</c:v>
-                </c:pt>
-                <c:pt idx="11">
-                  <c:v>6</c:v>
-                </c:pt>
-                <c:pt idx="12">
-                  <c:v>5</c:v>
-                </c:pt>
-                <c:pt idx="13">
-                  <c:v>5</c:v>
-                </c:pt>
-                <c:pt idx="14">
-                  <c:v>5</c:v>
-                </c:pt>
-                <c:pt idx="15">
-                  <c:v>3</c:v>
-                </c:pt>
-                <c:pt idx="16">
-                  <c:v>2</c:v>
-                </c:pt>
-                <c:pt idx="17">
-                  <c:v>1</c:v>
-                </c:pt>
-                <c:pt idx="18">
-                  <c:v>1</c:v>
-                </c:pt>
-                <c:pt idx="19">
-                  <c:v>1</c:v>
-                </c:pt>
-                <c:pt idx="20">
-                  <c:v>1</c:v>
-                </c:pt>
-                <c:pt idx="21">
-                  <c:v>1</c:v>
-                </c:pt>
-              </c:numCache>
-            </c:numRef>
-          </c:val>
-          <c:extLst>
-            <c:ext xmlns:c16="http://schemas.microsoft.com/office/drawing/2014/chart" uri="{C3380CC4-5D6E-409C-BE32-E72D297353CC}">
-              <c16:uniqueId val="{0000000A-3D7C-4E19-9744-E9A1BC772F4F}"/>
-            </c:ext>
-          </c:extLst>
-        </c:ser>
-        <c:dLbls>
-          <c:showLegendKey val="0"/>
-          <c:showVal val="0"/>
-          <c:showCatName val="0"/>
-          <c:showSerName val="0"/>
-          <c:showPercent val="0"/>
-          <c:showBubbleSize val="0"/>
-        </c:dLbls>
-        <c:gapWidth val="120"/>
-        <c:axId val="142217984"/>
-        <c:axId val="142220288"/>
-      </c:barChart>
-      <c:catAx>
-        <c:axId val="142217984"/>
-        <c:scaling>
-          <c:orientation val="maxMin"/>
-        </c:scaling>
-        <c:delete val="0"/>
-        <c:axPos val="l"/>
-        <c:numFmt formatCode="General" sourceLinked="0"/>
-        <c:majorTickMark val="out"/>
-        <c:minorTickMark val="none"/>
-        <c:tickLblPos val="nextTo"/>
-        <c:txPr>
-          <a:bodyPr/>
-          <a:lstStyle/>
-          <a:p>
-            <a:pPr>
-              <a:defRPr sz="1600"/>
-            </a:pPr>
-            <a:endParaRPr lang="en-US"/>
-          </a:p>
-        </c:txPr>
-        <c:crossAx val="142220288"/>
-        <c:crosses val="autoZero"/>
-        <c:auto val="1"/>
-        <c:lblAlgn val="ctr"/>
-        <c:lblOffset val="100"/>
-        <c:noMultiLvlLbl val="0"/>
-      </c:catAx>
-      <c:valAx>
-        <c:axId val="142220288"/>
-        <c:scaling>
-          <c:orientation val="minMax"/>
-        </c:scaling>
-        <c:delete val="0"/>
-        <c:axPos val="t"/>
-        <c:majorGridlines/>
-        <c:numFmt formatCode="General" sourceLinked="1"/>
-        <c:majorTickMark val="out"/>
-        <c:minorTickMark val="none"/>
-        <c:tickLblPos val="nextTo"/>
-        <c:crossAx val="142217984"/>
-        <c:crosses val="autoZero"/>
-        <c:crossBetween val="between"/>
-      </c:valAx>
-    </c:plotArea>
-    <c:plotVisOnly val="1"/>
-    <c:dispBlanksAs val="gap"/>
-    <c:showDLblsOverMax val="0"/>
-  </c:chart>
-  <c:txPr>
-    <a:bodyPr/>
-    <a:lstStyle/>
-    <a:p>
-      <a:pPr>
-        <a:defRPr>
-          <a:latin typeface="Arial" pitchFamily="34" charset="0"/>
-          <a:cs typeface="Arial" pitchFamily="34" charset="0"/>
-        </a:defRPr>
-      </a:pPr>
-      <a:endParaRPr lang="en-US"/>
-    </a:p>
-  </c:txPr>
-  <c:externalData r:id="rId2">
-    <c:autoUpdate val="0"/>
-  </c:externalData>
-</c:chartSpace>
-</file>
-
-<file path=ppt/charts/chart2.xml><?xml version="1.0" encoding="utf-8"?>
-<c:chartSpace xmlns:c="http://schemas.openxmlformats.org/drawingml/2006/chart" xmlns:a="http://schemas.openxmlformats.org/drawingml/2006/main" xmlns:r="http://schemas.openxmlformats.org/officeDocument/2006/relationships" xmlns:c16r2="http://schemas.microsoft.com/office/drawing/2015/06/chart">
-  <c:date1904 val="0"/>
-  <c:lang val="en-US"/>
-  <c:roundedCorners val="0"/>
-  <mc:AlternateContent xmlns:mc="http://schemas.openxmlformats.org/markup-compatibility/2006">
-    <mc:Choice xmlns:c14="http://schemas.microsoft.com/office/drawing/2007/8/2/chart" Requires="c14">
-      <c14:style val="102"/>
-    </mc:Choice>
-    <mc:Fallback>
-      <c:style val="2"/>
-    </mc:Fallback>
-  </mc:AlternateContent>
-  <c:clrMapOvr bg1="lt1" tx1="dk1" bg2="lt2" tx2="dk2" accent1="accent1" accent2="accent2" accent3="accent3" accent4="accent4" accent5="accent5" accent6="accent6" hlink="hlink" folHlink="folHlink"/>
-  <c:chart>
-    <c:autoTitleDeleted val="0"/>
-    <c:plotArea>
-      <c:layout/>
-      <c:barChart>
-        <c:barDir val="col"/>
-        <c:grouping val="clustered"/>
-        <c:varyColors val="0"/>
-        <c:ser>
-          <c:idx val="0"/>
-          <c:order val="0"/>
-          <c:tx>
-            <c:strRef>
-              <c:f>Sheet2!$A$15</c:f>
-              <c:strCache>
-                <c:ptCount val="1"/>
-                <c:pt idx="0">
-                  <c:v>Inpatients</c:v>
-                </c:pt>
-              </c:strCache>
-            </c:strRef>
-          </c:tx>
-          <c:invertIfNegative val="0"/>
-          <c:cat>
-            <c:strRef>
-              <c:f>Sheet2!$B$14:$F$14</c:f>
-              <c:strCache>
-                <c:ptCount val="5"/>
-                <c:pt idx="0">
-                  <c:v>2010/11</c:v>
-                </c:pt>
-                <c:pt idx="1">
-                  <c:v>2011/12</c:v>
-                </c:pt>
-                <c:pt idx="2">
-                  <c:v>2012/13</c:v>
-                </c:pt>
-                <c:pt idx="3">
-                  <c:v>2013/14</c:v>
-                </c:pt>
-                <c:pt idx="4">
-                  <c:v>2014/15</c:v>
-                </c:pt>
-              </c:strCache>
-            </c:strRef>
-          </c:cat>
-          <c:val>
-            <c:numRef>
-              <c:f>Sheet2!$B$15:$F$15</c:f>
-              <c:numCache>
-                <c:formatCode>General</c:formatCode>
-                <c:ptCount val="5"/>
-                <c:pt idx="0">
-                  <c:v>2760</c:v>
-                </c:pt>
-                <c:pt idx="1">
-                  <c:v>2448</c:v>
-                </c:pt>
-                <c:pt idx="2">
-                  <c:v>2267</c:v>
-                </c:pt>
-                <c:pt idx="3">
-                  <c:v>1498</c:v>
-                </c:pt>
-                <c:pt idx="4">
-                  <c:v>1404</c:v>
-                </c:pt>
-              </c:numCache>
-            </c:numRef>
-          </c:val>
-          <c:extLst>
-            <c:ext xmlns:c16="http://schemas.microsoft.com/office/drawing/2014/chart" uri="{C3380CC4-5D6E-409C-BE32-E72D297353CC}">
-              <c16:uniqueId val="{00000000-8642-4C59-909C-2092D26BA742}"/>
-            </c:ext>
-          </c:extLst>
-        </c:ser>
-        <c:ser>
-          <c:idx val="1"/>
-          <c:order val="1"/>
-          <c:tx>
-            <c:strRef>
-              <c:f>Sheet2!$A$16</c:f>
-              <c:strCache>
-                <c:ptCount val="1"/>
-                <c:pt idx="0">
-                  <c:v>Daycases</c:v>
-                </c:pt>
-              </c:strCache>
-            </c:strRef>
-          </c:tx>
-          <c:invertIfNegative val="0"/>
-          <c:cat>
-            <c:strRef>
-              <c:f>Sheet2!$B$14:$F$14</c:f>
-              <c:strCache>
-                <c:ptCount val="5"/>
-                <c:pt idx="0">
-                  <c:v>2010/11</c:v>
-                </c:pt>
-                <c:pt idx="1">
-                  <c:v>2011/12</c:v>
-                </c:pt>
-                <c:pt idx="2">
-                  <c:v>2012/13</c:v>
-                </c:pt>
-                <c:pt idx="3">
-                  <c:v>2013/14</c:v>
-                </c:pt>
-                <c:pt idx="4">
-                  <c:v>2014/15</c:v>
-                </c:pt>
-              </c:strCache>
-            </c:strRef>
-          </c:cat>
-          <c:val>
-            <c:numRef>
-              <c:f>Sheet2!$B$16:$F$16</c:f>
-              <c:numCache>
-                <c:formatCode>General</c:formatCode>
-                <c:ptCount val="5"/>
-                <c:pt idx="0">
-                  <c:v>2934</c:v>
-                </c:pt>
-                <c:pt idx="1">
-                  <c:v>3043</c:v>
-                </c:pt>
-                <c:pt idx="2">
-                  <c:v>3617</c:v>
-                </c:pt>
-                <c:pt idx="3">
-                  <c:v>4612</c:v>
-                </c:pt>
-                <c:pt idx="4">
-                  <c:v>5742</c:v>
-                </c:pt>
-              </c:numCache>
-            </c:numRef>
-          </c:val>
-          <c:extLst>
-            <c:ext xmlns:c16="http://schemas.microsoft.com/office/drawing/2014/chart" uri="{C3380CC4-5D6E-409C-BE32-E72D297353CC}">
-              <c16:uniqueId val="{00000001-8642-4C59-909C-2092D26BA742}"/>
-            </c:ext>
-          </c:extLst>
-        </c:ser>
-        <c:dLbls>
-          <c:showLegendKey val="0"/>
-          <c:showVal val="0"/>
-          <c:showCatName val="0"/>
-          <c:showSerName val="0"/>
-          <c:showPercent val="0"/>
-          <c:showBubbleSize val="0"/>
-        </c:dLbls>
-        <c:gapWidth val="150"/>
-        <c:axId val="93398912"/>
-        <c:axId val="93400448"/>
-      </c:barChart>
-      <c:catAx>
-        <c:axId val="93398912"/>
-        <c:scaling>
-          <c:orientation val="minMax"/>
-        </c:scaling>
-        <c:delete val="0"/>
-        <c:axPos val="b"/>
-        <c:numFmt formatCode="General" sourceLinked="0"/>
-        <c:majorTickMark val="out"/>
-        <c:minorTickMark val="none"/>
-        <c:tickLblPos val="nextTo"/>
-        <c:txPr>
-          <a:bodyPr/>
-          <a:lstStyle/>
-          <a:p>
-            <a:pPr>
-              <a:defRPr sz="1600"/>
-            </a:pPr>
-            <a:endParaRPr lang="en-US"/>
-          </a:p>
-        </c:txPr>
-        <c:crossAx val="93400448"/>
-        <c:crosses val="autoZero"/>
-        <c:auto val="1"/>
-        <c:lblAlgn val="ctr"/>
-        <c:lblOffset val="100"/>
-        <c:noMultiLvlLbl val="0"/>
-      </c:catAx>
-      <c:valAx>
-        <c:axId val="93400448"/>
-        <c:scaling>
-          <c:orientation val="minMax"/>
-          <c:max val="6000"/>
-        </c:scaling>
-        <c:delete val="0"/>
-        <c:axPos val="l"/>
-        <c:majorGridlines/>
-        <c:numFmt formatCode="General" sourceLinked="1"/>
-        <c:majorTickMark val="out"/>
-        <c:minorTickMark val="none"/>
-        <c:tickLblPos val="nextTo"/>
-        <c:txPr>
-          <a:bodyPr/>
-          <a:lstStyle/>
-          <a:p>
-            <a:pPr>
-              <a:defRPr sz="1400"/>
-            </a:pPr>
-            <a:endParaRPr lang="en-US"/>
-          </a:p>
-        </c:txPr>
-        <c:crossAx val="93398912"/>
-        <c:crosses val="autoZero"/>
-        <c:crossBetween val="between"/>
-      </c:valAx>
-    </c:plotArea>
-    <c:legend>
-      <c:legendPos val="t"/>
-      <c:overlay val="0"/>
-      <c:txPr>
-        <a:bodyPr/>
-        <a:lstStyle/>
-        <a:p>
-          <a:pPr>
-            <a:defRPr sz="1800"/>
-          </a:pPr>
-          <a:endParaRPr lang="en-US"/>
-        </a:p>
-      </c:txPr>
-    </c:legend>
-    <c:plotVisOnly val="1"/>
-    <c:dispBlanksAs val="gap"/>
-    <c:showDLblsOverMax val="0"/>
-  </c:chart>
-  <c:externalData r:id="rId2">
-    <c:autoUpdate val="0"/>
-  </c:externalData>
-</c:chartSpace>
 </file>
 
 <file path=ppt/notesMasters/notesMaster1.xml><?xml version="1.0" encoding="utf-8"?>
@@ -5781,10 +4986,10 @@
       </p:grpSpPr>
       <p:pic>
         <p:nvPicPr>
-          <p:cNvPr id="8194" name="Picture 6" descr="Whoosh">
-            <a:extLst>
-              <a:ext uri="{FF2B5EF4-FFF2-40B4-BE49-F238E27FC236}">
-                <a16:creationId xmlns:a16="http://schemas.microsoft.com/office/drawing/2014/main" id="{D0ACA285-350D-1EE1-67B2-A65CA1A63995}"/>
+          <p:cNvPr id="14338" name="Picture 6" descr="Whoosh">
+            <a:extLst>
+              <a:ext uri="{FF2B5EF4-FFF2-40B4-BE49-F238E27FC236}">
+                <a16:creationId xmlns:a16="http://schemas.microsoft.com/office/drawing/2014/main" id="{8F7EC44D-EEFA-5B33-A9E8-26A81D8FF90B}"/>
               </a:ext>
             </a:extLst>
           </p:cNvPr>
@@ -5841,159 +5046,6 @@
       </p:pic>
       <p:sp>
         <p:nvSpPr>
-          <p:cNvPr id="8195" name="Title 1">
-            <a:extLst>
-              <a:ext uri="{FF2B5EF4-FFF2-40B4-BE49-F238E27FC236}">
-                <a16:creationId xmlns:a16="http://schemas.microsoft.com/office/drawing/2014/main" id="{9DA92B1A-4FB5-598B-6CC9-15B802F18B4E}"/>
-              </a:ext>
-            </a:extLst>
-          </p:cNvPr>
-          <p:cNvSpPr>
-            <a:spLocks noGrp="1"/>
-          </p:cNvSpPr>
-          <p:nvPr>
-            <p:ph type="title"/>
-          </p:nvPr>
-        </p:nvSpPr>
-        <p:spPr>
-          <a:xfrm>
-            <a:off x="0" y="-171451"/>
-            <a:ext cx="7772400" cy="1008063"/>
-          </a:xfrm>
-        </p:spPr>
-        <p:txBody>
-          <a:bodyPr/>
-          <a:lstStyle/>
-          <a:p>
-            <a:pPr algn="l" eaLnBrk="1" hangingPunct="1"/>
-            <a:r>
-              <a:rPr lang="en-GB" altLang="en-US" b="1" dirty="0"/>
-              <a:t>Conclusion</a:t>
-            </a:r>
-          </a:p>
-        </p:txBody>
-      </p:sp>
-      <p:sp>
-        <p:nvSpPr>
-          <p:cNvPr id="8196" name="Content Placeholder 2">
-            <a:extLst>
-              <a:ext uri="{FF2B5EF4-FFF2-40B4-BE49-F238E27FC236}">
-                <a16:creationId xmlns:a16="http://schemas.microsoft.com/office/drawing/2014/main" id="{7996BF65-080D-3C12-BCD7-5948A613E4D8}"/>
-              </a:ext>
-            </a:extLst>
-          </p:cNvPr>
-          <p:cNvSpPr>
-            <a:spLocks noGrp="1"/>
-          </p:cNvSpPr>
-          <p:nvPr>
-            <p:ph idx="1"/>
-          </p:nvPr>
-        </p:nvSpPr>
-        <p:spPr>
-          <a:xfrm>
-            <a:off x="684213" y="1989138"/>
-            <a:ext cx="7772400" cy="4032250"/>
-          </a:xfrm>
-        </p:spPr>
-        <p:txBody>
-          <a:bodyPr/>
-          <a:lstStyle/>
-          <a:p>
-            <a:pPr eaLnBrk="1" hangingPunct="1"/>
-            <a:r>
-              <a:rPr lang="en-GB" altLang="en-US"/>
-              <a:t>We are proposing that this 5% of the overall patients return home after their treatment each day as the other 95% of patients do, returning to the CIC for further treatment or assessment  the next day</a:t>
-            </a:r>
-          </a:p>
-        </p:txBody>
-      </p:sp>
-    </p:spTree>
-  </p:cSld>
-  <p:clrMapOvr>
-    <a:masterClrMapping/>
-  </p:clrMapOvr>
-</p:sld>
-</file>
-
-<file path=ppt/slides/slide12.xml><?xml version="1.0" encoding="utf-8"?>
-<p:sld xmlns:a="http://schemas.openxmlformats.org/drawingml/2006/main" xmlns:r="http://schemas.openxmlformats.org/officeDocument/2006/relationships" xmlns:p="http://schemas.openxmlformats.org/presentationml/2006/main">
-  <p:cSld>
-    <p:spTree>
-      <p:nvGrpSpPr>
-        <p:cNvPr id="1" name=""/>
-        <p:cNvGrpSpPr/>
-        <p:nvPr/>
-      </p:nvGrpSpPr>
-      <p:grpSpPr>
-        <a:xfrm>
-          <a:off x="0" y="0"/>
-          <a:ext cx="0" cy="0"/>
-          <a:chOff x="0" y="0"/>
-          <a:chExt cx="0" cy="0"/>
-        </a:xfrm>
-      </p:grpSpPr>
-      <p:pic>
-        <p:nvPicPr>
-          <p:cNvPr id="14338" name="Picture 6" descr="Whoosh">
-            <a:extLst>
-              <a:ext uri="{FF2B5EF4-FFF2-40B4-BE49-F238E27FC236}">
-                <a16:creationId xmlns:a16="http://schemas.microsoft.com/office/drawing/2014/main" id="{8F7EC44D-EEFA-5B33-A9E8-26A81D8FF90B}"/>
-              </a:ext>
-            </a:extLst>
-          </p:cNvPr>
-          <p:cNvPicPr>
-            <a:picLocks noChangeAspect="1" noChangeArrowheads="1"/>
-          </p:cNvPicPr>
-          <p:nvPr/>
-        </p:nvPicPr>
-        <p:blipFill>
-          <a:blip r:embed="rId2">
-            <a:extLst>
-              <a:ext uri="{28A0092B-C50C-407E-A947-70E740481C1C}">
-                <a14:useLocalDpi xmlns:a14="http://schemas.microsoft.com/office/drawing/2010/main" val="0"/>
-              </a:ext>
-            </a:extLst>
-          </a:blip>
-          <a:srcRect/>
-          <a:stretch>
-            <a:fillRect/>
-          </a:stretch>
-        </p:blipFill>
-        <p:spPr bwMode="auto">
-          <a:xfrm>
-            <a:off x="0" y="3892550"/>
-            <a:ext cx="9144000" cy="2965450"/>
-          </a:xfrm>
-          <a:prstGeom prst="rect">
-            <a:avLst/>
-          </a:prstGeom>
-          <a:noFill/>
-          <a:ln>
-            <a:noFill/>
-          </a:ln>
-          <a:extLst>
-            <a:ext uri="{909E8E84-426E-40DD-AFC4-6F175D3DCCD1}">
-              <a14:hiddenFill xmlns:a14="http://schemas.microsoft.com/office/drawing/2010/main">
-                <a:solidFill>
-                  <a:srgbClr val="FFFFFF"/>
-                </a:solidFill>
-              </a14:hiddenFill>
-            </a:ext>
-            <a:ext uri="{91240B29-F687-4F45-9708-019B960494DF}">
-              <a14:hiddenLine xmlns:a14="http://schemas.microsoft.com/office/drawing/2010/main" w="9525">
-                <a:solidFill>
-                  <a:srgbClr val="000000"/>
-                </a:solidFill>
-                <a:miter lim="800000"/>
-                <a:headEnd/>
-                <a:tailEnd/>
-              </a14:hiddenLine>
-            </a:ext>
-          </a:extLst>
-        </p:spPr>
-      </p:pic>
-      <p:sp>
-        <p:nvSpPr>
           <p:cNvPr id="14339" name="Title 1">
             <a:extLst>
               <a:ext uri="{FF2B5EF4-FFF2-40B4-BE49-F238E27FC236}">
@@ -6059,7 +5111,7 @@
 </p:sld>
 </file>
 
-<file path=ppt/slides/slide13.xml><?xml version="1.0" encoding="utf-8"?>
+<file path=ppt/slides/slide12.xml><?xml version="1.0" encoding="utf-8"?>
 <p:sld xmlns:a="http://schemas.openxmlformats.org/drawingml/2006/main" xmlns:r="http://schemas.openxmlformats.org/officeDocument/2006/relationships" xmlns:p="http://schemas.openxmlformats.org/presentationml/2006/main">
   <p:cSld>
     <p:spTree>
@@ -8488,7 +7540,7 @@
 </p:sld>
 </file>
 
-<file path=ppt/slides/slide14.xml><?xml version="1.0" encoding="utf-8"?>
+<file path=ppt/slides/slide13.xml><?xml version="1.0" encoding="utf-8"?>
 <p:sld xmlns:a="http://schemas.openxmlformats.org/drawingml/2006/main" xmlns:r="http://schemas.openxmlformats.org/officeDocument/2006/relationships" xmlns:p="http://schemas.openxmlformats.org/presentationml/2006/main">
   <p:cSld>
     <p:spTree>
@@ -8583,8 +7635,8 @@
         </p:nvSpPr>
         <p:spPr>
           <a:xfrm>
-            <a:off x="685800" y="2130425"/>
-            <a:ext cx="7772400" cy="1874838"/>
+            <a:off x="-180528" y="116632"/>
+            <a:ext cx="3739952" cy="576064"/>
           </a:xfrm>
         </p:spPr>
         <p:txBody>
@@ -8593,8 +7645,8 @@
           <a:p>
             <a:pPr eaLnBrk="1" hangingPunct="1"/>
             <a:r>
-              <a:rPr lang="en-GB" altLang="en-US" b="1"/>
-              <a:t>How many patients currently access overnight accommodation?</a:t>
+              <a:rPr lang="en-GB" altLang="en-US" b="1" dirty="0"/>
+              <a:t>Deprivation</a:t>
             </a:r>
           </a:p>
         </p:txBody>
@@ -8607,7 +7659,7 @@
 </p:sld>
 </file>
 
-<file path=ppt/slides/slide15.xml><?xml version="1.0" encoding="utf-8"?>
+<file path=ppt/slides/slide14.xml><?xml version="1.0" encoding="utf-8"?>
 <p:sld xmlns:a="http://schemas.openxmlformats.org/drawingml/2006/main" xmlns:r="http://schemas.openxmlformats.org/officeDocument/2006/relationships" xmlns:p="http://schemas.openxmlformats.org/presentationml/2006/main">
   <p:cSld>
     <p:spTree>
@@ -8626,10 +7678,10 @@
       </p:grpSpPr>
       <p:pic>
         <p:nvPicPr>
-          <p:cNvPr id="17410" name="Picture 6" descr="Whoosh">
-            <a:extLst>
-              <a:ext uri="{FF2B5EF4-FFF2-40B4-BE49-F238E27FC236}">
-                <a16:creationId xmlns:a16="http://schemas.microsoft.com/office/drawing/2014/main" id="{E0D79B26-CEFD-FAAA-E0A6-4A0101A3FAF1}"/>
+          <p:cNvPr id="8194" name="Picture 6" descr="Whoosh">
+            <a:extLst>
+              <a:ext uri="{FF2B5EF4-FFF2-40B4-BE49-F238E27FC236}">
+                <a16:creationId xmlns:a16="http://schemas.microsoft.com/office/drawing/2014/main" id="{D0ACA285-350D-1EE1-67B2-A65CA1A63995}"/>
               </a:ext>
             </a:extLst>
           </p:cNvPr>
@@ -8686,10 +7738,10 @@
       </p:pic>
       <p:sp>
         <p:nvSpPr>
-          <p:cNvPr id="17411" name="Title 1">
-            <a:extLst>
-              <a:ext uri="{FF2B5EF4-FFF2-40B4-BE49-F238E27FC236}">
-                <a16:creationId xmlns:a16="http://schemas.microsoft.com/office/drawing/2014/main" id="{2952D9EC-A53A-4C98-3150-FDB267FD5DC6}"/>
+          <p:cNvPr id="8195" name="Title 1">
+            <a:extLst>
+              <a:ext uri="{FF2B5EF4-FFF2-40B4-BE49-F238E27FC236}">
+                <a16:creationId xmlns:a16="http://schemas.microsoft.com/office/drawing/2014/main" id="{9DA92B1A-4FB5-598B-6CC9-15B802F18B4E}"/>
               </a:ext>
             </a:extLst>
           </p:cNvPr>
@@ -8702,8 +7754,8 @@
         </p:nvSpPr>
         <p:spPr>
           <a:xfrm>
-            <a:off x="755650" y="620713"/>
-            <a:ext cx="7772400" cy="1143000"/>
+            <a:off x="0" y="-171451"/>
+            <a:ext cx="7772400" cy="1008063"/>
           </a:xfrm>
         </p:spPr>
         <p:txBody>
@@ -8712,18 +7764,18 @@
           <a:p>
             <a:pPr algn="l" eaLnBrk="1" hangingPunct="1"/>
             <a:r>
-              <a:rPr lang="en-GB" altLang="en-US" b="1"/>
-              <a:t>Multiple Consecutive Day Programme Activity</a:t>
+              <a:rPr lang="en-GB" altLang="en-US" b="1" dirty="0"/>
+              <a:t>Conclusion</a:t>
             </a:r>
           </a:p>
         </p:txBody>
       </p:sp>
       <p:sp>
         <p:nvSpPr>
-          <p:cNvPr id="17412" name="Content Placeholder 2">
-            <a:extLst>
-              <a:ext uri="{FF2B5EF4-FFF2-40B4-BE49-F238E27FC236}">
-                <a16:creationId xmlns:a16="http://schemas.microsoft.com/office/drawing/2014/main" id="{EFAAEFAA-2C37-E607-B3D6-807926EFB44A}"/>
+          <p:cNvPr id="8196" name="Content Placeholder 2">
+            <a:extLst>
+              <a:ext uri="{FF2B5EF4-FFF2-40B4-BE49-F238E27FC236}">
+                <a16:creationId xmlns:a16="http://schemas.microsoft.com/office/drawing/2014/main" id="{7996BF65-080D-3C12-BCD7-5948A613E4D8}"/>
               </a:ext>
             </a:extLst>
           </p:cNvPr>
@@ -8736,44 +7788,18 @@
         </p:nvSpPr>
         <p:spPr>
           <a:xfrm>
-            <a:off x="755650" y="2060575"/>
-            <a:ext cx="7772400" cy="4114800"/>
+            <a:off x="684213" y="1989138"/>
+            <a:ext cx="7772400" cy="4032250"/>
           </a:xfrm>
         </p:spPr>
         <p:txBody>
           <a:bodyPr/>
           <a:lstStyle/>
           <a:p>
-            <a:pPr eaLnBrk="1" hangingPunct="1">
-              <a:spcAft>
-                <a:spcPts val="1800"/>
-              </a:spcAft>
-            </a:pPr>
+            <a:pPr eaLnBrk="1" hangingPunct="1"/>
             <a:r>
               <a:rPr lang="en-GB" altLang="en-US"/>
-              <a:t>260 patients had 332 stays</a:t>
-            </a:r>
-          </a:p>
-          <a:p>
-            <a:pPr eaLnBrk="1" hangingPunct="1">
-              <a:spcAft>
-                <a:spcPts val="1800"/>
-              </a:spcAft>
-            </a:pPr>
-            <a:r>
-              <a:rPr lang="en-GB" altLang="en-US"/>
-              <a:t>181 patients (224 stays) were from NHS Greater Glasgow &amp; Clyde patients</a:t>
-            </a:r>
-          </a:p>
-          <a:p>
-            <a:pPr eaLnBrk="1" hangingPunct="1">
-              <a:spcAft>
-                <a:spcPts val="1800"/>
-              </a:spcAft>
-            </a:pPr>
-            <a:r>
-              <a:rPr lang="en-GB" altLang="en-US"/>
-              <a:t>NHS Highland, Lothian and Lanarkshire have already restricted access to services, and new referrals are expected to reduce further</a:t>
+              <a:t>We are proposing that this 5% of the overall patients return home after their treatment each day as the other 95% of patients do, returning to the CIC for further treatment or assessment  the next day</a:t>
             </a:r>
           </a:p>
         </p:txBody>
@@ -8786,7 +7812,7 @@
 </p:sld>
 </file>
 
-<file path=ppt/slides/slide16.xml><?xml version="1.0" encoding="utf-8"?>
+<file path=ppt/slides/slide15.xml><?xml version="1.0" encoding="utf-8"?>
 <p:sld xmlns:a="http://schemas.openxmlformats.org/drawingml/2006/main" xmlns:r="http://schemas.openxmlformats.org/officeDocument/2006/relationships" xmlns:p="http://schemas.openxmlformats.org/presentationml/2006/main">
   <p:cSld>
     <p:spTree>
@@ -8805,1194 +7831,47 @@
       </p:grpSpPr>
       <p:sp>
         <p:nvSpPr>
-          <p:cNvPr id="18434" name="Title 1">
-            <a:extLst>
-              <a:ext uri="{FF2B5EF4-FFF2-40B4-BE49-F238E27FC236}">
-                <a16:creationId xmlns:a16="http://schemas.microsoft.com/office/drawing/2014/main" id="{27EE4A78-558B-5619-1E6A-82F12CFDE138}"/>
-              </a:ext>
-            </a:extLst>
-          </p:cNvPr>
-          <p:cNvSpPr>
-            <a:spLocks noGrp="1"/>
-          </p:cNvSpPr>
-          <p:nvPr>
-            <p:ph type="title"/>
-          </p:nvPr>
+          <p:cNvPr id="5" name="TextBox 4">
+            <a:extLst>
+              <a:ext uri="{FF2B5EF4-FFF2-40B4-BE49-F238E27FC236}">
+                <a16:creationId xmlns:a16="http://schemas.microsoft.com/office/drawing/2014/main" id="{FAF250C7-CA49-89DB-C611-028EB010D20B}"/>
+              </a:ext>
+            </a:extLst>
+          </p:cNvPr>
+          <p:cNvSpPr txBox="1"/>
+          <p:nvPr/>
         </p:nvSpPr>
         <p:spPr>
           <a:xfrm>
-            <a:off x="684213" y="620713"/>
-            <a:ext cx="7772400" cy="1143000"/>
+            <a:off x="0" y="-64148"/>
+            <a:ext cx="5382344" cy="769441"/>
           </a:xfrm>
+          <a:prstGeom prst="rect">
+            <a:avLst/>
+          </a:prstGeom>
+          <a:noFill/>
         </p:spPr>
         <p:txBody>
-          <a:bodyPr/>
+          <a:bodyPr wrap="square">
+            <a:spAutoFit/>
+          </a:bodyPr>
           <a:lstStyle/>
           <a:p>
-            <a:pPr algn="l" eaLnBrk="1" hangingPunct="1"/>
-            <a:r>
-              <a:rPr lang="en-GB" altLang="en-US" b="1"/>
-              <a:t>Overnight Stay Programme  </a:t>
-            </a:r>
-            <a:br>
-              <a:rPr lang="en-GB" altLang="en-US" b="1"/>
-            </a:br>
-            <a:r>
-              <a:rPr lang="en-GB" altLang="en-US" b="1"/>
-              <a:t>Activity in 2015/16</a:t>
-            </a:r>
-          </a:p>
-        </p:txBody>
-      </p:sp>
-      <p:graphicFrame>
-        <p:nvGraphicFramePr>
-          <p:cNvPr id="4" name="Content Placeholder 3">
-            <a:extLst>
-              <a:ext uri="{FF2B5EF4-FFF2-40B4-BE49-F238E27FC236}">
-                <a16:creationId xmlns:a16="http://schemas.microsoft.com/office/drawing/2014/main" id="{29C95EAD-4F32-C9B6-E97A-E8534E9DA72D}"/>
-              </a:ext>
-            </a:extLst>
-          </p:cNvPr>
-          <p:cNvGraphicFramePr>
-            <a:graphicFrameLocks noGrp="1"/>
-          </p:cNvGraphicFramePr>
-          <p:nvPr>
-            <p:ph idx="1"/>
-          </p:nvPr>
-        </p:nvGraphicFramePr>
-        <p:xfrm>
-          <a:off x="755650" y="2349500"/>
-          <a:ext cx="7485063" cy="4054475"/>
-        </p:xfrm>
-        <a:graphic>
-          <a:graphicData uri="http://schemas.openxmlformats.org/drawingml/2006/table">
-            <a:tbl>
-              <a:tblPr firstRow="1" bandRow="1">
-                <a:tableStyleId>{16D9F66E-5EB9-4882-86FB-DCBF35E3C3E4}</a:tableStyleId>
-              </a:tblPr>
-              <a:tblGrid>
-                <a:gridCol w="2662311">
-                  <a:extLst>
-                    <a:ext uri="{9D8B030D-6E8A-4147-A177-3AD203B41FA5}">
-                      <a16:colId xmlns:a16="http://schemas.microsoft.com/office/drawing/2014/main" val="20000"/>
-                    </a:ext>
-                  </a:extLst>
-                </a:gridCol>
-                <a:gridCol w="1440294">
-                  <a:extLst>
-                    <a:ext uri="{9D8B030D-6E8A-4147-A177-3AD203B41FA5}">
-                      <a16:colId xmlns:a16="http://schemas.microsoft.com/office/drawing/2014/main" val="20001"/>
-                    </a:ext>
-                  </a:extLst>
-                </a:gridCol>
-                <a:gridCol w="1827834">
-                  <a:extLst>
-                    <a:ext uri="{9D8B030D-6E8A-4147-A177-3AD203B41FA5}">
-                      <a16:colId xmlns:a16="http://schemas.microsoft.com/office/drawing/2014/main" val="20002"/>
-                    </a:ext>
-                  </a:extLst>
-                </a:gridCol>
-                <a:gridCol w="1554624">
-                  <a:extLst>
-                    <a:ext uri="{9D8B030D-6E8A-4147-A177-3AD203B41FA5}">
-                      <a16:colId xmlns:a16="http://schemas.microsoft.com/office/drawing/2014/main" val="20003"/>
-                    </a:ext>
-                  </a:extLst>
-                </a:gridCol>
-              </a:tblGrid>
-              <a:tr h="396302">
-                <a:tc>
-                  <a:txBody>
-                    <a:bodyPr/>
-                    <a:lstStyle/>
-                    <a:p>
-                      <a:pPr algn="l" fontAlgn="b"/>
-                      <a:endParaRPr lang="en-GB" sz="2000" b="0" i="0" u="none" strike="noStrike" dirty="0">
-                        <a:solidFill>
-                          <a:srgbClr val="000000"/>
-                        </a:solidFill>
-                        <a:latin typeface="+mn-lt"/>
-                        <a:cs typeface="Arial" pitchFamily="34" charset="0"/>
-                      </a:endParaRPr>
-                    </a:p>
-                  </a:txBody>
-                  <a:tcPr marL="91448" marR="91448" marT="45727" marB="45727" anchor="b">
-                    <a:lnL w="12700" cap="flat" cmpd="sng" algn="ctr">
-                      <a:noFill/>
-                      <a:prstDash val="solid"/>
-                      <a:round/>
-                      <a:headEnd type="none" w="med" len="med"/>
-                      <a:tailEnd type="none" w="med" len="med"/>
-                    </a:lnL>
-                    <a:lnT w="12700" cap="flat" cmpd="sng" algn="ctr">
-                      <a:noFill/>
-                      <a:prstDash val="solid"/>
-                      <a:round/>
-                      <a:headEnd type="none" w="med" len="med"/>
-                      <a:tailEnd type="none" w="med" len="med"/>
-                    </a:lnT>
-                    <a:noFill/>
-                  </a:tcPr>
-                </a:tc>
-                <a:tc>
-                  <a:txBody>
-                    <a:bodyPr/>
-                    <a:lstStyle/>
-                    <a:p>
-                      <a:pPr algn="ctr" fontAlgn="ctr"/>
-                      <a:r>
-                        <a:rPr lang="en-GB" sz="2000" u="none" strike="noStrike" dirty="0">
-                          <a:latin typeface="+mn-lt"/>
-                        </a:rPr>
-                        <a:t>Episodes</a:t>
-                      </a:r>
-                      <a:endParaRPr lang="en-GB" sz="2000" b="1" i="0" u="none" strike="noStrike" dirty="0">
-                        <a:solidFill>
-                          <a:srgbClr val="000000"/>
-                        </a:solidFill>
-                        <a:latin typeface="+mn-lt"/>
-                        <a:cs typeface="Arial" pitchFamily="34" charset="0"/>
-                      </a:endParaRPr>
-                    </a:p>
-                  </a:txBody>
-                  <a:tcPr marL="91448" marR="91448" marT="45727" marB="45727" anchor="ctr">
-                    <a:noFill/>
-                  </a:tcPr>
-                </a:tc>
-                <a:tc>
-                  <a:txBody>
-                    <a:bodyPr/>
-                    <a:lstStyle/>
-                    <a:p>
-                      <a:pPr algn="ctr" fontAlgn="ctr"/>
-                      <a:r>
-                        <a:rPr lang="en-GB" sz="2000" u="none" strike="noStrike" dirty="0">
-                          <a:latin typeface="+mn-lt"/>
-                        </a:rPr>
-                        <a:t>Patients</a:t>
-                      </a:r>
-                      <a:endParaRPr lang="en-GB" sz="2000" b="1" i="0" u="none" strike="noStrike" dirty="0">
-                        <a:solidFill>
-                          <a:srgbClr val="000000"/>
-                        </a:solidFill>
-                        <a:latin typeface="+mn-lt"/>
-                        <a:cs typeface="Arial" pitchFamily="34" charset="0"/>
-                      </a:endParaRPr>
-                    </a:p>
-                  </a:txBody>
-                  <a:tcPr marL="91448" marR="91448" marT="45727" marB="45727" anchor="ctr">
-                    <a:noFill/>
-                  </a:tcPr>
-                </a:tc>
-                <a:tc>
-                  <a:txBody>
-                    <a:bodyPr/>
-                    <a:lstStyle/>
-                    <a:p>
-                      <a:pPr algn="ctr" fontAlgn="ctr"/>
-                      <a:r>
-                        <a:rPr lang="en-GB" sz="2000" u="none" strike="noStrike" dirty="0">
-                          <a:latin typeface="+mn-lt"/>
-                        </a:rPr>
-                        <a:t>Share</a:t>
-                      </a:r>
-                      <a:endParaRPr lang="en-GB" sz="2000" b="1" i="0" u="none" strike="noStrike" dirty="0">
-                        <a:solidFill>
-                          <a:srgbClr val="000000"/>
-                        </a:solidFill>
-                        <a:latin typeface="+mn-lt"/>
-                        <a:cs typeface="Arial" pitchFamily="34" charset="0"/>
-                      </a:endParaRPr>
-                    </a:p>
-                  </a:txBody>
-                  <a:tcPr marL="91448" marR="91448" marT="45727" marB="45727" anchor="ctr">
-                    <a:noFill/>
-                  </a:tcPr>
-                </a:tc>
-                <a:extLst>
-                  <a:ext uri="{0D108BD9-81ED-4DB2-BD59-A6C34878D82A}">
-                    <a16:rowId xmlns:a16="http://schemas.microsoft.com/office/drawing/2014/main" val="10000"/>
-                  </a:ext>
-                </a:extLst>
-              </a:tr>
-              <a:tr h="457272">
-                <a:tc>
-                  <a:txBody>
-                    <a:bodyPr/>
-                    <a:lstStyle/>
-                    <a:p>
-                      <a:pPr algn="l" fontAlgn="ctr"/>
-                      <a:r>
-                        <a:rPr lang="en-GB" sz="2400" u="none" strike="noStrike" dirty="0">
-                          <a:latin typeface="+mn-lt"/>
-                        </a:rPr>
-                        <a:t>GGC</a:t>
-                      </a:r>
-                      <a:endParaRPr lang="en-GB" sz="2400" b="0" i="0" u="none" strike="noStrike" dirty="0">
-                        <a:solidFill>
-                          <a:srgbClr val="000000"/>
-                        </a:solidFill>
-                        <a:latin typeface="+mn-lt"/>
-                        <a:cs typeface="Arial" pitchFamily="34" charset="0"/>
-                      </a:endParaRPr>
-                    </a:p>
-                  </a:txBody>
-                  <a:tcPr marL="91448" marR="91448" marT="45727" marB="45727" anchor="ctr">
-                    <a:solidFill>
-                      <a:schemeClr val="accent5"/>
-                    </a:solidFill>
-                  </a:tcPr>
-                </a:tc>
-                <a:tc>
-                  <a:txBody>
-                    <a:bodyPr/>
-                    <a:lstStyle/>
-                    <a:p>
-                      <a:pPr algn="ctr" fontAlgn="ctr"/>
-                      <a:r>
-                        <a:rPr lang="en-GB" sz="2400" u="none" strike="noStrike" dirty="0">
-                          <a:latin typeface="+mn-lt"/>
-                        </a:rPr>
-                        <a:t>224</a:t>
-                      </a:r>
-                      <a:endParaRPr lang="en-GB" sz="2400" b="0" i="0" u="none" strike="noStrike" dirty="0">
-                        <a:solidFill>
-                          <a:srgbClr val="000000"/>
-                        </a:solidFill>
-                        <a:latin typeface="+mn-lt"/>
-                        <a:cs typeface="Arial" pitchFamily="34" charset="0"/>
-                      </a:endParaRPr>
-                    </a:p>
-                  </a:txBody>
-                  <a:tcPr marL="91448" marR="91448" marT="45727" marB="45727" anchor="ctr">
-                    <a:solidFill>
-                      <a:schemeClr val="accent5"/>
-                    </a:solidFill>
-                  </a:tcPr>
-                </a:tc>
-                <a:tc>
-                  <a:txBody>
-                    <a:bodyPr/>
-                    <a:lstStyle/>
-                    <a:p>
-                      <a:pPr algn="ctr" fontAlgn="b"/>
-                      <a:r>
-                        <a:rPr lang="en-GB" sz="2400" u="none" strike="noStrike" dirty="0">
-                          <a:latin typeface="+mn-lt"/>
-                        </a:rPr>
-                        <a:t>181</a:t>
-                      </a:r>
-                      <a:endParaRPr lang="en-GB" sz="2400" b="0" i="0" u="none" strike="noStrike" dirty="0">
-                        <a:solidFill>
-                          <a:srgbClr val="000000"/>
-                        </a:solidFill>
-                        <a:latin typeface="+mn-lt"/>
-                        <a:cs typeface="Arial" pitchFamily="34" charset="0"/>
-                      </a:endParaRPr>
-                    </a:p>
-                  </a:txBody>
-                  <a:tcPr marL="91448" marR="91448" marT="45727" marB="45727" anchor="b">
-                    <a:solidFill>
-                      <a:schemeClr val="accent5"/>
-                    </a:solidFill>
-                  </a:tcPr>
-                </a:tc>
-                <a:tc>
-                  <a:txBody>
-                    <a:bodyPr/>
-                    <a:lstStyle/>
-                    <a:p>
-                      <a:pPr algn="ctr" fontAlgn="b"/>
-                      <a:r>
-                        <a:rPr lang="en-GB" sz="2400" u="none" strike="noStrike" dirty="0">
-                          <a:latin typeface="+mn-lt"/>
-                        </a:rPr>
-                        <a:t>69.7%</a:t>
-                      </a:r>
-                      <a:endParaRPr lang="en-GB" sz="2400" b="0" i="0" u="none" strike="noStrike" dirty="0">
-                        <a:solidFill>
-                          <a:srgbClr val="000000"/>
-                        </a:solidFill>
-                        <a:latin typeface="+mn-lt"/>
-                        <a:cs typeface="Arial" pitchFamily="34" charset="0"/>
-                      </a:endParaRPr>
-                    </a:p>
-                  </a:txBody>
-                  <a:tcPr marL="91448" marR="91448" marT="45727" marB="45727" anchor="b">
-                    <a:solidFill>
-                      <a:schemeClr val="accent5"/>
-                    </a:solidFill>
-                  </a:tcPr>
-                </a:tc>
-                <a:extLst>
-                  <a:ext uri="{0D108BD9-81ED-4DB2-BD59-A6C34878D82A}">
-                    <a16:rowId xmlns:a16="http://schemas.microsoft.com/office/drawing/2014/main" val="10001"/>
-                  </a:ext>
-                </a:extLst>
-              </a:tr>
-              <a:tr h="457272">
-                <a:tc>
-                  <a:txBody>
-                    <a:bodyPr/>
-                    <a:lstStyle/>
-                    <a:p>
-                      <a:pPr algn="l" fontAlgn="ctr"/>
-                      <a:r>
-                        <a:rPr lang="en-GB" sz="2400" u="none" strike="noStrike" dirty="0">
-                          <a:latin typeface="+mn-lt"/>
-                        </a:rPr>
-                        <a:t>Lanarkshire</a:t>
-                      </a:r>
-                      <a:endParaRPr lang="en-GB" sz="2400" b="0" i="0" u="none" strike="noStrike" dirty="0">
-                        <a:solidFill>
-                          <a:srgbClr val="000000"/>
-                        </a:solidFill>
-                        <a:latin typeface="+mn-lt"/>
-                        <a:cs typeface="Arial" pitchFamily="34" charset="0"/>
-                      </a:endParaRPr>
-                    </a:p>
-                  </a:txBody>
-                  <a:tcPr marL="91448" marR="91448" marT="45727" marB="45727" anchor="ctr">
-                    <a:noFill/>
-                  </a:tcPr>
-                </a:tc>
-                <a:tc>
-                  <a:txBody>
-                    <a:bodyPr/>
-                    <a:lstStyle/>
-                    <a:p>
-                      <a:pPr algn="ctr" fontAlgn="ctr"/>
-                      <a:r>
-                        <a:rPr lang="en-GB" sz="2400" u="none" strike="noStrike" dirty="0">
-                          <a:latin typeface="+mn-lt"/>
-                        </a:rPr>
-                        <a:t>50</a:t>
-                      </a:r>
-                      <a:endParaRPr lang="en-GB" sz="2400" b="0" i="0" u="none" strike="noStrike" dirty="0">
-                        <a:solidFill>
-                          <a:srgbClr val="000000"/>
-                        </a:solidFill>
-                        <a:latin typeface="+mn-lt"/>
-                        <a:cs typeface="Arial" pitchFamily="34" charset="0"/>
-                      </a:endParaRPr>
-                    </a:p>
-                  </a:txBody>
-                  <a:tcPr marL="91448" marR="91448" marT="45727" marB="45727" anchor="ctr">
-                    <a:noFill/>
-                  </a:tcPr>
-                </a:tc>
-                <a:tc>
-                  <a:txBody>
-                    <a:bodyPr/>
-                    <a:lstStyle/>
-                    <a:p>
-                      <a:pPr algn="ctr" fontAlgn="b"/>
-                      <a:r>
-                        <a:rPr lang="en-GB" sz="2400" u="none" strike="noStrike" dirty="0">
-                          <a:latin typeface="+mn-lt"/>
-                        </a:rPr>
-                        <a:t>36</a:t>
-                      </a:r>
-                      <a:endParaRPr lang="en-GB" sz="2400" b="0" i="0" u="none" strike="noStrike" dirty="0">
-                        <a:solidFill>
-                          <a:srgbClr val="000000"/>
-                        </a:solidFill>
-                        <a:latin typeface="+mn-lt"/>
-                        <a:cs typeface="Arial" pitchFamily="34" charset="0"/>
-                      </a:endParaRPr>
-                    </a:p>
-                  </a:txBody>
-                  <a:tcPr marL="91448" marR="91448" marT="45727" marB="45727" anchor="b">
-                    <a:noFill/>
-                  </a:tcPr>
-                </a:tc>
-                <a:tc>
-                  <a:txBody>
-                    <a:bodyPr/>
-                    <a:lstStyle/>
-                    <a:p>
-                      <a:pPr algn="ctr" fontAlgn="b"/>
-                      <a:r>
-                        <a:rPr lang="en-GB" sz="2400" u="none" strike="noStrike" dirty="0">
-                          <a:latin typeface="+mn-lt"/>
-                        </a:rPr>
-                        <a:t>13.8%</a:t>
-                      </a:r>
-                      <a:endParaRPr lang="en-GB" sz="2400" b="0" i="0" u="none" strike="noStrike" dirty="0">
-                        <a:solidFill>
-                          <a:srgbClr val="000000"/>
-                        </a:solidFill>
-                        <a:latin typeface="+mn-lt"/>
-                        <a:cs typeface="Arial" pitchFamily="34" charset="0"/>
-                      </a:endParaRPr>
-                    </a:p>
-                  </a:txBody>
-                  <a:tcPr marL="91448" marR="91448" marT="45727" marB="45727" anchor="b">
-                    <a:noFill/>
-                  </a:tcPr>
-                </a:tc>
-                <a:extLst>
-                  <a:ext uri="{0D108BD9-81ED-4DB2-BD59-A6C34878D82A}">
-                    <a16:rowId xmlns:a16="http://schemas.microsoft.com/office/drawing/2014/main" val="10002"/>
-                  </a:ext>
-                </a:extLst>
-              </a:tr>
-              <a:tr h="457272">
-                <a:tc>
-                  <a:txBody>
-                    <a:bodyPr/>
-                    <a:lstStyle/>
-                    <a:p>
-                      <a:pPr algn="l" fontAlgn="ctr"/>
-                      <a:r>
-                        <a:rPr lang="en-GB" sz="2400" u="none" strike="noStrike">
-                          <a:latin typeface="+mn-lt"/>
-                        </a:rPr>
-                        <a:t>Ayrshire &amp; Arran</a:t>
-                      </a:r>
-                      <a:endParaRPr lang="en-GB" sz="2400" b="0" i="0" u="none" strike="noStrike">
-                        <a:solidFill>
-                          <a:srgbClr val="000000"/>
-                        </a:solidFill>
-                        <a:latin typeface="+mn-lt"/>
-                        <a:cs typeface="Arial" pitchFamily="34" charset="0"/>
-                      </a:endParaRPr>
-                    </a:p>
-                  </a:txBody>
-                  <a:tcPr marL="91448" marR="91448" marT="45727" marB="45727" anchor="ctr">
-                    <a:solidFill>
-                      <a:schemeClr val="accent5"/>
-                    </a:solidFill>
-                  </a:tcPr>
-                </a:tc>
-                <a:tc>
-                  <a:txBody>
-                    <a:bodyPr/>
-                    <a:lstStyle/>
-                    <a:p>
-                      <a:pPr algn="ctr" fontAlgn="ctr"/>
-                      <a:r>
-                        <a:rPr lang="en-GB" sz="2400" u="none" strike="noStrike">
-                          <a:latin typeface="+mn-lt"/>
-                        </a:rPr>
-                        <a:t>28</a:t>
-                      </a:r>
-                      <a:endParaRPr lang="en-GB" sz="2400" b="0" i="0" u="none" strike="noStrike">
-                        <a:solidFill>
-                          <a:srgbClr val="000000"/>
-                        </a:solidFill>
-                        <a:latin typeface="+mn-lt"/>
-                        <a:cs typeface="Arial" pitchFamily="34" charset="0"/>
-                      </a:endParaRPr>
-                    </a:p>
-                  </a:txBody>
-                  <a:tcPr marL="91448" marR="91448" marT="45727" marB="45727" anchor="ctr">
-                    <a:solidFill>
-                      <a:schemeClr val="accent5"/>
-                    </a:solidFill>
-                  </a:tcPr>
-                </a:tc>
-                <a:tc>
-                  <a:txBody>
-                    <a:bodyPr/>
-                    <a:lstStyle/>
-                    <a:p>
-                      <a:pPr algn="ctr" fontAlgn="b"/>
-                      <a:r>
-                        <a:rPr lang="en-GB" sz="2400" u="none" strike="noStrike" dirty="0">
-                          <a:latin typeface="+mn-lt"/>
-                        </a:rPr>
-                        <a:t>23</a:t>
-                      </a:r>
-                      <a:endParaRPr lang="en-GB" sz="2400" b="0" i="0" u="none" strike="noStrike" dirty="0">
-                        <a:solidFill>
-                          <a:srgbClr val="000000"/>
-                        </a:solidFill>
-                        <a:latin typeface="+mn-lt"/>
-                        <a:cs typeface="Arial" pitchFamily="34" charset="0"/>
-                      </a:endParaRPr>
-                    </a:p>
-                  </a:txBody>
-                  <a:tcPr marL="91448" marR="91448" marT="45727" marB="45727" anchor="b">
-                    <a:solidFill>
-                      <a:schemeClr val="accent5"/>
-                    </a:solidFill>
-                  </a:tcPr>
-                </a:tc>
-                <a:tc>
-                  <a:txBody>
-                    <a:bodyPr/>
-                    <a:lstStyle/>
-                    <a:p>
-                      <a:pPr algn="ctr" fontAlgn="b"/>
-                      <a:r>
-                        <a:rPr lang="en-GB" sz="2400" u="none" strike="noStrike" dirty="0">
-                          <a:latin typeface="+mn-lt"/>
-                        </a:rPr>
-                        <a:t>8.8%</a:t>
-                      </a:r>
-                      <a:endParaRPr lang="en-GB" sz="2400" b="0" i="0" u="none" strike="noStrike" dirty="0">
-                        <a:solidFill>
-                          <a:srgbClr val="000000"/>
-                        </a:solidFill>
-                        <a:latin typeface="+mn-lt"/>
-                        <a:cs typeface="Arial" pitchFamily="34" charset="0"/>
-                      </a:endParaRPr>
-                    </a:p>
-                  </a:txBody>
-                  <a:tcPr marL="91448" marR="91448" marT="45727" marB="45727" anchor="b">
-                    <a:solidFill>
-                      <a:schemeClr val="accent5"/>
-                    </a:solidFill>
-                  </a:tcPr>
-                </a:tc>
-                <a:extLst>
-                  <a:ext uri="{0D108BD9-81ED-4DB2-BD59-A6C34878D82A}">
-                    <a16:rowId xmlns:a16="http://schemas.microsoft.com/office/drawing/2014/main" val="10003"/>
-                  </a:ext>
-                </a:extLst>
-              </a:tr>
-              <a:tr h="457272">
-                <a:tc>
-                  <a:txBody>
-                    <a:bodyPr/>
-                    <a:lstStyle/>
-                    <a:p>
-                      <a:pPr algn="l" fontAlgn="ctr"/>
-                      <a:r>
-                        <a:rPr lang="en-GB" sz="2400" u="none" strike="noStrike">
-                          <a:latin typeface="+mn-lt"/>
-                        </a:rPr>
-                        <a:t>Forth Valley</a:t>
-                      </a:r>
-                      <a:endParaRPr lang="en-GB" sz="2400" b="0" i="0" u="none" strike="noStrike">
-                        <a:solidFill>
-                          <a:srgbClr val="000000"/>
-                        </a:solidFill>
-                        <a:latin typeface="+mn-lt"/>
-                        <a:cs typeface="Arial" pitchFamily="34" charset="0"/>
-                      </a:endParaRPr>
-                    </a:p>
-                  </a:txBody>
-                  <a:tcPr marL="91448" marR="91448" marT="45727" marB="45727" anchor="ctr">
-                    <a:noFill/>
-                  </a:tcPr>
-                </a:tc>
-                <a:tc>
-                  <a:txBody>
-                    <a:bodyPr/>
-                    <a:lstStyle/>
-                    <a:p>
-                      <a:pPr algn="ctr" fontAlgn="ctr"/>
-                      <a:r>
-                        <a:rPr lang="en-GB" sz="2400" u="none" strike="noStrike">
-                          <a:latin typeface="+mn-lt"/>
-                        </a:rPr>
-                        <a:t>14</a:t>
-                      </a:r>
-                      <a:endParaRPr lang="en-GB" sz="2400" b="0" i="0" u="none" strike="noStrike">
-                        <a:solidFill>
-                          <a:srgbClr val="000000"/>
-                        </a:solidFill>
-                        <a:latin typeface="+mn-lt"/>
-                        <a:cs typeface="Arial" pitchFamily="34" charset="0"/>
-                      </a:endParaRPr>
-                    </a:p>
-                  </a:txBody>
-                  <a:tcPr marL="91448" marR="91448" marT="45727" marB="45727" anchor="ctr">
-                    <a:noFill/>
-                  </a:tcPr>
-                </a:tc>
-                <a:tc>
-                  <a:txBody>
-                    <a:bodyPr/>
-                    <a:lstStyle/>
-                    <a:p>
-                      <a:pPr algn="ctr" fontAlgn="b"/>
-                      <a:r>
-                        <a:rPr lang="en-GB" sz="2400" u="none" strike="noStrike" dirty="0">
-                          <a:latin typeface="+mn-lt"/>
-                        </a:rPr>
-                        <a:t>10</a:t>
-                      </a:r>
-                      <a:endParaRPr lang="en-GB" sz="2400" b="0" i="0" u="none" strike="noStrike" dirty="0">
-                        <a:solidFill>
-                          <a:srgbClr val="000000"/>
-                        </a:solidFill>
-                        <a:latin typeface="+mn-lt"/>
-                        <a:cs typeface="Arial" pitchFamily="34" charset="0"/>
-                      </a:endParaRPr>
-                    </a:p>
-                  </a:txBody>
-                  <a:tcPr marL="91448" marR="91448" marT="45727" marB="45727" anchor="b">
-                    <a:noFill/>
-                  </a:tcPr>
-                </a:tc>
-                <a:tc>
-                  <a:txBody>
-                    <a:bodyPr/>
-                    <a:lstStyle/>
-                    <a:p>
-                      <a:pPr algn="ctr" fontAlgn="b"/>
-                      <a:r>
-                        <a:rPr lang="en-GB" sz="2400" u="none" strike="noStrike" dirty="0">
-                          <a:latin typeface="+mn-lt"/>
-                        </a:rPr>
-                        <a:t>3.9%</a:t>
-                      </a:r>
-                      <a:endParaRPr lang="en-GB" sz="2400" b="0" i="0" u="none" strike="noStrike" dirty="0">
-                        <a:solidFill>
-                          <a:srgbClr val="000000"/>
-                        </a:solidFill>
-                        <a:latin typeface="+mn-lt"/>
-                        <a:cs typeface="Arial" pitchFamily="34" charset="0"/>
-                      </a:endParaRPr>
-                    </a:p>
-                  </a:txBody>
-                  <a:tcPr marL="91448" marR="91448" marT="45727" marB="45727" anchor="b">
-                    <a:noFill/>
-                  </a:tcPr>
-                </a:tc>
-                <a:extLst>
-                  <a:ext uri="{0D108BD9-81ED-4DB2-BD59-A6C34878D82A}">
-                    <a16:rowId xmlns:a16="http://schemas.microsoft.com/office/drawing/2014/main" val="10004"/>
-                  </a:ext>
-                </a:extLst>
-              </a:tr>
-              <a:tr h="457272">
-                <a:tc>
-                  <a:txBody>
-                    <a:bodyPr/>
-                    <a:lstStyle/>
-                    <a:p>
-                      <a:pPr algn="l" fontAlgn="ctr"/>
-                      <a:r>
-                        <a:rPr lang="en-GB" sz="2400" u="none" strike="noStrike" dirty="0">
-                          <a:latin typeface="+mn-lt"/>
-                        </a:rPr>
-                        <a:t>Highland</a:t>
-                      </a:r>
-                      <a:endParaRPr lang="en-GB" sz="2400" b="0" i="0" u="none" strike="noStrike" dirty="0">
-                        <a:solidFill>
-                          <a:srgbClr val="000000"/>
-                        </a:solidFill>
-                        <a:latin typeface="+mn-lt"/>
-                        <a:cs typeface="Arial" pitchFamily="34" charset="0"/>
-                      </a:endParaRPr>
-                    </a:p>
-                  </a:txBody>
-                  <a:tcPr marL="91448" marR="91448" marT="45727" marB="45727" anchor="ctr">
-                    <a:solidFill>
-                      <a:schemeClr val="accent5"/>
-                    </a:solidFill>
-                  </a:tcPr>
-                </a:tc>
-                <a:tc>
-                  <a:txBody>
-                    <a:bodyPr/>
-                    <a:lstStyle/>
-                    <a:p>
-                      <a:pPr algn="ctr" fontAlgn="ctr"/>
-                      <a:r>
-                        <a:rPr lang="en-GB" sz="2400" u="none" strike="noStrike">
-                          <a:latin typeface="+mn-lt"/>
-                        </a:rPr>
-                        <a:t>7</a:t>
-                      </a:r>
-                      <a:endParaRPr lang="en-GB" sz="2400" b="0" i="0" u="none" strike="noStrike">
-                        <a:solidFill>
-                          <a:srgbClr val="000000"/>
-                        </a:solidFill>
-                        <a:latin typeface="+mn-lt"/>
-                        <a:cs typeface="Arial" pitchFamily="34" charset="0"/>
-                      </a:endParaRPr>
-                    </a:p>
-                  </a:txBody>
-                  <a:tcPr marL="91448" marR="91448" marT="45727" marB="45727" anchor="ctr">
-                    <a:solidFill>
-                      <a:schemeClr val="accent5"/>
-                    </a:solidFill>
-                  </a:tcPr>
-                </a:tc>
-                <a:tc>
-                  <a:txBody>
-                    <a:bodyPr/>
-                    <a:lstStyle/>
-                    <a:p>
-                      <a:pPr algn="ctr" fontAlgn="b"/>
-                      <a:r>
-                        <a:rPr lang="en-GB" sz="2400" u="none" strike="noStrike" dirty="0">
-                          <a:latin typeface="+mn-lt"/>
-                        </a:rPr>
-                        <a:t>5</a:t>
-                      </a:r>
-                      <a:endParaRPr lang="en-GB" sz="2400" b="0" i="0" u="none" strike="noStrike" dirty="0">
-                        <a:solidFill>
-                          <a:srgbClr val="000000"/>
-                        </a:solidFill>
-                        <a:latin typeface="+mn-lt"/>
-                        <a:cs typeface="Arial" pitchFamily="34" charset="0"/>
-                      </a:endParaRPr>
-                    </a:p>
-                  </a:txBody>
-                  <a:tcPr marL="91448" marR="91448" marT="45727" marB="45727" anchor="b">
-                    <a:solidFill>
-                      <a:schemeClr val="accent5"/>
-                    </a:solidFill>
-                  </a:tcPr>
-                </a:tc>
-                <a:tc>
-                  <a:txBody>
-                    <a:bodyPr/>
-                    <a:lstStyle/>
-                    <a:p>
-                      <a:pPr algn="ctr" fontAlgn="b"/>
-                      <a:r>
-                        <a:rPr lang="en-GB" sz="2400" u="none" strike="noStrike" dirty="0">
-                          <a:latin typeface="+mn-lt"/>
-                        </a:rPr>
-                        <a:t>1.9%</a:t>
-                      </a:r>
-                      <a:endParaRPr lang="en-GB" sz="2400" b="0" i="0" u="none" strike="noStrike" dirty="0">
-                        <a:solidFill>
-                          <a:srgbClr val="000000"/>
-                        </a:solidFill>
-                        <a:latin typeface="+mn-lt"/>
-                        <a:cs typeface="Arial" pitchFamily="34" charset="0"/>
-                      </a:endParaRPr>
-                    </a:p>
-                  </a:txBody>
-                  <a:tcPr marL="91448" marR="91448" marT="45727" marB="45727" anchor="b">
-                    <a:solidFill>
-                      <a:schemeClr val="accent5"/>
-                    </a:solidFill>
-                  </a:tcPr>
-                </a:tc>
-                <a:extLst>
-                  <a:ext uri="{0D108BD9-81ED-4DB2-BD59-A6C34878D82A}">
-                    <a16:rowId xmlns:a16="http://schemas.microsoft.com/office/drawing/2014/main" val="10005"/>
-                  </a:ext>
-                </a:extLst>
-              </a:tr>
-              <a:tr h="457272">
-                <a:tc>
-                  <a:txBody>
-                    <a:bodyPr/>
-                    <a:lstStyle/>
-                    <a:p>
-                      <a:pPr algn="l" fontAlgn="ctr"/>
-                      <a:r>
-                        <a:rPr lang="en-GB" sz="2400" u="none" strike="noStrike">
-                          <a:latin typeface="+mn-lt"/>
-                        </a:rPr>
-                        <a:t>Lothian</a:t>
-                      </a:r>
-                      <a:endParaRPr lang="en-GB" sz="2400" b="0" i="0" u="none" strike="noStrike">
-                        <a:solidFill>
-                          <a:srgbClr val="000000"/>
-                        </a:solidFill>
-                        <a:latin typeface="+mn-lt"/>
-                        <a:cs typeface="Arial" pitchFamily="34" charset="0"/>
-                      </a:endParaRPr>
-                    </a:p>
-                  </a:txBody>
-                  <a:tcPr marL="91448" marR="91448" marT="45727" marB="45727" anchor="ctr">
-                    <a:noFill/>
-                  </a:tcPr>
-                </a:tc>
-                <a:tc>
-                  <a:txBody>
-                    <a:bodyPr/>
-                    <a:lstStyle/>
-                    <a:p>
-                      <a:pPr algn="ctr" fontAlgn="ctr"/>
-                      <a:r>
-                        <a:rPr lang="en-GB" sz="2400" u="none" strike="noStrike">
-                          <a:latin typeface="+mn-lt"/>
-                        </a:rPr>
-                        <a:t>6</a:t>
-                      </a:r>
-                      <a:endParaRPr lang="en-GB" sz="2400" b="0" i="0" u="none" strike="noStrike">
-                        <a:solidFill>
-                          <a:srgbClr val="000000"/>
-                        </a:solidFill>
-                        <a:latin typeface="+mn-lt"/>
-                        <a:cs typeface="Arial" pitchFamily="34" charset="0"/>
-                      </a:endParaRPr>
-                    </a:p>
-                  </a:txBody>
-                  <a:tcPr marL="91448" marR="91448" marT="45727" marB="45727" anchor="ctr">
-                    <a:noFill/>
-                  </a:tcPr>
-                </a:tc>
-                <a:tc>
-                  <a:txBody>
-                    <a:bodyPr/>
-                    <a:lstStyle/>
-                    <a:p>
-                      <a:pPr algn="ctr" fontAlgn="b"/>
-                      <a:r>
-                        <a:rPr lang="en-GB" sz="2400" u="none" strike="noStrike" dirty="0">
-                          <a:latin typeface="+mn-lt"/>
-                        </a:rPr>
-                        <a:t>4</a:t>
-                      </a:r>
-                      <a:endParaRPr lang="en-GB" sz="2400" b="0" i="0" u="none" strike="noStrike" dirty="0">
-                        <a:solidFill>
-                          <a:srgbClr val="000000"/>
-                        </a:solidFill>
-                        <a:latin typeface="+mn-lt"/>
-                        <a:cs typeface="Arial" pitchFamily="34" charset="0"/>
-                      </a:endParaRPr>
-                    </a:p>
-                  </a:txBody>
-                  <a:tcPr marL="91448" marR="91448" marT="45727" marB="45727" anchor="b">
-                    <a:noFill/>
-                  </a:tcPr>
-                </a:tc>
-                <a:tc>
-                  <a:txBody>
-                    <a:bodyPr/>
-                    <a:lstStyle/>
-                    <a:p>
-                      <a:pPr algn="ctr" fontAlgn="b"/>
-                      <a:r>
-                        <a:rPr lang="en-GB" sz="2400" u="none" strike="noStrike" dirty="0">
-                          <a:latin typeface="+mn-lt"/>
-                        </a:rPr>
-                        <a:t>1.5%</a:t>
-                      </a:r>
-                      <a:endParaRPr lang="en-GB" sz="2400" b="0" i="0" u="none" strike="noStrike" dirty="0">
-                        <a:solidFill>
-                          <a:srgbClr val="000000"/>
-                        </a:solidFill>
-                        <a:latin typeface="+mn-lt"/>
-                        <a:cs typeface="Arial" pitchFamily="34" charset="0"/>
-                      </a:endParaRPr>
-                    </a:p>
-                  </a:txBody>
-                  <a:tcPr marL="91448" marR="91448" marT="45727" marB="45727" anchor="b">
-                    <a:noFill/>
-                  </a:tcPr>
-                </a:tc>
-                <a:extLst>
-                  <a:ext uri="{0D108BD9-81ED-4DB2-BD59-A6C34878D82A}">
-                    <a16:rowId xmlns:a16="http://schemas.microsoft.com/office/drawing/2014/main" val="10006"/>
-                  </a:ext>
-                </a:extLst>
-              </a:tr>
-              <a:tr h="457272">
-                <a:tc>
-                  <a:txBody>
-                    <a:bodyPr/>
-                    <a:lstStyle/>
-                    <a:p>
-                      <a:pPr algn="l" fontAlgn="ctr"/>
-                      <a:r>
-                        <a:rPr lang="en-GB" sz="2400" u="none" strike="noStrike">
-                          <a:latin typeface="+mn-lt"/>
-                        </a:rPr>
-                        <a:t>Others</a:t>
-                      </a:r>
-                      <a:endParaRPr lang="en-GB" sz="2400" b="0" i="0" u="none" strike="noStrike">
-                        <a:solidFill>
-                          <a:srgbClr val="000000"/>
-                        </a:solidFill>
-                        <a:latin typeface="+mn-lt"/>
-                        <a:cs typeface="Arial" pitchFamily="34" charset="0"/>
-                      </a:endParaRPr>
-                    </a:p>
-                  </a:txBody>
-                  <a:tcPr marL="91448" marR="91448" marT="45727" marB="45727" anchor="ctr">
-                    <a:solidFill>
-                      <a:schemeClr val="accent5"/>
-                    </a:solidFill>
-                  </a:tcPr>
-                </a:tc>
-                <a:tc>
-                  <a:txBody>
-                    <a:bodyPr/>
-                    <a:lstStyle/>
-                    <a:p>
-                      <a:pPr algn="ctr" fontAlgn="ctr"/>
-                      <a:r>
-                        <a:rPr lang="en-GB" sz="2400" u="none" strike="noStrike">
-                          <a:latin typeface="+mn-lt"/>
-                        </a:rPr>
-                        <a:t>3</a:t>
-                      </a:r>
-                      <a:endParaRPr lang="en-GB" sz="2400" b="0" i="0" u="none" strike="noStrike">
-                        <a:solidFill>
-                          <a:srgbClr val="000000"/>
-                        </a:solidFill>
-                        <a:latin typeface="+mn-lt"/>
-                        <a:cs typeface="Arial" pitchFamily="34" charset="0"/>
-                      </a:endParaRPr>
-                    </a:p>
-                  </a:txBody>
-                  <a:tcPr marL="91448" marR="91448" marT="45727" marB="45727" anchor="ctr">
-                    <a:solidFill>
-                      <a:schemeClr val="accent5"/>
-                    </a:solidFill>
-                  </a:tcPr>
-                </a:tc>
-                <a:tc>
-                  <a:txBody>
-                    <a:bodyPr/>
-                    <a:lstStyle/>
-                    <a:p>
-                      <a:pPr algn="ctr" fontAlgn="b"/>
-                      <a:r>
-                        <a:rPr lang="en-GB" sz="2400" u="none" strike="noStrike">
-                          <a:latin typeface="+mn-lt"/>
-                        </a:rPr>
-                        <a:t>1</a:t>
-                      </a:r>
-                      <a:endParaRPr lang="en-GB" sz="2400" b="0" i="0" u="none" strike="noStrike">
-                        <a:solidFill>
-                          <a:srgbClr val="000000"/>
-                        </a:solidFill>
-                        <a:latin typeface="+mn-lt"/>
-                        <a:cs typeface="Arial" pitchFamily="34" charset="0"/>
-                      </a:endParaRPr>
-                    </a:p>
-                  </a:txBody>
-                  <a:tcPr marL="91448" marR="91448" marT="45727" marB="45727" anchor="b">
-                    <a:solidFill>
-                      <a:schemeClr val="accent5"/>
-                    </a:solidFill>
-                  </a:tcPr>
-                </a:tc>
-                <a:tc>
-                  <a:txBody>
-                    <a:bodyPr/>
-                    <a:lstStyle/>
-                    <a:p>
-                      <a:pPr algn="ctr" fontAlgn="b"/>
-                      <a:r>
-                        <a:rPr lang="en-GB" sz="2400" u="none" strike="noStrike" dirty="0">
-                          <a:latin typeface="+mn-lt"/>
-                        </a:rPr>
-                        <a:t>0.4%</a:t>
-                      </a:r>
-                      <a:endParaRPr lang="en-GB" sz="2400" b="0" i="0" u="none" strike="noStrike" dirty="0">
-                        <a:solidFill>
-                          <a:srgbClr val="000000"/>
-                        </a:solidFill>
-                        <a:latin typeface="+mn-lt"/>
-                        <a:cs typeface="Arial" pitchFamily="34" charset="0"/>
-                      </a:endParaRPr>
-                    </a:p>
-                  </a:txBody>
-                  <a:tcPr marL="91448" marR="91448" marT="45727" marB="45727" anchor="b">
-                    <a:solidFill>
-                      <a:schemeClr val="accent5"/>
-                    </a:solidFill>
-                  </a:tcPr>
-                </a:tc>
-                <a:extLst>
-                  <a:ext uri="{0D108BD9-81ED-4DB2-BD59-A6C34878D82A}">
-                    <a16:rowId xmlns:a16="http://schemas.microsoft.com/office/drawing/2014/main" val="10007"/>
-                  </a:ext>
-                </a:extLst>
-              </a:tr>
-              <a:tr h="457272">
-                <a:tc>
-                  <a:txBody>
-                    <a:bodyPr/>
-                    <a:lstStyle/>
-                    <a:p>
-                      <a:pPr algn="l" fontAlgn="ctr"/>
-                      <a:r>
-                        <a:rPr lang="en-GB" sz="2400" b="1" u="none" strike="noStrike" dirty="0">
-                          <a:latin typeface="+mn-lt"/>
-                        </a:rPr>
-                        <a:t>TOTAL</a:t>
-                      </a:r>
-                      <a:endParaRPr lang="en-GB" sz="2400" b="1" i="0" u="none" strike="noStrike" dirty="0">
-                        <a:solidFill>
-                          <a:srgbClr val="000000"/>
-                        </a:solidFill>
-                        <a:latin typeface="+mn-lt"/>
-                        <a:cs typeface="Arial" pitchFamily="34" charset="0"/>
-                      </a:endParaRPr>
-                    </a:p>
-                  </a:txBody>
-                  <a:tcPr marL="91448" marR="91448" marT="45727" marB="45727" anchor="ctr">
-                    <a:noFill/>
-                  </a:tcPr>
-                </a:tc>
-                <a:tc>
-                  <a:txBody>
-                    <a:bodyPr/>
-                    <a:lstStyle/>
-                    <a:p>
-                      <a:pPr algn="ctr" fontAlgn="ctr"/>
-                      <a:r>
-                        <a:rPr lang="en-GB" sz="2400" b="1" u="none" strike="noStrike">
-                          <a:latin typeface="+mn-lt"/>
-                        </a:rPr>
-                        <a:t>332</a:t>
-                      </a:r>
-                      <a:endParaRPr lang="en-GB" sz="2400" b="1" i="0" u="none" strike="noStrike">
-                        <a:solidFill>
-                          <a:srgbClr val="000000"/>
-                        </a:solidFill>
-                        <a:latin typeface="+mn-lt"/>
-                        <a:cs typeface="Arial" pitchFamily="34" charset="0"/>
-                      </a:endParaRPr>
-                    </a:p>
-                  </a:txBody>
-                  <a:tcPr marL="91448" marR="91448" marT="45727" marB="45727" anchor="ctr">
-                    <a:noFill/>
-                  </a:tcPr>
-                </a:tc>
-                <a:tc>
-                  <a:txBody>
-                    <a:bodyPr/>
-                    <a:lstStyle/>
-                    <a:p>
-                      <a:pPr algn="ctr" fontAlgn="ctr"/>
-                      <a:r>
-                        <a:rPr lang="en-GB" sz="2400" b="1" u="none" strike="noStrike">
-                          <a:latin typeface="+mn-lt"/>
-                        </a:rPr>
-                        <a:t>260</a:t>
-                      </a:r>
-                      <a:endParaRPr lang="en-GB" sz="2400" b="1" i="0" u="none" strike="noStrike">
-                        <a:solidFill>
-                          <a:srgbClr val="000000"/>
-                        </a:solidFill>
-                        <a:latin typeface="+mn-lt"/>
-                        <a:cs typeface="Arial" pitchFamily="34" charset="0"/>
-                      </a:endParaRPr>
-                    </a:p>
-                  </a:txBody>
-                  <a:tcPr marL="91448" marR="91448" marT="45727" marB="45727" anchor="ctr">
-                    <a:noFill/>
-                  </a:tcPr>
-                </a:tc>
-                <a:tc>
-                  <a:txBody>
-                    <a:bodyPr/>
-                    <a:lstStyle/>
-                    <a:p>
-                      <a:pPr algn="ctr" fontAlgn="ctr"/>
-                      <a:r>
-                        <a:rPr lang="en-GB" sz="2400" b="1" u="none" strike="noStrike" dirty="0">
-                          <a:latin typeface="+mn-lt"/>
-                        </a:rPr>
-                        <a:t>100%</a:t>
-                      </a:r>
-                      <a:endParaRPr lang="en-GB" sz="2400" b="1" i="0" u="none" strike="noStrike" dirty="0">
-                        <a:solidFill>
-                          <a:srgbClr val="000000"/>
-                        </a:solidFill>
-                        <a:latin typeface="+mn-lt"/>
-                        <a:cs typeface="Arial" pitchFamily="34" charset="0"/>
-                      </a:endParaRPr>
-                    </a:p>
-                  </a:txBody>
-                  <a:tcPr marL="91448" marR="91448" marT="45727" marB="45727" anchor="ctr">
-                    <a:noFill/>
-                  </a:tcPr>
-                </a:tc>
-                <a:extLst>
-                  <a:ext uri="{0D108BD9-81ED-4DB2-BD59-A6C34878D82A}">
-                    <a16:rowId xmlns:a16="http://schemas.microsoft.com/office/drawing/2014/main" val="10008"/>
-                  </a:ext>
-                </a:extLst>
-              </a:tr>
-            </a:tbl>
-          </a:graphicData>
-        </a:graphic>
-      </p:graphicFrame>
-    </p:spTree>
-  </p:cSld>
-  <p:clrMapOvr>
-    <a:masterClrMapping/>
-  </p:clrMapOvr>
-</p:sld>
-</file>
-
-<file path=ppt/slides/slide17.xml><?xml version="1.0" encoding="utf-8"?>
-<p:sld xmlns:a="http://schemas.openxmlformats.org/drawingml/2006/main" xmlns:r="http://schemas.openxmlformats.org/officeDocument/2006/relationships" xmlns:p="http://schemas.openxmlformats.org/presentationml/2006/main">
-  <p:cSld>
-    <p:spTree>
-      <p:nvGrpSpPr>
-        <p:cNvPr id="1" name=""/>
-        <p:cNvGrpSpPr/>
-        <p:nvPr/>
-      </p:nvGrpSpPr>
-      <p:grpSpPr>
-        <a:xfrm>
-          <a:off x="0" y="0"/>
-          <a:ext cx="0" cy="0"/>
-          <a:chOff x="0" y="0"/>
-          <a:chExt cx="0" cy="0"/>
-        </a:xfrm>
-      </p:grpSpPr>
-      <p:sp>
-        <p:nvSpPr>
-          <p:cNvPr id="19458" name="Title 1">
-            <a:extLst>
-              <a:ext uri="{FF2B5EF4-FFF2-40B4-BE49-F238E27FC236}">
-                <a16:creationId xmlns:a16="http://schemas.microsoft.com/office/drawing/2014/main" id="{E9079990-DB98-E64A-F047-39646DE23074}"/>
-              </a:ext>
-            </a:extLst>
-          </p:cNvPr>
-          <p:cNvSpPr>
-            <a:spLocks noGrp="1"/>
-          </p:cNvSpPr>
-          <p:nvPr>
-            <p:ph type="ctrTitle"/>
-          </p:nvPr>
-        </p:nvSpPr>
-        <p:spPr/>
-        <p:txBody>
-          <a:bodyPr/>
-          <a:lstStyle/>
-          <a:p>
-            <a:pPr eaLnBrk="1" hangingPunct="1"/>
-            <a:r>
-              <a:rPr lang="en-GB" altLang="en-US" b="1"/>
-              <a:t>Where do our overnight stay patients come from?</a:t>
-            </a:r>
-          </a:p>
-        </p:txBody>
-      </p:sp>
-      <p:sp>
-        <p:nvSpPr>
-          <p:cNvPr id="19459" name="Subtitle 2">
-            <a:extLst>
-              <a:ext uri="{FF2B5EF4-FFF2-40B4-BE49-F238E27FC236}">
-                <a16:creationId xmlns:a16="http://schemas.microsoft.com/office/drawing/2014/main" id="{89DE242B-55BE-2844-136A-81419E45C382}"/>
-              </a:ext>
-            </a:extLst>
-          </p:cNvPr>
-          <p:cNvSpPr>
-            <a:spLocks noGrp="1"/>
-          </p:cNvSpPr>
-          <p:nvPr>
-            <p:ph type="subTitle" idx="1"/>
-          </p:nvPr>
-        </p:nvSpPr>
-        <p:spPr/>
-        <p:txBody>
-          <a:bodyPr/>
-          <a:lstStyle/>
-          <a:p>
-            <a:pPr eaLnBrk="1" hangingPunct="1"/>
-            <a:endParaRPr lang="en-GB" altLang="en-US"/>
+            <a:r>
+              <a:rPr lang="en-GB" sz="4400" b="1" dirty="0">
+                <a:latin typeface="+mj-lt"/>
+              </a:rPr>
+              <a:t>Cumulative results</a:t>
+            </a:r>
           </a:p>
         </p:txBody>
       </p:sp>
       <p:pic>
         <p:nvPicPr>
-          <p:cNvPr id="19460" name="Picture 6" descr="Whoosh">
-            <a:extLst>
-              <a:ext uri="{FF2B5EF4-FFF2-40B4-BE49-F238E27FC236}">
-                <a16:creationId xmlns:a16="http://schemas.microsoft.com/office/drawing/2014/main" id="{AC9A2A25-0623-740C-8BEE-D6FC0B083BE6}"/>
+          <p:cNvPr id="6" name="Picture 6" descr="Whoosh">
+            <a:extLst>
+              <a:ext uri="{FF2B5EF4-FFF2-40B4-BE49-F238E27FC236}">
+                <a16:creationId xmlns:a16="http://schemas.microsoft.com/office/drawing/2014/main" id="{0FF4C874-0B67-96AE-3A85-A4186A66A0B3}"/>
               </a:ext>
             </a:extLst>
           </p:cNvPr>
@@ -10048,6 +7927,11 @@
         </p:spPr>
       </p:pic>
     </p:spTree>
+    <p:extLst>
+      <p:ext uri="{BB962C8B-B14F-4D97-AF65-F5344CB8AC3E}">
+        <p14:creationId xmlns:p14="http://schemas.microsoft.com/office/powerpoint/2010/main" val="1076944108"/>
+      </p:ext>
+    </p:extLst>
   </p:cSld>
   <p:clrMapOvr>
     <a:masterClrMapping/>
@@ -10055,7 +7939,7 @@
 </p:sld>
 </file>
 
-<file path=ppt/slides/slide18.xml><?xml version="1.0" encoding="utf-8"?>
+<file path=ppt/slides/slide16.xml><?xml version="1.0" encoding="utf-8"?>
 <p:sld xmlns:a="http://schemas.openxmlformats.org/drawingml/2006/main" xmlns:r="http://schemas.openxmlformats.org/officeDocument/2006/relationships" xmlns:p="http://schemas.openxmlformats.org/presentationml/2006/main">
   <p:cSld>
     <p:spTree>
@@ -10074,311 +7958,10 @@
       </p:grpSpPr>
       <p:pic>
         <p:nvPicPr>
-          <p:cNvPr id="20482" name="Picture 2">
-            <a:extLst>
-              <a:ext uri="{FF2B5EF4-FFF2-40B4-BE49-F238E27FC236}">
-                <a16:creationId xmlns:a16="http://schemas.microsoft.com/office/drawing/2014/main" id="{2B4D6E7A-4B6D-8F28-D105-77BA8674E09F}"/>
-              </a:ext>
-            </a:extLst>
-          </p:cNvPr>
-          <p:cNvPicPr>
-            <a:picLocks noChangeAspect="1" noChangeArrowheads="1"/>
-          </p:cNvPicPr>
-          <p:nvPr/>
-        </p:nvPicPr>
-        <p:blipFill>
-          <a:blip r:embed="rId2">
-            <a:extLst>
-              <a:ext uri="{28A0092B-C50C-407E-A947-70E740481C1C}">
-                <a14:useLocalDpi xmlns:a14="http://schemas.microsoft.com/office/drawing/2010/main" val="0"/>
-              </a:ext>
-            </a:extLst>
-          </a:blip>
-          <a:srcRect/>
-          <a:stretch>
-            <a:fillRect/>
-          </a:stretch>
-        </p:blipFill>
-        <p:spPr bwMode="auto">
-          <a:xfrm>
-            <a:off x="0" y="0"/>
-            <a:ext cx="9144000" cy="6858000"/>
-          </a:xfrm>
-          <a:prstGeom prst="rect">
-            <a:avLst/>
-          </a:prstGeom>
-          <a:noFill/>
-          <a:ln>
-            <a:noFill/>
-          </a:ln>
-          <a:extLst>
-            <a:ext uri="{909E8E84-426E-40DD-AFC4-6F175D3DCCD1}">
-              <a14:hiddenFill xmlns:a14="http://schemas.microsoft.com/office/drawing/2010/main">
-                <a:solidFill>
-                  <a:srgbClr val="FFFFFF"/>
-                </a:solidFill>
-              </a14:hiddenFill>
-            </a:ext>
-            <a:ext uri="{91240B29-F687-4F45-9708-019B960494DF}">
-              <a14:hiddenLine xmlns:a14="http://schemas.microsoft.com/office/drawing/2010/main" w="9525">
-                <a:solidFill>
-                  <a:srgbClr val="000000"/>
-                </a:solidFill>
-                <a:miter lim="800000"/>
-                <a:headEnd/>
-                <a:tailEnd/>
-              </a14:hiddenLine>
-            </a:ext>
-          </a:extLst>
-        </p:spPr>
-      </p:pic>
-    </p:spTree>
-  </p:cSld>
-  <p:clrMapOvr>
-    <a:masterClrMapping/>
-  </p:clrMapOvr>
-</p:sld>
-</file>
-
-<file path=ppt/slides/slide19.xml><?xml version="1.0" encoding="utf-8"?>
-<p:sld xmlns:a="http://schemas.openxmlformats.org/drawingml/2006/main" xmlns:r="http://schemas.openxmlformats.org/officeDocument/2006/relationships" xmlns:p="http://schemas.openxmlformats.org/presentationml/2006/main">
-  <p:cSld>
-    <p:spTree>
-      <p:nvGrpSpPr>
-        <p:cNvPr id="1" name=""/>
-        <p:cNvGrpSpPr/>
-        <p:nvPr/>
-      </p:nvGrpSpPr>
-      <p:grpSpPr>
-        <a:xfrm>
-          <a:off x="0" y="0"/>
-          <a:ext cx="0" cy="0"/>
-          <a:chOff x="0" y="0"/>
-          <a:chExt cx="0" cy="0"/>
-        </a:xfrm>
-      </p:grpSpPr>
-      <p:graphicFrame>
-        <p:nvGraphicFramePr>
-          <p:cNvPr id="3" name="Chart 2">
-            <a:extLst>
-              <a:ext uri="{FF2B5EF4-FFF2-40B4-BE49-F238E27FC236}">
-                <a16:creationId xmlns:a16="http://schemas.microsoft.com/office/drawing/2014/main" id="{04B75E37-24AF-E1D3-73C8-3EABBB123CA2}"/>
-              </a:ext>
-            </a:extLst>
-          </p:cNvPr>
-          <p:cNvGraphicFramePr/>
-          <p:nvPr/>
-        </p:nvGraphicFramePr>
-        <p:xfrm>
-          <a:off x="251520" y="188640"/>
-          <a:ext cx="8712968" cy="6120679"/>
-        </p:xfrm>
-        <a:graphic>
-          <a:graphicData uri="http://schemas.openxmlformats.org/drawingml/2006/chart">
-            <c:chart xmlns:c="http://schemas.openxmlformats.org/drawingml/2006/chart" xmlns:r="http://schemas.openxmlformats.org/officeDocument/2006/relationships" r:id="rId2"/>
-          </a:graphicData>
-        </a:graphic>
-      </p:graphicFrame>
-      <p:sp>
-        <p:nvSpPr>
-          <p:cNvPr id="21507" name="TextBox 4">
-            <a:extLst>
-              <a:ext uri="{FF2B5EF4-FFF2-40B4-BE49-F238E27FC236}">
-                <a16:creationId xmlns:a16="http://schemas.microsoft.com/office/drawing/2014/main" id="{C9A8AFFC-F2AB-93A9-0DD7-637B0526E2F5}"/>
-              </a:ext>
-            </a:extLst>
-          </p:cNvPr>
-          <p:cNvSpPr txBox="1">
-            <a:spLocks noChangeArrowheads="1"/>
-          </p:cNvSpPr>
-          <p:nvPr/>
-        </p:nvSpPr>
-        <p:spPr bwMode="auto">
-          <a:xfrm>
-            <a:off x="6311900" y="6308725"/>
-            <a:ext cx="2832100" cy="339725"/>
-          </a:xfrm>
-          <a:prstGeom prst="rect">
-            <a:avLst/>
-          </a:prstGeom>
-          <a:noFill/>
-          <a:ln>
-            <a:noFill/>
-          </a:ln>
-          <a:extLst>
-            <a:ext uri="{909E8E84-426E-40DD-AFC4-6F175D3DCCD1}">
-              <a14:hiddenFill xmlns:a14="http://schemas.microsoft.com/office/drawing/2010/main">
-                <a:solidFill>
-                  <a:srgbClr val="FFFFFF"/>
-                </a:solidFill>
-              </a14:hiddenFill>
-            </a:ext>
-            <a:ext uri="{91240B29-F687-4F45-9708-019B960494DF}">
-              <a14:hiddenLine xmlns:a14="http://schemas.microsoft.com/office/drawing/2010/main" w="9525">
-                <a:solidFill>
-                  <a:srgbClr val="000000"/>
-                </a:solidFill>
-                <a:miter lim="800000"/>
-                <a:headEnd/>
-                <a:tailEnd/>
-              </a14:hiddenLine>
-            </a:ext>
-          </a:extLst>
-        </p:spPr>
-        <p:txBody>
-          <a:bodyPr wrap="none">
-            <a:spAutoFit/>
-          </a:bodyPr>
-          <a:lstStyle>
-            <a:lvl1pPr>
-              <a:defRPr sz="2400">
-                <a:solidFill>
-                  <a:schemeClr val="tx1"/>
-                </a:solidFill>
-                <a:latin typeface="Arial" panose="020B0604020202020204" pitchFamily="34" charset="0"/>
-                <a:ea typeface="ＭＳ Ｐゴシック" panose="020B0600070205080204" pitchFamily="34" charset="-128"/>
-              </a:defRPr>
-            </a:lvl1pPr>
-            <a:lvl2pPr marL="742950" indent="-285750">
-              <a:defRPr sz="2400">
-                <a:solidFill>
-                  <a:schemeClr val="tx1"/>
-                </a:solidFill>
-                <a:latin typeface="Arial" panose="020B0604020202020204" pitchFamily="34" charset="0"/>
-                <a:ea typeface="ＭＳ Ｐゴシック" panose="020B0600070205080204" pitchFamily="34" charset="-128"/>
-              </a:defRPr>
-            </a:lvl2pPr>
-            <a:lvl3pPr marL="1143000" indent="-228600">
-              <a:defRPr sz="2400">
-                <a:solidFill>
-                  <a:schemeClr val="tx1"/>
-                </a:solidFill>
-                <a:latin typeface="Arial" panose="020B0604020202020204" pitchFamily="34" charset="0"/>
-                <a:ea typeface="ＭＳ Ｐゴシック" panose="020B0600070205080204" pitchFamily="34" charset="-128"/>
-              </a:defRPr>
-            </a:lvl3pPr>
-            <a:lvl4pPr marL="1600200" indent="-228600">
-              <a:defRPr sz="2400">
-                <a:solidFill>
-                  <a:schemeClr val="tx1"/>
-                </a:solidFill>
-                <a:latin typeface="Arial" panose="020B0604020202020204" pitchFamily="34" charset="0"/>
-                <a:ea typeface="ＭＳ Ｐゴシック" panose="020B0600070205080204" pitchFamily="34" charset="-128"/>
-              </a:defRPr>
-            </a:lvl4pPr>
-            <a:lvl5pPr marL="2057400" indent="-228600">
-              <a:defRPr sz="2400">
-                <a:solidFill>
-                  <a:schemeClr val="tx1"/>
-                </a:solidFill>
-                <a:latin typeface="Arial" panose="020B0604020202020204" pitchFamily="34" charset="0"/>
-                <a:ea typeface="ＭＳ Ｐゴシック" panose="020B0600070205080204" pitchFamily="34" charset="-128"/>
-              </a:defRPr>
-            </a:lvl5pPr>
-            <a:lvl6pPr marL="2514600" indent="-228600" eaLnBrk="0" fontAlgn="base" hangingPunct="0">
-              <a:spcBef>
-                <a:spcPct val="0"/>
-              </a:spcBef>
-              <a:spcAft>
-                <a:spcPct val="0"/>
-              </a:spcAft>
-              <a:defRPr sz="2400">
-                <a:solidFill>
-                  <a:schemeClr val="tx1"/>
-                </a:solidFill>
-                <a:latin typeface="Arial" panose="020B0604020202020204" pitchFamily="34" charset="0"/>
-                <a:ea typeface="ＭＳ Ｐゴシック" panose="020B0600070205080204" pitchFamily="34" charset="-128"/>
-              </a:defRPr>
-            </a:lvl6pPr>
-            <a:lvl7pPr marL="2971800" indent="-228600" eaLnBrk="0" fontAlgn="base" hangingPunct="0">
-              <a:spcBef>
-                <a:spcPct val="0"/>
-              </a:spcBef>
-              <a:spcAft>
-                <a:spcPct val="0"/>
-              </a:spcAft>
-              <a:defRPr sz="2400">
-                <a:solidFill>
-                  <a:schemeClr val="tx1"/>
-                </a:solidFill>
-                <a:latin typeface="Arial" panose="020B0604020202020204" pitchFamily="34" charset="0"/>
-                <a:ea typeface="ＭＳ Ｐゴシック" panose="020B0600070205080204" pitchFamily="34" charset="-128"/>
-              </a:defRPr>
-            </a:lvl7pPr>
-            <a:lvl8pPr marL="3429000" indent="-228600" eaLnBrk="0" fontAlgn="base" hangingPunct="0">
-              <a:spcBef>
-                <a:spcPct val="0"/>
-              </a:spcBef>
-              <a:spcAft>
-                <a:spcPct val="0"/>
-              </a:spcAft>
-              <a:defRPr sz="2400">
-                <a:solidFill>
-                  <a:schemeClr val="tx1"/>
-                </a:solidFill>
-                <a:latin typeface="Arial" panose="020B0604020202020204" pitchFamily="34" charset="0"/>
-                <a:ea typeface="ＭＳ Ｐゴシック" panose="020B0600070205080204" pitchFamily="34" charset="-128"/>
-              </a:defRPr>
-            </a:lvl8pPr>
-            <a:lvl9pPr marL="3886200" indent="-228600" eaLnBrk="0" fontAlgn="base" hangingPunct="0">
-              <a:spcBef>
-                <a:spcPct val="0"/>
-              </a:spcBef>
-              <a:spcAft>
-                <a:spcPct val="0"/>
-              </a:spcAft>
-              <a:defRPr sz="2400">
-                <a:solidFill>
-                  <a:schemeClr val="tx1"/>
-                </a:solidFill>
-                <a:latin typeface="Arial" panose="020B0604020202020204" pitchFamily="34" charset="0"/>
-                <a:ea typeface="ＭＳ Ｐゴシック" panose="020B0600070205080204" pitchFamily="34" charset="-128"/>
-              </a:defRPr>
-            </a:lvl9pPr>
-          </a:lstStyle>
-          <a:p>
-            <a:r>
-              <a:rPr lang="en-GB" altLang="en-US" sz="1600" b="1">
-                <a:solidFill>
-                  <a:srgbClr val="002060"/>
-                </a:solidFill>
-              </a:rPr>
-              <a:t>GGC residents in dark blue</a:t>
-            </a:r>
-          </a:p>
-        </p:txBody>
-      </p:sp>
-    </p:spTree>
-  </p:cSld>
-  <p:clrMapOvr>
-    <a:masterClrMapping/>
-  </p:clrMapOvr>
-</p:sld>
-</file>
-
-<file path=ppt/slides/slide2.xml><?xml version="1.0" encoding="utf-8"?>
-<p:sld xmlns:a="http://schemas.openxmlformats.org/drawingml/2006/main" xmlns:r="http://schemas.openxmlformats.org/officeDocument/2006/relationships" xmlns:p="http://schemas.openxmlformats.org/presentationml/2006/main">
-  <p:cSld>
-    <p:spTree>
-      <p:nvGrpSpPr>
-        <p:cNvPr id="1" name=""/>
-        <p:cNvGrpSpPr/>
-        <p:nvPr/>
-      </p:nvGrpSpPr>
-      <p:grpSpPr>
-        <a:xfrm>
-          <a:off x="0" y="0"/>
-          <a:ext cx="0" cy="0"/>
-          <a:chOff x="0" y="0"/>
-          <a:chExt cx="0" cy="0"/>
-        </a:xfrm>
-      </p:grpSpPr>
-      <p:pic>
-        <p:nvPicPr>
-          <p:cNvPr id="3076" name="Picture 6" descr="Whoosh">
-            <a:extLst>
-              <a:ext uri="{FF2B5EF4-FFF2-40B4-BE49-F238E27FC236}">
-                <a16:creationId xmlns:a16="http://schemas.microsoft.com/office/drawing/2014/main" id="{56805B9A-C037-1FDA-CBFE-4C740F4A375D}"/>
+          <p:cNvPr id="31746" name="Picture 6" descr="Whoosh">
+            <a:extLst>
+              <a:ext uri="{FF2B5EF4-FFF2-40B4-BE49-F238E27FC236}">
+                <a16:creationId xmlns:a16="http://schemas.microsoft.com/office/drawing/2014/main" id="{3AE9047E-18BE-E67B-02AD-6D411BF19760}"/>
               </a:ext>
             </a:extLst>
           </p:cNvPr>
@@ -10435,10 +8018,10 @@
       </p:pic>
       <p:sp>
         <p:nvSpPr>
-          <p:cNvPr id="3074" name="Title 1">
-            <a:extLst>
-              <a:ext uri="{FF2B5EF4-FFF2-40B4-BE49-F238E27FC236}">
-                <a16:creationId xmlns:a16="http://schemas.microsoft.com/office/drawing/2014/main" id="{DB405E41-8DBE-0A2D-7587-F65A429379FA}"/>
+          <p:cNvPr id="31747" name="Title 1">
+            <a:extLst>
+              <a:ext uri="{FF2B5EF4-FFF2-40B4-BE49-F238E27FC236}">
+                <a16:creationId xmlns:a16="http://schemas.microsoft.com/office/drawing/2014/main" id="{0C0128FF-5AC9-4F41-0087-DC7ABE4D860C}"/>
               </a:ext>
             </a:extLst>
           </p:cNvPr>
@@ -10456,18 +8039,18 @@
           <a:p>
             <a:pPr algn="l" eaLnBrk="1" hangingPunct="1"/>
             <a:r>
-              <a:rPr lang="en-GB" altLang="en-US" b="1" dirty="0"/>
-              <a:t>Intent of our report</a:t>
+              <a:rPr lang="en-GB" altLang="en-US" b="1"/>
+              <a:t>Feedback</a:t>
             </a:r>
           </a:p>
         </p:txBody>
       </p:sp>
       <p:sp>
         <p:nvSpPr>
-          <p:cNvPr id="3075" name="Content Placeholder 2">
-            <a:extLst>
-              <a:ext uri="{FF2B5EF4-FFF2-40B4-BE49-F238E27FC236}">
-                <a16:creationId xmlns:a16="http://schemas.microsoft.com/office/drawing/2014/main" id="{288F9F58-AD57-A1AA-493E-A317F4F81FD9}"/>
+          <p:cNvPr id="31748" name="Content Placeholder 2">
+            <a:extLst>
+              <a:ext uri="{FF2B5EF4-FFF2-40B4-BE49-F238E27FC236}">
+                <a16:creationId xmlns:a16="http://schemas.microsoft.com/office/drawing/2014/main" id="{18729ECF-E5AE-90AC-F7D9-D4F8E2F61965}"/>
               </a:ext>
             </a:extLst>
           </p:cNvPr>
@@ -10483,43 +8066,18 @@
           <a:bodyPr/>
           <a:lstStyle/>
           <a:p>
-            <a:pPr eaLnBrk="1" hangingPunct="1"/>
-            <a:r>
-              <a:rPr lang="en-US" altLang="en-US" sz="3200" b="1" dirty="0">
-                <a:latin typeface="+mj-lt"/>
-              </a:rPr>
-              <a:t>Impact of Covid on hospitalizations</a:t>
-            </a:r>
-          </a:p>
-          <a:p>
-            <a:pPr eaLnBrk="1" hangingPunct="1"/>
-            <a:r>
-              <a:rPr lang="en-US" altLang="en-US" sz="3200" b="1" dirty="0">
-                <a:latin typeface="+mj-lt"/>
-              </a:rPr>
-              <a:t>Impact of Covid on demographics</a:t>
-            </a:r>
-          </a:p>
-          <a:p>
-            <a:pPr eaLnBrk="1" hangingPunct="1"/>
-            <a:r>
-              <a:rPr lang="en-US" altLang="en-US" sz="3200" b="1" dirty="0">
-                <a:latin typeface="+mj-lt"/>
-              </a:rPr>
-              <a:t>General trend of consequent admissions</a:t>
-            </a:r>
-          </a:p>
-          <a:p>
-            <a:pPr eaLnBrk="1" hangingPunct="1"/>
-            <a:r>
-              <a:rPr lang="en-US" altLang="en-US" b="1" dirty="0">
-                <a:latin typeface="+mj-lt"/>
-              </a:rPr>
-              <a:t>Representation in Shiny dashboard</a:t>
-            </a:r>
-            <a:endParaRPr lang="en-GB" altLang="en-US" dirty="0">
-              <a:latin typeface="+mj-lt"/>
-            </a:endParaRPr>
+            <a:pPr lvl="1" eaLnBrk="1" hangingPunct="1"/>
+            <a:r>
+              <a:rPr lang="en-GB" altLang="en-US"/>
+              <a:t>What are your thoughts so far?</a:t>
+            </a:r>
+          </a:p>
+          <a:p>
+            <a:pPr lvl="1" eaLnBrk="1" hangingPunct="1"/>
+            <a:r>
+              <a:rPr lang="en-GB" altLang="en-US"/>
+              <a:t>Do you have any comments?</a:t>
+            </a:r>
           </a:p>
         </p:txBody>
       </p:sp>
@@ -10531,7 +8089,7 @@
 </p:sld>
 </file>
 
-<file path=ppt/slides/slide20.xml><?xml version="1.0" encoding="utf-8"?>
+<file path=ppt/slides/slide17.xml><?xml version="1.0" encoding="utf-8"?>
 <p:sld xmlns:a="http://schemas.openxmlformats.org/drawingml/2006/main" xmlns:r="http://schemas.openxmlformats.org/officeDocument/2006/relationships" xmlns:p="http://schemas.openxmlformats.org/presentationml/2006/main">
   <p:cSld>
     <p:spTree>
@@ -10548,12 +8106,67 @@
           <a:chExt cx="0" cy="0"/>
         </a:xfrm>
       </p:grpSpPr>
+      <p:sp>
+        <p:nvSpPr>
+          <p:cNvPr id="19458" name="Title 1">
+            <a:extLst>
+              <a:ext uri="{FF2B5EF4-FFF2-40B4-BE49-F238E27FC236}">
+                <a16:creationId xmlns:a16="http://schemas.microsoft.com/office/drawing/2014/main" id="{E9079990-DB98-E64A-F047-39646DE23074}"/>
+              </a:ext>
+            </a:extLst>
+          </p:cNvPr>
+          <p:cNvSpPr>
+            <a:spLocks noGrp="1"/>
+          </p:cNvSpPr>
+          <p:nvPr>
+            <p:ph type="ctrTitle"/>
+          </p:nvPr>
+        </p:nvSpPr>
+        <p:spPr/>
+        <p:txBody>
+          <a:bodyPr/>
+          <a:lstStyle/>
+          <a:p>
+            <a:pPr eaLnBrk="1" hangingPunct="1"/>
+            <a:r>
+              <a:rPr lang="en-GB" altLang="en-US" b="1"/>
+              <a:t>Where do our overnight stay patients come from?</a:t>
+            </a:r>
+          </a:p>
+        </p:txBody>
+      </p:sp>
+      <p:sp>
+        <p:nvSpPr>
+          <p:cNvPr id="19459" name="Subtitle 2">
+            <a:extLst>
+              <a:ext uri="{FF2B5EF4-FFF2-40B4-BE49-F238E27FC236}">
+                <a16:creationId xmlns:a16="http://schemas.microsoft.com/office/drawing/2014/main" id="{89DE242B-55BE-2844-136A-81419E45C382}"/>
+              </a:ext>
+            </a:extLst>
+          </p:cNvPr>
+          <p:cNvSpPr>
+            <a:spLocks noGrp="1"/>
+          </p:cNvSpPr>
+          <p:nvPr>
+            <p:ph type="subTitle" idx="1"/>
+          </p:nvPr>
+        </p:nvSpPr>
+        <p:spPr/>
+        <p:txBody>
+          <a:bodyPr/>
+          <a:lstStyle/>
+          <a:p>
+            <a:pPr eaLnBrk="1" hangingPunct="1"/>
+            <a:endParaRPr lang="en-GB" altLang="en-US"/>
+          </a:p>
+        </p:txBody>
+      </p:sp>
       <p:pic>
         <p:nvPicPr>
-          <p:cNvPr id="22530" name="Picture 6" descr="Whoosh">
-            <a:extLst>
-              <a:ext uri="{FF2B5EF4-FFF2-40B4-BE49-F238E27FC236}">
-                <a16:creationId xmlns:a16="http://schemas.microsoft.com/office/drawing/2014/main" id="{0520DF32-95B4-BEE1-2F79-E01A124F24BF}"/>
+          <p:cNvPr id="19460" name="Picture 6" descr="Whoosh">
+            <a:extLst>
+              <a:ext uri="{FF2B5EF4-FFF2-40B4-BE49-F238E27FC236}">
+                <a16:creationId xmlns:a16="http://schemas.microsoft.com/office/drawing/2014/main" id="{AC9A2A25-0623-740C-8BEE-D6FC0B083BE6}"/>
               </a:ext>
             </a:extLst>
           </p:cNvPr>
@@ -10608,6 +8221,91 @@
           </a:extLst>
         </p:spPr>
       </p:pic>
+    </p:spTree>
+  </p:cSld>
+  <p:clrMapOvr>
+    <a:masterClrMapping/>
+  </p:clrMapOvr>
+</p:sld>
+</file>
+
+<file path=ppt/slides/slide18.xml><?xml version="1.0" encoding="utf-8"?>
+<p:sld xmlns:a="http://schemas.openxmlformats.org/drawingml/2006/main" xmlns:r="http://schemas.openxmlformats.org/officeDocument/2006/relationships" xmlns:p="http://schemas.openxmlformats.org/presentationml/2006/main">
+  <p:cSld>
+    <p:spTree>
+      <p:nvGrpSpPr>
+        <p:cNvPr id="1" name=""/>
+        <p:cNvGrpSpPr/>
+        <p:nvPr/>
+      </p:nvGrpSpPr>
+      <p:grpSpPr>
+        <a:xfrm>
+          <a:off x="0" y="0"/>
+          <a:ext cx="0" cy="0"/>
+          <a:chOff x="0" y="0"/>
+          <a:chExt cx="0" cy="0"/>
+        </a:xfrm>
+      </p:grpSpPr>
+      <p:pic>
+        <p:nvPicPr>
+          <p:cNvPr id="22530" name="Picture 6" descr="Whoosh">
+            <a:extLst>
+              <a:ext uri="{FF2B5EF4-FFF2-40B4-BE49-F238E27FC236}">
+                <a16:creationId xmlns:a16="http://schemas.microsoft.com/office/drawing/2014/main" id="{0520DF32-95B4-BEE1-2F79-E01A124F24BF}"/>
+              </a:ext>
+            </a:extLst>
+          </p:cNvPr>
+          <p:cNvPicPr>
+            <a:picLocks noChangeAspect="1" noChangeArrowheads="1"/>
+          </p:cNvPicPr>
+          <p:nvPr/>
+        </p:nvPicPr>
+        <p:blipFill>
+          <a:blip r:embed="rId2">
+            <a:extLst>
+              <a:ext uri="{28A0092B-C50C-407E-A947-70E740481C1C}">
+                <a14:useLocalDpi xmlns:a14="http://schemas.microsoft.com/office/drawing/2010/main" val="0"/>
+              </a:ext>
+            </a:extLst>
+          </a:blip>
+          <a:srcRect/>
+          <a:stretch>
+            <a:fillRect/>
+          </a:stretch>
+        </p:blipFill>
+        <p:spPr bwMode="auto">
+          <a:xfrm>
+            <a:off x="0" y="3892550"/>
+            <a:ext cx="9144000" cy="2965450"/>
+          </a:xfrm>
+          <a:prstGeom prst="rect">
+            <a:avLst/>
+          </a:prstGeom>
+          <a:noFill/>
+          <a:ln>
+            <a:noFill/>
+          </a:ln>
+          <a:extLst>
+            <a:ext uri="{909E8E84-426E-40DD-AFC4-6F175D3DCCD1}">
+              <a14:hiddenFill xmlns:a14="http://schemas.microsoft.com/office/drawing/2010/main">
+                <a:solidFill>
+                  <a:srgbClr val="FFFFFF"/>
+                </a:solidFill>
+              </a14:hiddenFill>
+            </a:ext>
+            <a:ext uri="{91240B29-F687-4F45-9708-019B960494DF}">
+              <a14:hiddenLine xmlns:a14="http://schemas.microsoft.com/office/drawing/2010/main" w="9525">
+                <a:solidFill>
+                  <a:srgbClr val="000000"/>
+                </a:solidFill>
+                <a:miter lim="800000"/>
+                <a:headEnd/>
+                <a:tailEnd/>
+              </a14:hiddenLine>
+            </a:ext>
+          </a:extLst>
+        </p:spPr>
+      </p:pic>
       <p:sp>
         <p:nvSpPr>
           <p:cNvPr id="22531" name="Title 1">
@@ -10713,7 +8411,7 @@
 </p:sld>
 </file>
 
-<file path=ppt/slides/slide21.xml><?xml version="1.0" encoding="utf-8"?>
+<file path=ppt/slides/slide19.xml><?xml version="1.0" encoding="utf-8"?>
 <p:sld xmlns:a="http://schemas.openxmlformats.org/drawingml/2006/main" xmlns:r="http://schemas.openxmlformats.org/officeDocument/2006/relationships" xmlns:p="http://schemas.openxmlformats.org/presentationml/2006/main">
   <p:cSld>
     <p:spTree>
@@ -11019,7 +8717,7 @@
 </p:sld>
 </file>
 
-<file path=ppt/slides/slide22.xml><?xml version="1.0" encoding="utf-8"?>
+<file path=ppt/slides/slide2.xml><?xml version="1.0" encoding="utf-8"?>
 <p:sld xmlns:a="http://schemas.openxmlformats.org/drawingml/2006/main" xmlns:r="http://schemas.openxmlformats.org/officeDocument/2006/relationships" xmlns:p="http://schemas.openxmlformats.org/presentationml/2006/main">
   <p:cSld>
     <p:spTree>
@@ -11038,10 +8736,10 @@
       </p:grpSpPr>
       <p:pic>
         <p:nvPicPr>
-          <p:cNvPr id="24578" name="Picture 6" descr="Whoosh">
-            <a:extLst>
-              <a:ext uri="{FF2B5EF4-FFF2-40B4-BE49-F238E27FC236}">
-                <a16:creationId xmlns:a16="http://schemas.microsoft.com/office/drawing/2014/main" id="{09E62E99-969A-863E-F3F3-E6CEEB5C5E8B}"/>
+          <p:cNvPr id="3076" name="Picture 6" descr="Whoosh">
+            <a:extLst>
+              <a:ext uri="{FF2B5EF4-FFF2-40B4-BE49-F238E27FC236}">
+                <a16:creationId xmlns:a16="http://schemas.microsoft.com/office/drawing/2014/main" id="{56805B9A-C037-1FDA-CBFE-4C740F4A375D}"/>
               </a:ext>
             </a:extLst>
           </p:cNvPr>
@@ -11098,10 +8796,10 @@
       </p:pic>
       <p:sp>
         <p:nvSpPr>
-          <p:cNvPr id="24579" name="Title 1">
-            <a:extLst>
-              <a:ext uri="{FF2B5EF4-FFF2-40B4-BE49-F238E27FC236}">
-                <a16:creationId xmlns:a16="http://schemas.microsoft.com/office/drawing/2014/main" id="{8FB07DEC-5C40-AE2F-67CE-9B7922F2BB8C}"/>
+          <p:cNvPr id="3074" name="Title 1">
+            <a:extLst>
+              <a:ext uri="{FF2B5EF4-FFF2-40B4-BE49-F238E27FC236}">
+                <a16:creationId xmlns:a16="http://schemas.microsoft.com/office/drawing/2014/main" id="{DB405E41-8DBE-0A2D-7587-F65A429379FA}"/>
               </a:ext>
             </a:extLst>
           </p:cNvPr>
@@ -11112,38 +8810,25 @@
             <p:ph type="title"/>
           </p:nvPr>
         </p:nvSpPr>
-        <p:spPr>
-          <a:xfrm>
-            <a:off x="684213" y="260350"/>
-            <a:ext cx="7772400" cy="1143000"/>
-          </a:xfrm>
-        </p:spPr>
+        <p:spPr/>
         <p:txBody>
           <a:bodyPr/>
           <a:lstStyle/>
           <a:p>
             <a:pPr algn="l" eaLnBrk="1" hangingPunct="1"/>
             <a:r>
-              <a:rPr lang="en-GB" altLang="en-US" sz="3600" b="1"/>
-              <a:t>The recent history of the CIC</a:t>
-            </a:r>
-            <a:br>
-              <a:rPr lang="en-GB" altLang="en-US" sz="3600" b="1"/>
-            </a:br>
-            <a:r>
-              <a:rPr lang="en-GB" altLang="en-US" sz="2800" b="1"/>
-              <a:t>An ongoing process of change</a:t>
-            </a:r>
-            <a:endParaRPr lang="en-GB" altLang="en-US" sz="3600" b="1"/>
+              <a:rPr lang="en-GB" altLang="en-US" b="1" dirty="0"/>
+              <a:t>Intent of our report</a:t>
+            </a:r>
           </a:p>
         </p:txBody>
       </p:sp>
       <p:sp>
         <p:nvSpPr>
-          <p:cNvPr id="24580" name="Content Placeholder 2">
-            <a:extLst>
-              <a:ext uri="{FF2B5EF4-FFF2-40B4-BE49-F238E27FC236}">
-                <a16:creationId xmlns:a16="http://schemas.microsoft.com/office/drawing/2014/main" id="{4E70C783-4369-7CEE-A5C6-27F097C59501}"/>
+          <p:cNvPr id="3075" name="Content Placeholder 2">
+            <a:extLst>
+              <a:ext uri="{FF2B5EF4-FFF2-40B4-BE49-F238E27FC236}">
+                <a16:creationId xmlns:a16="http://schemas.microsoft.com/office/drawing/2014/main" id="{288F9F58-AD57-A1AA-493E-A317F4F81FD9}"/>
               </a:ext>
             </a:extLst>
           </p:cNvPr>
@@ -11154,49 +8839,48 @@
             <p:ph idx="1"/>
           </p:nvPr>
         </p:nvSpPr>
-        <p:spPr>
-          <a:xfrm>
-            <a:off x="684213" y="1557338"/>
-            <a:ext cx="7772400" cy="4754562"/>
-          </a:xfrm>
-        </p:spPr>
+        <p:spPr/>
         <p:txBody>
           <a:bodyPr/>
           <a:lstStyle/>
           <a:p>
             <a:pPr eaLnBrk="1" hangingPunct="1"/>
             <a:r>
-              <a:rPr lang="en-GB" altLang="en-US" sz="2400"/>
-              <a:t>Following the direction laid out in the 2020 Vision, along with the rest of planned care services across NHSGGC, the CIC has adapted to deliver more care on an outpatient or day case basis</a:t>
-            </a:r>
-          </a:p>
-          <a:p>
-            <a:pPr eaLnBrk="1" hangingPunct="1">
-              <a:buFontTx/>
-              <a:buNone/>
-            </a:pPr>
-            <a:endParaRPr lang="en-GB" altLang="en-US" sz="1600"/>
+              <a:rPr lang="en-US" altLang="en-US" sz="3200" b="1" dirty="0">
+                <a:latin typeface="+mj-lt"/>
+              </a:rPr>
+              <a:t>Impact of Covid on hospitalizations</a:t>
+            </a:r>
           </a:p>
           <a:p>
             <a:pPr eaLnBrk="1" hangingPunct="1"/>
             <a:r>
-              <a:rPr lang="en-GB" altLang="en-US" sz="2400"/>
-              <a:t>The CIC has been on a redesign journey for a number of years, guided by the Scottish Government’s Long Term Conditions strategy</a:t>
-            </a:r>
-          </a:p>
-          <a:p>
-            <a:pPr eaLnBrk="1" hangingPunct="1">
-              <a:buFontTx/>
-              <a:buNone/>
-            </a:pPr>
-            <a:endParaRPr lang="en-GB" altLang="en-US" sz="2400"/>
+              <a:rPr lang="en-US" altLang="en-US" sz="3200" b="1" dirty="0">
+                <a:latin typeface="+mj-lt"/>
+              </a:rPr>
+              <a:t>Impact of Covid on demographics</a:t>
+            </a:r>
           </a:p>
           <a:p>
             <a:pPr eaLnBrk="1" hangingPunct="1"/>
             <a:r>
-              <a:rPr lang="en-GB" altLang="en-US" sz="2400"/>
-              <a:t>As part of this, it has already reduced from 15 inpatient beds, seven days a week, to 7 beds for overnight accommodation four nights a week</a:t>
-            </a:r>
+              <a:rPr lang="en-US" altLang="en-US" sz="3200" b="1" dirty="0">
+                <a:latin typeface="+mj-lt"/>
+              </a:rPr>
+              <a:t>General trend of consequent admissions</a:t>
+            </a:r>
+          </a:p>
+          <a:p>
+            <a:pPr eaLnBrk="1" hangingPunct="1"/>
+            <a:r>
+              <a:rPr lang="en-US" altLang="en-US" b="1" dirty="0">
+                <a:latin typeface="+mj-lt"/>
+              </a:rPr>
+              <a:t>Representation in Shiny dashboard</a:t>
+            </a:r>
+            <a:endParaRPr lang="en-GB" altLang="en-US" dirty="0">
+              <a:latin typeface="+mj-lt"/>
+            </a:endParaRPr>
           </a:p>
         </p:txBody>
       </p:sp>
@@ -11208,7 +8892,7 @@
 </p:sld>
 </file>
 
-<file path=ppt/slides/slide23.xml><?xml version="1.0" encoding="utf-8"?>
+<file path=ppt/slides/slide20.xml><?xml version="1.0" encoding="utf-8"?>
 <p:sld xmlns:a="http://schemas.openxmlformats.org/drawingml/2006/main" xmlns:r="http://schemas.openxmlformats.org/officeDocument/2006/relationships" xmlns:p="http://schemas.openxmlformats.org/presentationml/2006/main">
   <p:cSld>
     <p:spTree>
@@ -11227,10 +8911,10 @@
       </p:grpSpPr>
       <p:pic>
         <p:nvPicPr>
-          <p:cNvPr id="25602" name="Picture 6" descr="Whoosh">
-            <a:extLst>
-              <a:ext uri="{FF2B5EF4-FFF2-40B4-BE49-F238E27FC236}">
-                <a16:creationId xmlns:a16="http://schemas.microsoft.com/office/drawing/2014/main" id="{A38198D7-7655-0591-07AC-DCF95563E5F3}"/>
+          <p:cNvPr id="24578" name="Picture 6" descr="Whoosh">
+            <a:extLst>
+              <a:ext uri="{FF2B5EF4-FFF2-40B4-BE49-F238E27FC236}">
+                <a16:creationId xmlns:a16="http://schemas.microsoft.com/office/drawing/2014/main" id="{09E62E99-969A-863E-F3F3-E6CEEB5C5E8B}"/>
               </a:ext>
             </a:extLst>
           </p:cNvPr>
@@ -11287,10 +8971,10 @@
       </p:pic>
       <p:sp>
         <p:nvSpPr>
-          <p:cNvPr id="25603" name="Title 1">
-            <a:extLst>
-              <a:ext uri="{FF2B5EF4-FFF2-40B4-BE49-F238E27FC236}">
-                <a16:creationId xmlns:a16="http://schemas.microsoft.com/office/drawing/2014/main" id="{035E4B96-7E0F-78B6-6168-35176CE31530}"/>
+          <p:cNvPr id="24579" name="Title 1">
+            <a:extLst>
+              <a:ext uri="{FF2B5EF4-FFF2-40B4-BE49-F238E27FC236}">
+                <a16:creationId xmlns:a16="http://schemas.microsoft.com/office/drawing/2014/main" id="{8FB07DEC-5C40-AE2F-67CE-9B7922F2BB8C}"/>
               </a:ext>
             </a:extLst>
           </p:cNvPr>
@@ -11303,7 +8987,7 @@
         </p:nvSpPr>
         <p:spPr>
           <a:xfrm>
-            <a:off x="684213" y="476250"/>
+            <a:off x="684213" y="260350"/>
             <a:ext cx="7772400" cy="1143000"/>
           </a:xfrm>
         </p:spPr>
@@ -11313,18 +8997,26 @@
           <a:p>
             <a:pPr algn="l" eaLnBrk="1" hangingPunct="1"/>
             <a:r>
-              <a:rPr lang="en-GB" altLang="en-US" sz="3200" b="1"/>
-              <a:t>What do other Integrative Care Centres across the UK currently  do?</a:t>
-            </a:r>
+              <a:rPr lang="en-GB" altLang="en-US" sz="3600" b="1"/>
+              <a:t>The recent history of the CIC</a:t>
+            </a:r>
+            <a:br>
+              <a:rPr lang="en-GB" altLang="en-US" sz="3600" b="1"/>
+            </a:br>
+            <a:r>
+              <a:rPr lang="en-GB" altLang="en-US" sz="2800" b="1"/>
+              <a:t>An ongoing process of change</a:t>
+            </a:r>
+            <a:endParaRPr lang="en-GB" altLang="en-US" sz="3600" b="1"/>
           </a:p>
         </p:txBody>
       </p:sp>
       <p:sp>
         <p:nvSpPr>
-          <p:cNvPr id="25604" name="Content Placeholder 2">
-            <a:extLst>
-              <a:ext uri="{FF2B5EF4-FFF2-40B4-BE49-F238E27FC236}">
-                <a16:creationId xmlns:a16="http://schemas.microsoft.com/office/drawing/2014/main" id="{417C5B6E-0D3F-FB3F-815D-080F46D177BE}"/>
+          <p:cNvPr id="24580" name="Content Placeholder 2">
+            <a:extLst>
+              <a:ext uri="{FF2B5EF4-FFF2-40B4-BE49-F238E27FC236}">
+                <a16:creationId xmlns:a16="http://schemas.microsoft.com/office/drawing/2014/main" id="{4E70C783-4369-7CEE-A5C6-27F097C59501}"/>
               </a:ext>
             </a:extLst>
           </p:cNvPr>
@@ -11337,8 +9029,8 @@
         </p:nvSpPr>
         <p:spPr>
           <a:xfrm>
-            <a:off x="685800" y="1700213"/>
-            <a:ext cx="7772400" cy="4176712"/>
+            <a:off x="684213" y="1557338"/>
+            <a:ext cx="7772400" cy="4754562"/>
           </a:xfrm>
         </p:spPr>
         <p:txBody>
@@ -11347,36 +9039,36 @@
           <a:p>
             <a:pPr eaLnBrk="1" hangingPunct="1"/>
             <a:r>
-              <a:rPr lang="en-GB" altLang="en-US" sz="2800"/>
-              <a:t>There are two other large centres in the UK providing NHS Integrative Care services:</a:t>
-            </a:r>
-          </a:p>
-          <a:p>
-            <a:pPr lvl="1" eaLnBrk="1" hangingPunct="1"/>
-            <a:r>
               <a:rPr lang="en-GB" altLang="en-US" sz="2400"/>
-              <a:t>Royal London Hospital for Integrated Medicine </a:t>
-            </a:r>
-          </a:p>
-          <a:p>
-            <a:pPr lvl="1" eaLnBrk="1" hangingPunct="1"/>
-            <a:r>
-              <a:rPr lang="en-GB" altLang="en-US" sz="2400"/>
-              <a:t>The Portland Centre for Integrative Medicine, Brighton</a:t>
-            </a:r>
-          </a:p>
-          <a:p>
-            <a:pPr lvl="1" eaLnBrk="1" hangingPunct="1">
+              <a:t>Following the direction laid out in the 2020 Vision, along with the rest of planned care services across NHSGGC, the CIC has adapted to deliver more care on an outpatient or day case basis</a:t>
+            </a:r>
+          </a:p>
+          <a:p>
+            <a:pPr eaLnBrk="1" hangingPunct="1">
               <a:buFontTx/>
               <a:buNone/>
             </a:pPr>
-            <a:endParaRPr lang="en-GB" altLang="en-US" sz="2000"/>
+            <a:endParaRPr lang="en-GB" altLang="en-US" sz="1600"/>
           </a:p>
           <a:p>
             <a:pPr eaLnBrk="1" hangingPunct="1"/>
             <a:r>
-              <a:rPr lang="en-GB" altLang="en-US" sz="2800"/>
-              <a:t>In both of these English Centres they have already fully transformed all their services to be delivered as outpatients or day treatment courses and have no inpatient beds</a:t>
+              <a:rPr lang="en-GB" altLang="en-US" sz="2400"/>
+              <a:t>The CIC has been on a redesign journey for a number of years, guided by the Scottish Government’s Long Term Conditions strategy</a:t>
+            </a:r>
+          </a:p>
+          <a:p>
+            <a:pPr eaLnBrk="1" hangingPunct="1">
+              <a:buFontTx/>
+              <a:buNone/>
+            </a:pPr>
+            <a:endParaRPr lang="en-GB" altLang="en-US" sz="2400"/>
+          </a:p>
+          <a:p>
+            <a:pPr eaLnBrk="1" hangingPunct="1"/>
+            <a:r>
+              <a:rPr lang="en-GB" altLang="en-US" sz="2400"/>
+              <a:t>As part of this, it has already reduced from 15 inpatient beds, seven days a week, to 7 beds for overnight accommodation four nights a week</a:t>
             </a:r>
           </a:p>
         </p:txBody>
@@ -11389,7 +9081,7 @@
 </p:sld>
 </file>
 
-<file path=ppt/slides/slide24.xml><?xml version="1.0" encoding="utf-8"?>
+<file path=ppt/slides/slide21.xml><?xml version="1.0" encoding="utf-8"?>
 <p:sld xmlns:a="http://schemas.openxmlformats.org/drawingml/2006/main" xmlns:r="http://schemas.openxmlformats.org/officeDocument/2006/relationships" xmlns:p="http://schemas.openxmlformats.org/presentationml/2006/main">
   <p:cSld>
     <p:spTree>
@@ -11408,363 +9100,10 @@
       </p:grpSpPr>
       <p:pic>
         <p:nvPicPr>
-          <p:cNvPr id="26626" name="Picture 3">
-            <a:extLst>
-              <a:ext uri="{FF2B5EF4-FFF2-40B4-BE49-F238E27FC236}">
-                <a16:creationId xmlns:a16="http://schemas.microsoft.com/office/drawing/2014/main" id="{C140581A-9563-F087-4DB4-28D1F470E69C}"/>
-              </a:ext>
-            </a:extLst>
-          </p:cNvPr>
-          <p:cNvPicPr>
-            <a:picLocks noChangeAspect="1" noChangeArrowheads="1"/>
-          </p:cNvPicPr>
-          <p:nvPr/>
-        </p:nvPicPr>
-        <p:blipFill>
-          <a:blip r:embed="rId2">
-            <a:extLst>
-              <a:ext uri="{28A0092B-C50C-407E-A947-70E740481C1C}">
-                <a14:useLocalDpi xmlns:a14="http://schemas.microsoft.com/office/drawing/2010/main" val="0"/>
-              </a:ext>
-            </a:extLst>
-          </a:blip>
-          <a:srcRect b="2037"/>
-          <a:stretch>
-            <a:fillRect/>
-          </a:stretch>
-        </p:blipFill>
-        <p:spPr bwMode="auto">
-          <a:xfrm>
-            <a:off x="900113" y="333375"/>
-            <a:ext cx="7415212" cy="5908675"/>
-          </a:xfrm>
-          <a:prstGeom prst="rect">
-            <a:avLst/>
-          </a:prstGeom>
-          <a:noFill/>
-          <a:ln>
-            <a:noFill/>
-          </a:ln>
-          <a:extLst>
-            <a:ext uri="{909E8E84-426E-40DD-AFC4-6F175D3DCCD1}">
-              <a14:hiddenFill xmlns:a14="http://schemas.microsoft.com/office/drawing/2010/main">
-                <a:solidFill>
-                  <a:srgbClr val="FFFFFF"/>
-                </a:solidFill>
-              </a14:hiddenFill>
-            </a:ext>
-            <a:ext uri="{91240B29-F687-4F45-9708-019B960494DF}">
-              <a14:hiddenLine xmlns:a14="http://schemas.microsoft.com/office/drawing/2010/main" w="9525">
-                <a:solidFill>
-                  <a:srgbClr val="000000"/>
-                </a:solidFill>
-                <a:miter lim="800000"/>
-                <a:headEnd/>
-                <a:tailEnd/>
-              </a14:hiddenLine>
-            </a:ext>
-          </a:extLst>
-        </p:spPr>
-      </p:pic>
-    </p:spTree>
-  </p:cSld>
-  <p:clrMapOvr>
-    <a:masterClrMapping/>
-  </p:clrMapOvr>
-</p:sld>
-</file>
-
-<file path=ppt/slides/slide25.xml><?xml version="1.0" encoding="utf-8"?>
-<p:sld xmlns:a="http://schemas.openxmlformats.org/drawingml/2006/main" xmlns:r="http://schemas.openxmlformats.org/officeDocument/2006/relationships" xmlns:p="http://schemas.openxmlformats.org/presentationml/2006/main">
-  <p:cSld>
-    <p:spTree>
-      <p:nvGrpSpPr>
-        <p:cNvPr id="1" name=""/>
-        <p:cNvGrpSpPr/>
-        <p:nvPr/>
-      </p:nvGrpSpPr>
-      <p:grpSpPr>
-        <a:xfrm>
-          <a:off x="0" y="0"/>
-          <a:ext cx="0" cy="0"/>
-          <a:chOff x="0" y="0"/>
-          <a:chExt cx="0" cy="0"/>
-        </a:xfrm>
-      </p:grpSpPr>
-      <p:pic>
-        <p:nvPicPr>
-          <p:cNvPr id="27650" name="Picture 2">
-            <a:extLst>
-              <a:ext uri="{FF2B5EF4-FFF2-40B4-BE49-F238E27FC236}">
-                <a16:creationId xmlns:a16="http://schemas.microsoft.com/office/drawing/2014/main" id="{CB5AA42E-8911-5F20-BE0A-E1E2450C116B}"/>
-              </a:ext>
-            </a:extLst>
-          </p:cNvPr>
-          <p:cNvPicPr>
-            <a:picLocks noChangeAspect="1" noChangeArrowheads="1"/>
-          </p:cNvPicPr>
-          <p:nvPr/>
-        </p:nvPicPr>
-        <p:blipFill>
-          <a:blip r:embed="rId2">
-            <a:extLst>
-              <a:ext uri="{28A0092B-C50C-407E-A947-70E740481C1C}">
-                <a14:useLocalDpi xmlns:a14="http://schemas.microsoft.com/office/drawing/2010/main" val="0"/>
-              </a:ext>
-            </a:extLst>
-          </a:blip>
-          <a:srcRect r="1561" b="1678"/>
-          <a:stretch>
-            <a:fillRect/>
-          </a:stretch>
-        </p:blipFill>
-        <p:spPr bwMode="auto">
-          <a:xfrm>
-            <a:off x="0" y="333375"/>
-            <a:ext cx="8748713" cy="4217988"/>
-          </a:xfrm>
-          <a:prstGeom prst="rect">
-            <a:avLst/>
-          </a:prstGeom>
-          <a:noFill/>
-          <a:ln>
-            <a:noFill/>
-          </a:ln>
-          <a:extLst>
-            <a:ext uri="{909E8E84-426E-40DD-AFC4-6F175D3DCCD1}">
-              <a14:hiddenFill xmlns:a14="http://schemas.microsoft.com/office/drawing/2010/main">
-                <a:solidFill>
-                  <a:srgbClr val="FFFFFF"/>
-                </a:solidFill>
-              </a14:hiddenFill>
-            </a:ext>
-            <a:ext uri="{91240B29-F687-4F45-9708-019B960494DF}">
-              <a14:hiddenLine xmlns:a14="http://schemas.microsoft.com/office/drawing/2010/main" w="9525">
-                <a:solidFill>
-                  <a:srgbClr val="000000"/>
-                </a:solidFill>
-                <a:miter lim="800000"/>
-                <a:headEnd/>
-                <a:tailEnd/>
-              </a14:hiddenLine>
-            </a:ext>
-          </a:extLst>
-        </p:spPr>
-      </p:pic>
-      <p:sp>
-        <p:nvSpPr>
-          <p:cNvPr id="27651" name="TextBox 4">
-            <a:extLst>
-              <a:ext uri="{FF2B5EF4-FFF2-40B4-BE49-F238E27FC236}">
-                <a16:creationId xmlns:a16="http://schemas.microsoft.com/office/drawing/2014/main" id="{345D36C0-DC76-CF62-4998-30D8C5D5FD50}"/>
-              </a:ext>
-            </a:extLst>
-          </p:cNvPr>
-          <p:cNvSpPr txBox="1">
-            <a:spLocks noChangeArrowheads="1"/>
-          </p:cNvSpPr>
-          <p:nvPr/>
-        </p:nvSpPr>
-        <p:spPr bwMode="auto">
-          <a:xfrm>
-            <a:off x="611188" y="4724400"/>
-            <a:ext cx="7821612" cy="1570038"/>
-          </a:xfrm>
-          <a:prstGeom prst="rect">
-            <a:avLst/>
-          </a:prstGeom>
-          <a:noFill/>
-          <a:ln>
-            <a:noFill/>
-          </a:ln>
-          <a:extLst>
-            <a:ext uri="{909E8E84-426E-40DD-AFC4-6F175D3DCCD1}">
-              <a14:hiddenFill xmlns:a14="http://schemas.microsoft.com/office/drawing/2010/main">
-                <a:solidFill>
-                  <a:srgbClr val="FFFFFF"/>
-                </a:solidFill>
-              </a14:hiddenFill>
-            </a:ext>
-            <a:ext uri="{91240B29-F687-4F45-9708-019B960494DF}">
-              <a14:hiddenLine xmlns:a14="http://schemas.microsoft.com/office/drawing/2010/main" w="9525">
-                <a:solidFill>
-                  <a:srgbClr val="000000"/>
-                </a:solidFill>
-                <a:miter lim="800000"/>
-                <a:headEnd/>
-                <a:tailEnd/>
-              </a14:hiddenLine>
-            </a:ext>
-          </a:extLst>
-        </p:spPr>
-        <p:txBody>
-          <a:bodyPr wrap="none">
-            <a:spAutoFit/>
-          </a:bodyPr>
-          <a:lstStyle>
-            <a:lvl1pPr>
-              <a:defRPr sz="2400">
-                <a:solidFill>
-                  <a:schemeClr val="tx1"/>
-                </a:solidFill>
-                <a:latin typeface="Arial" panose="020B0604020202020204" pitchFamily="34" charset="0"/>
-                <a:ea typeface="ＭＳ Ｐゴシック" panose="020B0600070205080204" pitchFamily="34" charset="-128"/>
-              </a:defRPr>
-            </a:lvl1pPr>
-            <a:lvl2pPr marL="742950" indent="-285750">
-              <a:defRPr sz="2400">
-                <a:solidFill>
-                  <a:schemeClr val="tx1"/>
-                </a:solidFill>
-                <a:latin typeface="Arial" panose="020B0604020202020204" pitchFamily="34" charset="0"/>
-                <a:ea typeface="ＭＳ Ｐゴシック" panose="020B0600070205080204" pitchFamily="34" charset="-128"/>
-              </a:defRPr>
-            </a:lvl2pPr>
-            <a:lvl3pPr marL="1143000" indent="-228600">
-              <a:defRPr sz="2400">
-                <a:solidFill>
-                  <a:schemeClr val="tx1"/>
-                </a:solidFill>
-                <a:latin typeface="Arial" panose="020B0604020202020204" pitchFamily="34" charset="0"/>
-                <a:ea typeface="ＭＳ Ｐゴシック" panose="020B0600070205080204" pitchFamily="34" charset="-128"/>
-              </a:defRPr>
-            </a:lvl3pPr>
-            <a:lvl4pPr marL="1600200" indent="-228600">
-              <a:defRPr sz="2400">
-                <a:solidFill>
-                  <a:schemeClr val="tx1"/>
-                </a:solidFill>
-                <a:latin typeface="Arial" panose="020B0604020202020204" pitchFamily="34" charset="0"/>
-                <a:ea typeface="ＭＳ Ｐゴシック" panose="020B0600070205080204" pitchFamily="34" charset="-128"/>
-              </a:defRPr>
-            </a:lvl4pPr>
-            <a:lvl5pPr marL="2057400" indent="-228600">
-              <a:defRPr sz="2400">
-                <a:solidFill>
-                  <a:schemeClr val="tx1"/>
-                </a:solidFill>
-                <a:latin typeface="Arial" panose="020B0604020202020204" pitchFamily="34" charset="0"/>
-                <a:ea typeface="ＭＳ Ｐゴシック" panose="020B0600070205080204" pitchFamily="34" charset="-128"/>
-              </a:defRPr>
-            </a:lvl5pPr>
-            <a:lvl6pPr marL="2514600" indent="-228600" eaLnBrk="0" fontAlgn="base" hangingPunct="0">
-              <a:spcBef>
-                <a:spcPct val="0"/>
-              </a:spcBef>
-              <a:spcAft>
-                <a:spcPct val="0"/>
-              </a:spcAft>
-              <a:defRPr sz="2400">
-                <a:solidFill>
-                  <a:schemeClr val="tx1"/>
-                </a:solidFill>
-                <a:latin typeface="Arial" panose="020B0604020202020204" pitchFamily="34" charset="0"/>
-                <a:ea typeface="ＭＳ Ｐゴシック" panose="020B0600070205080204" pitchFamily="34" charset="-128"/>
-              </a:defRPr>
-            </a:lvl6pPr>
-            <a:lvl7pPr marL="2971800" indent="-228600" eaLnBrk="0" fontAlgn="base" hangingPunct="0">
-              <a:spcBef>
-                <a:spcPct val="0"/>
-              </a:spcBef>
-              <a:spcAft>
-                <a:spcPct val="0"/>
-              </a:spcAft>
-              <a:defRPr sz="2400">
-                <a:solidFill>
-                  <a:schemeClr val="tx1"/>
-                </a:solidFill>
-                <a:latin typeface="Arial" panose="020B0604020202020204" pitchFamily="34" charset="0"/>
-                <a:ea typeface="ＭＳ Ｐゴシック" panose="020B0600070205080204" pitchFamily="34" charset="-128"/>
-              </a:defRPr>
-            </a:lvl7pPr>
-            <a:lvl8pPr marL="3429000" indent="-228600" eaLnBrk="0" fontAlgn="base" hangingPunct="0">
-              <a:spcBef>
-                <a:spcPct val="0"/>
-              </a:spcBef>
-              <a:spcAft>
-                <a:spcPct val="0"/>
-              </a:spcAft>
-              <a:defRPr sz="2400">
-                <a:solidFill>
-                  <a:schemeClr val="tx1"/>
-                </a:solidFill>
-                <a:latin typeface="Arial" panose="020B0604020202020204" pitchFamily="34" charset="0"/>
-                <a:ea typeface="ＭＳ Ｐゴシック" panose="020B0600070205080204" pitchFamily="34" charset="-128"/>
-              </a:defRPr>
-            </a:lvl8pPr>
-            <a:lvl9pPr marL="3886200" indent="-228600" eaLnBrk="0" fontAlgn="base" hangingPunct="0">
-              <a:spcBef>
-                <a:spcPct val="0"/>
-              </a:spcBef>
-              <a:spcAft>
-                <a:spcPct val="0"/>
-              </a:spcAft>
-              <a:defRPr sz="2400">
-                <a:solidFill>
-                  <a:schemeClr val="tx1"/>
-                </a:solidFill>
-                <a:latin typeface="Arial" panose="020B0604020202020204" pitchFamily="34" charset="0"/>
-                <a:ea typeface="ＭＳ Ｐゴシック" panose="020B0600070205080204" pitchFamily="34" charset="-128"/>
-              </a:defRPr>
-            </a:lvl9pPr>
-          </a:lstStyle>
-          <a:p>
-            <a:r>
-              <a:rPr lang="en-GB" altLang="en-US"/>
-              <a:t>The Portland Centre is a private healthcare organisation</a:t>
-            </a:r>
-          </a:p>
-          <a:p>
-            <a:r>
-              <a:rPr lang="en-GB" altLang="en-US"/>
-              <a:t>which delivers Health and Social care services under </a:t>
-            </a:r>
-          </a:p>
-          <a:p>
-            <a:r>
-              <a:rPr lang="en-GB" altLang="en-US"/>
-              <a:t>contract to both NHS and local authorities</a:t>
-            </a:r>
-          </a:p>
-          <a:p>
-            <a:r>
-              <a:rPr lang="en-GB" altLang="en-US"/>
-              <a:t>It has had no inpatient services since 2001.</a:t>
-            </a:r>
-          </a:p>
-        </p:txBody>
-      </p:sp>
-    </p:spTree>
-  </p:cSld>
-  <p:clrMapOvr>
-    <a:masterClrMapping/>
-  </p:clrMapOvr>
-</p:sld>
-</file>
-
-<file path=ppt/slides/slide26.xml><?xml version="1.0" encoding="utf-8"?>
-<p:sld xmlns:a="http://schemas.openxmlformats.org/drawingml/2006/main" xmlns:r="http://schemas.openxmlformats.org/officeDocument/2006/relationships" xmlns:p="http://schemas.openxmlformats.org/presentationml/2006/main">
-  <p:cSld>
-    <p:spTree>
-      <p:nvGrpSpPr>
-        <p:cNvPr id="1" name=""/>
-        <p:cNvGrpSpPr/>
-        <p:nvPr/>
-      </p:nvGrpSpPr>
-      <p:grpSpPr>
-        <a:xfrm>
-          <a:off x="0" y="0"/>
-          <a:ext cx="0" cy="0"/>
-          <a:chOff x="0" y="0"/>
-          <a:chExt cx="0" cy="0"/>
-        </a:xfrm>
-      </p:grpSpPr>
-      <p:pic>
-        <p:nvPicPr>
-          <p:cNvPr id="28674" name="Picture 6" descr="Whoosh">
-            <a:extLst>
-              <a:ext uri="{FF2B5EF4-FFF2-40B4-BE49-F238E27FC236}">
-                <a16:creationId xmlns:a16="http://schemas.microsoft.com/office/drawing/2014/main" id="{DAE04C47-5A99-D3BB-1D42-87B83C94290C}"/>
+          <p:cNvPr id="25602" name="Picture 6" descr="Whoosh">
+            <a:extLst>
+              <a:ext uri="{FF2B5EF4-FFF2-40B4-BE49-F238E27FC236}">
+                <a16:creationId xmlns:a16="http://schemas.microsoft.com/office/drawing/2014/main" id="{A38198D7-7655-0591-07AC-DCF95563E5F3}"/>
               </a:ext>
             </a:extLst>
           </p:cNvPr>
@@ -11821,10 +9160,10 @@
       </p:pic>
       <p:sp>
         <p:nvSpPr>
-          <p:cNvPr id="28675" name="Title 1">
-            <a:extLst>
-              <a:ext uri="{FF2B5EF4-FFF2-40B4-BE49-F238E27FC236}">
-                <a16:creationId xmlns:a16="http://schemas.microsoft.com/office/drawing/2014/main" id="{D50E1889-4D37-D1DD-2F21-819D7F663E09}"/>
+          <p:cNvPr id="25603" name="Title 1">
+            <a:extLst>
+              <a:ext uri="{FF2B5EF4-FFF2-40B4-BE49-F238E27FC236}">
+                <a16:creationId xmlns:a16="http://schemas.microsoft.com/office/drawing/2014/main" id="{035E4B96-7E0F-78B6-6168-35176CE31530}"/>
               </a:ext>
             </a:extLst>
           </p:cNvPr>
@@ -11837,7 +9176,7 @@
         </p:nvSpPr>
         <p:spPr>
           <a:xfrm>
-            <a:off x="684213" y="620713"/>
+            <a:off x="684213" y="476250"/>
             <a:ext cx="7772400" cy="1143000"/>
           </a:xfrm>
         </p:spPr>
@@ -11847,18 +9186,18 @@
           <a:p>
             <a:pPr algn="l" eaLnBrk="1" hangingPunct="1"/>
             <a:r>
-              <a:rPr lang="en-GB" altLang="en-US" b="1"/>
-              <a:t>Other NHS GGC Services</a:t>
+              <a:rPr lang="en-GB" altLang="en-US" sz="3200" b="1"/>
+              <a:t>What do other Integrative Care Centres across the UK currently  do?</a:t>
             </a:r>
           </a:p>
         </p:txBody>
       </p:sp>
       <p:sp>
         <p:nvSpPr>
-          <p:cNvPr id="28676" name="Content Placeholder 2">
-            <a:extLst>
-              <a:ext uri="{FF2B5EF4-FFF2-40B4-BE49-F238E27FC236}">
-                <a16:creationId xmlns:a16="http://schemas.microsoft.com/office/drawing/2014/main" id="{35AD612C-076D-301D-679B-A6FCA33D3117}"/>
+          <p:cNvPr id="25604" name="Content Placeholder 2">
+            <a:extLst>
+              <a:ext uri="{FF2B5EF4-FFF2-40B4-BE49-F238E27FC236}">
+                <a16:creationId xmlns:a16="http://schemas.microsoft.com/office/drawing/2014/main" id="{417C5B6E-0D3F-FB3F-815D-080F46D177BE}"/>
               </a:ext>
             </a:extLst>
           </p:cNvPr>
@@ -11871,8 +9210,8 @@
         </p:nvSpPr>
         <p:spPr>
           <a:xfrm>
-            <a:off x="684213" y="1890713"/>
-            <a:ext cx="7772400" cy="4967287"/>
+            <a:off x="685800" y="1700213"/>
+            <a:ext cx="7772400" cy="4176712"/>
           </a:xfrm>
         </p:spPr>
         <p:txBody>
@@ -11881,22 +9220,36 @@
           <a:p>
             <a:pPr eaLnBrk="1" hangingPunct="1"/>
             <a:r>
-              <a:rPr lang="en-GB" altLang="en-US"/>
-              <a:t>As well as bringing the CIC service delivery into line with the other UK centres </a:t>
+              <a:rPr lang="en-GB" altLang="en-US" sz="2800"/>
+              <a:t>There are two other large centres in the UK providing NHS Integrative Care services:</a:t>
             </a:r>
           </a:p>
           <a:p>
             <a:pPr lvl="1" eaLnBrk="1" hangingPunct="1"/>
             <a:r>
-              <a:rPr lang="en-GB" altLang="en-US"/>
-              <a:t>This change would align the clinical model within CIC to those delivered in other services</a:t>
-            </a:r>
-          </a:p>
-          <a:p>
-            <a:pPr lvl="2" eaLnBrk="1" hangingPunct="1"/>
-            <a:r>
-              <a:rPr lang="en-GB" altLang="en-US"/>
-              <a:t>At the adjacent Beatson West of Scotland Cancer Centre, chemotherapy and radiotherapy are delivered as five day programmes on a day case basis</a:t>
+              <a:rPr lang="en-GB" altLang="en-US" sz="2400"/>
+              <a:t>Royal London Hospital for Integrated Medicine </a:t>
+            </a:r>
+          </a:p>
+          <a:p>
+            <a:pPr lvl="1" eaLnBrk="1" hangingPunct="1"/>
+            <a:r>
+              <a:rPr lang="en-GB" altLang="en-US" sz="2400"/>
+              <a:t>The Portland Centre for Integrative Medicine, Brighton</a:t>
+            </a:r>
+          </a:p>
+          <a:p>
+            <a:pPr lvl="1" eaLnBrk="1" hangingPunct="1">
+              <a:buFontTx/>
+              <a:buNone/>
+            </a:pPr>
+            <a:endParaRPr lang="en-GB" altLang="en-US" sz="2000"/>
+          </a:p>
+          <a:p>
+            <a:pPr eaLnBrk="1" hangingPunct="1"/>
+            <a:r>
+              <a:rPr lang="en-GB" altLang="en-US" sz="2800"/>
+              <a:t>In both of these English Centres they have already fully transformed all their services to be delivered as outpatients or day treatment courses and have no inpatient beds</a:t>
             </a:r>
           </a:p>
         </p:txBody>
@@ -11909,83 +9262,7 @@
 </p:sld>
 </file>
 
-<file path=ppt/slides/slide27.xml><?xml version="1.0" encoding="utf-8"?>
-<p:sld xmlns:a="http://schemas.openxmlformats.org/drawingml/2006/main" xmlns:r="http://schemas.openxmlformats.org/officeDocument/2006/relationships" xmlns:p="http://schemas.openxmlformats.org/presentationml/2006/main">
-  <p:cSld>
-    <p:spTree>
-      <p:nvGrpSpPr>
-        <p:cNvPr id="1" name=""/>
-        <p:cNvGrpSpPr/>
-        <p:nvPr/>
-      </p:nvGrpSpPr>
-      <p:grpSpPr>
-        <a:xfrm>
-          <a:off x="0" y="0"/>
-          <a:ext cx="0" cy="0"/>
-          <a:chOff x="0" y="0"/>
-          <a:chExt cx="0" cy="0"/>
-        </a:xfrm>
-      </p:grpSpPr>
-      <p:sp>
-        <p:nvSpPr>
-          <p:cNvPr id="29698" name="Title 1">
-            <a:extLst>
-              <a:ext uri="{FF2B5EF4-FFF2-40B4-BE49-F238E27FC236}">
-                <a16:creationId xmlns:a16="http://schemas.microsoft.com/office/drawing/2014/main" id="{0D62E118-D2C2-E76E-C9EF-719492CB1A8E}"/>
-              </a:ext>
-            </a:extLst>
-          </p:cNvPr>
-          <p:cNvSpPr>
-            <a:spLocks noGrp="1"/>
-          </p:cNvSpPr>
-          <p:nvPr>
-            <p:ph type="title"/>
-          </p:nvPr>
-        </p:nvSpPr>
-        <p:spPr/>
-        <p:txBody>
-          <a:bodyPr/>
-          <a:lstStyle/>
-          <a:p>
-            <a:pPr algn="l" eaLnBrk="1" hangingPunct="1"/>
-            <a:r>
-              <a:rPr lang="en-GB" altLang="en-US" sz="2800" b="1"/>
-              <a:t>GGC residents treated at Beatson West of Scotland Cancer Centre</a:t>
-            </a:r>
-          </a:p>
-        </p:txBody>
-      </p:sp>
-      <p:graphicFrame>
-        <p:nvGraphicFramePr>
-          <p:cNvPr id="7" name="Chart 6">
-            <a:extLst>
-              <a:ext uri="{FF2B5EF4-FFF2-40B4-BE49-F238E27FC236}">
-                <a16:creationId xmlns:a16="http://schemas.microsoft.com/office/drawing/2014/main" id="{BEFB7F54-EEE5-080B-85F9-133DA807E35D}"/>
-              </a:ext>
-            </a:extLst>
-          </p:cNvPr>
-          <p:cNvGraphicFramePr/>
-          <p:nvPr/>
-        </p:nvGraphicFramePr>
-        <p:xfrm>
-          <a:off x="755576" y="1844824"/>
-          <a:ext cx="7560840" cy="4680520"/>
-        </p:xfrm>
-        <a:graphic>
-          <a:graphicData uri="http://schemas.openxmlformats.org/drawingml/2006/chart">
-            <c:chart xmlns:c="http://schemas.openxmlformats.org/drawingml/2006/chart" xmlns:r="http://schemas.openxmlformats.org/officeDocument/2006/relationships" r:id="rId2"/>
-          </a:graphicData>
-        </a:graphic>
-      </p:graphicFrame>
-    </p:spTree>
-  </p:cSld>
-  <p:clrMapOvr>
-    <a:masterClrMapping/>
-  </p:clrMapOvr>
-</p:sld>
-</file>
-
-<file path=ppt/slides/slide28.xml><?xml version="1.0" encoding="utf-8"?>
+<file path=ppt/slides/slide22.xml><?xml version="1.0" encoding="utf-8"?>
 <p:sld xmlns:a="http://schemas.openxmlformats.org/drawingml/2006/main" xmlns:r="http://schemas.openxmlformats.org/officeDocument/2006/relationships" xmlns:p="http://schemas.openxmlformats.org/presentationml/2006/main">
   <p:cSld>
     <p:spTree>
@@ -12004,10 +9281,10 @@
       </p:grpSpPr>
       <p:pic>
         <p:nvPicPr>
-          <p:cNvPr id="30722" name="Picture 6" descr="Whoosh">
-            <a:extLst>
-              <a:ext uri="{FF2B5EF4-FFF2-40B4-BE49-F238E27FC236}">
-                <a16:creationId xmlns:a16="http://schemas.microsoft.com/office/drawing/2014/main" id="{5E00D0CF-85DD-C69F-4C0A-9D64E18B5D1B}"/>
+          <p:cNvPr id="28674" name="Picture 6" descr="Whoosh">
+            <a:extLst>
+              <a:ext uri="{FF2B5EF4-FFF2-40B4-BE49-F238E27FC236}">
+                <a16:creationId xmlns:a16="http://schemas.microsoft.com/office/drawing/2014/main" id="{DAE04C47-5A99-D3BB-1D42-87B83C94290C}"/>
               </a:ext>
             </a:extLst>
           </p:cNvPr>
@@ -12064,10 +9341,10 @@
       </p:pic>
       <p:sp>
         <p:nvSpPr>
-          <p:cNvPr id="30723" name="Title 1">
-            <a:extLst>
-              <a:ext uri="{FF2B5EF4-FFF2-40B4-BE49-F238E27FC236}">
-                <a16:creationId xmlns:a16="http://schemas.microsoft.com/office/drawing/2014/main" id="{DCC294B0-0608-F517-872A-C12286F2C8D4}"/>
+          <p:cNvPr id="28675" name="Title 1">
+            <a:extLst>
+              <a:ext uri="{FF2B5EF4-FFF2-40B4-BE49-F238E27FC236}">
+                <a16:creationId xmlns:a16="http://schemas.microsoft.com/office/drawing/2014/main" id="{D50E1889-4D37-D1DD-2F21-819D7F663E09}"/>
               </a:ext>
             </a:extLst>
           </p:cNvPr>
@@ -12091,17 +9368,17 @@
             <a:pPr algn="l" eaLnBrk="1" hangingPunct="1"/>
             <a:r>
               <a:rPr lang="en-GB" altLang="en-US" b="1"/>
-              <a:t>Other services</a:t>
+              <a:t>Other NHS GGC Services</a:t>
             </a:r>
           </a:p>
         </p:txBody>
       </p:sp>
       <p:sp>
         <p:nvSpPr>
-          <p:cNvPr id="30724" name="Content Placeholder 2">
-            <a:extLst>
-              <a:ext uri="{FF2B5EF4-FFF2-40B4-BE49-F238E27FC236}">
-                <a16:creationId xmlns:a16="http://schemas.microsoft.com/office/drawing/2014/main" id="{25B52F61-0D2B-F95C-4034-78486E339256}"/>
+          <p:cNvPr id="28676" name="Content Placeholder 2">
+            <a:extLst>
+              <a:ext uri="{FF2B5EF4-FFF2-40B4-BE49-F238E27FC236}">
+                <a16:creationId xmlns:a16="http://schemas.microsoft.com/office/drawing/2014/main" id="{35AD612C-076D-301D-679B-A6FCA33D3117}"/>
               </a:ext>
             </a:extLst>
           </p:cNvPr>
@@ -12112,7 +9389,12 @@
             <p:ph idx="1"/>
           </p:nvPr>
         </p:nvSpPr>
-        <p:spPr/>
+        <p:spPr>
+          <a:xfrm>
+            <a:off x="684213" y="1890713"/>
+            <a:ext cx="7772400" cy="4967287"/>
+          </a:xfrm>
+        </p:spPr>
         <p:txBody>
           <a:bodyPr/>
           <a:lstStyle/>
@@ -12120,28 +9402,21 @@
             <a:pPr eaLnBrk="1" hangingPunct="1"/>
             <a:r>
               <a:rPr lang="en-GB" altLang="en-US"/>
-              <a:t>Treatment programmes for most long-term conditions in GGC are now delivered in an entirely outpatient and day case basis:</a:t>
+              <a:t>As well as bringing the CIC service delivery into line with the other UK centres </a:t>
             </a:r>
           </a:p>
           <a:p>
             <a:pPr lvl="1" eaLnBrk="1" hangingPunct="1"/>
             <a:r>
               <a:rPr lang="en-GB" altLang="en-US"/>
-              <a:t>Dermatology</a:t>
-            </a:r>
-          </a:p>
-          <a:p>
-            <a:pPr lvl="1" eaLnBrk="1" hangingPunct="1"/>
+              <a:t>This change would align the clinical model within CIC to those delivered in other services</a:t>
+            </a:r>
+          </a:p>
+          <a:p>
+            <a:pPr lvl="2" eaLnBrk="1" hangingPunct="1"/>
             <a:r>
               <a:rPr lang="en-GB" altLang="en-US"/>
-              <a:t>Neurology, inc Multiple Sclerosis, Parkinson’s and Movement Disorders</a:t>
-            </a:r>
-          </a:p>
-          <a:p>
-            <a:pPr lvl="1" eaLnBrk="1" hangingPunct="1"/>
-            <a:r>
-              <a:rPr lang="en-GB" altLang="en-US"/>
-              <a:t>Chronic Pain Management Programme</a:t>
+              <a:t>At the adjacent Beatson West of Scotland Cancer Centre, chemotherapy and radiotherapy are delivered as five day programmes on a day case basis</a:t>
             </a:r>
           </a:p>
         </p:txBody>
@@ -12154,7 +9429,7 @@
 </p:sld>
 </file>
 
-<file path=ppt/slides/slide29.xml><?xml version="1.0" encoding="utf-8"?>
+<file path=ppt/slides/slide3.xml><?xml version="1.0" encoding="utf-8"?>
 <p:sld xmlns:a="http://schemas.openxmlformats.org/drawingml/2006/main" xmlns:r="http://schemas.openxmlformats.org/officeDocument/2006/relationships" xmlns:p="http://schemas.openxmlformats.org/presentationml/2006/main">
   <p:cSld>
     <p:spTree>
@@ -12173,10 +9448,10 @@
       </p:grpSpPr>
       <p:pic>
         <p:nvPicPr>
-          <p:cNvPr id="31746" name="Picture 6" descr="Whoosh">
-            <a:extLst>
-              <a:ext uri="{FF2B5EF4-FFF2-40B4-BE49-F238E27FC236}">
-                <a16:creationId xmlns:a16="http://schemas.microsoft.com/office/drawing/2014/main" id="{3AE9047E-18BE-E67B-02AD-6D411BF19760}"/>
+          <p:cNvPr id="4098" name="Picture 6" descr="Whoosh">
+            <a:extLst>
+              <a:ext uri="{FF2B5EF4-FFF2-40B4-BE49-F238E27FC236}">
+                <a16:creationId xmlns:a16="http://schemas.microsoft.com/office/drawing/2014/main" id="{45B9997A-9E85-2538-111D-C9B73F0D9A31}"/>
               </a:ext>
             </a:extLst>
           </p:cNvPr>
@@ -12233,10 +9508,10 @@
       </p:pic>
       <p:sp>
         <p:nvSpPr>
-          <p:cNvPr id="31747" name="Title 1">
-            <a:extLst>
-              <a:ext uri="{FF2B5EF4-FFF2-40B4-BE49-F238E27FC236}">
-                <a16:creationId xmlns:a16="http://schemas.microsoft.com/office/drawing/2014/main" id="{0C0128FF-5AC9-4F41-0087-DC7ABE4D860C}"/>
+          <p:cNvPr id="4099" name="Title 1">
+            <a:extLst>
+              <a:ext uri="{FF2B5EF4-FFF2-40B4-BE49-F238E27FC236}">
+                <a16:creationId xmlns:a16="http://schemas.microsoft.com/office/drawing/2014/main" id="{01A5C118-013F-ECEC-FD4C-7E307BA2B6B5}"/>
               </a:ext>
             </a:extLst>
           </p:cNvPr>
@@ -12247,51 +9522,20 @@
             <p:ph type="title"/>
           </p:nvPr>
         </p:nvSpPr>
-        <p:spPr/>
+        <p:spPr>
+          <a:xfrm>
+            <a:off x="179512" y="-117475"/>
+            <a:ext cx="7772400" cy="1143000"/>
+          </a:xfrm>
+        </p:spPr>
         <p:txBody>
           <a:bodyPr/>
           <a:lstStyle/>
           <a:p>
             <a:pPr algn="l" eaLnBrk="1" hangingPunct="1"/>
             <a:r>
-              <a:rPr lang="en-GB" altLang="en-US" b="1"/>
-              <a:t>Feedback</a:t>
-            </a:r>
-          </a:p>
-        </p:txBody>
-      </p:sp>
-      <p:sp>
-        <p:nvSpPr>
-          <p:cNvPr id="31748" name="Content Placeholder 2">
-            <a:extLst>
-              <a:ext uri="{FF2B5EF4-FFF2-40B4-BE49-F238E27FC236}">
-                <a16:creationId xmlns:a16="http://schemas.microsoft.com/office/drawing/2014/main" id="{18729ECF-E5AE-90AC-F7D9-D4F8E2F61965}"/>
-              </a:ext>
-            </a:extLst>
-          </p:cNvPr>
-          <p:cNvSpPr>
-            <a:spLocks noGrp="1"/>
-          </p:cNvSpPr>
-          <p:nvPr>
-            <p:ph idx="1"/>
-          </p:nvPr>
-        </p:nvSpPr>
-        <p:spPr/>
-        <p:txBody>
-          <a:bodyPr/>
-          <a:lstStyle/>
-          <a:p>
-            <a:pPr lvl="1" eaLnBrk="1" hangingPunct="1"/>
-            <a:r>
-              <a:rPr lang="en-GB" altLang="en-US"/>
-              <a:t>What are your thoughts so far?</a:t>
-            </a:r>
-          </a:p>
-          <a:p>
-            <a:pPr lvl="1" eaLnBrk="1" hangingPunct="1"/>
-            <a:r>
-              <a:rPr lang="en-GB" altLang="en-US"/>
-              <a:t>Do you have any comments?</a:t>
+              <a:rPr lang="en-GB" altLang="en-US" b="1" dirty="0"/>
+              <a:t>Hospitalisations</a:t>
             </a:r>
           </a:p>
         </p:txBody>
@@ -12304,7 +9548,7 @@
 </p:sld>
 </file>
 
-<file path=ppt/slides/slide3.xml><?xml version="1.0" encoding="utf-8"?>
+<file path=ppt/slides/slide4.xml><?xml version="1.0" encoding="utf-8"?>
 <p:sld xmlns:a="http://schemas.openxmlformats.org/drawingml/2006/main" xmlns:r="http://schemas.openxmlformats.org/officeDocument/2006/relationships" xmlns:p="http://schemas.openxmlformats.org/presentationml/2006/main">
   <p:cSld>
     <p:spTree>
@@ -12321,12 +9565,46 @@
           <a:chExt cx="0" cy="0"/>
         </a:xfrm>
       </p:grpSpPr>
+      <p:sp>
+        <p:nvSpPr>
+          <p:cNvPr id="5122" name="Title 3">
+            <a:extLst>
+              <a:ext uri="{FF2B5EF4-FFF2-40B4-BE49-F238E27FC236}">
+                <a16:creationId xmlns:a16="http://schemas.microsoft.com/office/drawing/2014/main" id="{40362D40-759F-5B45-1201-DE2E6C4561A5}"/>
+              </a:ext>
+            </a:extLst>
+          </p:cNvPr>
+          <p:cNvSpPr>
+            <a:spLocks noGrp="1"/>
+          </p:cNvSpPr>
+          <p:nvPr>
+            <p:ph type="ctrTitle"/>
+          </p:nvPr>
+        </p:nvSpPr>
+        <p:spPr>
+          <a:xfrm>
+            <a:off x="-396552" y="116632"/>
+            <a:ext cx="7772400" cy="504056"/>
+          </a:xfrm>
+        </p:spPr>
+        <p:txBody>
+          <a:bodyPr/>
+          <a:lstStyle/>
+          <a:p>
+            <a:pPr eaLnBrk="1" hangingPunct="1"/>
+            <a:r>
+              <a:rPr lang="en-GB" altLang="en-US" b="1" dirty="0"/>
+              <a:t>Impact on Demographics</a:t>
+            </a:r>
+          </a:p>
+        </p:txBody>
+      </p:sp>
       <p:pic>
         <p:nvPicPr>
-          <p:cNvPr id="4098" name="Picture 6" descr="Whoosh">
-            <a:extLst>
-              <a:ext uri="{FF2B5EF4-FFF2-40B4-BE49-F238E27FC236}">
-                <a16:creationId xmlns:a16="http://schemas.microsoft.com/office/drawing/2014/main" id="{45B9997A-9E85-2538-111D-C9B73F0D9A31}"/>
+          <p:cNvPr id="5123" name="Picture 6" descr="Whoosh">
+            <a:extLst>
+              <a:ext uri="{FF2B5EF4-FFF2-40B4-BE49-F238E27FC236}">
+                <a16:creationId xmlns:a16="http://schemas.microsoft.com/office/drawing/2014/main" id="{6E2A7B9C-F50A-6269-D7B9-1080BD40C91B}"/>
               </a:ext>
             </a:extLst>
           </p:cNvPr>
@@ -12381,542 +9659,34 @@
           </a:extLst>
         </p:spPr>
       </p:pic>
-      <p:sp>
-        <p:nvSpPr>
-          <p:cNvPr id="4099" name="Title 1">
-            <a:extLst>
-              <a:ext uri="{FF2B5EF4-FFF2-40B4-BE49-F238E27FC236}">
-                <a16:creationId xmlns:a16="http://schemas.microsoft.com/office/drawing/2014/main" id="{01A5C118-013F-ECEC-FD4C-7E307BA2B6B5}"/>
-              </a:ext>
-            </a:extLst>
-          </p:cNvPr>
-          <p:cNvSpPr>
-            <a:spLocks noGrp="1"/>
-          </p:cNvSpPr>
-          <p:nvPr>
-            <p:ph type="title"/>
-          </p:nvPr>
-        </p:nvSpPr>
-        <p:spPr>
-          <a:xfrm>
-            <a:off x="179512" y="-117475"/>
-            <a:ext cx="7772400" cy="1143000"/>
-          </a:xfrm>
-        </p:spPr>
-        <p:txBody>
-          <a:bodyPr/>
-          <a:lstStyle/>
-          <a:p>
-            <a:pPr algn="l" eaLnBrk="1" hangingPunct="1"/>
-            <a:r>
-              <a:rPr lang="en-GB" altLang="en-US" b="1" dirty="0"/>
-              <a:t>Hospitalisations</a:t>
-            </a:r>
-          </a:p>
-        </p:txBody>
-      </p:sp>
-    </p:spTree>
-  </p:cSld>
-  <p:clrMapOvr>
-    <a:masterClrMapping/>
-  </p:clrMapOvr>
-</p:sld>
-</file>
-
-<file path=ppt/slides/slide30.xml><?xml version="1.0" encoding="utf-8"?>
-<p:sld xmlns:a="http://schemas.openxmlformats.org/drawingml/2006/main" xmlns:r="http://schemas.openxmlformats.org/officeDocument/2006/relationships" xmlns:p="http://schemas.openxmlformats.org/presentationml/2006/main">
-  <p:cSld>
-    <p:spTree>
-      <p:nvGrpSpPr>
-        <p:cNvPr id="1" name=""/>
-        <p:cNvGrpSpPr/>
-        <p:nvPr/>
-      </p:nvGrpSpPr>
-      <p:grpSpPr>
-        <a:xfrm>
-          <a:off x="0" y="0"/>
-          <a:ext cx="0" cy="0"/>
-          <a:chOff x="0" y="0"/>
-          <a:chExt cx="0" cy="0"/>
-        </a:xfrm>
-      </p:grpSpPr>
       <p:pic>
         <p:nvPicPr>
-          <p:cNvPr id="32770" name="Picture 6" descr="Whoosh">
-            <a:extLst>
-              <a:ext uri="{FF2B5EF4-FFF2-40B4-BE49-F238E27FC236}">
-                <a16:creationId xmlns:a16="http://schemas.microsoft.com/office/drawing/2014/main" id="{42729145-FB68-E6EC-2A56-94FA0B3CF593}"/>
+          <p:cNvPr id="3" name="Picture 2">
+            <a:extLst>
+              <a:ext uri="{FF2B5EF4-FFF2-40B4-BE49-F238E27FC236}">
+                <a16:creationId xmlns:a16="http://schemas.microsoft.com/office/drawing/2014/main" id="{BF21D4EB-F687-21AA-D614-30ED6955DA5F}"/>
               </a:ext>
             </a:extLst>
           </p:cNvPr>
           <p:cNvPicPr>
-            <a:picLocks noChangeAspect="1" noChangeArrowheads="1"/>
+            <a:picLocks noChangeAspect="1"/>
           </p:cNvPicPr>
           <p:nvPr/>
         </p:nvPicPr>
         <p:blipFill>
-          <a:blip r:embed="rId2">
-            <a:extLst>
-              <a:ext uri="{28A0092B-C50C-407E-A947-70E740481C1C}">
-                <a14:useLocalDpi xmlns:a14="http://schemas.microsoft.com/office/drawing/2010/main" val="0"/>
-              </a:ext>
-            </a:extLst>
-          </a:blip>
-          <a:srcRect/>
+          <a:blip r:embed="rId3"/>
           <a:stretch>
             <a:fillRect/>
           </a:stretch>
         </p:blipFill>
-        <p:spPr bwMode="auto">
+        <p:spPr>
           <a:xfrm>
-            <a:off x="0" y="3892550"/>
-            <a:ext cx="9144000" cy="2965450"/>
+            <a:off x="323528" y="823757"/>
+            <a:ext cx="4927091" cy="3068793"/>
           </a:xfrm>
           <a:prstGeom prst="rect">
             <a:avLst/>
           </a:prstGeom>
-          <a:noFill/>
-          <a:ln>
-            <a:noFill/>
-          </a:ln>
-          <a:extLst>
-            <a:ext uri="{909E8E84-426E-40DD-AFC4-6F175D3DCCD1}">
-              <a14:hiddenFill xmlns:a14="http://schemas.microsoft.com/office/drawing/2010/main">
-                <a:solidFill>
-                  <a:srgbClr val="FFFFFF"/>
-                </a:solidFill>
-              </a14:hiddenFill>
-            </a:ext>
-            <a:ext uri="{91240B29-F687-4F45-9708-019B960494DF}">
-              <a14:hiddenLine xmlns:a14="http://schemas.microsoft.com/office/drawing/2010/main" w="9525">
-                <a:solidFill>
-                  <a:srgbClr val="000000"/>
-                </a:solidFill>
-                <a:miter lim="800000"/>
-                <a:headEnd/>
-                <a:tailEnd/>
-              </a14:hiddenLine>
-            </a:ext>
-          </a:extLst>
-        </p:spPr>
-      </p:pic>
-      <p:sp>
-        <p:nvSpPr>
-          <p:cNvPr id="32771" name="Title 1">
-            <a:extLst>
-              <a:ext uri="{FF2B5EF4-FFF2-40B4-BE49-F238E27FC236}">
-                <a16:creationId xmlns:a16="http://schemas.microsoft.com/office/drawing/2014/main" id="{B9CD98E0-6C25-C47D-F663-80EF40772D6E}"/>
-              </a:ext>
-            </a:extLst>
-          </p:cNvPr>
-          <p:cNvSpPr>
-            <a:spLocks noGrp="1"/>
-          </p:cNvSpPr>
-          <p:nvPr>
-            <p:ph type="title"/>
-          </p:nvPr>
-        </p:nvSpPr>
-        <p:spPr/>
-        <p:txBody>
-          <a:bodyPr/>
-          <a:lstStyle/>
-          <a:p>
-            <a:pPr algn="l" eaLnBrk="1" hangingPunct="1"/>
-            <a:r>
-              <a:rPr lang="en-GB" altLang="en-US" b="1"/>
-              <a:t>Informing and Engaging</a:t>
-            </a:r>
-          </a:p>
-        </p:txBody>
-      </p:sp>
-      <p:sp>
-        <p:nvSpPr>
-          <p:cNvPr id="32772" name="Content Placeholder 2">
-            <a:extLst>
-              <a:ext uri="{FF2B5EF4-FFF2-40B4-BE49-F238E27FC236}">
-                <a16:creationId xmlns:a16="http://schemas.microsoft.com/office/drawing/2014/main" id="{F2D196D1-7928-AF3C-DB08-EFFDB4C9B6B6}"/>
-              </a:ext>
-            </a:extLst>
-          </p:cNvPr>
-          <p:cNvSpPr>
-            <a:spLocks noGrp="1"/>
-          </p:cNvSpPr>
-          <p:nvPr>
-            <p:ph idx="1"/>
-          </p:nvPr>
-        </p:nvSpPr>
-        <p:spPr/>
-        <p:txBody>
-          <a:bodyPr/>
-          <a:lstStyle/>
-          <a:p>
-            <a:pPr eaLnBrk="1" hangingPunct="1"/>
-            <a:r>
-              <a:rPr lang="en-GB" altLang="en-US" sz="2800"/>
-              <a:t>Deliver an engagement programme with people across the area which will run from September to December 2016</a:t>
-            </a:r>
-          </a:p>
-          <a:p>
-            <a:pPr eaLnBrk="1" hangingPunct="1">
-              <a:buFontTx/>
-              <a:buNone/>
-            </a:pPr>
-            <a:endParaRPr lang="en-GB" altLang="en-US" sz="800"/>
-          </a:p>
-          <a:p>
-            <a:pPr eaLnBrk="1" hangingPunct="1"/>
-            <a:r>
-              <a:rPr lang="en-GB" altLang="en-US" sz="2800"/>
-              <a:t>Programme shaped by a Stakeholder Reference Group representative of patient, carer and public affected by proposal to assist with the development of a range of communications resources and advise on the best means of engaging with those affected</a:t>
-            </a:r>
-          </a:p>
-        </p:txBody>
-      </p:sp>
-    </p:spTree>
-  </p:cSld>
-  <p:clrMapOvr>
-    <a:masterClrMapping/>
-  </p:clrMapOvr>
-</p:sld>
-</file>
-
-<file path=ppt/slides/slide31.xml><?xml version="1.0" encoding="utf-8"?>
-<p:sld xmlns:a="http://schemas.openxmlformats.org/drawingml/2006/main" xmlns:r="http://schemas.openxmlformats.org/officeDocument/2006/relationships" xmlns:p="http://schemas.openxmlformats.org/presentationml/2006/main">
-  <p:cSld>
-    <p:spTree>
-      <p:nvGrpSpPr>
-        <p:cNvPr id="1" name=""/>
-        <p:cNvGrpSpPr/>
-        <p:nvPr/>
-      </p:nvGrpSpPr>
-      <p:grpSpPr>
-        <a:xfrm>
-          <a:off x="0" y="0"/>
-          <a:ext cx="0" cy="0"/>
-          <a:chOff x="0" y="0"/>
-          <a:chExt cx="0" cy="0"/>
-        </a:xfrm>
-      </p:grpSpPr>
-      <p:sp>
-        <p:nvSpPr>
-          <p:cNvPr id="33794" name="Title 3">
-            <a:extLst>
-              <a:ext uri="{FF2B5EF4-FFF2-40B4-BE49-F238E27FC236}">
-                <a16:creationId xmlns:a16="http://schemas.microsoft.com/office/drawing/2014/main" id="{39E0659F-C294-FA83-677E-90604ADE1478}"/>
-              </a:ext>
-            </a:extLst>
-          </p:cNvPr>
-          <p:cNvSpPr>
-            <a:spLocks noGrp="1"/>
-          </p:cNvSpPr>
-          <p:nvPr>
-            <p:ph type="ctrTitle"/>
-          </p:nvPr>
-        </p:nvSpPr>
-        <p:spPr/>
-        <p:txBody>
-          <a:bodyPr/>
-          <a:lstStyle/>
-          <a:p>
-            <a:pPr eaLnBrk="1" hangingPunct="1"/>
-            <a:r>
-              <a:rPr lang="en-GB" altLang="en-US" b="1"/>
-              <a:t>Engagement Plan (Discussion)</a:t>
-            </a:r>
-          </a:p>
-        </p:txBody>
-      </p:sp>
-      <p:pic>
-        <p:nvPicPr>
-          <p:cNvPr id="33795" name="Picture 6" descr="Whoosh">
-            <a:extLst>
-              <a:ext uri="{FF2B5EF4-FFF2-40B4-BE49-F238E27FC236}">
-                <a16:creationId xmlns:a16="http://schemas.microsoft.com/office/drawing/2014/main" id="{B0705782-0DD2-23BC-CEF1-ED47838B64DD}"/>
-              </a:ext>
-            </a:extLst>
-          </p:cNvPr>
-          <p:cNvPicPr>
-            <a:picLocks noChangeAspect="1" noChangeArrowheads="1"/>
-          </p:cNvPicPr>
-          <p:nvPr/>
-        </p:nvPicPr>
-        <p:blipFill>
-          <a:blip r:embed="rId2">
-            <a:extLst>
-              <a:ext uri="{28A0092B-C50C-407E-A947-70E740481C1C}">
-                <a14:useLocalDpi xmlns:a14="http://schemas.microsoft.com/office/drawing/2010/main" val="0"/>
-              </a:ext>
-            </a:extLst>
-          </a:blip>
-          <a:srcRect/>
-          <a:stretch>
-            <a:fillRect/>
-          </a:stretch>
-        </p:blipFill>
-        <p:spPr bwMode="auto">
-          <a:xfrm>
-            <a:off x="0" y="3892550"/>
-            <a:ext cx="9144000" cy="2965450"/>
-          </a:xfrm>
-          <a:prstGeom prst="rect">
-            <a:avLst/>
-          </a:prstGeom>
-          <a:noFill/>
-          <a:ln>
-            <a:noFill/>
-          </a:ln>
-          <a:extLst>
-            <a:ext uri="{909E8E84-426E-40DD-AFC4-6F175D3DCCD1}">
-              <a14:hiddenFill xmlns:a14="http://schemas.microsoft.com/office/drawing/2010/main">
-                <a:solidFill>
-                  <a:srgbClr val="FFFFFF"/>
-                </a:solidFill>
-              </a14:hiddenFill>
-            </a:ext>
-            <a:ext uri="{91240B29-F687-4F45-9708-019B960494DF}">
-              <a14:hiddenLine xmlns:a14="http://schemas.microsoft.com/office/drawing/2010/main" w="9525">
-                <a:solidFill>
-                  <a:srgbClr val="000000"/>
-                </a:solidFill>
-                <a:miter lim="800000"/>
-                <a:headEnd/>
-                <a:tailEnd/>
-              </a14:hiddenLine>
-            </a:ext>
-          </a:extLst>
-        </p:spPr>
-      </p:pic>
-    </p:spTree>
-  </p:cSld>
-  <p:clrMapOvr>
-    <a:masterClrMapping/>
-  </p:clrMapOvr>
-</p:sld>
-</file>
-
-<file path=ppt/slides/slide32.xml><?xml version="1.0" encoding="utf-8"?>
-<p:sld xmlns:a="http://schemas.openxmlformats.org/drawingml/2006/main" xmlns:r="http://schemas.openxmlformats.org/officeDocument/2006/relationships" xmlns:p="http://schemas.openxmlformats.org/presentationml/2006/main">
-  <p:cSld>
-    <p:spTree>
-      <p:nvGrpSpPr>
-        <p:cNvPr id="1" name=""/>
-        <p:cNvGrpSpPr/>
-        <p:nvPr/>
-      </p:nvGrpSpPr>
-      <p:grpSpPr>
-        <a:xfrm>
-          <a:off x="0" y="0"/>
-          <a:ext cx="0" cy="0"/>
-          <a:chOff x="0" y="0"/>
-          <a:chExt cx="0" cy="0"/>
-        </a:xfrm>
-      </p:grpSpPr>
-      <p:sp>
-        <p:nvSpPr>
-          <p:cNvPr id="34818" name="Title 3">
-            <a:extLst>
-              <a:ext uri="{FF2B5EF4-FFF2-40B4-BE49-F238E27FC236}">
-                <a16:creationId xmlns:a16="http://schemas.microsoft.com/office/drawing/2014/main" id="{56D9CAB7-A28F-E7BD-488C-57B87135D9B2}"/>
-              </a:ext>
-            </a:extLst>
-          </p:cNvPr>
-          <p:cNvSpPr>
-            <a:spLocks noGrp="1"/>
-          </p:cNvSpPr>
-          <p:nvPr>
-            <p:ph type="ctrTitle"/>
-          </p:nvPr>
-        </p:nvSpPr>
-        <p:spPr/>
-        <p:txBody>
-          <a:bodyPr/>
-          <a:lstStyle/>
-          <a:p>
-            <a:pPr eaLnBrk="1" hangingPunct="1"/>
-            <a:r>
-              <a:rPr lang="en-GB" altLang="en-US" b="1"/>
-              <a:t>Next steps</a:t>
-            </a:r>
-          </a:p>
-        </p:txBody>
-      </p:sp>
-      <p:pic>
-        <p:nvPicPr>
-          <p:cNvPr id="34819" name="Picture 6" descr="Whoosh">
-            <a:extLst>
-              <a:ext uri="{FF2B5EF4-FFF2-40B4-BE49-F238E27FC236}">
-                <a16:creationId xmlns:a16="http://schemas.microsoft.com/office/drawing/2014/main" id="{298F0D3C-0A79-88D7-B5DA-8468CB2E9DC2}"/>
-              </a:ext>
-            </a:extLst>
-          </p:cNvPr>
-          <p:cNvPicPr>
-            <a:picLocks noChangeAspect="1" noChangeArrowheads="1"/>
-          </p:cNvPicPr>
-          <p:nvPr/>
-        </p:nvPicPr>
-        <p:blipFill>
-          <a:blip r:embed="rId2">
-            <a:extLst>
-              <a:ext uri="{28A0092B-C50C-407E-A947-70E740481C1C}">
-                <a14:useLocalDpi xmlns:a14="http://schemas.microsoft.com/office/drawing/2010/main" val="0"/>
-              </a:ext>
-            </a:extLst>
-          </a:blip>
-          <a:srcRect/>
-          <a:stretch>
-            <a:fillRect/>
-          </a:stretch>
-        </p:blipFill>
-        <p:spPr bwMode="auto">
-          <a:xfrm>
-            <a:off x="0" y="3892550"/>
-            <a:ext cx="9144000" cy="2965450"/>
-          </a:xfrm>
-          <a:prstGeom prst="rect">
-            <a:avLst/>
-          </a:prstGeom>
-          <a:noFill/>
-          <a:ln>
-            <a:noFill/>
-          </a:ln>
-          <a:extLst>
-            <a:ext uri="{909E8E84-426E-40DD-AFC4-6F175D3DCCD1}">
-              <a14:hiddenFill xmlns:a14="http://schemas.microsoft.com/office/drawing/2010/main">
-                <a:solidFill>
-                  <a:srgbClr val="FFFFFF"/>
-                </a:solidFill>
-              </a14:hiddenFill>
-            </a:ext>
-            <a:ext uri="{91240B29-F687-4F45-9708-019B960494DF}">
-              <a14:hiddenLine xmlns:a14="http://schemas.microsoft.com/office/drawing/2010/main" w="9525">
-                <a:solidFill>
-                  <a:srgbClr val="000000"/>
-                </a:solidFill>
-                <a:miter lim="800000"/>
-                <a:headEnd/>
-                <a:tailEnd/>
-              </a14:hiddenLine>
-            </a:ext>
-          </a:extLst>
-        </p:spPr>
-      </p:pic>
-    </p:spTree>
-  </p:cSld>
-  <p:clrMapOvr>
-    <a:masterClrMapping/>
-  </p:clrMapOvr>
-</p:sld>
-</file>
-
-<file path=ppt/slides/slide4.xml><?xml version="1.0" encoding="utf-8"?>
-<p:sld xmlns:a="http://schemas.openxmlformats.org/drawingml/2006/main" xmlns:r="http://schemas.openxmlformats.org/officeDocument/2006/relationships" xmlns:p="http://schemas.openxmlformats.org/presentationml/2006/main">
-  <p:cSld>
-    <p:spTree>
-      <p:nvGrpSpPr>
-        <p:cNvPr id="1" name=""/>
-        <p:cNvGrpSpPr/>
-        <p:nvPr/>
-      </p:nvGrpSpPr>
-      <p:grpSpPr>
-        <a:xfrm>
-          <a:off x="0" y="0"/>
-          <a:ext cx="0" cy="0"/>
-          <a:chOff x="0" y="0"/>
-          <a:chExt cx="0" cy="0"/>
-        </a:xfrm>
-      </p:grpSpPr>
-      <p:sp>
-        <p:nvSpPr>
-          <p:cNvPr id="5122" name="Title 3">
-            <a:extLst>
-              <a:ext uri="{FF2B5EF4-FFF2-40B4-BE49-F238E27FC236}">
-                <a16:creationId xmlns:a16="http://schemas.microsoft.com/office/drawing/2014/main" id="{40362D40-759F-5B45-1201-DE2E6C4561A5}"/>
-              </a:ext>
-            </a:extLst>
-          </p:cNvPr>
-          <p:cNvSpPr>
-            <a:spLocks noGrp="1"/>
-          </p:cNvSpPr>
-          <p:nvPr>
-            <p:ph type="ctrTitle"/>
-          </p:nvPr>
-        </p:nvSpPr>
-        <p:spPr>
-          <a:xfrm>
-            <a:off x="-396552" y="116632"/>
-            <a:ext cx="7772400" cy="504056"/>
-          </a:xfrm>
-        </p:spPr>
-        <p:txBody>
-          <a:bodyPr/>
-          <a:lstStyle/>
-          <a:p>
-            <a:pPr eaLnBrk="1" hangingPunct="1"/>
-            <a:r>
-              <a:rPr lang="en-GB" altLang="en-US" b="1" dirty="0"/>
-              <a:t>Impact on Demographics</a:t>
-            </a:r>
-          </a:p>
-        </p:txBody>
-      </p:sp>
-      <p:pic>
-        <p:nvPicPr>
-          <p:cNvPr id="5123" name="Picture 6" descr="Whoosh">
-            <a:extLst>
-              <a:ext uri="{FF2B5EF4-FFF2-40B4-BE49-F238E27FC236}">
-                <a16:creationId xmlns:a16="http://schemas.microsoft.com/office/drawing/2014/main" id="{6E2A7B9C-F50A-6269-D7B9-1080BD40C91B}"/>
-              </a:ext>
-            </a:extLst>
-          </p:cNvPr>
-          <p:cNvPicPr>
-            <a:picLocks noChangeAspect="1" noChangeArrowheads="1"/>
-          </p:cNvPicPr>
-          <p:nvPr/>
-        </p:nvPicPr>
-        <p:blipFill>
-          <a:blip r:embed="rId2">
-            <a:extLst>
-              <a:ext uri="{28A0092B-C50C-407E-A947-70E740481C1C}">
-                <a14:useLocalDpi xmlns:a14="http://schemas.microsoft.com/office/drawing/2010/main" val="0"/>
-              </a:ext>
-            </a:extLst>
-          </a:blip>
-          <a:srcRect/>
-          <a:stretch>
-            <a:fillRect/>
-          </a:stretch>
-        </p:blipFill>
-        <p:spPr bwMode="auto">
-          <a:xfrm>
-            <a:off x="0" y="3892550"/>
-            <a:ext cx="9144000" cy="2965450"/>
-          </a:xfrm>
-          <a:prstGeom prst="rect">
-            <a:avLst/>
-          </a:prstGeom>
-          <a:noFill/>
-          <a:ln>
-            <a:noFill/>
-          </a:ln>
-          <a:extLst>
-            <a:ext uri="{909E8E84-426E-40DD-AFC4-6F175D3DCCD1}">
-              <a14:hiddenFill xmlns:a14="http://schemas.microsoft.com/office/drawing/2010/main">
-                <a:solidFill>
-                  <a:srgbClr val="FFFFFF"/>
-                </a:solidFill>
-              </a14:hiddenFill>
-            </a:ext>
-            <a:ext uri="{91240B29-F687-4F45-9708-019B960494DF}">
-              <a14:hiddenLine xmlns:a14="http://schemas.microsoft.com/office/drawing/2010/main" w="9525">
-                <a:solidFill>
-                  <a:srgbClr val="000000"/>
-                </a:solidFill>
-                <a:miter lim="800000"/>
-                <a:headEnd/>
-                <a:tailEnd/>
-              </a14:hiddenLine>
-            </a:ext>
-          </a:extLst>
         </p:spPr>
       </p:pic>
     </p:spTree>
@@ -14870,446 +11640,4 @@
   <a:objectDefaults/>
   <a:extraClrSchemeLst/>
 </a:theme>
-</file>
-
-<file path=ppt/theme/themeOverride1.xml><?xml version="1.0" encoding="utf-8"?>
-<a:themeOverride xmlns:a="http://schemas.openxmlformats.org/drawingml/2006/main">
-  <a:clrScheme name="Blank Presentation 1">
-    <a:dk1>
-      <a:srgbClr val="000000"/>
-    </a:dk1>
-    <a:lt1>
-      <a:srgbClr val="FFFFFF"/>
-    </a:lt1>
-    <a:dk2>
-      <a:srgbClr val="000000"/>
-    </a:dk2>
-    <a:lt2>
-      <a:srgbClr val="808080"/>
-    </a:lt2>
-    <a:accent1>
-      <a:srgbClr val="BBE0E3"/>
-    </a:accent1>
-    <a:accent2>
-      <a:srgbClr val="333399"/>
-    </a:accent2>
-    <a:accent3>
-      <a:srgbClr val="FFFFFF"/>
-    </a:accent3>
-    <a:accent4>
-      <a:srgbClr val="000000"/>
-    </a:accent4>
-    <a:accent5>
-      <a:srgbClr val="DAEDEF"/>
-    </a:accent5>
-    <a:accent6>
-      <a:srgbClr val="2D2D8A"/>
-    </a:accent6>
-    <a:hlink>
-      <a:srgbClr val="009999"/>
-    </a:hlink>
-    <a:folHlink>
-      <a:srgbClr val="99CC00"/>
-    </a:folHlink>
-  </a:clrScheme>
-  <a:fontScheme name="Blank Presentation">
-    <a:majorFont>
-      <a:latin typeface="Arial"/>
-      <a:ea typeface="ＭＳ Ｐゴシック"/>
-      <a:cs typeface=""/>
-    </a:majorFont>
-    <a:minorFont>
-      <a:latin typeface="Arial"/>
-      <a:ea typeface="ＭＳ Ｐゴシック"/>
-      <a:cs typeface=""/>
-    </a:minorFont>
-  </a:fontScheme>
-  <a:fmtScheme name="Office">
-    <a:fillStyleLst>
-      <a:solidFill>
-        <a:schemeClr val="phClr"/>
-      </a:solidFill>
-      <a:gradFill rotWithShape="1">
-        <a:gsLst>
-          <a:gs pos="0">
-            <a:schemeClr val="phClr">
-              <a:tint val="50000"/>
-              <a:satMod val="300000"/>
-            </a:schemeClr>
-          </a:gs>
-          <a:gs pos="35000">
-            <a:schemeClr val="phClr">
-              <a:tint val="37000"/>
-              <a:satMod val="300000"/>
-            </a:schemeClr>
-          </a:gs>
-          <a:gs pos="100000">
-            <a:schemeClr val="phClr">
-              <a:tint val="15000"/>
-              <a:satMod val="350000"/>
-            </a:schemeClr>
-          </a:gs>
-        </a:gsLst>
-        <a:lin ang="16200000" scaled="1"/>
-      </a:gradFill>
-      <a:gradFill rotWithShape="1">
-        <a:gsLst>
-          <a:gs pos="0">
-            <a:schemeClr val="phClr">
-              <a:shade val="51000"/>
-              <a:satMod val="130000"/>
-            </a:schemeClr>
-          </a:gs>
-          <a:gs pos="80000">
-            <a:schemeClr val="phClr">
-              <a:shade val="93000"/>
-              <a:satMod val="130000"/>
-            </a:schemeClr>
-          </a:gs>
-          <a:gs pos="100000">
-            <a:schemeClr val="phClr">
-              <a:shade val="94000"/>
-              <a:satMod val="135000"/>
-            </a:schemeClr>
-          </a:gs>
-        </a:gsLst>
-        <a:lin ang="16200000" scaled="0"/>
-      </a:gradFill>
-    </a:fillStyleLst>
-    <a:lnStyleLst>
-      <a:ln w="9525" cap="flat" cmpd="sng" algn="ctr">
-        <a:solidFill>
-          <a:schemeClr val="phClr">
-            <a:shade val="95000"/>
-            <a:satMod val="105000"/>
-          </a:schemeClr>
-        </a:solidFill>
-        <a:prstDash val="solid"/>
-      </a:ln>
-      <a:ln w="25400" cap="flat" cmpd="sng" algn="ctr">
-        <a:solidFill>
-          <a:schemeClr val="phClr"/>
-        </a:solidFill>
-        <a:prstDash val="solid"/>
-      </a:ln>
-      <a:ln w="38100" cap="flat" cmpd="sng" algn="ctr">
-        <a:solidFill>
-          <a:schemeClr val="phClr"/>
-        </a:solidFill>
-        <a:prstDash val="solid"/>
-      </a:ln>
-    </a:lnStyleLst>
-    <a:effectStyleLst>
-      <a:effectStyle>
-        <a:effectLst>
-          <a:outerShdw blurRad="40000" dist="20000" dir="5400000" rotWithShape="0">
-            <a:srgbClr val="000000">
-              <a:alpha val="38000"/>
-            </a:srgbClr>
-          </a:outerShdw>
-        </a:effectLst>
-      </a:effectStyle>
-      <a:effectStyle>
-        <a:effectLst>
-          <a:outerShdw blurRad="40000" dist="23000" dir="5400000" rotWithShape="0">
-            <a:srgbClr val="000000">
-              <a:alpha val="35000"/>
-            </a:srgbClr>
-          </a:outerShdw>
-        </a:effectLst>
-      </a:effectStyle>
-      <a:effectStyle>
-        <a:effectLst>
-          <a:outerShdw blurRad="40000" dist="23000" dir="5400000" rotWithShape="0">
-            <a:srgbClr val="000000">
-              <a:alpha val="35000"/>
-            </a:srgbClr>
-          </a:outerShdw>
-        </a:effectLst>
-        <a:scene3d>
-          <a:camera prst="orthographicFront">
-            <a:rot lat="0" lon="0" rev="0"/>
-          </a:camera>
-          <a:lightRig rig="threePt" dir="t">
-            <a:rot lat="0" lon="0" rev="1200000"/>
-          </a:lightRig>
-        </a:scene3d>
-        <a:sp3d>
-          <a:bevelT w="63500" h="25400"/>
-        </a:sp3d>
-      </a:effectStyle>
-    </a:effectStyleLst>
-    <a:bgFillStyleLst>
-      <a:solidFill>
-        <a:schemeClr val="phClr"/>
-      </a:solidFill>
-      <a:gradFill rotWithShape="1">
-        <a:gsLst>
-          <a:gs pos="0">
-            <a:schemeClr val="phClr">
-              <a:tint val="40000"/>
-              <a:satMod val="350000"/>
-            </a:schemeClr>
-          </a:gs>
-          <a:gs pos="40000">
-            <a:schemeClr val="phClr">
-              <a:tint val="45000"/>
-              <a:shade val="99000"/>
-              <a:satMod val="350000"/>
-            </a:schemeClr>
-          </a:gs>
-          <a:gs pos="100000">
-            <a:schemeClr val="phClr">
-              <a:shade val="20000"/>
-              <a:satMod val="255000"/>
-            </a:schemeClr>
-          </a:gs>
-        </a:gsLst>
-        <a:path path="circle">
-          <a:fillToRect l="50000" t="-80000" r="50000" b="180000"/>
-        </a:path>
-      </a:gradFill>
-      <a:gradFill rotWithShape="1">
-        <a:gsLst>
-          <a:gs pos="0">
-            <a:schemeClr val="phClr">
-              <a:tint val="80000"/>
-              <a:satMod val="300000"/>
-            </a:schemeClr>
-          </a:gs>
-          <a:gs pos="100000">
-            <a:schemeClr val="phClr">
-              <a:shade val="30000"/>
-              <a:satMod val="200000"/>
-            </a:schemeClr>
-          </a:gs>
-        </a:gsLst>
-        <a:path path="circle">
-          <a:fillToRect l="50000" t="50000" r="50000" b="50000"/>
-        </a:path>
-      </a:gradFill>
-    </a:bgFillStyleLst>
-  </a:fmtScheme>
-</a:themeOverride>
-</file>
-
-<file path=ppt/theme/themeOverride2.xml><?xml version="1.0" encoding="utf-8"?>
-<a:themeOverride xmlns:a="http://schemas.openxmlformats.org/drawingml/2006/main">
-  <a:clrScheme name="Blank Presentation 1">
-    <a:dk1>
-      <a:srgbClr val="000000"/>
-    </a:dk1>
-    <a:lt1>
-      <a:srgbClr val="FFFFFF"/>
-    </a:lt1>
-    <a:dk2>
-      <a:srgbClr val="000000"/>
-    </a:dk2>
-    <a:lt2>
-      <a:srgbClr val="808080"/>
-    </a:lt2>
-    <a:accent1>
-      <a:srgbClr val="BBE0E3"/>
-    </a:accent1>
-    <a:accent2>
-      <a:srgbClr val="333399"/>
-    </a:accent2>
-    <a:accent3>
-      <a:srgbClr val="FFFFFF"/>
-    </a:accent3>
-    <a:accent4>
-      <a:srgbClr val="000000"/>
-    </a:accent4>
-    <a:accent5>
-      <a:srgbClr val="DAEDEF"/>
-    </a:accent5>
-    <a:accent6>
-      <a:srgbClr val="2D2D8A"/>
-    </a:accent6>
-    <a:hlink>
-      <a:srgbClr val="009999"/>
-    </a:hlink>
-    <a:folHlink>
-      <a:srgbClr val="99CC00"/>
-    </a:folHlink>
-  </a:clrScheme>
-  <a:fontScheme name="Blank Presentation">
-    <a:majorFont>
-      <a:latin typeface="Arial"/>
-      <a:ea typeface="ＭＳ Ｐゴシック"/>
-      <a:cs typeface=""/>
-    </a:majorFont>
-    <a:minorFont>
-      <a:latin typeface="Arial"/>
-      <a:ea typeface="ＭＳ Ｐゴシック"/>
-      <a:cs typeface=""/>
-    </a:minorFont>
-  </a:fontScheme>
-  <a:fmtScheme name="Office">
-    <a:fillStyleLst>
-      <a:solidFill>
-        <a:schemeClr val="phClr"/>
-      </a:solidFill>
-      <a:gradFill rotWithShape="1">
-        <a:gsLst>
-          <a:gs pos="0">
-            <a:schemeClr val="phClr">
-              <a:tint val="50000"/>
-              <a:satMod val="300000"/>
-            </a:schemeClr>
-          </a:gs>
-          <a:gs pos="35000">
-            <a:schemeClr val="phClr">
-              <a:tint val="37000"/>
-              <a:satMod val="300000"/>
-            </a:schemeClr>
-          </a:gs>
-          <a:gs pos="100000">
-            <a:schemeClr val="phClr">
-              <a:tint val="15000"/>
-              <a:satMod val="350000"/>
-            </a:schemeClr>
-          </a:gs>
-        </a:gsLst>
-        <a:lin ang="16200000" scaled="1"/>
-      </a:gradFill>
-      <a:gradFill rotWithShape="1">
-        <a:gsLst>
-          <a:gs pos="0">
-            <a:schemeClr val="phClr">
-              <a:shade val="51000"/>
-              <a:satMod val="130000"/>
-            </a:schemeClr>
-          </a:gs>
-          <a:gs pos="80000">
-            <a:schemeClr val="phClr">
-              <a:shade val="93000"/>
-              <a:satMod val="130000"/>
-            </a:schemeClr>
-          </a:gs>
-          <a:gs pos="100000">
-            <a:schemeClr val="phClr">
-              <a:shade val="94000"/>
-              <a:satMod val="135000"/>
-            </a:schemeClr>
-          </a:gs>
-        </a:gsLst>
-        <a:lin ang="16200000" scaled="0"/>
-      </a:gradFill>
-    </a:fillStyleLst>
-    <a:lnStyleLst>
-      <a:ln w="9525" cap="flat" cmpd="sng" algn="ctr">
-        <a:solidFill>
-          <a:schemeClr val="phClr">
-            <a:shade val="95000"/>
-            <a:satMod val="105000"/>
-          </a:schemeClr>
-        </a:solidFill>
-        <a:prstDash val="solid"/>
-      </a:ln>
-      <a:ln w="25400" cap="flat" cmpd="sng" algn="ctr">
-        <a:solidFill>
-          <a:schemeClr val="phClr"/>
-        </a:solidFill>
-        <a:prstDash val="solid"/>
-      </a:ln>
-      <a:ln w="38100" cap="flat" cmpd="sng" algn="ctr">
-        <a:solidFill>
-          <a:schemeClr val="phClr"/>
-        </a:solidFill>
-        <a:prstDash val="solid"/>
-      </a:ln>
-    </a:lnStyleLst>
-    <a:effectStyleLst>
-      <a:effectStyle>
-        <a:effectLst>
-          <a:outerShdw blurRad="40000" dist="20000" dir="5400000" rotWithShape="0">
-            <a:srgbClr val="000000">
-              <a:alpha val="38000"/>
-            </a:srgbClr>
-          </a:outerShdw>
-        </a:effectLst>
-      </a:effectStyle>
-      <a:effectStyle>
-        <a:effectLst>
-          <a:outerShdw blurRad="40000" dist="23000" dir="5400000" rotWithShape="0">
-            <a:srgbClr val="000000">
-              <a:alpha val="35000"/>
-            </a:srgbClr>
-          </a:outerShdw>
-        </a:effectLst>
-      </a:effectStyle>
-      <a:effectStyle>
-        <a:effectLst>
-          <a:outerShdw blurRad="40000" dist="23000" dir="5400000" rotWithShape="0">
-            <a:srgbClr val="000000">
-              <a:alpha val="35000"/>
-            </a:srgbClr>
-          </a:outerShdw>
-        </a:effectLst>
-        <a:scene3d>
-          <a:camera prst="orthographicFront">
-            <a:rot lat="0" lon="0" rev="0"/>
-          </a:camera>
-          <a:lightRig rig="threePt" dir="t">
-            <a:rot lat="0" lon="0" rev="1200000"/>
-          </a:lightRig>
-        </a:scene3d>
-        <a:sp3d>
-          <a:bevelT w="63500" h="25400"/>
-        </a:sp3d>
-      </a:effectStyle>
-    </a:effectStyleLst>
-    <a:bgFillStyleLst>
-      <a:solidFill>
-        <a:schemeClr val="phClr"/>
-      </a:solidFill>
-      <a:gradFill rotWithShape="1">
-        <a:gsLst>
-          <a:gs pos="0">
-            <a:schemeClr val="phClr">
-              <a:tint val="40000"/>
-              <a:satMod val="350000"/>
-            </a:schemeClr>
-          </a:gs>
-          <a:gs pos="40000">
-            <a:schemeClr val="phClr">
-              <a:tint val="45000"/>
-              <a:shade val="99000"/>
-              <a:satMod val="350000"/>
-            </a:schemeClr>
-          </a:gs>
-          <a:gs pos="100000">
-            <a:schemeClr val="phClr">
-              <a:shade val="20000"/>
-              <a:satMod val="255000"/>
-            </a:schemeClr>
-          </a:gs>
-        </a:gsLst>
-        <a:path path="circle">
-          <a:fillToRect l="50000" t="-80000" r="50000" b="180000"/>
-        </a:path>
-      </a:gradFill>
-      <a:gradFill rotWithShape="1">
-        <a:gsLst>
-          <a:gs pos="0">
-            <a:schemeClr val="phClr">
-              <a:tint val="80000"/>
-              <a:satMod val="300000"/>
-            </a:schemeClr>
-          </a:gs>
-          <a:gs pos="100000">
-            <a:schemeClr val="phClr">
-              <a:shade val="30000"/>
-              <a:satMod val="200000"/>
-            </a:schemeClr>
-          </a:gs>
-        </a:gsLst>
-        <a:path path="circle">
-          <a:fillToRect l="50000" t="50000" r="50000" b="50000"/>
-        </a:path>
-      </a:gradFill>
-    </a:bgFillStyleLst>
-  </a:fmtScheme>
-</a:themeOverride>
 </file>
--- a/Final Powerpoint presentation for 12.08.22.pptx
+++ b/Final Powerpoint presentation for 12.08.22.pptx
@@ -5,7 +5,7 @@
     <p:sldMasterId id="2147483648" r:id="rId1"/>
   </p:sldMasterIdLst>
   <p:notesMasterIdLst>
-    <p:notesMasterId r:id="rId24"/>
+    <p:notesMasterId r:id="rId15"/>
   </p:notesMasterIdLst>
   <p:sldIdLst>
     <p:sldId id="256" r:id="rId2"/>
@@ -19,17 +19,8 @@
     <p:sldId id="300" r:id="rId10"/>
     <p:sldId id="320" r:id="rId11"/>
     <p:sldId id="306" r:id="rId12"/>
-    <p:sldId id="308" r:id="rId13"/>
-    <p:sldId id="273" r:id="rId14"/>
-    <p:sldId id="321" r:id="rId15"/>
-    <p:sldId id="322" r:id="rId16"/>
-    <p:sldId id="280" r:id="rId17"/>
-    <p:sldId id="270" r:id="rId18"/>
-    <p:sldId id="298" r:id="rId19"/>
-    <p:sldId id="301" r:id="rId20"/>
-    <p:sldId id="297" r:id="rId21"/>
-    <p:sldId id="293" r:id="rId22"/>
-    <p:sldId id="261" r:id="rId23"/>
+    <p:sldId id="273" r:id="rId13"/>
+    <p:sldId id="321" r:id="rId14"/>
   </p:sldIdLst>
   <p:sldSz cx="9144000" cy="6858000" type="screen4x3"/>
   <p:notesSz cx="7099300" cy="10234613"/>
@@ -5130,10 +5121,10 @@
       </p:grpSpPr>
       <p:pic>
         <p:nvPicPr>
-          <p:cNvPr id="15362" name="Picture 6" descr="Whoosh">
-            <a:extLst>
-              <a:ext uri="{FF2B5EF4-FFF2-40B4-BE49-F238E27FC236}">
-                <a16:creationId xmlns:a16="http://schemas.microsoft.com/office/drawing/2014/main" id="{784AE2C0-4E21-CFAE-B97E-414A11C96308}"/>
+          <p:cNvPr id="16386" name="Picture 6" descr="Whoosh">
+            <a:extLst>
+              <a:ext uri="{FF2B5EF4-FFF2-40B4-BE49-F238E27FC236}">
+                <a16:creationId xmlns:a16="http://schemas.microsoft.com/office/drawing/2014/main" id="{FD872A42-CBF5-F584-5D7E-77CDDD3E4109}"/>
               </a:ext>
             </a:extLst>
           </p:cNvPr>
@@ -5190,10 +5181,10 @@
       </p:pic>
       <p:sp>
         <p:nvSpPr>
-          <p:cNvPr id="15363" name="Title 1">
-            <a:extLst>
-              <a:ext uri="{FF2B5EF4-FFF2-40B4-BE49-F238E27FC236}">
-                <a16:creationId xmlns:a16="http://schemas.microsoft.com/office/drawing/2014/main" id="{00984022-130B-6126-A817-1F0229D24D7F}"/>
+          <p:cNvPr id="16387" name="Title 1">
+            <a:extLst>
+              <a:ext uri="{FF2B5EF4-FFF2-40B4-BE49-F238E27FC236}">
+                <a16:creationId xmlns:a16="http://schemas.microsoft.com/office/drawing/2014/main" id="{63BED159-A85A-EE54-F72C-FDA1A74F38C9}"/>
               </a:ext>
             </a:extLst>
           </p:cNvPr>
@@ -5201,2337 +5192,117 @@
             <a:spLocks noGrp="1"/>
           </p:cNvSpPr>
           <p:nvPr>
-            <p:ph type="title"/>
+            <p:ph type="ctrTitle"/>
           </p:nvPr>
         </p:nvSpPr>
         <p:spPr>
           <a:xfrm>
-            <a:off x="684213" y="0"/>
-            <a:ext cx="7772400" cy="1296988"/>
+            <a:off x="-180528" y="116632"/>
+            <a:ext cx="3739952" cy="576064"/>
           </a:xfrm>
         </p:spPr>
         <p:txBody>
           <a:bodyPr/>
           <a:lstStyle/>
           <a:p>
-            <a:pPr algn="l"/>
-            <a:r>
-              <a:rPr lang="en-GB" altLang="en-US" sz="3600" b="1"/>
-              <a:t>Current Range of Services</a:t>
-            </a:r>
-            <a:br>
-              <a:rPr lang="en-GB" altLang="en-US" sz="3600" b="1"/>
-            </a:br>
-            <a:r>
-              <a:rPr lang="en-GB" altLang="en-US" sz="2400" b="1"/>
-              <a:t>5 Consecutive Day Programme</a:t>
-            </a:r>
-            <a:endParaRPr lang="en-GB" altLang="en-US" sz="3600" b="1"/>
-          </a:p>
-        </p:txBody>
-      </p:sp>
-      <p:graphicFrame>
-        <p:nvGraphicFramePr>
-          <p:cNvPr id="6" name="Content Placeholder 5">
-            <a:extLst>
-              <a:ext uri="{FF2B5EF4-FFF2-40B4-BE49-F238E27FC236}">
-                <a16:creationId xmlns:a16="http://schemas.microsoft.com/office/drawing/2014/main" id="{90F70C99-74A1-88CD-11A4-0ACAD9F7E377}"/>
-              </a:ext>
-            </a:extLst>
-          </p:cNvPr>
-          <p:cNvGraphicFramePr>
-            <a:graphicFrameLocks/>
-          </p:cNvGraphicFramePr>
+            <a:pPr eaLnBrk="1" hangingPunct="1"/>
+            <a:r>
+              <a:rPr lang="en-GB" altLang="en-US" b="1" dirty="0"/>
+              <a:t>Deprivation</a:t>
+            </a:r>
+          </a:p>
+        </p:txBody>
+      </p:sp>
+      <p:pic>
+        <p:nvPicPr>
+          <p:cNvPr id="3" name="Picture 2">
+            <a:extLst>
+              <a:ext uri="{FF2B5EF4-FFF2-40B4-BE49-F238E27FC236}">
+                <a16:creationId xmlns:a16="http://schemas.microsoft.com/office/drawing/2014/main" id="{D1858C4C-8F05-0810-B1C3-4CF3EDB8F17A}"/>
+              </a:ext>
+            </a:extLst>
+          </p:cNvPr>
+          <p:cNvPicPr>
+            <a:picLocks noChangeAspect="1"/>
+          </p:cNvPicPr>
           <p:nvPr/>
-        </p:nvGraphicFramePr>
-        <p:xfrm>
-          <a:off x="827088" y="1341438"/>
-          <a:ext cx="7488237" cy="4608512"/>
-        </p:xfrm>
-        <a:graphic>
-          <a:graphicData uri="http://schemas.openxmlformats.org/drawingml/2006/table">
-            <a:tbl>
-              <a:tblPr/>
-              <a:tblGrid>
-                <a:gridCol w="1395374">
-                  <a:extLst>
-                    <a:ext uri="{9D8B030D-6E8A-4147-A177-3AD203B41FA5}">
-                      <a16:colId xmlns:a16="http://schemas.microsoft.com/office/drawing/2014/main" val="20000"/>
-                    </a:ext>
-                  </a:extLst>
-                </a:gridCol>
-                <a:gridCol w="880969">
-                  <a:extLst>
-                    <a:ext uri="{9D8B030D-6E8A-4147-A177-3AD203B41FA5}">
-                      <a16:colId xmlns:a16="http://schemas.microsoft.com/office/drawing/2014/main" val="20001"/>
-                    </a:ext>
-                  </a:extLst>
-                </a:gridCol>
-                <a:gridCol w="5211894">
-                  <a:extLst>
-                    <a:ext uri="{9D8B030D-6E8A-4147-A177-3AD203B41FA5}">
-                      <a16:colId xmlns:a16="http://schemas.microsoft.com/office/drawing/2014/main" val="20002"/>
-                    </a:ext>
-                  </a:extLst>
-                </a:gridCol>
-              </a:tblGrid>
-              <a:tr h="329179">
-                <a:tc>
-                  <a:txBody>
-                    <a:bodyPr/>
-                    <a:lstStyle/>
-                    <a:p>
-                      <a:pPr algn="l" fontAlgn="ctr"/>
-                      <a:r>
-                        <a:rPr lang="en-GB" sz="1400" b="0" i="0" u="none" strike="noStrike" dirty="0">
-                          <a:solidFill>
-                            <a:schemeClr val="tx1"/>
-                          </a:solidFill>
-                          <a:effectLst/>
-                          <a:latin typeface="Arial"/>
-                        </a:rPr>
-                        <a:t>Monday</a:t>
-                      </a:r>
-                    </a:p>
-                  </a:txBody>
-                  <a:tcPr marL="91439" marR="91439" anchor="ctr">
-                    <a:lnL w="6350" cap="flat" cmpd="sng" algn="ctr">
-                      <a:solidFill>
-                        <a:srgbClr val="000000"/>
-                      </a:solidFill>
-                      <a:prstDash val="solid"/>
-                      <a:round/>
-                      <a:headEnd type="none" w="med" len="med"/>
-                      <a:tailEnd type="none" w="med" len="med"/>
-                    </a:lnL>
-                    <a:lnR w="6350" cap="flat" cmpd="sng" algn="ctr">
-                      <a:solidFill>
-                        <a:srgbClr val="000000"/>
-                      </a:solidFill>
-                      <a:prstDash val="solid"/>
-                      <a:round/>
-                      <a:headEnd type="none" w="med" len="med"/>
-                      <a:tailEnd type="none" w="med" len="med"/>
-                    </a:lnR>
-                    <a:lnT w="6350" cap="flat" cmpd="sng" algn="ctr">
-                      <a:solidFill>
-                        <a:srgbClr val="000000"/>
-                      </a:solidFill>
-                      <a:prstDash val="solid"/>
-                      <a:round/>
-                      <a:headEnd type="none" w="med" len="med"/>
-                      <a:tailEnd type="none" w="med" len="med"/>
-                    </a:lnT>
-                    <a:lnB w="6350" cap="flat" cmpd="sng" algn="ctr">
-                      <a:solidFill>
-                        <a:srgbClr val="000000"/>
-                      </a:solidFill>
-                      <a:prstDash val="solid"/>
-                      <a:round/>
-                      <a:headEnd type="none" w="med" len="med"/>
-                      <a:tailEnd type="none" w="med" len="med"/>
-                    </a:lnB>
-                  </a:tcPr>
-                </a:tc>
-                <a:tc>
-                  <a:txBody>
-                    <a:bodyPr/>
-                    <a:lstStyle/>
-                    <a:p>
-                      <a:pPr algn="ctr" fontAlgn="b"/>
-                      <a:r>
-                        <a:rPr lang="en-GB" sz="1400" b="0" i="0" u="none" strike="noStrike" dirty="0">
-                          <a:solidFill>
-                            <a:schemeClr val="tx1"/>
-                          </a:solidFill>
-                          <a:effectLst/>
-                          <a:latin typeface="Arial"/>
-                        </a:rPr>
-                        <a:t>1800</a:t>
-                      </a:r>
-                    </a:p>
-                  </a:txBody>
-                  <a:tcPr marL="91439" marR="91439" anchor="b">
-                    <a:lnL w="6350" cap="flat" cmpd="sng" algn="ctr">
-                      <a:solidFill>
-                        <a:srgbClr val="000000"/>
-                      </a:solidFill>
-                      <a:prstDash val="solid"/>
-                      <a:round/>
-                      <a:headEnd type="none" w="med" len="med"/>
-                      <a:tailEnd type="none" w="med" len="med"/>
-                    </a:lnL>
-                    <a:lnR w="6350" cap="flat" cmpd="sng" algn="ctr">
-                      <a:solidFill>
-                        <a:srgbClr val="000000"/>
-                      </a:solidFill>
-                      <a:prstDash val="solid"/>
-                      <a:round/>
-                      <a:headEnd type="none" w="med" len="med"/>
-                      <a:tailEnd type="none" w="med" len="med"/>
-                    </a:lnR>
-                    <a:lnT w="6350" cap="flat" cmpd="sng" algn="ctr">
-                      <a:solidFill>
-                        <a:srgbClr val="000000"/>
-                      </a:solidFill>
-                      <a:prstDash val="solid"/>
-                      <a:round/>
-                      <a:headEnd type="none" w="med" len="med"/>
-                      <a:tailEnd type="none" w="med" len="med"/>
-                    </a:lnT>
-                    <a:lnB w="6350" cap="flat" cmpd="sng" algn="ctr">
-                      <a:solidFill>
-                        <a:srgbClr val="000000"/>
-                      </a:solidFill>
-                      <a:prstDash val="solid"/>
-                      <a:round/>
-                      <a:headEnd type="none" w="med" len="med"/>
-                      <a:tailEnd type="none" w="med" len="med"/>
-                    </a:lnB>
-                  </a:tcPr>
-                </a:tc>
-                <a:tc>
-                  <a:txBody>
-                    <a:bodyPr/>
-                    <a:lstStyle/>
-                    <a:p>
-                      <a:pPr algn="l" fontAlgn="b"/>
-                      <a:r>
-                        <a:rPr lang="en-GB" sz="1400" b="0" i="0" u="none" strike="noStrike" dirty="0" err="1">
-                          <a:solidFill>
-                            <a:schemeClr val="tx1"/>
-                          </a:solidFill>
-                          <a:effectLst/>
-                          <a:latin typeface="Arial"/>
-                        </a:rPr>
-                        <a:t>Heartmath</a:t>
-                      </a:r>
-                      <a:r>
-                        <a:rPr lang="en-GB" sz="1400" b="0" i="0" u="none" strike="noStrike" dirty="0">
-                          <a:solidFill>
-                            <a:schemeClr val="tx1"/>
-                          </a:solidFill>
-                          <a:effectLst/>
-                          <a:latin typeface="Arial"/>
-                        </a:rPr>
-                        <a:t> Based Practice</a:t>
-                      </a:r>
-                    </a:p>
-                  </a:txBody>
-                  <a:tcPr marL="91439" marR="91439" anchor="b">
-                    <a:lnL w="6350" cap="flat" cmpd="sng" algn="ctr">
-                      <a:solidFill>
-                        <a:srgbClr val="000000"/>
-                      </a:solidFill>
-                      <a:prstDash val="solid"/>
-                      <a:round/>
-                      <a:headEnd type="none" w="med" len="med"/>
-                      <a:tailEnd type="none" w="med" len="med"/>
-                    </a:lnL>
-                    <a:lnR w="6350" cap="flat" cmpd="sng" algn="ctr">
-                      <a:solidFill>
-                        <a:srgbClr val="000000"/>
-                      </a:solidFill>
-                      <a:prstDash val="solid"/>
-                      <a:round/>
-                      <a:headEnd type="none" w="med" len="med"/>
-                      <a:tailEnd type="none" w="med" len="med"/>
-                    </a:lnR>
-                    <a:lnT w="6350" cap="flat" cmpd="sng" algn="ctr">
-                      <a:solidFill>
-                        <a:srgbClr val="000000"/>
-                      </a:solidFill>
-                      <a:prstDash val="solid"/>
-                      <a:round/>
-                      <a:headEnd type="none" w="med" len="med"/>
-                      <a:tailEnd type="none" w="med" len="med"/>
-                    </a:lnT>
-                    <a:lnB w="6350" cap="flat" cmpd="sng" algn="ctr">
-                      <a:solidFill>
-                        <a:srgbClr val="000000"/>
-                      </a:solidFill>
-                      <a:prstDash val="solid"/>
-                      <a:round/>
-                      <a:headEnd type="none" w="med" len="med"/>
-                      <a:tailEnd type="none" w="med" len="med"/>
-                    </a:lnB>
-                  </a:tcPr>
-                </a:tc>
-                <a:extLst>
-                  <a:ext uri="{0D108BD9-81ED-4DB2-BD59-A6C34878D82A}">
-                    <a16:rowId xmlns:a16="http://schemas.microsoft.com/office/drawing/2014/main" val="10000"/>
-                  </a:ext>
-                </a:extLst>
-              </a:tr>
-              <a:tr h="329179">
-                <a:tc rowSpan="4">
-                  <a:txBody>
-                    <a:bodyPr/>
-                    <a:lstStyle/>
-                    <a:p>
-                      <a:pPr algn="l" fontAlgn="ctr"/>
-                      <a:r>
-                        <a:rPr lang="en-GB" sz="1400" b="0" i="0" u="none" strike="noStrike" dirty="0">
-                          <a:solidFill>
-                            <a:schemeClr val="tx1"/>
-                          </a:solidFill>
-                          <a:effectLst/>
-                          <a:latin typeface="Arial"/>
-                        </a:rPr>
-                        <a:t>Tuesday</a:t>
-                      </a:r>
-                    </a:p>
-                  </a:txBody>
-                  <a:tcPr marL="91439" marR="91439" anchor="ctr">
-                    <a:lnL w="6350" cap="flat" cmpd="sng" algn="ctr">
-                      <a:solidFill>
-                        <a:srgbClr val="000000"/>
-                      </a:solidFill>
-                      <a:prstDash val="solid"/>
-                      <a:round/>
-                      <a:headEnd type="none" w="med" len="med"/>
-                      <a:tailEnd type="none" w="med" len="med"/>
-                    </a:lnL>
-                    <a:lnR w="6350" cap="flat" cmpd="sng" algn="ctr">
-                      <a:solidFill>
-                        <a:srgbClr val="000000"/>
-                      </a:solidFill>
-                      <a:prstDash val="solid"/>
-                      <a:round/>
-                      <a:headEnd type="none" w="med" len="med"/>
-                      <a:tailEnd type="none" w="med" len="med"/>
-                    </a:lnR>
-                    <a:lnT w="6350" cap="flat" cmpd="sng" algn="ctr">
-                      <a:solidFill>
-                        <a:srgbClr val="000000"/>
-                      </a:solidFill>
-                      <a:prstDash val="solid"/>
-                      <a:round/>
-                      <a:headEnd type="none" w="med" len="med"/>
-                      <a:tailEnd type="none" w="med" len="med"/>
-                    </a:lnT>
-                    <a:lnB w="6350" cap="flat" cmpd="sng" algn="ctr">
-                      <a:solidFill>
-                        <a:srgbClr val="000000"/>
-                      </a:solidFill>
-                      <a:prstDash val="solid"/>
-                      <a:round/>
-                      <a:headEnd type="none" w="med" len="med"/>
-                      <a:tailEnd type="none" w="med" len="med"/>
-                    </a:lnB>
-                  </a:tcPr>
-                </a:tc>
-                <a:tc>
-                  <a:txBody>
-                    <a:bodyPr/>
-                    <a:lstStyle/>
-                    <a:p>
-                      <a:pPr algn="ctr" fontAlgn="b"/>
-                      <a:r>
-                        <a:rPr lang="en-GB" sz="1400" b="0" i="0" u="none" strike="noStrike" dirty="0">
-                          <a:solidFill>
-                            <a:schemeClr val="tx1"/>
-                          </a:solidFill>
-                          <a:effectLst/>
-                          <a:latin typeface="Arial"/>
-                        </a:rPr>
-                        <a:t>1000</a:t>
-                      </a:r>
-                    </a:p>
-                  </a:txBody>
-                  <a:tcPr marL="91439" marR="91439" anchor="b">
-                    <a:lnL w="6350" cap="flat" cmpd="sng" algn="ctr">
-                      <a:solidFill>
-                        <a:srgbClr val="000000"/>
-                      </a:solidFill>
-                      <a:prstDash val="solid"/>
-                      <a:round/>
-                      <a:headEnd type="none" w="med" len="med"/>
-                      <a:tailEnd type="none" w="med" len="med"/>
-                    </a:lnL>
-                    <a:lnR w="6350" cap="flat" cmpd="sng" algn="ctr">
-                      <a:solidFill>
-                        <a:srgbClr val="000000"/>
-                      </a:solidFill>
-                      <a:prstDash val="solid"/>
-                      <a:round/>
-                      <a:headEnd type="none" w="med" len="med"/>
-                      <a:tailEnd type="none" w="med" len="med"/>
-                    </a:lnR>
-                    <a:lnT w="6350" cap="flat" cmpd="sng" algn="ctr">
-                      <a:solidFill>
-                        <a:srgbClr val="000000"/>
-                      </a:solidFill>
-                      <a:prstDash val="solid"/>
-                      <a:round/>
-                      <a:headEnd type="none" w="med" len="med"/>
-                      <a:tailEnd type="none" w="med" len="med"/>
-                    </a:lnT>
-                    <a:lnB w="6350" cap="flat" cmpd="sng" algn="ctr">
-                      <a:solidFill>
-                        <a:srgbClr val="000000"/>
-                      </a:solidFill>
-                      <a:prstDash val="solid"/>
-                      <a:round/>
-                      <a:headEnd type="none" w="med" len="med"/>
-                      <a:tailEnd type="none" w="med" len="med"/>
-                    </a:lnB>
-                  </a:tcPr>
-                </a:tc>
-                <a:tc>
-                  <a:txBody>
-                    <a:bodyPr/>
-                    <a:lstStyle/>
-                    <a:p>
-                      <a:pPr algn="l" fontAlgn="b"/>
-                      <a:r>
-                        <a:rPr lang="en-GB" sz="1400" b="0" i="0" u="none" strike="noStrike">
-                          <a:solidFill>
-                            <a:schemeClr val="tx1"/>
-                          </a:solidFill>
-                          <a:effectLst/>
-                          <a:latin typeface="Arial"/>
-                        </a:rPr>
-                        <a:t>Mindful Movement</a:t>
-                      </a:r>
-                    </a:p>
-                  </a:txBody>
-                  <a:tcPr marL="91439" marR="91439" anchor="b">
-                    <a:lnL w="6350" cap="flat" cmpd="sng" algn="ctr">
-                      <a:solidFill>
-                        <a:srgbClr val="000000"/>
-                      </a:solidFill>
-                      <a:prstDash val="solid"/>
-                      <a:round/>
-                      <a:headEnd type="none" w="med" len="med"/>
-                      <a:tailEnd type="none" w="med" len="med"/>
-                    </a:lnL>
-                    <a:lnR w="6350" cap="flat" cmpd="sng" algn="ctr">
-                      <a:solidFill>
-                        <a:srgbClr val="000000"/>
-                      </a:solidFill>
-                      <a:prstDash val="solid"/>
-                      <a:round/>
-                      <a:headEnd type="none" w="med" len="med"/>
-                      <a:tailEnd type="none" w="med" len="med"/>
-                    </a:lnR>
-                    <a:lnT w="6350" cap="flat" cmpd="sng" algn="ctr">
-                      <a:solidFill>
-                        <a:srgbClr val="000000"/>
-                      </a:solidFill>
-                      <a:prstDash val="solid"/>
-                      <a:round/>
-                      <a:headEnd type="none" w="med" len="med"/>
-                      <a:tailEnd type="none" w="med" len="med"/>
-                    </a:lnT>
-                    <a:lnB w="6350" cap="flat" cmpd="sng" algn="ctr">
-                      <a:solidFill>
-                        <a:srgbClr val="000000"/>
-                      </a:solidFill>
-                      <a:prstDash val="solid"/>
-                      <a:round/>
-                      <a:headEnd type="none" w="med" len="med"/>
-                      <a:tailEnd type="none" w="med" len="med"/>
-                    </a:lnB>
-                  </a:tcPr>
-                </a:tc>
-                <a:extLst>
-                  <a:ext uri="{0D108BD9-81ED-4DB2-BD59-A6C34878D82A}">
-                    <a16:rowId xmlns:a16="http://schemas.microsoft.com/office/drawing/2014/main" val="10001"/>
-                  </a:ext>
-                </a:extLst>
-              </a:tr>
-              <a:tr h="329179">
-                <a:tc vMerge="1">
-                  <a:txBody>
-                    <a:bodyPr/>
-                    <a:lstStyle/>
-                    <a:p>
-                      <a:endParaRPr lang="en-GB"/>
-                    </a:p>
-                  </a:txBody>
-                  <a:tcPr/>
-                </a:tc>
-                <a:tc>
-                  <a:txBody>
-                    <a:bodyPr/>
-                    <a:lstStyle/>
-                    <a:p>
-                      <a:pPr algn="ctr" fontAlgn="b"/>
-                      <a:r>
-                        <a:rPr lang="en-GB" sz="1400" b="0" i="0" u="none" strike="noStrike" dirty="0">
-                          <a:solidFill>
-                            <a:schemeClr val="tx1"/>
-                          </a:solidFill>
-                          <a:effectLst/>
-                          <a:latin typeface="Arial"/>
-                        </a:rPr>
-                        <a:t>1115</a:t>
-                      </a:r>
-                    </a:p>
-                  </a:txBody>
-                  <a:tcPr marL="91439" marR="91439" anchor="b">
-                    <a:lnL w="6350" cap="flat" cmpd="sng" algn="ctr">
-                      <a:solidFill>
-                        <a:srgbClr val="000000"/>
-                      </a:solidFill>
-                      <a:prstDash val="solid"/>
-                      <a:round/>
-                      <a:headEnd type="none" w="med" len="med"/>
-                      <a:tailEnd type="none" w="med" len="med"/>
-                    </a:lnL>
-                    <a:lnR w="6350" cap="flat" cmpd="sng" algn="ctr">
-                      <a:solidFill>
-                        <a:srgbClr val="000000"/>
-                      </a:solidFill>
-                      <a:prstDash val="solid"/>
-                      <a:round/>
-                      <a:headEnd type="none" w="med" len="med"/>
-                      <a:tailEnd type="none" w="med" len="med"/>
-                    </a:lnR>
-                    <a:lnT w="6350" cap="flat" cmpd="sng" algn="ctr">
-                      <a:solidFill>
-                        <a:srgbClr val="000000"/>
-                      </a:solidFill>
-                      <a:prstDash val="solid"/>
-                      <a:round/>
-                      <a:headEnd type="none" w="med" len="med"/>
-                      <a:tailEnd type="none" w="med" len="med"/>
-                    </a:lnT>
-                    <a:lnB w="6350" cap="flat" cmpd="sng" algn="ctr">
-                      <a:solidFill>
-                        <a:srgbClr val="000000"/>
-                      </a:solidFill>
-                      <a:prstDash val="solid"/>
-                      <a:round/>
-                      <a:headEnd type="none" w="med" len="med"/>
-                      <a:tailEnd type="none" w="med" len="med"/>
-                    </a:lnB>
-                  </a:tcPr>
-                </a:tc>
-                <a:tc>
-                  <a:txBody>
-                    <a:bodyPr/>
-                    <a:lstStyle/>
-                    <a:p>
-                      <a:pPr algn="l" fontAlgn="b"/>
-                      <a:r>
-                        <a:rPr lang="en-GB" sz="1400" b="0" i="0" u="none" strike="noStrike">
-                          <a:solidFill>
-                            <a:schemeClr val="tx1"/>
-                          </a:solidFill>
-                          <a:effectLst/>
-                          <a:latin typeface="Arial"/>
-                        </a:rPr>
-                        <a:t>Spiral of Chronic Health Issues</a:t>
-                      </a:r>
-                    </a:p>
-                  </a:txBody>
-                  <a:tcPr marL="91439" marR="91439" anchor="b">
-                    <a:lnL w="6350" cap="flat" cmpd="sng" algn="ctr">
-                      <a:solidFill>
-                        <a:srgbClr val="000000"/>
-                      </a:solidFill>
-                      <a:prstDash val="solid"/>
-                      <a:round/>
-                      <a:headEnd type="none" w="med" len="med"/>
-                      <a:tailEnd type="none" w="med" len="med"/>
-                    </a:lnL>
-                    <a:lnR w="6350" cap="flat" cmpd="sng" algn="ctr">
-                      <a:solidFill>
-                        <a:srgbClr val="000000"/>
-                      </a:solidFill>
-                      <a:prstDash val="solid"/>
-                      <a:round/>
-                      <a:headEnd type="none" w="med" len="med"/>
-                      <a:tailEnd type="none" w="med" len="med"/>
-                    </a:lnR>
-                    <a:lnT w="6350" cap="flat" cmpd="sng" algn="ctr">
-                      <a:solidFill>
-                        <a:srgbClr val="000000"/>
-                      </a:solidFill>
-                      <a:prstDash val="solid"/>
-                      <a:round/>
-                      <a:headEnd type="none" w="med" len="med"/>
-                      <a:tailEnd type="none" w="med" len="med"/>
-                    </a:lnT>
-                    <a:lnB w="6350" cap="flat" cmpd="sng" algn="ctr">
-                      <a:solidFill>
-                        <a:srgbClr val="000000"/>
-                      </a:solidFill>
-                      <a:prstDash val="solid"/>
-                      <a:round/>
-                      <a:headEnd type="none" w="med" len="med"/>
-                      <a:tailEnd type="none" w="med" len="med"/>
-                    </a:lnB>
-                  </a:tcPr>
-                </a:tc>
-                <a:extLst>
-                  <a:ext uri="{0D108BD9-81ED-4DB2-BD59-A6C34878D82A}">
-                    <a16:rowId xmlns:a16="http://schemas.microsoft.com/office/drawing/2014/main" val="10002"/>
-                  </a:ext>
-                </a:extLst>
-              </a:tr>
-              <a:tr h="329179">
-                <a:tc vMerge="1">
-                  <a:txBody>
-                    <a:bodyPr/>
-                    <a:lstStyle/>
-                    <a:p>
-                      <a:endParaRPr lang="en-GB"/>
-                    </a:p>
-                  </a:txBody>
-                  <a:tcPr/>
-                </a:tc>
-                <a:tc>
-                  <a:txBody>
-                    <a:bodyPr/>
-                    <a:lstStyle/>
-                    <a:p>
-                      <a:pPr algn="ctr" fontAlgn="b"/>
-                      <a:r>
-                        <a:rPr lang="en-GB" sz="1400" b="0" i="0" u="none" strike="noStrike" dirty="0">
-                          <a:solidFill>
-                            <a:schemeClr val="tx1"/>
-                          </a:solidFill>
-                          <a:effectLst/>
-                          <a:latin typeface="Arial"/>
-                        </a:rPr>
-                        <a:t>1500</a:t>
-                      </a:r>
-                    </a:p>
-                  </a:txBody>
-                  <a:tcPr marL="91439" marR="91439" anchor="b">
-                    <a:lnL w="6350" cap="flat" cmpd="sng" algn="ctr">
-                      <a:solidFill>
-                        <a:srgbClr val="000000"/>
-                      </a:solidFill>
-                      <a:prstDash val="solid"/>
-                      <a:round/>
-                      <a:headEnd type="none" w="med" len="med"/>
-                      <a:tailEnd type="none" w="med" len="med"/>
-                    </a:lnL>
-                    <a:lnR w="6350" cap="flat" cmpd="sng" algn="ctr">
-                      <a:solidFill>
-                        <a:srgbClr val="000000"/>
-                      </a:solidFill>
-                      <a:prstDash val="solid"/>
-                      <a:round/>
-                      <a:headEnd type="none" w="med" len="med"/>
-                      <a:tailEnd type="none" w="med" len="med"/>
-                    </a:lnR>
-                    <a:lnT w="6350" cap="flat" cmpd="sng" algn="ctr">
-                      <a:solidFill>
-                        <a:srgbClr val="000000"/>
-                      </a:solidFill>
-                      <a:prstDash val="solid"/>
-                      <a:round/>
-                      <a:headEnd type="none" w="med" len="med"/>
-                      <a:tailEnd type="none" w="med" len="med"/>
-                    </a:lnT>
-                    <a:lnB w="6350" cap="flat" cmpd="sng" algn="ctr">
-                      <a:solidFill>
-                        <a:srgbClr val="000000"/>
-                      </a:solidFill>
-                      <a:prstDash val="solid"/>
-                      <a:round/>
-                      <a:headEnd type="none" w="med" len="med"/>
-                      <a:tailEnd type="none" w="med" len="med"/>
-                    </a:lnB>
-                  </a:tcPr>
-                </a:tc>
-                <a:tc>
-                  <a:txBody>
-                    <a:bodyPr/>
-                    <a:lstStyle/>
-                    <a:p>
-                      <a:pPr algn="l" fontAlgn="b"/>
-                      <a:r>
-                        <a:rPr lang="en-GB" sz="1400" b="0" i="0" u="none" strike="noStrike" dirty="0">
-                          <a:solidFill>
-                            <a:schemeClr val="tx1"/>
-                          </a:solidFill>
-                          <a:effectLst/>
-                          <a:latin typeface="Arial"/>
-                        </a:rPr>
-                        <a:t>Sleep Hygiene</a:t>
-                      </a:r>
-                    </a:p>
-                  </a:txBody>
-                  <a:tcPr marL="91439" marR="91439" anchor="b">
-                    <a:lnL w="6350" cap="flat" cmpd="sng" algn="ctr">
-                      <a:solidFill>
-                        <a:srgbClr val="000000"/>
-                      </a:solidFill>
-                      <a:prstDash val="solid"/>
-                      <a:round/>
-                      <a:headEnd type="none" w="med" len="med"/>
-                      <a:tailEnd type="none" w="med" len="med"/>
-                    </a:lnL>
-                    <a:lnR w="6350" cap="flat" cmpd="sng" algn="ctr">
-                      <a:solidFill>
-                        <a:srgbClr val="000000"/>
-                      </a:solidFill>
-                      <a:prstDash val="solid"/>
-                      <a:round/>
-                      <a:headEnd type="none" w="med" len="med"/>
-                      <a:tailEnd type="none" w="med" len="med"/>
-                    </a:lnR>
-                    <a:lnT w="6350" cap="flat" cmpd="sng" algn="ctr">
-                      <a:solidFill>
-                        <a:srgbClr val="000000"/>
-                      </a:solidFill>
-                      <a:prstDash val="solid"/>
-                      <a:round/>
-                      <a:headEnd type="none" w="med" len="med"/>
-                      <a:tailEnd type="none" w="med" len="med"/>
-                    </a:lnT>
-                    <a:lnB w="6350" cap="flat" cmpd="sng" algn="ctr">
-                      <a:solidFill>
-                        <a:srgbClr val="000000"/>
-                      </a:solidFill>
-                      <a:prstDash val="solid"/>
-                      <a:round/>
-                      <a:headEnd type="none" w="med" len="med"/>
-                      <a:tailEnd type="none" w="med" len="med"/>
-                    </a:lnB>
-                  </a:tcPr>
-                </a:tc>
-                <a:extLst>
-                  <a:ext uri="{0D108BD9-81ED-4DB2-BD59-A6C34878D82A}">
-                    <a16:rowId xmlns:a16="http://schemas.microsoft.com/office/drawing/2014/main" val="10003"/>
-                  </a:ext>
-                </a:extLst>
-              </a:tr>
-              <a:tr h="329179">
-                <a:tc vMerge="1">
-                  <a:txBody>
-                    <a:bodyPr/>
-                    <a:lstStyle/>
-                    <a:p>
-                      <a:endParaRPr lang="en-GB"/>
-                    </a:p>
-                  </a:txBody>
-                  <a:tcPr/>
-                </a:tc>
-                <a:tc>
-                  <a:txBody>
-                    <a:bodyPr/>
-                    <a:lstStyle/>
-                    <a:p>
-                      <a:pPr algn="ctr" fontAlgn="b"/>
-                      <a:r>
-                        <a:rPr lang="en-GB" sz="1400" b="0" i="0" u="none" strike="noStrike" dirty="0">
-                          <a:solidFill>
-                            <a:schemeClr val="tx1"/>
-                          </a:solidFill>
-                          <a:effectLst/>
-                          <a:latin typeface="Arial"/>
-                        </a:rPr>
-                        <a:t>1800</a:t>
-                      </a:r>
-                    </a:p>
-                  </a:txBody>
-                  <a:tcPr marL="91439" marR="91439" anchor="b">
-                    <a:lnL w="6350" cap="flat" cmpd="sng" algn="ctr">
-                      <a:solidFill>
-                        <a:srgbClr val="000000"/>
-                      </a:solidFill>
-                      <a:prstDash val="solid"/>
-                      <a:round/>
-                      <a:headEnd type="none" w="med" len="med"/>
-                      <a:tailEnd type="none" w="med" len="med"/>
-                    </a:lnL>
-                    <a:lnR w="6350" cap="flat" cmpd="sng" algn="ctr">
-                      <a:solidFill>
-                        <a:srgbClr val="000000"/>
-                      </a:solidFill>
-                      <a:prstDash val="solid"/>
-                      <a:round/>
-                      <a:headEnd type="none" w="med" len="med"/>
-                      <a:tailEnd type="none" w="med" len="med"/>
-                    </a:lnR>
-                    <a:lnT w="6350" cap="flat" cmpd="sng" algn="ctr">
-                      <a:solidFill>
-                        <a:srgbClr val="000000"/>
-                      </a:solidFill>
-                      <a:prstDash val="solid"/>
-                      <a:round/>
-                      <a:headEnd type="none" w="med" len="med"/>
-                      <a:tailEnd type="none" w="med" len="med"/>
-                    </a:lnT>
-                    <a:lnB w="6350" cap="flat" cmpd="sng" algn="ctr">
-                      <a:solidFill>
-                        <a:srgbClr val="000000"/>
-                      </a:solidFill>
-                      <a:prstDash val="solid"/>
-                      <a:round/>
-                      <a:headEnd type="none" w="med" len="med"/>
-                      <a:tailEnd type="none" w="med" len="med"/>
-                    </a:lnB>
-                  </a:tcPr>
-                </a:tc>
-                <a:tc>
-                  <a:txBody>
-                    <a:bodyPr/>
-                    <a:lstStyle/>
-                    <a:p>
-                      <a:pPr algn="l" fontAlgn="b"/>
-                      <a:r>
-                        <a:rPr lang="en-GB" sz="1400" b="0" i="0" u="none" strike="noStrike" dirty="0" err="1">
-                          <a:solidFill>
-                            <a:schemeClr val="tx1"/>
-                          </a:solidFill>
-                          <a:effectLst/>
-                          <a:latin typeface="Arial"/>
-                        </a:rPr>
-                        <a:t>Heartmath</a:t>
-                      </a:r>
-                      <a:r>
-                        <a:rPr lang="en-GB" sz="1400" b="0" i="0" u="none" strike="noStrike" dirty="0">
-                          <a:solidFill>
-                            <a:schemeClr val="tx1"/>
-                          </a:solidFill>
-                          <a:effectLst/>
-                          <a:latin typeface="Arial"/>
-                        </a:rPr>
-                        <a:t> Based Practice</a:t>
-                      </a:r>
-                    </a:p>
-                  </a:txBody>
-                  <a:tcPr marL="91439" marR="91439" anchor="b">
-                    <a:lnL w="6350" cap="flat" cmpd="sng" algn="ctr">
-                      <a:solidFill>
-                        <a:srgbClr val="000000"/>
-                      </a:solidFill>
-                      <a:prstDash val="solid"/>
-                      <a:round/>
-                      <a:headEnd type="none" w="med" len="med"/>
-                      <a:tailEnd type="none" w="med" len="med"/>
-                    </a:lnL>
-                    <a:lnR w="6350" cap="flat" cmpd="sng" algn="ctr">
-                      <a:solidFill>
-                        <a:srgbClr val="000000"/>
-                      </a:solidFill>
-                      <a:prstDash val="solid"/>
-                      <a:round/>
-                      <a:headEnd type="none" w="med" len="med"/>
-                      <a:tailEnd type="none" w="med" len="med"/>
-                    </a:lnR>
-                    <a:lnT w="6350" cap="flat" cmpd="sng" algn="ctr">
-                      <a:solidFill>
-                        <a:srgbClr val="000000"/>
-                      </a:solidFill>
-                      <a:prstDash val="solid"/>
-                      <a:round/>
-                      <a:headEnd type="none" w="med" len="med"/>
-                      <a:tailEnd type="none" w="med" len="med"/>
-                    </a:lnT>
-                    <a:lnB w="6350" cap="flat" cmpd="sng" algn="ctr">
-                      <a:solidFill>
-                        <a:srgbClr val="000000"/>
-                      </a:solidFill>
-                      <a:prstDash val="solid"/>
-                      <a:round/>
-                      <a:headEnd type="none" w="med" len="med"/>
-                      <a:tailEnd type="none" w="med" len="med"/>
-                    </a:lnB>
-                  </a:tcPr>
-                </a:tc>
-                <a:extLst>
-                  <a:ext uri="{0D108BD9-81ED-4DB2-BD59-A6C34878D82A}">
-                    <a16:rowId xmlns:a16="http://schemas.microsoft.com/office/drawing/2014/main" val="10004"/>
-                  </a:ext>
-                </a:extLst>
-              </a:tr>
-              <a:tr h="329179">
-                <a:tc rowSpan="4">
-                  <a:txBody>
-                    <a:bodyPr/>
-                    <a:lstStyle/>
-                    <a:p>
-                      <a:pPr algn="l" fontAlgn="ctr"/>
-                      <a:r>
-                        <a:rPr lang="en-GB" sz="1400" b="0" i="0" u="none" strike="noStrike" dirty="0">
-                          <a:solidFill>
-                            <a:schemeClr val="tx1"/>
-                          </a:solidFill>
-                          <a:effectLst/>
-                          <a:latin typeface="Arial"/>
-                        </a:rPr>
-                        <a:t>Wednesday</a:t>
-                      </a:r>
-                    </a:p>
-                  </a:txBody>
-                  <a:tcPr marL="91439" marR="91439" anchor="ctr">
-                    <a:lnL w="6350" cap="flat" cmpd="sng" algn="ctr">
-                      <a:solidFill>
-                        <a:srgbClr val="000000"/>
-                      </a:solidFill>
-                      <a:prstDash val="solid"/>
-                      <a:round/>
-                      <a:headEnd type="none" w="med" len="med"/>
-                      <a:tailEnd type="none" w="med" len="med"/>
-                    </a:lnL>
-                    <a:lnR w="6350" cap="flat" cmpd="sng" algn="ctr">
-                      <a:solidFill>
-                        <a:srgbClr val="000000"/>
-                      </a:solidFill>
-                      <a:prstDash val="solid"/>
-                      <a:round/>
-                      <a:headEnd type="none" w="med" len="med"/>
-                      <a:tailEnd type="none" w="med" len="med"/>
-                    </a:lnR>
-                    <a:lnT w="6350" cap="flat" cmpd="sng" algn="ctr">
-                      <a:solidFill>
-                        <a:srgbClr val="000000"/>
-                      </a:solidFill>
-                      <a:prstDash val="solid"/>
-                      <a:round/>
-                      <a:headEnd type="none" w="med" len="med"/>
-                      <a:tailEnd type="none" w="med" len="med"/>
-                    </a:lnT>
-                    <a:lnB w="6350" cap="flat" cmpd="sng" algn="ctr">
-                      <a:solidFill>
-                        <a:srgbClr val="000000"/>
-                      </a:solidFill>
-                      <a:prstDash val="solid"/>
-                      <a:round/>
-                      <a:headEnd type="none" w="med" len="med"/>
-                      <a:tailEnd type="none" w="med" len="med"/>
-                    </a:lnB>
-                  </a:tcPr>
-                </a:tc>
-                <a:tc>
-                  <a:txBody>
-                    <a:bodyPr/>
-                    <a:lstStyle/>
-                    <a:p>
-                      <a:pPr algn="ctr" fontAlgn="b"/>
-                      <a:r>
-                        <a:rPr lang="en-GB" sz="1400" b="0" i="0" u="none" strike="noStrike">
-                          <a:solidFill>
-                            <a:schemeClr val="tx1"/>
-                          </a:solidFill>
-                          <a:effectLst/>
-                          <a:latin typeface="Arial"/>
-                        </a:rPr>
-                        <a:t>1000</a:t>
-                      </a:r>
-                    </a:p>
-                  </a:txBody>
-                  <a:tcPr marL="91439" marR="91439" anchor="b">
-                    <a:lnL w="6350" cap="flat" cmpd="sng" algn="ctr">
-                      <a:solidFill>
-                        <a:srgbClr val="000000"/>
-                      </a:solidFill>
-                      <a:prstDash val="solid"/>
-                      <a:round/>
-                      <a:headEnd type="none" w="med" len="med"/>
-                      <a:tailEnd type="none" w="med" len="med"/>
-                    </a:lnL>
-                    <a:lnR w="6350" cap="flat" cmpd="sng" algn="ctr">
-                      <a:solidFill>
-                        <a:srgbClr val="000000"/>
-                      </a:solidFill>
-                      <a:prstDash val="solid"/>
-                      <a:round/>
-                      <a:headEnd type="none" w="med" len="med"/>
-                      <a:tailEnd type="none" w="med" len="med"/>
-                    </a:lnR>
-                    <a:lnT w="6350" cap="flat" cmpd="sng" algn="ctr">
-                      <a:solidFill>
-                        <a:srgbClr val="000000"/>
-                      </a:solidFill>
-                      <a:prstDash val="solid"/>
-                      <a:round/>
-                      <a:headEnd type="none" w="med" len="med"/>
-                      <a:tailEnd type="none" w="med" len="med"/>
-                    </a:lnT>
-                    <a:lnB w="6350" cap="flat" cmpd="sng" algn="ctr">
-                      <a:solidFill>
-                        <a:srgbClr val="000000"/>
-                      </a:solidFill>
-                      <a:prstDash val="solid"/>
-                      <a:round/>
-                      <a:headEnd type="none" w="med" len="med"/>
-                      <a:tailEnd type="none" w="med" len="med"/>
-                    </a:lnB>
-                  </a:tcPr>
-                </a:tc>
-                <a:tc>
-                  <a:txBody>
-                    <a:bodyPr/>
-                    <a:lstStyle/>
-                    <a:p>
-                      <a:pPr algn="l" fontAlgn="b"/>
-                      <a:r>
-                        <a:rPr lang="en-GB" sz="1400" b="0" i="0" u="none" strike="noStrike" dirty="0">
-                          <a:solidFill>
-                            <a:schemeClr val="tx1"/>
-                          </a:solidFill>
-                          <a:effectLst/>
-                          <a:latin typeface="Arial"/>
-                        </a:rPr>
-                        <a:t>Mindful Movement / </a:t>
-                      </a:r>
-                      <a:r>
-                        <a:rPr lang="en-GB" sz="1400" b="0" i="0" u="none" strike="noStrike" dirty="0" err="1">
-                          <a:solidFill>
-                            <a:schemeClr val="tx1"/>
-                          </a:solidFill>
-                          <a:effectLst/>
-                          <a:latin typeface="Arial"/>
-                        </a:rPr>
-                        <a:t>Breathwork</a:t>
-                      </a:r>
-                      <a:endParaRPr lang="en-GB" sz="1400" b="0" i="0" u="none" strike="noStrike" dirty="0">
-                        <a:solidFill>
-                          <a:schemeClr val="tx1"/>
-                        </a:solidFill>
-                        <a:effectLst/>
-                        <a:latin typeface="Arial"/>
-                      </a:endParaRPr>
-                    </a:p>
-                  </a:txBody>
-                  <a:tcPr marL="91439" marR="91439" anchor="b">
-                    <a:lnL w="6350" cap="flat" cmpd="sng" algn="ctr">
-                      <a:solidFill>
-                        <a:srgbClr val="000000"/>
-                      </a:solidFill>
-                      <a:prstDash val="solid"/>
-                      <a:round/>
-                      <a:headEnd type="none" w="med" len="med"/>
-                      <a:tailEnd type="none" w="med" len="med"/>
-                    </a:lnL>
-                    <a:lnR w="6350" cap="flat" cmpd="sng" algn="ctr">
-                      <a:solidFill>
-                        <a:srgbClr val="000000"/>
-                      </a:solidFill>
-                      <a:prstDash val="solid"/>
-                      <a:round/>
-                      <a:headEnd type="none" w="med" len="med"/>
-                      <a:tailEnd type="none" w="med" len="med"/>
-                    </a:lnR>
-                    <a:lnT w="6350" cap="flat" cmpd="sng" algn="ctr">
-                      <a:solidFill>
-                        <a:srgbClr val="000000"/>
-                      </a:solidFill>
-                      <a:prstDash val="solid"/>
-                      <a:round/>
-                      <a:headEnd type="none" w="med" len="med"/>
-                      <a:tailEnd type="none" w="med" len="med"/>
-                    </a:lnT>
-                    <a:lnB w="6350" cap="flat" cmpd="sng" algn="ctr">
-                      <a:solidFill>
-                        <a:srgbClr val="000000"/>
-                      </a:solidFill>
-                      <a:prstDash val="solid"/>
-                      <a:round/>
-                      <a:headEnd type="none" w="med" len="med"/>
-                      <a:tailEnd type="none" w="med" len="med"/>
-                    </a:lnB>
-                  </a:tcPr>
-                </a:tc>
-                <a:extLst>
-                  <a:ext uri="{0D108BD9-81ED-4DB2-BD59-A6C34878D82A}">
-                    <a16:rowId xmlns:a16="http://schemas.microsoft.com/office/drawing/2014/main" val="10005"/>
-                  </a:ext>
-                </a:extLst>
-              </a:tr>
-              <a:tr h="329179">
-                <a:tc vMerge="1">
-                  <a:txBody>
-                    <a:bodyPr/>
-                    <a:lstStyle/>
-                    <a:p>
-                      <a:endParaRPr lang="en-GB"/>
-                    </a:p>
-                  </a:txBody>
-                  <a:tcPr/>
-                </a:tc>
-                <a:tc>
-                  <a:txBody>
-                    <a:bodyPr/>
-                    <a:lstStyle/>
-                    <a:p>
-                      <a:pPr algn="ctr" fontAlgn="b"/>
-                      <a:r>
-                        <a:rPr lang="en-GB" sz="1400" b="0" i="0" u="none" strike="noStrike">
-                          <a:solidFill>
-                            <a:schemeClr val="tx1"/>
-                          </a:solidFill>
-                          <a:effectLst/>
-                          <a:latin typeface="Arial"/>
-                        </a:rPr>
-                        <a:t>1115</a:t>
-                      </a:r>
-                    </a:p>
-                  </a:txBody>
-                  <a:tcPr marL="91439" marR="91439" anchor="b">
-                    <a:lnL w="6350" cap="flat" cmpd="sng" algn="ctr">
-                      <a:solidFill>
-                        <a:srgbClr val="000000"/>
-                      </a:solidFill>
-                      <a:prstDash val="solid"/>
-                      <a:round/>
-                      <a:headEnd type="none" w="med" len="med"/>
-                      <a:tailEnd type="none" w="med" len="med"/>
-                    </a:lnL>
-                    <a:lnR w="6350" cap="flat" cmpd="sng" algn="ctr">
-                      <a:solidFill>
-                        <a:srgbClr val="000000"/>
-                      </a:solidFill>
-                      <a:prstDash val="solid"/>
-                      <a:round/>
-                      <a:headEnd type="none" w="med" len="med"/>
-                      <a:tailEnd type="none" w="med" len="med"/>
-                    </a:lnR>
-                    <a:lnT w="6350" cap="flat" cmpd="sng" algn="ctr">
-                      <a:solidFill>
-                        <a:srgbClr val="000000"/>
-                      </a:solidFill>
-                      <a:prstDash val="solid"/>
-                      <a:round/>
-                      <a:headEnd type="none" w="med" len="med"/>
-                      <a:tailEnd type="none" w="med" len="med"/>
-                    </a:lnT>
-                    <a:lnB w="6350" cap="flat" cmpd="sng" algn="ctr">
-                      <a:solidFill>
-                        <a:srgbClr val="000000"/>
-                      </a:solidFill>
-                      <a:prstDash val="solid"/>
-                      <a:round/>
-                      <a:headEnd type="none" w="med" len="med"/>
-                      <a:tailEnd type="none" w="med" len="med"/>
-                    </a:lnB>
-                  </a:tcPr>
-                </a:tc>
-                <a:tc>
-                  <a:txBody>
-                    <a:bodyPr/>
-                    <a:lstStyle/>
-                    <a:p>
-                      <a:pPr algn="l" fontAlgn="b"/>
-                      <a:r>
-                        <a:rPr lang="en-GB" sz="1400" b="0" i="0" u="none" strike="noStrike" dirty="0">
-                          <a:solidFill>
-                            <a:schemeClr val="tx1"/>
-                          </a:solidFill>
-                          <a:effectLst/>
-                          <a:latin typeface="Arial"/>
-                        </a:rPr>
-                        <a:t>Stress Talk</a:t>
-                      </a:r>
-                    </a:p>
-                  </a:txBody>
-                  <a:tcPr marL="91439" marR="91439" anchor="b">
-                    <a:lnL w="6350" cap="flat" cmpd="sng" algn="ctr">
-                      <a:solidFill>
-                        <a:srgbClr val="000000"/>
-                      </a:solidFill>
-                      <a:prstDash val="solid"/>
-                      <a:round/>
-                      <a:headEnd type="none" w="med" len="med"/>
-                      <a:tailEnd type="none" w="med" len="med"/>
-                    </a:lnL>
-                    <a:lnR w="6350" cap="flat" cmpd="sng" algn="ctr">
-                      <a:solidFill>
-                        <a:srgbClr val="000000"/>
-                      </a:solidFill>
-                      <a:prstDash val="solid"/>
-                      <a:round/>
-                      <a:headEnd type="none" w="med" len="med"/>
-                      <a:tailEnd type="none" w="med" len="med"/>
-                    </a:lnR>
-                    <a:lnT w="6350" cap="flat" cmpd="sng" algn="ctr">
-                      <a:solidFill>
-                        <a:srgbClr val="000000"/>
-                      </a:solidFill>
-                      <a:prstDash val="solid"/>
-                      <a:round/>
-                      <a:headEnd type="none" w="med" len="med"/>
-                      <a:tailEnd type="none" w="med" len="med"/>
-                    </a:lnT>
-                    <a:lnB w="6350" cap="flat" cmpd="sng" algn="ctr">
-                      <a:solidFill>
-                        <a:srgbClr val="000000"/>
-                      </a:solidFill>
-                      <a:prstDash val="solid"/>
-                      <a:round/>
-                      <a:headEnd type="none" w="med" len="med"/>
-                      <a:tailEnd type="none" w="med" len="med"/>
-                    </a:lnB>
-                  </a:tcPr>
-                </a:tc>
-                <a:extLst>
-                  <a:ext uri="{0D108BD9-81ED-4DB2-BD59-A6C34878D82A}">
-                    <a16:rowId xmlns:a16="http://schemas.microsoft.com/office/drawing/2014/main" val="10006"/>
-                  </a:ext>
-                </a:extLst>
-              </a:tr>
-              <a:tr h="329179">
-                <a:tc vMerge="1">
-                  <a:txBody>
-                    <a:bodyPr/>
-                    <a:lstStyle/>
-                    <a:p>
-                      <a:endParaRPr lang="en-GB"/>
-                    </a:p>
-                  </a:txBody>
-                  <a:tcPr/>
-                </a:tc>
-                <a:tc>
-                  <a:txBody>
-                    <a:bodyPr/>
-                    <a:lstStyle/>
-                    <a:p>
-                      <a:pPr algn="ctr" fontAlgn="b"/>
-                      <a:r>
-                        <a:rPr lang="en-GB" sz="1400" b="0" i="0" u="none" strike="noStrike" dirty="0">
-                          <a:solidFill>
-                            <a:schemeClr val="tx1"/>
-                          </a:solidFill>
-                          <a:effectLst/>
-                          <a:latin typeface="Arial"/>
-                        </a:rPr>
-                        <a:t>1600</a:t>
-                      </a:r>
-                    </a:p>
-                  </a:txBody>
-                  <a:tcPr marL="91439" marR="91439" anchor="b">
-                    <a:lnL w="6350" cap="flat" cmpd="sng" algn="ctr">
-                      <a:solidFill>
-                        <a:srgbClr val="000000"/>
-                      </a:solidFill>
-                      <a:prstDash val="solid"/>
-                      <a:round/>
-                      <a:headEnd type="none" w="med" len="med"/>
-                      <a:tailEnd type="none" w="med" len="med"/>
-                    </a:lnL>
-                    <a:lnR w="6350" cap="flat" cmpd="sng" algn="ctr">
-                      <a:solidFill>
-                        <a:srgbClr val="000000"/>
-                      </a:solidFill>
-                      <a:prstDash val="solid"/>
-                      <a:round/>
-                      <a:headEnd type="none" w="med" len="med"/>
-                      <a:tailEnd type="none" w="med" len="med"/>
-                    </a:lnR>
-                    <a:lnT w="6350" cap="flat" cmpd="sng" algn="ctr">
-                      <a:solidFill>
-                        <a:srgbClr val="000000"/>
-                      </a:solidFill>
-                      <a:prstDash val="solid"/>
-                      <a:round/>
-                      <a:headEnd type="none" w="med" len="med"/>
-                      <a:tailEnd type="none" w="med" len="med"/>
-                    </a:lnT>
-                    <a:lnB w="6350" cap="flat" cmpd="sng" algn="ctr">
-                      <a:solidFill>
-                        <a:srgbClr val="000000"/>
-                      </a:solidFill>
-                      <a:prstDash val="solid"/>
-                      <a:round/>
-                      <a:headEnd type="none" w="med" len="med"/>
-                      <a:tailEnd type="none" w="med" len="med"/>
-                    </a:lnB>
-                  </a:tcPr>
-                </a:tc>
-                <a:tc>
-                  <a:txBody>
-                    <a:bodyPr/>
-                    <a:lstStyle/>
-                    <a:p>
-                      <a:pPr algn="l" fontAlgn="b"/>
-                      <a:r>
-                        <a:rPr lang="en-GB" sz="1400" b="0" i="0" u="none" strike="noStrike" dirty="0">
-                          <a:solidFill>
-                            <a:schemeClr val="tx1"/>
-                          </a:solidFill>
-                          <a:effectLst/>
-                          <a:latin typeface="Arial"/>
-                        </a:rPr>
-                        <a:t>Tai Chi / </a:t>
-                      </a:r>
-                      <a:r>
-                        <a:rPr lang="en-GB" sz="1400" b="0" i="0" u="none" strike="noStrike" dirty="0" err="1">
-                          <a:solidFill>
-                            <a:schemeClr val="tx1"/>
-                          </a:solidFill>
-                          <a:effectLst/>
-                          <a:latin typeface="Arial"/>
-                        </a:rPr>
-                        <a:t>Heartmath</a:t>
-                      </a:r>
-                      <a:r>
-                        <a:rPr lang="en-GB" sz="1400" b="0" i="0" u="none" strike="noStrike" dirty="0">
-                          <a:solidFill>
-                            <a:schemeClr val="tx1"/>
-                          </a:solidFill>
-                          <a:effectLst/>
-                          <a:latin typeface="Arial"/>
-                        </a:rPr>
-                        <a:t> Based Practice</a:t>
-                      </a:r>
-                    </a:p>
-                  </a:txBody>
-                  <a:tcPr marL="91439" marR="91439" anchor="b">
-                    <a:lnL w="6350" cap="flat" cmpd="sng" algn="ctr">
-                      <a:solidFill>
-                        <a:srgbClr val="000000"/>
-                      </a:solidFill>
-                      <a:prstDash val="solid"/>
-                      <a:round/>
-                      <a:headEnd type="none" w="med" len="med"/>
-                      <a:tailEnd type="none" w="med" len="med"/>
-                    </a:lnL>
-                    <a:lnR w="6350" cap="flat" cmpd="sng" algn="ctr">
-                      <a:solidFill>
-                        <a:srgbClr val="000000"/>
-                      </a:solidFill>
-                      <a:prstDash val="solid"/>
-                      <a:round/>
-                      <a:headEnd type="none" w="med" len="med"/>
-                      <a:tailEnd type="none" w="med" len="med"/>
-                    </a:lnR>
-                    <a:lnT w="6350" cap="flat" cmpd="sng" algn="ctr">
-                      <a:solidFill>
-                        <a:srgbClr val="000000"/>
-                      </a:solidFill>
-                      <a:prstDash val="solid"/>
-                      <a:round/>
-                      <a:headEnd type="none" w="med" len="med"/>
-                      <a:tailEnd type="none" w="med" len="med"/>
-                    </a:lnT>
-                    <a:lnB w="6350" cap="flat" cmpd="sng" algn="ctr">
-                      <a:solidFill>
-                        <a:srgbClr val="000000"/>
-                      </a:solidFill>
-                      <a:prstDash val="solid"/>
-                      <a:round/>
-                      <a:headEnd type="none" w="med" len="med"/>
-                      <a:tailEnd type="none" w="med" len="med"/>
-                    </a:lnB>
-                  </a:tcPr>
-                </a:tc>
-                <a:extLst>
-                  <a:ext uri="{0D108BD9-81ED-4DB2-BD59-A6C34878D82A}">
-                    <a16:rowId xmlns:a16="http://schemas.microsoft.com/office/drawing/2014/main" val="10007"/>
-                  </a:ext>
-                </a:extLst>
-              </a:tr>
-              <a:tr h="329179">
-                <a:tc vMerge="1">
-                  <a:txBody>
-                    <a:bodyPr/>
-                    <a:lstStyle/>
-                    <a:p>
-                      <a:endParaRPr lang="en-GB"/>
-                    </a:p>
-                  </a:txBody>
-                  <a:tcPr/>
-                </a:tc>
-                <a:tc>
-                  <a:txBody>
-                    <a:bodyPr/>
-                    <a:lstStyle/>
-                    <a:p>
-                      <a:pPr algn="ctr" fontAlgn="b"/>
-                      <a:r>
-                        <a:rPr lang="en-GB" sz="1400" b="0" i="0" u="none" strike="noStrike" dirty="0">
-                          <a:solidFill>
-                            <a:schemeClr val="tx1"/>
-                          </a:solidFill>
-                          <a:effectLst/>
-                          <a:latin typeface="Arial"/>
-                        </a:rPr>
-                        <a:t>1800</a:t>
-                      </a:r>
-                    </a:p>
-                  </a:txBody>
-                  <a:tcPr marL="91439" marR="91439" anchor="b">
-                    <a:lnL w="6350" cap="flat" cmpd="sng" algn="ctr">
-                      <a:solidFill>
-                        <a:srgbClr val="000000"/>
-                      </a:solidFill>
-                      <a:prstDash val="solid"/>
-                      <a:round/>
-                      <a:headEnd type="none" w="med" len="med"/>
-                      <a:tailEnd type="none" w="med" len="med"/>
-                    </a:lnL>
-                    <a:lnR w="6350" cap="flat" cmpd="sng" algn="ctr">
-                      <a:solidFill>
-                        <a:srgbClr val="000000"/>
-                      </a:solidFill>
-                      <a:prstDash val="solid"/>
-                      <a:round/>
-                      <a:headEnd type="none" w="med" len="med"/>
-                      <a:tailEnd type="none" w="med" len="med"/>
-                    </a:lnR>
-                    <a:lnT w="6350" cap="flat" cmpd="sng" algn="ctr">
-                      <a:solidFill>
-                        <a:srgbClr val="000000"/>
-                      </a:solidFill>
-                      <a:prstDash val="solid"/>
-                      <a:round/>
-                      <a:headEnd type="none" w="med" len="med"/>
-                      <a:tailEnd type="none" w="med" len="med"/>
-                    </a:lnT>
-                    <a:lnB w="6350" cap="flat" cmpd="sng" algn="ctr">
-                      <a:solidFill>
-                        <a:srgbClr val="000000"/>
-                      </a:solidFill>
-                      <a:prstDash val="solid"/>
-                      <a:round/>
-                      <a:headEnd type="none" w="med" len="med"/>
-                      <a:tailEnd type="none" w="med" len="med"/>
-                    </a:lnB>
-                  </a:tcPr>
-                </a:tc>
-                <a:tc>
-                  <a:txBody>
-                    <a:bodyPr/>
-                    <a:lstStyle/>
-                    <a:p>
-                      <a:pPr algn="l" fontAlgn="b"/>
-                      <a:r>
-                        <a:rPr lang="en-GB" sz="1400" b="0" i="0" u="none" strike="noStrike" dirty="0">
-                          <a:solidFill>
-                            <a:schemeClr val="tx1"/>
-                          </a:solidFill>
-                          <a:effectLst/>
-                          <a:latin typeface="Arial"/>
-                        </a:rPr>
-                        <a:t>Nutrition</a:t>
-                      </a:r>
-                    </a:p>
-                  </a:txBody>
-                  <a:tcPr marL="91439" marR="91439" anchor="b">
-                    <a:lnL w="6350" cap="flat" cmpd="sng" algn="ctr">
-                      <a:solidFill>
-                        <a:srgbClr val="000000"/>
-                      </a:solidFill>
-                      <a:prstDash val="solid"/>
-                      <a:round/>
-                      <a:headEnd type="none" w="med" len="med"/>
-                      <a:tailEnd type="none" w="med" len="med"/>
-                    </a:lnL>
-                    <a:lnR w="6350" cap="flat" cmpd="sng" algn="ctr">
-                      <a:solidFill>
-                        <a:srgbClr val="000000"/>
-                      </a:solidFill>
-                      <a:prstDash val="solid"/>
-                      <a:round/>
-                      <a:headEnd type="none" w="med" len="med"/>
-                      <a:tailEnd type="none" w="med" len="med"/>
-                    </a:lnR>
-                    <a:lnT w="6350" cap="flat" cmpd="sng" algn="ctr">
-                      <a:solidFill>
-                        <a:srgbClr val="000000"/>
-                      </a:solidFill>
-                      <a:prstDash val="solid"/>
-                      <a:round/>
-                      <a:headEnd type="none" w="med" len="med"/>
-                      <a:tailEnd type="none" w="med" len="med"/>
-                    </a:lnT>
-                    <a:lnB w="6350" cap="flat" cmpd="sng" algn="ctr">
-                      <a:solidFill>
-                        <a:srgbClr val="000000"/>
-                      </a:solidFill>
-                      <a:prstDash val="solid"/>
-                      <a:round/>
-                      <a:headEnd type="none" w="med" len="med"/>
-                      <a:tailEnd type="none" w="med" len="med"/>
-                    </a:lnB>
-                  </a:tcPr>
-                </a:tc>
-                <a:extLst>
-                  <a:ext uri="{0D108BD9-81ED-4DB2-BD59-A6C34878D82A}">
-                    <a16:rowId xmlns:a16="http://schemas.microsoft.com/office/drawing/2014/main" val="10008"/>
-                  </a:ext>
-                </a:extLst>
-              </a:tr>
-              <a:tr h="329179">
-                <a:tc rowSpan="4">
-                  <a:txBody>
-                    <a:bodyPr/>
-                    <a:lstStyle/>
-                    <a:p>
-                      <a:pPr algn="l" fontAlgn="ctr"/>
-                      <a:r>
-                        <a:rPr lang="en-GB" sz="1400" b="0" i="0" u="none" strike="noStrike" dirty="0">
-                          <a:solidFill>
-                            <a:schemeClr val="tx1"/>
-                          </a:solidFill>
-                          <a:effectLst/>
-                          <a:latin typeface="Arial"/>
-                        </a:rPr>
-                        <a:t>Thursday</a:t>
-                      </a:r>
-                    </a:p>
-                  </a:txBody>
-                  <a:tcPr marL="91439" marR="91439" anchor="ctr">
-                    <a:lnL w="6350" cap="flat" cmpd="sng" algn="ctr">
-                      <a:solidFill>
-                        <a:srgbClr val="000000"/>
-                      </a:solidFill>
-                      <a:prstDash val="solid"/>
-                      <a:round/>
-                      <a:headEnd type="none" w="med" len="med"/>
-                      <a:tailEnd type="none" w="med" len="med"/>
-                    </a:lnL>
-                    <a:lnR w="6350" cap="flat" cmpd="sng" algn="ctr">
-                      <a:solidFill>
-                        <a:srgbClr val="000000"/>
-                      </a:solidFill>
-                      <a:prstDash val="solid"/>
-                      <a:round/>
-                      <a:headEnd type="none" w="med" len="med"/>
-                      <a:tailEnd type="none" w="med" len="med"/>
-                    </a:lnR>
-                    <a:lnT w="6350" cap="flat" cmpd="sng" algn="ctr">
-                      <a:solidFill>
-                        <a:srgbClr val="000000"/>
-                      </a:solidFill>
-                      <a:prstDash val="solid"/>
-                      <a:round/>
-                      <a:headEnd type="none" w="med" len="med"/>
-                      <a:tailEnd type="none" w="med" len="med"/>
-                    </a:lnT>
-                    <a:lnB w="6350" cap="flat" cmpd="sng" algn="ctr">
-                      <a:solidFill>
-                        <a:srgbClr val="000000"/>
-                      </a:solidFill>
-                      <a:prstDash val="solid"/>
-                      <a:round/>
-                      <a:headEnd type="none" w="med" len="med"/>
-                      <a:tailEnd type="none" w="med" len="med"/>
-                    </a:lnB>
-                  </a:tcPr>
-                </a:tc>
-                <a:tc>
-                  <a:txBody>
-                    <a:bodyPr/>
-                    <a:lstStyle/>
-                    <a:p>
-                      <a:pPr algn="ctr" fontAlgn="b"/>
-                      <a:r>
-                        <a:rPr lang="en-GB" sz="1400" b="0" i="0" u="none" strike="noStrike" dirty="0">
-                          <a:solidFill>
-                            <a:schemeClr val="tx1"/>
-                          </a:solidFill>
-                          <a:effectLst/>
-                          <a:latin typeface="Arial"/>
-                        </a:rPr>
-                        <a:t>1000</a:t>
-                      </a:r>
-                    </a:p>
-                  </a:txBody>
-                  <a:tcPr marL="91439" marR="91439" anchor="b">
-                    <a:lnL w="6350" cap="flat" cmpd="sng" algn="ctr">
-                      <a:solidFill>
-                        <a:srgbClr val="000000"/>
-                      </a:solidFill>
-                      <a:prstDash val="solid"/>
-                      <a:round/>
-                      <a:headEnd type="none" w="med" len="med"/>
-                      <a:tailEnd type="none" w="med" len="med"/>
-                    </a:lnL>
-                    <a:lnR w="6350" cap="flat" cmpd="sng" algn="ctr">
-                      <a:solidFill>
-                        <a:srgbClr val="000000"/>
-                      </a:solidFill>
-                      <a:prstDash val="solid"/>
-                      <a:round/>
-                      <a:headEnd type="none" w="med" len="med"/>
-                      <a:tailEnd type="none" w="med" len="med"/>
-                    </a:lnR>
-                    <a:lnT w="6350" cap="flat" cmpd="sng" algn="ctr">
-                      <a:solidFill>
-                        <a:srgbClr val="000000"/>
-                      </a:solidFill>
-                      <a:prstDash val="solid"/>
-                      <a:round/>
-                      <a:headEnd type="none" w="med" len="med"/>
-                      <a:tailEnd type="none" w="med" len="med"/>
-                    </a:lnT>
-                    <a:lnB w="6350" cap="flat" cmpd="sng" algn="ctr">
-                      <a:solidFill>
-                        <a:srgbClr val="000000"/>
-                      </a:solidFill>
-                      <a:prstDash val="solid"/>
-                      <a:round/>
-                      <a:headEnd type="none" w="med" len="med"/>
-                      <a:tailEnd type="none" w="med" len="med"/>
-                    </a:lnB>
-                  </a:tcPr>
-                </a:tc>
-                <a:tc>
-                  <a:txBody>
-                    <a:bodyPr/>
-                    <a:lstStyle/>
-                    <a:p>
-                      <a:pPr algn="l" fontAlgn="b"/>
-                      <a:r>
-                        <a:rPr lang="en-GB" sz="1400" b="0" i="0" u="none" strike="noStrike" dirty="0">
-                          <a:solidFill>
-                            <a:schemeClr val="tx1"/>
-                          </a:solidFill>
-                          <a:effectLst/>
-                          <a:latin typeface="Arial"/>
-                        </a:rPr>
-                        <a:t>Mindful Movement / </a:t>
-                      </a:r>
-                      <a:r>
-                        <a:rPr lang="en-GB" sz="1400" b="0" i="0" u="none" strike="noStrike" dirty="0" err="1">
-                          <a:solidFill>
-                            <a:schemeClr val="tx1"/>
-                          </a:solidFill>
-                          <a:effectLst/>
-                          <a:latin typeface="Arial"/>
-                        </a:rPr>
-                        <a:t>Breathwork</a:t>
-                      </a:r>
-                      <a:endParaRPr lang="en-GB" sz="1400" b="0" i="0" u="none" strike="noStrike" dirty="0">
-                        <a:solidFill>
-                          <a:schemeClr val="tx1"/>
-                        </a:solidFill>
-                        <a:effectLst/>
-                        <a:latin typeface="Arial"/>
-                      </a:endParaRPr>
-                    </a:p>
-                  </a:txBody>
-                  <a:tcPr marL="91439" marR="91439" anchor="b">
-                    <a:lnL w="6350" cap="flat" cmpd="sng" algn="ctr">
-                      <a:solidFill>
-                        <a:srgbClr val="000000"/>
-                      </a:solidFill>
-                      <a:prstDash val="solid"/>
-                      <a:round/>
-                      <a:headEnd type="none" w="med" len="med"/>
-                      <a:tailEnd type="none" w="med" len="med"/>
-                    </a:lnL>
-                    <a:lnR w="6350" cap="flat" cmpd="sng" algn="ctr">
-                      <a:solidFill>
-                        <a:srgbClr val="000000"/>
-                      </a:solidFill>
-                      <a:prstDash val="solid"/>
-                      <a:round/>
-                      <a:headEnd type="none" w="med" len="med"/>
-                      <a:tailEnd type="none" w="med" len="med"/>
-                    </a:lnR>
-                    <a:lnT w="6350" cap="flat" cmpd="sng" algn="ctr">
-                      <a:solidFill>
-                        <a:srgbClr val="000000"/>
-                      </a:solidFill>
-                      <a:prstDash val="solid"/>
-                      <a:round/>
-                      <a:headEnd type="none" w="med" len="med"/>
-                      <a:tailEnd type="none" w="med" len="med"/>
-                    </a:lnT>
-                    <a:lnB w="6350" cap="flat" cmpd="sng" algn="ctr">
-                      <a:solidFill>
-                        <a:srgbClr val="000000"/>
-                      </a:solidFill>
-                      <a:prstDash val="solid"/>
-                      <a:round/>
-                      <a:headEnd type="none" w="med" len="med"/>
-                      <a:tailEnd type="none" w="med" len="med"/>
-                    </a:lnB>
-                  </a:tcPr>
-                </a:tc>
-                <a:extLst>
-                  <a:ext uri="{0D108BD9-81ED-4DB2-BD59-A6C34878D82A}">
-                    <a16:rowId xmlns:a16="http://schemas.microsoft.com/office/drawing/2014/main" val="10009"/>
-                  </a:ext>
-                </a:extLst>
-              </a:tr>
-              <a:tr h="329179">
-                <a:tc vMerge="1">
-                  <a:txBody>
-                    <a:bodyPr/>
-                    <a:lstStyle/>
-                    <a:p>
-                      <a:endParaRPr lang="en-GB"/>
-                    </a:p>
-                  </a:txBody>
-                  <a:tcPr/>
-                </a:tc>
-                <a:tc>
-                  <a:txBody>
-                    <a:bodyPr/>
-                    <a:lstStyle/>
-                    <a:p>
-                      <a:pPr algn="ctr" fontAlgn="b"/>
-                      <a:r>
-                        <a:rPr lang="en-GB" sz="1400" b="0" i="0" u="none" strike="noStrike" dirty="0">
-                          <a:solidFill>
-                            <a:schemeClr val="tx1"/>
-                          </a:solidFill>
-                          <a:effectLst/>
-                          <a:latin typeface="Arial"/>
-                        </a:rPr>
-                        <a:t>1100</a:t>
-                      </a:r>
-                    </a:p>
-                  </a:txBody>
-                  <a:tcPr marL="91439" marR="91439" anchor="b">
-                    <a:lnL w="6350" cap="flat" cmpd="sng" algn="ctr">
-                      <a:solidFill>
-                        <a:srgbClr val="000000"/>
-                      </a:solidFill>
-                      <a:prstDash val="solid"/>
-                      <a:round/>
-                      <a:headEnd type="none" w="med" len="med"/>
-                      <a:tailEnd type="none" w="med" len="med"/>
-                    </a:lnL>
-                    <a:lnR w="6350" cap="flat" cmpd="sng" algn="ctr">
-                      <a:solidFill>
-                        <a:srgbClr val="000000"/>
-                      </a:solidFill>
-                      <a:prstDash val="solid"/>
-                      <a:round/>
-                      <a:headEnd type="none" w="med" len="med"/>
-                      <a:tailEnd type="none" w="med" len="med"/>
-                    </a:lnR>
-                    <a:lnT w="6350" cap="flat" cmpd="sng" algn="ctr">
-                      <a:solidFill>
-                        <a:srgbClr val="000000"/>
-                      </a:solidFill>
-                      <a:prstDash val="solid"/>
-                      <a:round/>
-                      <a:headEnd type="none" w="med" len="med"/>
-                      <a:tailEnd type="none" w="med" len="med"/>
-                    </a:lnT>
-                    <a:lnB w="6350" cap="flat" cmpd="sng" algn="ctr">
-                      <a:solidFill>
-                        <a:srgbClr val="000000"/>
-                      </a:solidFill>
-                      <a:prstDash val="solid"/>
-                      <a:round/>
-                      <a:headEnd type="none" w="med" len="med"/>
-                      <a:tailEnd type="none" w="med" len="med"/>
-                    </a:lnB>
-                  </a:tcPr>
-                </a:tc>
-                <a:tc>
-                  <a:txBody>
-                    <a:bodyPr/>
-                    <a:lstStyle/>
-                    <a:p>
-                      <a:pPr algn="l" fontAlgn="b"/>
-                      <a:r>
-                        <a:rPr lang="en-GB" sz="1400" b="0" i="0" u="none" strike="noStrike" dirty="0">
-                          <a:solidFill>
-                            <a:schemeClr val="tx1"/>
-                          </a:solidFill>
-                          <a:effectLst/>
-                          <a:latin typeface="Arial"/>
-                        </a:rPr>
-                        <a:t>Introduction to Exercise</a:t>
-                      </a:r>
-                    </a:p>
-                  </a:txBody>
-                  <a:tcPr marL="91439" marR="91439" anchor="b">
-                    <a:lnL w="6350" cap="flat" cmpd="sng" algn="ctr">
-                      <a:solidFill>
-                        <a:srgbClr val="000000"/>
-                      </a:solidFill>
-                      <a:prstDash val="solid"/>
-                      <a:round/>
-                      <a:headEnd type="none" w="med" len="med"/>
-                      <a:tailEnd type="none" w="med" len="med"/>
-                    </a:lnL>
-                    <a:lnR w="6350" cap="flat" cmpd="sng" algn="ctr">
-                      <a:solidFill>
-                        <a:srgbClr val="000000"/>
-                      </a:solidFill>
-                      <a:prstDash val="solid"/>
-                      <a:round/>
-                      <a:headEnd type="none" w="med" len="med"/>
-                      <a:tailEnd type="none" w="med" len="med"/>
-                    </a:lnR>
-                    <a:lnT w="6350" cap="flat" cmpd="sng" algn="ctr">
-                      <a:solidFill>
-                        <a:srgbClr val="000000"/>
-                      </a:solidFill>
-                      <a:prstDash val="solid"/>
-                      <a:round/>
-                      <a:headEnd type="none" w="med" len="med"/>
-                      <a:tailEnd type="none" w="med" len="med"/>
-                    </a:lnT>
-                    <a:lnB w="6350" cap="flat" cmpd="sng" algn="ctr">
-                      <a:solidFill>
-                        <a:srgbClr val="000000"/>
-                      </a:solidFill>
-                      <a:prstDash val="solid"/>
-                      <a:round/>
-                      <a:headEnd type="none" w="med" len="med"/>
-                      <a:tailEnd type="none" w="med" len="med"/>
-                    </a:lnB>
-                  </a:tcPr>
-                </a:tc>
-                <a:extLst>
-                  <a:ext uri="{0D108BD9-81ED-4DB2-BD59-A6C34878D82A}">
-                    <a16:rowId xmlns:a16="http://schemas.microsoft.com/office/drawing/2014/main" val="10010"/>
-                  </a:ext>
-                </a:extLst>
-              </a:tr>
-              <a:tr h="329179">
-                <a:tc vMerge="1">
-                  <a:txBody>
-                    <a:bodyPr/>
-                    <a:lstStyle/>
-                    <a:p>
-                      <a:endParaRPr lang="en-GB"/>
-                    </a:p>
-                  </a:txBody>
-                  <a:tcPr/>
-                </a:tc>
-                <a:tc>
-                  <a:txBody>
-                    <a:bodyPr/>
-                    <a:lstStyle/>
-                    <a:p>
-                      <a:pPr algn="ctr" fontAlgn="b"/>
-                      <a:r>
-                        <a:rPr lang="en-GB" sz="1400" b="0" i="0" u="none" strike="noStrike">
-                          <a:solidFill>
-                            <a:schemeClr val="tx1"/>
-                          </a:solidFill>
-                          <a:effectLst/>
-                          <a:latin typeface="Arial"/>
-                        </a:rPr>
-                        <a:t>1515</a:t>
-                      </a:r>
-                    </a:p>
-                  </a:txBody>
-                  <a:tcPr marL="91439" marR="91439" anchor="b">
-                    <a:lnL w="6350" cap="flat" cmpd="sng" algn="ctr">
-                      <a:solidFill>
-                        <a:srgbClr val="000000"/>
-                      </a:solidFill>
-                      <a:prstDash val="solid"/>
-                      <a:round/>
-                      <a:headEnd type="none" w="med" len="med"/>
-                      <a:tailEnd type="none" w="med" len="med"/>
-                    </a:lnL>
-                    <a:lnR w="6350" cap="flat" cmpd="sng" algn="ctr">
-                      <a:solidFill>
-                        <a:srgbClr val="000000"/>
-                      </a:solidFill>
-                      <a:prstDash val="solid"/>
-                      <a:round/>
-                      <a:headEnd type="none" w="med" len="med"/>
-                      <a:tailEnd type="none" w="med" len="med"/>
-                    </a:lnR>
-                    <a:lnT w="6350" cap="flat" cmpd="sng" algn="ctr">
-                      <a:solidFill>
-                        <a:srgbClr val="000000"/>
-                      </a:solidFill>
-                      <a:prstDash val="solid"/>
-                      <a:round/>
-                      <a:headEnd type="none" w="med" len="med"/>
-                      <a:tailEnd type="none" w="med" len="med"/>
-                    </a:lnT>
-                    <a:lnB w="6350" cap="flat" cmpd="sng" algn="ctr">
-                      <a:solidFill>
-                        <a:srgbClr val="000000"/>
-                      </a:solidFill>
-                      <a:prstDash val="solid"/>
-                      <a:round/>
-                      <a:headEnd type="none" w="med" len="med"/>
-                      <a:tailEnd type="none" w="med" len="med"/>
-                    </a:lnB>
-                  </a:tcPr>
-                </a:tc>
-                <a:tc>
-                  <a:txBody>
-                    <a:bodyPr/>
-                    <a:lstStyle/>
-                    <a:p>
-                      <a:pPr algn="l" fontAlgn="b"/>
-                      <a:r>
-                        <a:rPr lang="en-GB" sz="1400" b="0" i="0" u="none" strike="noStrike" dirty="0">
-                          <a:solidFill>
-                            <a:schemeClr val="tx1"/>
-                          </a:solidFill>
-                          <a:effectLst/>
-                          <a:latin typeface="Arial"/>
-                        </a:rPr>
-                        <a:t>Art Therapy</a:t>
-                      </a:r>
-                    </a:p>
-                  </a:txBody>
-                  <a:tcPr marL="91439" marR="91439" anchor="b">
-                    <a:lnL w="6350" cap="flat" cmpd="sng" algn="ctr">
-                      <a:solidFill>
-                        <a:srgbClr val="000000"/>
-                      </a:solidFill>
-                      <a:prstDash val="solid"/>
-                      <a:round/>
-                      <a:headEnd type="none" w="med" len="med"/>
-                      <a:tailEnd type="none" w="med" len="med"/>
-                    </a:lnL>
-                    <a:lnR w="6350" cap="flat" cmpd="sng" algn="ctr">
-                      <a:solidFill>
-                        <a:srgbClr val="000000"/>
-                      </a:solidFill>
-                      <a:prstDash val="solid"/>
-                      <a:round/>
-                      <a:headEnd type="none" w="med" len="med"/>
-                      <a:tailEnd type="none" w="med" len="med"/>
-                    </a:lnR>
-                    <a:lnT w="6350" cap="flat" cmpd="sng" algn="ctr">
-                      <a:solidFill>
-                        <a:srgbClr val="000000"/>
-                      </a:solidFill>
-                      <a:prstDash val="solid"/>
-                      <a:round/>
-                      <a:headEnd type="none" w="med" len="med"/>
-                      <a:tailEnd type="none" w="med" len="med"/>
-                    </a:lnT>
-                    <a:lnB w="6350" cap="flat" cmpd="sng" algn="ctr">
-                      <a:solidFill>
-                        <a:srgbClr val="000000"/>
-                      </a:solidFill>
-                      <a:prstDash val="solid"/>
-                      <a:round/>
-                      <a:headEnd type="none" w="med" len="med"/>
-                      <a:tailEnd type="none" w="med" len="med"/>
-                    </a:lnB>
-                  </a:tcPr>
-                </a:tc>
-                <a:extLst>
-                  <a:ext uri="{0D108BD9-81ED-4DB2-BD59-A6C34878D82A}">
-                    <a16:rowId xmlns:a16="http://schemas.microsoft.com/office/drawing/2014/main" val="10011"/>
-                  </a:ext>
-                </a:extLst>
-              </a:tr>
-              <a:tr h="329179">
-                <a:tc vMerge="1">
-                  <a:txBody>
-                    <a:bodyPr/>
-                    <a:lstStyle/>
-                    <a:p>
-                      <a:endParaRPr lang="en-GB"/>
-                    </a:p>
-                  </a:txBody>
-                  <a:tcPr/>
-                </a:tc>
-                <a:tc>
-                  <a:txBody>
-                    <a:bodyPr/>
-                    <a:lstStyle/>
-                    <a:p>
-                      <a:pPr algn="ctr" fontAlgn="b"/>
-                      <a:r>
-                        <a:rPr lang="en-GB" sz="1400" b="0" i="0" u="none" strike="noStrike">
-                          <a:solidFill>
-                            <a:schemeClr val="tx1"/>
-                          </a:solidFill>
-                          <a:effectLst/>
-                          <a:latin typeface="Arial"/>
-                        </a:rPr>
-                        <a:t>1800</a:t>
-                      </a:r>
-                    </a:p>
-                  </a:txBody>
-                  <a:tcPr marL="91439" marR="91439" anchor="b">
-                    <a:lnL w="6350" cap="flat" cmpd="sng" algn="ctr">
-                      <a:solidFill>
-                        <a:srgbClr val="000000"/>
-                      </a:solidFill>
-                      <a:prstDash val="solid"/>
-                      <a:round/>
-                      <a:headEnd type="none" w="med" len="med"/>
-                      <a:tailEnd type="none" w="med" len="med"/>
-                    </a:lnL>
-                    <a:lnR w="6350" cap="flat" cmpd="sng" algn="ctr">
-                      <a:solidFill>
-                        <a:srgbClr val="000000"/>
-                      </a:solidFill>
-                      <a:prstDash val="solid"/>
-                      <a:round/>
-                      <a:headEnd type="none" w="med" len="med"/>
-                      <a:tailEnd type="none" w="med" len="med"/>
-                    </a:lnR>
-                    <a:lnT w="6350" cap="flat" cmpd="sng" algn="ctr">
-                      <a:solidFill>
-                        <a:srgbClr val="000000"/>
-                      </a:solidFill>
-                      <a:prstDash val="solid"/>
-                      <a:round/>
-                      <a:headEnd type="none" w="med" len="med"/>
-                      <a:tailEnd type="none" w="med" len="med"/>
-                    </a:lnT>
-                    <a:lnB w="6350" cap="flat" cmpd="sng" algn="ctr">
-                      <a:solidFill>
-                        <a:srgbClr val="000000"/>
-                      </a:solidFill>
-                      <a:prstDash val="solid"/>
-                      <a:round/>
-                      <a:headEnd type="none" w="med" len="med"/>
-                      <a:tailEnd type="none" w="med" len="med"/>
-                    </a:lnB>
-                  </a:tcPr>
-                </a:tc>
-                <a:tc>
-                  <a:txBody>
-                    <a:bodyPr/>
-                    <a:lstStyle/>
-                    <a:p>
-                      <a:pPr marL="0" marR="0" indent="0" algn="l" defTabSz="914400" rtl="0" eaLnBrk="1" fontAlgn="b" latinLnBrk="0" hangingPunct="1">
-                        <a:lnSpc>
-                          <a:spcPct val="100000"/>
-                        </a:lnSpc>
-                        <a:spcBef>
-                          <a:spcPts val="0"/>
-                        </a:spcBef>
-                        <a:spcAft>
-                          <a:spcPts val="0"/>
-                        </a:spcAft>
-                        <a:buClrTx/>
-                        <a:buSzTx/>
-                        <a:buFontTx/>
-                        <a:buNone/>
-                        <a:tabLst/>
-                        <a:defRPr/>
-                      </a:pPr>
-                      <a:r>
-                        <a:rPr lang="en-GB" sz="1400" b="0" i="0" u="none" strike="noStrike" dirty="0">
-                          <a:solidFill>
-                            <a:schemeClr val="tx1"/>
-                          </a:solidFill>
-                          <a:effectLst/>
-                          <a:latin typeface="Arial"/>
-                        </a:rPr>
-                        <a:t>23.5 Hour Day Video, Moving Forward </a:t>
-                      </a:r>
-                      <a:r>
-                        <a:rPr lang="en-GB" sz="1400" b="0" i="0" u="none" strike="noStrike" dirty="0">
-                          <a:solidFill>
-                            <a:schemeClr val="tx1"/>
-                          </a:solidFill>
-                          <a:effectLst/>
-                          <a:latin typeface="+mn-lt"/>
-                        </a:rPr>
-                        <a:t>/</a:t>
-                      </a:r>
-                      <a:r>
-                        <a:rPr lang="en-GB" sz="1400" b="0" i="0" u="none" strike="noStrike" dirty="0" err="1">
-                          <a:solidFill>
-                            <a:schemeClr val="tx1"/>
-                          </a:solidFill>
-                          <a:effectLst/>
-                          <a:latin typeface="+mn-lt"/>
-                        </a:rPr>
-                        <a:t>Heartmath</a:t>
-                      </a:r>
-                      <a:r>
-                        <a:rPr lang="en-GB" sz="1400" b="0" i="0" u="none" strike="noStrike" dirty="0">
-                          <a:solidFill>
-                            <a:schemeClr val="tx1"/>
-                          </a:solidFill>
-                          <a:effectLst/>
-                          <a:latin typeface="+mn-lt"/>
-                        </a:rPr>
-                        <a:t> </a:t>
-                      </a:r>
-                    </a:p>
-                  </a:txBody>
-                  <a:tcPr marL="91439" marR="91439" anchor="b">
-                    <a:lnL w="6350" cap="flat" cmpd="sng" algn="ctr">
-                      <a:solidFill>
-                        <a:srgbClr val="000000"/>
-                      </a:solidFill>
-                      <a:prstDash val="solid"/>
-                      <a:round/>
-                      <a:headEnd type="none" w="med" len="med"/>
-                      <a:tailEnd type="none" w="med" len="med"/>
-                    </a:lnL>
-                    <a:lnR w="6350" cap="flat" cmpd="sng" algn="ctr">
-                      <a:solidFill>
-                        <a:srgbClr val="000000"/>
-                      </a:solidFill>
-                      <a:prstDash val="solid"/>
-                      <a:round/>
-                      <a:headEnd type="none" w="med" len="med"/>
-                      <a:tailEnd type="none" w="med" len="med"/>
-                    </a:lnR>
-                    <a:lnT w="6350" cap="flat" cmpd="sng" algn="ctr">
-                      <a:solidFill>
-                        <a:srgbClr val="000000"/>
-                      </a:solidFill>
-                      <a:prstDash val="solid"/>
-                      <a:round/>
-                      <a:headEnd type="none" w="med" len="med"/>
-                      <a:tailEnd type="none" w="med" len="med"/>
-                    </a:lnT>
-                    <a:lnB w="6350" cap="flat" cmpd="sng" algn="ctr">
-                      <a:solidFill>
-                        <a:srgbClr val="000000"/>
-                      </a:solidFill>
-                      <a:prstDash val="solid"/>
-                      <a:round/>
-                      <a:headEnd type="none" w="med" len="med"/>
-                      <a:tailEnd type="none" w="med" len="med"/>
-                    </a:lnB>
-                  </a:tcPr>
-                </a:tc>
-                <a:extLst>
-                  <a:ext uri="{0D108BD9-81ED-4DB2-BD59-A6C34878D82A}">
-                    <a16:rowId xmlns:a16="http://schemas.microsoft.com/office/drawing/2014/main" val="10012"/>
-                  </a:ext>
-                </a:extLst>
-              </a:tr>
-              <a:tr h="329179">
-                <a:tc>
-                  <a:txBody>
-                    <a:bodyPr/>
-                    <a:lstStyle/>
-                    <a:p>
-                      <a:pPr algn="l" fontAlgn="ctr"/>
-                      <a:r>
-                        <a:rPr lang="en-GB" sz="1400" b="0" i="0" u="none" strike="noStrike" dirty="0">
-                          <a:solidFill>
-                            <a:schemeClr val="tx1"/>
-                          </a:solidFill>
-                          <a:effectLst/>
-                          <a:latin typeface="Arial"/>
-                        </a:rPr>
-                        <a:t>Friday</a:t>
-                      </a:r>
-                    </a:p>
-                  </a:txBody>
-                  <a:tcPr marL="91439" marR="91439" anchor="ctr">
-                    <a:lnL w="6350" cap="flat" cmpd="sng" algn="ctr">
-                      <a:solidFill>
-                        <a:srgbClr val="000000"/>
-                      </a:solidFill>
-                      <a:prstDash val="solid"/>
-                      <a:round/>
-                      <a:headEnd type="none" w="med" len="med"/>
-                      <a:tailEnd type="none" w="med" len="med"/>
-                    </a:lnL>
-                    <a:lnR w="6350" cap="flat" cmpd="sng" algn="ctr">
-                      <a:solidFill>
-                        <a:srgbClr val="000000"/>
-                      </a:solidFill>
-                      <a:prstDash val="solid"/>
-                      <a:round/>
-                      <a:headEnd type="none" w="med" len="med"/>
-                      <a:tailEnd type="none" w="med" len="med"/>
-                    </a:lnR>
-                    <a:lnT w="6350" cap="flat" cmpd="sng" algn="ctr">
-                      <a:solidFill>
-                        <a:srgbClr val="000000"/>
-                      </a:solidFill>
-                      <a:prstDash val="solid"/>
-                      <a:round/>
-                      <a:headEnd type="none" w="med" len="med"/>
-                      <a:tailEnd type="none" w="med" len="med"/>
-                    </a:lnT>
-                    <a:lnB w="6350" cap="flat" cmpd="sng" algn="ctr">
-                      <a:solidFill>
-                        <a:srgbClr val="000000"/>
-                      </a:solidFill>
-                      <a:prstDash val="solid"/>
-                      <a:round/>
-                      <a:headEnd type="none" w="med" len="med"/>
-                      <a:tailEnd type="none" w="med" len="med"/>
-                    </a:lnB>
-                  </a:tcPr>
-                </a:tc>
-                <a:tc>
-                  <a:txBody>
-                    <a:bodyPr/>
-                    <a:lstStyle/>
-                    <a:p>
-                      <a:pPr algn="ctr" fontAlgn="b"/>
-                      <a:r>
-                        <a:rPr lang="en-GB" sz="1400" b="0" i="0" u="none" strike="noStrike">
-                          <a:solidFill>
-                            <a:schemeClr val="tx1"/>
-                          </a:solidFill>
-                          <a:effectLst/>
-                          <a:latin typeface="Arial"/>
-                        </a:rPr>
-                        <a:t>1000</a:t>
-                      </a:r>
-                    </a:p>
-                  </a:txBody>
-                  <a:tcPr marL="91439" marR="91439" anchor="b">
-                    <a:lnL w="6350" cap="flat" cmpd="sng" algn="ctr">
-                      <a:solidFill>
-                        <a:srgbClr val="000000"/>
-                      </a:solidFill>
-                      <a:prstDash val="solid"/>
-                      <a:round/>
-                      <a:headEnd type="none" w="med" len="med"/>
-                      <a:tailEnd type="none" w="med" len="med"/>
-                    </a:lnL>
-                    <a:lnR w="6350" cap="flat" cmpd="sng" algn="ctr">
-                      <a:solidFill>
-                        <a:srgbClr val="000000"/>
-                      </a:solidFill>
-                      <a:prstDash val="solid"/>
-                      <a:round/>
-                      <a:headEnd type="none" w="med" len="med"/>
-                      <a:tailEnd type="none" w="med" len="med"/>
-                    </a:lnR>
-                    <a:lnT w="6350" cap="flat" cmpd="sng" algn="ctr">
-                      <a:solidFill>
-                        <a:srgbClr val="000000"/>
-                      </a:solidFill>
-                      <a:prstDash val="solid"/>
-                      <a:round/>
-                      <a:headEnd type="none" w="med" len="med"/>
-                      <a:tailEnd type="none" w="med" len="med"/>
-                    </a:lnT>
-                    <a:lnB w="6350" cap="flat" cmpd="sng" algn="ctr">
-                      <a:solidFill>
-                        <a:srgbClr val="000000"/>
-                      </a:solidFill>
-                      <a:prstDash val="solid"/>
-                      <a:round/>
-                      <a:headEnd type="none" w="med" len="med"/>
-                      <a:tailEnd type="none" w="med" len="med"/>
-                    </a:lnB>
-                  </a:tcPr>
-                </a:tc>
-                <a:tc>
-                  <a:txBody>
-                    <a:bodyPr/>
-                    <a:lstStyle/>
-                    <a:p>
-                      <a:pPr algn="l" fontAlgn="b"/>
-                      <a:r>
-                        <a:rPr lang="en-GB" sz="1400" b="0" i="0" u="none" strike="noStrike" dirty="0">
-                          <a:solidFill>
-                            <a:schemeClr val="tx1"/>
-                          </a:solidFill>
-                          <a:effectLst/>
-                          <a:latin typeface="Arial"/>
-                        </a:rPr>
-                        <a:t>Tai Chi / </a:t>
-                      </a:r>
-                      <a:r>
-                        <a:rPr lang="en-GB" sz="1400" b="0" i="0" u="none" strike="noStrike" dirty="0" err="1">
-                          <a:solidFill>
-                            <a:schemeClr val="tx1"/>
-                          </a:solidFill>
-                          <a:effectLst/>
-                          <a:latin typeface="Arial"/>
-                        </a:rPr>
-                        <a:t>Heartmath</a:t>
-                      </a:r>
-                      <a:r>
-                        <a:rPr lang="en-GB" sz="1400" b="0" i="0" u="none" strike="noStrike" dirty="0">
-                          <a:solidFill>
-                            <a:schemeClr val="tx1"/>
-                          </a:solidFill>
-                          <a:effectLst/>
-                          <a:latin typeface="Arial"/>
-                        </a:rPr>
-                        <a:t> Based Practice</a:t>
-                      </a:r>
-                    </a:p>
-                  </a:txBody>
-                  <a:tcPr marL="91439" marR="91439" anchor="b">
-                    <a:lnL w="6350" cap="flat" cmpd="sng" algn="ctr">
-                      <a:solidFill>
-                        <a:srgbClr val="000000"/>
-                      </a:solidFill>
-                      <a:prstDash val="solid"/>
-                      <a:round/>
-                      <a:headEnd type="none" w="med" len="med"/>
-                      <a:tailEnd type="none" w="med" len="med"/>
-                    </a:lnL>
-                    <a:lnR w="6350" cap="flat" cmpd="sng" algn="ctr">
-                      <a:solidFill>
-                        <a:srgbClr val="000000"/>
-                      </a:solidFill>
-                      <a:prstDash val="solid"/>
-                      <a:round/>
-                      <a:headEnd type="none" w="med" len="med"/>
-                      <a:tailEnd type="none" w="med" len="med"/>
-                    </a:lnR>
-                    <a:lnT w="6350" cap="flat" cmpd="sng" algn="ctr">
-                      <a:solidFill>
-                        <a:srgbClr val="000000"/>
-                      </a:solidFill>
-                      <a:prstDash val="solid"/>
-                      <a:round/>
-                      <a:headEnd type="none" w="med" len="med"/>
-                      <a:tailEnd type="none" w="med" len="med"/>
-                    </a:lnT>
-                    <a:lnB w="6350" cap="flat" cmpd="sng" algn="ctr">
-                      <a:solidFill>
-                        <a:srgbClr val="000000"/>
-                      </a:solidFill>
-                      <a:prstDash val="solid"/>
-                      <a:round/>
-                      <a:headEnd type="none" w="med" len="med"/>
-                      <a:tailEnd type="none" w="med" len="med"/>
-                    </a:lnB>
-                  </a:tcPr>
-                </a:tc>
-                <a:extLst>
-                  <a:ext uri="{0D108BD9-81ED-4DB2-BD59-A6C34878D82A}">
-                    <a16:rowId xmlns:a16="http://schemas.microsoft.com/office/drawing/2014/main" val="10013"/>
-                  </a:ext>
-                </a:extLst>
-              </a:tr>
-            </a:tbl>
-          </a:graphicData>
-        </a:graphic>
-      </p:graphicFrame>
-      <p:sp>
-        <p:nvSpPr>
-          <p:cNvPr id="15417" name="Content Placeholder 2">
-            <a:extLst>
-              <a:ext uri="{FF2B5EF4-FFF2-40B4-BE49-F238E27FC236}">
-                <a16:creationId xmlns:a16="http://schemas.microsoft.com/office/drawing/2014/main" id="{8BF0E3A4-3D47-C8B3-08D5-3F560DE87066}"/>
-              </a:ext>
-            </a:extLst>
-          </p:cNvPr>
-          <p:cNvSpPr>
-            <a:spLocks noGrp="1"/>
-          </p:cNvSpPr>
-          <p:nvPr>
-            <p:ph idx="1"/>
-          </p:nvPr>
-        </p:nvSpPr>
+        </p:nvPicPr>
+        <p:blipFill>
+          <a:blip r:embed="rId3"/>
+          <a:stretch>
+            <a:fillRect/>
+          </a:stretch>
+        </p:blipFill>
         <p:spPr>
           <a:xfrm>
-            <a:off x="755650" y="6092825"/>
-            <a:ext cx="8064500" cy="765175"/>
+            <a:off x="107504" y="955189"/>
+            <a:ext cx="4360375" cy="2686527"/>
           </a:xfrm>
-        </p:spPr>
-        <p:txBody>
-          <a:bodyPr/>
-          <a:lstStyle/>
-          <a:p>
-            <a:pPr>
-              <a:buFontTx/>
-              <a:buNone/>
-            </a:pPr>
-            <a:r>
-              <a:rPr lang="en-GB" altLang="en-US" sz="2400"/>
-              <a:t>All of these services are available on an outpatient basis</a:t>
-            </a:r>
-          </a:p>
-          <a:p>
-            <a:pPr>
-              <a:buFontTx/>
-              <a:buNone/>
-            </a:pPr>
-            <a:endParaRPr lang="en-GB" altLang="en-US"/>
-          </a:p>
-        </p:txBody>
-      </p:sp>
+          <a:prstGeom prst="rect">
+            <a:avLst/>
+          </a:prstGeom>
+        </p:spPr>
+      </p:pic>
+      <p:pic>
+        <p:nvPicPr>
+          <p:cNvPr id="5" name="Picture 4">
+            <a:extLst>
+              <a:ext uri="{FF2B5EF4-FFF2-40B4-BE49-F238E27FC236}">
+                <a16:creationId xmlns:a16="http://schemas.microsoft.com/office/drawing/2014/main" id="{C1352007-281A-E1F8-41E0-C376EB6EB16A}"/>
+              </a:ext>
+            </a:extLst>
+          </p:cNvPr>
+          <p:cNvPicPr>
+            <a:picLocks noChangeAspect="1"/>
+          </p:cNvPicPr>
+          <p:nvPr/>
+        </p:nvPicPr>
+        <p:blipFill>
+          <a:blip r:embed="rId4"/>
+          <a:stretch>
+            <a:fillRect/>
+          </a:stretch>
+        </p:blipFill>
+        <p:spPr>
+          <a:xfrm>
+            <a:off x="4607195" y="955189"/>
+            <a:ext cx="4374002" cy="2686527"/>
+          </a:xfrm>
+          <a:prstGeom prst="rect">
+            <a:avLst/>
+          </a:prstGeom>
+        </p:spPr>
+      </p:pic>
+      <p:pic>
+        <p:nvPicPr>
+          <p:cNvPr id="7" name="Picture 6">
+            <a:extLst>
+              <a:ext uri="{FF2B5EF4-FFF2-40B4-BE49-F238E27FC236}">
+                <a16:creationId xmlns:a16="http://schemas.microsoft.com/office/drawing/2014/main" id="{7F15FC35-4E8E-2FC0-2DB9-5B0E1BF4BE19}"/>
+              </a:ext>
+            </a:extLst>
+          </p:cNvPr>
+          <p:cNvPicPr>
+            <a:picLocks noChangeAspect="1"/>
+          </p:cNvPicPr>
+          <p:nvPr/>
+        </p:nvPicPr>
+        <p:blipFill>
+          <a:blip r:embed="rId5"/>
+          <a:stretch>
+            <a:fillRect/>
+          </a:stretch>
+        </p:blipFill>
+        <p:spPr>
+          <a:xfrm>
+            <a:off x="89537" y="3855259"/>
+            <a:ext cx="4378342" cy="2701799"/>
+          </a:xfrm>
+          <a:prstGeom prst="rect">
+            <a:avLst/>
+          </a:prstGeom>
+        </p:spPr>
+      </p:pic>
     </p:spTree>
   </p:cSld>
   <p:clrMapOvr>
@@ -7559,10 +5330,10 @@
       </p:grpSpPr>
       <p:pic>
         <p:nvPicPr>
-          <p:cNvPr id="16386" name="Picture 6" descr="Whoosh">
-            <a:extLst>
-              <a:ext uri="{FF2B5EF4-FFF2-40B4-BE49-F238E27FC236}">
-                <a16:creationId xmlns:a16="http://schemas.microsoft.com/office/drawing/2014/main" id="{FD872A42-CBF5-F584-5D7E-77CDDD3E4109}"/>
+          <p:cNvPr id="8194" name="Picture 6" descr="Whoosh">
+            <a:extLst>
+              <a:ext uri="{FF2B5EF4-FFF2-40B4-BE49-F238E27FC236}">
+                <a16:creationId xmlns:a16="http://schemas.microsoft.com/office/drawing/2014/main" id="{D0ACA285-350D-1EE1-67B2-A65CA1A63995}"/>
               </a:ext>
             </a:extLst>
           </p:cNvPr>
@@ -7619,10 +5390,10 @@
       </p:pic>
       <p:sp>
         <p:nvSpPr>
-          <p:cNvPr id="16387" name="Title 1">
-            <a:extLst>
-              <a:ext uri="{FF2B5EF4-FFF2-40B4-BE49-F238E27FC236}">
-                <a16:creationId xmlns:a16="http://schemas.microsoft.com/office/drawing/2014/main" id="{63BED159-A85A-EE54-F72C-FDA1A74F38C9}"/>
+          <p:cNvPr id="8195" name="Title 1">
+            <a:extLst>
+              <a:ext uri="{FF2B5EF4-FFF2-40B4-BE49-F238E27FC236}">
+                <a16:creationId xmlns:a16="http://schemas.microsoft.com/office/drawing/2014/main" id="{9DA92B1A-4FB5-598B-6CC9-15B802F18B4E}"/>
               </a:ext>
             </a:extLst>
           </p:cNvPr>
@@ -7630,23 +5401,57 @@
             <a:spLocks noGrp="1"/>
           </p:cNvSpPr>
           <p:nvPr>
-            <p:ph type="ctrTitle"/>
+            <p:ph type="title"/>
           </p:nvPr>
         </p:nvSpPr>
         <p:spPr>
           <a:xfrm>
-            <a:off x="-180528" y="116632"/>
-            <a:ext cx="3739952" cy="576064"/>
+            <a:off x="0" y="-171451"/>
+            <a:ext cx="7772400" cy="1008063"/>
           </a:xfrm>
         </p:spPr>
         <p:txBody>
           <a:bodyPr/>
           <a:lstStyle/>
           <a:p>
+            <a:pPr algn="l" eaLnBrk="1" hangingPunct="1"/>
+            <a:r>
+              <a:rPr lang="en-GB" altLang="en-US" b="1" dirty="0"/>
+              <a:t>Conclusion</a:t>
+            </a:r>
+          </a:p>
+        </p:txBody>
+      </p:sp>
+      <p:sp>
+        <p:nvSpPr>
+          <p:cNvPr id="8196" name="Content Placeholder 2">
+            <a:extLst>
+              <a:ext uri="{FF2B5EF4-FFF2-40B4-BE49-F238E27FC236}">
+                <a16:creationId xmlns:a16="http://schemas.microsoft.com/office/drawing/2014/main" id="{7996BF65-080D-3C12-BCD7-5948A613E4D8}"/>
+              </a:ext>
+            </a:extLst>
+          </p:cNvPr>
+          <p:cNvSpPr>
+            <a:spLocks noGrp="1"/>
+          </p:cNvSpPr>
+          <p:nvPr>
+            <p:ph idx="1"/>
+          </p:nvPr>
+        </p:nvSpPr>
+        <p:spPr>
+          <a:xfrm>
+            <a:off x="684213" y="1989138"/>
+            <a:ext cx="7772400" cy="4032250"/>
+          </a:xfrm>
+        </p:spPr>
+        <p:txBody>
+          <a:bodyPr/>
+          <a:lstStyle/>
+          <a:p>
             <a:pPr eaLnBrk="1" hangingPunct="1"/>
             <a:r>
-              <a:rPr lang="en-GB" altLang="en-US" b="1" dirty="0"/>
-              <a:t>Deprivation</a:t>
+              <a:rPr lang="en-GB" altLang="en-US"/>
+              <a:t>We are proposing that this 5% of the overall patients return home after their treatment each day as the other 95% of patients do, returning to the CIC for further treatment or assessment  the next day</a:t>
             </a:r>
           </a:p>
         </p:txBody>
@@ -7659,7 +5464,7 @@
 </p:sld>
 </file>
 
-<file path=ppt/slides/slide14.xml><?xml version="1.0" encoding="utf-8"?>
+<file path=ppt/slides/slide2.xml><?xml version="1.0" encoding="utf-8"?>
 <p:sld xmlns:a="http://schemas.openxmlformats.org/drawingml/2006/main" xmlns:r="http://schemas.openxmlformats.org/officeDocument/2006/relationships" xmlns:p="http://schemas.openxmlformats.org/presentationml/2006/main">
   <p:cSld>
     <p:spTree>
@@ -7678,10 +5483,10 @@
       </p:grpSpPr>
       <p:pic>
         <p:nvPicPr>
-          <p:cNvPr id="8194" name="Picture 6" descr="Whoosh">
-            <a:extLst>
-              <a:ext uri="{FF2B5EF4-FFF2-40B4-BE49-F238E27FC236}">
-                <a16:creationId xmlns:a16="http://schemas.microsoft.com/office/drawing/2014/main" id="{D0ACA285-350D-1EE1-67B2-A65CA1A63995}"/>
+          <p:cNvPr id="3076" name="Picture 6" descr="Whoosh">
+            <a:extLst>
+              <a:ext uri="{FF2B5EF4-FFF2-40B4-BE49-F238E27FC236}">
+                <a16:creationId xmlns:a16="http://schemas.microsoft.com/office/drawing/2014/main" id="{56805B9A-C037-1FDA-CBFE-4C740F4A375D}"/>
               </a:ext>
             </a:extLst>
           </p:cNvPr>
@@ -7738,10 +5543,10 @@
       </p:pic>
       <p:sp>
         <p:nvSpPr>
-          <p:cNvPr id="8195" name="Title 1">
-            <a:extLst>
-              <a:ext uri="{FF2B5EF4-FFF2-40B4-BE49-F238E27FC236}">
-                <a16:creationId xmlns:a16="http://schemas.microsoft.com/office/drawing/2014/main" id="{9DA92B1A-4FB5-598B-6CC9-15B802F18B4E}"/>
+          <p:cNvPr id="3074" name="Title 1">
+            <a:extLst>
+              <a:ext uri="{FF2B5EF4-FFF2-40B4-BE49-F238E27FC236}">
+                <a16:creationId xmlns:a16="http://schemas.microsoft.com/office/drawing/2014/main" id="{DB405E41-8DBE-0A2D-7587-F65A429379FA}"/>
               </a:ext>
             </a:extLst>
           </p:cNvPr>
@@ -7752,12 +5557,7 @@
             <p:ph type="title"/>
           </p:nvPr>
         </p:nvSpPr>
-        <p:spPr>
-          <a:xfrm>
-            <a:off x="0" y="-171451"/>
-            <a:ext cx="7772400" cy="1008063"/>
-          </a:xfrm>
-        </p:spPr>
+        <p:spPr/>
         <p:txBody>
           <a:bodyPr/>
           <a:lstStyle/>
@@ -7765,17 +5565,17 @@
             <a:pPr algn="l" eaLnBrk="1" hangingPunct="1"/>
             <a:r>
               <a:rPr lang="en-GB" altLang="en-US" b="1" dirty="0"/>
-              <a:t>Conclusion</a:t>
-            </a:r>
-          </a:p>
-        </p:txBody>
-      </p:sp>
-      <p:sp>
-        <p:nvSpPr>
-          <p:cNvPr id="8196" name="Content Placeholder 2">
-            <a:extLst>
-              <a:ext uri="{FF2B5EF4-FFF2-40B4-BE49-F238E27FC236}">
-                <a16:creationId xmlns:a16="http://schemas.microsoft.com/office/drawing/2014/main" id="{7996BF65-080D-3C12-BCD7-5948A613E4D8}"/>
+              <a:t>Intent of our report</a:t>
+            </a:r>
+          </a:p>
+        </p:txBody>
+      </p:sp>
+      <p:sp>
+        <p:nvSpPr>
+          <p:cNvPr id="3075" name="Content Placeholder 2">
+            <a:extLst>
+              <a:ext uri="{FF2B5EF4-FFF2-40B4-BE49-F238E27FC236}">
+                <a16:creationId xmlns:a16="http://schemas.microsoft.com/office/drawing/2014/main" id="{288F9F58-AD57-A1AA-493E-A317F4F81FD9}"/>
               </a:ext>
             </a:extLst>
           </p:cNvPr>
@@ -7786,21 +5586,48 @@
             <p:ph idx="1"/>
           </p:nvPr>
         </p:nvSpPr>
-        <p:spPr>
-          <a:xfrm>
-            <a:off x="684213" y="1989138"/>
-            <a:ext cx="7772400" cy="4032250"/>
-          </a:xfrm>
-        </p:spPr>
+        <p:spPr/>
         <p:txBody>
           <a:bodyPr/>
           <a:lstStyle/>
           <a:p>
             <a:pPr eaLnBrk="1" hangingPunct="1"/>
             <a:r>
-              <a:rPr lang="en-GB" altLang="en-US"/>
-              <a:t>We are proposing that this 5% of the overall patients return home after their treatment each day as the other 95% of patients do, returning to the CIC for further treatment or assessment  the next day</a:t>
-            </a:r>
+              <a:rPr lang="en-US" altLang="en-US" sz="3200" b="1" dirty="0">
+                <a:latin typeface="+mj-lt"/>
+              </a:rPr>
+              <a:t>Impact of Covid on hospitalizations</a:t>
+            </a:r>
+          </a:p>
+          <a:p>
+            <a:pPr eaLnBrk="1" hangingPunct="1"/>
+            <a:r>
+              <a:rPr lang="en-US" altLang="en-US" sz="3200" b="1" dirty="0">
+                <a:latin typeface="+mj-lt"/>
+              </a:rPr>
+              <a:t>Impact of Covid on demographics</a:t>
+            </a:r>
+          </a:p>
+          <a:p>
+            <a:pPr eaLnBrk="1" hangingPunct="1"/>
+            <a:r>
+              <a:rPr lang="en-US" altLang="en-US" sz="3200" b="1" dirty="0">
+                <a:latin typeface="+mj-lt"/>
+              </a:rPr>
+              <a:t>General trend of consequent admissions</a:t>
+            </a:r>
+          </a:p>
+          <a:p>
+            <a:pPr eaLnBrk="1" hangingPunct="1"/>
+            <a:r>
+              <a:rPr lang="en-US" altLang="en-US" b="1" dirty="0">
+                <a:latin typeface="+mj-lt"/>
+              </a:rPr>
+              <a:t>Representation in Shiny dashboard</a:t>
+            </a:r>
+            <a:endParaRPr lang="en-GB" altLang="en-US" dirty="0">
+              <a:latin typeface="+mj-lt"/>
+            </a:endParaRPr>
           </a:p>
         </p:txBody>
       </p:sp>
@@ -7812,7 +5639,7 @@
 </p:sld>
 </file>
 
-<file path=ppt/slides/slide15.xml><?xml version="1.0" encoding="utf-8"?>
+<file path=ppt/slides/slide3.xml><?xml version="1.0" encoding="utf-8"?>
 <p:sld xmlns:a="http://schemas.openxmlformats.org/drawingml/2006/main" xmlns:r="http://schemas.openxmlformats.org/officeDocument/2006/relationships" xmlns:p="http://schemas.openxmlformats.org/presentationml/2006/main">
   <p:cSld>
     <p:spTree>
@@ -7829,49 +5656,12 @@
           <a:chExt cx="0" cy="0"/>
         </a:xfrm>
       </p:grpSpPr>
-      <p:sp>
-        <p:nvSpPr>
-          <p:cNvPr id="5" name="TextBox 4">
-            <a:extLst>
-              <a:ext uri="{FF2B5EF4-FFF2-40B4-BE49-F238E27FC236}">
-                <a16:creationId xmlns:a16="http://schemas.microsoft.com/office/drawing/2014/main" id="{FAF250C7-CA49-89DB-C611-028EB010D20B}"/>
-              </a:ext>
-            </a:extLst>
-          </p:cNvPr>
-          <p:cNvSpPr txBox="1"/>
-          <p:nvPr/>
-        </p:nvSpPr>
-        <p:spPr>
-          <a:xfrm>
-            <a:off x="0" y="-64148"/>
-            <a:ext cx="5382344" cy="769441"/>
-          </a:xfrm>
-          <a:prstGeom prst="rect">
-            <a:avLst/>
-          </a:prstGeom>
-          <a:noFill/>
-        </p:spPr>
-        <p:txBody>
-          <a:bodyPr wrap="square">
-            <a:spAutoFit/>
-          </a:bodyPr>
-          <a:lstStyle/>
-          <a:p>
-            <a:r>
-              <a:rPr lang="en-GB" sz="4400" b="1" dirty="0">
-                <a:latin typeface="+mj-lt"/>
-              </a:rPr>
-              <a:t>Cumulative results</a:t>
-            </a:r>
-          </a:p>
-        </p:txBody>
-      </p:sp>
       <p:pic>
         <p:nvPicPr>
-          <p:cNvPr id="6" name="Picture 6" descr="Whoosh">
-            <a:extLst>
-              <a:ext uri="{FF2B5EF4-FFF2-40B4-BE49-F238E27FC236}">
-                <a16:creationId xmlns:a16="http://schemas.microsoft.com/office/drawing/2014/main" id="{0FF4C874-0B67-96AE-3A85-A4186A66A0B3}"/>
+          <p:cNvPr id="4098" name="Picture 6" descr="Whoosh">
+            <a:extLst>
+              <a:ext uri="{FF2B5EF4-FFF2-40B4-BE49-F238E27FC236}">
+                <a16:creationId xmlns:a16="http://schemas.microsoft.com/office/drawing/2014/main" id="{45B9997A-9E85-2538-111D-C9B73F0D9A31}"/>
               </a:ext>
             </a:extLst>
           </p:cNvPr>
@@ -7926,12 +5716,41 @@
           </a:extLst>
         </p:spPr>
       </p:pic>
+      <p:sp>
+        <p:nvSpPr>
+          <p:cNvPr id="4099" name="Title 1">
+            <a:extLst>
+              <a:ext uri="{FF2B5EF4-FFF2-40B4-BE49-F238E27FC236}">
+                <a16:creationId xmlns:a16="http://schemas.microsoft.com/office/drawing/2014/main" id="{01A5C118-013F-ECEC-FD4C-7E307BA2B6B5}"/>
+              </a:ext>
+            </a:extLst>
+          </p:cNvPr>
+          <p:cNvSpPr>
+            <a:spLocks noGrp="1"/>
+          </p:cNvSpPr>
+          <p:nvPr>
+            <p:ph type="title"/>
+          </p:nvPr>
+        </p:nvSpPr>
+        <p:spPr>
+          <a:xfrm>
+            <a:off x="179512" y="-117475"/>
+            <a:ext cx="7772400" cy="1143000"/>
+          </a:xfrm>
+        </p:spPr>
+        <p:txBody>
+          <a:bodyPr/>
+          <a:lstStyle/>
+          <a:p>
+            <a:pPr algn="l" eaLnBrk="1" hangingPunct="1"/>
+            <a:r>
+              <a:rPr lang="en-GB" altLang="en-US" b="1" dirty="0"/>
+              <a:t>Hospitalisations</a:t>
+            </a:r>
+          </a:p>
+        </p:txBody>
+      </p:sp>
     </p:spTree>
-    <p:extLst>
-      <p:ext uri="{BB962C8B-B14F-4D97-AF65-F5344CB8AC3E}">
-        <p14:creationId xmlns:p14="http://schemas.microsoft.com/office/powerpoint/2010/main" val="1076944108"/>
-      </p:ext>
-    </p:extLst>
   </p:cSld>
   <p:clrMapOvr>
     <a:masterClrMapping/>
@@ -7939,7 +5758,7 @@
 </p:sld>
 </file>
 
-<file path=ppt/slides/slide16.xml><?xml version="1.0" encoding="utf-8"?>
+<file path=ppt/slides/slide4.xml><?xml version="1.0" encoding="utf-8"?>
 <p:sld xmlns:a="http://schemas.openxmlformats.org/drawingml/2006/main" xmlns:r="http://schemas.openxmlformats.org/officeDocument/2006/relationships" xmlns:p="http://schemas.openxmlformats.org/presentationml/2006/main">
   <p:cSld>
     <p:spTree>
@@ -7956,12 +5775,46 @@
           <a:chExt cx="0" cy="0"/>
         </a:xfrm>
       </p:grpSpPr>
+      <p:sp>
+        <p:nvSpPr>
+          <p:cNvPr id="5122" name="Title 3">
+            <a:extLst>
+              <a:ext uri="{FF2B5EF4-FFF2-40B4-BE49-F238E27FC236}">
+                <a16:creationId xmlns:a16="http://schemas.microsoft.com/office/drawing/2014/main" id="{40362D40-759F-5B45-1201-DE2E6C4561A5}"/>
+              </a:ext>
+            </a:extLst>
+          </p:cNvPr>
+          <p:cNvSpPr>
+            <a:spLocks noGrp="1"/>
+          </p:cNvSpPr>
+          <p:nvPr>
+            <p:ph type="ctrTitle"/>
+          </p:nvPr>
+        </p:nvSpPr>
+        <p:spPr>
+          <a:xfrm>
+            <a:off x="-396552" y="116632"/>
+            <a:ext cx="7772400" cy="504056"/>
+          </a:xfrm>
+        </p:spPr>
+        <p:txBody>
+          <a:bodyPr/>
+          <a:lstStyle/>
+          <a:p>
+            <a:pPr eaLnBrk="1" hangingPunct="1"/>
+            <a:r>
+              <a:rPr lang="en-GB" altLang="en-US" b="1" dirty="0"/>
+              <a:t>Impact on Demographics</a:t>
+            </a:r>
+          </a:p>
+        </p:txBody>
+      </p:sp>
       <p:pic>
         <p:nvPicPr>
-          <p:cNvPr id="31746" name="Picture 6" descr="Whoosh">
-            <a:extLst>
-              <a:ext uri="{FF2B5EF4-FFF2-40B4-BE49-F238E27FC236}">
-                <a16:creationId xmlns:a16="http://schemas.microsoft.com/office/drawing/2014/main" id="{3AE9047E-18BE-E67B-02AD-6D411BF19760}"/>
+          <p:cNvPr id="5123" name="Picture 6" descr="Whoosh">
+            <a:extLst>
+              <a:ext uri="{FF2B5EF4-FFF2-40B4-BE49-F238E27FC236}">
+                <a16:creationId xmlns:a16="http://schemas.microsoft.com/office/drawing/2014/main" id="{6E2A7B9C-F50A-6269-D7B9-1080BD40C91B}"/>
               </a:ext>
             </a:extLst>
           </p:cNvPr>
@@ -8016,71 +5869,36 @@
           </a:extLst>
         </p:spPr>
       </p:pic>
-      <p:sp>
-        <p:nvSpPr>
-          <p:cNvPr id="31747" name="Title 1">
-            <a:extLst>
-              <a:ext uri="{FF2B5EF4-FFF2-40B4-BE49-F238E27FC236}">
-                <a16:creationId xmlns:a16="http://schemas.microsoft.com/office/drawing/2014/main" id="{0C0128FF-5AC9-4F41-0087-DC7ABE4D860C}"/>
-              </a:ext>
-            </a:extLst>
-          </p:cNvPr>
-          <p:cNvSpPr>
-            <a:spLocks noGrp="1"/>
-          </p:cNvSpPr>
-          <p:nvPr>
-            <p:ph type="title"/>
-          </p:nvPr>
-        </p:nvSpPr>
-        <p:spPr/>
-        <p:txBody>
-          <a:bodyPr/>
-          <a:lstStyle/>
-          <a:p>
-            <a:pPr algn="l" eaLnBrk="1" hangingPunct="1"/>
-            <a:r>
-              <a:rPr lang="en-GB" altLang="en-US" b="1"/>
-              <a:t>Feedback</a:t>
-            </a:r>
-          </a:p>
-        </p:txBody>
-      </p:sp>
-      <p:sp>
-        <p:nvSpPr>
-          <p:cNvPr id="31748" name="Content Placeholder 2">
-            <a:extLst>
-              <a:ext uri="{FF2B5EF4-FFF2-40B4-BE49-F238E27FC236}">
-                <a16:creationId xmlns:a16="http://schemas.microsoft.com/office/drawing/2014/main" id="{18729ECF-E5AE-90AC-F7D9-D4F8E2F61965}"/>
-              </a:ext>
-            </a:extLst>
-          </p:cNvPr>
-          <p:cNvSpPr>
-            <a:spLocks noGrp="1"/>
-          </p:cNvSpPr>
-          <p:nvPr>
-            <p:ph idx="1"/>
-          </p:nvPr>
-        </p:nvSpPr>
-        <p:spPr/>
-        <p:txBody>
-          <a:bodyPr/>
-          <a:lstStyle/>
-          <a:p>
-            <a:pPr lvl="1" eaLnBrk="1" hangingPunct="1"/>
-            <a:r>
-              <a:rPr lang="en-GB" altLang="en-US"/>
-              <a:t>What are your thoughts so far?</a:t>
-            </a:r>
-          </a:p>
-          <a:p>
-            <a:pPr lvl="1" eaLnBrk="1" hangingPunct="1"/>
-            <a:r>
-              <a:rPr lang="en-GB" altLang="en-US"/>
-              <a:t>Do you have any comments?</a:t>
-            </a:r>
-          </a:p>
-        </p:txBody>
-      </p:sp>
+      <p:pic>
+        <p:nvPicPr>
+          <p:cNvPr id="3" name="Picture 2">
+            <a:extLst>
+              <a:ext uri="{FF2B5EF4-FFF2-40B4-BE49-F238E27FC236}">
+                <a16:creationId xmlns:a16="http://schemas.microsoft.com/office/drawing/2014/main" id="{BF21D4EB-F687-21AA-D614-30ED6955DA5F}"/>
+              </a:ext>
+            </a:extLst>
+          </p:cNvPr>
+          <p:cNvPicPr>
+            <a:picLocks noChangeAspect="1"/>
+          </p:cNvPicPr>
+          <p:nvPr/>
+        </p:nvPicPr>
+        <p:blipFill>
+          <a:blip r:embed="rId3"/>
+          <a:stretch>
+            <a:fillRect/>
+          </a:stretch>
+        </p:blipFill>
+        <p:spPr>
+          <a:xfrm>
+            <a:off x="323528" y="823757"/>
+            <a:ext cx="4927091" cy="3068793"/>
+          </a:xfrm>
+          <a:prstGeom prst="rect">
+            <a:avLst/>
+          </a:prstGeom>
+        </p:spPr>
+      </p:pic>
     </p:spTree>
   </p:cSld>
   <p:clrMapOvr>
@@ -8089,7 +5907,7 @@
 </p:sld>
 </file>
 
-<file path=ppt/slides/slide17.xml><?xml version="1.0" encoding="utf-8"?>
+<file path=ppt/slides/slide5.xml><?xml version="1.0" encoding="utf-8"?>
 <p:sld xmlns:a="http://schemas.openxmlformats.org/drawingml/2006/main" xmlns:r="http://schemas.openxmlformats.org/officeDocument/2006/relationships" xmlns:p="http://schemas.openxmlformats.org/presentationml/2006/main">
   <p:cSld>
     <p:spTree>
@@ -8106,67 +5924,12 @@
           <a:chExt cx="0" cy="0"/>
         </a:xfrm>
       </p:grpSpPr>
-      <p:sp>
-        <p:nvSpPr>
-          <p:cNvPr id="19458" name="Title 1">
-            <a:extLst>
-              <a:ext uri="{FF2B5EF4-FFF2-40B4-BE49-F238E27FC236}">
-                <a16:creationId xmlns:a16="http://schemas.microsoft.com/office/drawing/2014/main" id="{E9079990-DB98-E64A-F047-39646DE23074}"/>
-              </a:ext>
-            </a:extLst>
-          </p:cNvPr>
-          <p:cNvSpPr>
-            <a:spLocks noGrp="1"/>
-          </p:cNvSpPr>
-          <p:nvPr>
-            <p:ph type="ctrTitle"/>
-          </p:nvPr>
-        </p:nvSpPr>
-        <p:spPr/>
-        <p:txBody>
-          <a:bodyPr/>
-          <a:lstStyle/>
-          <a:p>
-            <a:pPr eaLnBrk="1" hangingPunct="1"/>
-            <a:r>
-              <a:rPr lang="en-GB" altLang="en-US" b="1"/>
-              <a:t>Where do our overnight stay patients come from?</a:t>
-            </a:r>
-          </a:p>
-        </p:txBody>
-      </p:sp>
-      <p:sp>
-        <p:nvSpPr>
-          <p:cNvPr id="19459" name="Subtitle 2">
-            <a:extLst>
-              <a:ext uri="{FF2B5EF4-FFF2-40B4-BE49-F238E27FC236}">
-                <a16:creationId xmlns:a16="http://schemas.microsoft.com/office/drawing/2014/main" id="{89DE242B-55BE-2844-136A-81419E45C382}"/>
-              </a:ext>
-            </a:extLst>
-          </p:cNvPr>
-          <p:cNvSpPr>
-            <a:spLocks noGrp="1"/>
-          </p:cNvSpPr>
-          <p:nvPr>
-            <p:ph type="subTitle" idx="1"/>
-          </p:nvPr>
-        </p:nvSpPr>
-        <p:spPr/>
-        <p:txBody>
-          <a:bodyPr/>
-          <a:lstStyle/>
-          <a:p>
-            <a:pPr eaLnBrk="1" hangingPunct="1"/>
-            <a:endParaRPr lang="en-GB" altLang="en-US"/>
-          </a:p>
-        </p:txBody>
-      </p:sp>
       <p:pic>
         <p:nvPicPr>
-          <p:cNvPr id="19460" name="Picture 6" descr="Whoosh">
-            <a:extLst>
-              <a:ext uri="{FF2B5EF4-FFF2-40B4-BE49-F238E27FC236}">
-                <a16:creationId xmlns:a16="http://schemas.microsoft.com/office/drawing/2014/main" id="{AC9A2A25-0623-740C-8BEE-D6FC0B083BE6}"/>
+          <p:cNvPr id="6146" name="Picture 6" descr="Whoosh">
+            <a:extLst>
+              <a:ext uri="{FF2B5EF4-FFF2-40B4-BE49-F238E27FC236}">
+                <a16:creationId xmlns:a16="http://schemas.microsoft.com/office/drawing/2014/main" id="{B87E6D56-3A72-6493-C5C3-65D174BB37B9}"/>
               </a:ext>
             </a:extLst>
           </p:cNvPr>
@@ -8221,6 +5984,44 @@
           </a:extLst>
         </p:spPr>
       </p:pic>
+      <p:sp>
+        <p:nvSpPr>
+          <p:cNvPr id="6147" name="Title 3">
+            <a:extLst>
+              <a:ext uri="{FF2B5EF4-FFF2-40B4-BE49-F238E27FC236}">
+                <a16:creationId xmlns:a16="http://schemas.microsoft.com/office/drawing/2014/main" id="{8E4A1B37-336A-3222-18F8-7BC49192149B}"/>
+              </a:ext>
+            </a:extLst>
+          </p:cNvPr>
+          <p:cNvSpPr>
+            <a:spLocks noGrp="1"/>
+          </p:cNvSpPr>
+          <p:nvPr>
+            <p:ph type="ctrTitle"/>
+          </p:nvPr>
+        </p:nvSpPr>
+        <p:spPr>
+          <a:xfrm>
+            <a:off x="-538850" y="476672"/>
+            <a:ext cx="5110336" cy="288032"/>
+          </a:xfrm>
+        </p:spPr>
+        <p:txBody>
+          <a:bodyPr/>
+          <a:lstStyle/>
+          <a:p>
+            <a:pPr eaLnBrk="1" hangingPunct="1"/>
+            <a:r>
+              <a:rPr lang="en-GB" altLang="en-US" b="1" dirty="0"/>
+              <a:t>Map of Impact</a:t>
+            </a:r>
+            <a:br>
+              <a:rPr lang="en-GB" altLang="en-US" b="1" dirty="0"/>
+            </a:br>
+            <a:endParaRPr lang="en-GB" altLang="en-US" sz="3200" b="1" dirty="0"/>
+          </a:p>
+        </p:txBody>
+      </p:sp>
     </p:spTree>
   </p:cSld>
   <p:clrMapOvr>
@@ -8229,7 +6030,7 @@
 </p:sld>
 </file>
 
-<file path=ppt/slides/slide18.xml><?xml version="1.0" encoding="utf-8"?>
+<file path=ppt/slides/slide6.xml><?xml version="1.0" encoding="utf-8"?>
 <p:sld xmlns:a="http://schemas.openxmlformats.org/drawingml/2006/main" xmlns:r="http://schemas.openxmlformats.org/officeDocument/2006/relationships" xmlns:p="http://schemas.openxmlformats.org/presentationml/2006/main">
   <p:cSld>
     <p:spTree>
@@ -8248,10 +6049,10 @@
       </p:grpSpPr>
       <p:pic>
         <p:nvPicPr>
-          <p:cNvPr id="22530" name="Picture 6" descr="Whoosh">
-            <a:extLst>
-              <a:ext uri="{FF2B5EF4-FFF2-40B4-BE49-F238E27FC236}">
-                <a16:creationId xmlns:a16="http://schemas.microsoft.com/office/drawing/2014/main" id="{0520DF32-95B4-BEE1-2F79-E01A124F24BF}"/>
+          <p:cNvPr id="7170" name="Picture 6" descr="Whoosh">
+            <a:extLst>
+              <a:ext uri="{FF2B5EF4-FFF2-40B4-BE49-F238E27FC236}">
+                <a16:creationId xmlns:a16="http://schemas.microsoft.com/office/drawing/2014/main" id="{DA9DC900-B596-739B-F82F-159E48082827}"/>
               </a:ext>
             </a:extLst>
           </p:cNvPr>
@@ -8308,10 +6109,61 @@
       </p:pic>
       <p:sp>
         <p:nvSpPr>
-          <p:cNvPr id="22531" name="Title 1">
-            <a:extLst>
-              <a:ext uri="{FF2B5EF4-FFF2-40B4-BE49-F238E27FC236}">
-                <a16:creationId xmlns:a16="http://schemas.microsoft.com/office/drawing/2014/main" id="{A318C3C5-2ED4-CD79-6360-C7A7299B70B2}"/>
+          <p:cNvPr id="6" name="Title 1">
+            <a:extLst>
+              <a:ext uri="{FF2B5EF4-FFF2-40B4-BE49-F238E27FC236}">
+                <a16:creationId xmlns:a16="http://schemas.microsoft.com/office/drawing/2014/main" id="{6C19822B-9BB1-5715-4E18-001220CB2F67}"/>
+              </a:ext>
+            </a:extLst>
+          </p:cNvPr>
+          <p:cNvSpPr txBox="1">
+            <a:spLocks/>
+          </p:cNvSpPr>
+          <p:nvPr/>
+        </p:nvSpPr>
+        <p:spPr bwMode="auto">
+          <a:xfrm>
+            <a:off x="0" y="-170657"/>
+            <a:ext cx="7772400" cy="1008063"/>
+          </a:xfrm>
+          <a:prstGeom prst="rect">
+            <a:avLst/>
+          </a:prstGeom>
+          <a:noFill/>
+          <a:ln w="9525">
+            <a:noFill/>
+            <a:miter lim="800000"/>
+            <a:headEnd/>
+            <a:tailEnd/>
+          </a:ln>
+        </p:spPr>
+        <p:txBody>
+          <a:bodyPr anchor="ctr"/>
+          <a:lstStyle/>
+          <a:p>
+            <a:pPr eaLnBrk="1" hangingPunct="1">
+              <a:defRPr/>
+            </a:pPr>
+            <a:r>
+              <a:rPr lang="en-GB" sz="4400" b="1" kern="0" dirty="0">
+                <a:solidFill>
+                  <a:schemeClr val="tx2"/>
+                </a:solidFill>
+                <a:latin typeface="+mj-lt"/>
+                <a:ea typeface="+mj-ea"/>
+                <a:cs typeface="+mj-cs"/>
+              </a:rPr>
+              <a:t>Temporal data</a:t>
+            </a:r>
+          </a:p>
+        </p:txBody>
+      </p:sp>
+      <p:sp>
+        <p:nvSpPr>
+          <p:cNvPr id="2" name="Content Placeholder 1">
+            <a:extLst>
+              <a:ext uri="{FF2B5EF4-FFF2-40B4-BE49-F238E27FC236}">
+                <a16:creationId xmlns:a16="http://schemas.microsoft.com/office/drawing/2014/main" id="{06235267-39C6-0C14-A3DA-8B87223773E7}"/>
               </a:ext>
             </a:extLst>
           </p:cNvPr>
@@ -8319,87 +6171,15 @@
             <a:spLocks noGrp="1"/>
           </p:cNvSpPr>
           <p:nvPr>
-            <p:ph type="title"/>
-          </p:nvPr>
-        </p:nvSpPr>
-        <p:spPr>
-          <a:xfrm>
-            <a:off x="684213" y="620713"/>
-            <a:ext cx="7772400" cy="1143000"/>
-          </a:xfrm>
-        </p:spPr>
+            <p:ph idx="1"/>
+          </p:nvPr>
+        </p:nvSpPr>
+        <p:spPr/>
         <p:txBody>
           <a:bodyPr/>
           <a:lstStyle/>
           <a:p>
-            <a:pPr algn="l" eaLnBrk="1" hangingPunct="1"/>
-            <a:r>
-              <a:rPr lang="en-GB" altLang="en-US" sz="3200" b="1"/>
-              <a:t>Why are we changing?</a:t>
-            </a:r>
-            <a:br>
-              <a:rPr lang="en-GB" altLang="en-US" sz="3200" b="1"/>
-            </a:br>
-            <a:r>
-              <a:rPr lang="en-GB" altLang="en-US" sz="2800" b="1"/>
-              <a:t>Scottish Government Health Department </a:t>
-            </a:r>
-            <a:br>
-              <a:rPr lang="en-GB" altLang="en-US" sz="2800" b="1"/>
-            </a:br>
-            <a:r>
-              <a:rPr lang="en-GB" altLang="en-US" sz="2800" b="1"/>
-              <a:t>2020 Vision (2011)</a:t>
-            </a:r>
-            <a:endParaRPr lang="en-GB" altLang="en-US" sz="3200" b="1"/>
-          </a:p>
-        </p:txBody>
-      </p:sp>
-      <p:sp>
-        <p:nvSpPr>
-          <p:cNvPr id="22532" name="Content Placeholder 2">
-            <a:extLst>
-              <a:ext uri="{FF2B5EF4-FFF2-40B4-BE49-F238E27FC236}">
-                <a16:creationId xmlns:a16="http://schemas.microsoft.com/office/drawing/2014/main" id="{E073A916-4482-C21B-CCD9-B07296A9F675}"/>
-              </a:ext>
-            </a:extLst>
-          </p:cNvPr>
-          <p:cNvSpPr>
-            <a:spLocks noGrp="1"/>
-          </p:cNvSpPr>
-          <p:nvPr>
-            <p:ph idx="1"/>
-          </p:nvPr>
-        </p:nvSpPr>
-        <p:spPr>
-          <a:xfrm>
-            <a:off x="684213" y="2276475"/>
-            <a:ext cx="7772400" cy="4114800"/>
-          </a:xfrm>
-        </p:spPr>
-        <p:txBody>
-          <a:bodyPr/>
-          <a:lstStyle/>
-          <a:p>
-            <a:pPr eaLnBrk="1" hangingPunct="1"/>
-            <a:r>
-              <a:rPr lang="en-GB" altLang="en-US" sz="2800"/>
-              <a:t>The Scottish Government’s vision for the NHS is that patients should only be admitted to hospital for urgent or acute care</a:t>
-            </a:r>
-          </a:p>
-          <a:p>
-            <a:pPr eaLnBrk="1" hangingPunct="1">
-              <a:buFontTx/>
-              <a:buNone/>
-            </a:pPr>
-            <a:endParaRPr lang="en-GB" altLang="en-US" sz="2400"/>
-          </a:p>
-          <a:p>
-            <a:pPr eaLnBrk="1" hangingPunct="1"/>
-            <a:r>
-              <a:rPr lang="en-GB" altLang="en-US" sz="2800"/>
-              <a:t>People’s health should be managed in their own communities to allow them to remain in their own home</a:t>
-            </a:r>
+            <a:endParaRPr lang="en-GB"/>
           </a:p>
         </p:txBody>
       </p:sp>
@@ -8411,7 +6191,7 @@
 </p:sld>
 </file>
 
-<file path=ppt/slides/slide19.xml><?xml version="1.0" encoding="utf-8"?>
+<file path=ppt/slides/slide7.xml><?xml version="1.0" encoding="utf-8"?>
 <p:sld xmlns:a="http://schemas.openxmlformats.org/drawingml/2006/main" xmlns:r="http://schemas.openxmlformats.org/officeDocument/2006/relationships" xmlns:p="http://schemas.openxmlformats.org/presentationml/2006/main">
   <p:cSld>
     <p:spTree>
@@ -8430,316 +6210,10 @@
       </p:grpSpPr>
       <p:pic>
         <p:nvPicPr>
-          <p:cNvPr id="23554" name="Picture 2">
-            <a:extLst>
-              <a:ext uri="{FF2B5EF4-FFF2-40B4-BE49-F238E27FC236}">
-                <a16:creationId xmlns:a16="http://schemas.microsoft.com/office/drawing/2014/main" id="{C02F21FD-0945-757C-7C94-271C295D97E4}"/>
-              </a:ext>
-            </a:extLst>
-          </p:cNvPr>
-          <p:cNvPicPr>
-            <a:picLocks noChangeAspect="1" noChangeArrowheads="1"/>
-          </p:cNvPicPr>
-          <p:nvPr/>
-        </p:nvPicPr>
-        <p:blipFill>
-          <a:blip r:embed="rId2">
-            <a:extLst>
-              <a:ext uri="{28A0092B-C50C-407E-A947-70E740481C1C}">
-                <a14:useLocalDpi xmlns:a14="http://schemas.microsoft.com/office/drawing/2010/main" val="0"/>
-              </a:ext>
-            </a:extLst>
-          </a:blip>
-          <a:srcRect l="15495" t="8859" r="18645" b="5501"/>
-          <a:stretch>
-            <a:fillRect/>
-          </a:stretch>
-        </p:blipFill>
-        <p:spPr bwMode="auto">
-          <a:xfrm>
-            <a:off x="179388" y="260350"/>
-            <a:ext cx="8569325" cy="6264275"/>
-          </a:xfrm>
-          <a:prstGeom prst="rect">
-            <a:avLst/>
-          </a:prstGeom>
-          <a:noFill/>
-          <a:ln>
-            <a:noFill/>
-          </a:ln>
-          <a:extLst>
-            <a:ext uri="{909E8E84-426E-40DD-AFC4-6F175D3DCCD1}">
-              <a14:hiddenFill xmlns:a14="http://schemas.microsoft.com/office/drawing/2010/main">
-                <a:solidFill>
-                  <a:srgbClr val="FFFFFF"/>
-                </a:solidFill>
-              </a14:hiddenFill>
-            </a:ext>
-            <a:ext uri="{91240B29-F687-4F45-9708-019B960494DF}">
-              <a14:hiddenLine xmlns:a14="http://schemas.microsoft.com/office/drawing/2010/main" w="9525">
-                <a:solidFill>
-                  <a:srgbClr val="000000"/>
-                </a:solidFill>
-                <a:miter lim="800000"/>
-                <a:headEnd/>
-                <a:tailEnd/>
-              </a14:hiddenLine>
-            </a:ext>
-          </a:extLst>
-        </p:spPr>
-      </p:pic>
-      <p:sp>
-        <p:nvSpPr>
-          <p:cNvPr id="8" name="TextBox 7">
-            <a:extLst>
-              <a:ext uri="{FF2B5EF4-FFF2-40B4-BE49-F238E27FC236}">
-                <a16:creationId xmlns:a16="http://schemas.microsoft.com/office/drawing/2014/main" id="{134ECFA4-CBE4-551B-326C-C37D82AE0405}"/>
-              </a:ext>
-            </a:extLst>
-          </p:cNvPr>
-          <p:cNvSpPr txBox="1"/>
-          <p:nvPr/>
-        </p:nvSpPr>
-        <p:spPr>
-          <a:xfrm>
-            <a:off x="4572000" y="1700213"/>
-            <a:ext cx="4103688" cy="3109912"/>
-          </a:xfrm>
-          <a:prstGeom prst="rect">
-            <a:avLst/>
-          </a:prstGeom>
-          <a:ln>
-            <a:noFill/>
-          </a:ln>
-        </p:spPr>
-        <p:style>
-          <a:lnRef idx="2">
-            <a:schemeClr val="accent6"/>
-          </a:lnRef>
-          <a:fillRef idx="1">
-            <a:schemeClr val="lt1"/>
-          </a:fillRef>
-          <a:effectRef idx="0">
-            <a:schemeClr val="accent6"/>
-          </a:effectRef>
-          <a:fontRef idx="minor">
-            <a:schemeClr val="dk1"/>
-          </a:fontRef>
-        </p:style>
-        <p:txBody>
-          <a:bodyPr>
-            <a:spAutoFit/>
-          </a:bodyPr>
-          <a:lstStyle/>
-          <a:p>
-            <a:pPr>
-              <a:defRPr/>
-            </a:pPr>
-            <a:r>
-              <a:rPr lang="en-GB" sz="2800" b="1" dirty="0">
-                <a:solidFill>
-                  <a:schemeClr val="accent2">
-                    <a:lumMod val="50000"/>
-                  </a:schemeClr>
-                </a:solidFill>
-                <a:latin typeface="+mj-lt"/>
-              </a:rPr>
-              <a:t>“When hospital treatment is required, and cannot be provided in a community setting, day case treatment will be the norm.”</a:t>
-            </a:r>
-          </a:p>
-        </p:txBody>
-      </p:sp>
-      <p:cxnSp>
-        <p:nvCxnSpPr>
-          <p:cNvPr id="23556" name="Straight Connector 9">
-            <a:extLst>
-              <a:ext uri="{FF2B5EF4-FFF2-40B4-BE49-F238E27FC236}">
-                <a16:creationId xmlns:a16="http://schemas.microsoft.com/office/drawing/2014/main" id="{254558B4-DE45-E7C1-225F-DEC6839D2ED2}"/>
-              </a:ext>
-            </a:extLst>
-          </p:cNvPr>
-          <p:cNvCxnSpPr>
-            <a:cxnSpLocks noChangeShapeType="1"/>
-          </p:cNvCxnSpPr>
-          <p:nvPr/>
-        </p:nvCxnSpPr>
-        <p:spPr bwMode="auto">
-          <a:xfrm>
-            <a:off x="2051050" y="3644900"/>
-            <a:ext cx="1368425" cy="0"/>
-          </a:xfrm>
-          <a:prstGeom prst="line">
-            <a:avLst/>
-          </a:prstGeom>
-          <a:noFill/>
-          <a:ln w="9525" algn="ctr">
-            <a:solidFill>
-              <a:schemeClr val="tx1"/>
-            </a:solidFill>
-            <a:round/>
-            <a:headEnd/>
-            <a:tailEnd/>
-          </a:ln>
-          <a:extLst>
-            <a:ext uri="{909E8E84-426E-40DD-AFC4-6F175D3DCCD1}">
-              <a14:hiddenFill xmlns:a14="http://schemas.microsoft.com/office/drawing/2010/main">
-                <a:noFill/>
-              </a14:hiddenFill>
-            </a:ext>
-          </a:extLst>
-        </p:spPr>
-      </p:cxnSp>
-      <p:cxnSp>
-        <p:nvCxnSpPr>
-          <p:cNvPr id="23557" name="Straight Connector 12">
-            <a:extLst>
-              <a:ext uri="{FF2B5EF4-FFF2-40B4-BE49-F238E27FC236}">
-                <a16:creationId xmlns:a16="http://schemas.microsoft.com/office/drawing/2014/main" id="{DEFDA2CB-911D-F3B7-9B71-41E1F087FD28}"/>
-              </a:ext>
-            </a:extLst>
-          </p:cNvPr>
-          <p:cNvCxnSpPr>
-            <a:cxnSpLocks noChangeShapeType="1"/>
-          </p:cNvCxnSpPr>
-          <p:nvPr/>
-        </p:nvCxnSpPr>
-        <p:spPr bwMode="auto">
-          <a:xfrm>
-            <a:off x="755650" y="3860800"/>
-            <a:ext cx="3168650" cy="0"/>
-          </a:xfrm>
-          <a:prstGeom prst="line">
-            <a:avLst/>
-          </a:prstGeom>
-          <a:noFill/>
-          <a:ln w="9525" algn="ctr">
-            <a:solidFill>
-              <a:schemeClr val="tx1"/>
-            </a:solidFill>
-            <a:round/>
-            <a:headEnd/>
-            <a:tailEnd/>
-          </a:ln>
-          <a:extLst>
-            <a:ext uri="{909E8E84-426E-40DD-AFC4-6F175D3DCCD1}">
-              <a14:hiddenFill xmlns:a14="http://schemas.microsoft.com/office/drawing/2010/main">
-                <a:noFill/>
-              </a14:hiddenFill>
-            </a:ext>
-          </a:extLst>
-        </p:spPr>
-      </p:cxnSp>
-      <p:cxnSp>
-        <p:nvCxnSpPr>
-          <p:cNvPr id="23558" name="Straight Connector 17">
-            <a:extLst>
-              <a:ext uri="{FF2B5EF4-FFF2-40B4-BE49-F238E27FC236}">
-                <a16:creationId xmlns:a16="http://schemas.microsoft.com/office/drawing/2014/main" id="{DFBE141B-F52A-FF5C-511A-25639CAD948B}"/>
-              </a:ext>
-            </a:extLst>
-          </p:cNvPr>
-          <p:cNvCxnSpPr>
-            <a:cxnSpLocks noChangeShapeType="1"/>
-          </p:cNvCxnSpPr>
-          <p:nvPr/>
-        </p:nvCxnSpPr>
-        <p:spPr bwMode="auto">
-          <a:xfrm>
-            <a:off x="755650" y="4076700"/>
-            <a:ext cx="3384550" cy="0"/>
-          </a:xfrm>
-          <a:prstGeom prst="line">
-            <a:avLst/>
-          </a:prstGeom>
-          <a:noFill/>
-          <a:ln w="9525" algn="ctr">
-            <a:solidFill>
-              <a:schemeClr val="tx1"/>
-            </a:solidFill>
-            <a:round/>
-            <a:headEnd/>
-            <a:tailEnd/>
-          </a:ln>
-          <a:extLst>
-            <a:ext uri="{909E8E84-426E-40DD-AFC4-6F175D3DCCD1}">
-              <a14:hiddenFill xmlns:a14="http://schemas.microsoft.com/office/drawing/2010/main">
-                <a:noFill/>
-              </a14:hiddenFill>
-            </a:ext>
-          </a:extLst>
-        </p:spPr>
-      </p:cxnSp>
-      <p:cxnSp>
-        <p:nvCxnSpPr>
-          <p:cNvPr id="23559" name="Straight Connector 19">
-            <a:extLst>
-              <a:ext uri="{FF2B5EF4-FFF2-40B4-BE49-F238E27FC236}">
-                <a16:creationId xmlns:a16="http://schemas.microsoft.com/office/drawing/2014/main" id="{08431421-15E1-A99D-4674-85AF6194097D}"/>
-              </a:ext>
-            </a:extLst>
-          </p:cNvPr>
-          <p:cNvCxnSpPr>
-            <a:cxnSpLocks noChangeShapeType="1"/>
-          </p:cNvCxnSpPr>
-          <p:nvPr/>
-        </p:nvCxnSpPr>
-        <p:spPr bwMode="auto">
-          <a:xfrm>
-            <a:off x="755650" y="4292600"/>
-            <a:ext cx="3384550" cy="0"/>
-          </a:xfrm>
-          <a:prstGeom prst="line">
-            <a:avLst/>
-          </a:prstGeom>
-          <a:noFill/>
-          <a:ln w="9525" algn="ctr">
-            <a:solidFill>
-              <a:schemeClr val="tx1"/>
-            </a:solidFill>
-            <a:round/>
-            <a:headEnd/>
-            <a:tailEnd/>
-          </a:ln>
-          <a:extLst>
-            <a:ext uri="{909E8E84-426E-40DD-AFC4-6F175D3DCCD1}">
-              <a14:hiddenFill xmlns:a14="http://schemas.microsoft.com/office/drawing/2010/main">
-                <a:noFill/>
-              </a14:hiddenFill>
-            </a:ext>
-          </a:extLst>
-        </p:spPr>
-      </p:cxnSp>
-    </p:spTree>
-  </p:cSld>
-  <p:clrMapOvr>
-    <a:masterClrMapping/>
-  </p:clrMapOvr>
-</p:sld>
-</file>
-
-<file path=ppt/slides/slide2.xml><?xml version="1.0" encoding="utf-8"?>
-<p:sld xmlns:a="http://schemas.openxmlformats.org/drawingml/2006/main" xmlns:r="http://schemas.openxmlformats.org/officeDocument/2006/relationships" xmlns:p="http://schemas.openxmlformats.org/presentationml/2006/main">
-  <p:cSld>
-    <p:spTree>
-      <p:nvGrpSpPr>
-        <p:cNvPr id="1" name=""/>
-        <p:cNvGrpSpPr/>
-        <p:nvPr/>
-      </p:nvGrpSpPr>
-      <p:grpSpPr>
-        <a:xfrm>
-          <a:off x="0" y="0"/>
-          <a:ext cx="0" cy="0"/>
-          <a:chOff x="0" y="0"/>
-          <a:chExt cx="0" cy="0"/>
-        </a:xfrm>
-      </p:grpSpPr>
-      <p:pic>
-        <p:nvPicPr>
-          <p:cNvPr id="3076" name="Picture 6" descr="Whoosh">
-            <a:extLst>
-              <a:ext uri="{FF2B5EF4-FFF2-40B4-BE49-F238E27FC236}">
-                <a16:creationId xmlns:a16="http://schemas.microsoft.com/office/drawing/2014/main" id="{56805B9A-C037-1FDA-CBFE-4C740F4A375D}"/>
+          <p:cNvPr id="9218" name="Picture 6" descr="Whoosh">
+            <a:extLst>
+              <a:ext uri="{FF2B5EF4-FFF2-40B4-BE49-F238E27FC236}">
+                <a16:creationId xmlns:a16="http://schemas.microsoft.com/office/drawing/2014/main" id="{7A87F496-BABA-D228-85B7-FBAEB35B8A49}"/>
               </a:ext>
             </a:extLst>
           </p:cNvPr>
@@ -8796,10 +6270,10 @@
       </p:pic>
       <p:sp>
         <p:nvSpPr>
-          <p:cNvPr id="3074" name="Title 1">
-            <a:extLst>
-              <a:ext uri="{FF2B5EF4-FFF2-40B4-BE49-F238E27FC236}">
-                <a16:creationId xmlns:a16="http://schemas.microsoft.com/office/drawing/2014/main" id="{DB405E41-8DBE-0A2D-7587-F65A429379FA}"/>
+          <p:cNvPr id="9219" name="Title 1">
+            <a:extLst>
+              <a:ext uri="{FF2B5EF4-FFF2-40B4-BE49-F238E27FC236}">
+                <a16:creationId xmlns:a16="http://schemas.microsoft.com/office/drawing/2014/main" id="{8336E828-1FDF-9B6B-F389-25BF813AF650}"/>
               </a:ext>
             </a:extLst>
           </p:cNvPr>
@@ -8810,7 +6284,12 @@
             <p:ph type="title"/>
           </p:nvPr>
         </p:nvSpPr>
-        <p:spPr/>
+        <p:spPr>
+          <a:xfrm>
+            <a:off x="0" y="-243408"/>
+            <a:ext cx="7772400" cy="1143000"/>
+          </a:xfrm>
+        </p:spPr>
         <p:txBody>
           <a:bodyPr/>
           <a:lstStyle/>
@@ -8818,72 +6297,47 @@
             <a:pPr algn="l" eaLnBrk="1" hangingPunct="1"/>
             <a:r>
               <a:rPr lang="en-GB" altLang="en-US" b="1" dirty="0"/>
-              <a:t>Intent of our report</a:t>
-            </a:r>
-          </a:p>
-        </p:txBody>
-      </p:sp>
-      <p:sp>
-        <p:nvSpPr>
-          <p:cNvPr id="3075" name="Content Placeholder 2">
-            <a:extLst>
-              <a:ext uri="{FF2B5EF4-FFF2-40B4-BE49-F238E27FC236}">
-                <a16:creationId xmlns:a16="http://schemas.microsoft.com/office/drawing/2014/main" id="{288F9F58-AD57-A1AA-493E-A317F4F81FD9}"/>
-              </a:ext>
-            </a:extLst>
-          </p:cNvPr>
-          <p:cNvSpPr>
-            <a:spLocks noGrp="1"/>
-          </p:cNvSpPr>
-          <p:nvPr>
-            <p:ph idx="1"/>
-          </p:nvPr>
-        </p:nvSpPr>
-        <p:spPr/>
-        <p:txBody>
-          <a:bodyPr/>
-          <a:lstStyle/>
-          <a:p>
-            <a:pPr eaLnBrk="1" hangingPunct="1"/>
-            <a:r>
-              <a:rPr lang="en-US" altLang="en-US" sz="3200" b="1" dirty="0">
-                <a:latin typeface="+mj-lt"/>
-              </a:rPr>
-              <a:t>Impact of Covid on hospitalizations</a:t>
-            </a:r>
-          </a:p>
-          <a:p>
-            <a:pPr eaLnBrk="1" hangingPunct="1"/>
-            <a:r>
-              <a:rPr lang="en-US" altLang="en-US" sz="3200" b="1" dirty="0">
-                <a:latin typeface="+mj-lt"/>
-              </a:rPr>
-              <a:t>Impact of Covid on demographics</a:t>
-            </a:r>
-          </a:p>
-          <a:p>
-            <a:pPr eaLnBrk="1" hangingPunct="1"/>
-            <a:r>
-              <a:rPr lang="en-US" altLang="en-US" sz="3200" b="1" dirty="0">
-                <a:latin typeface="+mj-lt"/>
-              </a:rPr>
-              <a:t>General trend of consequent admissions</a:t>
-            </a:r>
-          </a:p>
-          <a:p>
-            <a:pPr eaLnBrk="1" hangingPunct="1"/>
-            <a:r>
-              <a:rPr lang="en-US" altLang="en-US" b="1" dirty="0">
-                <a:latin typeface="+mj-lt"/>
-              </a:rPr>
-              <a:t>Representation in Shiny dashboard</a:t>
-            </a:r>
-            <a:endParaRPr lang="en-GB" altLang="en-US" dirty="0">
-              <a:latin typeface="+mj-lt"/>
-            </a:endParaRPr>
-          </a:p>
-        </p:txBody>
-      </p:sp>
+              <a:t>Trend of Admissions</a:t>
+            </a:r>
+          </a:p>
+        </p:txBody>
+      </p:sp>
+      <p:pic>
+        <p:nvPicPr>
+          <p:cNvPr id="4" name="Picture 3">
+            <a:extLst>
+              <a:ext uri="{FF2B5EF4-FFF2-40B4-BE49-F238E27FC236}">
+                <a16:creationId xmlns:a16="http://schemas.microsoft.com/office/drawing/2014/main" id="{FFB61ECD-EE4C-10AD-7BEF-A6E62FC1D23E}"/>
+              </a:ext>
+            </a:extLst>
+          </p:cNvPr>
+          <p:cNvPicPr>
+            <a:picLocks noChangeAspect="1"/>
+          </p:cNvPicPr>
+          <p:nvPr/>
+        </p:nvPicPr>
+        <p:blipFill>
+          <a:blip r:embed="rId3">
+            <a:extLst>
+              <a:ext uri="{28A0092B-C50C-407E-A947-70E740481C1C}">
+                <a14:useLocalDpi xmlns:a14="http://schemas.microsoft.com/office/drawing/2010/main" val="0"/>
+              </a:ext>
+            </a:extLst>
+          </a:blip>
+          <a:stretch>
+            <a:fillRect/>
+          </a:stretch>
+        </p:blipFill>
+        <p:spPr>
+          <a:xfrm>
+            <a:off x="0" y="987424"/>
+            <a:ext cx="9144000" cy="5249887"/>
+          </a:xfrm>
+          <a:prstGeom prst="rect">
+            <a:avLst/>
+          </a:prstGeom>
+        </p:spPr>
+      </p:pic>
     </p:spTree>
   </p:cSld>
   <p:clrMapOvr>
@@ -8892,7 +6346,7 @@
 </p:sld>
 </file>
 
-<file path=ppt/slides/slide20.xml><?xml version="1.0" encoding="utf-8"?>
+<file path=ppt/slides/slide8.xml><?xml version="1.0" encoding="utf-8"?>
 <p:sld xmlns:a="http://schemas.openxmlformats.org/drawingml/2006/main" xmlns:r="http://schemas.openxmlformats.org/officeDocument/2006/relationships" xmlns:p="http://schemas.openxmlformats.org/presentationml/2006/main">
   <p:cSld>
     <p:spTree>
@@ -8911,10 +6365,10 @@
       </p:grpSpPr>
       <p:pic>
         <p:nvPicPr>
-          <p:cNvPr id="24578" name="Picture 6" descr="Whoosh">
-            <a:extLst>
-              <a:ext uri="{FF2B5EF4-FFF2-40B4-BE49-F238E27FC236}">
-                <a16:creationId xmlns:a16="http://schemas.microsoft.com/office/drawing/2014/main" id="{09E62E99-969A-863E-F3F3-E6CEEB5C5E8B}"/>
+          <p:cNvPr id="10242" name="Picture 6" descr="Whoosh">
+            <a:extLst>
+              <a:ext uri="{FF2B5EF4-FFF2-40B4-BE49-F238E27FC236}">
+                <a16:creationId xmlns:a16="http://schemas.microsoft.com/office/drawing/2014/main" id="{C0773036-C7B2-8EEC-B041-03C9BB887245}"/>
               </a:ext>
             </a:extLst>
           </p:cNvPr>
@@ -8971,10 +6425,10 @@
       </p:pic>
       <p:sp>
         <p:nvSpPr>
-          <p:cNvPr id="24579" name="Title 1">
-            <a:extLst>
-              <a:ext uri="{FF2B5EF4-FFF2-40B4-BE49-F238E27FC236}">
-                <a16:creationId xmlns:a16="http://schemas.microsoft.com/office/drawing/2014/main" id="{8FB07DEC-5C40-AE2F-67CE-9B7922F2BB8C}"/>
+          <p:cNvPr id="10243" name="Title 1">
+            <a:extLst>
+              <a:ext uri="{FF2B5EF4-FFF2-40B4-BE49-F238E27FC236}">
+                <a16:creationId xmlns:a16="http://schemas.microsoft.com/office/drawing/2014/main" id="{7A44A555-10CE-4863-E416-6EC822CD9726}"/>
               </a:ext>
             </a:extLst>
           </p:cNvPr>
@@ -8987,7 +6441,7 @@
         </p:nvSpPr>
         <p:spPr>
           <a:xfrm>
-            <a:off x="684213" y="260350"/>
+            <a:off x="-1981" y="-243408"/>
             <a:ext cx="7772400" cy="1143000"/>
           </a:xfrm>
         </p:spPr>
@@ -8997,26 +6451,18 @@
           <a:p>
             <a:pPr algn="l" eaLnBrk="1" hangingPunct="1"/>
             <a:r>
-              <a:rPr lang="en-GB" altLang="en-US" sz="3600" b="1"/>
-              <a:t>The recent history of the CIC</a:t>
-            </a:r>
-            <a:br>
-              <a:rPr lang="en-GB" altLang="en-US" sz="3600" b="1"/>
-            </a:br>
-            <a:r>
-              <a:rPr lang="en-GB" altLang="en-US" sz="2800" b="1"/>
-              <a:t>An ongoing process of change</a:t>
-            </a:r>
-            <a:endParaRPr lang="en-GB" altLang="en-US" sz="3600" b="1"/>
-          </a:p>
-        </p:txBody>
-      </p:sp>
-      <p:sp>
-        <p:nvSpPr>
-          <p:cNvPr id="24580" name="Content Placeholder 2">
-            <a:extLst>
-              <a:ext uri="{FF2B5EF4-FFF2-40B4-BE49-F238E27FC236}">
-                <a16:creationId xmlns:a16="http://schemas.microsoft.com/office/drawing/2014/main" id="{4E70C783-4369-7CEE-A5C6-27F097C59501}"/>
+              <a:rPr lang="en-GB" altLang="en-US" b="1" dirty="0"/>
+              <a:t>Trend of stays</a:t>
+            </a:r>
+          </a:p>
+        </p:txBody>
+      </p:sp>
+      <p:sp>
+        <p:nvSpPr>
+          <p:cNvPr id="2" name="Content Placeholder 1">
+            <a:extLst>
+              <a:ext uri="{FF2B5EF4-FFF2-40B4-BE49-F238E27FC236}">
+                <a16:creationId xmlns:a16="http://schemas.microsoft.com/office/drawing/2014/main" id="{5478A769-7D39-9A6F-45FB-28700452DC33}"/>
               </a:ext>
             </a:extLst>
           </p:cNvPr>
@@ -9027,52 +6473,45 @@
             <p:ph idx="1"/>
           </p:nvPr>
         </p:nvSpPr>
+        <p:spPr/>
+        <p:txBody>
+          <a:bodyPr/>
+          <a:lstStyle/>
+          <a:p>
+            <a:endParaRPr lang="en-GB"/>
+          </a:p>
+        </p:txBody>
+      </p:sp>
+      <p:pic>
+        <p:nvPicPr>
+          <p:cNvPr id="4" name="Picture 3">
+            <a:extLst>
+              <a:ext uri="{FF2B5EF4-FFF2-40B4-BE49-F238E27FC236}">
+                <a16:creationId xmlns:a16="http://schemas.microsoft.com/office/drawing/2014/main" id="{A7C7F028-B870-A699-6167-DC6A79401A4D}"/>
+              </a:ext>
+            </a:extLst>
+          </p:cNvPr>
+          <p:cNvPicPr>
+            <a:picLocks noChangeAspect="1"/>
+          </p:cNvPicPr>
+          <p:nvPr/>
+        </p:nvPicPr>
+        <p:blipFill>
+          <a:blip r:embed="rId3"/>
+          <a:stretch>
+            <a:fillRect/>
+          </a:stretch>
+        </p:blipFill>
         <p:spPr>
           <a:xfrm>
-            <a:off x="684213" y="1557338"/>
-            <a:ext cx="7772400" cy="4754562"/>
+            <a:off x="107505" y="762000"/>
+            <a:ext cx="5116964" cy="3130550"/>
           </a:xfrm>
-        </p:spPr>
-        <p:txBody>
-          <a:bodyPr/>
-          <a:lstStyle/>
-          <a:p>
-            <a:pPr eaLnBrk="1" hangingPunct="1"/>
-            <a:r>
-              <a:rPr lang="en-GB" altLang="en-US" sz="2400"/>
-              <a:t>Following the direction laid out in the 2020 Vision, along with the rest of planned care services across NHSGGC, the CIC has adapted to deliver more care on an outpatient or day case basis</a:t>
-            </a:r>
-          </a:p>
-          <a:p>
-            <a:pPr eaLnBrk="1" hangingPunct="1">
-              <a:buFontTx/>
-              <a:buNone/>
-            </a:pPr>
-            <a:endParaRPr lang="en-GB" altLang="en-US" sz="1600"/>
-          </a:p>
-          <a:p>
-            <a:pPr eaLnBrk="1" hangingPunct="1"/>
-            <a:r>
-              <a:rPr lang="en-GB" altLang="en-US" sz="2400"/>
-              <a:t>The CIC has been on a redesign journey for a number of years, guided by the Scottish Government’s Long Term Conditions strategy</a:t>
-            </a:r>
-          </a:p>
-          <a:p>
-            <a:pPr eaLnBrk="1" hangingPunct="1">
-              <a:buFontTx/>
-              <a:buNone/>
-            </a:pPr>
-            <a:endParaRPr lang="en-GB" altLang="en-US" sz="2400"/>
-          </a:p>
-          <a:p>
-            <a:pPr eaLnBrk="1" hangingPunct="1"/>
-            <a:r>
-              <a:rPr lang="en-GB" altLang="en-US" sz="2400"/>
-              <a:t>As part of this, it has already reduced from 15 inpatient beds, seven days a week, to 7 beds for overnight accommodation four nights a week</a:t>
-            </a:r>
-          </a:p>
-        </p:txBody>
-      </p:sp>
+          <a:prstGeom prst="rect">
+            <a:avLst/>
+          </a:prstGeom>
+        </p:spPr>
+      </p:pic>
     </p:spTree>
   </p:cSld>
   <p:clrMapOvr>
@@ -9081,7 +6520,7 @@
 </p:sld>
 </file>
 
-<file path=ppt/slides/slide21.xml><?xml version="1.0" encoding="utf-8"?>
+<file path=ppt/slides/slide9.xml><?xml version="1.0" encoding="utf-8"?>
 <p:sld xmlns:a="http://schemas.openxmlformats.org/drawingml/2006/main" xmlns:r="http://schemas.openxmlformats.org/officeDocument/2006/relationships" xmlns:p="http://schemas.openxmlformats.org/presentationml/2006/main">
   <p:cSld>
     <p:spTree>
@@ -9100,10 +6539,10 @@
       </p:grpSpPr>
       <p:pic>
         <p:nvPicPr>
-          <p:cNvPr id="25602" name="Picture 6" descr="Whoosh">
-            <a:extLst>
-              <a:ext uri="{FF2B5EF4-FFF2-40B4-BE49-F238E27FC236}">
-                <a16:creationId xmlns:a16="http://schemas.microsoft.com/office/drawing/2014/main" id="{A38198D7-7655-0591-07AC-DCF95563E5F3}"/>
+          <p:cNvPr id="11266" name="Picture 6" descr="Whoosh">
+            <a:extLst>
+              <a:ext uri="{FF2B5EF4-FFF2-40B4-BE49-F238E27FC236}">
+                <a16:creationId xmlns:a16="http://schemas.microsoft.com/office/drawing/2014/main" id="{CA74C155-1AC0-0752-CC26-BE6F203D3A88}"/>
               </a:ext>
             </a:extLst>
           </p:cNvPr>
@@ -9160,10 +6599,10 @@
       </p:pic>
       <p:sp>
         <p:nvSpPr>
-          <p:cNvPr id="25603" name="Title 1">
-            <a:extLst>
-              <a:ext uri="{FF2B5EF4-FFF2-40B4-BE49-F238E27FC236}">
-                <a16:creationId xmlns:a16="http://schemas.microsoft.com/office/drawing/2014/main" id="{035E4B96-7E0F-78B6-6168-35176CE31530}"/>
+          <p:cNvPr id="11267" name="Title 1">
+            <a:extLst>
+              <a:ext uri="{FF2B5EF4-FFF2-40B4-BE49-F238E27FC236}">
+                <a16:creationId xmlns:a16="http://schemas.microsoft.com/office/drawing/2014/main" id="{1451893C-1255-1EFC-7B76-09729BD80122}"/>
               </a:ext>
             </a:extLst>
           </p:cNvPr>
@@ -9176,7 +6615,7 @@
         </p:nvSpPr>
         <p:spPr>
           <a:xfrm>
-            <a:off x="684213" y="476250"/>
+            <a:off x="0" y="-243408"/>
             <a:ext cx="7772400" cy="1143000"/>
           </a:xfrm>
         </p:spPr>
@@ -9186,18 +6625,18 @@
           <a:p>
             <a:pPr algn="l" eaLnBrk="1" hangingPunct="1"/>
             <a:r>
-              <a:rPr lang="en-GB" altLang="en-US" sz="3200" b="1"/>
-              <a:t>What do other Integrative Care Centres across the UK currently  do?</a:t>
-            </a:r>
-          </a:p>
-        </p:txBody>
-      </p:sp>
-      <p:sp>
-        <p:nvSpPr>
-          <p:cNvPr id="25604" name="Content Placeholder 2">
-            <a:extLst>
-              <a:ext uri="{FF2B5EF4-FFF2-40B4-BE49-F238E27FC236}">
-                <a16:creationId xmlns:a16="http://schemas.microsoft.com/office/drawing/2014/main" id="{417C5B6E-0D3F-FB3F-815D-080F46D177BE}"/>
+              <a:rPr lang="en-GB" altLang="en-US" b="1" dirty="0"/>
+              <a:t>Trend of deaths</a:t>
+            </a:r>
+          </a:p>
+        </p:txBody>
+      </p:sp>
+      <p:sp>
+        <p:nvSpPr>
+          <p:cNvPr id="2" name="Content Placeholder 1">
+            <a:extLst>
+              <a:ext uri="{FF2B5EF4-FFF2-40B4-BE49-F238E27FC236}">
+                <a16:creationId xmlns:a16="http://schemas.microsoft.com/office/drawing/2014/main" id="{CDFA73F2-E46F-B451-C791-D9C9088507CD}"/>
               </a:ext>
             </a:extLst>
           </p:cNvPr>
@@ -9208,463 +6647,93 @@
             <p:ph idx="1"/>
           </p:nvPr>
         </p:nvSpPr>
-        <p:spPr>
-          <a:xfrm>
-            <a:off x="685800" y="1700213"/>
-            <a:ext cx="7772400" cy="4176712"/>
-          </a:xfrm>
-        </p:spPr>
+        <p:spPr/>
         <p:txBody>
           <a:bodyPr/>
           <a:lstStyle/>
           <a:p>
-            <a:pPr eaLnBrk="1" hangingPunct="1"/>
-            <a:r>
-              <a:rPr lang="en-GB" altLang="en-US" sz="2800"/>
-              <a:t>There are two other large centres in the UK providing NHS Integrative Care services:</a:t>
-            </a:r>
-          </a:p>
-          <a:p>
-            <a:pPr lvl="1" eaLnBrk="1" hangingPunct="1"/>
-            <a:r>
-              <a:rPr lang="en-GB" altLang="en-US" sz="2400"/>
-              <a:t>Royal London Hospital for Integrated Medicine </a:t>
-            </a:r>
-          </a:p>
-          <a:p>
-            <a:pPr lvl="1" eaLnBrk="1" hangingPunct="1"/>
-            <a:r>
-              <a:rPr lang="en-GB" altLang="en-US" sz="2400"/>
-              <a:t>The Portland Centre for Integrative Medicine, Brighton</a:t>
-            </a:r>
-          </a:p>
-          <a:p>
-            <a:pPr lvl="1" eaLnBrk="1" hangingPunct="1">
-              <a:buFontTx/>
-              <a:buNone/>
-            </a:pPr>
-            <a:endParaRPr lang="en-GB" altLang="en-US" sz="2000"/>
-          </a:p>
-          <a:p>
-            <a:pPr eaLnBrk="1" hangingPunct="1"/>
-            <a:r>
-              <a:rPr lang="en-GB" altLang="en-US" sz="2800"/>
-              <a:t>In both of these English Centres they have already fully transformed all their services to be delivered as outpatients or day treatment courses and have no inpatient beds</a:t>
-            </a:r>
-          </a:p>
-        </p:txBody>
-      </p:sp>
-    </p:spTree>
-  </p:cSld>
-  <p:clrMapOvr>
-    <a:masterClrMapping/>
-  </p:clrMapOvr>
-</p:sld>
-</file>
-
-<file path=ppt/slides/slide22.xml><?xml version="1.0" encoding="utf-8"?>
-<p:sld xmlns:a="http://schemas.openxmlformats.org/drawingml/2006/main" xmlns:r="http://schemas.openxmlformats.org/officeDocument/2006/relationships" xmlns:p="http://schemas.openxmlformats.org/presentationml/2006/main">
-  <p:cSld>
-    <p:spTree>
-      <p:nvGrpSpPr>
-        <p:cNvPr id="1" name=""/>
-        <p:cNvGrpSpPr/>
-        <p:nvPr/>
-      </p:nvGrpSpPr>
-      <p:grpSpPr>
-        <a:xfrm>
-          <a:off x="0" y="0"/>
-          <a:ext cx="0" cy="0"/>
-          <a:chOff x="0" y="0"/>
-          <a:chExt cx="0" cy="0"/>
-        </a:xfrm>
-      </p:grpSpPr>
-      <p:pic>
-        <p:nvPicPr>
-          <p:cNvPr id="28674" name="Picture 6" descr="Whoosh">
-            <a:extLst>
-              <a:ext uri="{FF2B5EF4-FFF2-40B4-BE49-F238E27FC236}">
-                <a16:creationId xmlns:a16="http://schemas.microsoft.com/office/drawing/2014/main" id="{DAE04C47-5A99-D3BB-1D42-87B83C94290C}"/>
-              </a:ext>
-            </a:extLst>
-          </p:cNvPr>
-          <p:cNvPicPr>
-            <a:picLocks noChangeAspect="1" noChangeArrowheads="1"/>
-          </p:cNvPicPr>
+            <a:endParaRPr lang="en-GB" dirty="0"/>
+          </a:p>
+        </p:txBody>
+      </p:sp>
+      <p:sp>
+        <p:nvSpPr>
+          <p:cNvPr id="7" name="Rectangle 6">
+            <a:extLst>
+              <a:ext uri="{FF2B5EF4-FFF2-40B4-BE49-F238E27FC236}">
+                <a16:creationId xmlns:a16="http://schemas.microsoft.com/office/drawing/2014/main" id="{36B7B640-E4FB-03B3-D824-CE07720B43D2}"/>
+              </a:ext>
+            </a:extLst>
+          </p:cNvPr>
+          <p:cNvSpPr/>
           <p:nvPr/>
-        </p:nvPicPr>
-        <p:blipFill>
-          <a:blip r:embed="rId2">
-            <a:extLst>
-              <a:ext uri="{28A0092B-C50C-407E-A947-70E740481C1C}">
-                <a14:useLocalDpi xmlns:a14="http://schemas.microsoft.com/office/drawing/2010/main" val="0"/>
-              </a:ext>
-            </a:extLst>
-          </a:blip>
-          <a:srcRect/>
-          <a:stretch>
-            <a:fillRect/>
-          </a:stretch>
-        </p:blipFill>
+        </p:nvSpPr>
         <p:spPr bwMode="auto">
           <a:xfrm>
-            <a:off x="0" y="3892550"/>
-            <a:ext cx="9144000" cy="2965450"/>
+            <a:off x="685800" y="6381328"/>
+            <a:ext cx="285800" cy="288032"/>
           </a:xfrm>
           <a:prstGeom prst="rect">
             <a:avLst/>
           </a:prstGeom>
-          <a:noFill/>
-          <a:ln>
-            <a:noFill/>
+          <a:solidFill>
+            <a:srgbClr val="0000FF"/>
+          </a:solidFill>
+          <a:ln w="9525" cap="flat" cmpd="sng" algn="ctr">
+            <a:solidFill>
+              <a:schemeClr val="tx1"/>
+            </a:solidFill>
+            <a:prstDash val="solid"/>
+            <a:round/>
+            <a:headEnd type="none" w="med" len="med"/>
+            <a:tailEnd type="none" w="med" len="med"/>
           </a:ln>
-          <a:extLst>
-            <a:ext uri="{909E8E84-426E-40DD-AFC4-6F175D3DCCD1}">
-              <a14:hiddenFill xmlns:a14="http://schemas.microsoft.com/office/drawing/2010/main">
-                <a:solidFill>
-                  <a:srgbClr val="FFFFFF"/>
-                </a:solidFill>
-              </a14:hiddenFill>
-            </a:ext>
-            <a:ext uri="{91240B29-F687-4F45-9708-019B960494DF}">
-              <a14:hiddenLine xmlns:a14="http://schemas.microsoft.com/office/drawing/2010/main" w="9525">
-                <a:solidFill>
-                  <a:srgbClr val="000000"/>
-                </a:solidFill>
-                <a:miter lim="800000"/>
-                <a:headEnd/>
-                <a:tailEnd/>
-              </a14:hiddenLine>
-            </a:ext>
-          </a:extLst>
-        </p:spPr>
-      </p:pic>
-      <p:sp>
-        <p:nvSpPr>
-          <p:cNvPr id="28675" name="Title 1">
-            <a:extLst>
-              <a:ext uri="{FF2B5EF4-FFF2-40B4-BE49-F238E27FC236}">
-                <a16:creationId xmlns:a16="http://schemas.microsoft.com/office/drawing/2014/main" id="{D50E1889-4D37-D1DD-2F21-819D7F663E09}"/>
-              </a:ext>
-            </a:extLst>
-          </p:cNvPr>
-          <p:cNvSpPr>
-            <a:spLocks noGrp="1"/>
-          </p:cNvSpPr>
-          <p:nvPr>
-            <p:ph type="title"/>
-          </p:nvPr>
-        </p:nvSpPr>
-        <p:spPr>
-          <a:xfrm>
-            <a:off x="684213" y="620713"/>
-            <a:ext cx="7772400" cy="1143000"/>
-          </a:xfrm>
-        </p:spPr>
-        <p:txBody>
-          <a:bodyPr/>
+          <a:effectLst/>
+        </p:spPr>
+        <p:txBody>
+          <a:bodyPr vert="horz" wrap="square" lIns="91440" tIns="45720" rIns="91440" bIns="45720" numCol="1" rtlCol="0" anchor="t" anchorCtr="0" compatLnSpc="1">
+            <a:prstTxWarp prst="textNoShape">
+              <a:avLst/>
+            </a:prstTxWarp>
+          </a:bodyPr>
           <a:lstStyle/>
           <a:p>
-            <a:pPr algn="l" eaLnBrk="1" hangingPunct="1"/>
-            <a:r>
-              <a:rPr lang="en-GB" altLang="en-US" b="1"/>
-              <a:t>Other NHS GGC Services</a:t>
-            </a:r>
-          </a:p>
-        </p:txBody>
-      </p:sp>
-      <p:sp>
-        <p:nvSpPr>
-          <p:cNvPr id="28676" name="Content Placeholder 2">
-            <a:extLst>
-              <a:ext uri="{FF2B5EF4-FFF2-40B4-BE49-F238E27FC236}">
-                <a16:creationId xmlns:a16="http://schemas.microsoft.com/office/drawing/2014/main" id="{35AD612C-076D-301D-679B-A6FCA33D3117}"/>
-              </a:ext>
-            </a:extLst>
-          </p:cNvPr>
-          <p:cNvSpPr>
-            <a:spLocks noGrp="1"/>
-          </p:cNvSpPr>
-          <p:nvPr>
-            <p:ph idx="1"/>
-          </p:nvPr>
-        </p:nvSpPr>
-        <p:spPr>
-          <a:xfrm>
-            <a:off x="684213" y="1890713"/>
-            <a:ext cx="7772400" cy="4967287"/>
-          </a:xfrm>
-        </p:spPr>
-        <p:txBody>
-          <a:bodyPr/>
-          <a:lstStyle/>
-          <a:p>
-            <a:pPr eaLnBrk="1" hangingPunct="1"/>
-            <a:r>
-              <a:rPr lang="en-GB" altLang="en-US"/>
-              <a:t>As well as bringing the CIC service delivery into line with the other UK centres </a:t>
-            </a:r>
-          </a:p>
-          <a:p>
-            <a:pPr lvl="1" eaLnBrk="1" hangingPunct="1"/>
-            <a:r>
-              <a:rPr lang="en-GB" altLang="en-US"/>
-              <a:t>This change would align the clinical model within CIC to those delivered in other services</a:t>
-            </a:r>
-          </a:p>
-          <a:p>
-            <a:pPr lvl="2" eaLnBrk="1" hangingPunct="1"/>
-            <a:r>
-              <a:rPr lang="en-GB" altLang="en-US"/>
-              <a:t>At the adjacent Beatson West of Scotland Cancer Centre, chemotherapy and radiotherapy are delivered as five day programmes on a day case basis</a:t>
-            </a:r>
-          </a:p>
-        </p:txBody>
-      </p:sp>
-    </p:spTree>
-  </p:cSld>
-  <p:clrMapOvr>
-    <a:masterClrMapping/>
-  </p:clrMapOvr>
-</p:sld>
-</file>
-
-<file path=ppt/slides/slide3.xml><?xml version="1.0" encoding="utf-8"?>
-<p:sld xmlns:a="http://schemas.openxmlformats.org/drawingml/2006/main" xmlns:r="http://schemas.openxmlformats.org/officeDocument/2006/relationships" xmlns:p="http://schemas.openxmlformats.org/presentationml/2006/main">
-  <p:cSld>
-    <p:spTree>
-      <p:nvGrpSpPr>
-        <p:cNvPr id="1" name=""/>
-        <p:cNvGrpSpPr/>
-        <p:nvPr/>
-      </p:nvGrpSpPr>
-      <p:grpSpPr>
-        <a:xfrm>
-          <a:off x="0" y="0"/>
-          <a:ext cx="0" cy="0"/>
-          <a:chOff x="0" y="0"/>
-          <a:chExt cx="0" cy="0"/>
-        </a:xfrm>
-      </p:grpSpPr>
+            <a:pPr marL="0" marR="0" indent="0" algn="l" defTabSz="914400" rtl="0" eaLnBrk="0" fontAlgn="base" latinLnBrk="0" hangingPunct="0">
+              <a:lnSpc>
+                <a:spcPct val="100000"/>
+              </a:lnSpc>
+              <a:spcBef>
+                <a:spcPct val="0"/>
+              </a:spcBef>
+              <a:spcAft>
+                <a:spcPct val="0"/>
+              </a:spcAft>
+              <a:buClrTx/>
+              <a:buSzTx/>
+              <a:buFontTx/>
+              <a:buNone/>
+              <a:tabLst/>
+            </a:pPr>
+            <a:endParaRPr kumimoji="0" lang="en-GB" sz="2400" b="0" i="0" u="none" strike="noStrike" cap="none" normalizeH="0" baseline="0">
+              <a:ln>
+                <a:noFill/>
+              </a:ln>
+              <a:solidFill>
+                <a:schemeClr val="tx1"/>
+              </a:solidFill>
+              <a:effectLst/>
+              <a:latin typeface="Arial" charset="0"/>
+              <a:ea typeface="ＭＳ Ｐゴシック" pitchFamily="116" charset="-128"/>
+            </a:endParaRPr>
+          </a:p>
+        </p:txBody>
+      </p:sp>
       <p:pic>
         <p:nvPicPr>
-          <p:cNvPr id="4098" name="Picture 6" descr="Whoosh">
-            <a:extLst>
-              <a:ext uri="{FF2B5EF4-FFF2-40B4-BE49-F238E27FC236}">
-                <a16:creationId xmlns:a16="http://schemas.microsoft.com/office/drawing/2014/main" id="{45B9997A-9E85-2538-111D-C9B73F0D9A31}"/>
-              </a:ext>
-            </a:extLst>
-          </p:cNvPr>
-          <p:cNvPicPr>
-            <a:picLocks noChangeAspect="1" noChangeArrowheads="1"/>
-          </p:cNvPicPr>
-          <p:nvPr/>
-        </p:nvPicPr>
-        <p:blipFill>
-          <a:blip r:embed="rId2">
-            <a:extLst>
-              <a:ext uri="{28A0092B-C50C-407E-A947-70E740481C1C}">
-                <a14:useLocalDpi xmlns:a14="http://schemas.microsoft.com/office/drawing/2010/main" val="0"/>
-              </a:ext>
-            </a:extLst>
-          </a:blip>
-          <a:srcRect/>
-          <a:stretch>
-            <a:fillRect/>
-          </a:stretch>
-        </p:blipFill>
-        <p:spPr bwMode="auto">
-          <a:xfrm>
-            <a:off x="0" y="3892550"/>
-            <a:ext cx="9144000" cy="2965450"/>
-          </a:xfrm>
-          <a:prstGeom prst="rect">
-            <a:avLst/>
-          </a:prstGeom>
-          <a:noFill/>
-          <a:ln>
-            <a:noFill/>
-          </a:ln>
-          <a:extLst>
-            <a:ext uri="{909E8E84-426E-40DD-AFC4-6F175D3DCCD1}">
-              <a14:hiddenFill xmlns:a14="http://schemas.microsoft.com/office/drawing/2010/main">
-                <a:solidFill>
-                  <a:srgbClr val="FFFFFF"/>
-                </a:solidFill>
-              </a14:hiddenFill>
-            </a:ext>
-            <a:ext uri="{91240B29-F687-4F45-9708-019B960494DF}">
-              <a14:hiddenLine xmlns:a14="http://schemas.microsoft.com/office/drawing/2010/main" w="9525">
-                <a:solidFill>
-                  <a:srgbClr val="000000"/>
-                </a:solidFill>
-                <a:miter lim="800000"/>
-                <a:headEnd/>
-                <a:tailEnd/>
-              </a14:hiddenLine>
-            </a:ext>
-          </a:extLst>
-        </p:spPr>
-      </p:pic>
-      <p:sp>
-        <p:nvSpPr>
-          <p:cNvPr id="4099" name="Title 1">
-            <a:extLst>
-              <a:ext uri="{FF2B5EF4-FFF2-40B4-BE49-F238E27FC236}">
-                <a16:creationId xmlns:a16="http://schemas.microsoft.com/office/drawing/2014/main" id="{01A5C118-013F-ECEC-FD4C-7E307BA2B6B5}"/>
-              </a:ext>
-            </a:extLst>
-          </p:cNvPr>
-          <p:cNvSpPr>
-            <a:spLocks noGrp="1"/>
-          </p:cNvSpPr>
-          <p:nvPr>
-            <p:ph type="title"/>
-          </p:nvPr>
-        </p:nvSpPr>
-        <p:spPr>
-          <a:xfrm>
-            <a:off x="179512" y="-117475"/>
-            <a:ext cx="7772400" cy="1143000"/>
-          </a:xfrm>
-        </p:spPr>
-        <p:txBody>
-          <a:bodyPr/>
-          <a:lstStyle/>
-          <a:p>
-            <a:pPr algn="l" eaLnBrk="1" hangingPunct="1"/>
-            <a:r>
-              <a:rPr lang="en-GB" altLang="en-US" b="1" dirty="0"/>
-              <a:t>Hospitalisations</a:t>
-            </a:r>
-          </a:p>
-        </p:txBody>
-      </p:sp>
-    </p:spTree>
-  </p:cSld>
-  <p:clrMapOvr>
-    <a:masterClrMapping/>
-  </p:clrMapOvr>
-</p:sld>
-</file>
-
-<file path=ppt/slides/slide4.xml><?xml version="1.0" encoding="utf-8"?>
-<p:sld xmlns:a="http://schemas.openxmlformats.org/drawingml/2006/main" xmlns:r="http://schemas.openxmlformats.org/officeDocument/2006/relationships" xmlns:p="http://schemas.openxmlformats.org/presentationml/2006/main">
-  <p:cSld>
-    <p:spTree>
-      <p:nvGrpSpPr>
-        <p:cNvPr id="1" name=""/>
-        <p:cNvGrpSpPr/>
-        <p:nvPr/>
-      </p:nvGrpSpPr>
-      <p:grpSpPr>
-        <a:xfrm>
-          <a:off x="0" y="0"/>
-          <a:ext cx="0" cy="0"/>
-          <a:chOff x="0" y="0"/>
-          <a:chExt cx="0" cy="0"/>
-        </a:xfrm>
-      </p:grpSpPr>
-      <p:sp>
-        <p:nvSpPr>
-          <p:cNvPr id="5122" name="Title 3">
-            <a:extLst>
-              <a:ext uri="{FF2B5EF4-FFF2-40B4-BE49-F238E27FC236}">
-                <a16:creationId xmlns:a16="http://schemas.microsoft.com/office/drawing/2014/main" id="{40362D40-759F-5B45-1201-DE2E6C4561A5}"/>
-              </a:ext>
-            </a:extLst>
-          </p:cNvPr>
-          <p:cNvSpPr>
-            <a:spLocks noGrp="1"/>
-          </p:cNvSpPr>
-          <p:nvPr>
-            <p:ph type="ctrTitle"/>
-          </p:nvPr>
-        </p:nvSpPr>
-        <p:spPr>
-          <a:xfrm>
-            <a:off x="-396552" y="116632"/>
-            <a:ext cx="7772400" cy="504056"/>
-          </a:xfrm>
-        </p:spPr>
-        <p:txBody>
-          <a:bodyPr/>
-          <a:lstStyle/>
-          <a:p>
-            <a:pPr eaLnBrk="1" hangingPunct="1"/>
-            <a:r>
-              <a:rPr lang="en-GB" altLang="en-US" b="1" dirty="0"/>
-              <a:t>Impact on Demographics</a:t>
-            </a:r>
-          </a:p>
-        </p:txBody>
-      </p:sp>
-      <p:pic>
-        <p:nvPicPr>
-          <p:cNvPr id="5123" name="Picture 6" descr="Whoosh">
-            <a:extLst>
-              <a:ext uri="{FF2B5EF4-FFF2-40B4-BE49-F238E27FC236}">
-                <a16:creationId xmlns:a16="http://schemas.microsoft.com/office/drawing/2014/main" id="{6E2A7B9C-F50A-6269-D7B9-1080BD40C91B}"/>
-              </a:ext>
-            </a:extLst>
-          </p:cNvPr>
-          <p:cNvPicPr>
-            <a:picLocks noChangeAspect="1" noChangeArrowheads="1"/>
-          </p:cNvPicPr>
-          <p:nvPr/>
-        </p:nvPicPr>
-        <p:blipFill>
-          <a:blip r:embed="rId2">
-            <a:extLst>
-              <a:ext uri="{28A0092B-C50C-407E-A947-70E740481C1C}">
-                <a14:useLocalDpi xmlns:a14="http://schemas.microsoft.com/office/drawing/2010/main" val="0"/>
-              </a:ext>
-            </a:extLst>
-          </a:blip>
-          <a:srcRect/>
-          <a:stretch>
-            <a:fillRect/>
-          </a:stretch>
-        </p:blipFill>
-        <p:spPr bwMode="auto">
-          <a:xfrm>
-            <a:off x="0" y="3892550"/>
-            <a:ext cx="9144000" cy="2965450"/>
-          </a:xfrm>
-          <a:prstGeom prst="rect">
-            <a:avLst/>
-          </a:prstGeom>
-          <a:noFill/>
-          <a:ln>
-            <a:noFill/>
-          </a:ln>
-          <a:extLst>
-            <a:ext uri="{909E8E84-426E-40DD-AFC4-6F175D3DCCD1}">
-              <a14:hiddenFill xmlns:a14="http://schemas.microsoft.com/office/drawing/2010/main">
-                <a:solidFill>
-                  <a:srgbClr val="FFFFFF"/>
-                </a:solidFill>
-              </a14:hiddenFill>
-            </a:ext>
-            <a:ext uri="{91240B29-F687-4F45-9708-019B960494DF}">
-              <a14:hiddenLine xmlns:a14="http://schemas.microsoft.com/office/drawing/2010/main" w="9525">
-                <a:solidFill>
-                  <a:srgbClr val="000000"/>
-                </a:solidFill>
-                <a:miter lim="800000"/>
-                <a:headEnd/>
-                <a:tailEnd/>
-              </a14:hiddenLine>
-            </a:ext>
-          </a:extLst>
-        </p:spPr>
-      </p:pic>
-      <p:pic>
-        <p:nvPicPr>
-          <p:cNvPr id="3" name="Picture 2">
-            <a:extLst>
-              <a:ext uri="{FF2B5EF4-FFF2-40B4-BE49-F238E27FC236}">
-                <a16:creationId xmlns:a16="http://schemas.microsoft.com/office/drawing/2014/main" id="{BF21D4EB-F687-21AA-D614-30ED6955DA5F}"/>
+          <p:cNvPr id="9" name="Picture 8">
+            <a:extLst>
+              <a:ext uri="{FF2B5EF4-FFF2-40B4-BE49-F238E27FC236}">
+                <a16:creationId xmlns:a16="http://schemas.microsoft.com/office/drawing/2014/main" id="{6C2B1612-42AF-CAD3-0CFE-92B2C1238269}"/>
               </a:ext>
             </a:extLst>
           </p:cNvPr>
@@ -9681,831 +6750,156 @@
         </p:blipFill>
         <p:spPr>
           <a:xfrm>
-            <a:off x="323528" y="823757"/>
-            <a:ext cx="4927091" cy="3068793"/>
+            <a:off x="0" y="762000"/>
+            <a:ext cx="9144000" cy="5430688"/>
           </a:xfrm>
           <a:prstGeom prst="rect">
             <a:avLst/>
           </a:prstGeom>
         </p:spPr>
       </p:pic>
-    </p:spTree>
-  </p:cSld>
-  <p:clrMapOvr>
-    <a:masterClrMapping/>
-  </p:clrMapOvr>
-</p:sld>
-</file>
-
-<file path=ppt/slides/slide5.xml><?xml version="1.0" encoding="utf-8"?>
-<p:sld xmlns:a="http://schemas.openxmlformats.org/drawingml/2006/main" xmlns:r="http://schemas.openxmlformats.org/officeDocument/2006/relationships" xmlns:p="http://schemas.openxmlformats.org/presentationml/2006/main">
-  <p:cSld>
-    <p:spTree>
-      <p:nvGrpSpPr>
-        <p:cNvPr id="1" name=""/>
-        <p:cNvGrpSpPr/>
-        <p:nvPr/>
-      </p:nvGrpSpPr>
-      <p:grpSpPr>
-        <a:xfrm>
-          <a:off x="0" y="0"/>
-          <a:ext cx="0" cy="0"/>
-          <a:chOff x="0" y="0"/>
-          <a:chExt cx="0" cy="0"/>
-        </a:xfrm>
-      </p:grpSpPr>
-      <p:pic>
-        <p:nvPicPr>
-          <p:cNvPr id="6146" name="Picture 6" descr="Whoosh">
-            <a:extLst>
-              <a:ext uri="{FF2B5EF4-FFF2-40B4-BE49-F238E27FC236}">
-                <a16:creationId xmlns:a16="http://schemas.microsoft.com/office/drawing/2014/main" id="{B87E6D56-3A72-6493-C5C3-65D174BB37B9}"/>
-              </a:ext>
-            </a:extLst>
-          </p:cNvPr>
-          <p:cNvPicPr>
-            <a:picLocks noChangeAspect="1" noChangeArrowheads="1"/>
-          </p:cNvPicPr>
+      <p:sp>
+        <p:nvSpPr>
+          <p:cNvPr id="10" name="Rectangle 9">
+            <a:extLst>
+              <a:ext uri="{FF2B5EF4-FFF2-40B4-BE49-F238E27FC236}">
+                <a16:creationId xmlns:a16="http://schemas.microsoft.com/office/drawing/2014/main" id="{2643C6D9-2CFB-D3D4-EB3C-8B393B8EF2F3}"/>
+              </a:ext>
+            </a:extLst>
+          </p:cNvPr>
+          <p:cNvSpPr/>
           <p:nvPr/>
-        </p:nvPicPr>
-        <p:blipFill>
-          <a:blip r:embed="rId2">
-            <a:extLst>
-              <a:ext uri="{28A0092B-C50C-407E-A947-70E740481C1C}">
-                <a14:useLocalDpi xmlns:a14="http://schemas.microsoft.com/office/drawing/2010/main" val="0"/>
-              </a:ext>
-            </a:extLst>
-          </a:blip>
-          <a:srcRect/>
-          <a:stretch>
-            <a:fillRect/>
-          </a:stretch>
-        </p:blipFill>
+        </p:nvSpPr>
         <p:spPr bwMode="auto">
           <a:xfrm>
-            <a:off x="0" y="3892550"/>
-            <a:ext cx="9144000" cy="2965450"/>
+            <a:off x="5292080" y="6381328"/>
+            <a:ext cx="285800" cy="288032"/>
+          </a:xfrm>
+          <a:prstGeom prst="rect">
+            <a:avLst/>
+          </a:prstGeom>
+          <a:solidFill>
+            <a:srgbClr val="FF0000"/>
+          </a:solidFill>
+          <a:ln w="9525" cap="flat" cmpd="sng" algn="ctr">
+            <a:solidFill>
+              <a:schemeClr val="tx1"/>
+            </a:solidFill>
+            <a:prstDash val="solid"/>
+            <a:round/>
+            <a:headEnd type="none" w="med" len="med"/>
+            <a:tailEnd type="none" w="med" len="med"/>
+          </a:ln>
+          <a:effectLst/>
+        </p:spPr>
+        <p:txBody>
+          <a:bodyPr vert="horz" wrap="square" lIns="91440" tIns="45720" rIns="91440" bIns="45720" numCol="1" rtlCol="0" anchor="t" anchorCtr="0" compatLnSpc="1">
+            <a:prstTxWarp prst="textNoShape">
+              <a:avLst/>
+            </a:prstTxWarp>
+          </a:bodyPr>
+          <a:lstStyle/>
+          <a:p>
+            <a:pPr marL="0" marR="0" indent="0" algn="l" defTabSz="914400" rtl="0" eaLnBrk="0" fontAlgn="base" latinLnBrk="0" hangingPunct="0">
+              <a:lnSpc>
+                <a:spcPct val="100000"/>
+              </a:lnSpc>
+              <a:spcBef>
+                <a:spcPct val="0"/>
+              </a:spcBef>
+              <a:spcAft>
+                <a:spcPct val="0"/>
+              </a:spcAft>
+              <a:buClrTx/>
+              <a:buSzTx/>
+              <a:buFontTx/>
+              <a:buNone/>
+              <a:tabLst/>
+            </a:pPr>
+            <a:endParaRPr kumimoji="0" lang="en-GB" sz="2400" b="0" i="0" u="none" strike="noStrike" cap="none" normalizeH="0" baseline="0">
+              <a:ln>
+                <a:noFill/>
+              </a:ln>
+              <a:solidFill>
+                <a:schemeClr val="tx1"/>
+              </a:solidFill>
+              <a:effectLst/>
+              <a:latin typeface="Arial" charset="0"/>
+              <a:ea typeface="ＭＳ Ｐゴシック" pitchFamily="116" charset="-128"/>
+            </a:endParaRPr>
+          </a:p>
+        </p:txBody>
+      </p:sp>
+      <p:sp>
+        <p:nvSpPr>
+          <p:cNvPr id="11" name="TextBox 10">
+            <a:extLst>
+              <a:ext uri="{FF2B5EF4-FFF2-40B4-BE49-F238E27FC236}">
+                <a16:creationId xmlns:a16="http://schemas.microsoft.com/office/drawing/2014/main" id="{2FE19851-61EE-F09D-5BA8-5D7596242CC8}"/>
+              </a:ext>
+            </a:extLst>
+          </p:cNvPr>
+          <p:cNvSpPr txBox="1"/>
+          <p:nvPr/>
+        </p:nvSpPr>
+        <p:spPr>
+          <a:xfrm>
+            <a:off x="1043608" y="6237312"/>
+            <a:ext cx="3240360" cy="523220"/>
           </a:xfrm>
           <a:prstGeom prst="rect">
             <a:avLst/>
           </a:prstGeom>
           <a:noFill/>
-          <a:ln>
-            <a:noFill/>
-          </a:ln>
-          <a:extLst>
-            <a:ext uri="{909E8E84-426E-40DD-AFC4-6F175D3DCCD1}">
-              <a14:hiddenFill xmlns:a14="http://schemas.microsoft.com/office/drawing/2010/main">
-                <a:solidFill>
-                  <a:srgbClr val="FFFFFF"/>
-                </a:solidFill>
-              </a14:hiddenFill>
-            </a:ext>
-            <a:ext uri="{91240B29-F687-4F45-9708-019B960494DF}">
-              <a14:hiddenLine xmlns:a14="http://schemas.microsoft.com/office/drawing/2010/main" w="9525">
-                <a:solidFill>
-                  <a:srgbClr val="000000"/>
-                </a:solidFill>
-                <a:miter lim="800000"/>
-                <a:headEnd/>
-                <a:tailEnd/>
-              </a14:hiddenLine>
-            </a:ext>
-          </a:extLst>
-        </p:spPr>
-      </p:pic>
-      <p:sp>
-        <p:nvSpPr>
-          <p:cNvPr id="6147" name="Title 3">
-            <a:extLst>
-              <a:ext uri="{FF2B5EF4-FFF2-40B4-BE49-F238E27FC236}">
-                <a16:creationId xmlns:a16="http://schemas.microsoft.com/office/drawing/2014/main" id="{8E4A1B37-336A-3222-18F8-7BC49192149B}"/>
-              </a:ext>
-            </a:extLst>
-          </p:cNvPr>
-          <p:cNvSpPr>
-            <a:spLocks noGrp="1"/>
-          </p:cNvSpPr>
-          <p:nvPr>
-            <p:ph type="ctrTitle"/>
-          </p:nvPr>
+        </p:spPr>
+        <p:txBody>
+          <a:bodyPr wrap="square" rtlCol="0">
+            <a:spAutoFit/>
+          </a:bodyPr>
+          <a:lstStyle/>
+          <a:p>
+            <a:r>
+              <a:rPr lang="en-GB" sz="1400" dirty="0"/>
+              <a:t>Average death trend from 2015 to 2019</a:t>
+            </a:r>
+          </a:p>
+        </p:txBody>
+      </p:sp>
+      <p:sp>
+        <p:nvSpPr>
+          <p:cNvPr id="12" name="TextBox 11">
+            <a:extLst>
+              <a:ext uri="{FF2B5EF4-FFF2-40B4-BE49-F238E27FC236}">
+                <a16:creationId xmlns:a16="http://schemas.microsoft.com/office/drawing/2014/main" id="{ED95475D-4154-75FC-CC1F-6A06544CA07A}"/>
+              </a:ext>
+            </a:extLst>
+          </p:cNvPr>
+          <p:cNvSpPr txBox="1"/>
+          <p:nvPr/>
         </p:nvSpPr>
         <p:spPr>
           <a:xfrm>
-            <a:off x="-538850" y="476672"/>
-            <a:ext cx="5110336" cy="288032"/>
-          </a:xfrm>
-        </p:spPr>
-        <p:txBody>
-          <a:bodyPr/>
-          <a:lstStyle/>
-          <a:p>
-            <a:pPr eaLnBrk="1" hangingPunct="1"/>
-            <a:r>
-              <a:rPr lang="en-GB" altLang="en-US" b="1" dirty="0"/>
-              <a:t>Map of Impact</a:t>
-            </a:r>
-            <a:br>
-              <a:rPr lang="en-GB" altLang="en-US" b="1" dirty="0"/>
-            </a:br>
-            <a:endParaRPr lang="en-GB" altLang="en-US" sz="3200" b="1" dirty="0"/>
-          </a:p>
-        </p:txBody>
-      </p:sp>
-    </p:spTree>
-  </p:cSld>
-  <p:clrMapOvr>
-    <a:masterClrMapping/>
-  </p:clrMapOvr>
-</p:sld>
-</file>
-
-<file path=ppt/slides/slide6.xml><?xml version="1.0" encoding="utf-8"?>
-<p:sld xmlns:a="http://schemas.openxmlformats.org/drawingml/2006/main" xmlns:r="http://schemas.openxmlformats.org/officeDocument/2006/relationships" xmlns:p="http://schemas.openxmlformats.org/presentationml/2006/main">
-  <p:cSld>
-    <p:spTree>
-      <p:nvGrpSpPr>
-        <p:cNvPr id="1" name=""/>
-        <p:cNvGrpSpPr/>
-        <p:nvPr/>
-      </p:nvGrpSpPr>
-      <p:grpSpPr>
-        <a:xfrm>
-          <a:off x="0" y="0"/>
-          <a:ext cx="0" cy="0"/>
-          <a:chOff x="0" y="0"/>
-          <a:chExt cx="0" cy="0"/>
-        </a:xfrm>
-      </p:grpSpPr>
-      <p:pic>
-        <p:nvPicPr>
-          <p:cNvPr id="7170" name="Picture 6" descr="Whoosh">
-            <a:extLst>
-              <a:ext uri="{FF2B5EF4-FFF2-40B4-BE49-F238E27FC236}">
-                <a16:creationId xmlns:a16="http://schemas.microsoft.com/office/drawing/2014/main" id="{DA9DC900-B596-739B-F82F-159E48082827}"/>
-              </a:ext>
-            </a:extLst>
-          </p:cNvPr>
-          <p:cNvPicPr>
-            <a:picLocks noChangeAspect="1" noChangeArrowheads="1"/>
-          </p:cNvPicPr>
-          <p:nvPr/>
-        </p:nvPicPr>
-        <p:blipFill>
-          <a:blip r:embed="rId2">
-            <a:extLst>
-              <a:ext uri="{28A0092B-C50C-407E-A947-70E740481C1C}">
-                <a14:useLocalDpi xmlns:a14="http://schemas.microsoft.com/office/drawing/2010/main" val="0"/>
-              </a:ext>
-            </a:extLst>
-          </a:blip>
-          <a:srcRect/>
-          <a:stretch>
-            <a:fillRect/>
-          </a:stretch>
-        </p:blipFill>
-        <p:spPr bwMode="auto">
-          <a:xfrm>
-            <a:off x="0" y="3892550"/>
-            <a:ext cx="9144000" cy="2965450"/>
+            <a:off x="5760119" y="6239105"/>
+            <a:ext cx="3240360" cy="523220"/>
           </a:xfrm>
           <a:prstGeom prst="rect">
             <a:avLst/>
           </a:prstGeom>
           <a:noFill/>
-          <a:ln>
-            <a:noFill/>
-          </a:ln>
-          <a:extLst>
-            <a:ext uri="{909E8E84-426E-40DD-AFC4-6F175D3DCCD1}">
-              <a14:hiddenFill xmlns:a14="http://schemas.microsoft.com/office/drawing/2010/main">
-                <a:solidFill>
-                  <a:srgbClr val="FFFFFF"/>
-                </a:solidFill>
-              </a14:hiddenFill>
-            </a:ext>
-            <a:ext uri="{91240B29-F687-4F45-9708-019B960494DF}">
-              <a14:hiddenLine xmlns:a14="http://schemas.microsoft.com/office/drawing/2010/main" w="9525">
-                <a:solidFill>
-                  <a:srgbClr val="000000"/>
-                </a:solidFill>
-                <a:miter lim="800000"/>
-                <a:headEnd/>
-                <a:tailEnd/>
-              </a14:hiddenLine>
-            </a:ext>
-          </a:extLst>
-        </p:spPr>
-      </p:pic>
-      <p:sp>
-        <p:nvSpPr>
-          <p:cNvPr id="6" name="Title 1">
-            <a:extLst>
-              <a:ext uri="{FF2B5EF4-FFF2-40B4-BE49-F238E27FC236}">
-                <a16:creationId xmlns:a16="http://schemas.microsoft.com/office/drawing/2014/main" id="{6C19822B-9BB1-5715-4E18-001220CB2F67}"/>
-              </a:ext>
-            </a:extLst>
-          </p:cNvPr>
-          <p:cNvSpPr txBox="1">
-            <a:spLocks/>
-          </p:cNvSpPr>
-          <p:nvPr/>
-        </p:nvSpPr>
-        <p:spPr bwMode="auto">
-          <a:xfrm>
-            <a:off x="0" y="-170657"/>
-            <a:ext cx="7772400" cy="1008063"/>
-          </a:xfrm>
-          <a:prstGeom prst="rect">
-            <a:avLst/>
-          </a:prstGeom>
-          <a:noFill/>
-          <a:ln w="9525">
-            <a:noFill/>
-            <a:miter lim="800000"/>
-            <a:headEnd/>
-            <a:tailEnd/>
-          </a:ln>
-        </p:spPr>
-        <p:txBody>
-          <a:bodyPr anchor="ctr"/>
+        </p:spPr>
+        <p:txBody>
+          <a:bodyPr wrap="square" rtlCol="0">
+            <a:spAutoFit/>
+          </a:bodyPr>
           <a:lstStyle/>
           <a:p>
-            <a:pPr eaLnBrk="1" hangingPunct="1">
-              <a:defRPr/>
-            </a:pPr>
-            <a:r>
-              <a:rPr lang="en-GB" sz="4400" b="1" kern="0" dirty="0">
-                <a:solidFill>
-                  <a:schemeClr val="tx2"/>
-                </a:solidFill>
-                <a:latin typeface="+mj-lt"/>
-                <a:ea typeface="+mj-ea"/>
-                <a:cs typeface="+mj-cs"/>
-              </a:rPr>
-              <a:t>Temporal data</a:t>
-            </a:r>
-          </a:p>
-        </p:txBody>
-      </p:sp>
-      <p:sp>
-        <p:nvSpPr>
-          <p:cNvPr id="2" name="Content Placeholder 1">
-            <a:extLst>
-              <a:ext uri="{FF2B5EF4-FFF2-40B4-BE49-F238E27FC236}">
-                <a16:creationId xmlns:a16="http://schemas.microsoft.com/office/drawing/2014/main" id="{06235267-39C6-0C14-A3DA-8B87223773E7}"/>
-              </a:ext>
-            </a:extLst>
-          </p:cNvPr>
-          <p:cNvSpPr>
-            <a:spLocks noGrp="1"/>
-          </p:cNvSpPr>
-          <p:nvPr>
-            <p:ph idx="1"/>
-          </p:nvPr>
-        </p:nvSpPr>
-        <p:spPr/>
-        <p:txBody>
-          <a:bodyPr/>
-          <a:lstStyle/>
-          <a:p>
-            <a:endParaRPr lang="en-GB"/>
-          </a:p>
-        </p:txBody>
-      </p:sp>
-    </p:spTree>
-  </p:cSld>
-  <p:clrMapOvr>
-    <a:masterClrMapping/>
-  </p:clrMapOvr>
-</p:sld>
-</file>
-
-<file path=ppt/slides/slide7.xml><?xml version="1.0" encoding="utf-8"?>
-<p:sld xmlns:a="http://schemas.openxmlformats.org/drawingml/2006/main" xmlns:r="http://schemas.openxmlformats.org/officeDocument/2006/relationships" xmlns:p="http://schemas.openxmlformats.org/presentationml/2006/main">
-  <p:cSld>
-    <p:spTree>
-      <p:nvGrpSpPr>
-        <p:cNvPr id="1" name=""/>
-        <p:cNvGrpSpPr/>
-        <p:nvPr/>
-      </p:nvGrpSpPr>
-      <p:grpSpPr>
-        <a:xfrm>
-          <a:off x="0" y="0"/>
-          <a:ext cx="0" cy="0"/>
-          <a:chOff x="0" y="0"/>
-          <a:chExt cx="0" cy="0"/>
-        </a:xfrm>
-      </p:grpSpPr>
-      <p:pic>
-        <p:nvPicPr>
-          <p:cNvPr id="9218" name="Picture 6" descr="Whoosh">
-            <a:extLst>
-              <a:ext uri="{FF2B5EF4-FFF2-40B4-BE49-F238E27FC236}">
-                <a16:creationId xmlns:a16="http://schemas.microsoft.com/office/drawing/2014/main" id="{7A87F496-BABA-D228-85B7-FBAEB35B8A49}"/>
-              </a:ext>
-            </a:extLst>
-          </p:cNvPr>
-          <p:cNvPicPr>
-            <a:picLocks noChangeAspect="1" noChangeArrowheads="1"/>
-          </p:cNvPicPr>
-          <p:nvPr/>
-        </p:nvPicPr>
-        <p:blipFill>
-          <a:blip r:embed="rId2">
-            <a:extLst>
-              <a:ext uri="{28A0092B-C50C-407E-A947-70E740481C1C}">
-                <a14:useLocalDpi xmlns:a14="http://schemas.microsoft.com/office/drawing/2010/main" val="0"/>
-              </a:ext>
-            </a:extLst>
-          </a:blip>
-          <a:srcRect/>
-          <a:stretch>
-            <a:fillRect/>
-          </a:stretch>
-        </p:blipFill>
-        <p:spPr bwMode="auto">
-          <a:xfrm>
-            <a:off x="0" y="3892550"/>
-            <a:ext cx="9144000" cy="2965450"/>
-          </a:xfrm>
-          <a:prstGeom prst="rect">
-            <a:avLst/>
-          </a:prstGeom>
-          <a:noFill/>
-          <a:ln>
-            <a:noFill/>
-          </a:ln>
-          <a:extLst>
-            <a:ext uri="{909E8E84-426E-40DD-AFC4-6F175D3DCCD1}">
-              <a14:hiddenFill xmlns:a14="http://schemas.microsoft.com/office/drawing/2010/main">
-                <a:solidFill>
-                  <a:srgbClr val="FFFFFF"/>
-                </a:solidFill>
-              </a14:hiddenFill>
-            </a:ext>
-            <a:ext uri="{91240B29-F687-4F45-9708-019B960494DF}">
-              <a14:hiddenLine xmlns:a14="http://schemas.microsoft.com/office/drawing/2010/main" w="9525">
-                <a:solidFill>
-                  <a:srgbClr val="000000"/>
-                </a:solidFill>
-                <a:miter lim="800000"/>
-                <a:headEnd/>
-                <a:tailEnd/>
-              </a14:hiddenLine>
-            </a:ext>
-          </a:extLst>
-        </p:spPr>
-      </p:pic>
-      <p:sp>
-        <p:nvSpPr>
-          <p:cNvPr id="9219" name="Title 1">
-            <a:extLst>
-              <a:ext uri="{FF2B5EF4-FFF2-40B4-BE49-F238E27FC236}">
-                <a16:creationId xmlns:a16="http://schemas.microsoft.com/office/drawing/2014/main" id="{8336E828-1FDF-9B6B-F389-25BF813AF650}"/>
-              </a:ext>
-            </a:extLst>
-          </p:cNvPr>
-          <p:cNvSpPr>
-            <a:spLocks noGrp="1"/>
-          </p:cNvSpPr>
-          <p:nvPr>
-            <p:ph type="title"/>
-          </p:nvPr>
-        </p:nvSpPr>
-        <p:spPr>
-          <a:xfrm>
-            <a:off x="0" y="-243408"/>
-            <a:ext cx="7772400" cy="1143000"/>
-          </a:xfrm>
-        </p:spPr>
-        <p:txBody>
-          <a:bodyPr/>
-          <a:lstStyle/>
-          <a:p>
-            <a:pPr algn="l" eaLnBrk="1" hangingPunct="1"/>
-            <a:r>
-              <a:rPr lang="en-GB" altLang="en-US" b="1" dirty="0"/>
-              <a:t>Trend of Admissions</a:t>
-            </a:r>
-          </a:p>
-        </p:txBody>
-      </p:sp>
-      <p:pic>
-        <p:nvPicPr>
-          <p:cNvPr id="4" name="Picture 3">
-            <a:extLst>
-              <a:ext uri="{FF2B5EF4-FFF2-40B4-BE49-F238E27FC236}">
-                <a16:creationId xmlns:a16="http://schemas.microsoft.com/office/drawing/2014/main" id="{FFB61ECD-EE4C-10AD-7BEF-A6E62FC1D23E}"/>
-              </a:ext>
-            </a:extLst>
-          </p:cNvPr>
-          <p:cNvPicPr>
-            <a:picLocks noChangeAspect="1"/>
-          </p:cNvPicPr>
-          <p:nvPr/>
-        </p:nvPicPr>
-        <p:blipFill>
-          <a:blip r:embed="rId3">
-            <a:extLst>
-              <a:ext uri="{28A0092B-C50C-407E-A947-70E740481C1C}">
-                <a14:useLocalDpi xmlns:a14="http://schemas.microsoft.com/office/drawing/2010/main" val="0"/>
-              </a:ext>
-            </a:extLst>
-          </a:blip>
-          <a:stretch>
-            <a:fillRect/>
-          </a:stretch>
-        </p:blipFill>
-        <p:spPr>
-          <a:xfrm>
-            <a:off x="0" y="987424"/>
-            <a:ext cx="9144000" cy="5249887"/>
-          </a:xfrm>
-          <a:prstGeom prst="rect">
-            <a:avLst/>
-          </a:prstGeom>
-        </p:spPr>
-      </p:pic>
-    </p:spTree>
-  </p:cSld>
-  <p:clrMapOvr>
-    <a:masterClrMapping/>
-  </p:clrMapOvr>
-</p:sld>
-</file>
-
-<file path=ppt/slides/slide8.xml><?xml version="1.0" encoding="utf-8"?>
-<p:sld xmlns:a="http://schemas.openxmlformats.org/drawingml/2006/main" xmlns:r="http://schemas.openxmlformats.org/officeDocument/2006/relationships" xmlns:p="http://schemas.openxmlformats.org/presentationml/2006/main">
-  <p:cSld>
-    <p:spTree>
-      <p:nvGrpSpPr>
-        <p:cNvPr id="1" name=""/>
-        <p:cNvGrpSpPr/>
-        <p:nvPr/>
-      </p:nvGrpSpPr>
-      <p:grpSpPr>
-        <a:xfrm>
-          <a:off x="0" y="0"/>
-          <a:ext cx="0" cy="0"/>
-          <a:chOff x="0" y="0"/>
-          <a:chExt cx="0" cy="0"/>
-        </a:xfrm>
-      </p:grpSpPr>
-      <p:pic>
-        <p:nvPicPr>
-          <p:cNvPr id="10242" name="Picture 6" descr="Whoosh">
-            <a:extLst>
-              <a:ext uri="{FF2B5EF4-FFF2-40B4-BE49-F238E27FC236}">
-                <a16:creationId xmlns:a16="http://schemas.microsoft.com/office/drawing/2014/main" id="{C0773036-C7B2-8EEC-B041-03C9BB887245}"/>
-              </a:ext>
-            </a:extLst>
-          </p:cNvPr>
-          <p:cNvPicPr>
-            <a:picLocks noChangeAspect="1" noChangeArrowheads="1"/>
-          </p:cNvPicPr>
-          <p:nvPr/>
-        </p:nvPicPr>
-        <p:blipFill>
-          <a:blip r:embed="rId2">
-            <a:extLst>
-              <a:ext uri="{28A0092B-C50C-407E-A947-70E740481C1C}">
-                <a14:useLocalDpi xmlns:a14="http://schemas.microsoft.com/office/drawing/2010/main" val="0"/>
-              </a:ext>
-            </a:extLst>
-          </a:blip>
-          <a:srcRect/>
-          <a:stretch>
-            <a:fillRect/>
-          </a:stretch>
-        </p:blipFill>
-        <p:spPr bwMode="auto">
-          <a:xfrm>
-            <a:off x="0" y="3892550"/>
-            <a:ext cx="9144000" cy="2965450"/>
-          </a:xfrm>
-          <a:prstGeom prst="rect">
-            <a:avLst/>
-          </a:prstGeom>
-          <a:noFill/>
-          <a:ln>
-            <a:noFill/>
-          </a:ln>
-          <a:extLst>
-            <a:ext uri="{909E8E84-426E-40DD-AFC4-6F175D3DCCD1}">
-              <a14:hiddenFill xmlns:a14="http://schemas.microsoft.com/office/drawing/2010/main">
-                <a:solidFill>
-                  <a:srgbClr val="FFFFFF"/>
-                </a:solidFill>
-              </a14:hiddenFill>
-            </a:ext>
-            <a:ext uri="{91240B29-F687-4F45-9708-019B960494DF}">
-              <a14:hiddenLine xmlns:a14="http://schemas.microsoft.com/office/drawing/2010/main" w="9525">
-                <a:solidFill>
-                  <a:srgbClr val="000000"/>
-                </a:solidFill>
-                <a:miter lim="800000"/>
-                <a:headEnd/>
-                <a:tailEnd/>
-              </a14:hiddenLine>
-            </a:ext>
-          </a:extLst>
-        </p:spPr>
-      </p:pic>
-      <p:sp>
-        <p:nvSpPr>
-          <p:cNvPr id="10243" name="Title 1">
-            <a:extLst>
-              <a:ext uri="{FF2B5EF4-FFF2-40B4-BE49-F238E27FC236}">
-                <a16:creationId xmlns:a16="http://schemas.microsoft.com/office/drawing/2014/main" id="{7A44A555-10CE-4863-E416-6EC822CD9726}"/>
-              </a:ext>
-            </a:extLst>
-          </p:cNvPr>
-          <p:cNvSpPr>
-            <a:spLocks noGrp="1"/>
-          </p:cNvSpPr>
-          <p:nvPr>
-            <p:ph type="title"/>
-          </p:nvPr>
-        </p:nvSpPr>
-        <p:spPr>
-          <a:xfrm>
-            <a:off x="-1981" y="-243408"/>
-            <a:ext cx="7772400" cy="1143000"/>
-          </a:xfrm>
-        </p:spPr>
-        <p:txBody>
-          <a:bodyPr/>
-          <a:lstStyle/>
-          <a:p>
-            <a:pPr algn="l" eaLnBrk="1" hangingPunct="1"/>
-            <a:r>
-              <a:rPr lang="en-GB" altLang="en-US" b="1" dirty="0"/>
-              <a:t>Trend of stays</a:t>
-            </a:r>
-          </a:p>
-        </p:txBody>
-      </p:sp>
-      <p:sp>
-        <p:nvSpPr>
-          <p:cNvPr id="2" name="Content Placeholder 1">
-            <a:extLst>
-              <a:ext uri="{FF2B5EF4-FFF2-40B4-BE49-F238E27FC236}">
-                <a16:creationId xmlns:a16="http://schemas.microsoft.com/office/drawing/2014/main" id="{5478A769-7D39-9A6F-45FB-28700452DC33}"/>
-              </a:ext>
-            </a:extLst>
-          </p:cNvPr>
-          <p:cNvSpPr>
-            <a:spLocks noGrp="1"/>
-          </p:cNvSpPr>
-          <p:nvPr>
-            <p:ph idx="1"/>
-          </p:nvPr>
-        </p:nvSpPr>
-        <p:spPr/>
-        <p:txBody>
-          <a:bodyPr/>
-          <a:lstStyle/>
-          <a:p>
-            <a:endParaRPr lang="en-GB"/>
-          </a:p>
-        </p:txBody>
-      </p:sp>
-      <p:pic>
-        <p:nvPicPr>
-          <p:cNvPr id="4" name="Picture 3">
-            <a:extLst>
-              <a:ext uri="{FF2B5EF4-FFF2-40B4-BE49-F238E27FC236}">
-                <a16:creationId xmlns:a16="http://schemas.microsoft.com/office/drawing/2014/main" id="{A7C7F028-B870-A699-6167-DC6A79401A4D}"/>
-              </a:ext>
-            </a:extLst>
-          </p:cNvPr>
-          <p:cNvPicPr>
-            <a:picLocks noChangeAspect="1"/>
-          </p:cNvPicPr>
-          <p:nvPr/>
-        </p:nvPicPr>
-        <p:blipFill>
-          <a:blip r:embed="rId3"/>
-          <a:stretch>
-            <a:fillRect/>
-          </a:stretch>
-        </p:blipFill>
-        <p:spPr>
-          <a:xfrm>
-            <a:off x="107505" y="762000"/>
-            <a:ext cx="5116964" cy="3130550"/>
-          </a:xfrm>
-          <a:prstGeom prst="rect">
-            <a:avLst/>
-          </a:prstGeom>
-        </p:spPr>
-      </p:pic>
-    </p:spTree>
-  </p:cSld>
-  <p:clrMapOvr>
-    <a:masterClrMapping/>
-  </p:clrMapOvr>
-</p:sld>
-</file>
-
-<file path=ppt/slides/slide9.xml><?xml version="1.0" encoding="utf-8"?>
-<p:sld xmlns:a="http://schemas.openxmlformats.org/drawingml/2006/main" xmlns:r="http://schemas.openxmlformats.org/officeDocument/2006/relationships" xmlns:p="http://schemas.openxmlformats.org/presentationml/2006/main">
-  <p:cSld>
-    <p:spTree>
-      <p:nvGrpSpPr>
-        <p:cNvPr id="1" name=""/>
-        <p:cNvGrpSpPr/>
-        <p:nvPr/>
-      </p:nvGrpSpPr>
-      <p:grpSpPr>
-        <a:xfrm>
-          <a:off x="0" y="0"/>
-          <a:ext cx="0" cy="0"/>
-          <a:chOff x="0" y="0"/>
-          <a:chExt cx="0" cy="0"/>
-        </a:xfrm>
-      </p:grpSpPr>
-      <p:pic>
-        <p:nvPicPr>
-          <p:cNvPr id="11266" name="Picture 6" descr="Whoosh">
-            <a:extLst>
-              <a:ext uri="{FF2B5EF4-FFF2-40B4-BE49-F238E27FC236}">
-                <a16:creationId xmlns:a16="http://schemas.microsoft.com/office/drawing/2014/main" id="{CA74C155-1AC0-0752-CC26-BE6F203D3A88}"/>
-              </a:ext>
-            </a:extLst>
-          </p:cNvPr>
-          <p:cNvPicPr>
-            <a:picLocks noChangeAspect="1" noChangeArrowheads="1"/>
-          </p:cNvPicPr>
-          <p:nvPr/>
-        </p:nvPicPr>
-        <p:blipFill>
-          <a:blip r:embed="rId2">
-            <a:extLst>
-              <a:ext uri="{28A0092B-C50C-407E-A947-70E740481C1C}">
-                <a14:useLocalDpi xmlns:a14="http://schemas.microsoft.com/office/drawing/2010/main" val="0"/>
-              </a:ext>
-            </a:extLst>
-          </a:blip>
-          <a:srcRect/>
-          <a:stretch>
-            <a:fillRect/>
-          </a:stretch>
-        </p:blipFill>
-        <p:spPr bwMode="auto">
-          <a:xfrm>
-            <a:off x="0" y="3892550"/>
-            <a:ext cx="9144000" cy="2965450"/>
-          </a:xfrm>
-          <a:prstGeom prst="rect">
-            <a:avLst/>
-          </a:prstGeom>
-          <a:noFill/>
-          <a:ln>
-            <a:noFill/>
-          </a:ln>
-          <a:extLst>
-            <a:ext uri="{909E8E84-426E-40DD-AFC4-6F175D3DCCD1}">
-              <a14:hiddenFill xmlns:a14="http://schemas.microsoft.com/office/drawing/2010/main">
-                <a:solidFill>
-                  <a:srgbClr val="FFFFFF"/>
-                </a:solidFill>
-              </a14:hiddenFill>
-            </a:ext>
-            <a:ext uri="{91240B29-F687-4F45-9708-019B960494DF}">
-              <a14:hiddenLine xmlns:a14="http://schemas.microsoft.com/office/drawing/2010/main" w="9525">
-                <a:solidFill>
-                  <a:srgbClr val="000000"/>
-                </a:solidFill>
-                <a:miter lim="800000"/>
-                <a:headEnd/>
-                <a:tailEnd/>
-              </a14:hiddenLine>
-            </a:ext>
-          </a:extLst>
-        </p:spPr>
-      </p:pic>
-      <p:sp>
-        <p:nvSpPr>
-          <p:cNvPr id="11267" name="Title 1">
-            <a:extLst>
-              <a:ext uri="{FF2B5EF4-FFF2-40B4-BE49-F238E27FC236}">
-                <a16:creationId xmlns:a16="http://schemas.microsoft.com/office/drawing/2014/main" id="{1451893C-1255-1EFC-7B76-09729BD80122}"/>
-              </a:ext>
-            </a:extLst>
-          </p:cNvPr>
-          <p:cNvSpPr>
-            <a:spLocks noGrp="1"/>
-          </p:cNvSpPr>
-          <p:nvPr>
-            <p:ph type="title"/>
-          </p:nvPr>
-        </p:nvSpPr>
-        <p:spPr>
-          <a:xfrm>
-            <a:off x="0" y="-243408"/>
-            <a:ext cx="7772400" cy="1143000"/>
-          </a:xfrm>
-        </p:spPr>
-        <p:txBody>
-          <a:bodyPr/>
-          <a:lstStyle/>
-          <a:p>
-            <a:pPr algn="l" eaLnBrk="1" hangingPunct="1"/>
-            <a:r>
-              <a:rPr lang="en-GB" altLang="en-US" b="1" dirty="0"/>
-              <a:t>Trend of deaths</a:t>
-            </a:r>
-          </a:p>
-        </p:txBody>
-      </p:sp>
-      <p:sp>
-        <p:nvSpPr>
-          <p:cNvPr id="2" name="Content Placeholder 1">
-            <a:extLst>
-              <a:ext uri="{FF2B5EF4-FFF2-40B4-BE49-F238E27FC236}">
-                <a16:creationId xmlns:a16="http://schemas.microsoft.com/office/drawing/2014/main" id="{CDFA73F2-E46F-B451-C791-D9C9088507CD}"/>
-              </a:ext>
-            </a:extLst>
-          </p:cNvPr>
-          <p:cNvSpPr>
-            <a:spLocks noGrp="1"/>
-          </p:cNvSpPr>
-          <p:nvPr>
-            <p:ph idx="1"/>
-          </p:nvPr>
-        </p:nvSpPr>
-        <p:spPr/>
-        <p:txBody>
-          <a:bodyPr/>
-          <a:lstStyle/>
-          <a:p>
-            <a:endParaRPr lang="en-GB" dirty="0"/>
-          </a:p>
-        </p:txBody>
-      </p:sp>
-      <p:pic>
-        <p:nvPicPr>
-          <p:cNvPr id="4" name="Picture 3">
-            <a:extLst>
-              <a:ext uri="{FF2B5EF4-FFF2-40B4-BE49-F238E27FC236}">
-                <a16:creationId xmlns:a16="http://schemas.microsoft.com/office/drawing/2014/main" id="{2B73243A-8B93-8D1F-8EC2-5F61342D71C4}"/>
-              </a:ext>
-            </a:extLst>
-          </p:cNvPr>
-          <p:cNvPicPr>
-            <a:picLocks noChangeAspect="1"/>
-          </p:cNvPicPr>
-          <p:nvPr/>
-        </p:nvPicPr>
-        <p:blipFill>
-          <a:blip r:embed="rId3"/>
-          <a:stretch>
-            <a:fillRect/>
-          </a:stretch>
-        </p:blipFill>
-        <p:spPr>
-          <a:xfrm>
-            <a:off x="179512" y="764704"/>
-            <a:ext cx="4959845" cy="2831423"/>
-          </a:xfrm>
-          <a:prstGeom prst="rect">
-            <a:avLst/>
-          </a:prstGeom>
-        </p:spPr>
-      </p:pic>
-      <p:pic>
-        <p:nvPicPr>
-          <p:cNvPr id="5" name="Picture 4">
-            <a:extLst>
-              <a:ext uri="{FF2B5EF4-FFF2-40B4-BE49-F238E27FC236}">
-                <a16:creationId xmlns:a16="http://schemas.microsoft.com/office/drawing/2014/main" id="{1E254B53-EBAB-36FD-9754-B900E5691B27}"/>
-              </a:ext>
-            </a:extLst>
-          </p:cNvPr>
-          <p:cNvPicPr>
-            <a:picLocks noChangeAspect="1"/>
-          </p:cNvPicPr>
-          <p:nvPr/>
-        </p:nvPicPr>
-        <p:blipFill>
-          <a:blip r:embed="rId4"/>
-          <a:stretch>
-            <a:fillRect/>
-          </a:stretch>
-        </p:blipFill>
-        <p:spPr>
-          <a:xfrm>
-            <a:off x="179512" y="3690641"/>
-            <a:ext cx="4959845" cy="3048582"/>
-          </a:xfrm>
-          <a:prstGeom prst="rect">
-            <a:avLst/>
-          </a:prstGeom>
-        </p:spPr>
-      </p:pic>
+            <a:r>
+              <a:rPr lang="en-GB" sz="1400" dirty="0"/>
+              <a:t>Average death trend from January 2020 onwards</a:t>
+            </a:r>
+          </a:p>
+        </p:txBody>
+      </p:sp>
     </p:spTree>
   </p:cSld>
   <p:clrMapOvr>

--- a/Final Powerpoint presentation for 12.08.22.pptx
+++ b/Final Powerpoint presentation for 12.08.22.pptx
@@ -5,7 +5,7 @@
     <p:sldMasterId id="2147483648" r:id="rId1"/>
   </p:sldMasterIdLst>
   <p:notesMasterIdLst>
-    <p:notesMasterId r:id="rId15"/>
+    <p:notesMasterId r:id="rId14"/>
   </p:notesMasterIdLst>
   <p:sldIdLst>
     <p:sldId id="256" r:id="rId2"/>
@@ -20,7 +20,6 @@
     <p:sldId id="320" r:id="rId11"/>
     <p:sldId id="306" r:id="rId12"/>
     <p:sldId id="273" r:id="rId13"/>
-    <p:sldId id="321" r:id="rId14"/>
   </p:sldIdLst>
   <p:sldSz cx="9144000" cy="6858000" type="screen4x3"/>
   <p:notesSz cx="7099300" cy="10234613"/>
@@ -5105,6 +5104,326 @@
 <file path=ppt/slides/slide12.xml><?xml version="1.0" encoding="utf-8"?>
 <p:sld xmlns:a="http://schemas.openxmlformats.org/drawingml/2006/main" xmlns:r="http://schemas.openxmlformats.org/officeDocument/2006/relationships" xmlns:p="http://schemas.openxmlformats.org/presentationml/2006/main">
   <p:cSld>
+    <p:bg>
+      <p:bgPr>
+        <a:solidFill>
+          <a:schemeClr val="bg1"/>
+        </a:solidFill>
+        <a:effectLst/>
+      </p:bgPr>
+    </p:bg>
+    <p:spTree>
+      <p:nvGrpSpPr>
+        <p:cNvPr id="1" name=""/>
+        <p:cNvGrpSpPr/>
+        <p:nvPr/>
+      </p:nvGrpSpPr>
+      <p:grpSpPr>
+        <a:xfrm>
+          <a:off x="0" y="0"/>
+          <a:ext cx="0" cy="0"/>
+          <a:chOff x="0" y="0"/>
+          <a:chExt cx="0" cy="0"/>
+        </a:xfrm>
+      </p:grpSpPr>
+      <p:sp useBgFill="1">
+        <p:nvSpPr>
+          <p:cNvPr id="16394" name="Rectangle 16391">
+            <a:extLst>
+              <a:ext uri="{FF2B5EF4-FFF2-40B4-BE49-F238E27FC236}">
+                <a16:creationId xmlns:a16="http://schemas.microsoft.com/office/drawing/2014/main" id="{33E72FA3-BD00-444A-AD9B-E6C3D069CDE3}"/>
+              </a:ext>
+              <a:ext uri="{C183D7F6-B498-43B3-948B-1728B52AA6E4}">
+                <adec:decorative xmlns:adec="http://schemas.microsoft.com/office/drawing/2017/decorative" val="1"/>
+              </a:ext>
+            </a:extLst>
+          </p:cNvPr>
+          <p:cNvSpPr>
+            <a:spLocks noGrp="1" noRot="1" noChangeAspect="1" noMove="1" noResize="1" noEditPoints="1" noAdjustHandles="1" noChangeArrowheads="1" noChangeShapeType="1" noTextEdit="1"/>
+          </p:cNvSpPr>
+          <p:nvPr>
+            <p:extLst>
+              <p:ext uri="{386F3935-93C4-4BCD-93E2-E3B085C9AB24}">
+                <p16:designElem xmlns:p16="http://schemas.microsoft.com/office/powerpoint/2015/main" val="1"/>
+              </p:ext>
+            </p:extLst>
+          </p:nvPr>
+        </p:nvSpPr>
+        <p:spPr>
+          <a:xfrm>
+            <a:off x="-38100" y="0"/>
+            <a:ext cx="9141713" cy="6858000"/>
+          </a:xfrm>
+          <a:prstGeom prst="rect">
+            <a:avLst/>
+          </a:prstGeom>
+          <a:ln>
+            <a:noFill/>
+          </a:ln>
+        </p:spPr>
+        <p:style>
+          <a:lnRef idx="2">
+            <a:schemeClr val="accent1">
+              <a:shade val="50000"/>
+            </a:schemeClr>
+          </a:lnRef>
+          <a:fillRef idx="1">
+            <a:schemeClr val="accent1"/>
+          </a:fillRef>
+          <a:effectRef idx="0">
+            <a:schemeClr val="accent1"/>
+          </a:effectRef>
+          <a:fontRef idx="minor">
+            <a:schemeClr val="lt1"/>
+          </a:fontRef>
+        </p:style>
+        <p:txBody>
+          <a:bodyPr rtlCol="0" anchor="ctr"/>
+          <a:lstStyle/>
+          <a:p>
+            <a:pPr algn="ctr"/>
+            <a:endParaRPr lang="en-US"/>
+          </a:p>
+        </p:txBody>
+      </p:sp>
+      <p:sp>
+        <p:nvSpPr>
+          <p:cNvPr id="16387" name="Title 1">
+            <a:extLst>
+              <a:ext uri="{FF2B5EF4-FFF2-40B4-BE49-F238E27FC236}">
+                <a16:creationId xmlns:a16="http://schemas.microsoft.com/office/drawing/2014/main" id="{63BED159-A85A-EE54-F72C-FDA1A74F38C9}"/>
+              </a:ext>
+            </a:extLst>
+          </p:cNvPr>
+          <p:cNvSpPr>
+            <a:spLocks noGrp="1"/>
+          </p:cNvSpPr>
+          <p:nvPr>
+            <p:ph type="ctrTitle"/>
+          </p:nvPr>
+        </p:nvSpPr>
+        <p:spPr>
+          <a:xfrm>
+            <a:off x="628650" y="557189"/>
+            <a:ext cx="7886700" cy="1110537"/>
+          </a:xfrm>
+        </p:spPr>
+        <p:txBody>
+          <a:bodyPr vert="horz" lIns="91440" tIns="45720" rIns="91440" bIns="45720" rtlCol="0" anchor="ctr">
+            <a:normAutofit/>
+          </a:bodyPr>
+          <a:lstStyle/>
+          <a:p>
+            <a:pPr algn="l" eaLnBrk="1" hangingPunct="1">
+              <a:lnSpc>
+                <a:spcPct val="90000"/>
+              </a:lnSpc>
+            </a:pPr>
+            <a:r>
+              <a:rPr lang="en-US" altLang="en-US" sz="4500" b="1" kern="1200">
+                <a:solidFill>
+                  <a:schemeClr val="tx1"/>
+                </a:solidFill>
+                <a:latin typeface="+mj-lt"/>
+                <a:ea typeface="+mj-ea"/>
+                <a:cs typeface="+mj-cs"/>
+              </a:rPr>
+              <a:t>Deprivation</a:t>
+            </a:r>
+          </a:p>
+        </p:txBody>
+      </p:sp>
+      <p:pic>
+        <p:nvPicPr>
+          <p:cNvPr id="7" name="Picture 6">
+            <a:extLst>
+              <a:ext uri="{FF2B5EF4-FFF2-40B4-BE49-F238E27FC236}">
+                <a16:creationId xmlns:a16="http://schemas.microsoft.com/office/drawing/2014/main" id="{7F15FC35-4E8E-2FC0-2DB9-5B0E1BF4BE19}"/>
+              </a:ext>
+            </a:extLst>
+          </p:cNvPr>
+          <p:cNvPicPr>
+            <a:picLocks noChangeAspect="1"/>
+          </p:cNvPicPr>
+          <p:nvPr/>
+        </p:nvPicPr>
+        <p:blipFill>
+          <a:blip r:embed="rId2"/>
+          <a:stretch>
+            <a:fillRect/>
+          </a:stretch>
+        </p:blipFill>
+        <p:spPr>
+          <a:xfrm>
+            <a:off x="149055" y="2135377"/>
+            <a:ext cx="2844597" cy="1756538"/>
+          </a:xfrm>
+          <a:prstGeom prst="rect">
+            <a:avLst/>
+          </a:prstGeom>
+        </p:spPr>
+      </p:pic>
+      <p:pic>
+        <p:nvPicPr>
+          <p:cNvPr id="5" name="Picture 4">
+            <a:extLst>
+              <a:ext uri="{FF2B5EF4-FFF2-40B4-BE49-F238E27FC236}">
+                <a16:creationId xmlns:a16="http://schemas.microsoft.com/office/drawing/2014/main" id="{C1352007-281A-E1F8-41E0-C376EB6EB16A}"/>
+              </a:ext>
+            </a:extLst>
+          </p:cNvPr>
+          <p:cNvPicPr>
+            <a:picLocks noChangeAspect="1"/>
+          </p:cNvPicPr>
+          <p:nvPr/>
+        </p:nvPicPr>
+        <p:blipFill>
+          <a:blip r:embed="rId3"/>
+          <a:stretch>
+            <a:fillRect/>
+          </a:stretch>
+        </p:blipFill>
+        <p:spPr>
+          <a:xfrm>
+            <a:off x="3146006" y="2142487"/>
+            <a:ext cx="2844598" cy="1749427"/>
+          </a:xfrm>
+          <a:prstGeom prst="rect">
+            <a:avLst/>
+          </a:prstGeom>
+        </p:spPr>
+      </p:pic>
+      <p:pic>
+        <p:nvPicPr>
+          <p:cNvPr id="3" name="Picture 2">
+            <a:extLst>
+              <a:ext uri="{FF2B5EF4-FFF2-40B4-BE49-F238E27FC236}">
+                <a16:creationId xmlns:a16="http://schemas.microsoft.com/office/drawing/2014/main" id="{D1858C4C-8F05-0810-B1C3-4CF3EDB8F17A}"/>
+              </a:ext>
+            </a:extLst>
+          </p:cNvPr>
+          <p:cNvPicPr>
+            <a:picLocks noChangeAspect="1"/>
+          </p:cNvPicPr>
+          <p:nvPr/>
+        </p:nvPicPr>
+        <p:blipFill>
+          <a:blip r:embed="rId4"/>
+          <a:stretch>
+            <a:fillRect/>
+          </a:stretch>
+        </p:blipFill>
+        <p:spPr>
+          <a:xfrm>
+            <a:off x="6141024" y="2142489"/>
+            <a:ext cx="2844597" cy="1749426"/>
+          </a:xfrm>
+          <a:prstGeom prst="rect">
+            <a:avLst/>
+          </a:prstGeom>
+        </p:spPr>
+      </p:pic>
+      <p:pic>
+        <p:nvPicPr>
+          <p:cNvPr id="8" name="Picture 7">
+            <a:extLst>
+              <a:ext uri="{FF2B5EF4-FFF2-40B4-BE49-F238E27FC236}">
+                <a16:creationId xmlns:a16="http://schemas.microsoft.com/office/drawing/2014/main" id="{A7C0DBDF-9A65-6695-658E-D187E8455C8D}"/>
+              </a:ext>
+            </a:extLst>
+          </p:cNvPr>
+          <p:cNvPicPr>
+            <a:picLocks noChangeAspect="1"/>
+          </p:cNvPicPr>
+          <p:nvPr/>
+        </p:nvPicPr>
+        <p:blipFill>
+          <a:blip r:embed="rId5"/>
+          <a:stretch>
+            <a:fillRect/>
+          </a:stretch>
+        </p:blipFill>
+        <p:spPr>
+          <a:xfrm>
+            <a:off x="149055" y="4063630"/>
+            <a:ext cx="2844597" cy="1742315"/>
+          </a:xfrm>
+          <a:prstGeom prst="rect">
+            <a:avLst/>
+          </a:prstGeom>
+        </p:spPr>
+      </p:pic>
+      <p:pic>
+        <p:nvPicPr>
+          <p:cNvPr id="4" name="Picture 3">
+            <a:extLst>
+              <a:ext uri="{FF2B5EF4-FFF2-40B4-BE49-F238E27FC236}">
+                <a16:creationId xmlns:a16="http://schemas.microsoft.com/office/drawing/2014/main" id="{B96EC015-B98D-BD8D-5563-E5058B8F2A40}"/>
+              </a:ext>
+            </a:extLst>
+          </p:cNvPr>
+          <p:cNvPicPr>
+            <a:picLocks noChangeAspect="1"/>
+          </p:cNvPicPr>
+          <p:nvPr/>
+        </p:nvPicPr>
+        <p:blipFill>
+          <a:blip r:embed="rId6"/>
+          <a:stretch>
+            <a:fillRect/>
+          </a:stretch>
+        </p:blipFill>
+        <p:spPr>
+          <a:xfrm>
+            <a:off x="3146006" y="4063630"/>
+            <a:ext cx="2844598" cy="1728092"/>
+          </a:xfrm>
+          <a:prstGeom prst="rect">
+            <a:avLst/>
+          </a:prstGeom>
+        </p:spPr>
+      </p:pic>
+      <p:pic>
+        <p:nvPicPr>
+          <p:cNvPr id="10" name="Picture 9">
+            <a:extLst>
+              <a:ext uri="{FF2B5EF4-FFF2-40B4-BE49-F238E27FC236}">
+                <a16:creationId xmlns:a16="http://schemas.microsoft.com/office/drawing/2014/main" id="{49470890-F5AA-6888-2408-1A5C10E54F7E}"/>
+              </a:ext>
+            </a:extLst>
+          </p:cNvPr>
+          <p:cNvPicPr>
+            <a:picLocks noChangeAspect="1"/>
+          </p:cNvPicPr>
+          <p:nvPr/>
+        </p:nvPicPr>
+        <p:blipFill>
+          <a:blip r:embed="rId7"/>
+          <a:stretch>
+            <a:fillRect/>
+          </a:stretch>
+        </p:blipFill>
+        <p:spPr>
+          <a:xfrm>
+            <a:off x="6019418" y="4063630"/>
+            <a:ext cx="2975527" cy="1832856"/>
+          </a:xfrm>
+          <a:prstGeom prst="rect">
+            <a:avLst/>
+          </a:prstGeom>
+        </p:spPr>
+      </p:pic>
+    </p:spTree>
+  </p:cSld>
+  <p:clrMapOvr>
+    <a:masterClrMapping/>
+  </p:clrMapOvr>
+</p:sld>
+</file>
+
+<file path=ppt/slides/slide2.xml><?xml version="1.0" encoding="utf-8"?>
+<p:sld xmlns:a="http://schemas.openxmlformats.org/drawingml/2006/main" xmlns:r="http://schemas.openxmlformats.org/officeDocument/2006/relationships" xmlns:p="http://schemas.openxmlformats.org/presentationml/2006/main">
+  <p:cSld>
     <p:spTree>
       <p:nvGrpSpPr>
         <p:cNvPr id="1" name=""/>
@@ -5121,10 +5440,10 @@
       </p:grpSpPr>
       <p:pic>
         <p:nvPicPr>
-          <p:cNvPr id="16386" name="Picture 6" descr="Whoosh">
-            <a:extLst>
-              <a:ext uri="{FF2B5EF4-FFF2-40B4-BE49-F238E27FC236}">
-                <a16:creationId xmlns:a16="http://schemas.microsoft.com/office/drawing/2014/main" id="{FD872A42-CBF5-F584-5D7E-77CDDD3E4109}"/>
+          <p:cNvPr id="3076" name="Picture 6" descr="Whoosh">
+            <a:extLst>
+              <a:ext uri="{FF2B5EF4-FFF2-40B4-BE49-F238E27FC236}">
+                <a16:creationId xmlns:a16="http://schemas.microsoft.com/office/drawing/2014/main" id="{56805B9A-C037-1FDA-CBFE-4C740F4A375D}"/>
               </a:ext>
             </a:extLst>
           </p:cNvPr>
@@ -5181,10 +5500,10 @@
       </p:pic>
       <p:sp>
         <p:nvSpPr>
-          <p:cNvPr id="16387" name="Title 1">
-            <a:extLst>
-              <a:ext uri="{FF2B5EF4-FFF2-40B4-BE49-F238E27FC236}">
-                <a16:creationId xmlns:a16="http://schemas.microsoft.com/office/drawing/2014/main" id="{63BED159-A85A-EE54-F72C-FDA1A74F38C9}"/>
+          <p:cNvPr id="3074" name="Title 1">
+            <a:extLst>
+              <a:ext uri="{FF2B5EF4-FFF2-40B4-BE49-F238E27FC236}">
+                <a16:creationId xmlns:a16="http://schemas.microsoft.com/office/drawing/2014/main" id="{DB405E41-8DBE-0A2D-7587-F65A429379FA}"/>
               </a:ext>
             </a:extLst>
           </p:cNvPr>
@@ -5192,117 +5511,83 @@
             <a:spLocks noGrp="1"/>
           </p:cNvSpPr>
           <p:nvPr>
-            <p:ph type="ctrTitle"/>
-          </p:nvPr>
-        </p:nvSpPr>
-        <p:spPr>
-          <a:xfrm>
-            <a:off x="-180528" y="116632"/>
-            <a:ext cx="3739952" cy="576064"/>
-          </a:xfrm>
-        </p:spPr>
+            <p:ph type="title"/>
+          </p:nvPr>
+        </p:nvSpPr>
+        <p:spPr/>
         <p:txBody>
           <a:bodyPr/>
           <a:lstStyle/>
           <a:p>
+            <a:pPr algn="l" eaLnBrk="1" hangingPunct="1"/>
+            <a:r>
+              <a:rPr lang="en-GB" altLang="en-US" b="1" dirty="0"/>
+              <a:t>Intent of our report</a:t>
+            </a:r>
+          </a:p>
+        </p:txBody>
+      </p:sp>
+      <p:sp>
+        <p:nvSpPr>
+          <p:cNvPr id="3075" name="Content Placeholder 2">
+            <a:extLst>
+              <a:ext uri="{FF2B5EF4-FFF2-40B4-BE49-F238E27FC236}">
+                <a16:creationId xmlns:a16="http://schemas.microsoft.com/office/drawing/2014/main" id="{288F9F58-AD57-A1AA-493E-A317F4F81FD9}"/>
+              </a:ext>
+            </a:extLst>
+          </p:cNvPr>
+          <p:cNvSpPr>
+            <a:spLocks noGrp="1"/>
+          </p:cNvSpPr>
+          <p:nvPr>
+            <p:ph idx="1"/>
+          </p:nvPr>
+        </p:nvSpPr>
+        <p:spPr/>
+        <p:txBody>
+          <a:bodyPr/>
+          <a:lstStyle/>
+          <a:p>
             <a:pPr eaLnBrk="1" hangingPunct="1"/>
             <a:r>
-              <a:rPr lang="en-GB" altLang="en-US" b="1" dirty="0"/>
-              <a:t>Deprivation</a:t>
-            </a:r>
-          </a:p>
-        </p:txBody>
-      </p:sp>
-      <p:pic>
-        <p:nvPicPr>
-          <p:cNvPr id="3" name="Picture 2">
-            <a:extLst>
-              <a:ext uri="{FF2B5EF4-FFF2-40B4-BE49-F238E27FC236}">
-                <a16:creationId xmlns:a16="http://schemas.microsoft.com/office/drawing/2014/main" id="{D1858C4C-8F05-0810-B1C3-4CF3EDB8F17A}"/>
-              </a:ext>
-            </a:extLst>
-          </p:cNvPr>
-          <p:cNvPicPr>
-            <a:picLocks noChangeAspect="1"/>
-          </p:cNvPicPr>
-          <p:nvPr/>
-        </p:nvPicPr>
-        <p:blipFill>
-          <a:blip r:embed="rId3"/>
-          <a:stretch>
-            <a:fillRect/>
-          </a:stretch>
-        </p:blipFill>
-        <p:spPr>
-          <a:xfrm>
-            <a:off x="107504" y="955189"/>
-            <a:ext cx="4360375" cy="2686527"/>
-          </a:xfrm>
-          <a:prstGeom prst="rect">
-            <a:avLst/>
-          </a:prstGeom>
-        </p:spPr>
-      </p:pic>
-      <p:pic>
-        <p:nvPicPr>
-          <p:cNvPr id="5" name="Picture 4">
-            <a:extLst>
-              <a:ext uri="{FF2B5EF4-FFF2-40B4-BE49-F238E27FC236}">
-                <a16:creationId xmlns:a16="http://schemas.microsoft.com/office/drawing/2014/main" id="{C1352007-281A-E1F8-41E0-C376EB6EB16A}"/>
-              </a:ext>
-            </a:extLst>
-          </p:cNvPr>
-          <p:cNvPicPr>
-            <a:picLocks noChangeAspect="1"/>
-          </p:cNvPicPr>
-          <p:nvPr/>
-        </p:nvPicPr>
-        <p:blipFill>
-          <a:blip r:embed="rId4"/>
-          <a:stretch>
-            <a:fillRect/>
-          </a:stretch>
-        </p:blipFill>
-        <p:spPr>
-          <a:xfrm>
-            <a:off x="4607195" y="955189"/>
-            <a:ext cx="4374002" cy="2686527"/>
-          </a:xfrm>
-          <a:prstGeom prst="rect">
-            <a:avLst/>
-          </a:prstGeom>
-        </p:spPr>
-      </p:pic>
-      <p:pic>
-        <p:nvPicPr>
-          <p:cNvPr id="7" name="Picture 6">
-            <a:extLst>
-              <a:ext uri="{FF2B5EF4-FFF2-40B4-BE49-F238E27FC236}">
-                <a16:creationId xmlns:a16="http://schemas.microsoft.com/office/drawing/2014/main" id="{7F15FC35-4E8E-2FC0-2DB9-5B0E1BF4BE19}"/>
-              </a:ext>
-            </a:extLst>
-          </p:cNvPr>
-          <p:cNvPicPr>
-            <a:picLocks noChangeAspect="1"/>
-          </p:cNvPicPr>
-          <p:nvPr/>
-        </p:nvPicPr>
-        <p:blipFill>
-          <a:blip r:embed="rId5"/>
-          <a:stretch>
-            <a:fillRect/>
-          </a:stretch>
-        </p:blipFill>
-        <p:spPr>
-          <a:xfrm>
-            <a:off x="89537" y="3855259"/>
-            <a:ext cx="4378342" cy="2701799"/>
-          </a:xfrm>
-          <a:prstGeom prst="rect">
-            <a:avLst/>
-          </a:prstGeom>
-        </p:spPr>
-      </p:pic>
+              <a:rPr lang="en-US" altLang="en-US" sz="3200" b="1" dirty="0">
+                <a:latin typeface="+mj-lt"/>
+              </a:rPr>
+              <a:t>Impact of Covid on hospitalizations</a:t>
+            </a:r>
+          </a:p>
+          <a:p>
+            <a:pPr eaLnBrk="1" hangingPunct="1"/>
+            <a:r>
+              <a:rPr lang="en-US" altLang="en-US" sz="3200" b="1" dirty="0">
+                <a:latin typeface="+mj-lt"/>
+              </a:rPr>
+              <a:t>Impact of Covid on demographics</a:t>
+            </a:r>
+          </a:p>
+          <a:p>
+            <a:pPr eaLnBrk="1" hangingPunct="1"/>
+            <a:r>
+              <a:rPr lang="en-US" altLang="en-US" sz="3200" b="1" dirty="0">
+                <a:latin typeface="+mj-lt"/>
+              </a:rPr>
+              <a:t>General trend of consequent admissions</a:t>
+            </a:r>
+          </a:p>
+          <a:p>
+            <a:pPr eaLnBrk="1" hangingPunct="1"/>
+            <a:r>
+              <a:rPr lang="en-US" altLang="en-US" b="1" dirty="0">
+                <a:latin typeface="+mj-lt"/>
+              </a:rPr>
+              <a:t>Representation in Shiny dashboard</a:t>
+            </a:r>
+            <a:endParaRPr lang="en-GB" altLang="en-US" dirty="0">
+              <a:latin typeface="+mj-lt"/>
+            </a:endParaRPr>
+          </a:p>
+        </p:txBody>
+      </p:sp>
     </p:spTree>
   </p:cSld>
   <p:clrMapOvr>
@@ -5311,7 +5596,7 @@
 </p:sld>
 </file>
 
-<file path=ppt/slides/slide13.xml><?xml version="1.0" encoding="utf-8"?>
+<file path=ppt/slides/slide3.xml><?xml version="1.0" encoding="utf-8"?>
 <p:sld xmlns:a="http://schemas.openxmlformats.org/drawingml/2006/main" xmlns:r="http://schemas.openxmlformats.org/officeDocument/2006/relationships" xmlns:p="http://schemas.openxmlformats.org/presentationml/2006/main">
   <p:cSld>
     <p:spTree>
@@ -5330,10 +5615,10 @@
       </p:grpSpPr>
       <p:pic>
         <p:nvPicPr>
-          <p:cNvPr id="8194" name="Picture 6" descr="Whoosh">
-            <a:extLst>
-              <a:ext uri="{FF2B5EF4-FFF2-40B4-BE49-F238E27FC236}">
-                <a16:creationId xmlns:a16="http://schemas.microsoft.com/office/drawing/2014/main" id="{D0ACA285-350D-1EE1-67B2-A65CA1A63995}"/>
+          <p:cNvPr id="4098" name="Picture 6" descr="Whoosh">
+            <a:extLst>
+              <a:ext uri="{FF2B5EF4-FFF2-40B4-BE49-F238E27FC236}">
+                <a16:creationId xmlns:a16="http://schemas.microsoft.com/office/drawing/2014/main" id="{45B9997A-9E85-2538-111D-C9B73F0D9A31}"/>
               </a:ext>
             </a:extLst>
           </p:cNvPr>
@@ -5390,10 +5675,10 @@
       </p:pic>
       <p:sp>
         <p:nvSpPr>
-          <p:cNvPr id="8195" name="Title 1">
-            <a:extLst>
-              <a:ext uri="{FF2B5EF4-FFF2-40B4-BE49-F238E27FC236}">
-                <a16:creationId xmlns:a16="http://schemas.microsoft.com/office/drawing/2014/main" id="{9DA92B1A-4FB5-598B-6CC9-15B802F18B4E}"/>
+          <p:cNvPr id="4099" name="Title 1">
+            <a:extLst>
+              <a:ext uri="{FF2B5EF4-FFF2-40B4-BE49-F238E27FC236}">
+                <a16:creationId xmlns:a16="http://schemas.microsoft.com/office/drawing/2014/main" id="{01A5C118-013F-ECEC-FD4C-7E307BA2B6B5}"/>
               </a:ext>
             </a:extLst>
           </p:cNvPr>
@@ -5406,8 +5691,8 @@
         </p:nvSpPr>
         <p:spPr>
           <a:xfrm>
-            <a:off x="0" y="-171451"/>
-            <a:ext cx="7772400" cy="1008063"/>
+            <a:off x="179512" y="-117475"/>
+            <a:ext cx="7772400" cy="1143000"/>
           </a:xfrm>
         </p:spPr>
         <p:txBody>
@@ -5417,41 +5702,7 @@
             <a:pPr algn="l" eaLnBrk="1" hangingPunct="1"/>
             <a:r>
               <a:rPr lang="en-GB" altLang="en-US" b="1" dirty="0"/>
-              <a:t>Conclusion</a:t>
-            </a:r>
-          </a:p>
-        </p:txBody>
-      </p:sp>
-      <p:sp>
-        <p:nvSpPr>
-          <p:cNvPr id="8196" name="Content Placeholder 2">
-            <a:extLst>
-              <a:ext uri="{FF2B5EF4-FFF2-40B4-BE49-F238E27FC236}">
-                <a16:creationId xmlns:a16="http://schemas.microsoft.com/office/drawing/2014/main" id="{7996BF65-080D-3C12-BCD7-5948A613E4D8}"/>
-              </a:ext>
-            </a:extLst>
-          </p:cNvPr>
-          <p:cNvSpPr>
-            <a:spLocks noGrp="1"/>
-          </p:cNvSpPr>
-          <p:nvPr>
-            <p:ph idx="1"/>
-          </p:nvPr>
-        </p:nvSpPr>
-        <p:spPr>
-          <a:xfrm>
-            <a:off x="684213" y="1989138"/>
-            <a:ext cx="7772400" cy="4032250"/>
-          </a:xfrm>
-        </p:spPr>
-        <p:txBody>
-          <a:bodyPr/>
-          <a:lstStyle/>
-          <a:p>
-            <a:pPr eaLnBrk="1" hangingPunct="1"/>
-            <a:r>
-              <a:rPr lang="en-GB" altLang="en-US"/>
-              <a:t>We are proposing that this 5% of the overall patients return home after their treatment each day as the other 95% of patients do, returning to the CIC for further treatment or assessment  the next day</a:t>
+              <a:t>Hospitalisations</a:t>
             </a:r>
           </a:p>
         </p:txBody>
@@ -5464,7 +5715,7 @@
 </p:sld>
 </file>
 
-<file path=ppt/slides/slide2.xml><?xml version="1.0" encoding="utf-8"?>
+<file path=ppt/slides/slide4.xml><?xml version="1.0" encoding="utf-8"?>
 <p:sld xmlns:a="http://schemas.openxmlformats.org/drawingml/2006/main" xmlns:r="http://schemas.openxmlformats.org/officeDocument/2006/relationships" xmlns:p="http://schemas.openxmlformats.org/presentationml/2006/main">
   <p:cSld>
     <p:spTree>
@@ -5481,12 +5732,46 @@
           <a:chExt cx="0" cy="0"/>
         </a:xfrm>
       </p:grpSpPr>
+      <p:sp>
+        <p:nvSpPr>
+          <p:cNvPr id="5122" name="Title 3">
+            <a:extLst>
+              <a:ext uri="{FF2B5EF4-FFF2-40B4-BE49-F238E27FC236}">
+                <a16:creationId xmlns:a16="http://schemas.microsoft.com/office/drawing/2014/main" id="{40362D40-759F-5B45-1201-DE2E6C4561A5}"/>
+              </a:ext>
+            </a:extLst>
+          </p:cNvPr>
+          <p:cNvSpPr>
+            <a:spLocks noGrp="1"/>
+          </p:cNvSpPr>
+          <p:nvPr>
+            <p:ph type="ctrTitle"/>
+          </p:nvPr>
+        </p:nvSpPr>
+        <p:spPr>
+          <a:xfrm>
+            <a:off x="-396552" y="116632"/>
+            <a:ext cx="7772400" cy="504056"/>
+          </a:xfrm>
+        </p:spPr>
+        <p:txBody>
+          <a:bodyPr/>
+          <a:lstStyle/>
+          <a:p>
+            <a:pPr eaLnBrk="1" hangingPunct="1"/>
+            <a:r>
+              <a:rPr lang="en-GB" altLang="en-US" b="1" dirty="0"/>
+              <a:t>Impact on Demographics</a:t>
+            </a:r>
+          </a:p>
+        </p:txBody>
+      </p:sp>
       <p:pic>
         <p:nvPicPr>
-          <p:cNvPr id="3076" name="Picture 6" descr="Whoosh">
-            <a:extLst>
-              <a:ext uri="{FF2B5EF4-FFF2-40B4-BE49-F238E27FC236}">
-                <a16:creationId xmlns:a16="http://schemas.microsoft.com/office/drawing/2014/main" id="{56805B9A-C037-1FDA-CBFE-4C740F4A375D}"/>
+          <p:cNvPr id="5123" name="Picture 6" descr="Whoosh">
+            <a:extLst>
+              <a:ext uri="{FF2B5EF4-FFF2-40B4-BE49-F238E27FC236}">
+                <a16:creationId xmlns:a16="http://schemas.microsoft.com/office/drawing/2014/main" id="{6E2A7B9C-F50A-6269-D7B9-1080BD40C91B}"/>
               </a:ext>
             </a:extLst>
           </p:cNvPr>
@@ -5541,334 +5826,6 @@
           </a:extLst>
         </p:spPr>
       </p:pic>
-      <p:sp>
-        <p:nvSpPr>
-          <p:cNvPr id="3074" name="Title 1">
-            <a:extLst>
-              <a:ext uri="{FF2B5EF4-FFF2-40B4-BE49-F238E27FC236}">
-                <a16:creationId xmlns:a16="http://schemas.microsoft.com/office/drawing/2014/main" id="{DB405E41-8DBE-0A2D-7587-F65A429379FA}"/>
-              </a:ext>
-            </a:extLst>
-          </p:cNvPr>
-          <p:cNvSpPr>
-            <a:spLocks noGrp="1"/>
-          </p:cNvSpPr>
-          <p:nvPr>
-            <p:ph type="title"/>
-          </p:nvPr>
-        </p:nvSpPr>
-        <p:spPr/>
-        <p:txBody>
-          <a:bodyPr/>
-          <a:lstStyle/>
-          <a:p>
-            <a:pPr algn="l" eaLnBrk="1" hangingPunct="1"/>
-            <a:r>
-              <a:rPr lang="en-GB" altLang="en-US" b="1" dirty="0"/>
-              <a:t>Intent of our report</a:t>
-            </a:r>
-          </a:p>
-        </p:txBody>
-      </p:sp>
-      <p:sp>
-        <p:nvSpPr>
-          <p:cNvPr id="3075" name="Content Placeholder 2">
-            <a:extLst>
-              <a:ext uri="{FF2B5EF4-FFF2-40B4-BE49-F238E27FC236}">
-                <a16:creationId xmlns:a16="http://schemas.microsoft.com/office/drawing/2014/main" id="{288F9F58-AD57-A1AA-493E-A317F4F81FD9}"/>
-              </a:ext>
-            </a:extLst>
-          </p:cNvPr>
-          <p:cNvSpPr>
-            <a:spLocks noGrp="1"/>
-          </p:cNvSpPr>
-          <p:nvPr>
-            <p:ph idx="1"/>
-          </p:nvPr>
-        </p:nvSpPr>
-        <p:spPr/>
-        <p:txBody>
-          <a:bodyPr/>
-          <a:lstStyle/>
-          <a:p>
-            <a:pPr eaLnBrk="1" hangingPunct="1"/>
-            <a:r>
-              <a:rPr lang="en-US" altLang="en-US" sz="3200" b="1" dirty="0">
-                <a:latin typeface="+mj-lt"/>
-              </a:rPr>
-              <a:t>Impact of Covid on hospitalizations</a:t>
-            </a:r>
-          </a:p>
-          <a:p>
-            <a:pPr eaLnBrk="1" hangingPunct="1"/>
-            <a:r>
-              <a:rPr lang="en-US" altLang="en-US" sz="3200" b="1" dirty="0">
-                <a:latin typeface="+mj-lt"/>
-              </a:rPr>
-              <a:t>Impact of Covid on demographics</a:t>
-            </a:r>
-          </a:p>
-          <a:p>
-            <a:pPr eaLnBrk="1" hangingPunct="1"/>
-            <a:r>
-              <a:rPr lang="en-US" altLang="en-US" sz="3200" b="1" dirty="0">
-                <a:latin typeface="+mj-lt"/>
-              </a:rPr>
-              <a:t>General trend of consequent admissions</a:t>
-            </a:r>
-          </a:p>
-          <a:p>
-            <a:pPr eaLnBrk="1" hangingPunct="1"/>
-            <a:r>
-              <a:rPr lang="en-US" altLang="en-US" b="1" dirty="0">
-                <a:latin typeface="+mj-lt"/>
-              </a:rPr>
-              <a:t>Representation in Shiny dashboard</a:t>
-            </a:r>
-            <a:endParaRPr lang="en-GB" altLang="en-US" dirty="0">
-              <a:latin typeface="+mj-lt"/>
-            </a:endParaRPr>
-          </a:p>
-        </p:txBody>
-      </p:sp>
-    </p:spTree>
-  </p:cSld>
-  <p:clrMapOvr>
-    <a:masterClrMapping/>
-  </p:clrMapOvr>
-</p:sld>
-</file>
-
-<file path=ppt/slides/slide3.xml><?xml version="1.0" encoding="utf-8"?>
-<p:sld xmlns:a="http://schemas.openxmlformats.org/drawingml/2006/main" xmlns:r="http://schemas.openxmlformats.org/officeDocument/2006/relationships" xmlns:p="http://schemas.openxmlformats.org/presentationml/2006/main">
-  <p:cSld>
-    <p:spTree>
-      <p:nvGrpSpPr>
-        <p:cNvPr id="1" name=""/>
-        <p:cNvGrpSpPr/>
-        <p:nvPr/>
-      </p:nvGrpSpPr>
-      <p:grpSpPr>
-        <a:xfrm>
-          <a:off x="0" y="0"/>
-          <a:ext cx="0" cy="0"/>
-          <a:chOff x="0" y="0"/>
-          <a:chExt cx="0" cy="0"/>
-        </a:xfrm>
-      </p:grpSpPr>
-      <p:pic>
-        <p:nvPicPr>
-          <p:cNvPr id="4098" name="Picture 6" descr="Whoosh">
-            <a:extLst>
-              <a:ext uri="{FF2B5EF4-FFF2-40B4-BE49-F238E27FC236}">
-                <a16:creationId xmlns:a16="http://schemas.microsoft.com/office/drawing/2014/main" id="{45B9997A-9E85-2538-111D-C9B73F0D9A31}"/>
-              </a:ext>
-            </a:extLst>
-          </p:cNvPr>
-          <p:cNvPicPr>
-            <a:picLocks noChangeAspect="1" noChangeArrowheads="1"/>
-          </p:cNvPicPr>
-          <p:nvPr/>
-        </p:nvPicPr>
-        <p:blipFill>
-          <a:blip r:embed="rId2">
-            <a:extLst>
-              <a:ext uri="{28A0092B-C50C-407E-A947-70E740481C1C}">
-                <a14:useLocalDpi xmlns:a14="http://schemas.microsoft.com/office/drawing/2010/main" val="0"/>
-              </a:ext>
-            </a:extLst>
-          </a:blip>
-          <a:srcRect/>
-          <a:stretch>
-            <a:fillRect/>
-          </a:stretch>
-        </p:blipFill>
-        <p:spPr bwMode="auto">
-          <a:xfrm>
-            <a:off x="0" y="3892550"/>
-            <a:ext cx="9144000" cy="2965450"/>
-          </a:xfrm>
-          <a:prstGeom prst="rect">
-            <a:avLst/>
-          </a:prstGeom>
-          <a:noFill/>
-          <a:ln>
-            <a:noFill/>
-          </a:ln>
-          <a:extLst>
-            <a:ext uri="{909E8E84-426E-40DD-AFC4-6F175D3DCCD1}">
-              <a14:hiddenFill xmlns:a14="http://schemas.microsoft.com/office/drawing/2010/main">
-                <a:solidFill>
-                  <a:srgbClr val="FFFFFF"/>
-                </a:solidFill>
-              </a14:hiddenFill>
-            </a:ext>
-            <a:ext uri="{91240B29-F687-4F45-9708-019B960494DF}">
-              <a14:hiddenLine xmlns:a14="http://schemas.microsoft.com/office/drawing/2010/main" w="9525">
-                <a:solidFill>
-                  <a:srgbClr val="000000"/>
-                </a:solidFill>
-                <a:miter lim="800000"/>
-                <a:headEnd/>
-                <a:tailEnd/>
-              </a14:hiddenLine>
-            </a:ext>
-          </a:extLst>
-        </p:spPr>
-      </p:pic>
-      <p:sp>
-        <p:nvSpPr>
-          <p:cNvPr id="4099" name="Title 1">
-            <a:extLst>
-              <a:ext uri="{FF2B5EF4-FFF2-40B4-BE49-F238E27FC236}">
-                <a16:creationId xmlns:a16="http://schemas.microsoft.com/office/drawing/2014/main" id="{01A5C118-013F-ECEC-FD4C-7E307BA2B6B5}"/>
-              </a:ext>
-            </a:extLst>
-          </p:cNvPr>
-          <p:cNvSpPr>
-            <a:spLocks noGrp="1"/>
-          </p:cNvSpPr>
-          <p:nvPr>
-            <p:ph type="title"/>
-          </p:nvPr>
-        </p:nvSpPr>
-        <p:spPr>
-          <a:xfrm>
-            <a:off x="179512" y="-117475"/>
-            <a:ext cx="7772400" cy="1143000"/>
-          </a:xfrm>
-        </p:spPr>
-        <p:txBody>
-          <a:bodyPr/>
-          <a:lstStyle/>
-          <a:p>
-            <a:pPr algn="l" eaLnBrk="1" hangingPunct="1"/>
-            <a:r>
-              <a:rPr lang="en-GB" altLang="en-US" b="1" dirty="0"/>
-              <a:t>Hospitalisations</a:t>
-            </a:r>
-          </a:p>
-        </p:txBody>
-      </p:sp>
-    </p:spTree>
-  </p:cSld>
-  <p:clrMapOvr>
-    <a:masterClrMapping/>
-  </p:clrMapOvr>
-</p:sld>
-</file>
-
-<file path=ppt/slides/slide4.xml><?xml version="1.0" encoding="utf-8"?>
-<p:sld xmlns:a="http://schemas.openxmlformats.org/drawingml/2006/main" xmlns:r="http://schemas.openxmlformats.org/officeDocument/2006/relationships" xmlns:p="http://schemas.openxmlformats.org/presentationml/2006/main">
-  <p:cSld>
-    <p:spTree>
-      <p:nvGrpSpPr>
-        <p:cNvPr id="1" name=""/>
-        <p:cNvGrpSpPr/>
-        <p:nvPr/>
-      </p:nvGrpSpPr>
-      <p:grpSpPr>
-        <a:xfrm>
-          <a:off x="0" y="0"/>
-          <a:ext cx="0" cy="0"/>
-          <a:chOff x="0" y="0"/>
-          <a:chExt cx="0" cy="0"/>
-        </a:xfrm>
-      </p:grpSpPr>
-      <p:sp>
-        <p:nvSpPr>
-          <p:cNvPr id="5122" name="Title 3">
-            <a:extLst>
-              <a:ext uri="{FF2B5EF4-FFF2-40B4-BE49-F238E27FC236}">
-                <a16:creationId xmlns:a16="http://schemas.microsoft.com/office/drawing/2014/main" id="{40362D40-759F-5B45-1201-DE2E6C4561A5}"/>
-              </a:ext>
-            </a:extLst>
-          </p:cNvPr>
-          <p:cNvSpPr>
-            <a:spLocks noGrp="1"/>
-          </p:cNvSpPr>
-          <p:nvPr>
-            <p:ph type="ctrTitle"/>
-          </p:nvPr>
-        </p:nvSpPr>
-        <p:spPr>
-          <a:xfrm>
-            <a:off x="-396552" y="116632"/>
-            <a:ext cx="7772400" cy="504056"/>
-          </a:xfrm>
-        </p:spPr>
-        <p:txBody>
-          <a:bodyPr/>
-          <a:lstStyle/>
-          <a:p>
-            <a:pPr eaLnBrk="1" hangingPunct="1"/>
-            <a:r>
-              <a:rPr lang="en-GB" altLang="en-US" b="1" dirty="0"/>
-              <a:t>Impact on Demographics</a:t>
-            </a:r>
-          </a:p>
-        </p:txBody>
-      </p:sp>
-      <p:pic>
-        <p:nvPicPr>
-          <p:cNvPr id="5123" name="Picture 6" descr="Whoosh">
-            <a:extLst>
-              <a:ext uri="{FF2B5EF4-FFF2-40B4-BE49-F238E27FC236}">
-                <a16:creationId xmlns:a16="http://schemas.microsoft.com/office/drawing/2014/main" id="{6E2A7B9C-F50A-6269-D7B9-1080BD40C91B}"/>
-              </a:ext>
-            </a:extLst>
-          </p:cNvPr>
-          <p:cNvPicPr>
-            <a:picLocks noChangeAspect="1" noChangeArrowheads="1"/>
-          </p:cNvPicPr>
-          <p:nvPr/>
-        </p:nvPicPr>
-        <p:blipFill>
-          <a:blip r:embed="rId2">
-            <a:extLst>
-              <a:ext uri="{28A0092B-C50C-407E-A947-70E740481C1C}">
-                <a14:useLocalDpi xmlns:a14="http://schemas.microsoft.com/office/drawing/2010/main" val="0"/>
-              </a:ext>
-            </a:extLst>
-          </a:blip>
-          <a:srcRect/>
-          <a:stretch>
-            <a:fillRect/>
-          </a:stretch>
-        </p:blipFill>
-        <p:spPr bwMode="auto">
-          <a:xfrm>
-            <a:off x="0" y="3892550"/>
-            <a:ext cx="9144000" cy="2965450"/>
-          </a:xfrm>
-          <a:prstGeom prst="rect">
-            <a:avLst/>
-          </a:prstGeom>
-          <a:noFill/>
-          <a:ln>
-            <a:noFill/>
-          </a:ln>
-          <a:extLst>
-            <a:ext uri="{909E8E84-426E-40DD-AFC4-6F175D3DCCD1}">
-              <a14:hiddenFill xmlns:a14="http://schemas.microsoft.com/office/drawing/2010/main">
-                <a:solidFill>
-                  <a:srgbClr val="FFFFFF"/>
-                </a:solidFill>
-              </a14:hiddenFill>
-            </a:ext>
-            <a:ext uri="{91240B29-F687-4F45-9708-019B960494DF}">
-              <a14:hiddenLine xmlns:a14="http://schemas.microsoft.com/office/drawing/2010/main" w="9525">
-                <a:solidFill>
-                  <a:srgbClr val="000000"/>
-                </a:solidFill>
-                <a:miter lim="800000"/>
-                <a:headEnd/>
-                <a:tailEnd/>
-              </a14:hiddenLine>
-            </a:ext>
-          </a:extLst>
-        </p:spPr>
-      </p:pic>
       <p:pic>
         <p:nvPicPr>
           <p:cNvPr id="3" name="Picture 2">
@@ -5891,8 +5848,38 @@
         </p:blipFill>
         <p:spPr>
           <a:xfrm>
-            <a:off x="323528" y="823757"/>
-            <a:ext cx="4927091" cy="3068793"/>
+            <a:off x="323528" y="1255318"/>
+            <a:ext cx="4234199" cy="2637232"/>
+          </a:xfrm>
+          <a:prstGeom prst="rect">
+            <a:avLst/>
+          </a:prstGeom>
+        </p:spPr>
+      </p:pic>
+      <p:pic>
+        <p:nvPicPr>
+          <p:cNvPr id="4" name="Picture 3">
+            <a:extLst>
+              <a:ext uri="{FF2B5EF4-FFF2-40B4-BE49-F238E27FC236}">
+                <a16:creationId xmlns:a16="http://schemas.microsoft.com/office/drawing/2014/main" id="{67104497-65F5-9DBA-EF86-090BB3EAE1D6}"/>
+              </a:ext>
+            </a:extLst>
+          </p:cNvPr>
+          <p:cNvPicPr>
+            <a:picLocks noChangeAspect="1"/>
+          </p:cNvPicPr>
+          <p:nvPr/>
+        </p:nvPicPr>
+        <p:blipFill>
+          <a:blip r:embed="rId4"/>
+          <a:stretch>
+            <a:fillRect/>
+          </a:stretch>
+        </p:blipFill>
+        <p:spPr>
+          <a:xfrm>
+            <a:off x="329835" y="3892550"/>
+            <a:ext cx="4234198" cy="2608168"/>
           </a:xfrm>
           <a:prstGeom prst="rect">
             <a:avLst/>

--- a/Final Powerpoint presentation for 12.08.22.pptx
+++ b/Final Powerpoint presentation for 12.08.22.pptx
@@ -5449,10 +5449,7 @@
           <a:lstStyle/>
           <a:p>
             <a:pPr eaLnBrk="1" hangingPunct="1"/>
-            <a:r>
-              <a:rPr lang="en-GB" altLang="en-US"/>
-              <a:t>We are proposing that this 5% of the overall patients return home after their treatment each day as the other 95% of patients do, returning to the CIC for further treatment or assessment  the next day</a:t>
-            </a:r>
+            <a:endParaRPr lang="en-GB" altLang="en-US" dirty="0"/>
           </a:p>
         </p:txBody>
       </p:sp>

--- a/Final Powerpoint presentation for 12.08.22.pptx
+++ b/Final Powerpoint presentation for 12.08.22.pptx
@@ -5,21 +5,22 @@
     <p:sldMasterId id="2147483648" r:id="rId1"/>
   </p:sldMasterIdLst>
   <p:notesMasterIdLst>
-    <p:notesMasterId r:id="rId14"/>
+    <p:notesMasterId r:id="rId15"/>
   </p:notesMasterIdLst>
   <p:sldIdLst>
     <p:sldId id="256" r:id="rId2"/>
-    <p:sldId id="257" r:id="rId3"/>
-    <p:sldId id="258" r:id="rId4"/>
-    <p:sldId id="260" r:id="rId5"/>
-    <p:sldId id="310" r:id="rId6"/>
-    <p:sldId id="305" r:id="rId7"/>
-    <p:sldId id="304" r:id="rId8"/>
-    <p:sldId id="303" r:id="rId9"/>
-    <p:sldId id="300" r:id="rId10"/>
-    <p:sldId id="320" r:id="rId11"/>
-    <p:sldId id="306" r:id="rId12"/>
-    <p:sldId id="273" r:id="rId13"/>
+    <p:sldId id="321" r:id="rId3"/>
+    <p:sldId id="257" r:id="rId4"/>
+    <p:sldId id="258" r:id="rId5"/>
+    <p:sldId id="304" r:id="rId6"/>
+    <p:sldId id="322" r:id="rId7"/>
+    <p:sldId id="306" r:id="rId8"/>
+    <p:sldId id="260" r:id="rId9"/>
+    <p:sldId id="310" r:id="rId10"/>
+    <p:sldId id="305" r:id="rId11"/>
+    <p:sldId id="303" r:id="rId12"/>
+    <p:sldId id="320" r:id="rId13"/>
+    <p:sldId id="273" r:id="rId14"/>
   </p:sldIdLst>
   <p:sldSz cx="9144000" cy="6858000" type="screen4x3"/>
   <p:notesSz cx="7099300" cy="10234613"/>
@@ -4443,6 +4444,1806 @@
 <file path=ppt/slides/slide1.xml><?xml version="1.0" encoding="utf-8"?>
 <p:sld xmlns:a="http://schemas.openxmlformats.org/drawingml/2006/main" xmlns:r="http://schemas.openxmlformats.org/officeDocument/2006/relationships" xmlns:p="http://schemas.openxmlformats.org/presentationml/2006/main">
   <p:cSld>
+    <p:bg>
+      <p:bgPr>
+        <a:solidFill>
+          <a:schemeClr val="bg1"/>
+        </a:solidFill>
+        <a:effectLst/>
+      </p:bgPr>
+    </p:bg>
+    <p:spTree>
+      <p:nvGrpSpPr>
+        <p:cNvPr id="1" name=""/>
+        <p:cNvGrpSpPr/>
+        <p:nvPr/>
+      </p:nvGrpSpPr>
+      <p:grpSpPr>
+        <a:xfrm>
+          <a:off x="0" y="0"/>
+          <a:ext cx="0" cy="0"/>
+          <a:chOff x="0" y="0"/>
+          <a:chExt cx="0" cy="0"/>
+        </a:xfrm>
+      </p:grpSpPr>
+      <p:sp useBgFill="1">
+        <p:nvSpPr>
+          <p:cNvPr id="2061" name="Rectangle 2060">
+            <a:extLst>
+              <a:ext uri="{FF2B5EF4-FFF2-40B4-BE49-F238E27FC236}">
+                <a16:creationId xmlns:a16="http://schemas.microsoft.com/office/drawing/2014/main" id="{826B4A43-2A34-4B22-882C-D7552FA9C7DB}"/>
+              </a:ext>
+              <a:ext uri="{C183D7F6-B498-43B3-948B-1728B52AA6E4}">
+                <adec:decorative xmlns:adec="http://schemas.microsoft.com/office/drawing/2017/decorative" val="1"/>
+              </a:ext>
+            </a:extLst>
+          </p:cNvPr>
+          <p:cNvSpPr>
+            <a:spLocks noGrp="1" noRot="1" noChangeAspect="1" noMove="1" noResize="1" noEditPoints="1" noAdjustHandles="1" noChangeArrowheads="1" noChangeShapeType="1" noTextEdit="1"/>
+          </p:cNvSpPr>
+          <p:nvPr>
+            <p:extLst>
+              <p:ext uri="{386F3935-93C4-4BCD-93E2-E3B085C9AB24}">
+                <p16:designElem xmlns:p16="http://schemas.microsoft.com/office/powerpoint/2015/main" val="1"/>
+              </p:ext>
+            </p:extLst>
+          </p:nvPr>
+        </p:nvSpPr>
+        <p:spPr>
+          <a:xfrm>
+            <a:off x="0" y="0"/>
+            <a:ext cx="9141714" cy="6858000"/>
+          </a:xfrm>
+          <a:prstGeom prst="rect">
+            <a:avLst/>
+          </a:prstGeom>
+          <a:ln>
+            <a:noFill/>
+          </a:ln>
+        </p:spPr>
+        <p:style>
+          <a:lnRef idx="2">
+            <a:schemeClr val="accent1">
+              <a:shade val="50000"/>
+            </a:schemeClr>
+          </a:lnRef>
+          <a:fillRef idx="1">
+            <a:schemeClr val="accent1"/>
+          </a:fillRef>
+          <a:effectRef idx="0">
+            <a:schemeClr val="accent1"/>
+          </a:effectRef>
+          <a:fontRef idx="minor">
+            <a:schemeClr val="lt1"/>
+          </a:fontRef>
+        </p:style>
+        <p:txBody>
+          <a:bodyPr rtlCol="0" anchor="ctr"/>
+          <a:lstStyle/>
+          <a:p>
+            <a:pPr algn="ctr"/>
+            <a:endParaRPr lang="en-US"/>
+          </a:p>
+        </p:txBody>
+      </p:sp>
+      <p:sp>
+        <p:nvSpPr>
+          <p:cNvPr id="2063" name="Rectangle 2062">
+            <a:extLst>
+              <a:ext uri="{FF2B5EF4-FFF2-40B4-BE49-F238E27FC236}">
+                <a16:creationId xmlns:a16="http://schemas.microsoft.com/office/drawing/2014/main" id="{A5271697-90F1-4A23-8EF2-0179F2EAFACB}"/>
+              </a:ext>
+              <a:ext uri="{C183D7F6-B498-43B3-948B-1728B52AA6E4}">
+                <adec:decorative xmlns:adec="http://schemas.microsoft.com/office/drawing/2017/decorative" val="1"/>
+              </a:ext>
+            </a:extLst>
+          </p:cNvPr>
+          <p:cNvSpPr>
+            <a:spLocks noGrp="1" noRot="1" noChangeAspect="1" noMove="1" noResize="1" noEditPoints="1" noAdjustHandles="1" noChangeArrowheads="1" noChangeShapeType="1" noTextEdit="1"/>
+          </p:cNvSpPr>
+          <p:nvPr>
+            <p:extLst>
+              <p:ext uri="{386F3935-93C4-4BCD-93E2-E3B085C9AB24}">
+                <p16:designElem xmlns:p16="http://schemas.microsoft.com/office/powerpoint/2015/main" val="1"/>
+              </p:ext>
+            </p:extLst>
+          </p:nvPr>
+        </p:nvSpPr>
+        <p:spPr>
+          <a:xfrm>
+            <a:off x="0" y="1"/>
+            <a:ext cx="455228" cy="3233984"/>
+          </a:xfrm>
+          <a:prstGeom prst="rect">
+            <a:avLst/>
+          </a:prstGeom>
+          <a:solidFill>
+            <a:schemeClr val="tx1">
+              <a:lumMod val="85000"/>
+              <a:lumOff val="15000"/>
+            </a:schemeClr>
+          </a:solidFill>
+          <a:ln>
+            <a:noFill/>
+          </a:ln>
+        </p:spPr>
+        <p:style>
+          <a:lnRef idx="2">
+            <a:schemeClr val="accent1">
+              <a:shade val="50000"/>
+            </a:schemeClr>
+          </a:lnRef>
+          <a:fillRef idx="1">
+            <a:schemeClr val="accent1"/>
+          </a:fillRef>
+          <a:effectRef idx="0">
+            <a:schemeClr val="accent1"/>
+          </a:effectRef>
+          <a:fontRef idx="minor">
+            <a:schemeClr val="lt1"/>
+          </a:fontRef>
+        </p:style>
+        <p:txBody>
+          <a:bodyPr rtlCol="0" anchor="ctr"/>
+          <a:lstStyle/>
+          <a:p>
+            <a:pPr algn="ctr"/>
+            <a:endParaRPr lang="en-US"/>
+          </a:p>
+        </p:txBody>
+      </p:sp>
+      <p:sp>
+        <p:nvSpPr>
+          <p:cNvPr id="2065" name="Rectangle 2064">
+            <a:extLst>
+              <a:ext uri="{FF2B5EF4-FFF2-40B4-BE49-F238E27FC236}">
+                <a16:creationId xmlns:a16="http://schemas.microsoft.com/office/drawing/2014/main" id="{D9F5512A-48E1-4C07-B75E-3CCC517B6804}"/>
+              </a:ext>
+              <a:ext uri="{C183D7F6-B498-43B3-948B-1728B52AA6E4}">
+                <adec:decorative xmlns:adec="http://schemas.microsoft.com/office/drawing/2017/decorative" val="1"/>
+              </a:ext>
+            </a:extLst>
+          </p:cNvPr>
+          <p:cNvSpPr>
+            <a:spLocks noGrp="1" noRot="1" noChangeAspect="1" noMove="1" noResize="1" noEditPoints="1" noAdjustHandles="1" noChangeArrowheads="1" noChangeShapeType="1" noTextEdit="1"/>
+          </p:cNvSpPr>
+          <p:nvPr>
+            <p:extLst>
+              <p:ext uri="{386F3935-93C4-4BCD-93E2-E3B085C9AB24}">
+                <p16:designElem xmlns:p16="http://schemas.microsoft.com/office/powerpoint/2015/main" val="1"/>
+              </p:ext>
+            </p:extLst>
+          </p:nvPr>
+        </p:nvSpPr>
+        <p:spPr>
+          <a:xfrm>
+            <a:off x="0" y="3233984"/>
+            <a:ext cx="455228" cy="3624015"/>
+          </a:xfrm>
+          <a:prstGeom prst="rect">
+            <a:avLst/>
+          </a:prstGeom>
+          <a:solidFill>
+            <a:schemeClr val="accent1"/>
+          </a:solidFill>
+          <a:ln>
+            <a:noFill/>
+          </a:ln>
+        </p:spPr>
+        <p:style>
+          <a:lnRef idx="2">
+            <a:schemeClr val="accent1">
+              <a:shade val="50000"/>
+            </a:schemeClr>
+          </a:lnRef>
+          <a:fillRef idx="1">
+            <a:schemeClr val="accent1"/>
+          </a:fillRef>
+          <a:effectRef idx="0">
+            <a:schemeClr val="accent1"/>
+          </a:effectRef>
+          <a:fontRef idx="minor">
+            <a:schemeClr val="lt1"/>
+          </a:fontRef>
+        </p:style>
+        <p:txBody>
+          <a:bodyPr rtlCol="0" anchor="ctr"/>
+          <a:lstStyle/>
+          <a:p>
+            <a:pPr algn="ctr"/>
+            <a:endParaRPr lang="en-US"/>
+          </a:p>
+        </p:txBody>
+      </p:sp>
+      <p:sp>
+        <p:nvSpPr>
+          <p:cNvPr id="2067" name="Rectangle 2066">
+            <a:extLst>
+              <a:ext uri="{FF2B5EF4-FFF2-40B4-BE49-F238E27FC236}">
+                <a16:creationId xmlns:a16="http://schemas.microsoft.com/office/drawing/2014/main" id="{B429BAE5-B200-4FC0-BBC1-8D7C57D1D9F4}"/>
+              </a:ext>
+              <a:ext uri="{C183D7F6-B498-43B3-948B-1728B52AA6E4}">
+                <adec:decorative xmlns:adec="http://schemas.microsoft.com/office/drawing/2017/decorative" val="1"/>
+              </a:ext>
+            </a:extLst>
+          </p:cNvPr>
+          <p:cNvSpPr>
+            <a:spLocks noGrp="1" noRot="1" noChangeAspect="1" noMove="1" noResize="1" noEditPoints="1" noAdjustHandles="1" noChangeArrowheads="1" noChangeShapeType="1" noTextEdit="1"/>
+          </p:cNvSpPr>
+          <p:nvPr>
+            <p:extLst>
+              <p:ext uri="{386F3935-93C4-4BCD-93E2-E3B085C9AB24}">
+                <p16:designElem xmlns:p16="http://schemas.microsoft.com/office/powerpoint/2015/main" val="1"/>
+              </p:ext>
+            </p:extLst>
+          </p:nvPr>
+        </p:nvSpPr>
+        <p:spPr>
+          <a:xfrm>
+            <a:off x="455228" y="0"/>
+            <a:ext cx="3423828" cy="6858000"/>
+          </a:xfrm>
+          <a:prstGeom prst="rect">
+            <a:avLst/>
+          </a:prstGeom>
+          <a:solidFill>
+            <a:schemeClr val="bg1">
+              <a:lumMod val="95000"/>
+            </a:schemeClr>
+          </a:solidFill>
+          <a:ln>
+            <a:noFill/>
+          </a:ln>
+        </p:spPr>
+        <p:style>
+          <a:lnRef idx="2">
+            <a:schemeClr val="accent1">
+              <a:shade val="50000"/>
+            </a:schemeClr>
+          </a:lnRef>
+          <a:fillRef idx="1">
+            <a:schemeClr val="accent1"/>
+          </a:fillRef>
+          <a:effectRef idx="0">
+            <a:schemeClr val="accent1"/>
+          </a:effectRef>
+          <a:fontRef idx="minor">
+            <a:schemeClr val="lt1"/>
+          </a:fontRef>
+        </p:style>
+        <p:txBody>
+          <a:bodyPr rtlCol="0" anchor="ctr"/>
+          <a:lstStyle/>
+          <a:p>
+            <a:pPr algn="ctr"/>
+            <a:endParaRPr lang="en-US"/>
+          </a:p>
+        </p:txBody>
+      </p:sp>
+      <p:grpSp>
+        <p:nvGrpSpPr>
+          <p:cNvPr id="2069" name="Group 2068">
+            <a:extLst>
+              <a:ext uri="{FF2B5EF4-FFF2-40B4-BE49-F238E27FC236}">
+                <a16:creationId xmlns:a16="http://schemas.microsoft.com/office/drawing/2014/main" id="{A9644633-5AE1-44D6-8F5F-6376DDA130CD}"/>
+              </a:ext>
+              <a:ext uri="{C183D7F6-B498-43B3-948B-1728B52AA6E4}">
+                <adec:decorative xmlns:adec="http://schemas.microsoft.com/office/drawing/2017/decorative" val="1"/>
+              </a:ext>
+            </a:extLst>
+          </p:cNvPr>
+          <p:cNvGrpSpPr>
+            <a:grpSpLocks noGrp="1" noUngrp="1" noRot="1" noChangeAspect="1" noMove="1" noResize="1"/>
+          </p:cNvGrpSpPr>
+          <p:nvPr>
+            <p:extLst>
+              <p:ext uri="{386F3935-93C4-4BCD-93E2-E3B085C9AB24}">
+                <p16:designElem xmlns:p16="http://schemas.microsoft.com/office/powerpoint/2015/main" val="1"/>
+              </p:ext>
+            </p:extLst>
+          </p:nvPr>
+        </p:nvGrpSpPr>
+        <p:grpSpPr>
+          <a:xfrm>
+            <a:off x="891533" y="73152"/>
+            <a:ext cx="884223" cy="232963"/>
+            <a:chOff x="7763256" y="73152"/>
+            <a:chExt cx="1178966" cy="232963"/>
+          </a:xfrm>
+        </p:grpSpPr>
+        <p:sp>
+          <p:nvSpPr>
+            <p:cNvPr id="2058" name="Rectangle 64">
+              <a:extLst>
+                <a:ext uri="{FF2B5EF4-FFF2-40B4-BE49-F238E27FC236}">
+                  <a16:creationId xmlns:a16="http://schemas.microsoft.com/office/drawing/2014/main" id="{4FA74995-C5A7-4DBF-BFD1-C4831852DF17}"/>
+                </a:ext>
+                <a:ext uri="{C183D7F6-B498-43B3-948B-1728B52AA6E4}">
+                  <adec:decorative xmlns:adec="http://schemas.microsoft.com/office/drawing/2017/decorative" val="1"/>
+                </a:ext>
+              </a:extLst>
+            </p:cNvPr>
+            <p:cNvSpPr/>
+            <p:nvPr>
+              <p:extLst>
+                <p:ext uri="{386F3935-93C4-4BCD-93E2-E3B085C9AB24}">
+                  <p16:designElem xmlns:p16="http://schemas.microsoft.com/office/powerpoint/2015/main" val="1"/>
+                </p:ext>
+              </p:extLst>
+            </p:nvPr>
+          </p:nvSpPr>
+          <p:spPr>
+            <a:xfrm>
+              <a:off x="8263077" y="73152"/>
+              <a:ext cx="54368" cy="59227"/>
+            </a:xfrm>
+            <a:prstGeom prst="ellipse">
+              <a:avLst/>
+            </a:prstGeom>
+            <a:solidFill>
+              <a:schemeClr val="accent1"/>
+            </a:solidFill>
+            <a:ln>
+              <a:noFill/>
+            </a:ln>
+          </p:spPr>
+          <p:style>
+            <a:lnRef idx="2">
+              <a:schemeClr val="accent1">
+                <a:shade val="50000"/>
+              </a:schemeClr>
+            </a:lnRef>
+            <a:fillRef idx="1">
+              <a:schemeClr val="accent1"/>
+            </a:fillRef>
+            <a:effectRef idx="0">
+              <a:schemeClr val="accent1"/>
+            </a:effectRef>
+            <a:fontRef idx="minor">
+              <a:schemeClr val="lt1"/>
+            </a:fontRef>
+          </p:style>
+          <p:txBody>
+            <a:bodyPr rtlCol="0" anchor="ctr"/>
+            <a:lstStyle/>
+            <a:p>
+              <a:pPr algn="ctr"/>
+              <a:endParaRPr lang="en-US"/>
+            </a:p>
+          </p:txBody>
+        </p:sp>
+        <p:sp>
+          <p:nvSpPr>
+            <p:cNvPr id="2059" name="Rectangle 66">
+              <a:extLst>
+                <a:ext uri="{FF2B5EF4-FFF2-40B4-BE49-F238E27FC236}">
+                  <a16:creationId xmlns:a16="http://schemas.microsoft.com/office/drawing/2014/main" id="{009DC7CE-EC50-455B-AEF3-758096A62E47}"/>
+                </a:ext>
+                <a:ext uri="{C183D7F6-B498-43B3-948B-1728B52AA6E4}">
+                  <adec:decorative xmlns:adec="http://schemas.microsoft.com/office/drawing/2017/decorative" val="1"/>
+                </a:ext>
+              </a:extLst>
+            </p:cNvPr>
+            <p:cNvSpPr/>
+            <p:nvPr>
+              <p:extLst>
+                <p:ext uri="{386F3935-93C4-4BCD-93E2-E3B085C9AB24}">
+                  <p16:designElem xmlns:p16="http://schemas.microsoft.com/office/powerpoint/2015/main" val="1"/>
+                </p:ext>
+              </p:extLst>
+            </p:nvPr>
+          </p:nvSpPr>
+          <p:spPr>
+            <a:xfrm>
+              <a:off x="8263077" y="246888"/>
+              <a:ext cx="54368" cy="59227"/>
+            </a:xfrm>
+            <a:prstGeom prst="ellipse">
+              <a:avLst/>
+            </a:prstGeom>
+            <a:solidFill>
+              <a:schemeClr val="accent1"/>
+            </a:solidFill>
+            <a:ln>
+              <a:noFill/>
+            </a:ln>
+          </p:spPr>
+          <p:style>
+            <a:lnRef idx="2">
+              <a:schemeClr val="accent1">
+                <a:shade val="50000"/>
+              </a:schemeClr>
+            </a:lnRef>
+            <a:fillRef idx="1">
+              <a:schemeClr val="accent1"/>
+            </a:fillRef>
+            <a:effectRef idx="0">
+              <a:schemeClr val="accent1"/>
+            </a:effectRef>
+            <a:fontRef idx="minor">
+              <a:schemeClr val="lt1"/>
+            </a:fontRef>
+          </p:style>
+          <p:txBody>
+            <a:bodyPr rtlCol="0" anchor="ctr"/>
+            <a:lstStyle/>
+            <a:p>
+              <a:pPr algn="ctr"/>
+              <a:endParaRPr lang="en-US"/>
+            </a:p>
+          </p:txBody>
+        </p:sp>
+        <p:sp>
+          <p:nvSpPr>
+            <p:cNvPr id="2060" name="Rectangle 64">
+              <a:extLst>
+                <a:ext uri="{FF2B5EF4-FFF2-40B4-BE49-F238E27FC236}">
+                  <a16:creationId xmlns:a16="http://schemas.microsoft.com/office/drawing/2014/main" id="{680D0724-2EE2-4A8E-B7FC-994977F2A611}"/>
+                </a:ext>
+                <a:ext uri="{C183D7F6-B498-43B3-948B-1728B52AA6E4}">
+                  <adec:decorative xmlns:adec="http://schemas.microsoft.com/office/drawing/2017/decorative" val="1"/>
+                </a:ext>
+              </a:extLst>
+            </p:cNvPr>
+            <p:cNvSpPr/>
+            <p:nvPr>
+              <p:extLst>
+                <p:ext uri="{386F3935-93C4-4BCD-93E2-E3B085C9AB24}">
+                  <p16:designElem xmlns:p16="http://schemas.microsoft.com/office/powerpoint/2015/main" val="1"/>
+                </p:ext>
+              </p:extLst>
+            </p:nvPr>
+          </p:nvSpPr>
+          <p:spPr>
+            <a:xfrm>
+              <a:off x="8138122" y="73152"/>
+              <a:ext cx="54368" cy="59227"/>
+            </a:xfrm>
+            <a:prstGeom prst="ellipse">
+              <a:avLst/>
+            </a:prstGeom>
+            <a:solidFill>
+              <a:schemeClr val="accent1"/>
+            </a:solidFill>
+            <a:ln>
+              <a:noFill/>
+            </a:ln>
+          </p:spPr>
+          <p:style>
+            <a:lnRef idx="2">
+              <a:schemeClr val="accent1">
+                <a:shade val="50000"/>
+              </a:schemeClr>
+            </a:lnRef>
+            <a:fillRef idx="1">
+              <a:schemeClr val="accent1"/>
+            </a:fillRef>
+            <a:effectRef idx="0">
+              <a:schemeClr val="accent1"/>
+            </a:effectRef>
+            <a:fontRef idx="minor">
+              <a:schemeClr val="lt1"/>
+            </a:fontRef>
+          </p:style>
+          <p:txBody>
+            <a:bodyPr rtlCol="0" anchor="ctr"/>
+            <a:lstStyle/>
+            <a:p>
+              <a:pPr algn="ctr"/>
+              <a:endParaRPr lang="en-US"/>
+            </a:p>
+          </p:txBody>
+        </p:sp>
+        <p:sp>
+          <p:nvSpPr>
+            <p:cNvPr id="2062" name="Rectangle 66">
+              <a:extLst>
+                <a:ext uri="{FF2B5EF4-FFF2-40B4-BE49-F238E27FC236}">
+                  <a16:creationId xmlns:a16="http://schemas.microsoft.com/office/drawing/2014/main" id="{D7DD4A6B-2000-4A3E-BBCE-637ED6CDD25E}"/>
+                </a:ext>
+                <a:ext uri="{C183D7F6-B498-43B3-948B-1728B52AA6E4}">
+                  <adec:decorative xmlns:adec="http://schemas.microsoft.com/office/drawing/2017/decorative" val="1"/>
+                </a:ext>
+              </a:extLst>
+            </p:cNvPr>
+            <p:cNvSpPr/>
+            <p:nvPr>
+              <p:extLst>
+                <p:ext uri="{386F3935-93C4-4BCD-93E2-E3B085C9AB24}">
+                  <p16:designElem xmlns:p16="http://schemas.microsoft.com/office/powerpoint/2015/main" val="1"/>
+                </p:ext>
+              </p:extLst>
+            </p:nvPr>
+          </p:nvSpPr>
+          <p:spPr>
+            <a:xfrm>
+              <a:off x="8138122" y="246888"/>
+              <a:ext cx="54368" cy="59227"/>
+            </a:xfrm>
+            <a:prstGeom prst="ellipse">
+              <a:avLst/>
+            </a:prstGeom>
+            <a:solidFill>
+              <a:schemeClr val="accent1"/>
+            </a:solidFill>
+            <a:ln>
+              <a:noFill/>
+            </a:ln>
+          </p:spPr>
+          <p:style>
+            <a:lnRef idx="2">
+              <a:schemeClr val="accent1">
+                <a:shade val="50000"/>
+              </a:schemeClr>
+            </a:lnRef>
+            <a:fillRef idx="1">
+              <a:schemeClr val="accent1"/>
+            </a:fillRef>
+            <a:effectRef idx="0">
+              <a:schemeClr val="accent1"/>
+            </a:effectRef>
+            <a:fontRef idx="minor">
+              <a:schemeClr val="lt1"/>
+            </a:fontRef>
+          </p:style>
+          <p:txBody>
+            <a:bodyPr rtlCol="0" anchor="ctr"/>
+            <a:lstStyle/>
+            <a:p>
+              <a:pPr algn="ctr"/>
+              <a:endParaRPr lang="en-US"/>
+            </a:p>
+          </p:txBody>
+        </p:sp>
+        <p:sp>
+          <p:nvSpPr>
+            <p:cNvPr id="2064" name="Rectangle 64">
+              <a:extLst>
+                <a:ext uri="{FF2B5EF4-FFF2-40B4-BE49-F238E27FC236}">
+                  <a16:creationId xmlns:a16="http://schemas.microsoft.com/office/drawing/2014/main" id="{694A6722-0FE9-4640-B93F-C2BAA8956029}"/>
+                </a:ext>
+                <a:ext uri="{C183D7F6-B498-43B3-948B-1728B52AA6E4}">
+                  <adec:decorative xmlns:adec="http://schemas.microsoft.com/office/drawing/2017/decorative" val="1"/>
+                </a:ext>
+              </a:extLst>
+            </p:cNvPr>
+            <p:cNvSpPr/>
+            <p:nvPr>
+              <p:extLst>
+                <p:ext uri="{386F3935-93C4-4BCD-93E2-E3B085C9AB24}">
+                  <p16:designElem xmlns:p16="http://schemas.microsoft.com/office/powerpoint/2015/main" val="1"/>
+                </p:ext>
+              </p:extLst>
+            </p:nvPr>
+          </p:nvSpPr>
+          <p:spPr>
+            <a:xfrm>
+              <a:off x="8013167" y="73152"/>
+              <a:ext cx="54368" cy="59227"/>
+            </a:xfrm>
+            <a:prstGeom prst="ellipse">
+              <a:avLst/>
+            </a:prstGeom>
+            <a:solidFill>
+              <a:schemeClr val="accent1"/>
+            </a:solidFill>
+            <a:ln>
+              <a:noFill/>
+            </a:ln>
+          </p:spPr>
+          <p:style>
+            <a:lnRef idx="2">
+              <a:schemeClr val="accent1">
+                <a:shade val="50000"/>
+              </a:schemeClr>
+            </a:lnRef>
+            <a:fillRef idx="1">
+              <a:schemeClr val="accent1"/>
+            </a:fillRef>
+            <a:effectRef idx="0">
+              <a:schemeClr val="accent1"/>
+            </a:effectRef>
+            <a:fontRef idx="minor">
+              <a:schemeClr val="lt1"/>
+            </a:fontRef>
+          </p:style>
+          <p:txBody>
+            <a:bodyPr rtlCol="0" anchor="ctr"/>
+            <a:lstStyle/>
+            <a:p>
+              <a:pPr algn="ctr"/>
+              <a:endParaRPr lang="en-US"/>
+            </a:p>
+          </p:txBody>
+        </p:sp>
+        <p:sp>
+          <p:nvSpPr>
+            <p:cNvPr id="2066" name="Rectangle 66">
+              <a:extLst>
+                <a:ext uri="{FF2B5EF4-FFF2-40B4-BE49-F238E27FC236}">
+                  <a16:creationId xmlns:a16="http://schemas.microsoft.com/office/drawing/2014/main" id="{19F6A010-3765-4FAB-8CCA-7AC1891419D5}"/>
+                </a:ext>
+                <a:ext uri="{C183D7F6-B498-43B3-948B-1728B52AA6E4}">
+                  <adec:decorative xmlns:adec="http://schemas.microsoft.com/office/drawing/2017/decorative" val="1"/>
+                </a:ext>
+              </a:extLst>
+            </p:cNvPr>
+            <p:cNvSpPr/>
+            <p:nvPr>
+              <p:extLst>
+                <p:ext uri="{386F3935-93C4-4BCD-93E2-E3B085C9AB24}">
+                  <p16:designElem xmlns:p16="http://schemas.microsoft.com/office/powerpoint/2015/main" val="1"/>
+                </p:ext>
+              </p:extLst>
+            </p:nvPr>
+          </p:nvSpPr>
+          <p:spPr>
+            <a:xfrm>
+              <a:off x="8013167" y="246888"/>
+              <a:ext cx="54368" cy="59227"/>
+            </a:xfrm>
+            <a:prstGeom prst="ellipse">
+              <a:avLst/>
+            </a:prstGeom>
+            <a:solidFill>
+              <a:schemeClr val="accent1"/>
+            </a:solidFill>
+            <a:ln>
+              <a:noFill/>
+            </a:ln>
+          </p:spPr>
+          <p:style>
+            <a:lnRef idx="2">
+              <a:schemeClr val="accent1">
+                <a:shade val="50000"/>
+              </a:schemeClr>
+            </a:lnRef>
+            <a:fillRef idx="1">
+              <a:schemeClr val="accent1"/>
+            </a:fillRef>
+            <a:effectRef idx="0">
+              <a:schemeClr val="accent1"/>
+            </a:effectRef>
+            <a:fontRef idx="minor">
+              <a:schemeClr val="lt1"/>
+            </a:fontRef>
+          </p:style>
+          <p:txBody>
+            <a:bodyPr rtlCol="0" anchor="ctr"/>
+            <a:lstStyle/>
+            <a:p>
+              <a:pPr algn="ctr"/>
+              <a:endParaRPr lang="en-US"/>
+            </a:p>
+          </p:txBody>
+        </p:sp>
+        <p:sp>
+          <p:nvSpPr>
+            <p:cNvPr id="2068" name="Rectangle 64">
+              <a:extLst>
+                <a:ext uri="{FF2B5EF4-FFF2-40B4-BE49-F238E27FC236}">
+                  <a16:creationId xmlns:a16="http://schemas.microsoft.com/office/drawing/2014/main" id="{2ED876B1-4DDC-4999-864F-EFF32EFF5CD0}"/>
+                </a:ext>
+                <a:ext uri="{C183D7F6-B498-43B3-948B-1728B52AA6E4}">
+                  <adec:decorative xmlns:adec="http://schemas.microsoft.com/office/drawing/2017/decorative" val="1"/>
+                </a:ext>
+              </a:extLst>
+            </p:cNvPr>
+            <p:cNvSpPr/>
+            <p:nvPr>
+              <p:extLst>
+                <p:ext uri="{386F3935-93C4-4BCD-93E2-E3B085C9AB24}">
+                  <p16:designElem xmlns:p16="http://schemas.microsoft.com/office/powerpoint/2015/main" val="1"/>
+                </p:ext>
+              </p:extLst>
+            </p:nvPr>
+          </p:nvSpPr>
+          <p:spPr>
+            <a:xfrm>
+              <a:off x="7888211" y="73152"/>
+              <a:ext cx="54368" cy="59227"/>
+            </a:xfrm>
+            <a:prstGeom prst="ellipse">
+              <a:avLst/>
+            </a:prstGeom>
+            <a:solidFill>
+              <a:schemeClr val="accent1"/>
+            </a:solidFill>
+            <a:ln>
+              <a:noFill/>
+            </a:ln>
+          </p:spPr>
+          <p:style>
+            <a:lnRef idx="2">
+              <a:schemeClr val="accent1">
+                <a:shade val="50000"/>
+              </a:schemeClr>
+            </a:lnRef>
+            <a:fillRef idx="1">
+              <a:schemeClr val="accent1"/>
+            </a:fillRef>
+            <a:effectRef idx="0">
+              <a:schemeClr val="accent1"/>
+            </a:effectRef>
+            <a:fontRef idx="minor">
+              <a:schemeClr val="lt1"/>
+            </a:fontRef>
+          </p:style>
+          <p:txBody>
+            <a:bodyPr rtlCol="0" anchor="ctr"/>
+            <a:lstStyle/>
+            <a:p>
+              <a:pPr algn="ctr"/>
+              <a:endParaRPr lang="en-US"/>
+            </a:p>
+          </p:txBody>
+        </p:sp>
+        <p:sp>
+          <p:nvSpPr>
+            <p:cNvPr id="2090" name="Rectangle 66">
+              <a:extLst>
+                <a:ext uri="{FF2B5EF4-FFF2-40B4-BE49-F238E27FC236}">
+                  <a16:creationId xmlns:a16="http://schemas.microsoft.com/office/drawing/2014/main" id="{2DD9B48A-E7DB-4540-8781-F434856A7551}"/>
+                </a:ext>
+                <a:ext uri="{C183D7F6-B498-43B3-948B-1728B52AA6E4}">
+                  <adec:decorative xmlns:adec="http://schemas.microsoft.com/office/drawing/2017/decorative" val="1"/>
+                </a:ext>
+              </a:extLst>
+            </p:cNvPr>
+            <p:cNvSpPr/>
+            <p:nvPr>
+              <p:extLst>
+                <p:ext uri="{386F3935-93C4-4BCD-93E2-E3B085C9AB24}">
+                  <p16:designElem xmlns:p16="http://schemas.microsoft.com/office/powerpoint/2015/main" val="1"/>
+                </p:ext>
+              </p:extLst>
+            </p:nvPr>
+          </p:nvSpPr>
+          <p:spPr>
+            <a:xfrm>
+              <a:off x="7888211" y="246888"/>
+              <a:ext cx="54368" cy="59227"/>
+            </a:xfrm>
+            <a:prstGeom prst="ellipse">
+              <a:avLst/>
+            </a:prstGeom>
+            <a:solidFill>
+              <a:schemeClr val="accent1"/>
+            </a:solidFill>
+            <a:ln>
+              <a:noFill/>
+            </a:ln>
+          </p:spPr>
+          <p:style>
+            <a:lnRef idx="2">
+              <a:schemeClr val="accent1">
+                <a:shade val="50000"/>
+              </a:schemeClr>
+            </a:lnRef>
+            <a:fillRef idx="1">
+              <a:schemeClr val="accent1"/>
+            </a:fillRef>
+            <a:effectRef idx="0">
+              <a:schemeClr val="accent1"/>
+            </a:effectRef>
+            <a:fontRef idx="minor">
+              <a:schemeClr val="lt1"/>
+            </a:fontRef>
+          </p:style>
+          <p:txBody>
+            <a:bodyPr rtlCol="0" anchor="ctr"/>
+            <a:lstStyle/>
+            <a:p>
+              <a:pPr algn="ctr"/>
+              <a:endParaRPr lang="en-US"/>
+            </a:p>
+          </p:txBody>
+        </p:sp>
+        <p:sp>
+          <p:nvSpPr>
+            <p:cNvPr id="2091" name="Rectangle 64">
+              <a:extLst>
+                <a:ext uri="{FF2B5EF4-FFF2-40B4-BE49-F238E27FC236}">
+                  <a16:creationId xmlns:a16="http://schemas.microsoft.com/office/drawing/2014/main" id="{2BEF54FF-8FAE-4B7F-ACE8-52ED70B04ED9}"/>
+                </a:ext>
+                <a:ext uri="{C183D7F6-B498-43B3-948B-1728B52AA6E4}">
+                  <adec:decorative xmlns:adec="http://schemas.microsoft.com/office/drawing/2017/decorative" val="1"/>
+                </a:ext>
+              </a:extLst>
+            </p:cNvPr>
+            <p:cNvSpPr/>
+            <p:nvPr>
+              <p:extLst>
+                <p:ext uri="{386F3935-93C4-4BCD-93E2-E3B085C9AB24}">
+                  <p16:designElem xmlns:p16="http://schemas.microsoft.com/office/powerpoint/2015/main" val="1"/>
+                </p:ext>
+              </p:extLst>
+            </p:nvPr>
+          </p:nvSpPr>
+          <p:spPr>
+            <a:xfrm>
+              <a:off x="7763256" y="73152"/>
+              <a:ext cx="54368" cy="59227"/>
+            </a:xfrm>
+            <a:prstGeom prst="ellipse">
+              <a:avLst/>
+            </a:prstGeom>
+            <a:solidFill>
+              <a:schemeClr val="accent1"/>
+            </a:solidFill>
+            <a:ln>
+              <a:noFill/>
+            </a:ln>
+          </p:spPr>
+          <p:style>
+            <a:lnRef idx="2">
+              <a:schemeClr val="accent1">
+                <a:shade val="50000"/>
+              </a:schemeClr>
+            </a:lnRef>
+            <a:fillRef idx="1">
+              <a:schemeClr val="accent1"/>
+            </a:fillRef>
+            <a:effectRef idx="0">
+              <a:schemeClr val="accent1"/>
+            </a:effectRef>
+            <a:fontRef idx="minor">
+              <a:schemeClr val="lt1"/>
+            </a:fontRef>
+          </p:style>
+          <p:txBody>
+            <a:bodyPr rtlCol="0" anchor="ctr"/>
+            <a:lstStyle/>
+            <a:p>
+              <a:pPr algn="ctr"/>
+              <a:endParaRPr lang="en-US"/>
+            </a:p>
+          </p:txBody>
+        </p:sp>
+        <p:sp>
+          <p:nvSpPr>
+            <p:cNvPr id="2092" name="Rectangle 66">
+              <a:extLst>
+                <a:ext uri="{FF2B5EF4-FFF2-40B4-BE49-F238E27FC236}">
+                  <a16:creationId xmlns:a16="http://schemas.microsoft.com/office/drawing/2014/main" id="{16F687E9-D21B-46CB-8A13-9BFDA780F6D2}"/>
+                </a:ext>
+                <a:ext uri="{C183D7F6-B498-43B3-948B-1728B52AA6E4}">
+                  <adec:decorative xmlns:adec="http://schemas.microsoft.com/office/drawing/2017/decorative" val="1"/>
+                </a:ext>
+              </a:extLst>
+            </p:cNvPr>
+            <p:cNvSpPr/>
+            <p:nvPr>
+              <p:extLst>
+                <p:ext uri="{386F3935-93C4-4BCD-93E2-E3B085C9AB24}">
+                  <p16:designElem xmlns:p16="http://schemas.microsoft.com/office/powerpoint/2015/main" val="1"/>
+                </p:ext>
+              </p:extLst>
+            </p:nvPr>
+          </p:nvSpPr>
+          <p:spPr>
+            <a:xfrm>
+              <a:off x="7763256" y="246888"/>
+              <a:ext cx="54368" cy="59227"/>
+            </a:xfrm>
+            <a:prstGeom prst="ellipse">
+              <a:avLst/>
+            </a:prstGeom>
+            <a:solidFill>
+              <a:schemeClr val="accent1"/>
+            </a:solidFill>
+            <a:ln>
+              <a:noFill/>
+            </a:ln>
+          </p:spPr>
+          <p:style>
+            <a:lnRef idx="2">
+              <a:schemeClr val="accent1">
+                <a:shade val="50000"/>
+              </a:schemeClr>
+            </a:lnRef>
+            <a:fillRef idx="1">
+              <a:schemeClr val="accent1"/>
+            </a:fillRef>
+            <a:effectRef idx="0">
+              <a:schemeClr val="accent1"/>
+            </a:effectRef>
+            <a:fontRef idx="minor">
+              <a:schemeClr val="lt1"/>
+            </a:fontRef>
+          </p:style>
+          <p:txBody>
+            <a:bodyPr rtlCol="0" anchor="ctr"/>
+            <a:lstStyle/>
+            <a:p>
+              <a:pPr algn="ctr"/>
+              <a:endParaRPr lang="en-US"/>
+            </a:p>
+          </p:txBody>
+        </p:sp>
+        <p:sp>
+          <p:nvSpPr>
+            <p:cNvPr id="2093" name="Rectangle 64">
+              <a:extLst>
+                <a:ext uri="{FF2B5EF4-FFF2-40B4-BE49-F238E27FC236}">
+                  <a16:creationId xmlns:a16="http://schemas.microsoft.com/office/drawing/2014/main" id="{49C0A7C4-BA67-480B-9F9A-E965357562B0}"/>
+                </a:ext>
+                <a:ext uri="{C183D7F6-B498-43B3-948B-1728B52AA6E4}">
+                  <adec:decorative xmlns:adec="http://schemas.microsoft.com/office/drawing/2017/decorative" val="1"/>
+                </a:ext>
+              </a:extLst>
+            </p:cNvPr>
+            <p:cNvSpPr/>
+            <p:nvPr>
+              <p:extLst>
+                <p:ext uri="{386F3935-93C4-4BCD-93E2-E3B085C9AB24}">
+                  <p16:designElem xmlns:p16="http://schemas.microsoft.com/office/powerpoint/2015/main" val="1"/>
+                </p:ext>
+              </p:extLst>
+            </p:nvPr>
+          </p:nvSpPr>
+          <p:spPr>
+            <a:xfrm>
+              <a:off x="8887854" y="73152"/>
+              <a:ext cx="54368" cy="59227"/>
+            </a:xfrm>
+            <a:prstGeom prst="ellipse">
+              <a:avLst/>
+            </a:prstGeom>
+            <a:solidFill>
+              <a:schemeClr val="accent1"/>
+            </a:solidFill>
+            <a:ln>
+              <a:noFill/>
+            </a:ln>
+          </p:spPr>
+          <p:style>
+            <a:lnRef idx="2">
+              <a:schemeClr val="accent1">
+                <a:shade val="50000"/>
+              </a:schemeClr>
+            </a:lnRef>
+            <a:fillRef idx="1">
+              <a:schemeClr val="accent1"/>
+            </a:fillRef>
+            <a:effectRef idx="0">
+              <a:schemeClr val="accent1"/>
+            </a:effectRef>
+            <a:fontRef idx="minor">
+              <a:schemeClr val="lt1"/>
+            </a:fontRef>
+          </p:style>
+          <p:txBody>
+            <a:bodyPr rtlCol="0" anchor="ctr"/>
+            <a:lstStyle/>
+            <a:p>
+              <a:pPr algn="ctr"/>
+              <a:endParaRPr lang="en-US"/>
+            </a:p>
+          </p:txBody>
+        </p:sp>
+        <p:sp>
+          <p:nvSpPr>
+            <p:cNvPr id="2094" name="Rectangle 66">
+              <a:extLst>
+                <a:ext uri="{FF2B5EF4-FFF2-40B4-BE49-F238E27FC236}">
+                  <a16:creationId xmlns:a16="http://schemas.microsoft.com/office/drawing/2014/main" id="{5C27E413-D9C4-45A2-AB5A-A006127984CF}"/>
+                </a:ext>
+                <a:ext uri="{C183D7F6-B498-43B3-948B-1728B52AA6E4}">
+                  <adec:decorative xmlns:adec="http://schemas.microsoft.com/office/drawing/2017/decorative" val="1"/>
+                </a:ext>
+              </a:extLst>
+            </p:cNvPr>
+            <p:cNvSpPr/>
+            <p:nvPr>
+              <p:extLst>
+                <p:ext uri="{386F3935-93C4-4BCD-93E2-E3B085C9AB24}">
+                  <p16:designElem xmlns:p16="http://schemas.microsoft.com/office/powerpoint/2015/main" val="1"/>
+                </p:ext>
+              </p:extLst>
+            </p:nvPr>
+          </p:nvSpPr>
+          <p:spPr>
+            <a:xfrm>
+              <a:off x="8887854" y="246888"/>
+              <a:ext cx="54368" cy="59227"/>
+            </a:xfrm>
+            <a:prstGeom prst="ellipse">
+              <a:avLst/>
+            </a:prstGeom>
+            <a:solidFill>
+              <a:schemeClr val="accent1"/>
+            </a:solidFill>
+            <a:ln>
+              <a:noFill/>
+            </a:ln>
+          </p:spPr>
+          <p:style>
+            <a:lnRef idx="2">
+              <a:schemeClr val="accent1">
+                <a:shade val="50000"/>
+              </a:schemeClr>
+            </a:lnRef>
+            <a:fillRef idx="1">
+              <a:schemeClr val="accent1"/>
+            </a:fillRef>
+            <a:effectRef idx="0">
+              <a:schemeClr val="accent1"/>
+            </a:effectRef>
+            <a:fontRef idx="minor">
+              <a:schemeClr val="lt1"/>
+            </a:fontRef>
+          </p:style>
+          <p:txBody>
+            <a:bodyPr rtlCol="0" anchor="ctr"/>
+            <a:lstStyle/>
+            <a:p>
+              <a:pPr algn="ctr"/>
+              <a:endParaRPr lang="en-US"/>
+            </a:p>
+          </p:txBody>
+        </p:sp>
+        <p:sp>
+          <p:nvSpPr>
+            <p:cNvPr id="2095" name="Rectangle 64">
+              <a:extLst>
+                <a:ext uri="{FF2B5EF4-FFF2-40B4-BE49-F238E27FC236}">
+                  <a16:creationId xmlns:a16="http://schemas.microsoft.com/office/drawing/2014/main" id="{76F8DD1F-1A00-4D5A-B979-33A41277C910}"/>
+                </a:ext>
+                <a:ext uri="{C183D7F6-B498-43B3-948B-1728B52AA6E4}">
+                  <adec:decorative xmlns:adec="http://schemas.microsoft.com/office/drawing/2017/decorative" val="1"/>
+                </a:ext>
+              </a:extLst>
+            </p:cNvPr>
+            <p:cNvSpPr/>
+            <p:nvPr>
+              <p:extLst>
+                <p:ext uri="{386F3935-93C4-4BCD-93E2-E3B085C9AB24}">
+                  <p16:designElem xmlns:p16="http://schemas.microsoft.com/office/powerpoint/2015/main" val="1"/>
+                </p:ext>
+              </p:extLst>
+            </p:nvPr>
+          </p:nvSpPr>
+          <p:spPr>
+            <a:xfrm>
+              <a:off x="8762899" y="73152"/>
+              <a:ext cx="54368" cy="59227"/>
+            </a:xfrm>
+            <a:prstGeom prst="ellipse">
+              <a:avLst/>
+            </a:prstGeom>
+            <a:solidFill>
+              <a:schemeClr val="accent1"/>
+            </a:solidFill>
+            <a:ln>
+              <a:noFill/>
+            </a:ln>
+          </p:spPr>
+          <p:style>
+            <a:lnRef idx="2">
+              <a:schemeClr val="accent1">
+                <a:shade val="50000"/>
+              </a:schemeClr>
+            </a:lnRef>
+            <a:fillRef idx="1">
+              <a:schemeClr val="accent1"/>
+            </a:fillRef>
+            <a:effectRef idx="0">
+              <a:schemeClr val="accent1"/>
+            </a:effectRef>
+            <a:fontRef idx="minor">
+              <a:schemeClr val="lt1"/>
+            </a:fontRef>
+          </p:style>
+          <p:txBody>
+            <a:bodyPr rtlCol="0" anchor="ctr"/>
+            <a:lstStyle/>
+            <a:p>
+              <a:pPr algn="ctr"/>
+              <a:endParaRPr lang="en-US"/>
+            </a:p>
+          </p:txBody>
+        </p:sp>
+        <p:sp>
+          <p:nvSpPr>
+            <p:cNvPr id="2096" name="Rectangle 66">
+              <a:extLst>
+                <a:ext uri="{FF2B5EF4-FFF2-40B4-BE49-F238E27FC236}">
+                  <a16:creationId xmlns:a16="http://schemas.microsoft.com/office/drawing/2014/main" id="{D16F8034-114D-4513-A6BD-F05ABF9AF478}"/>
+                </a:ext>
+                <a:ext uri="{C183D7F6-B498-43B3-948B-1728B52AA6E4}">
+                  <adec:decorative xmlns:adec="http://schemas.microsoft.com/office/drawing/2017/decorative" val="1"/>
+                </a:ext>
+              </a:extLst>
+            </p:cNvPr>
+            <p:cNvSpPr/>
+            <p:nvPr>
+              <p:extLst>
+                <p:ext uri="{386F3935-93C4-4BCD-93E2-E3B085C9AB24}">
+                  <p16:designElem xmlns:p16="http://schemas.microsoft.com/office/powerpoint/2015/main" val="1"/>
+                </p:ext>
+              </p:extLst>
+            </p:nvPr>
+          </p:nvSpPr>
+          <p:spPr>
+            <a:xfrm>
+              <a:off x="8762899" y="246888"/>
+              <a:ext cx="54368" cy="59227"/>
+            </a:xfrm>
+            <a:prstGeom prst="ellipse">
+              <a:avLst/>
+            </a:prstGeom>
+            <a:solidFill>
+              <a:schemeClr val="accent1"/>
+            </a:solidFill>
+            <a:ln>
+              <a:noFill/>
+            </a:ln>
+          </p:spPr>
+          <p:style>
+            <a:lnRef idx="2">
+              <a:schemeClr val="accent1">
+                <a:shade val="50000"/>
+              </a:schemeClr>
+            </a:lnRef>
+            <a:fillRef idx="1">
+              <a:schemeClr val="accent1"/>
+            </a:fillRef>
+            <a:effectRef idx="0">
+              <a:schemeClr val="accent1"/>
+            </a:effectRef>
+            <a:fontRef idx="minor">
+              <a:schemeClr val="lt1"/>
+            </a:fontRef>
+          </p:style>
+          <p:txBody>
+            <a:bodyPr rtlCol="0" anchor="ctr"/>
+            <a:lstStyle/>
+            <a:p>
+              <a:pPr algn="ctr"/>
+              <a:endParaRPr lang="en-US"/>
+            </a:p>
+          </p:txBody>
+        </p:sp>
+        <p:sp>
+          <p:nvSpPr>
+            <p:cNvPr id="2097" name="Rectangle 64">
+              <a:extLst>
+                <a:ext uri="{FF2B5EF4-FFF2-40B4-BE49-F238E27FC236}">
+                  <a16:creationId xmlns:a16="http://schemas.microsoft.com/office/drawing/2014/main" id="{1DAD48F0-0B0E-40E2-9ED5-E0FBB99C44FE}"/>
+                </a:ext>
+                <a:ext uri="{C183D7F6-B498-43B3-948B-1728B52AA6E4}">
+                  <adec:decorative xmlns:adec="http://schemas.microsoft.com/office/drawing/2017/decorative" val="1"/>
+                </a:ext>
+              </a:extLst>
+            </p:cNvPr>
+            <p:cNvSpPr/>
+            <p:nvPr>
+              <p:extLst>
+                <p:ext uri="{386F3935-93C4-4BCD-93E2-E3B085C9AB24}">
+                  <p16:designElem xmlns:p16="http://schemas.microsoft.com/office/powerpoint/2015/main" val="1"/>
+                </p:ext>
+              </p:extLst>
+            </p:nvPr>
+          </p:nvSpPr>
+          <p:spPr>
+            <a:xfrm>
+              <a:off x="8637944" y="73152"/>
+              <a:ext cx="54368" cy="59227"/>
+            </a:xfrm>
+            <a:prstGeom prst="ellipse">
+              <a:avLst/>
+            </a:prstGeom>
+            <a:solidFill>
+              <a:schemeClr val="accent1"/>
+            </a:solidFill>
+            <a:ln>
+              <a:noFill/>
+            </a:ln>
+          </p:spPr>
+          <p:style>
+            <a:lnRef idx="2">
+              <a:schemeClr val="accent1">
+                <a:shade val="50000"/>
+              </a:schemeClr>
+            </a:lnRef>
+            <a:fillRef idx="1">
+              <a:schemeClr val="accent1"/>
+            </a:fillRef>
+            <a:effectRef idx="0">
+              <a:schemeClr val="accent1"/>
+            </a:effectRef>
+            <a:fontRef idx="minor">
+              <a:schemeClr val="lt1"/>
+            </a:fontRef>
+          </p:style>
+          <p:txBody>
+            <a:bodyPr rtlCol="0" anchor="ctr"/>
+            <a:lstStyle/>
+            <a:p>
+              <a:pPr algn="ctr"/>
+              <a:endParaRPr lang="en-US"/>
+            </a:p>
+          </p:txBody>
+        </p:sp>
+        <p:sp>
+          <p:nvSpPr>
+            <p:cNvPr id="2098" name="Rectangle 66">
+              <a:extLst>
+                <a:ext uri="{FF2B5EF4-FFF2-40B4-BE49-F238E27FC236}">
+                  <a16:creationId xmlns:a16="http://schemas.microsoft.com/office/drawing/2014/main" id="{A58F217F-BBAB-4ACB-91C0-B119DEFDC6F4}"/>
+                </a:ext>
+                <a:ext uri="{C183D7F6-B498-43B3-948B-1728B52AA6E4}">
+                  <adec:decorative xmlns:adec="http://schemas.microsoft.com/office/drawing/2017/decorative" val="1"/>
+                </a:ext>
+              </a:extLst>
+            </p:cNvPr>
+            <p:cNvSpPr/>
+            <p:nvPr>
+              <p:extLst>
+                <p:ext uri="{386F3935-93C4-4BCD-93E2-E3B085C9AB24}">
+                  <p16:designElem xmlns:p16="http://schemas.microsoft.com/office/powerpoint/2015/main" val="1"/>
+                </p:ext>
+              </p:extLst>
+            </p:nvPr>
+          </p:nvSpPr>
+          <p:spPr>
+            <a:xfrm>
+              <a:off x="8637944" y="246888"/>
+              <a:ext cx="54368" cy="59227"/>
+            </a:xfrm>
+            <a:prstGeom prst="ellipse">
+              <a:avLst/>
+            </a:prstGeom>
+            <a:solidFill>
+              <a:schemeClr val="accent1"/>
+            </a:solidFill>
+            <a:ln>
+              <a:noFill/>
+            </a:ln>
+          </p:spPr>
+          <p:style>
+            <a:lnRef idx="2">
+              <a:schemeClr val="accent1">
+                <a:shade val="50000"/>
+              </a:schemeClr>
+            </a:lnRef>
+            <a:fillRef idx="1">
+              <a:schemeClr val="accent1"/>
+            </a:fillRef>
+            <a:effectRef idx="0">
+              <a:schemeClr val="accent1"/>
+            </a:effectRef>
+            <a:fontRef idx="minor">
+              <a:schemeClr val="lt1"/>
+            </a:fontRef>
+          </p:style>
+          <p:txBody>
+            <a:bodyPr rtlCol="0" anchor="ctr"/>
+            <a:lstStyle/>
+            <a:p>
+              <a:pPr algn="ctr"/>
+              <a:endParaRPr lang="en-US"/>
+            </a:p>
+          </p:txBody>
+        </p:sp>
+        <p:sp>
+          <p:nvSpPr>
+            <p:cNvPr id="2099" name="Rectangle 64">
+              <a:extLst>
+                <a:ext uri="{FF2B5EF4-FFF2-40B4-BE49-F238E27FC236}">
+                  <a16:creationId xmlns:a16="http://schemas.microsoft.com/office/drawing/2014/main" id="{17D6638B-4C45-4C73-AFE3-8C41F939A9B8}"/>
+                </a:ext>
+                <a:ext uri="{C183D7F6-B498-43B3-948B-1728B52AA6E4}">
+                  <adec:decorative xmlns:adec="http://schemas.microsoft.com/office/drawing/2017/decorative" val="1"/>
+                </a:ext>
+              </a:extLst>
+            </p:cNvPr>
+            <p:cNvSpPr/>
+            <p:nvPr>
+              <p:extLst>
+                <p:ext uri="{386F3935-93C4-4BCD-93E2-E3B085C9AB24}">
+                  <p16:designElem xmlns:p16="http://schemas.microsoft.com/office/powerpoint/2015/main" val="1"/>
+                </p:ext>
+              </p:extLst>
+            </p:nvPr>
+          </p:nvSpPr>
+          <p:spPr>
+            <a:xfrm>
+              <a:off x="8512988" y="73152"/>
+              <a:ext cx="54368" cy="59227"/>
+            </a:xfrm>
+            <a:prstGeom prst="ellipse">
+              <a:avLst/>
+            </a:prstGeom>
+            <a:solidFill>
+              <a:schemeClr val="accent1"/>
+            </a:solidFill>
+            <a:ln>
+              <a:noFill/>
+            </a:ln>
+          </p:spPr>
+          <p:style>
+            <a:lnRef idx="2">
+              <a:schemeClr val="accent1">
+                <a:shade val="50000"/>
+              </a:schemeClr>
+            </a:lnRef>
+            <a:fillRef idx="1">
+              <a:schemeClr val="accent1"/>
+            </a:fillRef>
+            <a:effectRef idx="0">
+              <a:schemeClr val="accent1"/>
+            </a:effectRef>
+            <a:fontRef idx="minor">
+              <a:schemeClr val="lt1"/>
+            </a:fontRef>
+          </p:style>
+          <p:txBody>
+            <a:bodyPr rtlCol="0" anchor="ctr"/>
+            <a:lstStyle/>
+            <a:p>
+              <a:pPr algn="ctr"/>
+              <a:endParaRPr lang="en-US"/>
+            </a:p>
+          </p:txBody>
+        </p:sp>
+        <p:sp>
+          <p:nvSpPr>
+            <p:cNvPr id="2100" name="Rectangle 66">
+              <a:extLst>
+                <a:ext uri="{FF2B5EF4-FFF2-40B4-BE49-F238E27FC236}">
+                  <a16:creationId xmlns:a16="http://schemas.microsoft.com/office/drawing/2014/main" id="{31A3013F-24A0-486B-A892-92E42BD7418A}"/>
+                </a:ext>
+                <a:ext uri="{C183D7F6-B498-43B3-948B-1728B52AA6E4}">
+                  <adec:decorative xmlns:adec="http://schemas.microsoft.com/office/drawing/2017/decorative" val="1"/>
+                </a:ext>
+              </a:extLst>
+            </p:cNvPr>
+            <p:cNvSpPr/>
+            <p:nvPr>
+              <p:extLst>
+                <p:ext uri="{386F3935-93C4-4BCD-93E2-E3B085C9AB24}">
+                  <p16:designElem xmlns:p16="http://schemas.microsoft.com/office/powerpoint/2015/main" val="1"/>
+                </p:ext>
+              </p:extLst>
+            </p:nvPr>
+          </p:nvSpPr>
+          <p:spPr>
+            <a:xfrm>
+              <a:off x="8512988" y="246888"/>
+              <a:ext cx="54368" cy="59227"/>
+            </a:xfrm>
+            <a:prstGeom prst="ellipse">
+              <a:avLst/>
+            </a:prstGeom>
+            <a:solidFill>
+              <a:schemeClr val="accent1"/>
+            </a:solidFill>
+            <a:ln>
+              <a:noFill/>
+            </a:ln>
+          </p:spPr>
+          <p:style>
+            <a:lnRef idx="2">
+              <a:schemeClr val="accent1">
+                <a:shade val="50000"/>
+              </a:schemeClr>
+            </a:lnRef>
+            <a:fillRef idx="1">
+              <a:schemeClr val="accent1"/>
+            </a:fillRef>
+            <a:effectRef idx="0">
+              <a:schemeClr val="accent1"/>
+            </a:effectRef>
+            <a:fontRef idx="minor">
+              <a:schemeClr val="lt1"/>
+            </a:fontRef>
+          </p:style>
+          <p:txBody>
+            <a:bodyPr rtlCol="0" anchor="ctr"/>
+            <a:lstStyle/>
+            <a:p>
+              <a:pPr algn="ctr"/>
+              <a:endParaRPr lang="en-US"/>
+            </a:p>
+          </p:txBody>
+        </p:sp>
+        <p:sp>
+          <p:nvSpPr>
+            <p:cNvPr id="2101" name="Rectangle 64">
+              <a:extLst>
+                <a:ext uri="{FF2B5EF4-FFF2-40B4-BE49-F238E27FC236}">
+                  <a16:creationId xmlns:a16="http://schemas.microsoft.com/office/drawing/2014/main" id="{F4540C9F-BC47-470D-A9C2-4AB05FB4C5B3}"/>
+                </a:ext>
+                <a:ext uri="{C183D7F6-B498-43B3-948B-1728B52AA6E4}">
+                  <adec:decorative xmlns:adec="http://schemas.microsoft.com/office/drawing/2017/decorative" val="1"/>
+                </a:ext>
+              </a:extLst>
+            </p:cNvPr>
+            <p:cNvSpPr/>
+            <p:nvPr>
+              <p:extLst>
+                <p:ext uri="{386F3935-93C4-4BCD-93E2-E3B085C9AB24}">
+                  <p16:designElem xmlns:p16="http://schemas.microsoft.com/office/powerpoint/2015/main" val="1"/>
+                </p:ext>
+              </p:extLst>
+            </p:nvPr>
+          </p:nvSpPr>
+          <p:spPr>
+            <a:xfrm>
+              <a:off x="8388033" y="73152"/>
+              <a:ext cx="54368" cy="59227"/>
+            </a:xfrm>
+            <a:prstGeom prst="ellipse">
+              <a:avLst/>
+            </a:prstGeom>
+            <a:solidFill>
+              <a:schemeClr val="accent1"/>
+            </a:solidFill>
+            <a:ln>
+              <a:noFill/>
+            </a:ln>
+          </p:spPr>
+          <p:style>
+            <a:lnRef idx="2">
+              <a:schemeClr val="accent1">
+                <a:shade val="50000"/>
+              </a:schemeClr>
+            </a:lnRef>
+            <a:fillRef idx="1">
+              <a:schemeClr val="accent1"/>
+            </a:fillRef>
+            <a:effectRef idx="0">
+              <a:schemeClr val="accent1"/>
+            </a:effectRef>
+            <a:fontRef idx="minor">
+              <a:schemeClr val="lt1"/>
+            </a:fontRef>
+          </p:style>
+          <p:txBody>
+            <a:bodyPr rtlCol="0" anchor="ctr"/>
+            <a:lstStyle/>
+            <a:p>
+              <a:pPr algn="ctr"/>
+              <a:endParaRPr lang="en-US"/>
+            </a:p>
+          </p:txBody>
+        </p:sp>
+        <p:sp>
+          <p:nvSpPr>
+            <p:cNvPr id="2102" name="Rectangle 66">
+              <a:extLst>
+                <a:ext uri="{FF2B5EF4-FFF2-40B4-BE49-F238E27FC236}">
+                  <a16:creationId xmlns:a16="http://schemas.microsoft.com/office/drawing/2014/main" id="{A38505B1-1AD2-47B0-8122-2EB533CBAA45}"/>
+                </a:ext>
+                <a:ext uri="{C183D7F6-B498-43B3-948B-1728B52AA6E4}">
+                  <adec:decorative xmlns:adec="http://schemas.microsoft.com/office/drawing/2017/decorative" val="1"/>
+                </a:ext>
+              </a:extLst>
+            </p:cNvPr>
+            <p:cNvSpPr/>
+            <p:nvPr>
+              <p:extLst>
+                <p:ext uri="{386F3935-93C4-4BCD-93E2-E3B085C9AB24}">
+                  <p16:designElem xmlns:p16="http://schemas.microsoft.com/office/powerpoint/2015/main" val="1"/>
+                </p:ext>
+              </p:extLst>
+            </p:nvPr>
+          </p:nvSpPr>
+          <p:spPr>
+            <a:xfrm>
+              <a:off x="8388033" y="246888"/>
+              <a:ext cx="54368" cy="59227"/>
+            </a:xfrm>
+            <a:prstGeom prst="ellipse">
+              <a:avLst/>
+            </a:prstGeom>
+            <a:solidFill>
+              <a:schemeClr val="accent1"/>
+            </a:solidFill>
+            <a:ln>
+              <a:noFill/>
+            </a:ln>
+          </p:spPr>
+          <p:style>
+            <a:lnRef idx="2">
+              <a:schemeClr val="accent1">
+                <a:shade val="50000"/>
+              </a:schemeClr>
+            </a:lnRef>
+            <a:fillRef idx="1">
+              <a:schemeClr val="accent1"/>
+            </a:fillRef>
+            <a:effectRef idx="0">
+              <a:schemeClr val="accent1"/>
+            </a:effectRef>
+            <a:fontRef idx="minor">
+              <a:schemeClr val="lt1"/>
+            </a:fontRef>
+          </p:style>
+          <p:txBody>
+            <a:bodyPr rtlCol="0" anchor="ctr"/>
+            <a:lstStyle/>
+            <a:p>
+              <a:pPr algn="ctr"/>
+              <a:endParaRPr lang="en-US"/>
+            </a:p>
+          </p:txBody>
+        </p:sp>
+      </p:grpSp>
+      <p:pic>
+        <p:nvPicPr>
+          <p:cNvPr id="5" name="Picture 4" descr="A picture containing text&#10;&#10;Description automatically generated">
+            <a:extLst>
+              <a:ext uri="{FF2B5EF4-FFF2-40B4-BE49-F238E27FC236}">
+                <a16:creationId xmlns:a16="http://schemas.microsoft.com/office/drawing/2014/main" id="{BE85D4E0-5A7E-5875-82D2-EBCF1BF394F9}"/>
+              </a:ext>
+            </a:extLst>
+          </p:cNvPr>
+          <p:cNvPicPr>
+            <a:picLocks noChangeAspect="1"/>
+          </p:cNvPicPr>
+          <p:nvPr/>
+        </p:nvPicPr>
+        <p:blipFill>
+          <a:blip r:embed="rId3">
+            <a:extLst>
+              <a:ext uri="{28A0092B-C50C-407E-A947-70E740481C1C}">
+                <a14:useLocalDpi xmlns:a14="http://schemas.microsoft.com/office/drawing/2010/main" val="0"/>
+              </a:ext>
+            </a:extLst>
+          </a:blip>
+          <a:stretch>
+            <a:fillRect/>
+          </a:stretch>
+        </p:blipFill>
+        <p:spPr>
+          <a:xfrm>
+            <a:off x="4229100" y="381000"/>
+            <a:ext cx="4611688" cy="2033588"/>
+          </a:xfrm>
+          <a:prstGeom prst="rect">
+            <a:avLst/>
+          </a:prstGeom>
+        </p:spPr>
+      </p:pic>
+      <p:pic>
+        <p:nvPicPr>
+          <p:cNvPr id="2050" name="Picture 6" descr="Whoosh">
+            <a:extLst>
+              <a:ext uri="{FF2B5EF4-FFF2-40B4-BE49-F238E27FC236}">
+                <a16:creationId xmlns:a16="http://schemas.microsoft.com/office/drawing/2014/main" id="{0E8E9175-C693-69F4-816A-A5DE29AACD96}"/>
+              </a:ext>
+            </a:extLst>
+          </p:cNvPr>
+          <p:cNvPicPr>
+            <a:picLocks noChangeAspect="1" noChangeArrowheads="1"/>
+          </p:cNvPicPr>
+          <p:nvPr/>
+        </p:nvPicPr>
+        <p:blipFill>
+          <a:blip r:embed="rId4">
+            <a:extLst>
+              <a:ext uri="{28A0092B-C50C-407E-A947-70E740481C1C}">
+                <a14:useLocalDpi xmlns:a14="http://schemas.microsoft.com/office/drawing/2010/main" val="0"/>
+              </a:ext>
+            </a:extLst>
+          </a:blip>
+          <a:srcRect/>
+          <a:stretch>
+            <a:fillRect/>
+          </a:stretch>
+        </p:blipFill>
+        <p:spPr bwMode="auto">
+          <a:xfrm>
+            <a:off x="4229100" y="2489200"/>
+            <a:ext cx="4611688" cy="1401763"/>
+          </a:xfrm>
+          <a:prstGeom prst="rect">
+            <a:avLst/>
+          </a:prstGeom>
+          <a:extLst>
+            <a:ext uri="{909E8E84-426E-40DD-AFC4-6F175D3DCCD1}">
+              <a14:hiddenFill xmlns:a14="http://schemas.microsoft.com/office/drawing/2010/main">
+                <a:solidFill>
+                  <a:srgbClr val="FFFFFF"/>
+                </a:solidFill>
+              </a14:hiddenFill>
+            </a:ext>
+            <a:ext uri="{91240B29-F687-4F45-9708-019B960494DF}">
+              <a14:hiddenLine xmlns:a14="http://schemas.microsoft.com/office/drawing/2010/main" w="9525">
+                <a:solidFill>
+                  <a:srgbClr val="000000"/>
+                </a:solidFill>
+                <a:miter lim="800000"/>
+                <a:headEnd/>
+                <a:tailEnd/>
+              </a14:hiddenLine>
+            </a:ext>
+          </a:extLst>
+        </p:spPr>
+      </p:pic>
+      <p:pic>
+        <p:nvPicPr>
+          <p:cNvPr id="4" name="Picture 3" descr="A picture containing decorated, close&#10;&#10;Description automatically generated">
+            <a:extLst>
+              <a:ext uri="{FF2B5EF4-FFF2-40B4-BE49-F238E27FC236}">
+                <a16:creationId xmlns:a16="http://schemas.microsoft.com/office/drawing/2014/main" id="{99AF47F3-908A-B046-CD8D-E115B8121170}"/>
+              </a:ext>
+            </a:extLst>
+          </p:cNvPr>
+          <p:cNvPicPr>
+            <a:picLocks noChangeAspect="1"/>
+          </p:cNvPicPr>
+          <p:nvPr/>
+        </p:nvPicPr>
+        <p:blipFill>
+          <a:blip r:embed="rId5">
+            <a:extLst>
+              <a:ext uri="{28A0092B-C50C-407E-A947-70E740481C1C}">
+                <a14:useLocalDpi xmlns:a14="http://schemas.microsoft.com/office/drawing/2010/main" val="0"/>
+              </a:ext>
+            </a:extLst>
+          </a:blip>
+          <a:stretch>
+            <a:fillRect/>
+          </a:stretch>
+        </p:blipFill>
+        <p:spPr>
+          <a:xfrm>
+            <a:off x="4229100" y="3965575"/>
+            <a:ext cx="4611688" cy="2532063"/>
+          </a:xfrm>
+          <a:prstGeom prst="rect">
+            <a:avLst/>
+          </a:prstGeom>
+        </p:spPr>
+      </p:pic>
+      <p:sp>
+        <p:nvSpPr>
+          <p:cNvPr id="2051" name="Rectangle 2">
+            <a:extLst>
+              <a:ext uri="{FF2B5EF4-FFF2-40B4-BE49-F238E27FC236}">
+                <a16:creationId xmlns:a16="http://schemas.microsoft.com/office/drawing/2014/main" id="{0F727F56-8396-2914-7123-E4E335F19931}"/>
+              </a:ext>
+            </a:extLst>
+          </p:cNvPr>
+          <p:cNvSpPr>
+            <a:spLocks noGrp="1" noChangeArrowheads="1"/>
+          </p:cNvSpPr>
+          <p:nvPr>
+            <p:ph type="ctrTitle"/>
+          </p:nvPr>
+        </p:nvSpPr>
+        <p:spPr>
+          <a:xfrm>
+            <a:off x="777513" y="1152144"/>
+            <a:ext cx="2846070" cy="3072393"/>
+          </a:xfrm>
+        </p:spPr>
+        <p:txBody>
+          <a:bodyPr>
+            <a:normAutofit/>
+          </a:bodyPr>
+          <a:lstStyle/>
+          <a:p>
+            <a:pPr algn="l" eaLnBrk="1" hangingPunct="1">
+              <a:lnSpc>
+                <a:spcPct val="90000"/>
+              </a:lnSpc>
+            </a:pPr>
+            <a:r>
+              <a:rPr lang="en-US" altLang="en-US" sz="3400" b="1"/>
+              <a:t>DE15 Report Presentation</a:t>
+            </a:r>
+            <a:br>
+              <a:rPr lang="en-US" altLang="en-US" sz="3400" b="1"/>
+            </a:br>
+            <a:endParaRPr lang="en-US" altLang="en-US" sz="3400" b="1"/>
+          </a:p>
+        </p:txBody>
+      </p:sp>
+      <p:sp>
+        <p:nvSpPr>
+          <p:cNvPr id="2" name="Rectangle 3">
+            <a:extLst>
+              <a:ext uri="{FF2B5EF4-FFF2-40B4-BE49-F238E27FC236}">
+                <a16:creationId xmlns:a16="http://schemas.microsoft.com/office/drawing/2014/main" id="{DB44931B-3EC6-3FC0-5CA2-52A15005E3F8}"/>
+              </a:ext>
+            </a:extLst>
+          </p:cNvPr>
+          <p:cNvSpPr>
+            <a:spLocks noGrp="1" noChangeArrowheads="1"/>
+          </p:cNvSpPr>
+          <p:nvPr>
+            <p:ph type="subTitle" idx="1"/>
+          </p:nvPr>
+        </p:nvSpPr>
+        <p:spPr>
+          <a:xfrm>
+            <a:off x="777513" y="4462272"/>
+            <a:ext cx="2846070" cy="1272831"/>
+          </a:xfrm>
+        </p:spPr>
+        <p:txBody>
+          <a:bodyPr anchor="t">
+            <a:normAutofit/>
+          </a:bodyPr>
+          <a:lstStyle/>
+          <a:p>
+            <a:pPr algn="l" eaLnBrk="1" hangingPunct="1">
+              <a:lnSpc>
+                <a:spcPct val="90000"/>
+              </a:lnSpc>
+              <a:defRPr/>
+            </a:pPr>
+            <a:r>
+              <a:rPr lang="en-US" sz="1300" b="1"/>
+              <a:t>George</a:t>
+            </a:r>
+          </a:p>
+          <a:p>
+            <a:pPr algn="l" eaLnBrk="1" hangingPunct="1">
+              <a:lnSpc>
+                <a:spcPct val="90000"/>
+              </a:lnSpc>
+              <a:defRPr/>
+            </a:pPr>
+            <a:r>
+              <a:rPr lang="en-US" sz="1300" b="1"/>
+              <a:t>Kate</a:t>
+            </a:r>
+          </a:p>
+          <a:p>
+            <a:pPr algn="l" eaLnBrk="1" hangingPunct="1">
+              <a:lnSpc>
+                <a:spcPct val="90000"/>
+              </a:lnSpc>
+              <a:defRPr/>
+            </a:pPr>
+            <a:r>
+              <a:rPr lang="en-US" sz="1300" b="1"/>
+              <a:t>Joao</a:t>
+            </a:r>
+          </a:p>
+          <a:p>
+            <a:pPr algn="l" eaLnBrk="1" hangingPunct="1">
+              <a:lnSpc>
+                <a:spcPct val="90000"/>
+              </a:lnSpc>
+              <a:defRPr/>
+            </a:pPr>
+            <a:r>
+              <a:rPr lang="en-US" sz="1300" b="1"/>
+              <a:t>Ross</a:t>
+            </a:r>
+          </a:p>
+          <a:p>
+            <a:pPr algn="l" eaLnBrk="1" hangingPunct="1">
+              <a:lnSpc>
+                <a:spcPct val="90000"/>
+              </a:lnSpc>
+              <a:defRPr/>
+            </a:pPr>
+            <a:r>
+              <a:rPr lang="en-US" sz="1300" b="1"/>
+              <a:t>Chris</a:t>
+            </a:r>
+          </a:p>
+        </p:txBody>
+      </p:sp>
+    </p:spTree>
+  </p:cSld>
+  <p:clrMapOvr>
+    <a:masterClrMapping/>
+  </p:clrMapOvr>
+</p:sld>
+</file>
+
+<file path=ppt/slides/slide10.xml><?xml version="1.0" encoding="utf-8"?>
+<p:sld xmlns:a="http://schemas.openxmlformats.org/drawingml/2006/main" xmlns:r="http://schemas.openxmlformats.org/officeDocument/2006/relationships" xmlns:p="http://schemas.openxmlformats.org/presentationml/2006/main">
+  <p:cSld>
     <p:spTree>
       <p:nvGrpSpPr>
         <p:cNvPr id="1" name=""/>
@@ -4459,10 +6260,10 @@
       </p:grpSpPr>
       <p:pic>
         <p:nvPicPr>
-          <p:cNvPr id="2050" name="Picture 6" descr="Whoosh">
+          <p:cNvPr id="7170" name="Picture 6" descr="Whoosh">
             <a:extLst>
               <a:ext uri="{FF2B5EF4-FFF2-40B4-BE49-F238E27FC236}">
-                <a16:creationId xmlns:a16="http://schemas.microsoft.com/office/drawing/2014/main" id="{0E8E9175-C693-69F4-816A-A5DE29AACD96}"/>
+                <a16:creationId xmlns:a16="http://schemas.microsoft.com/office/drawing/2014/main" id="{DA9DC900-B596-739B-F82F-159E48082827}"/>
               </a:ext>
             </a:extLst>
           </p:cNvPr>
@@ -4472,7 +6273,7 @@
           <p:nvPr/>
         </p:nvPicPr>
         <p:blipFill>
-          <a:blip r:embed="rId3">
+          <a:blip r:embed="rId2">
             <a:extLst>
               <a:ext uri="{28A0092B-C50C-407E-A947-70E740481C1C}">
                 <a14:useLocalDpi xmlns:a14="http://schemas.microsoft.com/office/drawing/2010/main" val="0"/>
@@ -4519,287 +6320,80 @@
       </p:pic>
       <p:sp>
         <p:nvSpPr>
-          <p:cNvPr id="2051" name="Rectangle 2">
+          <p:cNvPr id="6" name="Title 1">
             <a:extLst>
               <a:ext uri="{FF2B5EF4-FFF2-40B4-BE49-F238E27FC236}">
-                <a16:creationId xmlns:a16="http://schemas.microsoft.com/office/drawing/2014/main" id="{0F727F56-8396-2914-7123-E4E335F19931}"/>
+                <a16:creationId xmlns:a16="http://schemas.microsoft.com/office/drawing/2014/main" id="{6C19822B-9BB1-5715-4E18-001220CB2F67}"/>
               </a:ext>
             </a:extLst>
           </p:cNvPr>
-          <p:cNvSpPr>
-            <a:spLocks noGrp="1" noChangeArrowheads="1"/>
+          <p:cNvSpPr txBox="1">
+            <a:spLocks/>
           </p:cNvSpPr>
-          <p:nvPr>
-            <p:ph type="ctrTitle"/>
-          </p:nvPr>
+          <p:nvPr/>
         </p:nvSpPr>
-        <p:spPr>
-          <a:xfrm>
-            <a:off x="467544" y="2276475"/>
-            <a:ext cx="8280920" cy="1143000"/>
-          </a:xfrm>
-        </p:spPr>
-        <p:txBody>
-          <a:bodyPr/>
-          <a:lstStyle/>
-          <a:p>
-            <a:pPr algn="l" eaLnBrk="1" hangingPunct="1"/>
-            <a:r>
-              <a:rPr lang="en-US" altLang="en-US" sz="4000" b="1"/>
-              <a:t>DE15 Report Presentation</a:t>
-            </a:r>
-            <a:br>
-              <a:rPr lang="en-US" altLang="en-US" sz="4000" b="1"/>
-            </a:br>
-            <a:endParaRPr lang="en-US" altLang="en-US" sz="3200" b="1" dirty="0"/>
-          </a:p>
-        </p:txBody>
-      </p:sp>
-      <p:sp>
-        <p:nvSpPr>
-          <p:cNvPr id="2" name="Rectangle 3">
-            <a:extLst>
-              <a:ext uri="{FF2B5EF4-FFF2-40B4-BE49-F238E27FC236}">
-                <a16:creationId xmlns:a16="http://schemas.microsoft.com/office/drawing/2014/main" id="{DB44931B-3EC6-3FC0-5CA2-52A15005E3F8}"/>
-              </a:ext>
-            </a:extLst>
-          </p:cNvPr>
-          <p:cNvSpPr>
-            <a:spLocks noGrp="1" noChangeArrowheads="1"/>
-          </p:cNvSpPr>
-          <p:nvPr>
-            <p:ph type="subTitle" idx="1"/>
-          </p:nvPr>
-        </p:nvSpPr>
-        <p:spPr>
-          <a:xfrm>
-            <a:off x="1835150" y="4292600"/>
-            <a:ext cx="6400800" cy="1439863"/>
-          </a:xfrm>
-        </p:spPr>
-        <p:txBody>
-          <a:bodyPr/>
-          <a:lstStyle/>
-          <a:p>
-            <a:pPr algn="r" eaLnBrk="1" hangingPunct="1">
-              <a:defRPr/>
-            </a:pPr>
-            <a:r>
-              <a:rPr lang="en-US" sz="2400" b="1">
-                <a:solidFill>
-                  <a:schemeClr val="tx1">
-                    <a:lumMod val="65000"/>
-                    <a:lumOff val="35000"/>
-                  </a:schemeClr>
-                </a:solidFill>
-              </a:rPr>
-              <a:t>George</a:t>
-            </a:r>
-          </a:p>
-          <a:p>
-            <a:pPr algn="r" eaLnBrk="1" hangingPunct="1">
-              <a:defRPr/>
-            </a:pPr>
-            <a:r>
-              <a:rPr lang="en-US" sz="2400" b="1">
-                <a:solidFill>
-                  <a:schemeClr val="tx1">
-                    <a:lumMod val="65000"/>
-                    <a:lumOff val="35000"/>
-                  </a:schemeClr>
-                </a:solidFill>
-              </a:rPr>
-              <a:t>Kate</a:t>
-            </a:r>
-          </a:p>
-          <a:p>
-            <a:pPr algn="r" eaLnBrk="1" hangingPunct="1">
-              <a:defRPr/>
-            </a:pPr>
-            <a:r>
-              <a:rPr lang="en-US" sz="2400" b="1">
-                <a:solidFill>
-                  <a:schemeClr val="tx1">
-                    <a:lumMod val="65000"/>
-                    <a:lumOff val="35000"/>
-                  </a:schemeClr>
-                </a:solidFill>
-              </a:rPr>
-              <a:t>Joao</a:t>
-            </a:r>
-          </a:p>
-          <a:p>
-            <a:pPr algn="r" eaLnBrk="1" hangingPunct="1">
-              <a:defRPr/>
-            </a:pPr>
-            <a:r>
-              <a:rPr lang="en-US" sz="2400" b="1">
-                <a:solidFill>
-                  <a:schemeClr val="tx1">
-                    <a:lumMod val="65000"/>
-                    <a:lumOff val="35000"/>
-                  </a:schemeClr>
-                </a:solidFill>
-              </a:rPr>
-              <a:t>Ross</a:t>
-            </a:r>
-          </a:p>
-          <a:p>
-            <a:pPr algn="r" eaLnBrk="1" hangingPunct="1">
-              <a:defRPr/>
-            </a:pPr>
-            <a:r>
-              <a:rPr lang="en-US" sz="2400" b="1">
-                <a:solidFill>
-                  <a:schemeClr val="tx1">
-                    <a:lumMod val="65000"/>
-                    <a:lumOff val="35000"/>
-                  </a:schemeClr>
-                </a:solidFill>
-              </a:rPr>
-              <a:t>Chris</a:t>
-            </a:r>
-            <a:endParaRPr lang="en-US" sz="2400" b="1" dirty="0">
-              <a:solidFill>
-                <a:schemeClr val="tx1">
-                  <a:lumMod val="65000"/>
-                  <a:lumOff val="35000"/>
-                </a:schemeClr>
-              </a:solidFill>
-            </a:endParaRPr>
-          </a:p>
-        </p:txBody>
-      </p:sp>
-      <p:pic>
-        <p:nvPicPr>
-          <p:cNvPr id="2053" name="Picture 4" descr="NHSGG&amp;C*SPOT">
-            <a:extLst>
-              <a:ext uri="{FF2B5EF4-FFF2-40B4-BE49-F238E27FC236}">
-                <a16:creationId xmlns:a16="http://schemas.microsoft.com/office/drawing/2014/main" id="{E4C066C0-6691-A4B8-D621-F1B937D3F5E1}"/>
-              </a:ext>
-            </a:extLst>
-          </p:cNvPr>
-          <p:cNvPicPr>
-            <a:picLocks noChangeAspect="1" noChangeArrowheads="1"/>
-          </p:cNvPicPr>
-          <p:nvPr/>
-        </p:nvPicPr>
-        <p:blipFill rotWithShape="1">
-          <a:blip r:embed="rId4">
-            <a:extLst>
-              <a:ext uri="{28A0092B-C50C-407E-A947-70E740481C1C}">
-                <a14:useLocalDpi xmlns:a14="http://schemas.microsoft.com/office/drawing/2010/main" val="0"/>
-              </a:ext>
-            </a:extLst>
-          </a:blip>
-          <a:srcRect b="36829"/>
-          <a:stretch/>
-        </p:blipFill>
         <p:spPr bwMode="auto">
           <a:xfrm>
-            <a:off x="6744637" y="211138"/>
-            <a:ext cx="2170763" cy="985614"/>
+            <a:off x="0" y="-170657"/>
+            <a:ext cx="7772400" cy="1008063"/>
           </a:xfrm>
           <a:prstGeom prst="rect">
             <a:avLst/>
           </a:prstGeom>
           <a:noFill/>
-          <a:ln>
+          <a:ln w="9525">
             <a:noFill/>
+            <a:miter lim="800000"/>
+            <a:headEnd/>
+            <a:tailEnd/>
           </a:ln>
-          <a:extLst>
-            <a:ext uri="{909E8E84-426E-40DD-AFC4-6F175D3DCCD1}">
-              <a14:hiddenFill xmlns:a14="http://schemas.microsoft.com/office/drawing/2010/main">
+        </p:spPr>
+        <p:txBody>
+          <a:bodyPr anchor="ctr"/>
+          <a:lstStyle/>
+          <a:p>
+            <a:pPr eaLnBrk="1" hangingPunct="1">
+              <a:defRPr/>
+            </a:pPr>
+            <a:r>
+              <a:rPr lang="en-GB" sz="4400" b="1" kern="0" dirty="0">
                 <a:solidFill>
-                  <a:srgbClr val="FFFFFF"/>
+                  <a:schemeClr val="tx2"/>
                 </a:solidFill>
-              </a14:hiddenFill>
-            </a:ext>
-            <a:ext uri="{91240B29-F687-4F45-9708-019B960494DF}">
-              <a14:hiddenLine xmlns:a14="http://schemas.microsoft.com/office/drawing/2010/main" w="9525">
-                <a:solidFill>
-                  <a:srgbClr val="000000"/>
-                </a:solidFill>
-                <a:miter lim="800000"/>
-                <a:headEnd/>
-                <a:tailEnd/>
-              </a14:hiddenLine>
-            </a:ext>
-          </a:extLst>
-        </p:spPr>
-      </p:pic>
-      <p:pic>
-        <p:nvPicPr>
-          <p:cNvPr id="4" name="Picture 3" descr="A picture containing decorated, close&#10;&#10;Description automatically generated">
+                <a:latin typeface="+mj-lt"/>
+                <a:ea typeface="+mj-ea"/>
+                <a:cs typeface="+mj-cs"/>
+              </a:rPr>
+              <a:t>Temporal data</a:t>
+            </a:r>
+          </a:p>
+        </p:txBody>
+      </p:sp>
+      <p:sp>
+        <p:nvSpPr>
+          <p:cNvPr id="2" name="Content Placeholder 1">
             <a:extLst>
               <a:ext uri="{FF2B5EF4-FFF2-40B4-BE49-F238E27FC236}">
-                <a16:creationId xmlns:a16="http://schemas.microsoft.com/office/drawing/2014/main" id="{99AF47F3-908A-B046-CD8D-E115B8121170}"/>
+                <a16:creationId xmlns:a16="http://schemas.microsoft.com/office/drawing/2014/main" id="{06235267-39C6-0C14-A3DA-8B87223773E7}"/>
               </a:ext>
             </a:extLst>
           </p:cNvPr>
-          <p:cNvPicPr>
-            <a:picLocks noChangeAspect="1"/>
-          </p:cNvPicPr>
-          <p:nvPr/>
-        </p:nvPicPr>
-        <p:blipFill>
-          <a:blip r:embed="rId5">
-            <a:extLst>
-              <a:ext uri="{28A0092B-C50C-407E-A947-70E740481C1C}">
-                <a14:useLocalDpi xmlns:a14="http://schemas.microsoft.com/office/drawing/2010/main" val="0"/>
-              </a:ext>
-            </a:extLst>
-          </a:blip>
-          <a:stretch>
-            <a:fillRect/>
-          </a:stretch>
-        </p:blipFill>
-        <p:spPr>
-          <a:xfrm>
-            <a:off x="908050" y="3284984"/>
-            <a:ext cx="5596114" cy="3147814"/>
-          </a:xfrm>
-          <a:prstGeom prst="rect">
-            <a:avLst/>
-          </a:prstGeom>
-        </p:spPr>
-      </p:pic>
-      <p:pic>
-        <p:nvPicPr>
-          <p:cNvPr id="6" name="Picture 5" descr="A doctor with a stethoscope around her neck&#10;&#10;Description automatically generated with medium confidence">
-            <a:extLst>
-              <a:ext uri="{FF2B5EF4-FFF2-40B4-BE49-F238E27FC236}">
-                <a16:creationId xmlns:a16="http://schemas.microsoft.com/office/drawing/2014/main" id="{B542C7C6-B636-D6E3-7253-1CB59645E7B2}"/>
-              </a:ext>
-            </a:extLst>
-          </p:cNvPr>
-          <p:cNvPicPr>
-            <a:picLocks noChangeAspect="1"/>
-          </p:cNvPicPr>
-          <p:nvPr/>
-        </p:nvPicPr>
-        <p:blipFill>
-          <a:blip r:embed="rId6">
-            <a:extLst>
-              <a:ext uri="{28A0092B-C50C-407E-A947-70E740481C1C}">
-                <a14:useLocalDpi xmlns:a14="http://schemas.microsoft.com/office/drawing/2010/main" val="0"/>
-              </a:ext>
-            </a:extLst>
-          </a:blip>
-          <a:stretch>
-            <a:fillRect/>
-          </a:stretch>
-        </p:blipFill>
-        <p:spPr>
-          <a:xfrm>
-            <a:off x="1043608" y="234912"/>
-            <a:ext cx="3419873" cy="1923679"/>
-          </a:xfrm>
-          <a:prstGeom prst="rect">
-            <a:avLst/>
-          </a:prstGeom>
-        </p:spPr>
-      </p:pic>
+          <p:cNvSpPr>
+            <a:spLocks noGrp="1"/>
+          </p:cNvSpPr>
+          <p:nvPr>
+            <p:ph idx="1"/>
+          </p:nvPr>
+        </p:nvSpPr>
+        <p:spPr/>
+        <p:txBody>
+          <a:bodyPr/>
+          <a:lstStyle/>
+          <a:p>
+            <a:endParaRPr lang="en-GB"/>
+          </a:p>
+        </p:txBody>
+      </p:sp>
     </p:spTree>
   </p:cSld>
   <p:clrMapOvr>
@@ -4808,7 +6402,7 @@
 </p:sld>
 </file>
 
-<file path=ppt/slides/slide10.xml><?xml version="1.0" encoding="utf-8"?>
+<file path=ppt/slides/slide11.xml><?xml version="1.0" encoding="utf-8"?>
 <p:sld xmlns:a="http://schemas.openxmlformats.org/drawingml/2006/main" xmlns:r="http://schemas.openxmlformats.org/officeDocument/2006/relationships" xmlns:p="http://schemas.openxmlformats.org/presentationml/2006/main">
   <p:cSld>
     <p:spTree>
@@ -4827,10 +6421,10 @@
       </p:grpSpPr>
       <p:pic>
         <p:nvPicPr>
-          <p:cNvPr id="12290" name="Picture 6" descr="Whoosh">
+          <p:cNvPr id="10242" name="Picture 6" descr="Whoosh">
             <a:extLst>
               <a:ext uri="{FF2B5EF4-FFF2-40B4-BE49-F238E27FC236}">
-                <a16:creationId xmlns:a16="http://schemas.microsoft.com/office/drawing/2014/main" id="{D426872C-4429-862B-F06E-64EBCDE036B4}"/>
+                <a16:creationId xmlns:a16="http://schemas.microsoft.com/office/drawing/2014/main" id="{C0773036-C7B2-8EEC-B041-03C9BB887245}"/>
               </a:ext>
             </a:extLst>
           </p:cNvPr>
@@ -4887,10 +6481,10 @@
       </p:pic>
       <p:sp>
         <p:nvSpPr>
-          <p:cNvPr id="12291" name="Title 1">
+          <p:cNvPr id="10243" name="Title 1">
             <a:extLst>
               <a:ext uri="{FF2B5EF4-FFF2-40B4-BE49-F238E27FC236}">
-                <a16:creationId xmlns:a16="http://schemas.microsoft.com/office/drawing/2014/main" id="{7D1FC264-AA21-9D78-DA44-78D269C937FA}"/>
+                <a16:creationId xmlns:a16="http://schemas.microsoft.com/office/drawing/2014/main" id="{7A44A555-10CE-4863-E416-6EC822CD9726}"/>
               </a:ext>
             </a:extLst>
           </p:cNvPr>
@@ -4903,7 +6497,7 @@
         </p:nvSpPr>
         <p:spPr>
           <a:xfrm>
-            <a:off x="-19873" y="-243408"/>
+            <a:off x="-1981" y="-243408"/>
             <a:ext cx="7772400" cy="1143000"/>
           </a:xfrm>
         </p:spPr>
@@ -4914,8 +6508,33 @@
             <a:pPr algn="l" eaLnBrk="1" hangingPunct="1"/>
             <a:r>
               <a:rPr lang="en-GB" altLang="en-US" b="1" dirty="0"/>
-              <a:t>Impact of Winter</a:t>
+              <a:t>Trend of stays</a:t>
             </a:r>
+          </a:p>
+        </p:txBody>
+      </p:sp>
+      <p:sp>
+        <p:nvSpPr>
+          <p:cNvPr id="2" name="Content Placeholder 1">
+            <a:extLst>
+              <a:ext uri="{FF2B5EF4-FFF2-40B4-BE49-F238E27FC236}">
+                <a16:creationId xmlns:a16="http://schemas.microsoft.com/office/drawing/2014/main" id="{5478A769-7D39-9A6F-45FB-28700452DC33}"/>
+              </a:ext>
+            </a:extLst>
+          </p:cNvPr>
+          <p:cNvSpPr>
+            <a:spLocks noGrp="1"/>
+          </p:cNvSpPr>
+          <p:nvPr>
+            <p:ph idx="1"/>
+          </p:nvPr>
+        </p:nvSpPr>
+        <p:spPr/>
+        <p:txBody>
+          <a:bodyPr/>
+          <a:lstStyle/>
+          <a:p>
+            <a:endParaRPr lang="en-GB"/>
           </a:p>
         </p:txBody>
       </p:sp>
@@ -4924,7 +6543,7 @@
           <p:cNvPr id="4" name="Picture 3">
             <a:extLst>
               <a:ext uri="{FF2B5EF4-FFF2-40B4-BE49-F238E27FC236}">
-                <a16:creationId xmlns:a16="http://schemas.microsoft.com/office/drawing/2014/main" id="{396096F6-7133-62B9-EDC2-DECF7DF155BA}"/>
+                <a16:creationId xmlns:a16="http://schemas.microsoft.com/office/drawing/2014/main" id="{A7C7F028-B870-A699-6167-DC6A79401A4D}"/>
               </a:ext>
             </a:extLst>
           </p:cNvPr>
@@ -4941,8 +6560,8 @@
         </p:blipFill>
         <p:spPr>
           <a:xfrm>
-            <a:off x="35496" y="836712"/>
-            <a:ext cx="5173334" cy="3177480"/>
+            <a:off x="107505" y="762000"/>
+            <a:ext cx="5116964" cy="3130550"/>
           </a:xfrm>
           <a:prstGeom prst="rect">
             <a:avLst/>
@@ -4957,7 +6576,7 @@
 </p:sld>
 </file>
 
-<file path=ppt/slides/slide11.xml><?xml version="1.0" encoding="utf-8"?>
+<file path=ppt/slides/slide12.xml><?xml version="1.0" encoding="utf-8"?>
 <p:sld xmlns:a="http://schemas.openxmlformats.org/drawingml/2006/main" xmlns:r="http://schemas.openxmlformats.org/officeDocument/2006/relationships" xmlns:p="http://schemas.openxmlformats.org/presentationml/2006/main">
   <p:cSld>
     <p:spTree>
@@ -4976,10 +6595,10 @@
       </p:grpSpPr>
       <p:pic>
         <p:nvPicPr>
-          <p:cNvPr id="14338" name="Picture 6" descr="Whoosh">
+          <p:cNvPr id="12290" name="Picture 6" descr="Whoosh">
             <a:extLst>
               <a:ext uri="{FF2B5EF4-FFF2-40B4-BE49-F238E27FC236}">
-                <a16:creationId xmlns:a16="http://schemas.microsoft.com/office/drawing/2014/main" id="{8F7EC44D-EEFA-5B33-A9E8-26A81D8FF90B}"/>
+                <a16:creationId xmlns:a16="http://schemas.microsoft.com/office/drawing/2014/main" id="{D426872C-4429-862B-F06E-64EBCDE036B4}"/>
               </a:ext>
             </a:extLst>
           </p:cNvPr>
@@ -5036,10 +6655,10 @@
       </p:pic>
       <p:sp>
         <p:nvSpPr>
-          <p:cNvPr id="14339" name="Title 1">
+          <p:cNvPr id="12291" name="Title 1">
             <a:extLst>
               <a:ext uri="{FF2B5EF4-FFF2-40B4-BE49-F238E27FC236}">
-                <a16:creationId xmlns:a16="http://schemas.microsoft.com/office/drawing/2014/main" id="{D40F6C77-702E-23BC-2811-BCA07CB52024}"/>
+                <a16:creationId xmlns:a16="http://schemas.microsoft.com/office/drawing/2014/main" id="{7D1FC264-AA21-9D78-DA44-78D269C937FA}"/>
               </a:ext>
             </a:extLst>
           </p:cNvPr>
@@ -5052,47 +6671,52 @@
         </p:nvSpPr>
         <p:spPr>
           <a:xfrm>
-            <a:off x="-33958" y="-243408"/>
-            <a:ext cx="8134350" cy="1143000"/>
+            <a:off x="-19873" y="-243408"/>
+            <a:ext cx="7772400" cy="1143000"/>
           </a:xfrm>
         </p:spPr>
         <p:txBody>
           <a:bodyPr/>
           <a:lstStyle/>
           <a:p>
-            <a:pPr algn="l"/>
+            <a:pPr algn="l" eaLnBrk="1" hangingPunct="1"/>
             <a:r>
-              <a:rPr lang="en-GB" altLang="en-US" sz="4000" b="1" dirty="0"/>
-              <a:t>Shiny Dashboard</a:t>
+              <a:rPr lang="en-GB" altLang="en-US" b="1" dirty="0"/>
+              <a:t>Impact of Winter</a:t>
             </a:r>
           </a:p>
         </p:txBody>
       </p:sp>
-      <p:sp>
-        <p:nvSpPr>
-          <p:cNvPr id="2" name="Content Placeholder 1">
+      <p:pic>
+        <p:nvPicPr>
+          <p:cNvPr id="4" name="Picture 3">
             <a:extLst>
               <a:ext uri="{FF2B5EF4-FFF2-40B4-BE49-F238E27FC236}">
-                <a16:creationId xmlns:a16="http://schemas.microsoft.com/office/drawing/2014/main" id="{C40039FB-6060-B9A4-20C5-3A610FF473DB}"/>
+                <a16:creationId xmlns:a16="http://schemas.microsoft.com/office/drawing/2014/main" id="{396096F6-7133-62B9-EDC2-DECF7DF155BA}"/>
               </a:ext>
             </a:extLst>
           </p:cNvPr>
-          <p:cNvSpPr>
-            <a:spLocks noGrp="1"/>
-          </p:cNvSpPr>
-          <p:nvPr>
-            <p:ph idx="1"/>
-          </p:nvPr>
-        </p:nvSpPr>
-        <p:spPr/>
-        <p:txBody>
-          <a:bodyPr/>
-          <a:lstStyle/>
-          <a:p>
-            <a:endParaRPr lang="en-GB"/>
-          </a:p>
-        </p:txBody>
-      </p:sp>
+          <p:cNvPicPr>
+            <a:picLocks noChangeAspect="1"/>
+          </p:cNvPicPr>
+          <p:nvPr/>
+        </p:nvPicPr>
+        <p:blipFill>
+          <a:blip r:embed="rId3"/>
+          <a:stretch>
+            <a:fillRect/>
+          </a:stretch>
+        </p:blipFill>
+        <p:spPr>
+          <a:xfrm>
+            <a:off x="35496" y="836712"/>
+            <a:ext cx="5173334" cy="3177480"/>
+          </a:xfrm>
+          <a:prstGeom prst="rect">
+            <a:avLst/>
+          </a:prstGeom>
+        </p:spPr>
+      </p:pic>
     </p:spTree>
   </p:cSld>
   <p:clrMapOvr>
@@ -5101,7 +6725,7 @@
 </p:sld>
 </file>
 
-<file path=ppt/slides/slide12.xml><?xml version="1.0" encoding="utf-8"?>
+<file path=ppt/slides/slide13.xml><?xml version="1.0" encoding="utf-8"?>
 <p:sld xmlns:a="http://schemas.openxmlformats.org/drawingml/2006/main" xmlns:r="http://schemas.openxmlformats.org/officeDocument/2006/relationships" xmlns:p="http://schemas.openxmlformats.org/presentationml/2006/main">
   <p:cSld>
     <p:bg>
@@ -5255,7 +6879,7 @@
         </p:blipFill>
         <p:spPr>
           <a:xfrm>
-            <a:off x="149055" y="2135377"/>
+            <a:off x="6054071" y="2142487"/>
             <a:ext cx="2844597" cy="1756538"/>
           </a:xfrm>
           <a:prstGeom prst="rect">
@@ -5315,7 +6939,7 @@
         </p:blipFill>
         <p:spPr>
           <a:xfrm>
-            <a:off x="6141024" y="2142489"/>
+            <a:off x="301409" y="2156711"/>
             <a:ext cx="2844597" cy="1749426"/>
           </a:xfrm>
           <a:prstGeom prst="rect">
@@ -5345,7 +6969,7 @@
         </p:blipFill>
         <p:spPr>
           <a:xfrm>
-            <a:off x="149055" y="4063630"/>
+            <a:off x="3054073" y="4049407"/>
             <a:ext cx="2844597" cy="1742315"/>
           </a:xfrm>
           <a:prstGeom prst="rect">
@@ -5375,7 +6999,7 @@
         </p:blipFill>
         <p:spPr>
           <a:xfrm>
-            <a:off x="3146006" y="4063630"/>
+            <a:off x="279985" y="4063630"/>
             <a:ext cx="2844598" cy="1728092"/>
           </a:xfrm>
           <a:prstGeom prst="rect">
@@ -5424,6 +7048,3126 @@
 <file path=ppt/slides/slide2.xml><?xml version="1.0" encoding="utf-8"?>
 <p:sld xmlns:a="http://schemas.openxmlformats.org/drawingml/2006/main" xmlns:r="http://schemas.openxmlformats.org/officeDocument/2006/relationships" xmlns:p="http://schemas.openxmlformats.org/presentationml/2006/main">
   <p:cSld>
+    <p:bg>
+      <p:bgPr>
+        <a:solidFill>
+          <a:schemeClr val="bg1"/>
+        </a:solidFill>
+        <a:effectLst/>
+      </p:bgPr>
+    </p:bg>
+    <p:spTree>
+      <p:nvGrpSpPr>
+        <p:cNvPr id="1" name=""/>
+        <p:cNvGrpSpPr/>
+        <p:nvPr/>
+      </p:nvGrpSpPr>
+      <p:grpSpPr>
+        <a:xfrm>
+          <a:off x="0" y="0"/>
+          <a:ext cx="0" cy="0"/>
+          <a:chOff x="0" y="0"/>
+          <a:chExt cx="0" cy="0"/>
+        </a:xfrm>
+      </p:grpSpPr>
+      <p:sp useBgFill="1">
+        <p:nvSpPr>
+          <p:cNvPr id="38" name="Rectangle 7">
+            <a:extLst>
+              <a:ext uri="{FF2B5EF4-FFF2-40B4-BE49-F238E27FC236}">
+                <a16:creationId xmlns:a16="http://schemas.microsoft.com/office/drawing/2014/main" id="{1E234CF4-802C-4AA1-B540-36C3B838C462}"/>
+              </a:ext>
+              <a:ext uri="{C183D7F6-B498-43B3-948B-1728B52AA6E4}">
+                <adec:decorative xmlns:adec="http://schemas.microsoft.com/office/drawing/2017/decorative" val="1"/>
+              </a:ext>
+            </a:extLst>
+          </p:cNvPr>
+          <p:cNvSpPr>
+            <a:spLocks noGrp="1" noRot="1" noChangeAspect="1" noMove="1" noResize="1" noEditPoints="1" noAdjustHandles="1" noChangeArrowheads="1" noChangeShapeType="1" noTextEdit="1"/>
+          </p:cNvSpPr>
+          <p:nvPr>
+            <p:extLst>
+              <p:ext uri="{386F3935-93C4-4BCD-93E2-E3B085C9AB24}">
+                <p16:designElem xmlns:p16="http://schemas.microsoft.com/office/powerpoint/2015/main" val="1"/>
+              </p:ext>
+            </p:extLst>
+          </p:nvPr>
+        </p:nvSpPr>
+        <p:spPr>
+          <a:xfrm>
+            <a:off x="0" y="0"/>
+            <a:ext cx="9141714" cy="6858000"/>
+          </a:xfrm>
+          <a:prstGeom prst="rect">
+            <a:avLst/>
+          </a:prstGeom>
+          <a:ln>
+            <a:noFill/>
+          </a:ln>
+        </p:spPr>
+        <p:style>
+          <a:lnRef idx="2">
+            <a:schemeClr val="accent1">
+              <a:shade val="50000"/>
+            </a:schemeClr>
+          </a:lnRef>
+          <a:fillRef idx="1">
+            <a:schemeClr val="accent1"/>
+          </a:fillRef>
+          <a:effectRef idx="0">
+            <a:schemeClr val="accent1"/>
+          </a:effectRef>
+          <a:fontRef idx="minor">
+            <a:schemeClr val="lt1"/>
+          </a:fontRef>
+        </p:style>
+        <p:txBody>
+          <a:bodyPr rtlCol="0" anchor="ctr"/>
+          <a:lstStyle/>
+          <a:p>
+            <a:pPr algn="ctr"/>
+            <a:endParaRPr lang="en-US"/>
+          </a:p>
+        </p:txBody>
+      </p:sp>
+      <p:sp>
+        <p:nvSpPr>
+          <p:cNvPr id="39" name="Rectangle 9">
+            <a:extLst>
+              <a:ext uri="{FF2B5EF4-FFF2-40B4-BE49-F238E27FC236}">
+                <a16:creationId xmlns:a16="http://schemas.microsoft.com/office/drawing/2014/main" id="{A5271697-90F1-4A23-8EF2-0179F2EAFACB}"/>
+              </a:ext>
+              <a:ext uri="{C183D7F6-B498-43B3-948B-1728B52AA6E4}">
+                <adec:decorative xmlns:adec="http://schemas.microsoft.com/office/drawing/2017/decorative" val="1"/>
+              </a:ext>
+            </a:extLst>
+          </p:cNvPr>
+          <p:cNvSpPr>
+            <a:spLocks noGrp="1" noRot="1" noChangeAspect="1" noMove="1" noResize="1" noEditPoints="1" noAdjustHandles="1" noChangeArrowheads="1" noChangeShapeType="1" noTextEdit="1"/>
+          </p:cNvSpPr>
+          <p:nvPr>
+            <p:extLst>
+              <p:ext uri="{386F3935-93C4-4BCD-93E2-E3B085C9AB24}">
+                <p16:designElem xmlns:p16="http://schemas.microsoft.com/office/powerpoint/2015/main" val="1"/>
+              </p:ext>
+            </p:extLst>
+          </p:nvPr>
+        </p:nvSpPr>
+        <p:spPr>
+          <a:xfrm>
+            <a:off x="0" y="1"/>
+            <a:ext cx="455228" cy="3233984"/>
+          </a:xfrm>
+          <a:prstGeom prst="rect">
+            <a:avLst/>
+          </a:prstGeom>
+          <a:solidFill>
+            <a:schemeClr val="tx1">
+              <a:lumMod val="85000"/>
+              <a:lumOff val="15000"/>
+            </a:schemeClr>
+          </a:solidFill>
+          <a:ln>
+            <a:noFill/>
+          </a:ln>
+        </p:spPr>
+        <p:style>
+          <a:lnRef idx="2">
+            <a:schemeClr val="accent1">
+              <a:shade val="50000"/>
+            </a:schemeClr>
+          </a:lnRef>
+          <a:fillRef idx="1">
+            <a:schemeClr val="accent1"/>
+          </a:fillRef>
+          <a:effectRef idx="0">
+            <a:schemeClr val="accent1"/>
+          </a:effectRef>
+          <a:fontRef idx="minor">
+            <a:schemeClr val="lt1"/>
+          </a:fontRef>
+        </p:style>
+        <p:txBody>
+          <a:bodyPr rtlCol="0" anchor="ctr"/>
+          <a:lstStyle/>
+          <a:p>
+            <a:pPr algn="ctr"/>
+            <a:endParaRPr lang="en-US"/>
+          </a:p>
+        </p:txBody>
+      </p:sp>
+      <p:sp>
+        <p:nvSpPr>
+          <p:cNvPr id="12" name="Rectangle 11">
+            <a:extLst>
+              <a:ext uri="{FF2B5EF4-FFF2-40B4-BE49-F238E27FC236}">
+                <a16:creationId xmlns:a16="http://schemas.microsoft.com/office/drawing/2014/main" id="{D9F5512A-48E1-4C07-B75E-3CCC517B6804}"/>
+              </a:ext>
+              <a:ext uri="{C183D7F6-B498-43B3-948B-1728B52AA6E4}">
+                <adec:decorative xmlns:adec="http://schemas.microsoft.com/office/drawing/2017/decorative" val="1"/>
+              </a:ext>
+            </a:extLst>
+          </p:cNvPr>
+          <p:cNvSpPr>
+            <a:spLocks noGrp="1" noRot="1" noChangeAspect="1" noMove="1" noResize="1" noEditPoints="1" noAdjustHandles="1" noChangeArrowheads="1" noChangeShapeType="1" noTextEdit="1"/>
+          </p:cNvSpPr>
+          <p:nvPr>
+            <p:extLst>
+              <p:ext uri="{386F3935-93C4-4BCD-93E2-E3B085C9AB24}">
+                <p16:designElem xmlns:p16="http://schemas.microsoft.com/office/powerpoint/2015/main" val="1"/>
+              </p:ext>
+            </p:extLst>
+          </p:nvPr>
+        </p:nvSpPr>
+        <p:spPr>
+          <a:xfrm>
+            <a:off x="0" y="3233984"/>
+            <a:ext cx="455228" cy="3624015"/>
+          </a:xfrm>
+          <a:prstGeom prst="rect">
+            <a:avLst/>
+          </a:prstGeom>
+          <a:solidFill>
+            <a:schemeClr val="accent1"/>
+          </a:solidFill>
+          <a:ln>
+            <a:noFill/>
+          </a:ln>
+        </p:spPr>
+        <p:style>
+          <a:lnRef idx="2">
+            <a:schemeClr val="accent1">
+              <a:shade val="50000"/>
+            </a:schemeClr>
+          </a:lnRef>
+          <a:fillRef idx="1">
+            <a:schemeClr val="accent1"/>
+          </a:fillRef>
+          <a:effectRef idx="0">
+            <a:schemeClr val="accent1"/>
+          </a:effectRef>
+          <a:fontRef idx="minor">
+            <a:schemeClr val="lt1"/>
+          </a:fontRef>
+        </p:style>
+        <p:txBody>
+          <a:bodyPr rtlCol="0" anchor="ctr"/>
+          <a:lstStyle/>
+          <a:p>
+            <a:pPr algn="ctr"/>
+            <a:endParaRPr lang="en-US"/>
+          </a:p>
+        </p:txBody>
+      </p:sp>
+      <p:sp>
+        <p:nvSpPr>
+          <p:cNvPr id="14" name="Rectangle 13">
+            <a:extLst>
+              <a:ext uri="{FF2B5EF4-FFF2-40B4-BE49-F238E27FC236}">
+                <a16:creationId xmlns:a16="http://schemas.microsoft.com/office/drawing/2014/main" id="{9D800584-727A-48CF-8223-244AD9717CAA}"/>
+              </a:ext>
+              <a:ext uri="{C183D7F6-B498-43B3-948B-1728B52AA6E4}">
+                <adec:decorative xmlns:adec="http://schemas.microsoft.com/office/drawing/2017/decorative" val="1"/>
+              </a:ext>
+            </a:extLst>
+          </p:cNvPr>
+          <p:cNvSpPr>
+            <a:spLocks noGrp="1" noRot="1" noChangeAspect="1" noMove="1" noResize="1" noEditPoints="1" noAdjustHandles="1" noChangeArrowheads="1" noChangeShapeType="1" noTextEdit="1"/>
+          </p:cNvSpPr>
+          <p:nvPr>
+            <p:extLst>
+              <p:ext uri="{386F3935-93C4-4BCD-93E2-E3B085C9AB24}">
+                <p16:designElem xmlns:p16="http://schemas.microsoft.com/office/powerpoint/2015/main" val="1"/>
+              </p:ext>
+            </p:extLst>
+          </p:nvPr>
+        </p:nvSpPr>
+        <p:spPr>
+          <a:xfrm>
+            <a:off x="455225" y="-1"/>
+            <a:ext cx="3778758" cy="6857999"/>
+          </a:xfrm>
+          <a:prstGeom prst="rect">
+            <a:avLst/>
+          </a:prstGeom>
+          <a:solidFill>
+            <a:schemeClr val="bg1">
+              <a:lumMod val="95000"/>
+            </a:schemeClr>
+          </a:solidFill>
+          <a:ln>
+            <a:noFill/>
+          </a:ln>
+        </p:spPr>
+        <p:style>
+          <a:lnRef idx="2">
+            <a:schemeClr val="accent1">
+              <a:shade val="50000"/>
+            </a:schemeClr>
+          </a:lnRef>
+          <a:fillRef idx="1">
+            <a:schemeClr val="accent1"/>
+          </a:fillRef>
+          <a:effectRef idx="0">
+            <a:schemeClr val="accent1"/>
+          </a:effectRef>
+          <a:fontRef idx="minor">
+            <a:schemeClr val="lt1"/>
+          </a:fontRef>
+        </p:style>
+        <p:txBody>
+          <a:bodyPr rtlCol="0" anchor="ctr"/>
+          <a:lstStyle/>
+          <a:p>
+            <a:pPr algn="ctr"/>
+            <a:endParaRPr lang="en-US"/>
+          </a:p>
+        </p:txBody>
+      </p:sp>
+      <p:sp>
+        <p:nvSpPr>
+          <p:cNvPr id="2" name="Title 1">
+            <a:extLst>
+              <a:ext uri="{FF2B5EF4-FFF2-40B4-BE49-F238E27FC236}">
+                <a16:creationId xmlns:a16="http://schemas.microsoft.com/office/drawing/2014/main" id="{09F73CD7-771B-9CA0-5671-281BCE8DD980}"/>
+              </a:ext>
+            </a:extLst>
+          </p:cNvPr>
+          <p:cNvSpPr>
+            <a:spLocks noGrp="1"/>
+          </p:cNvSpPr>
+          <p:nvPr>
+            <p:ph type="title"/>
+          </p:nvPr>
+        </p:nvSpPr>
+        <p:spPr>
+          <a:xfrm>
+            <a:off x="874987" y="1332952"/>
+            <a:ext cx="2945174" cy="3921176"/>
+          </a:xfrm>
+        </p:spPr>
+        <p:txBody>
+          <a:bodyPr anchor="ctr">
+            <a:normAutofit/>
+          </a:bodyPr>
+          <a:lstStyle/>
+          <a:p>
+            <a:r>
+              <a:rPr lang="en-US" sz="4700"/>
+              <a:t>Brief</a:t>
+            </a:r>
+          </a:p>
+        </p:txBody>
+      </p:sp>
+      <p:grpSp>
+        <p:nvGrpSpPr>
+          <p:cNvPr id="16" name="Group 15">
+            <a:extLst>
+              <a:ext uri="{FF2B5EF4-FFF2-40B4-BE49-F238E27FC236}">
+                <a16:creationId xmlns:a16="http://schemas.microsoft.com/office/drawing/2014/main" id="{B0CED441-B73B-4907-9AF2-614CEAC6A182}"/>
+              </a:ext>
+              <a:ext uri="{C183D7F6-B498-43B3-948B-1728B52AA6E4}">
+                <adec:decorative xmlns:adec="http://schemas.microsoft.com/office/drawing/2017/decorative" val="1"/>
+              </a:ext>
+            </a:extLst>
+          </p:cNvPr>
+          <p:cNvGrpSpPr>
+            <a:grpSpLocks noGrp="1" noUngrp="1" noRot="1" noChangeAspect="1" noMove="1" noResize="1"/>
+          </p:cNvGrpSpPr>
+          <p:nvPr>
+            <p:extLst>
+              <p:ext uri="{386F3935-93C4-4BCD-93E2-E3B085C9AB24}">
+                <p16:designElem xmlns:p16="http://schemas.microsoft.com/office/powerpoint/2015/main" val="1"/>
+              </p:ext>
+            </p:extLst>
+          </p:nvPr>
+        </p:nvGrpSpPr>
+        <p:grpSpPr>
+          <a:xfrm>
+            <a:off x="891536" y="73152"/>
+            <a:ext cx="884223" cy="232963"/>
+            <a:chOff x="5422392" y="64008"/>
+            <a:chExt cx="1178966" cy="232963"/>
+          </a:xfrm>
+        </p:grpSpPr>
+        <p:sp>
+          <p:nvSpPr>
+            <p:cNvPr id="17" name="Rectangle 64">
+              <a:extLst>
+                <a:ext uri="{FF2B5EF4-FFF2-40B4-BE49-F238E27FC236}">
+                  <a16:creationId xmlns:a16="http://schemas.microsoft.com/office/drawing/2014/main" id="{A03170C9-14E4-4D47-827E-51518FA9CA80}"/>
+                </a:ext>
+                <a:ext uri="{C183D7F6-B498-43B3-948B-1728B52AA6E4}">
+                  <adec:decorative xmlns:adec="http://schemas.microsoft.com/office/drawing/2017/decorative" val="1"/>
+                </a:ext>
+              </a:extLst>
+            </p:cNvPr>
+            <p:cNvSpPr/>
+            <p:nvPr>
+              <p:extLst>
+                <p:ext uri="{386F3935-93C4-4BCD-93E2-E3B085C9AB24}">
+                  <p16:designElem xmlns:p16="http://schemas.microsoft.com/office/powerpoint/2015/main" val="1"/>
+                </p:ext>
+              </p:extLst>
+            </p:nvPr>
+          </p:nvSpPr>
+          <p:spPr>
+            <a:xfrm>
+              <a:off x="5922213" y="64008"/>
+              <a:ext cx="54368" cy="59227"/>
+            </a:xfrm>
+            <a:prstGeom prst="ellipse">
+              <a:avLst/>
+            </a:prstGeom>
+            <a:solidFill>
+              <a:schemeClr val="accent1"/>
+            </a:solidFill>
+            <a:ln>
+              <a:noFill/>
+            </a:ln>
+          </p:spPr>
+          <p:style>
+            <a:lnRef idx="2">
+              <a:schemeClr val="accent1">
+                <a:shade val="50000"/>
+              </a:schemeClr>
+            </a:lnRef>
+            <a:fillRef idx="1">
+              <a:schemeClr val="accent1"/>
+            </a:fillRef>
+            <a:effectRef idx="0">
+              <a:schemeClr val="accent1"/>
+            </a:effectRef>
+            <a:fontRef idx="minor">
+              <a:schemeClr val="lt1"/>
+            </a:fontRef>
+          </p:style>
+          <p:txBody>
+            <a:bodyPr rtlCol="0" anchor="ctr"/>
+            <a:lstStyle/>
+            <a:p>
+              <a:pPr algn="ctr"/>
+              <a:endParaRPr lang="en-US"/>
+            </a:p>
+          </p:txBody>
+        </p:sp>
+        <p:sp>
+          <p:nvSpPr>
+            <p:cNvPr id="18" name="Rectangle 66">
+              <a:extLst>
+                <a:ext uri="{FF2B5EF4-FFF2-40B4-BE49-F238E27FC236}">
+                  <a16:creationId xmlns:a16="http://schemas.microsoft.com/office/drawing/2014/main" id="{757EFF12-1826-499E-94C2-AF4400A66403}"/>
+                </a:ext>
+                <a:ext uri="{C183D7F6-B498-43B3-948B-1728B52AA6E4}">
+                  <adec:decorative xmlns:adec="http://schemas.microsoft.com/office/drawing/2017/decorative" val="1"/>
+                </a:ext>
+              </a:extLst>
+            </p:cNvPr>
+            <p:cNvSpPr/>
+            <p:nvPr>
+              <p:extLst>
+                <p:ext uri="{386F3935-93C4-4BCD-93E2-E3B085C9AB24}">
+                  <p16:designElem xmlns:p16="http://schemas.microsoft.com/office/powerpoint/2015/main" val="1"/>
+                </p:ext>
+              </p:extLst>
+            </p:nvPr>
+          </p:nvSpPr>
+          <p:spPr>
+            <a:xfrm>
+              <a:off x="5922213" y="237744"/>
+              <a:ext cx="54368" cy="59227"/>
+            </a:xfrm>
+            <a:prstGeom prst="ellipse">
+              <a:avLst/>
+            </a:prstGeom>
+            <a:solidFill>
+              <a:schemeClr val="accent1"/>
+            </a:solidFill>
+            <a:ln>
+              <a:noFill/>
+            </a:ln>
+          </p:spPr>
+          <p:style>
+            <a:lnRef idx="2">
+              <a:schemeClr val="accent1">
+                <a:shade val="50000"/>
+              </a:schemeClr>
+            </a:lnRef>
+            <a:fillRef idx="1">
+              <a:schemeClr val="accent1"/>
+            </a:fillRef>
+            <a:effectRef idx="0">
+              <a:schemeClr val="accent1"/>
+            </a:effectRef>
+            <a:fontRef idx="minor">
+              <a:schemeClr val="lt1"/>
+            </a:fontRef>
+          </p:style>
+          <p:txBody>
+            <a:bodyPr rtlCol="0" anchor="ctr"/>
+            <a:lstStyle/>
+            <a:p>
+              <a:pPr algn="ctr"/>
+              <a:endParaRPr lang="en-US"/>
+            </a:p>
+          </p:txBody>
+        </p:sp>
+        <p:sp>
+          <p:nvSpPr>
+            <p:cNvPr id="19" name="Rectangle 64">
+              <a:extLst>
+                <a:ext uri="{FF2B5EF4-FFF2-40B4-BE49-F238E27FC236}">
+                  <a16:creationId xmlns:a16="http://schemas.microsoft.com/office/drawing/2014/main" id="{20CC511B-2DB0-4523-82ED-40CCC5C7D045}"/>
+                </a:ext>
+                <a:ext uri="{C183D7F6-B498-43B3-948B-1728B52AA6E4}">
+                  <adec:decorative xmlns:adec="http://schemas.microsoft.com/office/drawing/2017/decorative" val="1"/>
+                </a:ext>
+              </a:extLst>
+            </p:cNvPr>
+            <p:cNvSpPr/>
+            <p:nvPr>
+              <p:extLst>
+                <p:ext uri="{386F3935-93C4-4BCD-93E2-E3B085C9AB24}">
+                  <p16:designElem xmlns:p16="http://schemas.microsoft.com/office/powerpoint/2015/main" val="1"/>
+                </p:ext>
+              </p:extLst>
+            </p:nvPr>
+          </p:nvSpPr>
+          <p:spPr>
+            <a:xfrm>
+              <a:off x="5797258" y="64008"/>
+              <a:ext cx="54368" cy="59227"/>
+            </a:xfrm>
+            <a:prstGeom prst="ellipse">
+              <a:avLst/>
+            </a:prstGeom>
+            <a:solidFill>
+              <a:schemeClr val="accent1"/>
+            </a:solidFill>
+            <a:ln>
+              <a:noFill/>
+            </a:ln>
+          </p:spPr>
+          <p:style>
+            <a:lnRef idx="2">
+              <a:schemeClr val="accent1">
+                <a:shade val="50000"/>
+              </a:schemeClr>
+            </a:lnRef>
+            <a:fillRef idx="1">
+              <a:schemeClr val="accent1"/>
+            </a:fillRef>
+            <a:effectRef idx="0">
+              <a:schemeClr val="accent1"/>
+            </a:effectRef>
+            <a:fontRef idx="minor">
+              <a:schemeClr val="lt1"/>
+            </a:fontRef>
+          </p:style>
+          <p:txBody>
+            <a:bodyPr rtlCol="0" anchor="ctr"/>
+            <a:lstStyle/>
+            <a:p>
+              <a:pPr algn="ctr"/>
+              <a:endParaRPr lang="en-US"/>
+            </a:p>
+          </p:txBody>
+        </p:sp>
+        <p:sp>
+          <p:nvSpPr>
+            <p:cNvPr id="20" name="Rectangle 66">
+              <a:extLst>
+                <a:ext uri="{FF2B5EF4-FFF2-40B4-BE49-F238E27FC236}">
+                  <a16:creationId xmlns:a16="http://schemas.microsoft.com/office/drawing/2014/main" id="{6CB93565-67D6-49DD-8D4E-4685AC81A078}"/>
+                </a:ext>
+                <a:ext uri="{C183D7F6-B498-43B3-948B-1728B52AA6E4}">
+                  <adec:decorative xmlns:adec="http://schemas.microsoft.com/office/drawing/2017/decorative" val="1"/>
+                </a:ext>
+              </a:extLst>
+            </p:cNvPr>
+            <p:cNvSpPr/>
+            <p:nvPr>
+              <p:extLst>
+                <p:ext uri="{386F3935-93C4-4BCD-93E2-E3B085C9AB24}">
+                  <p16:designElem xmlns:p16="http://schemas.microsoft.com/office/powerpoint/2015/main" val="1"/>
+                </p:ext>
+              </p:extLst>
+            </p:nvPr>
+          </p:nvSpPr>
+          <p:spPr>
+            <a:xfrm>
+              <a:off x="5797258" y="237744"/>
+              <a:ext cx="54368" cy="59227"/>
+            </a:xfrm>
+            <a:prstGeom prst="ellipse">
+              <a:avLst/>
+            </a:prstGeom>
+            <a:solidFill>
+              <a:schemeClr val="accent1"/>
+            </a:solidFill>
+            <a:ln>
+              <a:noFill/>
+            </a:ln>
+          </p:spPr>
+          <p:style>
+            <a:lnRef idx="2">
+              <a:schemeClr val="accent1">
+                <a:shade val="50000"/>
+              </a:schemeClr>
+            </a:lnRef>
+            <a:fillRef idx="1">
+              <a:schemeClr val="accent1"/>
+            </a:fillRef>
+            <a:effectRef idx="0">
+              <a:schemeClr val="accent1"/>
+            </a:effectRef>
+            <a:fontRef idx="minor">
+              <a:schemeClr val="lt1"/>
+            </a:fontRef>
+          </p:style>
+          <p:txBody>
+            <a:bodyPr rtlCol="0" anchor="ctr"/>
+            <a:lstStyle/>
+            <a:p>
+              <a:pPr algn="ctr"/>
+              <a:endParaRPr lang="en-US"/>
+            </a:p>
+          </p:txBody>
+        </p:sp>
+        <p:sp>
+          <p:nvSpPr>
+            <p:cNvPr id="21" name="Rectangle 64">
+              <a:extLst>
+                <a:ext uri="{FF2B5EF4-FFF2-40B4-BE49-F238E27FC236}">
+                  <a16:creationId xmlns:a16="http://schemas.microsoft.com/office/drawing/2014/main" id="{AE9D45A7-FFB3-4E69-A4EC-FAA3489B0E86}"/>
+                </a:ext>
+                <a:ext uri="{C183D7F6-B498-43B3-948B-1728B52AA6E4}">
+                  <adec:decorative xmlns:adec="http://schemas.microsoft.com/office/drawing/2017/decorative" val="1"/>
+                </a:ext>
+              </a:extLst>
+            </p:cNvPr>
+            <p:cNvSpPr/>
+            <p:nvPr>
+              <p:extLst>
+                <p:ext uri="{386F3935-93C4-4BCD-93E2-E3B085C9AB24}">
+                  <p16:designElem xmlns:p16="http://schemas.microsoft.com/office/powerpoint/2015/main" val="1"/>
+                </p:ext>
+              </p:extLst>
+            </p:nvPr>
+          </p:nvSpPr>
+          <p:spPr>
+            <a:xfrm>
+              <a:off x="5672303" y="64008"/>
+              <a:ext cx="54368" cy="59227"/>
+            </a:xfrm>
+            <a:prstGeom prst="ellipse">
+              <a:avLst/>
+            </a:prstGeom>
+            <a:solidFill>
+              <a:schemeClr val="accent1"/>
+            </a:solidFill>
+            <a:ln>
+              <a:noFill/>
+            </a:ln>
+          </p:spPr>
+          <p:style>
+            <a:lnRef idx="2">
+              <a:schemeClr val="accent1">
+                <a:shade val="50000"/>
+              </a:schemeClr>
+            </a:lnRef>
+            <a:fillRef idx="1">
+              <a:schemeClr val="accent1"/>
+            </a:fillRef>
+            <a:effectRef idx="0">
+              <a:schemeClr val="accent1"/>
+            </a:effectRef>
+            <a:fontRef idx="minor">
+              <a:schemeClr val="lt1"/>
+            </a:fontRef>
+          </p:style>
+          <p:txBody>
+            <a:bodyPr rtlCol="0" anchor="ctr"/>
+            <a:lstStyle/>
+            <a:p>
+              <a:pPr algn="ctr"/>
+              <a:endParaRPr lang="en-US"/>
+            </a:p>
+          </p:txBody>
+        </p:sp>
+        <p:sp>
+          <p:nvSpPr>
+            <p:cNvPr id="22" name="Rectangle 66">
+              <a:extLst>
+                <a:ext uri="{FF2B5EF4-FFF2-40B4-BE49-F238E27FC236}">
+                  <a16:creationId xmlns:a16="http://schemas.microsoft.com/office/drawing/2014/main" id="{A29467A6-0F59-4991-89B5-35408BD725D7}"/>
+                </a:ext>
+                <a:ext uri="{C183D7F6-B498-43B3-948B-1728B52AA6E4}">
+                  <adec:decorative xmlns:adec="http://schemas.microsoft.com/office/drawing/2017/decorative" val="1"/>
+                </a:ext>
+              </a:extLst>
+            </p:cNvPr>
+            <p:cNvSpPr/>
+            <p:nvPr>
+              <p:extLst>
+                <p:ext uri="{386F3935-93C4-4BCD-93E2-E3B085C9AB24}">
+                  <p16:designElem xmlns:p16="http://schemas.microsoft.com/office/powerpoint/2015/main" val="1"/>
+                </p:ext>
+              </p:extLst>
+            </p:nvPr>
+          </p:nvSpPr>
+          <p:spPr>
+            <a:xfrm>
+              <a:off x="5672303" y="237744"/>
+              <a:ext cx="54368" cy="59227"/>
+            </a:xfrm>
+            <a:prstGeom prst="ellipse">
+              <a:avLst/>
+            </a:prstGeom>
+            <a:solidFill>
+              <a:schemeClr val="accent1"/>
+            </a:solidFill>
+            <a:ln>
+              <a:noFill/>
+            </a:ln>
+          </p:spPr>
+          <p:style>
+            <a:lnRef idx="2">
+              <a:schemeClr val="accent1">
+                <a:shade val="50000"/>
+              </a:schemeClr>
+            </a:lnRef>
+            <a:fillRef idx="1">
+              <a:schemeClr val="accent1"/>
+            </a:fillRef>
+            <a:effectRef idx="0">
+              <a:schemeClr val="accent1"/>
+            </a:effectRef>
+            <a:fontRef idx="minor">
+              <a:schemeClr val="lt1"/>
+            </a:fontRef>
+          </p:style>
+          <p:txBody>
+            <a:bodyPr rtlCol="0" anchor="ctr"/>
+            <a:lstStyle/>
+            <a:p>
+              <a:pPr algn="ctr"/>
+              <a:endParaRPr lang="en-US"/>
+            </a:p>
+          </p:txBody>
+        </p:sp>
+        <p:sp>
+          <p:nvSpPr>
+            <p:cNvPr id="23" name="Rectangle 64">
+              <a:extLst>
+                <a:ext uri="{FF2B5EF4-FFF2-40B4-BE49-F238E27FC236}">
+                  <a16:creationId xmlns:a16="http://schemas.microsoft.com/office/drawing/2014/main" id="{AA726CA1-9A94-4AF0-B9DD-3572C692A17C}"/>
+                </a:ext>
+                <a:ext uri="{C183D7F6-B498-43B3-948B-1728B52AA6E4}">
+                  <adec:decorative xmlns:adec="http://schemas.microsoft.com/office/drawing/2017/decorative" val="1"/>
+                </a:ext>
+              </a:extLst>
+            </p:cNvPr>
+            <p:cNvSpPr/>
+            <p:nvPr>
+              <p:extLst>
+                <p:ext uri="{386F3935-93C4-4BCD-93E2-E3B085C9AB24}">
+                  <p16:designElem xmlns:p16="http://schemas.microsoft.com/office/powerpoint/2015/main" val="1"/>
+                </p:ext>
+              </p:extLst>
+            </p:nvPr>
+          </p:nvSpPr>
+          <p:spPr>
+            <a:xfrm>
+              <a:off x="5547347" y="64008"/>
+              <a:ext cx="54368" cy="59227"/>
+            </a:xfrm>
+            <a:prstGeom prst="ellipse">
+              <a:avLst/>
+            </a:prstGeom>
+            <a:solidFill>
+              <a:schemeClr val="accent1"/>
+            </a:solidFill>
+            <a:ln>
+              <a:noFill/>
+            </a:ln>
+          </p:spPr>
+          <p:style>
+            <a:lnRef idx="2">
+              <a:schemeClr val="accent1">
+                <a:shade val="50000"/>
+              </a:schemeClr>
+            </a:lnRef>
+            <a:fillRef idx="1">
+              <a:schemeClr val="accent1"/>
+            </a:fillRef>
+            <a:effectRef idx="0">
+              <a:schemeClr val="accent1"/>
+            </a:effectRef>
+            <a:fontRef idx="minor">
+              <a:schemeClr val="lt1"/>
+            </a:fontRef>
+          </p:style>
+          <p:txBody>
+            <a:bodyPr rtlCol="0" anchor="ctr"/>
+            <a:lstStyle/>
+            <a:p>
+              <a:pPr algn="ctr"/>
+              <a:endParaRPr lang="en-US"/>
+            </a:p>
+          </p:txBody>
+        </p:sp>
+        <p:sp>
+          <p:nvSpPr>
+            <p:cNvPr id="24" name="Rectangle 66">
+              <a:extLst>
+                <a:ext uri="{FF2B5EF4-FFF2-40B4-BE49-F238E27FC236}">
+                  <a16:creationId xmlns:a16="http://schemas.microsoft.com/office/drawing/2014/main" id="{EB03BD70-FD68-460B-A88B-005DAB5BEDD1}"/>
+                </a:ext>
+                <a:ext uri="{C183D7F6-B498-43B3-948B-1728B52AA6E4}">
+                  <adec:decorative xmlns:adec="http://schemas.microsoft.com/office/drawing/2017/decorative" val="1"/>
+                </a:ext>
+              </a:extLst>
+            </p:cNvPr>
+            <p:cNvSpPr/>
+            <p:nvPr>
+              <p:extLst>
+                <p:ext uri="{386F3935-93C4-4BCD-93E2-E3B085C9AB24}">
+                  <p16:designElem xmlns:p16="http://schemas.microsoft.com/office/powerpoint/2015/main" val="1"/>
+                </p:ext>
+              </p:extLst>
+            </p:nvPr>
+          </p:nvSpPr>
+          <p:spPr>
+            <a:xfrm>
+              <a:off x="5547347" y="237744"/>
+              <a:ext cx="54368" cy="59227"/>
+            </a:xfrm>
+            <a:prstGeom prst="ellipse">
+              <a:avLst/>
+            </a:prstGeom>
+            <a:solidFill>
+              <a:schemeClr val="accent1"/>
+            </a:solidFill>
+            <a:ln>
+              <a:noFill/>
+            </a:ln>
+          </p:spPr>
+          <p:style>
+            <a:lnRef idx="2">
+              <a:schemeClr val="accent1">
+                <a:shade val="50000"/>
+              </a:schemeClr>
+            </a:lnRef>
+            <a:fillRef idx="1">
+              <a:schemeClr val="accent1"/>
+            </a:fillRef>
+            <a:effectRef idx="0">
+              <a:schemeClr val="accent1"/>
+            </a:effectRef>
+            <a:fontRef idx="minor">
+              <a:schemeClr val="lt1"/>
+            </a:fontRef>
+          </p:style>
+          <p:txBody>
+            <a:bodyPr rtlCol="0" anchor="ctr"/>
+            <a:lstStyle/>
+            <a:p>
+              <a:pPr algn="ctr"/>
+              <a:endParaRPr lang="en-US"/>
+            </a:p>
+          </p:txBody>
+        </p:sp>
+        <p:sp>
+          <p:nvSpPr>
+            <p:cNvPr id="25" name="Rectangle 64">
+              <a:extLst>
+                <a:ext uri="{FF2B5EF4-FFF2-40B4-BE49-F238E27FC236}">
+                  <a16:creationId xmlns:a16="http://schemas.microsoft.com/office/drawing/2014/main" id="{C1040543-6AB1-4FE1-8946-59D0E7BB8588}"/>
+                </a:ext>
+                <a:ext uri="{C183D7F6-B498-43B3-948B-1728B52AA6E4}">
+                  <adec:decorative xmlns:adec="http://schemas.microsoft.com/office/drawing/2017/decorative" val="1"/>
+                </a:ext>
+              </a:extLst>
+            </p:cNvPr>
+            <p:cNvSpPr/>
+            <p:nvPr>
+              <p:extLst>
+                <p:ext uri="{386F3935-93C4-4BCD-93E2-E3B085C9AB24}">
+                  <p16:designElem xmlns:p16="http://schemas.microsoft.com/office/powerpoint/2015/main" val="1"/>
+                </p:ext>
+              </p:extLst>
+            </p:nvPr>
+          </p:nvSpPr>
+          <p:spPr>
+            <a:xfrm>
+              <a:off x="5422392" y="64008"/>
+              <a:ext cx="54368" cy="59227"/>
+            </a:xfrm>
+            <a:prstGeom prst="ellipse">
+              <a:avLst/>
+            </a:prstGeom>
+            <a:solidFill>
+              <a:schemeClr val="accent1"/>
+            </a:solidFill>
+            <a:ln>
+              <a:noFill/>
+            </a:ln>
+          </p:spPr>
+          <p:style>
+            <a:lnRef idx="2">
+              <a:schemeClr val="accent1">
+                <a:shade val="50000"/>
+              </a:schemeClr>
+            </a:lnRef>
+            <a:fillRef idx="1">
+              <a:schemeClr val="accent1"/>
+            </a:fillRef>
+            <a:effectRef idx="0">
+              <a:schemeClr val="accent1"/>
+            </a:effectRef>
+            <a:fontRef idx="minor">
+              <a:schemeClr val="lt1"/>
+            </a:fontRef>
+          </p:style>
+          <p:txBody>
+            <a:bodyPr rtlCol="0" anchor="ctr"/>
+            <a:lstStyle/>
+            <a:p>
+              <a:pPr algn="ctr"/>
+              <a:endParaRPr lang="en-US"/>
+            </a:p>
+          </p:txBody>
+        </p:sp>
+        <p:sp>
+          <p:nvSpPr>
+            <p:cNvPr id="26" name="Rectangle 66">
+              <a:extLst>
+                <a:ext uri="{FF2B5EF4-FFF2-40B4-BE49-F238E27FC236}">
+                  <a16:creationId xmlns:a16="http://schemas.microsoft.com/office/drawing/2014/main" id="{BEEF4851-38D3-48A2-B05D-269771626841}"/>
+                </a:ext>
+                <a:ext uri="{C183D7F6-B498-43B3-948B-1728B52AA6E4}">
+                  <adec:decorative xmlns:adec="http://schemas.microsoft.com/office/drawing/2017/decorative" val="1"/>
+                </a:ext>
+              </a:extLst>
+            </p:cNvPr>
+            <p:cNvSpPr/>
+            <p:nvPr>
+              <p:extLst>
+                <p:ext uri="{386F3935-93C4-4BCD-93E2-E3B085C9AB24}">
+                  <p16:designElem xmlns:p16="http://schemas.microsoft.com/office/powerpoint/2015/main" val="1"/>
+                </p:ext>
+              </p:extLst>
+            </p:nvPr>
+          </p:nvSpPr>
+          <p:spPr>
+            <a:xfrm>
+              <a:off x="5422392" y="237744"/>
+              <a:ext cx="54368" cy="59227"/>
+            </a:xfrm>
+            <a:prstGeom prst="ellipse">
+              <a:avLst/>
+            </a:prstGeom>
+            <a:solidFill>
+              <a:schemeClr val="accent1"/>
+            </a:solidFill>
+            <a:ln>
+              <a:noFill/>
+            </a:ln>
+          </p:spPr>
+          <p:style>
+            <a:lnRef idx="2">
+              <a:schemeClr val="accent1">
+                <a:shade val="50000"/>
+              </a:schemeClr>
+            </a:lnRef>
+            <a:fillRef idx="1">
+              <a:schemeClr val="accent1"/>
+            </a:fillRef>
+            <a:effectRef idx="0">
+              <a:schemeClr val="accent1"/>
+            </a:effectRef>
+            <a:fontRef idx="minor">
+              <a:schemeClr val="lt1"/>
+            </a:fontRef>
+          </p:style>
+          <p:txBody>
+            <a:bodyPr rtlCol="0" anchor="ctr"/>
+            <a:lstStyle/>
+            <a:p>
+              <a:pPr algn="ctr"/>
+              <a:endParaRPr lang="en-US"/>
+            </a:p>
+          </p:txBody>
+        </p:sp>
+        <p:sp>
+          <p:nvSpPr>
+            <p:cNvPr id="27" name="Rectangle 64">
+              <a:extLst>
+                <a:ext uri="{FF2B5EF4-FFF2-40B4-BE49-F238E27FC236}">
+                  <a16:creationId xmlns:a16="http://schemas.microsoft.com/office/drawing/2014/main" id="{DEC37F16-C638-42B2-AA09-CA5142D855D4}"/>
+                </a:ext>
+                <a:ext uri="{C183D7F6-B498-43B3-948B-1728B52AA6E4}">
+                  <adec:decorative xmlns:adec="http://schemas.microsoft.com/office/drawing/2017/decorative" val="1"/>
+                </a:ext>
+              </a:extLst>
+            </p:cNvPr>
+            <p:cNvSpPr/>
+            <p:nvPr>
+              <p:extLst>
+                <p:ext uri="{386F3935-93C4-4BCD-93E2-E3B085C9AB24}">
+                  <p16:designElem xmlns:p16="http://schemas.microsoft.com/office/powerpoint/2015/main" val="1"/>
+                </p:ext>
+              </p:extLst>
+            </p:nvPr>
+          </p:nvSpPr>
+          <p:spPr>
+            <a:xfrm>
+              <a:off x="6546990" y="64008"/>
+              <a:ext cx="54368" cy="59227"/>
+            </a:xfrm>
+            <a:prstGeom prst="ellipse">
+              <a:avLst/>
+            </a:prstGeom>
+            <a:solidFill>
+              <a:schemeClr val="accent1"/>
+            </a:solidFill>
+            <a:ln>
+              <a:noFill/>
+            </a:ln>
+          </p:spPr>
+          <p:style>
+            <a:lnRef idx="2">
+              <a:schemeClr val="accent1">
+                <a:shade val="50000"/>
+              </a:schemeClr>
+            </a:lnRef>
+            <a:fillRef idx="1">
+              <a:schemeClr val="accent1"/>
+            </a:fillRef>
+            <a:effectRef idx="0">
+              <a:schemeClr val="accent1"/>
+            </a:effectRef>
+            <a:fontRef idx="minor">
+              <a:schemeClr val="lt1"/>
+            </a:fontRef>
+          </p:style>
+          <p:txBody>
+            <a:bodyPr rtlCol="0" anchor="ctr"/>
+            <a:lstStyle/>
+            <a:p>
+              <a:pPr algn="ctr"/>
+              <a:endParaRPr lang="en-US"/>
+            </a:p>
+          </p:txBody>
+        </p:sp>
+        <p:sp>
+          <p:nvSpPr>
+            <p:cNvPr id="28" name="Rectangle 66">
+              <a:extLst>
+                <a:ext uri="{FF2B5EF4-FFF2-40B4-BE49-F238E27FC236}">
+                  <a16:creationId xmlns:a16="http://schemas.microsoft.com/office/drawing/2014/main" id="{0AC31779-80E9-4BF3-9703-F63FE8094557}"/>
+                </a:ext>
+                <a:ext uri="{C183D7F6-B498-43B3-948B-1728B52AA6E4}">
+                  <adec:decorative xmlns:adec="http://schemas.microsoft.com/office/drawing/2017/decorative" val="1"/>
+                </a:ext>
+              </a:extLst>
+            </p:cNvPr>
+            <p:cNvSpPr/>
+            <p:nvPr>
+              <p:extLst>
+                <p:ext uri="{386F3935-93C4-4BCD-93E2-E3B085C9AB24}">
+                  <p16:designElem xmlns:p16="http://schemas.microsoft.com/office/powerpoint/2015/main" val="1"/>
+                </p:ext>
+              </p:extLst>
+            </p:nvPr>
+          </p:nvSpPr>
+          <p:spPr>
+            <a:xfrm>
+              <a:off x="6546990" y="237744"/>
+              <a:ext cx="54368" cy="59227"/>
+            </a:xfrm>
+            <a:prstGeom prst="ellipse">
+              <a:avLst/>
+            </a:prstGeom>
+            <a:solidFill>
+              <a:schemeClr val="accent1"/>
+            </a:solidFill>
+            <a:ln>
+              <a:noFill/>
+            </a:ln>
+          </p:spPr>
+          <p:style>
+            <a:lnRef idx="2">
+              <a:schemeClr val="accent1">
+                <a:shade val="50000"/>
+              </a:schemeClr>
+            </a:lnRef>
+            <a:fillRef idx="1">
+              <a:schemeClr val="accent1"/>
+            </a:fillRef>
+            <a:effectRef idx="0">
+              <a:schemeClr val="accent1"/>
+            </a:effectRef>
+            <a:fontRef idx="minor">
+              <a:schemeClr val="lt1"/>
+            </a:fontRef>
+          </p:style>
+          <p:txBody>
+            <a:bodyPr rtlCol="0" anchor="ctr"/>
+            <a:lstStyle/>
+            <a:p>
+              <a:pPr algn="ctr"/>
+              <a:endParaRPr lang="en-US"/>
+            </a:p>
+          </p:txBody>
+        </p:sp>
+        <p:sp>
+          <p:nvSpPr>
+            <p:cNvPr id="29" name="Rectangle 64">
+              <a:extLst>
+                <a:ext uri="{FF2B5EF4-FFF2-40B4-BE49-F238E27FC236}">
+                  <a16:creationId xmlns:a16="http://schemas.microsoft.com/office/drawing/2014/main" id="{D71CA5FF-D764-4C4E-8854-E5875684FEA2}"/>
+                </a:ext>
+                <a:ext uri="{C183D7F6-B498-43B3-948B-1728B52AA6E4}">
+                  <adec:decorative xmlns:adec="http://schemas.microsoft.com/office/drawing/2017/decorative" val="1"/>
+                </a:ext>
+              </a:extLst>
+            </p:cNvPr>
+            <p:cNvSpPr/>
+            <p:nvPr>
+              <p:extLst>
+                <p:ext uri="{386F3935-93C4-4BCD-93E2-E3B085C9AB24}">
+                  <p16:designElem xmlns:p16="http://schemas.microsoft.com/office/powerpoint/2015/main" val="1"/>
+                </p:ext>
+              </p:extLst>
+            </p:nvPr>
+          </p:nvSpPr>
+          <p:spPr>
+            <a:xfrm>
+              <a:off x="6422035" y="64008"/>
+              <a:ext cx="54368" cy="59227"/>
+            </a:xfrm>
+            <a:prstGeom prst="ellipse">
+              <a:avLst/>
+            </a:prstGeom>
+            <a:solidFill>
+              <a:schemeClr val="accent1"/>
+            </a:solidFill>
+            <a:ln>
+              <a:noFill/>
+            </a:ln>
+          </p:spPr>
+          <p:style>
+            <a:lnRef idx="2">
+              <a:schemeClr val="accent1">
+                <a:shade val="50000"/>
+              </a:schemeClr>
+            </a:lnRef>
+            <a:fillRef idx="1">
+              <a:schemeClr val="accent1"/>
+            </a:fillRef>
+            <a:effectRef idx="0">
+              <a:schemeClr val="accent1"/>
+            </a:effectRef>
+            <a:fontRef idx="minor">
+              <a:schemeClr val="lt1"/>
+            </a:fontRef>
+          </p:style>
+          <p:txBody>
+            <a:bodyPr rtlCol="0" anchor="ctr"/>
+            <a:lstStyle/>
+            <a:p>
+              <a:pPr algn="ctr"/>
+              <a:endParaRPr lang="en-US"/>
+            </a:p>
+          </p:txBody>
+        </p:sp>
+        <p:sp>
+          <p:nvSpPr>
+            <p:cNvPr id="30" name="Rectangle 66">
+              <a:extLst>
+                <a:ext uri="{FF2B5EF4-FFF2-40B4-BE49-F238E27FC236}">
+                  <a16:creationId xmlns:a16="http://schemas.microsoft.com/office/drawing/2014/main" id="{81A1FA9D-7285-4D42-ADF3-BC14114B27ED}"/>
+                </a:ext>
+                <a:ext uri="{C183D7F6-B498-43B3-948B-1728B52AA6E4}">
+                  <adec:decorative xmlns:adec="http://schemas.microsoft.com/office/drawing/2017/decorative" val="1"/>
+                </a:ext>
+              </a:extLst>
+            </p:cNvPr>
+            <p:cNvSpPr/>
+            <p:nvPr>
+              <p:extLst>
+                <p:ext uri="{386F3935-93C4-4BCD-93E2-E3B085C9AB24}">
+                  <p16:designElem xmlns:p16="http://schemas.microsoft.com/office/powerpoint/2015/main" val="1"/>
+                </p:ext>
+              </p:extLst>
+            </p:nvPr>
+          </p:nvSpPr>
+          <p:spPr>
+            <a:xfrm>
+              <a:off x="6422035" y="237744"/>
+              <a:ext cx="54368" cy="59227"/>
+            </a:xfrm>
+            <a:prstGeom prst="ellipse">
+              <a:avLst/>
+            </a:prstGeom>
+            <a:solidFill>
+              <a:schemeClr val="accent1"/>
+            </a:solidFill>
+            <a:ln>
+              <a:noFill/>
+            </a:ln>
+          </p:spPr>
+          <p:style>
+            <a:lnRef idx="2">
+              <a:schemeClr val="accent1">
+                <a:shade val="50000"/>
+              </a:schemeClr>
+            </a:lnRef>
+            <a:fillRef idx="1">
+              <a:schemeClr val="accent1"/>
+            </a:fillRef>
+            <a:effectRef idx="0">
+              <a:schemeClr val="accent1"/>
+            </a:effectRef>
+            <a:fontRef idx="minor">
+              <a:schemeClr val="lt1"/>
+            </a:fontRef>
+          </p:style>
+          <p:txBody>
+            <a:bodyPr rtlCol="0" anchor="ctr"/>
+            <a:lstStyle/>
+            <a:p>
+              <a:pPr algn="ctr"/>
+              <a:endParaRPr lang="en-US"/>
+            </a:p>
+          </p:txBody>
+        </p:sp>
+        <p:sp>
+          <p:nvSpPr>
+            <p:cNvPr id="31" name="Rectangle 64">
+              <a:extLst>
+                <a:ext uri="{FF2B5EF4-FFF2-40B4-BE49-F238E27FC236}">
+                  <a16:creationId xmlns:a16="http://schemas.microsoft.com/office/drawing/2014/main" id="{A1E40F6A-5F88-46D9-A510-00D54F0B81C4}"/>
+                </a:ext>
+                <a:ext uri="{C183D7F6-B498-43B3-948B-1728B52AA6E4}">
+                  <adec:decorative xmlns:adec="http://schemas.microsoft.com/office/drawing/2017/decorative" val="1"/>
+                </a:ext>
+              </a:extLst>
+            </p:cNvPr>
+            <p:cNvSpPr/>
+            <p:nvPr>
+              <p:extLst>
+                <p:ext uri="{386F3935-93C4-4BCD-93E2-E3B085C9AB24}">
+                  <p16:designElem xmlns:p16="http://schemas.microsoft.com/office/powerpoint/2015/main" val="1"/>
+                </p:ext>
+              </p:extLst>
+            </p:nvPr>
+          </p:nvSpPr>
+          <p:spPr>
+            <a:xfrm>
+              <a:off x="6297080" y="64008"/>
+              <a:ext cx="54368" cy="59227"/>
+            </a:xfrm>
+            <a:prstGeom prst="ellipse">
+              <a:avLst/>
+            </a:prstGeom>
+            <a:solidFill>
+              <a:schemeClr val="accent1"/>
+            </a:solidFill>
+            <a:ln>
+              <a:noFill/>
+            </a:ln>
+          </p:spPr>
+          <p:style>
+            <a:lnRef idx="2">
+              <a:schemeClr val="accent1">
+                <a:shade val="50000"/>
+              </a:schemeClr>
+            </a:lnRef>
+            <a:fillRef idx="1">
+              <a:schemeClr val="accent1"/>
+            </a:fillRef>
+            <a:effectRef idx="0">
+              <a:schemeClr val="accent1"/>
+            </a:effectRef>
+            <a:fontRef idx="minor">
+              <a:schemeClr val="lt1"/>
+            </a:fontRef>
+          </p:style>
+          <p:txBody>
+            <a:bodyPr rtlCol="0" anchor="ctr"/>
+            <a:lstStyle/>
+            <a:p>
+              <a:pPr algn="ctr"/>
+              <a:endParaRPr lang="en-US"/>
+            </a:p>
+          </p:txBody>
+        </p:sp>
+        <p:sp>
+          <p:nvSpPr>
+            <p:cNvPr id="32" name="Rectangle 66">
+              <a:extLst>
+                <a:ext uri="{FF2B5EF4-FFF2-40B4-BE49-F238E27FC236}">
+                  <a16:creationId xmlns:a16="http://schemas.microsoft.com/office/drawing/2014/main" id="{938C555D-926A-4092-966E-1BC7E455FF39}"/>
+                </a:ext>
+                <a:ext uri="{C183D7F6-B498-43B3-948B-1728B52AA6E4}">
+                  <adec:decorative xmlns:adec="http://schemas.microsoft.com/office/drawing/2017/decorative" val="1"/>
+                </a:ext>
+              </a:extLst>
+            </p:cNvPr>
+            <p:cNvSpPr/>
+            <p:nvPr>
+              <p:extLst>
+                <p:ext uri="{386F3935-93C4-4BCD-93E2-E3B085C9AB24}">
+                  <p16:designElem xmlns:p16="http://schemas.microsoft.com/office/powerpoint/2015/main" val="1"/>
+                </p:ext>
+              </p:extLst>
+            </p:nvPr>
+          </p:nvSpPr>
+          <p:spPr>
+            <a:xfrm>
+              <a:off x="6297080" y="237744"/>
+              <a:ext cx="54368" cy="59227"/>
+            </a:xfrm>
+            <a:prstGeom prst="ellipse">
+              <a:avLst/>
+            </a:prstGeom>
+            <a:solidFill>
+              <a:schemeClr val="accent1"/>
+            </a:solidFill>
+            <a:ln>
+              <a:noFill/>
+            </a:ln>
+          </p:spPr>
+          <p:style>
+            <a:lnRef idx="2">
+              <a:schemeClr val="accent1">
+                <a:shade val="50000"/>
+              </a:schemeClr>
+            </a:lnRef>
+            <a:fillRef idx="1">
+              <a:schemeClr val="accent1"/>
+            </a:fillRef>
+            <a:effectRef idx="0">
+              <a:schemeClr val="accent1"/>
+            </a:effectRef>
+            <a:fontRef idx="minor">
+              <a:schemeClr val="lt1"/>
+            </a:fontRef>
+          </p:style>
+          <p:txBody>
+            <a:bodyPr rtlCol="0" anchor="ctr"/>
+            <a:lstStyle/>
+            <a:p>
+              <a:pPr algn="ctr"/>
+              <a:endParaRPr lang="en-US"/>
+            </a:p>
+          </p:txBody>
+        </p:sp>
+        <p:sp>
+          <p:nvSpPr>
+            <p:cNvPr id="40" name="Rectangle 64">
+              <a:extLst>
+                <a:ext uri="{FF2B5EF4-FFF2-40B4-BE49-F238E27FC236}">
+                  <a16:creationId xmlns:a16="http://schemas.microsoft.com/office/drawing/2014/main" id="{58D049FF-3E13-4E3E-A5BE-CF5253B8E186}"/>
+                </a:ext>
+                <a:ext uri="{C183D7F6-B498-43B3-948B-1728B52AA6E4}">
+                  <adec:decorative xmlns:adec="http://schemas.microsoft.com/office/drawing/2017/decorative" val="1"/>
+                </a:ext>
+              </a:extLst>
+            </p:cNvPr>
+            <p:cNvSpPr/>
+            <p:nvPr>
+              <p:extLst>
+                <p:ext uri="{386F3935-93C4-4BCD-93E2-E3B085C9AB24}">
+                  <p16:designElem xmlns:p16="http://schemas.microsoft.com/office/powerpoint/2015/main" val="1"/>
+                </p:ext>
+              </p:extLst>
+            </p:nvPr>
+          </p:nvSpPr>
+          <p:spPr>
+            <a:xfrm>
+              <a:off x="6172124" y="64008"/>
+              <a:ext cx="54368" cy="59227"/>
+            </a:xfrm>
+            <a:prstGeom prst="ellipse">
+              <a:avLst/>
+            </a:prstGeom>
+            <a:solidFill>
+              <a:schemeClr val="accent1"/>
+            </a:solidFill>
+            <a:ln>
+              <a:noFill/>
+            </a:ln>
+          </p:spPr>
+          <p:style>
+            <a:lnRef idx="2">
+              <a:schemeClr val="accent1">
+                <a:shade val="50000"/>
+              </a:schemeClr>
+            </a:lnRef>
+            <a:fillRef idx="1">
+              <a:schemeClr val="accent1"/>
+            </a:fillRef>
+            <a:effectRef idx="0">
+              <a:schemeClr val="accent1"/>
+            </a:effectRef>
+            <a:fontRef idx="minor">
+              <a:schemeClr val="lt1"/>
+            </a:fontRef>
+          </p:style>
+          <p:txBody>
+            <a:bodyPr rtlCol="0" anchor="ctr"/>
+            <a:lstStyle/>
+            <a:p>
+              <a:pPr algn="ctr"/>
+              <a:endParaRPr lang="en-US"/>
+            </a:p>
+          </p:txBody>
+        </p:sp>
+        <p:sp>
+          <p:nvSpPr>
+            <p:cNvPr id="34" name="Rectangle 66">
+              <a:extLst>
+                <a:ext uri="{FF2B5EF4-FFF2-40B4-BE49-F238E27FC236}">
+                  <a16:creationId xmlns:a16="http://schemas.microsoft.com/office/drawing/2014/main" id="{A16547CF-5B03-4E57-B466-A0FDCECADDDB}"/>
+                </a:ext>
+                <a:ext uri="{C183D7F6-B498-43B3-948B-1728B52AA6E4}">
+                  <adec:decorative xmlns:adec="http://schemas.microsoft.com/office/drawing/2017/decorative" val="1"/>
+                </a:ext>
+              </a:extLst>
+            </p:cNvPr>
+            <p:cNvSpPr/>
+            <p:nvPr>
+              <p:extLst>
+                <p:ext uri="{386F3935-93C4-4BCD-93E2-E3B085C9AB24}">
+                  <p16:designElem xmlns:p16="http://schemas.microsoft.com/office/powerpoint/2015/main" val="1"/>
+                </p:ext>
+              </p:extLst>
+            </p:nvPr>
+          </p:nvSpPr>
+          <p:spPr>
+            <a:xfrm>
+              <a:off x="6172124" y="237744"/>
+              <a:ext cx="54368" cy="59227"/>
+            </a:xfrm>
+            <a:prstGeom prst="ellipse">
+              <a:avLst/>
+            </a:prstGeom>
+            <a:solidFill>
+              <a:schemeClr val="accent1"/>
+            </a:solidFill>
+            <a:ln>
+              <a:noFill/>
+            </a:ln>
+          </p:spPr>
+          <p:style>
+            <a:lnRef idx="2">
+              <a:schemeClr val="accent1">
+                <a:shade val="50000"/>
+              </a:schemeClr>
+            </a:lnRef>
+            <a:fillRef idx="1">
+              <a:schemeClr val="accent1"/>
+            </a:fillRef>
+            <a:effectRef idx="0">
+              <a:schemeClr val="accent1"/>
+            </a:effectRef>
+            <a:fontRef idx="minor">
+              <a:schemeClr val="lt1"/>
+            </a:fontRef>
+          </p:style>
+          <p:txBody>
+            <a:bodyPr rtlCol="0" anchor="ctr"/>
+            <a:lstStyle/>
+            <a:p>
+              <a:pPr algn="ctr"/>
+              <a:endParaRPr lang="en-US"/>
+            </a:p>
+          </p:txBody>
+        </p:sp>
+        <p:sp>
+          <p:nvSpPr>
+            <p:cNvPr id="35" name="Rectangle 64">
+              <a:extLst>
+                <a:ext uri="{FF2B5EF4-FFF2-40B4-BE49-F238E27FC236}">
+                  <a16:creationId xmlns:a16="http://schemas.microsoft.com/office/drawing/2014/main" id="{84C012C4-5959-40D5-8A7B-8542BD4B982C}"/>
+                </a:ext>
+                <a:ext uri="{C183D7F6-B498-43B3-948B-1728B52AA6E4}">
+                  <adec:decorative xmlns:adec="http://schemas.microsoft.com/office/drawing/2017/decorative" val="1"/>
+                </a:ext>
+              </a:extLst>
+            </p:cNvPr>
+            <p:cNvSpPr/>
+            <p:nvPr>
+              <p:extLst>
+                <p:ext uri="{386F3935-93C4-4BCD-93E2-E3B085C9AB24}">
+                  <p16:designElem xmlns:p16="http://schemas.microsoft.com/office/powerpoint/2015/main" val="1"/>
+                </p:ext>
+              </p:extLst>
+            </p:nvPr>
+          </p:nvSpPr>
+          <p:spPr>
+            <a:xfrm>
+              <a:off x="6047169" y="64008"/>
+              <a:ext cx="54368" cy="59227"/>
+            </a:xfrm>
+            <a:prstGeom prst="ellipse">
+              <a:avLst/>
+            </a:prstGeom>
+            <a:solidFill>
+              <a:schemeClr val="accent1"/>
+            </a:solidFill>
+            <a:ln>
+              <a:noFill/>
+            </a:ln>
+          </p:spPr>
+          <p:style>
+            <a:lnRef idx="2">
+              <a:schemeClr val="accent1">
+                <a:shade val="50000"/>
+              </a:schemeClr>
+            </a:lnRef>
+            <a:fillRef idx="1">
+              <a:schemeClr val="accent1"/>
+            </a:fillRef>
+            <a:effectRef idx="0">
+              <a:schemeClr val="accent1"/>
+            </a:effectRef>
+            <a:fontRef idx="minor">
+              <a:schemeClr val="lt1"/>
+            </a:fontRef>
+          </p:style>
+          <p:txBody>
+            <a:bodyPr rtlCol="0" anchor="ctr"/>
+            <a:lstStyle/>
+            <a:p>
+              <a:pPr algn="ctr"/>
+              <a:endParaRPr lang="en-US"/>
+            </a:p>
+          </p:txBody>
+        </p:sp>
+        <p:sp>
+          <p:nvSpPr>
+            <p:cNvPr id="36" name="Rectangle 66">
+              <a:extLst>
+                <a:ext uri="{FF2B5EF4-FFF2-40B4-BE49-F238E27FC236}">
+                  <a16:creationId xmlns:a16="http://schemas.microsoft.com/office/drawing/2014/main" id="{8C7DF75A-2C0D-4388-A295-397333ADBD8A}"/>
+                </a:ext>
+                <a:ext uri="{C183D7F6-B498-43B3-948B-1728B52AA6E4}">
+                  <adec:decorative xmlns:adec="http://schemas.microsoft.com/office/drawing/2017/decorative" val="1"/>
+                </a:ext>
+              </a:extLst>
+            </p:cNvPr>
+            <p:cNvSpPr/>
+            <p:nvPr>
+              <p:extLst>
+                <p:ext uri="{386F3935-93C4-4BCD-93E2-E3B085C9AB24}">
+                  <p16:designElem xmlns:p16="http://schemas.microsoft.com/office/powerpoint/2015/main" val="1"/>
+                </p:ext>
+              </p:extLst>
+            </p:nvPr>
+          </p:nvSpPr>
+          <p:spPr>
+            <a:xfrm>
+              <a:off x="6047169" y="237744"/>
+              <a:ext cx="54368" cy="59227"/>
+            </a:xfrm>
+            <a:prstGeom prst="ellipse">
+              <a:avLst/>
+            </a:prstGeom>
+            <a:solidFill>
+              <a:schemeClr val="accent1"/>
+            </a:solidFill>
+            <a:ln>
+              <a:noFill/>
+            </a:ln>
+          </p:spPr>
+          <p:style>
+            <a:lnRef idx="2">
+              <a:schemeClr val="accent1">
+                <a:shade val="50000"/>
+              </a:schemeClr>
+            </a:lnRef>
+            <a:fillRef idx="1">
+              <a:schemeClr val="accent1"/>
+            </a:fillRef>
+            <a:effectRef idx="0">
+              <a:schemeClr val="accent1"/>
+            </a:effectRef>
+            <a:fontRef idx="minor">
+              <a:schemeClr val="lt1"/>
+            </a:fontRef>
+          </p:style>
+          <p:txBody>
+            <a:bodyPr rtlCol="0" anchor="ctr"/>
+            <a:lstStyle/>
+            <a:p>
+              <a:pPr algn="ctr"/>
+              <a:endParaRPr lang="en-US"/>
+            </a:p>
+          </p:txBody>
+        </p:sp>
+      </p:grpSp>
+      <p:sp>
+        <p:nvSpPr>
+          <p:cNvPr id="3" name="Content Placeholder 2">
+            <a:extLst>
+              <a:ext uri="{FF2B5EF4-FFF2-40B4-BE49-F238E27FC236}">
+                <a16:creationId xmlns:a16="http://schemas.microsoft.com/office/drawing/2014/main" id="{58458717-9E85-36D0-B248-D9557418C00F}"/>
+              </a:ext>
+            </a:extLst>
+          </p:cNvPr>
+          <p:cNvSpPr>
+            <a:spLocks noGrp="1"/>
+          </p:cNvSpPr>
+          <p:nvPr>
+            <p:ph idx="1"/>
+          </p:nvPr>
+        </p:nvSpPr>
+        <p:spPr>
+          <a:xfrm>
+            <a:off x="4815840" y="499833"/>
+            <a:ext cx="3825240" cy="5581226"/>
+          </a:xfrm>
+        </p:spPr>
+        <p:txBody>
+          <a:bodyPr anchor="ctr">
+            <a:normAutofit/>
+          </a:bodyPr>
+          <a:lstStyle/>
+          <a:p>
+            <a:pPr marL="0" indent="0">
+              <a:buNone/>
+            </a:pPr>
+            <a:r>
+              <a:rPr lang="en-GB" sz="1900" dirty="0"/>
+              <a:t>“Consider the impact that winter may have on the health care , primarily the hospital (acute care) sector. To what extent is the ‘winter crises’ the media predicts a real? How has winter impacted NHS Scotland’s hospital system in the past? Why might it be even more critical in the coming year and might the pandemic influence the potential scenario.”</a:t>
+            </a:r>
+            <a:endParaRPr lang="en-US" sz="1900" dirty="0"/>
+          </a:p>
+        </p:txBody>
+      </p:sp>
+    </p:spTree>
+    <p:extLst>
+      <p:ext uri="{BB962C8B-B14F-4D97-AF65-F5344CB8AC3E}">
+        <p14:creationId xmlns:p14="http://schemas.microsoft.com/office/powerpoint/2010/main" val="1746136474"/>
+      </p:ext>
+    </p:extLst>
+  </p:cSld>
+  <p:clrMapOvr>
+    <a:masterClrMapping/>
+  </p:clrMapOvr>
+</p:sld>
+</file>
+
+<file path=ppt/slides/slide3.xml><?xml version="1.0" encoding="utf-8"?>
+<p:sld xmlns:a="http://schemas.openxmlformats.org/drawingml/2006/main" xmlns:r="http://schemas.openxmlformats.org/officeDocument/2006/relationships" xmlns:p="http://schemas.openxmlformats.org/presentationml/2006/main">
+  <p:cSld>
+    <p:bg>
+      <p:bgPr>
+        <a:solidFill>
+          <a:schemeClr val="bg1"/>
+        </a:solidFill>
+        <a:effectLst/>
+      </p:bgPr>
+    </p:bg>
+    <p:spTree>
+      <p:nvGrpSpPr>
+        <p:cNvPr id="1" name=""/>
+        <p:cNvGrpSpPr/>
+        <p:nvPr/>
+      </p:nvGrpSpPr>
+      <p:grpSpPr>
+        <a:xfrm>
+          <a:off x="0" y="0"/>
+          <a:ext cx="0" cy="0"/>
+          <a:chOff x="0" y="0"/>
+          <a:chExt cx="0" cy="0"/>
+        </a:xfrm>
+      </p:grpSpPr>
+      <p:sp>
+        <p:nvSpPr>
+          <p:cNvPr id="3081" name="Rectangle 3080">
+            <a:extLst>
+              <a:ext uri="{FF2B5EF4-FFF2-40B4-BE49-F238E27FC236}">
+                <a16:creationId xmlns:a16="http://schemas.microsoft.com/office/drawing/2014/main" id="{81AEB8A9-B768-4E30-BA55-D919E6687343}"/>
+              </a:ext>
+              <a:ext uri="{C183D7F6-B498-43B3-948B-1728B52AA6E4}">
+                <adec:decorative xmlns:adec="http://schemas.microsoft.com/office/drawing/2017/decorative" val="1"/>
+              </a:ext>
+            </a:extLst>
+          </p:cNvPr>
+          <p:cNvSpPr>
+            <a:spLocks noGrp="1" noRot="1" noChangeAspect="1" noMove="1" noResize="1" noEditPoints="1" noAdjustHandles="1" noChangeArrowheads="1" noChangeShapeType="1" noTextEdit="1"/>
+          </p:cNvSpPr>
+          <p:nvPr>
+            <p:extLst>
+              <p:ext uri="{386F3935-93C4-4BCD-93E2-E3B085C9AB24}">
+                <p16:designElem xmlns:p16="http://schemas.microsoft.com/office/powerpoint/2015/main" val="1"/>
+              </p:ext>
+            </p:extLst>
+          </p:nvPr>
+        </p:nvSpPr>
+        <p:spPr>
+          <a:xfrm>
+            <a:off x="-7500" y="-2"/>
+            <a:ext cx="3052451" cy="6858002"/>
+          </a:xfrm>
+          <a:prstGeom prst="rect">
+            <a:avLst/>
+          </a:prstGeom>
+          <a:solidFill>
+            <a:schemeClr val="accent1"/>
+          </a:solidFill>
+          <a:ln>
+            <a:noFill/>
+          </a:ln>
+        </p:spPr>
+        <p:style>
+          <a:lnRef idx="2">
+            <a:schemeClr val="accent1">
+              <a:shade val="50000"/>
+            </a:schemeClr>
+          </a:lnRef>
+          <a:fillRef idx="1">
+            <a:schemeClr val="accent1"/>
+          </a:fillRef>
+          <a:effectRef idx="0">
+            <a:schemeClr val="accent1"/>
+          </a:effectRef>
+          <a:fontRef idx="minor">
+            <a:schemeClr val="lt1"/>
+          </a:fontRef>
+        </p:style>
+        <p:txBody>
+          <a:bodyPr rtlCol="0" anchor="ctr"/>
+          <a:lstStyle/>
+          <a:p>
+            <a:pPr marL="0" marR="0" lvl="0" indent="0" algn="ctr" defTabSz="914400" rtl="0" eaLnBrk="1" fontAlgn="auto" latinLnBrk="0" hangingPunct="1">
+              <a:lnSpc>
+                <a:spcPct val="100000"/>
+              </a:lnSpc>
+              <a:spcBef>
+                <a:spcPts val="0"/>
+              </a:spcBef>
+              <a:spcAft>
+                <a:spcPts val="0"/>
+              </a:spcAft>
+              <a:buClrTx/>
+              <a:buSzTx/>
+              <a:buFontTx/>
+              <a:buNone/>
+              <a:tabLst/>
+              <a:defRPr/>
+            </a:pPr>
+            <a:endParaRPr kumimoji="0" lang="en-US" sz="1800" b="0" i="0" u="none" strike="noStrike" kern="1200" cap="none" spc="0" normalizeH="0" baseline="0" noProof="0">
+              <a:ln>
+                <a:noFill/>
+              </a:ln>
+              <a:solidFill>
+                <a:prstClr val="white"/>
+              </a:solidFill>
+              <a:effectLst/>
+              <a:uLnTx/>
+              <a:uFillTx/>
+              <a:latin typeface="Calibri" panose="020F0502020204030204"/>
+              <a:ea typeface="+mn-ea"/>
+              <a:cs typeface="+mn-cs"/>
+            </a:endParaRPr>
+          </a:p>
+        </p:txBody>
+      </p:sp>
+      <p:sp>
+        <p:nvSpPr>
+          <p:cNvPr id="3074" name="Title 1">
+            <a:extLst>
+              <a:ext uri="{FF2B5EF4-FFF2-40B4-BE49-F238E27FC236}">
+                <a16:creationId xmlns:a16="http://schemas.microsoft.com/office/drawing/2014/main" id="{DB405E41-8DBE-0A2D-7587-F65A429379FA}"/>
+              </a:ext>
+            </a:extLst>
+          </p:cNvPr>
+          <p:cNvSpPr>
+            <a:spLocks noGrp="1"/>
+          </p:cNvSpPr>
+          <p:nvPr>
+            <p:ph type="title"/>
+          </p:nvPr>
+        </p:nvSpPr>
+        <p:spPr>
+          <a:xfrm>
+            <a:off x="482600" y="640080"/>
+            <a:ext cx="2322320" cy="5613236"/>
+          </a:xfrm>
+        </p:spPr>
+        <p:txBody>
+          <a:bodyPr anchor="ctr">
+            <a:normAutofit/>
+          </a:bodyPr>
+          <a:lstStyle/>
+          <a:p>
+            <a:pPr eaLnBrk="1" hangingPunct="1"/>
+            <a:r>
+              <a:rPr lang="en-GB" altLang="en-US" b="1">
+                <a:solidFill>
+                  <a:srgbClr val="FFFFFF"/>
+                </a:solidFill>
+              </a:rPr>
+              <a:t>Intent of our report</a:t>
+            </a:r>
+          </a:p>
+        </p:txBody>
+      </p:sp>
+      <p:sp>
+        <p:nvSpPr>
+          <p:cNvPr id="3075" name="Content Placeholder 2">
+            <a:extLst>
+              <a:ext uri="{FF2B5EF4-FFF2-40B4-BE49-F238E27FC236}">
+                <a16:creationId xmlns:a16="http://schemas.microsoft.com/office/drawing/2014/main" id="{288F9F58-AD57-A1AA-493E-A317F4F81FD9}"/>
+              </a:ext>
+            </a:extLst>
+          </p:cNvPr>
+          <p:cNvSpPr>
+            <a:spLocks noGrp="1"/>
+          </p:cNvSpPr>
+          <p:nvPr>
+            <p:ph idx="1"/>
+          </p:nvPr>
+        </p:nvSpPr>
+        <p:spPr>
+          <a:xfrm>
+            <a:off x="3535051" y="84533"/>
+            <a:ext cx="5136536" cy="5453216"/>
+          </a:xfrm>
+        </p:spPr>
+        <p:txBody>
+          <a:bodyPr anchor="ctr">
+            <a:normAutofit/>
+          </a:bodyPr>
+          <a:lstStyle/>
+          <a:p>
+            <a:pPr eaLnBrk="1" hangingPunct="1"/>
+            <a:r>
+              <a:rPr lang="en-US" altLang="en-US" sz="1700" b="1" dirty="0">
+                <a:latin typeface="+mj-lt"/>
+              </a:rPr>
+              <a:t>Impact of Covid on secondary care over time and by health board</a:t>
+            </a:r>
+          </a:p>
+          <a:p>
+            <a:pPr eaLnBrk="1" hangingPunct="1"/>
+            <a:r>
+              <a:rPr lang="en-US" altLang="en-US" sz="1700" b="1" dirty="0">
+                <a:latin typeface="+mj-lt"/>
+              </a:rPr>
+              <a:t>Impact of Covid on demographics </a:t>
+            </a:r>
+          </a:p>
+          <a:p>
+            <a:pPr eaLnBrk="1" hangingPunct="1"/>
+            <a:r>
+              <a:rPr lang="en-US" altLang="en-US" sz="1700" b="1" dirty="0">
+                <a:latin typeface="+mj-lt"/>
+              </a:rPr>
+              <a:t>Geographic variation </a:t>
+            </a:r>
+          </a:p>
+          <a:p>
+            <a:pPr eaLnBrk="1" hangingPunct="1"/>
+            <a:r>
+              <a:rPr lang="en-US" altLang="en-US" sz="1700" b="1" dirty="0">
+                <a:latin typeface="+mj-lt"/>
+              </a:rPr>
+              <a:t>Representation in Shiny dashboard</a:t>
+            </a:r>
+            <a:endParaRPr lang="en-GB" altLang="en-US" sz="1700" dirty="0">
+              <a:latin typeface="+mj-lt"/>
+            </a:endParaRPr>
+          </a:p>
+        </p:txBody>
+      </p:sp>
+      <p:pic>
+        <p:nvPicPr>
+          <p:cNvPr id="3076" name="Picture 6" descr="Whoosh">
+            <a:extLst>
+              <a:ext uri="{FF2B5EF4-FFF2-40B4-BE49-F238E27FC236}">
+                <a16:creationId xmlns:a16="http://schemas.microsoft.com/office/drawing/2014/main" id="{56805B9A-C037-1FDA-CBFE-4C740F4A375D}"/>
+              </a:ext>
+            </a:extLst>
+          </p:cNvPr>
+          <p:cNvPicPr>
+            <a:picLocks noChangeAspect="1" noChangeArrowheads="1"/>
+          </p:cNvPicPr>
+          <p:nvPr/>
+        </p:nvPicPr>
+        <p:blipFill>
+          <a:blip r:embed="rId2">
+            <a:extLst>
+              <a:ext uri="{28A0092B-C50C-407E-A947-70E740481C1C}">
+                <a14:useLocalDpi xmlns:a14="http://schemas.microsoft.com/office/drawing/2010/main" val="0"/>
+              </a:ext>
+            </a:extLst>
+          </a:blip>
+          <a:stretch>
+            <a:fillRect/>
+          </a:stretch>
+        </p:blipFill>
+        <p:spPr bwMode="auto">
+          <a:xfrm>
+            <a:off x="3490722" y="3850630"/>
+            <a:ext cx="5170677" cy="1680471"/>
+          </a:xfrm>
+          <a:prstGeom prst="rect">
+            <a:avLst/>
+          </a:prstGeom>
+          <a:noFill/>
+          <a:extLst>
+            <a:ext uri="{909E8E84-426E-40DD-AFC4-6F175D3DCCD1}">
+              <a14:hiddenFill xmlns:a14="http://schemas.microsoft.com/office/drawing/2010/main">
+                <a:solidFill>
+                  <a:srgbClr val="FFFFFF"/>
+                </a:solidFill>
+              </a14:hiddenFill>
+            </a:ext>
+            <a:ext uri="{91240B29-F687-4F45-9708-019B960494DF}">
+              <a14:hiddenLine xmlns:a14="http://schemas.microsoft.com/office/drawing/2010/main" w="9525">
+                <a:solidFill>
+                  <a:srgbClr val="000000"/>
+                </a:solidFill>
+                <a:miter lim="800000"/>
+                <a:headEnd/>
+                <a:tailEnd/>
+              </a14:hiddenLine>
+            </a:ext>
+          </a:extLst>
+        </p:spPr>
+      </p:pic>
+    </p:spTree>
+  </p:cSld>
+  <p:clrMapOvr>
+    <a:masterClrMapping/>
+  </p:clrMapOvr>
+</p:sld>
+</file>
+
+<file path=ppt/slides/slide4.xml><?xml version="1.0" encoding="utf-8"?>
+<p:sld xmlns:a="http://schemas.openxmlformats.org/drawingml/2006/main" xmlns:r="http://schemas.openxmlformats.org/officeDocument/2006/relationships" xmlns:p="http://schemas.openxmlformats.org/presentationml/2006/main">
+  <p:cSld>
+    <p:bg>
+      <p:bgPr>
+        <a:solidFill>
+          <a:schemeClr val="bg1"/>
+        </a:solidFill>
+        <a:effectLst/>
+      </p:bgPr>
+    </p:bg>
+    <p:spTree>
+      <p:nvGrpSpPr>
+        <p:cNvPr id="1" name=""/>
+        <p:cNvGrpSpPr/>
+        <p:nvPr/>
+      </p:nvGrpSpPr>
+      <p:grpSpPr>
+        <a:xfrm>
+          <a:off x="0" y="0"/>
+          <a:ext cx="0" cy="0"/>
+          <a:chOff x="0" y="0"/>
+          <a:chExt cx="0" cy="0"/>
+        </a:xfrm>
+      </p:grpSpPr>
+      <p:sp>
+        <p:nvSpPr>
+          <p:cNvPr id="4104" name="Rectangle 4103">
+            <a:extLst>
+              <a:ext uri="{FF2B5EF4-FFF2-40B4-BE49-F238E27FC236}">
+                <a16:creationId xmlns:a16="http://schemas.microsoft.com/office/drawing/2014/main" id="{81AEB8A9-B768-4E30-BA55-D919E6687343}"/>
+              </a:ext>
+              <a:ext uri="{C183D7F6-B498-43B3-948B-1728B52AA6E4}">
+                <adec:decorative xmlns:adec="http://schemas.microsoft.com/office/drawing/2017/decorative" val="1"/>
+              </a:ext>
+            </a:extLst>
+          </p:cNvPr>
+          <p:cNvSpPr>
+            <a:spLocks noGrp="1" noRot="1" noChangeAspect="1" noMove="1" noResize="1" noEditPoints="1" noAdjustHandles="1" noChangeArrowheads="1" noChangeShapeType="1" noTextEdit="1"/>
+          </p:cNvSpPr>
+          <p:nvPr>
+            <p:extLst>
+              <p:ext uri="{386F3935-93C4-4BCD-93E2-E3B085C9AB24}">
+                <p16:designElem xmlns:p16="http://schemas.microsoft.com/office/powerpoint/2015/main" val="1"/>
+              </p:ext>
+            </p:extLst>
+          </p:nvPr>
+        </p:nvSpPr>
+        <p:spPr>
+          <a:xfrm>
+            <a:off x="-7500" y="-2"/>
+            <a:ext cx="3052451" cy="6858002"/>
+          </a:xfrm>
+          <a:prstGeom prst="rect">
+            <a:avLst/>
+          </a:prstGeom>
+          <a:solidFill>
+            <a:schemeClr val="accent1"/>
+          </a:solidFill>
+          <a:ln>
+            <a:noFill/>
+          </a:ln>
+        </p:spPr>
+        <p:style>
+          <a:lnRef idx="2">
+            <a:schemeClr val="accent1">
+              <a:shade val="50000"/>
+            </a:schemeClr>
+          </a:lnRef>
+          <a:fillRef idx="1">
+            <a:schemeClr val="accent1"/>
+          </a:fillRef>
+          <a:effectRef idx="0">
+            <a:schemeClr val="accent1"/>
+          </a:effectRef>
+          <a:fontRef idx="minor">
+            <a:schemeClr val="lt1"/>
+          </a:fontRef>
+        </p:style>
+        <p:txBody>
+          <a:bodyPr rtlCol="0" anchor="ctr"/>
+          <a:lstStyle/>
+          <a:p>
+            <a:pPr marL="0" marR="0" lvl="0" indent="0" algn="ctr" defTabSz="914400" rtl="0" eaLnBrk="1" fontAlgn="auto" latinLnBrk="0" hangingPunct="1">
+              <a:lnSpc>
+                <a:spcPct val="100000"/>
+              </a:lnSpc>
+              <a:spcBef>
+                <a:spcPts val="0"/>
+              </a:spcBef>
+              <a:spcAft>
+                <a:spcPts val="0"/>
+              </a:spcAft>
+              <a:buClrTx/>
+              <a:buSzTx/>
+              <a:buFontTx/>
+              <a:buNone/>
+              <a:tabLst/>
+              <a:defRPr/>
+            </a:pPr>
+            <a:endParaRPr kumimoji="0" lang="en-US" sz="1800" b="0" i="0" u="none" strike="noStrike" kern="1200" cap="none" spc="0" normalizeH="0" baseline="0" noProof="0">
+              <a:ln>
+                <a:noFill/>
+              </a:ln>
+              <a:solidFill>
+                <a:prstClr val="white"/>
+              </a:solidFill>
+              <a:effectLst/>
+              <a:uLnTx/>
+              <a:uFillTx/>
+              <a:latin typeface="Calibri" panose="020F0502020204030204"/>
+              <a:ea typeface="+mn-ea"/>
+              <a:cs typeface="+mn-cs"/>
+            </a:endParaRPr>
+          </a:p>
+        </p:txBody>
+      </p:sp>
+      <p:sp>
+        <p:nvSpPr>
+          <p:cNvPr id="4099" name="Title 1">
+            <a:extLst>
+              <a:ext uri="{FF2B5EF4-FFF2-40B4-BE49-F238E27FC236}">
+                <a16:creationId xmlns:a16="http://schemas.microsoft.com/office/drawing/2014/main" id="{01A5C118-013F-ECEC-FD4C-7E307BA2B6B5}"/>
+              </a:ext>
+            </a:extLst>
+          </p:cNvPr>
+          <p:cNvSpPr>
+            <a:spLocks noGrp="1"/>
+          </p:cNvSpPr>
+          <p:nvPr>
+            <p:ph type="title"/>
+          </p:nvPr>
+        </p:nvSpPr>
+        <p:spPr>
+          <a:xfrm>
+            <a:off x="482600" y="640080"/>
+            <a:ext cx="2322320" cy="5613236"/>
+          </a:xfrm>
+        </p:spPr>
+        <p:txBody>
+          <a:bodyPr anchor="ctr">
+            <a:normAutofit/>
+          </a:bodyPr>
+          <a:lstStyle/>
+          <a:p>
+            <a:pPr eaLnBrk="1" hangingPunct="1"/>
+            <a:r>
+              <a:rPr lang="en-GB" altLang="en-US" b="1">
+                <a:solidFill>
+                  <a:srgbClr val="FFFFFF"/>
+                </a:solidFill>
+              </a:rPr>
+              <a:t>KPIs</a:t>
+            </a:r>
+          </a:p>
+        </p:txBody>
+      </p:sp>
+      <p:sp>
+        <p:nvSpPr>
+          <p:cNvPr id="2" name="Content Placeholder 1">
+            <a:extLst>
+              <a:ext uri="{FF2B5EF4-FFF2-40B4-BE49-F238E27FC236}">
+                <a16:creationId xmlns:a16="http://schemas.microsoft.com/office/drawing/2014/main" id="{1A506ABA-6A4C-5E36-2645-62FEB4524825}"/>
+              </a:ext>
+            </a:extLst>
+          </p:cNvPr>
+          <p:cNvSpPr>
+            <a:spLocks noGrp="1"/>
+          </p:cNvSpPr>
+          <p:nvPr>
+            <p:ph idx="1"/>
+          </p:nvPr>
+        </p:nvSpPr>
+        <p:spPr>
+          <a:xfrm>
+            <a:off x="3524863" y="640082"/>
+            <a:ext cx="5136536" cy="3292974"/>
+          </a:xfrm>
+        </p:spPr>
+        <p:txBody>
+          <a:bodyPr anchor="ctr">
+            <a:normAutofit/>
+          </a:bodyPr>
+          <a:lstStyle/>
+          <a:p>
+            <a:r>
+              <a:rPr lang="en-US" b="1" dirty="0">
+                <a:latin typeface="+mj-lt"/>
+              </a:rPr>
+              <a:t>Number of admissions</a:t>
+            </a:r>
+          </a:p>
+          <a:p>
+            <a:r>
+              <a:rPr lang="en-US" b="1" dirty="0">
+                <a:latin typeface="+mj-lt"/>
+              </a:rPr>
+              <a:t>Bed occupancy</a:t>
+            </a:r>
+          </a:p>
+          <a:p>
+            <a:r>
+              <a:rPr lang="en-US" b="1" dirty="0">
+                <a:latin typeface="+mj-lt"/>
+              </a:rPr>
+              <a:t>Length of stay/episode</a:t>
+            </a:r>
+          </a:p>
+        </p:txBody>
+      </p:sp>
+      <p:pic>
+        <p:nvPicPr>
+          <p:cNvPr id="4098" name="Picture 6" descr="Whoosh">
+            <a:extLst>
+              <a:ext uri="{FF2B5EF4-FFF2-40B4-BE49-F238E27FC236}">
+                <a16:creationId xmlns:a16="http://schemas.microsoft.com/office/drawing/2014/main" id="{45B9997A-9E85-2538-111D-C9B73F0D9A31}"/>
+              </a:ext>
+            </a:extLst>
+          </p:cNvPr>
+          <p:cNvPicPr>
+            <a:picLocks noChangeAspect="1" noChangeArrowheads="1"/>
+          </p:cNvPicPr>
+          <p:nvPr/>
+        </p:nvPicPr>
+        <p:blipFill>
+          <a:blip r:embed="rId2">
+            <a:extLst>
+              <a:ext uri="{28A0092B-C50C-407E-A947-70E740481C1C}">
+                <a14:useLocalDpi xmlns:a14="http://schemas.microsoft.com/office/drawing/2010/main" val="0"/>
+              </a:ext>
+            </a:extLst>
+          </a:blip>
+          <a:stretch>
+            <a:fillRect/>
+          </a:stretch>
+        </p:blipFill>
+        <p:spPr bwMode="auto">
+          <a:xfrm>
+            <a:off x="3490722" y="3850630"/>
+            <a:ext cx="5170677" cy="1680471"/>
+          </a:xfrm>
+          <a:prstGeom prst="rect">
+            <a:avLst/>
+          </a:prstGeom>
+          <a:noFill/>
+          <a:extLst>
+            <a:ext uri="{909E8E84-426E-40DD-AFC4-6F175D3DCCD1}">
+              <a14:hiddenFill xmlns:a14="http://schemas.microsoft.com/office/drawing/2010/main">
+                <a:solidFill>
+                  <a:srgbClr val="FFFFFF"/>
+                </a:solidFill>
+              </a14:hiddenFill>
+            </a:ext>
+            <a:ext uri="{91240B29-F687-4F45-9708-019B960494DF}">
+              <a14:hiddenLine xmlns:a14="http://schemas.microsoft.com/office/drawing/2010/main" w="9525">
+                <a:solidFill>
+                  <a:srgbClr val="000000"/>
+                </a:solidFill>
+                <a:miter lim="800000"/>
+                <a:headEnd/>
+                <a:tailEnd/>
+              </a14:hiddenLine>
+            </a:ext>
+          </a:extLst>
+        </p:spPr>
+      </p:pic>
+    </p:spTree>
+  </p:cSld>
+  <p:clrMapOvr>
+    <a:masterClrMapping/>
+  </p:clrMapOvr>
+</p:sld>
+</file>
+
+<file path=ppt/slides/slide5.xml><?xml version="1.0" encoding="utf-8"?>
+<p:sld xmlns:a="http://schemas.openxmlformats.org/drawingml/2006/main" xmlns:r="http://schemas.openxmlformats.org/officeDocument/2006/relationships" xmlns:p="http://schemas.openxmlformats.org/presentationml/2006/main">
+  <p:cSld>
+    <p:bg>
+      <p:bgPr>
+        <a:solidFill>
+          <a:schemeClr val="bg1"/>
+        </a:solidFill>
+        <a:effectLst/>
+      </p:bgPr>
+    </p:bg>
+    <p:spTree>
+      <p:nvGrpSpPr>
+        <p:cNvPr id="1" name=""/>
+        <p:cNvGrpSpPr/>
+        <p:nvPr/>
+      </p:nvGrpSpPr>
+      <p:grpSpPr>
+        <a:xfrm>
+          <a:off x="0" y="0"/>
+          <a:ext cx="0" cy="0"/>
+          <a:chOff x="0" y="0"/>
+          <a:chExt cx="0" cy="0"/>
+        </a:xfrm>
+      </p:grpSpPr>
+      <p:sp>
+        <p:nvSpPr>
+          <p:cNvPr id="9255" name="Rectangle 9254">
+            <a:extLst>
+              <a:ext uri="{FF2B5EF4-FFF2-40B4-BE49-F238E27FC236}">
+                <a16:creationId xmlns:a16="http://schemas.microsoft.com/office/drawing/2014/main" id="{9CDF6DAD-6680-48EA-B64B-A5F5A4E46367}"/>
+              </a:ext>
+              <a:ext uri="{C183D7F6-B498-43B3-948B-1728B52AA6E4}">
+                <adec:decorative xmlns:adec="http://schemas.microsoft.com/office/drawing/2017/decorative" val="1"/>
+              </a:ext>
+            </a:extLst>
+          </p:cNvPr>
+          <p:cNvSpPr>
+            <a:spLocks noGrp="1" noRot="1" noChangeAspect="1" noMove="1" noResize="1" noEditPoints="1" noAdjustHandles="1" noChangeArrowheads="1" noChangeShapeType="1" noTextEdit="1"/>
+          </p:cNvSpPr>
+          <p:nvPr>
+            <p:extLst>
+              <p:ext uri="{386F3935-93C4-4BCD-93E2-E3B085C9AB24}">
+                <p16:designElem xmlns:p16="http://schemas.microsoft.com/office/powerpoint/2015/main" val="1"/>
+              </p:ext>
+            </p:extLst>
+          </p:nvPr>
+        </p:nvSpPr>
+        <p:spPr>
+          <a:xfrm>
+            <a:off x="448345" y="364885"/>
+            <a:ext cx="4519422" cy="5792929"/>
+          </a:xfrm>
+          <a:prstGeom prst="rect">
+            <a:avLst/>
+          </a:prstGeom>
+          <a:solidFill>
+            <a:schemeClr val="tx1">
+              <a:lumMod val="75000"/>
+              <a:lumOff val="25000"/>
+            </a:schemeClr>
+          </a:solidFill>
+          <a:ln>
+            <a:noFill/>
+          </a:ln>
+        </p:spPr>
+        <p:style>
+          <a:lnRef idx="2">
+            <a:schemeClr val="accent1">
+              <a:shade val="50000"/>
+            </a:schemeClr>
+          </a:lnRef>
+          <a:fillRef idx="1">
+            <a:schemeClr val="accent1"/>
+          </a:fillRef>
+          <a:effectRef idx="0">
+            <a:schemeClr val="accent1"/>
+          </a:effectRef>
+          <a:fontRef idx="minor">
+            <a:schemeClr val="lt1"/>
+          </a:fontRef>
+        </p:style>
+        <p:txBody>
+          <a:bodyPr rtlCol="0" anchor="ctr"/>
+          <a:lstStyle/>
+          <a:p>
+            <a:pPr algn="ctr"/>
+            <a:endParaRPr lang="en-US"/>
+          </a:p>
+        </p:txBody>
+      </p:sp>
+      <p:sp>
+        <p:nvSpPr>
+          <p:cNvPr id="9219" name="Title 1">
+            <a:extLst>
+              <a:ext uri="{FF2B5EF4-FFF2-40B4-BE49-F238E27FC236}">
+                <a16:creationId xmlns:a16="http://schemas.microsoft.com/office/drawing/2014/main" id="{8336E828-1FDF-9B6B-F389-25BF813AF650}"/>
+              </a:ext>
+            </a:extLst>
+          </p:cNvPr>
+          <p:cNvSpPr>
+            <a:spLocks noGrp="1"/>
+          </p:cNvSpPr>
+          <p:nvPr>
+            <p:ph type="title"/>
+          </p:nvPr>
+        </p:nvSpPr>
+        <p:spPr>
+          <a:xfrm>
+            <a:off x="713232" y="700186"/>
+            <a:ext cx="4030870" cy="1188720"/>
+          </a:xfrm>
+        </p:spPr>
+        <p:txBody>
+          <a:bodyPr vert="horz" lIns="91440" tIns="45720" rIns="91440" bIns="45720" rtlCol="0" anchor="ctr">
+            <a:normAutofit/>
+          </a:bodyPr>
+          <a:lstStyle/>
+          <a:p>
+            <a:pPr algn="l" eaLnBrk="1" hangingPunct="1">
+              <a:lnSpc>
+                <a:spcPct val="90000"/>
+              </a:lnSpc>
+            </a:pPr>
+            <a:r>
+              <a:rPr lang="en-US" altLang="en-US" b="1" kern="1200">
+                <a:solidFill>
+                  <a:schemeClr val="bg1"/>
+                </a:solidFill>
+              </a:rPr>
+              <a:t>Insights</a:t>
+            </a:r>
+          </a:p>
+        </p:txBody>
+      </p:sp>
+      <p:sp>
+        <p:nvSpPr>
+          <p:cNvPr id="2" name="TextBox 1">
+            <a:extLst>
+              <a:ext uri="{FF2B5EF4-FFF2-40B4-BE49-F238E27FC236}">
+                <a16:creationId xmlns:a16="http://schemas.microsoft.com/office/drawing/2014/main" id="{572985CD-1334-AB10-93B3-9E40E90C50A5}"/>
+              </a:ext>
+            </a:extLst>
+          </p:cNvPr>
+          <p:cNvSpPr txBox="1"/>
+          <p:nvPr/>
+        </p:nvSpPr>
+        <p:spPr>
+          <a:xfrm>
+            <a:off x="713232" y="2066544"/>
+            <a:ext cx="4030870" cy="3788346"/>
+          </a:xfrm>
+          <a:prstGeom prst="rect">
+            <a:avLst/>
+          </a:prstGeom>
+        </p:spPr>
+        <p:txBody>
+          <a:bodyPr vert="horz" lIns="91440" tIns="45720" rIns="91440" bIns="45720" rtlCol="0">
+            <a:normAutofit/>
+          </a:bodyPr>
+          <a:lstStyle/>
+          <a:p>
+            <a:pPr marL="342900" indent="-228600" eaLnBrk="1" hangingPunct="1">
+              <a:lnSpc>
+                <a:spcPct val="90000"/>
+              </a:lnSpc>
+              <a:spcAft>
+                <a:spcPts val="600"/>
+              </a:spcAft>
+              <a:buFont typeface="Arial" panose="020B0604020202020204" pitchFamily="34" charset="0"/>
+              <a:buChar char="•"/>
+            </a:pPr>
+            <a:r>
+              <a:rPr lang="en-US" sz="1900">
+                <a:solidFill>
+                  <a:schemeClr val="bg1"/>
+                </a:solidFill>
+                <a:latin typeface="+mn-lt"/>
+                <a:ea typeface="+mn-ea"/>
+              </a:rPr>
+              <a:t>Overall drop in hospital admission numbers </a:t>
+            </a:r>
+          </a:p>
+        </p:txBody>
+      </p:sp>
+      <p:pic>
+        <p:nvPicPr>
+          <p:cNvPr id="4" name="Picture 3" descr="Chart, line chart&#10;&#10;Description automatically generated">
+            <a:extLst>
+              <a:ext uri="{FF2B5EF4-FFF2-40B4-BE49-F238E27FC236}">
+                <a16:creationId xmlns:a16="http://schemas.microsoft.com/office/drawing/2014/main" id="{FFB61ECD-EE4C-10AD-7BEF-A6E62FC1D23E}"/>
+              </a:ext>
+            </a:extLst>
+          </p:cNvPr>
+          <p:cNvPicPr>
+            <a:picLocks noChangeAspect="1"/>
+          </p:cNvPicPr>
+          <p:nvPr/>
+        </p:nvPicPr>
+        <p:blipFill>
+          <a:blip r:embed="rId2">
+            <a:extLst>
+              <a:ext uri="{28A0092B-C50C-407E-A947-70E740481C1C}">
+                <a14:useLocalDpi xmlns:a14="http://schemas.microsoft.com/office/drawing/2010/main" val="0"/>
+              </a:ext>
+            </a:extLst>
+          </a:blip>
+          <a:stretch>
+            <a:fillRect/>
+          </a:stretch>
+        </p:blipFill>
+        <p:spPr>
+          <a:xfrm>
+            <a:off x="827584" y="3400206"/>
+            <a:ext cx="3497580" cy="1871205"/>
+          </a:xfrm>
+          <a:prstGeom prst="rect">
+            <a:avLst/>
+          </a:prstGeom>
+        </p:spPr>
+      </p:pic>
+      <p:pic>
+        <p:nvPicPr>
+          <p:cNvPr id="9218" name="Picture 6" descr="Whoosh">
+            <a:extLst>
+              <a:ext uri="{FF2B5EF4-FFF2-40B4-BE49-F238E27FC236}">
+                <a16:creationId xmlns:a16="http://schemas.microsoft.com/office/drawing/2014/main" id="{7A87F496-BABA-D228-85B7-FBAEB35B8A49}"/>
+              </a:ext>
+            </a:extLst>
+          </p:cNvPr>
+          <p:cNvPicPr>
+            <a:picLocks noChangeAspect="1" noChangeArrowheads="1"/>
+          </p:cNvPicPr>
+          <p:nvPr/>
+        </p:nvPicPr>
+        <p:blipFill>
+          <a:blip r:embed="rId3">
+            <a:extLst>
+              <a:ext uri="{28A0092B-C50C-407E-A947-70E740481C1C}">
+                <a14:useLocalDpi xmlns:a14="http://schemas.microsoft.com/office/drawing/2010/main" val="0"/>
+              </a:ext>
+            </a:extLst>
+          </a:blip>
+          <a:stretch>
+            <a:fillRect/>
+          </a:stretch>
+        </p:blipFill>
+        <p:spPr bwMode="auto">
+          <a:xfrm>
+            <a:off x="5198074" y="4194997"/>
+            <a:ext cx="3497580" cy="1136714"/>
+          </a:xfrm>
+          <a:prstGeom prst="rect">
+            <a:avLst/>
+          </a:prstGeom>
+          <a:noFill/>
+          <a:extLst>
+            <a:ext uri="{909E8E84-426E-40DD-AFC4-6F175D3DCCD1}">
+              <a14:hiddenFill xmlns:a14="http://schemas.microsoft.com/office/drawing/2010/main">
+                <a:solidFill>
+                  <a:srgbClr val="FFFFFF"/>
+                </a:solidFill>
+              </a14:hiddenFill>
+            </a:ext>
+            <a:ext uri="{91240B29-F687-4F45-9708-019B960494DF}">
+              <a14:hiddenLine xmlns:a14="http://schemas.microsoft.com/office/drawing/2010/main" w="9525">
+                <a:solidFill>
+                  <a:srgbClr val="000000"/>
+                </a:solidFill>
+                <a:miter lim="800000"/>
+                <a:headEnd/>
+                <a:tailEnd/>
+              </a14:hiddenLine>
+            </a:ext>
+          </a:extLst>
+        </p:spPr>
+      </p:pic>
+    </p:spTree>
+  </p:cSld>
+  <p:clrMapOvr>
+    <a:masterClrMapping/>
+  </p:clrMapOvr>
+</p:sld>
+</file>
+
+<file path=ppt/slides/slide6.xml><?xml version="1.0" encoding="utf-8"?>
+<p:sld xmlns:a="http://schemas.openxmlformats.org/drawingml/2006/main" xmlns:r="http://schemas.openxmlformats.org/officeDocument/2006/relationships" xmlns:p="http://schemas.openxmlformats.org/presentationml/2006/main">
+  <p:cSld>
+    <p:spTree>
+      <p:nvGrpSpPr>
+        <p:cNvPr id="1" name=""/>
+        <p:cNvGrpSpPr/>
+        <p:nvPr/>
+      </p:nvGrpSpPr>
+      <p:grpSpPr>
+        <a:xfrm>
+          <a:off x="0" y="0"/>
+          <a:ext cx="0" cy="0"/>
+          <a:chOff x="0" y="0"/>
+          <a:chExt cx="0" cy="0"/>
+        </a:xfrm>
+      </p:grpSpPr>
+      <p:sp>
+        <p:nvSpPr>
+          <p:cNvPr id="4" name="Rectangle 3">
+            <a:extLst>
+              <a:ext uri="{FF2B5EF4-FFF2-40B4-BE49-F238E27FC236}">
+                <a16:creationId xmlns:a16="http://schemas.microsoft.com/office/drawing/2014/main" id="{EDFD9D48-5A0C-E6D5-1762-F08435B23835}"/>
+              </a:ext>
+              <a:ext uri="{C183D7F6-B498-43B3-948B-1728B52AA6E4}">
+                <adec:decorative xmlns:adec="http://schemas.microsoft.com/office/drawing/2017/decorative" val="1"/>
+              </a:ext>
+            </a:extLst>
+          </p:cNvPr>
+          <p:cNvSpPr>
+            <a:spLocks noGrp="1" noRot="1" noChangeAspect="1" noMove="1" noResize="1" noEditPoints="1" noAdjustHandles="1" noChangeArrowheads="1" noChangeShapeType="1" noTextEdit="1"/>
+          </p:cNvSpPr>
+          <p:nvPr>
+            <p:extLst>
+              <p:ext uri="{386F3935-93C4-4BCD-93E2-E3B085C9AB24}">
+                <p16:designElem xmlns:p16="http://schemas.microsoft.com/office/powerpoint/2015/main" val="1"/>
+              </p:ext>
+            </p:extLst>
+          </p:nvPr>
+        </p:nvSpPr>
+        <p:spPr>
+          <a:xfrm>
+            <a:off x="448345" y="364885"/>
+            <a:ext cx="4519422" cy="5792929"/>
+          </a:xfrm>
+          <a:prstGeom prst="rect">
+            <a:avLst/>
+          </a:prstGeom>
+          <a:solidFill>
+            <a:schemeClr val="tx1">
+              <a:lumMod val="75000"/>
+              <a:lumOff val="25000"/>
+            </a:schemeClr>
+          </a:solidFill>
+          <a:ln>
+            <a:noFill/>
+          </a:ln>
+        </p:spPr>
+        <p:style>
+          <a:lnRef idx="2">
+            <a:schemeClr val="accent1">
+              <a:shade val="50000"/>
+            </a:schemeClr>
+          </a:lnRef>
+          <a:fillRef idx="1">
+            <a:schemeClr val="accent1"/>
+          </a:fillRef>
+          <a:effectRef idx="0">
+            <a:schemeClr val="accent1"/>
+          </a:effectRef>
+          <a:fontRef idx="minor">
+            <a:schemeClr val="lt1"/>
+          </a:fontRef>
+        </p:style>
+        <p:txBody>
+          <a:bodyPr rtlCol="0" anchor="ctr"/>
+          <a:lstStyle/>
+          <a:p>
+            <a:pPr algn="ctr"/>
+            <a:endParaRPr lang="en-US"/>
+          </a:p>
+        </p:txBody>
+      </p:sp>
+      <p:sp>
+        <p:nvSpPr>
+          <p:cNvPr id="5" name="Title 1">
+            <a:extLst>
+              <a:ext uri="{FF2B5EF4-FFF2-40B4-BE49-F238E27FC236}">
+                <a16:creationId xmlns:a16="http://schemas.microsoft.com/office/drawing/2014/main" id="{3CEEE754-A3DE-0759-BC2D-8E8FAA2FA2AF}"/>
+              </a:ext>
+            </a:extLst>
+          </p:cNvPr>
+          <p:cNvSpPr txBox="1">
+            <a:spLocks/>
+          </p:cNvSpPr>
+          <p:nvPr/>
+        </p:nvSpPr>
+        <p:spPr bwMode="auto">
+          <a:xfrm>
+            <a:off x="713232" y="700186"/>
+            <a:ext cx="4030870" cy="1188720"/>
+          </a:xfrm>
+          <a:prstGeom prst="rect">
+            <a:avLst/>
+          </a:prstGeom>
+          <a:noFill/>
+          <a:ln>
+            <a:noFill/>
+          </a:ln>
+          <a:extLst>
+            <a:ext uri="{909E8E84-426E-40DD-AFC4-6F175D3DCCD1}">
+              <a14:hiddenFill xmlns:a14="http://schemas.microsoft.com/office/drawing/2010/main">
+                <a:solidFill>
+                  <a:srgbClr val="FFFFFF"/>
+                </a:solidFill>
+              </a14:hiddenFill>
+            </a:ext>
+            <a:ext uri="{91240B29-F687-4F45-9708-019B960494DF}">
+              <a14:hiddenLine xmlns:a14="http://schemas.microsoft.com/office/drawing/2010/main" w="9525">
+                <a:solidFill>
+                  <a:srgbClr val="000000"/>
+                </a:solidFill>
+                <a:miter lim="800000"/>
+                <a:headEnd/>
+                <a:tailEnd/>
+              </a14:hiddenLine>
+            </a:ext>
+          </a:extLst>
+        </p:spPr>
+        <p:txBody>
+          <a:bodyPr vert="horz" wrap="square" lIns="91440" tIns="45720" rIns="91440" bIns="45720" numCol="1" rtlCol="0" anchor="ctr" anchorCtr="0" compatLnSpc="1">
+            <a:prstTxWarp prst="textNoShape">
+              <a:avLst/>
+            </a:prstTxWarp>
+            <a:normAutofit/>
+          </a:bodyPr>
+          <a:lstStyle>
+            <a:lvl1pPr algn="ctr" rtl="0" eaLnBrk="0" fontAlgn="base" hangingPunct="0">
+              <a:spcBef>
+                <a:spcPct val="0"/>
+              </a:spcBef>
+              <a:spcAft>
+                <a:spcPct val="0"/>
+              </a:spcAft>
+              <a:defRPr sz="4400">
+                <a:solidFill>
+                  <a:schemeClr val="tx2"/>
+                </a:solidFill>
+                <a:latin typeface="+mj-lt"/>
+                <a:ea typeface="+mj-ea"/>
+                <a:cs typeface="+mj-cs"/>
+              </a:defRPr>
+            </a:lvl1pPr>
+            <a:lvl2pPr algn="ctr" rtl="0" eaLnBrk="0" fontAlgn="base" hangingPunct="0">
+              <a:spcBef>
+                <a:spcPct val="0"/>
+              </a:spcBef>
+              <a:spcAft>
+                <a:spcPct val="0"/>
+              </a:spcAft>
+              <a:defRPr sz="4400">
+                <a:solidFill>
+                  <a:schemeClr val="tx2"/>
+                </a:solidFill>
+                <a:latin typeface="Arial" charset="0"/>
+                <a:ea typeface="ＭＳ Ｐゴシック" pitchFamily="116" charset="-128"/>
+              </a:defRPr>
+            </a:lvl2pPr>
+            <a:lvl3pPr algn="ctr" rtl="0" eaLnBrk="0" fontAlgn="base" hangingPunct="0">
+              <a:spcBef>
+                <a:spcPct val="0"/>
+              </a:spcBef>
+              <a:spcAft>
+                <a:spcPct val="0"/>
+              </a:spcAft>
+              <a:defRPr sz="4400">
+                <a:solidFill>
+                  <a:schemeClr val="tx2"/>
+                </a:solidFill>
+                <a:latin typeface="Arial" charset="0"/>
+                <a:ea typeface="ＭＳ Ｐゴシック" pitchFamily="116" charset="-128"/>
+              </a:defRPr>
+            </a:lvl3pPr>
+            <a:lvl4pPr algn="ctr" rtl="0" eaLnBrk="0" fontAlgn="base" hangingPunct="0">
+              <a:spcBef>
+                <a:spcPct val="0"/>
+              </a:spcBef>
+              <a:spcAft>
+                <a:spcPct val="0"/>
+              </a:spcAft>
+              <a:defRPr sz="4400">
+                <a:solidFill>
+                  <a:schemeClr val="tx2"/>
+                </a:solidFill>
+                <a:latin typeface="Arial" charset="0"/>
+                <a:ea typeface="ＭＳ Ｐゴシック" pitchFamily="116" charset="-128"/>
+              </a:defRPr>
+            </a:lvl4pPr>
+            <a:lvl5pPr algn="ctr" rtl="0" eaLnBrk="0" fontAlgn="base" hangingPunct="0">
+              <a:spcBef>
+                <a:spcPct val="0"/>
+              </a:spcBef>
+              <a:spcAft>
+                <a:spcPct val="0"/>
+              </a:spcAft>
+              <a:defRPr sz="4400">
+                <a:solidFill>
+                  <a:schemeClr val="tx2"/>
+                </a:solidFill>
+                <a:latin typeface="Arial" charset="0"/>
+                <a:ea typeface="ＭＳ Ｐゴシック" pitchFamily="116" charset="-128"/>
+              </a:defRPr>
+            </a:lvl5pPr>
+            <a:lvl6pPr marL="457200" algn="ctr" rtl="0" fontAlgn="base">
+              <a:spcBef>
+                <a:spcPct val="0"/>
+              </a:spcBef>
+              <a:spcAft>
+                <a:spcPct val="0"/>
+              </a:spcAft>
+              <a:defRPr sz="4400">
+                <a:solidFill>
+                  <a:schemeClr val="tx2"/>
+                </a:solidFill>
+                <a:latin typeface="Arial" charset="0"/>
+                <a:ea typeface="ＭＳ Ｐゴシック" pitchFamily="116" charset="-128"/>
+              </a:defRPr>
+            </a:lvl6pPr>
+            <a:lvl7pPr marL="914400" algn="ctr" rtl="0" fontAlgn="base">
+              <a:spcBef>
+                <a:spcPct val="0"/>
+              </a:spcBef>
+              <a:spcAft>
+                <a:spcPct val="0"/>
+              </a:spcAft>
+              <a:defRPr sz="4400">
+                <a:solidFill>
+                  <a:schemeClr val="tx2"/>
+                </a:solidFill>
+                <a:latin typeface="Arial" charset="0"/>
+                <a:ea typeface="ＭＳ Ｐゴシック" pitchFamily="116" charset="-128"/>
+              </a:defRPr>
+            </a:lvl7pPr>
+            <a:lvl8pPr marL="1371600" algn="ctr" rtl="0" fontAlgn="base">
+              <a:spcBef>
+                <a:spcPct val="0"/>
+              </a:spcBef>
+              <a:spcAft>
+                <a:spcPct val="0"/>
+              </a:spcAft>
+              <a:defRPr sz="4400">
+                <a:solidFill>
+                  <a:schemeClr val="tx2"/>
+                </a:solidFill>
+                <a:latin typeface="Arial" charset="0"/>
+                <a:ea typeface="ＭＳ Ｐゴシック" pitchFamily="116" charset="-128"/>
+              </a:defRPr>
+            </a:lvl8pPr>
+            <a:lvl9pPr marL="1828800" algn="ctr" rtl="0" fontAlgn="base">
+              <a:spcBef>
+                <a:spcPct val="0"/>
+              </a:spcBef>
+              <a:spcAft>
+                <a:spcPct val="0"/>
+              </a:spcAft>
+              <a:defRPr sz="4400">
+                <a:solidFill>
+                  <a:schemeClr val="tx2"/>
+                </a:solidFill>
+                <a:latin typeface="Arial" charset="0"/>
+                <a:ea typeface="ＭＳ Ｐゴシック" pitchFamily="116" charset="-128"/>
+              </a:defRPr>
+            </a:lvl9pPr>
+          </a:lstStyle>
+          <a:p>
+            <a:pPr algn="l" eaLnBrk="1" hangingPunct="1">
+              <a:lnSpc>
+                <a:spcPct val="90000"/>
+              </a:lnSpc>
+            </a:pPr>
+            <a:r>
+              <a:rPr lang="en-US" altLang="en-US" b="1" kern="1200">
+                <a:solidFill>
+                  <a:schemeClr val="bg1"/>
+                </a:solidFill>
+              </a:rPr>
+              <a:t>Insights</a:t>
+            </a:r>
+          </a:p>
+        </p:txBody>
+      </p:sp>
+      <p:sp>
+        <p:nvSpPr>
+          <p:cNvPr id="6" name="TextBox 5">
+            <a:extLst>
+              <a:ext uri="{FF2B5EF4-FFF2-40B4-BE49-F238E27FC236}">
+                <a16:creationId xmlns:a16="http://schemas.microsoft.com/office/drawing/2014/main" id="{C292328F-5939-622A-1713-96378CFF50C0}"/>
+              </a:ext>
+            </a:extLst>
+          </p:cNvPr>
+          <p:cNvSpPr txBox="1"/>
+          <p:nvPr/>
+        </p:nvSpPr>
+        <p:spPr>
+          <a:xfrm>
+            <a:off x="713232" y="2066544"/>
+            <a:ext cx="4030870" cy="3788346"/>
+          </a:xfrm>
+          <a:prstGeom prst="rect">
+            <a:avLst/>
+          </a:prstGeom>
+        </p:spPr>
+        <p:txBody>
+          <a:bodyPr vert="horz" lIns="91440" tIns="45720" rIns="91440" bIns="45720" rtlCol="0">
+            <a:normAutofit/>
+          </a:bodyPr>
+          <a:lstStyle/>
+          <a:p>
+            <a:pPr marL="342900" indent="-228600" eaLnBrk="1" hangingPunct="1">
+              <a:lnSpc>
+                <a:spcPct val="90000"/>
+              </a:lnSpc>
+              <a:spcAft>
+                <a:spcPts val="600"/>
+              </a:spcAft>
+              <a:buFont typeface="Arial" panose="020B0604020202020204" pitchFamily="34" charset="0"/>
+              <a:buChar char="•"/>
+            </a:pPr>
+            <a:r>
+              <a:rPr lang="en-US" sz="1900" dirty="0">
+                <a:solidFill>
+                  <a:schemeClr val="bg1"/>
+                </a:solidFill>
+                <a:latin typeface="+mn-lt"/>
+                <a:ea typeface="+mn-ea"/>
+              </a:rPr>
+              <a:t>Excess deaths</a:t>
+            </a:r>
+          </a:p>
+        </p:txBody>
+      </p:sp>
+      <p:pic>
+        <p:nvPicPr>
+          <p:cNvPr id="8" name="Picture 6" descr="Whoosh">
+            <a:extLst>
+              <a:ext uri="{FF2B5EF4-FFF2-40B4-BE49-F238E27FC236}">
+                <a16:creationId xmlns:a16="http://schemas.microsoft.com/office/drawing/2014/main" id="{A380F917-6F35-EF4F-9148-251869229E23}"/>
+              </a:ext>
+            </a:extLst>
+          </p:cNvPr>
+          <p:cNvPicPr>
+            <a:picLocks noChangeAspect="1" noChangeArrowheads="1"/>
+          </p:cNvPicPr>
+          <p:nvPr/>
+        </p:nvPicPr>
+        <p:blipFill>
+          <a:blip r:embed="rId2">
+            <a:extLst>
+              <a:ext uri="{28A0092B-C50C-407E-A947-70E740481C1C}">
+                <a14:useLocalDpi xmlns:a14="http://schemas.microsoft.com/office/drawing/2010/main" val="0"/>
+              </a:ext>
+            </a:extLst>
+          </a:blip>
+          <a:stretch>
+            <a:fillRect/>
+          </a:stretch>
+        </p:blipFill>
+        <p:spPr bwMode="auto">
+          <a:xfrm>
+            <a:off x="5198074" y="4194997"/>
+            <a:ext cx="3497580" cy="1136714"/>
+          </a:xfrm>
+          <a:prstGeom prst="rect">
+            <a:avLst/>
+          </a:prstGeom>
+          <a:noFill/>
+          <a:extLst>
+            <a:ext uri="{909E8E84-426E-40DD-AFC4-6F175D3DCCD1}">
+              <a14:hiddenFill xmlns:a14="http://schemas.microsoft.com/office/drawing/2010/main">
+                <a:solidFill>
+                  <a:srgbClr val="FFFFFF"/>
+                </a:solidFill>
+              </a14:hiddenFill>
+            </a:ext>
+            <a:ext uri="{91240B29-F687-4F45-9708-019B960494DF}">
+              <a14:hiddenLine xmlns:a14="http://schemas.microsoft.com/office/drawing/2010/main" w="9525">
+                <a:solidFill>
+                  <a:srgbClr val="000000"/>
+                </a:solidFill>
+                <a:miter lim="800000"/>
+                <a:headEnd/>
+                <a:tailEnd/>
+              </a14:hiddenLine>
+            </a:ext>
+          </a:extLst>
+        </p:spPr>
+      </p:pic>
+      <p:pic>
+        <p:nvPicPr>
+          <p:cNvPr id="9" name="Picture 8">
+            <a:extLst>
+              <a:ext uri="{FF2B5EF4-FFF2-40B4-BE49-F238E27FC236}">
+                <a16:creationId xmlns:a16="http://schemas.microsoft.com/office/drawing/2014/main" id="{296B3073-AB44-9452-7A6B-72B34B69C50B}"/>
+              </a:ext>
+            </a:extLst>
+          </p:cNvPr>
+          <p:cNvPicPr>
+            <a:picLocks noChangeAspect="1"/>
+          </p:cNvPicPr>
+          <p:nvPr/>
+        </p:nvPicPr>
+        <p:blipFill>
+          <a:blip r:embed="rId3"/>
+          <a:stretch>
+            <a:fillRect/>
+          </a:stretch>
+        </p:blipFill>
+        <p:spPr>
+          <a:xfrm>
+            <a:off x="611560" y="2567645"/>
+            <a:ext cx="4132542" cy="2941910"/>
+          </a:xfrm>
+          <a:prstGeom prst="rect">
+            <a:avLst/>
+          </a:prstGeom>
+        </p:spPr>
+      </p:pic>
+      <p:sp>
+        <p:nvSpPr>
+          <p:cNvPr id="10" name="TextBox 9">
+            <a:extLst>
+              <a:ext uri="{FF2B5EF4-FFF2-40B4-BE49-F238E27FC236}">
+                <a16:creationId xmlns:a16="http://schemas.microsoft.com/office/drawing/2014/main" id="{3C77EBE8-C7C1-DB42-8C3B-38F92EC965AB}"/>
+              </a:ext>
+            </a:extLst>
+          </p:cNvPr>
+          <p:cNvSpPr txBox="1"/>
+          <p:nvPr/>
+        </p:nvSpPr>
+        <p:spPr>
+          <a:xfrm>
+            <a:off x="1011935" y="6196502"/>
+            <a:ext cx="1728192" cy="400110"/>
+          </a:xfrm>
+          <a:prstGeom prst="rect">
+            <a:avLst/>
+          </a:prstGeom>
+          <a:noFill/>
+        </p:spPr>
+        <p:txBody>
+          <a:bodyPr wrap="square" rtlCol="0">
+            <a:spAutoFit/>
+          </a:bodyPr>
+          <a:lstStyle/>
+          <a:p>
+            <a:r>
+              <a:rPr lang="en-GB" sz="1000" dirty="0"/>
+              <a:t>Average death trend from 2015 to 2019</a:t>
+            </a:r>
+          </a:p>
+        </p:txBody>
+      </p:sp>
+      <p:sp>
+        <p:nvSpPr>
+          <p:cNvPr id="11" name="TextBox 10">
+            <a:extLst>
+              <a:ext uri="{FF2B5EF4-FFF2-40B4-BE49-F238E27FC236}">
+                <a16:creationId xmlns:a16="http://schemas.microsoft.com/office/drawing/2014/main" id="{F408ABA0-C66F-744F-B0A3-64ED7C5E35CF}"/>
+              </a:ext>
+            </a:extLst>
+          </p:cNvPr>
+          <p:cNvSpPr txBox="1"/>
+          <p:nvPr/>
+        </p:nvSpPr>
+        <p:spPr>
+          <a:xfrm>
+            <a:off x="3229176" y="6199257"/>
+            <a:ext cx="2808806" cy="400110"/>
+          </a:xfrm>
+          <a:prstGeom prst="rect">
+            <a:avLst/>
+          </a:prstGeom>
+          <a:noFill/>
+        </p:spPr>
+        <p:txBody>
+          <a:bodyPr wrap="square" rtlCol="0">
+            <a:spAutoFit/>
+          </a:bodyPr>
+          <a:lstStyle/>
+          <a:p>
+            <a:r>
+              <a:rPr lang="en-GB" sz="1000" dirty="0"/>
+              <a:t>Average death trend from January 2020 onwards</a:t>
+            </a:r>
+          </a:p>
+        </p:txBody>
+      </p:sp>
+      <p:sp>
+        <p:nvSpPr>
+          <p:cNvPr id="12" name="Rectangle 11">
+            <a:extLst>
+              <a:ext uri="{FF2B5EF4-FFF2-40B4-BE49-F238E27FC236}">
+                <a16:creationId xmlns:a16="http://schemas.microsoft.com/office/drawing/2014/main" id="{6C88DCC1-2A0E-08A4-DDB0-E420A4DCFEA4}"/>
+              </a:ext>
+            </a:extLst>
+          </p:cNvPr>
+          <p:cNvSpPr/>
+          <p:nvPr/>
+        </p:nvSpPr>
+        <p:spPr bwMode="auto">
+          <a:xfrm>
+            <a:off x="690412" y="6320407"/>
+            <a:ext cx="181123" cy="152301"/>
+          </a:xfrm>
+          <a:prstGeom prst="rect">
+            <a:avLst/>
+          </a:prstGeom>
+          <a:solidFill>
+            <a:srgbClr val="0000FF"/>
+          </a:solidFill>
+          <a:ln w="9525" cap="flat" cmpd="sng" algn="ctr">
+            <a:solidFill>
+              <a:schemeClr val="tx1"/>
+            </a:solidFill>
+            <a:prstDash val="solid"/>
+            <a:round/>
+            <a:headEnd type="none" w="med" len="med"/>
+            <a:tailEnd type="none" w="med" len="med"/>
+          </a:ln>
+          <a:effectLst/>
+        </p:spPr>
+        <p:txBody>
+          <a:bodyPr vert="horz" wrap="square" lIns="91440" tIns="45720" rIns="91440" bIns="45720" numCol="1" rtlCol="0" anchor="t" anchorCtr="0" compatLnSpc="1">
+            <a:prstTxWarp prst="textNoShape">
+              <a:avLst/>
+            </a:prstTxWarp>
+          </a:bodyPr>
+          <a:lstStyle/>
+          <a:p>
+            <a:pPr marL="0" marR="0" indent="0" algn="l" defTabSz="914400" rtl="0" eaLnBrk="0" fontAlgn="base" latinLnBrk="0" hangingPunct="0">
+              <a:lnSpc>
+                <a:spcPct val="100000"/>
+              </a:lnSpc>
+              <a:spcBef>
+                <a:spcPct val="0"/>
+              </a:spcBef>
+              <a:spcAft>
+                <a:spcPct val="0"/>
+              </a:spcAft>
+              <a:buClrTx/>
+              <a:buSzTx/>
+              <a:buFontTx/>
+              <a:buNone/>
+              <a:tabLst/>
+            </a:pPr>
+            <a:endParaRPr kumimoji="0" lang="en-GB" sz="2400" b="0" i="0" u="none" strike="noStrike" cap="none" normalizeH="0" baseline="0">
+              <a:ln>
+                <a:noFill/>
+              </a:ln>
+              <a:solidFill>
+                <a:schemeClr val="tx1"/>
+              </a:solidFill>
+              <a:effectLst/>
+              <a:latin typeface="Arial" charset="0"/>
+              <a:ea typeface="ＭＳ Ｐゴシック" pitchFamily="116" charset="-128"/>
+            </a:endParaRPr>
+          </a:p>
+        </p:txBody>
+      </p:sp>
+      <p:sp>
+        <p:nvSpPr>
+          <p:cNvPr id="13" name="Rectangle 12">
+            <a:extLst>
+              <a:ext uri="{FF2B5EF4-FFF2-40B4-BE49-F238E27FC236}">
+                <a16:creationId xmlns:a16="http://schemas.microsoft.com/office/drawing/2014/main" id="{2B49A7D5-19FE-7504-C723-D276DF7C8B13}"/>
+              </a:ext>
+            </a:extLst>
+          </p:cNvPr>
+          <p:cNvSpPr/>
+          <p:nvPr/>
+        </p:nvSpPr>
+        <p:spPr bwMode="auto">
+          <a:xfrm>
+            <a:off x="2880527" y="6272063"/>
+            <a:ext cx="208249" cy="200645"/>
+          </a:xfrm>
+          <a:prstGeom prst="rect">
+            <a:avLst/>
+          </a:prstGeom>
+          <a:solidFill>
+            <a:srgbClr val="FF0000"/>
+          </a:solidFill>
+          <a:ln w="9525" cap="flat" cmpd="sng" algn="ctr">
+            <a:solidFill>
+              <a:schemeClr val="tx1"/>
+            </a:solidFill>
+            <a:prstDash val="solid"/>
+            <a:round/>
+            <a:headEnd type="none" w="med" len="med"/>
+            <a:tailEnd type="none" w="med" len="med"/>
+          </a:ln>
+          <a:effectLst/>
+        </p:spPr>
+        <p:txBody>
+          <a:bodyPr vert="horz" wrap="square" lIns="91440" tIns="45720" rIns="91440" bIns="45720" numCol="1" rtlCol="0" anchor="t" anchorCtr="0" compatLnSpc="1">
+            <a:prstTxWarp prst="textNoShape">
+              <a:avLst/>
+            </a:prstTxWarp>
+          </a:bodyPr>
+          <a:lstStyle/>
+          <a:p>
+            <a:pPr marL="0" marR="0" indent="0" algn="l" defTabSz="914400" rtl="0" eaLnBrk="0" fontAlgn="base" latinLnBrk="0" hangingPunct="0">
+              <a:lnSpc>
+                <a:spcPct val="100000"/>
+              </a:lnSpc>
+              <a:spcBef>
+                <a:spcPct val="0"/>
+              </a:spcBef>
+              <a:spcAft>
+                <a:spcPct val="0"/>
+              </a:spcAft>
+              <a:buClrTx/>
+              <a:buSzTx/>
+              <a:buFontTx/>
+              <a:buNone/>
+              <a:tabLst/>
+            </a:pPr>
+            <a:endParaRPr kumimoji="0" lang="en-GB" sz="2400" b="0" i="0" u="none" strike="noStrike" cap="none" normalizeH="0" baseline="0">
+              <a:ln>
+                <a:noFill/>
+              </a:ln>
+              <a:solidFill>
+                <a:schemeClr val="tx1"/>
+              </a:solidFill>
+              <a:effectLst/>
+              <a:latin typeface="Arial" charset="0"/>
+              <a:ea typeface="ＭＳ Ｐゴシック" pitchFamily="116" charset="-128"/>
+            </a:endParaRPr>
+          </a:p>
+        </p:txBody>
+      </p:sp>
+    </p:spTree>
+    <p:extLst>
+      <p:ext uri="{BB962C8B-B14F-4D97-AF65-F5344CB8AC3E}">
+        <p14:creationId xmlns:p14="http://schemas.microsoft.com/office/powerpoint/2010/main" val="2914044011"/>
+      </p:ext>
+    </p:extLst>
+  </p:cSld>
+  <p:clrMapOvr>
+    <a:masterClrMapping/>
+  </p:clrMapOvr>
+</p:sld>
+</file>
+
+<file path=ppt/slides/slide7.xml><?xml version="1.0" encoding="utf-8"?>
+<p:sld xmlns:a="http://schemas.openxmlformats.org/drawingml/2006/main" xmlns:r="http://schemas.openxmlformats.org/officeDocument/2006/relationships" xmlns:p="http://schemas.openxmlformats.org/presentationml/2006/main">
+  <p:cSld>
     <p:spTree>
       <p:nvGrpSpPr>
         <p:cNvPr id="1" name=""/>
@@ -5440,10 +10184,10 @@
       </p:grpSpPr>
       <p:pic>
         <p:nvPicPr>
-          <p:cNvPr id="3076" name="Picture 6" descr="Whoosh">
+          <p:cNvPr id="14338" name="Picture 6" descr="Whoosh">
             <a:extLst>
               <a:ext uri="{FF2B5EF4-FFF2-40B4-BE49-F238E27FC236}">
-                <a16:creationId xmlns:a16="http://schemas.microsoft.com/office/drawing/2014/main" id="{56805B9A-C037-1FDA-CBFE-4C740F4A375D}"/>
+                <a16:creationId xmlns:a16="http://schemas.microsoft.com/office/drawing/2014/main" id="{8F7EC44D-EEFA-5B33-A9E8-26A81D8FF90B}"/>
               </a:ext>
             </a:extLst>
           </p:cNvPr>
@@ -5500,10 +10244,10 @@
       </p:pic>
       <p:sp>
         <p:nvSpPr>
-          <p:cNvPr id="3074" name="Title 1">
+          <p:cNvPr id="14339" name="Title 1">
             <a:extLst>
               <a:ext uri="{FF2B5EF4-FFF2-40B4-BE49-F238E27FC236}">
-                <a16:creationId xmlns:a16="http://schemas.microsoft.com/office/drawing/2014/main" id="{DB405E41-8DBE-0A2D-7587-F65A429379FA}"/>
+                <a16:creationId xmlns:a16="http://schemas.microsoft.com/office/drawing/2014/main" id="{D40F6C77-702E-23BC-2811-BCA07CB52024}"/>
               </a:ext>
             </a:extLst>
           </p:cNvPr>
@@ -5514,25 +10258,30 @@
             <p:ph type="title"/>
           </p:nvPr>
         </p:nvSpPr>
-        <p:spPr/>
+        <p:spPr>
+          <a:xfrm>
+            <a:off x="-33958" y="-243408"/>
+            <a:ext cx="8134350" cy="1143000"/>
+          </a:xfrm>
+        </p:spPr>
         <p:txBody>
           <a:bodyPr/>
           <a:lstStyle/>
           <a:p>
-            <a:pPr algn="l" eaLnBrk="1" hangingPunct="1"/>
+            <a:pPr algn="l"/>
             <a:r>
-              <a:rPr lang="en-GB" altLang="en-US" b="1" dirty="0"/>
-              <a:t>Intent of our report</a:t>
+              <a:rPr lang="en-GB" altLang="en-US" sz="4000" b="1" dirty="0"/>
+              <a:t>Shiny Dashboard</a:t>
             </a:r>
           </a:p>
         </p:txBody>
       </p:sp>
       <p:sp>
         <p:nvSpPr>
-          <p:cNvPr id="3075" name="Content Placeholder 2">
+          <p:cNvPr id="2" name="Content Placeholder 1">
             <a:extLst>
               <a:ext uri="{FF2B5EF4-FFF2-40B4-BE49-F238E27FC236}">
-                <a16:creationId xmlns:a16="http://schemas.microsoft.com/office/drawing/2014/main" id="{288F9F58-AD57-A1AA-493E-A317F4F81FD9}"/>
+                <a16:creationId xmlns:a16="http://schemas.microsoft.com/office/drawing/2014/main" id="{C40039FB-6060-B9A4-20C5-3A610FF473DB}"/>
               </a:ext>
             </a:extLst>
           </p:cNvPr>
@@ -5548,43 +10297,7 @@
           <a:bodyPr/>
           <a:lstStyle/>
           <a:p>
-            <a:pPr eaLnBrk="1" hangingPunct="1"/>
-            <a:r>
-              <a:rPr lang="en-US" altLang="en-US" sz="3200" b="1" dirty="0">
-                <a:latin typeface="+mj-lt"/>
-              </a:rPr>
-              <a:t>Impact of Covid on hospitalizations</a:t>
-            </a:r>
-          </a:p>
-          <a:p>
-            <a:pPr eaLnBrk="1" hangingPunct="1"/>
-            <a:r>
-              <a:rPr lang="en-US" altLang="en-US" sz="3200" b="1" dirty="0">
-                <a:latin typeface="+mj-lt"/>
-              </a:rPr>
-              <a:t>Impact of Covid on demographics</a:t>
-            </a:r>
-          </a:p>
-          <a:p>
-            <a:pPr eaLnBrk="1" hangingPunct="1"/>
-            <a:r>
-              <a:rPr lang="en-US" altLang="en-US" sz="3200" b="1" dirty="0">
-                <a:latin typeface="+mj-lt"/>
-              </a:rPr>
-              <a:t>General trend of consequent admissions</a:t>
-            </a:r>
-          </a:p>
-          <a:p>
-            <a:pPr eaLnBrk="1" hangingPunct="1"/>
-            <a:r>
-              <a:rPr lang="en-US" altLang="en-US" b="1" dirty="0">
-                <a:latin typeface="+mj-lt"/>
-              </a:rPr>
-              <a:t>Representation in Shiny dashboard</a:t>
-            </a:r>
-            <a:endParaRPr lang="en-GB" altLang="en-US" dirty="0">
-              <a:latin typeface="+mj-lt"/>
-            </a:endParaRPr>
+            <a:endParaRPr lang="en-GB"/>
           </a:p>
         </p:txBody>
       </p:sp>
@@ -5596,7 +10309,7 @@
 </p:sld>
 </file>
 
-<file path=ppt/slides/slide3.xml><?xml version="1.0" encoding="utf-8"?>
+<file path=ppt/slides/slide8.xml><?xml version="1.0" encoding="utf-8"?>
 <p:sld xmlns:a="http://schemas.openxmlformats.org/drawingml/2006/main" xmlns:r="http://schemas.openxmlformats.org/officeDocument/2006/relationships" xmlns:p="http://schemas.openxmlformats.org/presentationml/2006/main">
   <p:cSld>
     <p:spTree>
@@ -5613,12 +10326,46 @@
           <a:chExt cx="0" cy="0"/>
         </a:xfrm>
       </p:grpSpPr>
+      <p:sp>
+        <p:nvSpPr>
+          <p:cNvPr id="5122" name="Title 3">
+            <a:extLst>
+              <a:ext uri="{FF2B5EF4-FFF2-40B4-BE49-F238E27FC236}">
+                <a16:creationId xmlns:a16="http://schemas.microsoft.com/office/drawing/2014/main" id="{40362D40-759F-5B45-1201-DE2E6C4561A5}"/>
+              </a:ext>
+            </a:extLst>
+          </p:cNvPr>
+          <p:cNvSpPr>
+            <a:spLocks noGrp="1"/>
+          </p:cNvSpPr>
+          <p:nvPr>
+            <p:ph type="ctrTitle"/>
+          </p:nvPr>
+        </p:nvSpPr>
+        <p:spPr>
+          <a:xfrm>
+            <a:off x="-396552" y="116632"/>
+            <a:ext cx="7772400" cy="504056"/>
+          </a:xfrm>
+        </p:spPr>
+        <p:txBody>
+          <a:bodyPr/>
+          <a:lstStyle/>
+          <a:p>
+            <a:pPr eaLnBrk="1" hangingPunct="1"/>
+            <a:r>
+              <a:rPr lang="en-GB" altLang="en-US" b="1" dirty="0"/>
+              <a:t>Impact on Demographics</a:t>
+            </a:r>
+          </a:p>
+        </p:txBody>
+      </p:sp>
       <p:pic>
         <p:nvPicPr>
-          <p:cNvPr id="4098" name="Picture 6" descr="Whoosh">
+          <p:cNvPr id="5123" name="Picture 6" descr="Whoosh">
             <a:extLst>
               <a:ext uri="{FF2B5EF4-FFF2-40B4-BE49-F238E27FC236}">
-                <a16:creationId xmlns:a16="http://schemas.microsoft.com/office/drawing/2014/main" id="{45B9997A-9E85-2538-111D-C9B73F0D9A31}"/>
+                <a16:creationId xmlns:a16="http://schemas.microsoft.com/office/drawing/2014/main" id="{6E2A7B9C-F50A-6269-D7B9-1080BD40C91B}"/>
               </a:ext>
             </a:extLst>
           </p:cNvPr>
@@ -5673,40 +10420,66 @@
           </a:extLst>
         </p:spPr>
       </p:pic>
-      <p:sp>
-        <p:nvSpPr>
-          <p:cNvPr id="4099" name="Title 1">
+      <p:pic>
+        <p:nvPicPr>
+          <p:cNvPr id="3" name="Picture 2">
             <a:extLst>
               <a:ext uri="{FF2B5EF4-FFF2-40B4-BE49-F238E27FC236}">
-                <a16:creationId xmlns:a16="http://schemas.microsoft.com/office/drawing/2014/main" id="{01A5C118-013F-ECEC-FD4C-7E307BA2B6B5}"/>
+                <a16:creationId xmlns:a16="http://schemas.microsoft.com/office/drawing/2014/main" id="{BF21D4EB-F687-21AA-D614-30ED6955DA5F}"/>
               </a:ext>
             </a:extLst>
           </p:cNvPr>
-          <p:cNvSpPr>
-            <a:spLocks noGrp="1"/>
-          </p:cNvSpPr>
-          <p:nvPr>
-            <p:ph type="title"/>
-          </p:nvPr>
-        </p:nvSpPr>
+          <p:cNvPicPr>
+            <a:picLocks noChangeAspect="1"/>
+          </p:cNvPicPr>
+          <p:nvPr/>
+        </p:nvPicPr>
+        <p:blipFill>
+          <a:blip r:embed="rId3"/>
+          <a:stretch>
+            <a:fillRect/>
+          </a:stretch>
+        </p:blipFill>
         <p:spPr>
           <a:xfrm>
-            <a:off x="179512" y="-117475"/>
-            <a:ext cx="7772400" cy="1143000"/>
+            <a:off x="323528" y="1255318"/>
+            <a:ext cx="4234199" cy="2637232"/>
           </a:xfrm>
-        </p:spPr>
-        <p:txBody>
-          <a:bodyPr/>
-          <a:lstStyle/>
-          <a:p>
-            <a:pPr algn="l" eaLnBrk="1" hangingPunct="1"/>
-            <a:r>
-              <a:rPr lang="en-GB" altLang="en-US" b="1" dirty="0"/>
-              <a:t>Hospitalisations</a:t>
-            </a:r>
-          </a:p>
-        </p:txBody>
-      </p:sp>
+          <a:prstGeom prst="rect">
+            <a:avLst/>
+          </a:prstGeom>
+        </p:spPr>
+      </p:pic>
+      <p:pic>
+        <p:nvPicPr>
+          <p:cNvPr id="4" name="Picture 3">
+            <a:extLst>
+              <a:ext uri="{FF2B5EF4-FFF2-40B4-BE49-F238E27FC236}">
+                <a16:creationId xmlns:a16="http://schemas.microsoft.com/office/drawing/2014/main" id="{67104497-65F5-9DBA-EF86-090BB3EAE1D6}"/>
+              </a:ext>
+            </a:extLst>
+          </p:cNvPr>
+          <p:cNvPicPr>
+            <a:picLocks noChangeAspect="1"/>
+          </p:cNvPicPr>
+          <p:nvPr/>
+        </p:nvPicPr>
+        <p:blipFill>
+          <a:blip r:embed="rId4"/>
+          <a:stretch>
+            <a:fillRect/>
+          </a:stretch>
+        </p:blipFill>
+        <p:spPr>
+          <a:xfrm>
+            <a:off x="329835" y="3892550"/>
+            <a:ext cx="4234198" cy="2608168"/>
+          </a:xfrm>
+          <a:prstGeom prst="rect">
+            <a:avLst/>
+          </a:prstGeom>
+        </p:spPr>
+      </p:pic>
     </p:spTree>
   </p:cSld>
   <p:clrMapOvr>
@@ -5715,7 +10488,7 @@
 </p:sld>
 </file>
 
-<file path=ppt/slides/slide4.xml><?xml version="1.0" encoding="utf-8"?>
+<file path=ppt/slides/slide9.xml><?xml version="1.0" encoding="utf-8"?>
 <p:sld xmlns:a="http://schemas.openxmlformats.org/drawingml/2006/main" xmlns:r="http://schemas.openxmlformats.org/officeDocument/2006/relationships" xmlns:p="http://schemas.openxmlformats.org/presentationml/2006/main">
   <p:cSld>
     <p:spTree>
@@ -5732,46 +10505,12 @@
           <a:chExt cx="0" cy="0"/>
         </a:xfrm>
       </p:grpSpPr>
-      <p:sp>
-        <p:nvSpPr>
-          <p:cNvPr id="5122" name="Title 3">
-            <a:extLst>
-              <a:ext uri="{FF2B5EF4-FFF2-40B4-BE49-F238E27FC236}">
-                <a16:creationId xmlns:a16="http://schemas.microsoft.com/office/drawing/2014/main" id="{40362D40-759F-5B45-1201-DE2E6C4561A5}"/>
-              </a:ext>
-            </a:extLst>
-          </p:cNvPr>
-          <p:cNvSpPr>
-            <a:spLocks noGrp="1"/>
-          </p:cNvSpPr>
-          <p:nvPr>
-            <p:ph type="ctrTitle"/>
-          </p:nvPr>
-        </p:nvSpPr>
-        <p:spPr>
-          <a:xfrm>
-            <a:off x="-396552" y="116632"/>
-            <a:ext cx="7772400" cy="504056"/>
-          </a:xfrm>
-        </p:spPr>
-        <p:txBody>
-          <a:bodyPr/>
-          <a:lstStyle/>
-          <a:p>
-            <a:pPr eaLnBrk="1" hangingPunct="1"/>
-            <a:r>
-              <a:rPr lang="en-GB" altLang="en-US" b="1" dirty="0"/>
-              <a:t>Impact on Demographics</a:t>
-            </a:r>
-          </a:p>
-        </p:txBody>
-      </p:sp>
       <p:pic>
         <p:nvPicPr>
-          <p:cNvPr id="5123" name="Picture 6" descr="Whoosh">
+          <p:cNvPr id="6146" name="Picture 6" descr="Whoosh">
             <a:extLst>
               <a:ext uri="{FF2B5EF4-FFF2-40B4-BE49-F238E27FC236}">
-                <a16:creationId xmlns:a16="http://schemas.microsoft.com/office/drawing/2014/main" id="{6E2A7B9C-F50A-6269-D7B9-1080BD40C91B}"/>
+                <a16:creationId xmlns:a16="http://schemas.microsoft.com/office/drawing/2014/main" id="{B87E6D56-3A72-6493-C5C3-65D174BB37B9}"/>
               </a:ext>
             </a:extLst>
           </p:cNvPr>
@@ -5826,151 +10565,6 @@
           </a:extLst>
         </p:spPr>
       </p:pic>
-      <p:pic>
-        <p:nvPicPr>
-          <p:cNvPr id="3" name="Picture 2">
-            <a:extLst>
-              <a:ext uri="{FF2B5EF4-FFF2-40B4-BE49-F238E27FC236}">
-                <a16:creationId xmlns:a16="http://schemas.microsoft.com/office/drawing/2014/main" id="{BF21D4EB-F687-21AA-D614-30ED6955DA5F}"/>
-              </a:ext>
-            </a:extLst>
-          </p:cNvPr>
-          <p:cNvPicPr>
-            <a:picLocks noChangeAspect="1"/>
-          </p:cNvPicPr>
-          <p:nvPr/>
-        </p:nvPicPr>
-        <p:blipFill>
-          <a:blip r:embed="rId3"/>
-          <a:stretch>
-            <a:fillRect/>
-          </a:stretch>
-        </p:blipFill>
-        <p:spPr>
-          <a:xfrm>
-            <a:off x="323528" y="1255318"/>
-            <a:ext cx="4234199" cy="2637232"/>
-          </a:xfrm>
-          <a:prstGeom prst="rect">
-            <a:avLst/>
-          </a:prstGeom>
-        </p:spPr>
-      </p:pic>
-      <p:pic>
-        <p:nvPicPr>
-          <p:cNvPr id="4" name="Picture 3">
-            <a:extLst>
-              <a:ext uri="{FF2B5EF4-FFF2-40B4-BE49-F238E27FC236}">
-                <a16:creationId xmlns:a16="http://schemas.microsoft.com/office/drawing/2014/main" id="{67104497-65F5-9DBA-EF86-090BB3EAE1D6}"/>
-              </a:ext>
-            </a:extLst>
-          </p:cNvPr>
-          <p:cNvPicPr>
-            <a:picLocks noChangeAspect="1"/>
-          </p:cNvPicPr>
-          <p:nvPr/>
-        </p:nvPicPr>
-        <p:blipFill>
-          <a:blip r:embed="rId4"/>
-          <a:stretch>
-            <a:fillRect/>
-          </a:stretch>
-        </p:blipFill>
-        <p:spPr>
-          <a:xfrm>
-            <a:off x="329835" y="3892550"/>
-            <a:ext cx="4234198" cy="2608168"/>
-          </a:xfrm>
-          <a:prstGeom prst="rect">
-            <a:avLst/>
-          </a:prstGeom>
-        </p:spPr>
-      </p:pic>
-    </p:spTree>
-  </p:cSld>
-  <p:clrMapOvr>
-    <a:masterClrMapping/>
-  </p:clrMapOvr>
-</p:sld>
-</file>
-
-<file path=ppt/slides/slide5.xml><?xml version="1.0" encoding="utf-8"?>
-<p:sld xmlns:a="http://schemas.openxmlformats.org/drawingml/2006/main" xmlns:r="http://schemas.openxmlformats.org/officeDocument/2006/relationships" xmlns:p="http://schemas.openxmlformats.org/presentationml/2006/main">
-  <p:cSld>
-    <p:spTree>
-      <p:nvGrpSpPr>
-        <p:cNvPr id="1" name=""/>
-        <p:cNvGrpSpPr/>
-        <p:nvPr/>
-      </p:nvGrpSpPr>
-      <p:grpSpPr>
-        <a:xfrm>
-          <a:off x="0" y="0"/>
-          <a:ext cx="0" cy="0"/>
-          <a:chOff x="0" y="0"/>
-          <a:chExt cx="0" cy="0"/>
-        </a:xfrm>
-      </p:grpSpPr>
-      <p:pic>
-        <p:nvPicPr>
-          <p:cNvPr id="6146" name="Picture 6" descr="Whoosh">
-            <a:extLst>
-              <a:ext uri="{FF2B5EF4-FFF2-40B4-BE49-F238E27FC236}">
-                <a16:creationId xmlns:a16="http://schemas.microsoft.com/office/drawing/2014/main" id="{B87E6D56-3A72-6493-C5C3-65D174BB37B9}"/>
-              </a:ext>
-            </a:extLst>
-          </p:cNvPr>
-          <p:cNvPicPr>
-            <a:picLocks noChangeAspect="1" noChangeArrowheads="1"/>
-          </p:cNvPicPr>
-          <p:nvPr/>
-        </p:nvPicPr>
-        <p:blipFill>
-          <a:blip r:embed="rId2">
-            <a:extLst>
-              <a:ext uri="{28A0092B-C50C-407E-A947-70E740481C1C}">
-                <a14:useLocalDpi xmlns:a14="http://schemas.microsoft.com/office/drawing/2010/main" val="0"/>
-              </a:ext>
-            </a:extLst>
-          </a:blip>
-          <a:srcRect/>
-          <a:stretch>
-            <a:fillRect/>
-          </a:stretch>
-        </p:blipFill>
-        <p:spPr bwMode="auto">
-          <a:xfrm>
-            <a:off x="0" y="3892550"/>
-            <a:ext cx="9144000" cy="2965450"/>
-          </a:xfrm>
-          <a:prstGeom prst="rect">
-            <a:avLst/>
-          </a:prstGeom>
-          <a:noFill/>
-          <a:ln>
-            <a:noFill/>
-          </a:ln>
-          <a:extLst>
-            <a:ext uri="{909E8E84-426E-40DD-AFC4-6F175D3DCCD1}">
-              <a14:hiddenFill xmlns:a14="http://schemas.microsoft.com/office/drawing/2010/main">
-                <a:solidFill>
-                  <a:srgbClr val="FFFFFF"/>
-                </a:solidFill>
-              </a14:hiddenFill>
-            </a:ext>
-            <a:ext uri="{91240B29-F687-4F45-9708-019B960494DF}">
-              <a14:hiddenLine xmlns:a14="http://schemas.microsoft.com/office/drawing/2010/main" w="9525">
-                <a:solidFill>
-                  <a:srgbClr val="000000"/>
-                </a:solidFill>
-                <a:miter lim="800000"/>
-                <a:headEnd/>
-                <a:tailEnd/>
-              </a14:hiddenLine>
-            </a:ext>
-          </a:extLst>
-        </p:spPr>
-      </p:pic>
       <p:sp>
         <p:nvSpPr>
           <p:cNvPr id="6147" name="Title 3">
@@ -6006,884 +10600,6 @@
               <a:rPr lang="en-GB" altLang="en-US" b="1" dirty="0"/>
             </a:br>
             <a:endParaRPr lang="en-GB" altLang="en-US" sz="3200" b="1" dirty="0"/>
-          </a:p>
-        </p:txBody>
-      </p:sp>
-    </p:spTree>
-  </p:cSld>
-  <p:clrMapOvr>
-    <a:masterClrMapping/>
-  </p:clrMapOvr>
-</p:sld>
-</file>
-
-<file path=ppt/slides/slide6.xml><?xml version="1.0" encoding="utf-8"?>
-<p:sld xmlns:a="http://schemas.openxmlformats.org/drawingml/2006/main" xmlns:r="http://schemas.openxmlformats.org/officeDocument/2006/relationships" xmlns:p="http://schemas.openxmlformats.org/presentationml/2006/main">
-  <p:cSld>
-    <p:spTree>
-      <p:nvGrpSpPr>
-        <p:cNvPr id="1" name=""/>
-        <p:cNvGrpSpPr/>
-        <p:nvPr/>
-      </p:nvGrpSpPr>
-      <p:grpSpPr>
-        <a:xfrm>
-          <a:off x="0" y="0"/>
-          <a:ext cx="0" cy="0"/>
-          <a:chOff x="0" y="0"/>
-          <a:chExt cx="0" cy="0"/>
-        </a:xfrm>
-      </p:grpSpPr>
-      <p:pic>
-        <p:nvPicPr>
-          <p:cNvPr id="7170" name="Picture 6" descr="Whoosh">
-            <a:extLst>
-              <a:ext uri="{FF2B5EF4-FFF2-40B4-BE49-F238E27FC236}">
-                <a16:creationId xmlns:a16="http://schemas.microsoft.com/office/drawing/2014/main" id="{DA9DC900-B596-739B-F82F-159E48082827}"/>
-              </a:ext>
-            </a:extLst>
-          </p:cNvPr>
-          <p:cNvPicPr>
-            <a:picLocks noChangeAspect="1" noChangeArrowheads="1"/>
-          </p:cNvPicPr>
-          <p:nvPr/>
-        </p:nvPicPr>
-        <p:blipFill>
-          <a:blip r:embed="rId2">
-            <a:extLst>
-              <a:ext uri="{28A0092B-C50C-407E-A947-70E740481C1C}">
-                <a14:useLocalDpi xmlns:a14="http://schemas.microsoft.com/office/drawing/2010/main" val="0"/>
-              </a:ext>
-            </a:extLst>
-          </a:blip>
-          <a:srcRect/>
-          <a:stretch>
-            <a:fillRect/>
-          </a:stretch>
-        </p:blipFill>
-        <p:spPr bwMode="auto">
-          <a:xfrm>
-            <a:off x="0" y="3892550"/>
-            <a:ext cx="9144000" cy="2965450"/>
-          </a:xfrm>
-          <a:prstGeom prst="rect">
-            <a:avLst/>
-          </a:prstGeom>
-          <a:noFill/>
-          <a:ln>
-            <a:noFill/>
-          </a:ln>
-          <a:extLst>
-            <a:ext uri="{909E8E84-426E-40DD-AFC4-6F175D3DCCD1}">
-              <a14:hiddenFill xmlns:a14="http://schemas.microsoft.com/office/drawing/2010/main">
-                <a:solidFill>
-                  <a:srgbClr val="FFFFFF"/>
-                </a:solidFill>
-              </a14:hiddenFill>
-            </a:ext>
-            <a:ext uri="{91240B29-F687-4F45-9708-019B960494DF}">
-              <a14:hiddenLine xmlns:a14="http://schemas.microsoft.com/office/drawing/2010/main" w="9525">
-                <a:solidFill>
-                  <a:srgbClr val="000000"/>
-                </a:solidFill>
-                <a:miter lim="800000"/>
-                <a:headEnd/>
-                <a:tailEnd/>
-              </a14:hiddenLine>
-            </a:ext>
-          </a:extLst>
-        </p:spPr>
-      </p:pic>
-      <p:sp>
-        <p:nvSpPr>
-          <p:cNvPr id="6" name="Title 1">
-            <a:extLst>
-              <a:ext uri="{FF2B5EF4-FFF2-40B4-BE49-F238E27FC236}">
-                <a16:creationId xmlns:a16="http://schemas.microsoft.com/office/drawing/2014/main" id="{6C19822B-9BB1-5715-4E18-001220CB2F67}"/>
-              </a:ext>
-            </a:extLst>
-          </p:cNvPr>
-          <p:cNvSpPr txBox="1">
-            <a:spLocks/>
-          </p:cNvSpPr>
-          <p:nvPr/>
-        </p:nvSpPr>
-        <p:spPr bwMode="auto">
-          <a:xfrm>
-            <a:off x="0" y="-170657"/>
-            <a:ext cx="7772400" cy="1008063"/>
-          </a:xfrm>
-          <a:prstGeom prst="rect">
-            <a:avLst/>
-          </a:prstGeom>
-          <a:noFill/>
-          <a:ln w="9525">
-            <a:noFill/>
-            <a:miter lim="800000"/>
-            <a:headEnd/>
-            <a:tailEnd/>
-          </a:ln>
-        </p:spPr>
-        <p:txBody>
-          <a:bodyPr anchor="ctr"/>
-          <a:lstStyle/>
-          <a:p>
-            <a:pPr eaLnBrk="1" hangingPunct="1">
-              <a:defRPr/>
-            </a:pPr>
-            <a:r>
-              <a:rPr lang="en-GB" sz="4400" b="1" kern="0" dirty="0">
-                <a:solidFill>
-                  <a:schemeClr val="tx2"/>
-                </a:solidFill>
-                <a:latin typeface="+mj-lt"/>
-                <a:ea typeface="+mj-ea"/>
-                <a:cs typeface="+mj-cs"/>
-              </a:rPr>
-              <a:t>Temporal data</a:t>
-            </a:r>
-          </a:p>
-        </p:txBody>
-      </p:sp>
-      <p:sp>
-        <p:nvSpPr>
-          <p:cNvPr id="2" name="Content Placeholder 1">
-            <a:extLst>
-              <a:ext uri="{FF2B5EF4-FFF2-40B4-BE49-F238E27FC236}">
-                <a16:creationId xmlns:a16="http://schemas.microsoft.com/office/drawing/2014/main" id="{06235267-39C6-0C14-A3DA-8B87223773E7}"/>
-              </a:ext>
-            </a:extLst>
-          </p:cNvPr>
-          <p:cNvSpPr>
-            <a:spLocks noGrp="1"/>
-          </p:cNvSpPr>
-          <p:nvPr>
-            <p:ph idx="1"/>
-          </p:nvPr>
-        </p:nvSpPr>
-        <p:spPr/>
-        <p:txBody>
-          <a:bodyPr/>
-          <a:lstStyle/>
-          <a:p>
-            <a:endParaRPr lang="en-GB"/>
-          </a:p>
-        </p:txBody>
-      </p:sp>
-    </p:spTree>
-  </p:cSld>
-  <p:clrMapOvr>
-    <a:masterClrMapping/>
-  </p:clrMapOvr>
-</p:sld>
-</file>
-
-<file path=ppt/slides/slide7.xml><?xml version="1.0" encoding="utf-8"?>
-<p:sld xmlns:a="http://schemas.openxmlformats.org/drawingml/2006/main" xmlns:r="http://schemas.openxmlformats.org/officeDocument/2006/relationships" xmlns:p="http://schemas.openxmlformats.org/presentationml/2006/main">
-  <p:cSld>
-    <p:spTree>
-      <p:nvGrpSpPr>
-        <p:cNvPr id="1" name=""/>
-        <p:cNvGrpSpPr/>
-        <p:nvPr/>
-      </p:nvGrpSpPr>
-      <p:grpSpPr>
-        <a:xfrm>
-          <a:off x="0" y="0"/>
-          <a:ext cx="0" cy="0"/>
-          <a:chOff x="0" y="0"/>
-          <a:chExt cx="0" cy="0"/>
-        </a:xfrm>
-      </p:grpSpPr>
-      <p:pic>
-        <p:nvPicPr>
-          <p:cNvPr id="9218" name="Picture 6" descr="Whoosh">
-            <a:extLst>
-              <a:ext uri="{FF2B5EF4-FFF2-40B4-BE49-F238E27FC236}">
-                <a16:creationId xmlns:a16="http://schemas.microsoft.com/office/drawing/2014/main" id="{7A87F496-BABA-D228-85B7-FBAEB35B8A49}"/>
-              </a:ext>
-            </a:extLst>
-          </p:cNvPr>
-          <p:cNvPicPr>
-            <a:picLocks noChangeAspect="1" noChangeArrowheads="1"/>
-          </p:cNvPicPr>
-          <p:nvPr/>
-        </p:nvPicPr>
-        <p:blipFill>
-          <a:blip r:embed="rId2">
-            <a:extLst>
-              <a:ext uri="{28A0092B-C50C-407E-A947-70E740481C1C}">
-                <a14:useLocalDpi xmlns:a14="http://schemas.microsoft.com/office/drawing/2010/main" val="0"/>
-              </a:ext>
-            </a:extLst>
-          </a:blip>
-          <a:srcRect/>
-          <a:stretch>
-            <a:fillRect/>
-          </a:stretch>
-        </p:blipFill>
-        <p:spPr bwMode="auto">
-          <a:xfrm>
-            <a:off x="0" y="3892550"/>
-            <a:ext cx="9144000" cy="2965450"/>
-          </a:xfrm>
-          <a:prstGeom prst="rect">
-            <a:avLst/>
-          </a:prstGeom>
-          <a:noFill/>
-          <a:ln>
-            <a:noFill/>
-          </a:ln>
-          <a:extLst>
-            <a:ext uri="{909E8E84-426E-40DD-AFC4-6F175D3DCCD1}">
-              <a14:hiddenFill xmlns:a14="http://schemas.microsoft.com/office/drawing/2010/main">
-                <a:solidFill>
-                  <a:srgbClr val="FFFFFF"/>
-                </a:solidFill>
-              </a14:hiddenFill>
-            </a:ext>
-            <a:ext uri="{91240B29-F687-4F45-9708-019B960494DF}">
-              <a14:hiddenLine xmlns:a14="http://schemas.microsoft.com/office/drawing/2010/main" w="9525">
-                <a:solidFill>
-                  <a:srgbClr val="000000"/>
-                </a:solidFill>
-                <a:miter lim="800000"/>
-                <a:headEnd/>
-                <a:tailEnd/>
-              </a14:hiddenLine>
-            </a:ext>
-          </a:extLst>
-        </p:spPr>
-      </p:pic>
-      <p:sp>
-        <p:nvSpPr>
-          <p:cNvPr id="9219" name="Title 1">
-            <a:extLst>
-              <a:ext uri="{FF2B5EF4-FFF2-40B4-BE49-F238E27FC236}">
-                <a16:creationId xmlns:a16="http://schemas.microsoft.com/office/drawing/2014/main" id="{8336E828-1FDF-9B6B-F389-25BF813AF650}"/>
-              </a:ext>
-            </a:extLst>
-          </p:cNvPr>
-          <p:cNvSpPr>
-            <a:spLocks noGrp="1"/>
-          </p:cNvSpPr>
-          <p:nvPr>
-            <p:ph type="title"/>
-          </p:nvPr>
-        </p:nvSpPr>
-        <p:spPr>
-          <a:xfrm>
-            <a:off x="0" y="-243408"/>
-            <a:ext cx="7772400" cy="1143000"/>
-          </a:xfrm>
-        </p:spPr>
-        <p:txBody>
-          <a:bodyPr/>
-          <a:lstStyle/>
-          <a:p>
-            <a:pPr algn="l" eaLnBrk="1" hangingPunct="1"/>
-            <a:r>
-              <a:rPr lang="en-GB" altLang="en-US" b="1" dirty="0"/>
-              <a:t>Trend of Admissions</a:t>
-            </a:r>
-          </a:p>
-        </p:txBody>
-      </p:sp>
-      <p:pic>
-        <p:nvPicPr>
-          <p:cNvPr id="4" name="Picture 3">
-            <a:extLst>
-              <a:ext uri="{FF2B5EF4-FFF2-40B4-BE49-F238E27FC236}">
-                <a16:creationId xmlns:a16="http://schemas.microsoft.com/office/drawing/2014/main" id="{FFB61ECD-EE4C-10AD-7BEF-A6E62FC1D23E}"/>
-              </a:ext>
-            </a:extLst>
-          </p:cNvPr>
-          <p:cNvPicPr>
-            <a:picLocks noChangeAspect="1"/>
-          </p:cNvPicPr>
-          <p:nvPr/>
-        </p:nvPicPr>
-        <p:blipFill>
-          <a:blip r:embed="rId3">
-            <a:extLst>
-              <a:ext uri="{28A0092B-C50C-407E-A947-70E740481C1C}">
-                <a14:useLocalDpi xmlns:a14="http://schemas.microsoft.com/office/drawing/2010/main" val="0"/>
-              </a:ext>
-            </a:extLst>
-          </a:blip>
-          <a:stretch>
-            <a:fillRect/>
-          </a:stretch>
-        </p:blipFill>
-        <p:spPr>
-          <a:xfrm>
-            <a:off x="0" y="987424"/>
-            <a:ext cx="9144000" cy="5249887"/>
-          </a:xfrm>
-          <a:prstGeom prst="rect">
-            <a:avLst/>
-          </a:prstGeom>
-        </p:spPr>
-      </p:pic>
-    </p:spTree>
-  </p:cSld>
-  <p:clrMapOvr>
-    <a:masterClrMapping/>
-  </p:clrMapOvr>
-</p:sld>
-</file>
-
-<file path=ppt/slides/slide8.xml><?xml version="1.0" encoding="utf-8"?>
-<p:sld xmlns:a="http://schemas.openxmlformats.org/drawingml/2006/main" xmlns:r="http://schemas.openxmlformats.org/officeDocument/2006/relationships" xmlns:p="http://schemas.openxmlformats.org/presentationml/2006/main">
-  <p:cSld>
-    <p:spTree>
-      <p:nvGrpSpPr>
-        <p:cNvPr id="1" name=""/>
-        <p:cNvGrpSpPr/>
-        <p:nvPr/>
-      </p:nvGrpSpPr>
-      <p:grpSpPr>
-        <a:xfrm>
-          <a:off x="0" y="0"/>
-          <a:ext cx="0" cy="0"/>
-          <a:chOff x="0" y="0"/>
-          <a:chExt cx="0" cy="0"/>
-        </a:xfrm>
-      </p:grpSpPr>
-      <p:pic>
-        <p:nvPicPr>
-          <p:cNvPr id="10242" name="Picture 6" descr="Whoosh">
-            <a:extLst>
-              <a:ext uri="{FF2B5EF4-FFF2-40B4-BE49-F238E27FC236}">
-                <a16:creationId xmlns:a16="http://schemas.microsoft.com/office/drawing/2014/main" id="{C0773036-C7B2-8EEC-B041-03C9BB887245}"/>
-              </a:ext>
-            </a:extLst>
-          </p:cNvPr>
-          <p:cNvPicPr>
-            <a:picLocks noChangeAspect="1" noChangeArrowheads="1"/>
-          </p:cNvPicPr>
-          <p:nvPr/>
-        </p:nvPicPr>
-        <p:blipFill>
-          <a:blip r:embed="rId2">
-            <a:extLst>
-              <a:ext uri="{28A0092B-C50C-407E-A947-70E740481C1C}">
-                <a14:useLocalDpi xmlns:a14="http://schemas.microsoft.com/office/drawing/2010/main" val="0"/>
-              </a:ext>
-            </a:extLst>
-          </a:blip>
-          <a:srcRect/>
-          <a:stretch>
-            <a:fillRect/>
-          </a:stretch>
-        </p:blipFill>
-        <p:spPr bwMode="auto">
-          <a:xfrm>
-            <a:off x="0" y="3892550"/>
-            <a:ext cx="9144000" cy="2965450"/>
-          </a:xfrm>
-          <a:prstGeom prst="rect">
-            <a:avLst/>
-          </a:prstGeom>
-          <a:noFill/>
-          <a:ln>
-            <a:noFill/>
-          </a:ln>
-          <a:extLst>
-            <a:ext uri="{909E8E84-426E-40DD-AFC4-6F175D3DCCD1}">
-              <a14:hiddenFill xmlns:a14="http://schemas.microsoft.com/office/drawing/2010/main">
-                <a:solidFill>
-                  <a:srgbClr val="FFFFFF"/>
-                </a:solidFill>
-              </a14:hiddenFill>
-            </a:ext>
-            <a:ext uri="{91240B29-F687-4F45-9708-019B960494DF}">
-              <a14:hiddenLine xmlns:a14="http://schemas.microsoft.com/office/drawing/2010/main" w="9525">
-                <a:solidFill>
-                  <a:srgbClr val="000000"/>
-                </a:solidFill>
-                <a:miter lim="800000"/>
-                <a:headEnd/>
-                <a:tailEnd/>
-              </a14:hiddenLine>
-            </a:ext>
-          </a:extLst>
-        </p:spPr>
-      </p:pic>
-      <p:sp>
-        <p:nvSpPr>
-          <p:cNvPr id="10243" name="Title 1">
-            <a:extLst>
-              <a:ext uri="{FF2B5EF4-FFF2-40B4-BE49-F238E27FC236}">
-                <a16:creationId xmlns:a16="http://schemas.microsoft.com/office/drawing/2014/main" id="{7A44A555-10CE-4863-E416-6EC822CD9726}"/>
-              </a:ext>
-            </a:extLst>
-          </p:cNvPr>
-          <p:cNvSpPr>
-            <a:spLocks noGrp="1"/>
-          </p:cNvSpPr>
-          <p:nvPr>
-            <p:ph type="title"/>
-          </p:nvPr>
-        </p:nvSpPr>
-        <p:spPr>
-          <a:xfrm>
-            <a:off x="-1981" y="-243408"/>
-            <a:ext cx="7772400" cy="1143000"/>
-          </a:xfrm>
-        </p:spPr>
-        <p:txBody>
-          <a:bodyPr/>
-          <a:lstStyle/>
-          <a:p>
-            <a:pPr algn="l" eaLnBrk="1" hangingPunct="1"/>
-            <a:r>
-              <a:rPr lang="en-GB" altLang="en-US" b="1" dirty="0"/>
-              <a:t>Trend of stays</a:t>
-            </a:r>
-          </a:p>
-        </p:txBody>
-      </p:sp>
-      <p:sp>
-        <p:nvSpPr>
-          <p:cNvPr id="2" name="Content Placeholder 1">
-            <a:extLst>
-              <a:ext uri="{FF2B5EF4-FFF2-40B4-BE49-F238E27FC236}">
-                <a16:creationId xmlns:a16="http://schemas.microsoft.com/office/drawing/2014/main" id="{5478A769-7D39-9A6F-45FB-28700452DC33}"/>
-              </a:ext>
-            </a:extLst>
-          </p:cNvPr>
-          <p:cNvSpPr>
-            <a:spLocks noGrp="1"/>
-          </p:cNvSpPr>
-          <p:nvPr>
-            <p:ph idx="1"/>
-          </p:nvPr>
-        </p:nvSpPr>
-        <p:spPr/>
-        <p:txBody>
-          <a:bodyPr/>
-          <a:lstStyle/>
-          <a:p>
-            <a:endParaRPr lang="en-GB"/>
-          </a:p>
-        </p:txBody>
-      </p:sp>
-      <p:pic>
-        <p:nvPicPr>
-          <p:cNvPr id="4" name="Picture 3">
-            <a:extLst>
-              <a:ext uri="{FF2B5EF4-FFF2-40B4-BE49-F238E27FC236}">
-                <a16:creationId xmlns:a16="http://schemas.microsoft.com/office/drawing/2014/main" id="{A7C7F028-B870-A699-6167-DC6A79401A4D}"/>
-              </a:ext>
-            </a:extLst>
-          </p:cNvPr>
-          <p:cNvPicPr>
-            <a:picLocks noChangeAspect="1"/>
-          </p:cNvPicPr>
-          <p:nvPr/>
-        </p:nvPicPr>
-        <p:blipFill>
-          <a:blip r:embed="rId3"/>
-          <a:stretch>
-            <a:fillRect/>
-          </a:stretch>
-        </p:blipFill>
-        <p:spPr>
-          <a:xfrm>
-            <a:off x="107505" y="762000"/>
-            <a:ext cx="5116964" cy="3130550"/>
-          </a:xfrm>
-          <a:prstGeom prst="rect">
-            <a:avLst/>
-          </a:prstGeom>
-        </p:spPr>
-      </p:pic>
-    </p:spTree>
-  </p:cSld>
-  <p:clrMapOvr>
-    <a:masterClrMapping/>
-  </p:clrMapOvr>
-</p:sld>
-</file>
-
-<file path=ppt/slides/slide9.xml><?xml version="1.0" encoding="utf-8"?>
-<p:sld xmlns:a="http://schemas.openxmlformats.org/drawingml/2006/main" xmlns:r="http://schemas.openxmlformats.org/officeDocument/2006/relationships" xmlns:p="http://schemas.openxmlformats.org/presentationml/2006/main">
-  <p:cSld>
-    <p:spTree>
-      <p:nvGrpSpPr>
-        <p:cNvPr id="1" name=""/>
-        <p:cNvGrpSpPr/>
-        <p:nvPr/>
-      </p:nvGrpSpPr>
-      <p:grpSpPr>
-        <a:xfrm>
-          <a:off x="0" y="0"/>
-          <a:ext cx="0" cy="0"/>
-          <a:chOff x="0" y="0"/>
-          <a:chExt cx="0" cy="0"/>
-        </a:xfrm>
-      </p:grpSpPr>
-      <p:pic>
-        <p:nvPicPr>
-          <p:cNvPr id="11266" name="Picture 6" descr="Whoosh">
-            <a:extLst>
-              <a:ext uri="{FF2B5EF4-FFF2-40B4-BE49-F238E27FC236}">
-                <a16:creationId xmlns:a16="http://schemas.microsoft.com/office/drawing/2014/main" id="{CA74C155-1AC0-0752-CC26-BE6F203D3A88}"/>
-              </a:ext>
-            </a:extLst>
-          </p:cNvPr>
-          <p:cNvPicPr>
-            <a:picLocks noChangeAspect="1" noChangeArrowheads="1"/>
-          </p:cNvPicPr>
-          <p:nvPr/>
-        </p:nvPicPr>
-        <p:blipFill>
-          <a:blip r:embed="rId2">
-            <a:extLst>
-              <a:ext uri="{28A0092B-C50C-407E-A947-70E740481C1C}">
-                <a14:useLocalDpi xmlns:a14="http://schemas.microsoft.com/office/drawing/2010/main" val="0"/>
-              </a:ext>
-            </a:extLst>
-          </a:blip>
-          <a:srcRect/>
-          <a:stretch>
-            <a:fillRect/>
-          </a:stretch>
-        </p:blipFill>
-        <p:spPr bwMode="auto">
-          <a:xfrm>
-            <a:off x="0" y="3892550"/>
-            <a:ext cx="9144000" cy="2965450"/>
-          </a:xfrm>
-          <a:prstGeom prst="rect">
-            <a:avLst/>
-          </a:prstGeom>
-          <a:noFill/>
-          <a:ln>
-            <a:noFill/>
-          </a:ln>
-          <a:extLst>
-            <a:ext uri="{909E8E84-426E-40DD-AFC4-6F175D3DCCD1}">
-              <a14:hiddenFill xmlns:a14="http://schemas.microsoft.com/office/drawing/2010/main">
-                <a:solidFill>
-                  <a:srgbClr val="FFFFFF"/>
-                </a:solidFill>
-              </a14:hiddenFill>
-            </a:ext>
-            <a:ext uri="{91240B29-F687-4F45-9708-019B960494DF}">
-              <a14:hiddenLine xmlns:a14="http://schemas.microsoft.com/office/drawing/2010/main" w="9525">
-                <a:solidFill>
-                  <a:srgbClr val="000000"/>
-                </a:solidFill>
-                <a:miter lim="800000"/>
-                <a:headEnd/>
-                <a:tailEnd/>
-              </a14:hiddenLine>
-            </a:ext>
-          </a:extLst>
-        </p:spPr>
-      </p:pic>
-      <p:sp>
-        <p:nvSpPr>
-          <p:cNvPr id="11267" name="Title 1">
-            <a:extLst>
-              <a:ext uri="{FF2B5EF4-FFF2-40B4-BE49-F238E27FC236}">
-                <a16:creationId xmlns:a16="http://schemas.microsoft.com/office/drawing/2014/main" id="{1451893C-1255-1EFC-7B76-09729BD80122}"/>
-              </a:ext>
-            </a:extLst>
-          </p:cNvPr>
-          <p:cNvSpPr>
-            <a:spLocks noGrp="1"/>
-          </p:cNvSpPr>
-          <p:nvPr>
-            <p:ph type="title"/>
-          </p:nvPr>
-        </p:nvSpPr>
-        <p:spPr>
-          <a:xfrm>
-            <a:off x="0" y="-243408"/>
-            <a:ext cx="7772400" cy="1143000"/>
-          </a:xfrm>
-        </p:spPr>
-        <p:txBody>
-          <a:bodyPr/>
-          <a:lstStyle/>
-          <a:p>
-            <a:pPr algn="l" eaLnBrk="1" hangingPunct="1"/>
-            <a:r>
-              <a:rPr lang="en-GB" altLang="en-US" b="1" dirty="0"/>
-              <a:t>Trend of deaths</a:t>
-            </a:r>
-          </a:p>
-        </p:txBody>
-      </p:sp>
-      <p:sp>
-        <p:nvSpPr>
-          <p:cNvPr id="2" name="Content Placeholder 1">
-            <a:extLst>
-              <a:ext uri="{FF2B5EF4-FFF2-40B4-BE49-F238E27FC236}">
-                <a16:creationId xmlns:a16="http://schemas.microsoft.com/office/drawing/2014/main" id="{CDFA73F2-E46F-B451-C791-D9C9088507CD}"/>
-              </a:ext>
-            </a:extLst>
-          </p:cNvPr>
-          <p:cNvSpPr>
-            <a:spLocks noGrp="1"/>
-          </p:cNvSpPr>
-          <p:nvPr>
-            <p:ph idx="1"/>
-          </p:nvPr>
-        </p:nvSpPr>
-        <p:spPr/>
-        <p:txBody>
-          <a:bodyPr/>
-          <a:lstStyle/>
-          <a:p>
-            <a:endParaRPr lang="en-GB" dirty="0"/>
-          </a:p>
-        </p:txBody>
-      </p:sp>
-      <p:sp>
-        <p:nvSpPr>
-          <p:cNvPr id="7" name="Rectangle 6">
-            <a:extLst>
-              <a:ext uri="{FF2B5EF4-FFF2-40B4-BE49-F238E27FC236}">
-                <a16:creationId xmlns:a16="http://schemas.microsoft.com/office/drawing/2014/main" id="{36B7B640-E4FB-03B3-D824-CE07720B43D2}"/>
-              </a:ext>
-            </a:extLst>
-          </p:cNvPr>
-          <p:cNvSpPr/>
-          <p:nvPr/>
-        </p:nvSpPr>
-        <p:spPr bwMode="auto">
-          <a:xfrm>
-            <a:off x="685800" y="6381328"/>
-            <a:ext cx="285800" cy="288032"/>
-          </a:xfrm>
-          <a:prstGeom prst="rect">
-            <a:avLst/>
-          </a:prstGeom>
-          <a:solidFill>
-            <a:srgbClr val="0000FF"/>
-          </a:solidFill>
-          <a:ln w="9525" cap="flat" cmpd="sng" algn="ctr">
-            <a:solidFill>
-              <a:schemeClr val="tx1"/>
-            </a:solidFill>
-            <a:prstDash val="solid"/>
-            <a:round/>
-            <a:headEnd type="none" w="med" len="med"/>
-            <a:tailEnd type="none" w="med" len="med"/>
-          </a:ln>
-          <a:effectLst/>
-        </p:spPr>
-        <p:txBody>
-          <a:bodyPr vert="horz" wrap="square" lIns="91440" tIns="45720" rIns="91440" bIns="45720" numCol="1" rtlCol="0" anchor="t" anchorCtr="0" compatLnSpc="1">
-            <a:prstTxWarp prst="textNoShape">
-              <a:avLst/>
-            </a:prstTxWarp>
-          </a:bodyPr>
-          <a:lstStyle/>
-          <a:p>
-            <a:pPr marL="0" marR="0" indent="0" algn="l" defTabSz="914400" rtl="0" eaLnBrk="0" fontAlgn="base" latinLnBrk="0" hangingPunct="0">
-              <a:lnSpc>
-                <a:spcPct val="100000"/>
-              </a:lnSpc>
-              <a:spcBef>
-                <a:spcPct val="0"/>
-              </a:spcBef>
-              <a:spcAft>
-                <a:spcPct val="0"/>
-              </a:spcAft>
-              <a:buClrTx/>
-              <a:buSzTx/>
-              <a:buFontTx/>
-              <a:buNone/>
-              <a:tabLst/>
-            </a:pPr>
-            <a:endParaRPr kumimoji="0" lang="en-GB" sz="2400" b="0" i="0" u="none" strike="noStrike" cap="none" normalizeH="0" baseline="0">
-              <a:ln>
-                <a:noFill/>
-              </a:ln>
-              <a:solidFill>
-                <a:schemeClr val="tx1"/>
-              </a:solidFill>
-              <a:effectLst/>
-              <a:latin typeface="Arial" charset="0"/>
-              <a:ea typeface="ＭＳ Ｐゴシック" pitchFamily="116" charset="-128"/>
-            </a:endParaRPr>
-          </a:p>
-        </p:txBody>
-      </p:sp>
-      <p:pic>
-        <p:nvPicPr>
-          <p:cNvPr id="9" name="Picture 8">
-            <a:extLst>
-              <a:ext uri="{FF2B5EF4-FFF2-40B4-BE49-F238E27FC236}">
-                <a16:creationId xmlns:a16="http://schemas.microsoft.com/office/drawing/2014/main" id="{6C2B1612-42AF-CAD3-0CFE-92B2C1238269}"/>
-              </a:ext>
-            </a:extLst>
-          </p:cNvPr>
-          <p:cNvPicPr>
-            <a:picLocks noChangeAspect="1"/>
-          </p:cNvPicPr>
-          <p:nvPr/>
-        </p:nvPicPr>
-        <p:blipFill>
-          <a:blip r:embed="rId3"/>
-          <a:stretch>
-            <a:fillRect/>
-          </a:stretch>
-        </p:blipFill>
-        <p:spPr>
-          <a:xfrm>
-            <a:off x="0" y="762000"/>
-            <a:ext cx="9144000" cy="5430688"/>
-          </a:xfrm>
-          <a:prstGeom prst="rect">
-            <a:avLst/>
-          </a:prstGeom>
-        </p:spPr>
-      </p:pic>
-      <p:sp>
-        <p:nvSpPr>
-          <p:cNvPr id="10" name="Rectangle 9">
-            <a:extLst>
-              <a:ext uri="{FF2B5EF4-FFF2-40B4-BE49-F238E27FC236}">
-                <a16:creationId xmlns:a16="http://schemas.microsoft.com/office/drawing/2014/main" id="{2643C6D9-2CFB-D3D4-EB3C-8B393B8EF2F3}"/>
-              </a:ext>
-            </a:extLst>
-          </p:cNvPr>
-          <p:cNvSpPr/>
-          <p:nvPr/>
-        </p:nvSpPr>
-        <p:spPr bwMode="auto">
-          <a:xfrm>
-            <a:off x="5292080" y="6381328"/>
-            <a:ext cx="285800" cy="288032"/>
-          </a:xfrm>
-          <a:prstGeom prst="rect">
-            <a:avLst/>
-          </a:prstGeom>
-          <a:solidFill>
-            <a:srgbClr val="FF0000"/>
-          </a:solidFill>
-          <a:ln w="9525" cap="flat" cmpd="sng" algn="ctr">
-            <a:solidFill>
-              <a:schemeClr val="tx1"/>
-            </a:solidFill>
-            <a:prstDash val="solid"/>
-            <a:round/>
-            <a:headEnd type="none" w="med" len="med"/>
-            <a:tailEnd type="none" w="med" len="med"/>
-          </a:ln>
-          <a:effectLst/>
-        </p:spPr>
-        <p:txBody>
-          <a:bodyPr vert="horz" wrap="square" lIns="91440" tIns="45720" rIns="91440" bIns="45720" numCol="1" rtlCol="0" anchor="t" anchorCtr="0" compatLnSpc="1">
-            <a:prstTxWarp prst="textNoShape">
-              <a:avLst/>
-            </a:prstTxWarp>
-          </a:bodyPr>
-          <a:lstStyle/>
-          <a:p>
-            <a:pPr marL="0" marR="0" indent="0" algn="l" defTabSz="914400" rtl="0" eaLnBrk="0" fontAlgn="base" latinLnBrk="0" hangingPunct="0">
-              <a:lnSpc>
-                <a:spcPct val="100000"/>
-              </a:lnSpc>
-              <a:spcBef>
-                <a:spcPct val="0"/>
-              </a:spcBef>
-              <a:spcAft>
-                <a:spcPct val="0"/>
-              </a:spcAft>
-              <a:buClrTx/>
-              <a:buSzTx/>
-              <a:buFontTx/>
-              <a:buNone/>
-              <a:tabLst/>
-            </a:pPr>
-            <a:endParaRPr kumimoji="0" lang="en-GB" sz="2400" b="0" i="0" u="none" strike="noStrike" cap="none" normalizeH="0" baseline="0">
-              <a:ln>
-                <a:noFill/>
-              </a:ln>
-              <a:solidFill>
-                <a:schemeClr val="tx1"/>
-              </a:solidFill>
-              <a:effectLst/>
-              <a:latin typeface="Arial" charset="0"/>
-              <a:ea typeface="ＭＳ Ｐゴシック" pitchFamily="116" charset="-128"/>
-            </a:endParaRPr>
-          </a:p>
-        </p:txBody>
-      </p:sp>
-      <p:sp>
-        <p:nvSpPr>
-          <p:cNvPr id="11" name="TextBox 10">
-            <a:extLst>
-              <a:ext uri="{FF2B5EF4-FFF2-40B4-BE49-F238E27FC236}">
-                <a16:creationId xmlns:a16="http://schemas.microsoft.com/office/drawing/2014/main" id="{2FE19851-61EE-F09D-5BA8-5D7596242CC8}"/>
-              </a:ext>
-            </a:extLst>
-          </p:cNvPr>
-          <p:cNvSpPr txBox="1"/>
-          <p:nvPr/>
-        </p:nvSpPr>
-        <p:spPr>
-          <a:xfrm>
-            <a:off x="1043608" y="6237312"/>
-            <a:ext cx="3240360" cy="523220"/>
-          </a:xfrm>
-          <a:prstGeom prst="rect">
-            <a:avLst/>
-          </a:prstGeom>
-          <a:noFill/>
-        </p:spPr>
-        <p:txBody>
-          <a:bodyPr wrap="square" rtlCol="0">
-            <a:spAutoFit/>
-          </a:bodyPr>
-          <a:lstStyle/>
-          <a:p>
-            <a:r>
-              <a:rPr lang="en-GB" sz="1400" dirty="0"/>
-              <a:t>Average death trend from 2015 to 2019</a:t>
-            </a:r>
-          </a:p>
-        </p:txBody>
-      </p:sp>
-      <p:sp>
-        <p:nvSpPr>
-          <p:cNvPr id="12" name="TextBox 11">
-            <a:extLst>
-              <a:ext uri="{FF2B5EF4-FFF2-40B4-BE49-F238E27FC236}">
-                <a16:creationId xmlns:a16="http://schemas.microsoft.com/office/drawing/2014/main" id="{ED95475D-4154-75FC-CC1F-6A06544CA07A}"/>
-              </a:ext>
-            </a:extLst>
-          </p:cNvPr>
-          <p:cNvSpPr txBox="1"/>
-          <p:nvPr/>
-        </p:nvSpPr>
-        <p:spPr>
-          <a:xfrm>
-            <a:off x="5760119" y="6239105"/>
-            <a:ext cx="3240360" cy="523220"/>
-          </a:xfrm>
-          <a:prstGeom prst="rect">
-            <a:avLst/>
-          </a:prstGeom>
-          <a:noFill/>
-        </p:spPr>
-        <p:txBody>
-          <a:bodyPr wrap="square" rtlCol="0">
-            <a:spAutoFit/>
-          </a:bodyPr>
-          <a:lstStyle/>
-          <a:p>
-            <a:r>
-              <a:rPr lang="en-GB" sz="1400" dirty="0"/>
-              <a:t>Average death trend from January 2020 onwards</a:t>
-            </a:r>
           </a:p>
         </p:txBody>
       </p:sp>

--- a/Final Powerpoint presentation for 12.08.22.pptx
+++ b/Final Powerpoint presentation for 12.08.22.pptx
@@ -10168,6 +10168,14 @@
 <file path=ppt/slides/slide7.xml><?xml version="1.0" encoding="utf-8"?>
 <p:sld xmlns:a="http://schemas.openxmlformats.org/drawingml/2006/main" xmlns:r="http://schemas.openxmlformats.org/officeDocument/2006/relationships" xmlns:p="http://schemas.openxmlformats.org/presentationml/2006/main">
   <p:cSld>
+    <p:bg>
+      <p:bgPr>
+        <a:solidFill>
+          <a:schemeClr val="bg1"/>
+        </a:solidFill>
+        <a:effectLst/>
+      </p:bgPr>
+    </p:bg>
     <p:spTree>
       <p:nvGrpSpPr>
         <p:cNvPr id="1" name=""/>
@@ -10182,6 +10190,393 @@
           <a:chExt cx="0" cy="0"/>
         </a:xfrm>
       </p:grpSpPr>
+      <p:sp>
+        <p:nvSpPr>
+          <p:cNvPr id="14344" name="Freeform: Shape 14343">
+            <a:extLst>
+              <a:ext uri="{FF2B5EF4-FFF2-40B4-BE49-F238E27FC236}">
+                <a16:creationId xmlns:a16="http://schemas.microsoft.com/office/drawing/2014/main" id="{E4505C23-674B-4195-81D6-0C127FEAE3F8}"/>
+              </a:ext>
+              <a:ext uri="{C183D7F6-B498-43B3-948B-1728B52AA6E4}">
+                <adec:decorative xmlns:adec="http://schemas.microsoft.com/office/drawing/2017/decorative" val="1"/>
+              </a:ext>
+            </a:extLst>
+          </p:cNvPr>
+          <p:cNvSpPr>
+            <a:spLocks noGrp="1" noRot="1" noChangeAspect="1" noMove="1" noResize="1" noEditPoints="1" noAdjustHandles="1" noChangeArrowheads="1" noChangeShapeType="1" noTextEdit="1"/>
+          </p:cNvSpPr>
+          <p:nvPr>
+            <p:extLst>
+              <p:ext uri="{386F3935-93C4-4BCD-93E2-E3B085C9AB24}">
+                <p16:designElem xmlns:p16="http://schemas.microsoft.com/office/powerpoint/2015/main" val="1"/>
+              </p:ext>
+            </p:extLst>
+          </p:nvPr>
+        </p:nvSpPr>
+        <p:spPr>
+          <a:xfrm>
+            <a:off x="0" y="5367908"/>
+            <a:ext cx="6870771" cy="1490093"/>
+          </a:xfrm>
+          <a:custGeom>
+            <a:avLst/>
+            <a:gdLst>
+              <a:gd name="connsiteX0" fmla="*/ 0 w 9161029"/>
+              <a:gd name="connsiteY0" fmla="*/ 0 h 1490093"/>
+              <a:gd name="connsiteX1" fmla="*/ 2046494 w 9161029"/>
+              <a:gd name="connsiteY1" fmla="*/ 0 h 1490093"/>
+              <a:gd name="connsiteX2" fmla="*/ 2496613 w 9161029"/>
+              <a:gd name="connsiteY2" fmla="*/ 0 h 1490093"/>
+              <a:gd name="connsiteX3" fmla="*/ 3235839 w 9161029"/>
+              <a:gd name="connsiteY3" fmla="*/ 0 h 1490093"/>
+              <a:gd name="connsiteX4" fmla="*/ 9161029 w 9161029"/>
+              <a:gd name="connsiteY4" fmla="*/ 0 h 1490093"/>
+              <a:gd name="connsiteX5" fmla="*/ 8470921 w 9161029"/>
+              <a:gd name="connsiteY5" fmla="*/ 1490093 h 1490093"/>
+              <a:gd name="connsiteX6" fmla="*/ 0 w 9161029"/>
+              <a:gd name="connsiteY6" fmla="*/ 1490093 h 1490093"/>
+            </a:gdLst>
+            <a:ahLst/>
+            <a:cxnLst>
+              <a:cxn ang="0">
+                <a:pos x="connsiteX0" y="connsiteY0"/>
+              </a:cxn>
+              <a:cxn ang="0">
+                <a:pos x="connsiteX1" y="connsiteY1"/>
+              </a:cxn>
+              <a:cxn ang="0">
+                <a:pos x="connsiteX2" y="connsiteY2"/>
+              </a:cxn>
+              <a:cxn ang="0">
+                <a:pos x="connsiteX3" y="connsiteY3"/>
+              </a:cxn>
+              <a:cxn ang="0">
+                <a:pos x="connsiteX4" y="connsiteY4"/>
+              </a:cxn>
+              <a:cxn ang="0">
+                <a:pos x="connsiteX5" y="connsiteY5"/>
+              </a:cxn>
+              <a:cxn ang="0">
+                <a:pos x="connsiteX6" y="connsiteY6"/>
+              </a:cxn>
+            </a:cxnLst>
+            <a:rect l="l" t="t" r="r" b="b"/>
+            <a:pathLst>
+              <a:path w="9161029" h="1490093">
+                <a:moveTo>
+                  <a:pt x="0" y="0"/>
+                </a:moveTo>
+                <a:lnTo>
+                  <a:pt x="2046494" y="0"/>
+                </a:lnTo>
+                <a:lnTo>
+                  <a:pt x="2496613" y="0"/>
+                </a:lnTo>
+                <a:lnTo>
+                  <a:pt x="3235839" y="0"/>
+                </a:lnTo>
+                <a:lnTo>
+                  <a:pt x="9161029" y="0"/>
+                </a:lnTo>
+                <a:lnTo>
+                  <a:pt x="8470921" y="1490093"/>
+                </a:lnTo>
+                <a:lnTo>
+                  <a:pt x="0" y="1490093"/>
+                </a:lnTo>
+                <a:close/>
+              </a:path>
+            </a:pathLst>
+          </a:custGeom>
+          <a:solidFill>
+            <a:schemeClr val="tx1">
+              <a:lumMod val="50000"/>
+              <a:lumOff val="50000"/>
+              <a:alpha val="40000"/>
+            </a:schemeClr>
+          </a:solidFill>
+          <a:ln>
+            <a:noFill/>
+          </a:ln>
+        </p:spPr>
+        <p:style>
+          <a:lnRef idx="2">
+            <a:schemeClr val="accent1">
+              <a:shade val="50000"/>
+            </a:schemeClr>
+          </a:lnRef>
+          <a:fillRef idx="1">
+            <a:schemeClr val="accent1"/>
+          </a:fillRef>
+          <a:effectRef idx="0">
+            <a:schemeClr val="accent1"/>
+          </a:effectRef>
+          <a:fontRef idx="minor">
+            <a:schemeClr val="lt1"/>
+          </a:fontRef>
+        </p:style>
+        <p:txBody>
+          <a:bodyPr rtlCol="0" anchor="ctr"/>
+          <a:lstStyle/>
+          <a:p>
+            <a:pPr algn="ctr"/>
+            <a:endParaRPr lang="en-US"/>
+          </a:p>
+        </p:txBody>
+      </p:sp>
+      <p:sp>
+        <p:nvSpPr>
+          <p:cNvPr id="14346" name="Freeform: Shape 14345">
+            <a:extLst>
+              <a:ext uri="{FF2B5EF4-FFF2-40B4-BE49-F238E27FC236}">
+                <a16:creationId xmlns:a16="http://schemas.microsoft.com/office/drawing/2014/main" id="{65C9B8F0-FF66-4C15-BD05-E86B87331846}"/>
+              </a:ext>
+              <a:ext uri="{C183D7F6-B498-43B3-948B-1728B52AA6E4}">
+                <adec:decorative xmlns:adec="http://schemas.microsoft.com/office/drawing/2017/decorative" val="1"/>
+              </a:ext>
+            </a:extLst>
+          </p:cNvPr>
+          <p:cNvSpPr>
+            <a:spLocks noGrp="1" noRot="1" noChangeAspect="1" noMove="1" noResize="1" noEditPoints="1" noAdjustHandles="1" noChangeArrowheads="1" noChangeShapeType="1" noTextEdit="1"/>
+          </p:cNvSpPr>
+          <p:nvPr>
+            <p:extLst>
+              <p:ext uri="{386F3935-93C4-4BCD-93E2-E3B085C9AB24}">
+                <p16:designElem xmlns:p16="http://schemas.microsoft.com/office/powerpoint/2015/main" val="1"/>
+              </p:ext>
+            </p:extLst>
+          </p:nvPr>
+        </p:nvSpPr>
+        <p:spPr>
+          <a:xfrm>
+            <a:off x="6572277" y="5367908"/>
+            <a:ext cx="2571723" cy="1490093"/>
+          </a:xfrm>
+          <a:custGeom>
+            <a:avLst/>
+            <a:gdLst>
+              <a:gd name="connsiteX0" fmla="*/ 690108 w 3428963"/>
+              <a:gd name="connsiteY0" fmla="*/ 0 h 1490093"/>
+              <a:gd name="connsiteX1" fmla="*/ 3428963 w 3428963"/>
+              <a:gd name="connsiteY1" fmla="*/ 0 h 1490093"/>
+              <a:gd name="connsiteX2" fmla="*/ 3428963 w 3428963"/>
+              <a:gd name="connsiteY2" fmla="*/ 1490093 h 1490093"/>
+              <a:gd name="connsiteX3" fmla="*/ 0 w 3428963"/>
+              <a:gd name="connsiteY3" fmla="*/ 1490093 h 1490093"/>
+            </a:gdLst>
+            <a:ahLst/>
+            <a:cxnLst>
+              <a:cxn ang="0">
+                <a:pos x="connsiteX0" y="connsiteY0"/>
+              </a:cxn>
+              <a:cxn ang="0">
+                <a:pos x="connsiteX1" y="connsiteY1"/>
+              </a:cxn>
+              <a:cxn ang="0">
+                <a:pos x="connsiteX2" y="connsiteY2"/>
+              </a:cxn>
+              <a:cxn ang="0">
+                <a:pos x="connsiteX3" y="connsiteY3"/>
+              </a:cxn>
+            </a:cxnLst>
+            <a:rect l="l" t="t" r="r" b="b"/>
+            <a:pathLst>
+              <a:path w="3428963" h="1490093">
+                <a:moveTo>
+                  <a:pt x="690108" y="0"/>
+                </a:moveTo>
+                <a:lnTo>
+                  <a:pt x="3428963" y="0"/>
+                </a:lnTo>
+                <a:lnTo>
+                  <a:pt x="3428963" y="1490093"/>
+                </a:lnTo>
+                <a:lnTo>
+                  <a:pt x="0" y="1490093"/>
+                </a:lnTo>
+                <a:close/>
+              </a:path>
+            </a:pathLst>
+          </a:custGeom>
+          <a:solidFill>
+            <a:schemeClr val="tx1">
+              <a:alpha val="70000"/>
+            </a:schemeClr>
+          </a:solidFill>
+          <a:ln>
+            <a:noFill/>
+          </a:ln>
+        </p:spPr>
+        <p:style>
+          <a:lnRef idx="2">
+            <a:schemeClr val="accent1">
+              <a:shade val="50000"/>
+            </a:schemeClr>
+          </a:lnRef>
+          <a:fillRef idx="1">
+            <a:schemeClr val="accent1"/>
+          </a:fillRef>
+          <a:effectRef idx="0">
+            <a:schemeClr val="accent1"/>
+          </a:effectRef>
+          <a:fontRef idx="minor">
+            <a:schemeClr val="lt1"/>
+          </a:fontRef>
+        </p:style>
+        <p:txBody>
+          <a:bodyPr wrap="square" rtlCol="0" anchor="ctr">
+            <a:noAutofit/>
+          </a:bodyPr>
+          <a:lstStyle/>
+          <a:p>
+            <a:pPr algn="ctr"/>
+            <a:endParaRPr lang="en-US"/>
+          </a:p>
+        </p:txBody>
+      </p:sp>
+      <p:pic>
+        <p:nvPicPr>
+          <p:cNvPr id="10" name="Picture 9" descr="Graphical user interface, map&#10;&#10;Description automatically generated">
+            <a:extLst>
+              <a:ext uri="{FF2B5EF4-FFF2-40B4-BE49-F238E27FC236}">
+                <a16:creationId xmlns:a16="http://schemas.microsoft.com/office/drawing/2014/main" id="{D3CD79F7-3DB6-942B-7191-3754DD1F1EA2}"/>
+              </a:ext>
+            </a:extLst>
+          </p:cNvPr>
+          <p:cNvPicPr>
+            <a:picLocks noChangeAspect="1"/>
+          </p:cNvPicPr>
+          <p:nvPr/>
+        </p:nvPicPr>
+        <p:blipFill>
+          <a:blip r:embed="rId2">
+            <a:extLst>
+              <a:ext uri="{28A0092B-C50C-407E-A947-70E740481C1C}">
+                <a14:useLocalDpi xmlns:a14="http://schemas.microsoft.com/office/drawing/2010/main" val="0"/>
+              </a:ext>
+            </a:extLst>
+          </a:blip>
+          <a:stretch>
+            <a:fillRect/>
+          </a:stretch>
+        </p:blipFill>
+        <p:spPr>
+          <a:xfrm>
+            <a:off x="642938" y="642938"/>
+            <a:ext cx="3825875" cy="2119313"/>
+          </a:xfrm>
+          <a:prstGeom prst="rect">
+            <a:avLst/>
+          </a:prstGeom>
+        </p:spPr>
+      </p:pic>
+      <p:pic>
+        <p:nvPicPr>
+          <p:cNvPr id="8" name="Picture 7" descr="Bar chart&#10;&#10;Description automatically generated with medium confidence">
+            <a:extLst>
+              <a:ext uri="{FF2B5EF4-FFF2-40B4-BE49-F238E27FC236}">
+                <a16:creationId xmlns:a16="http://schemas.microsoft.com/office/drawing/2014/main" id="{D582C115-2265-525A-6D6E-E3D4818C4FA0}"/>
+              </a:ext>
+            </a:extLst>
+          </p:cNvPr>
+          <p:cNvPicPr>
+            <a:picLocks noChangeAspect="1"/>
+          </p:cNvPicPr>
+          <p:nvPr/>
+        </p:nvPicPr>
+        <p:blipFill>
+          <a:blip r:embed="rId3">
+            <a:extLst>
+              <a:ext uri="{28A0092B-C50C-407E-A947-70E740481C1C}">
+                <a14:useLocalDpi xmlns:a14="http://schemas.microsoft.com/office/drawing/2010/main" val="0"/>
+              </a:ext>
+            </a:extLst>
+          </a:blip>
+          <a:stretch>
+            <a:fillRect/>
+          </a:stretch>
+        </p:blipFill>
+        <p:spPr>
+          <a:xfrm>
+            <a:off x="642938" y="2833688"/>
+            <a:ext cx="3825875" cy="1889125"/>
+          </a:xfrm>
+          <a:prstGeom prst="rect">
+            <a:avLst/>
+          </a:prstGeom>
+        </p:spPr>
+      </p:pic>
+      <p:pic>
+        <p:nvPicPr>
+          <p:cNvPr id="6" name="Picture 5" descr="Graphical user interface, application&#10;&#10;Description automatically generated">
+            <a:extLst>
+              <a:ext uri="{FF2B5EF4-FFF2-40B4-BE49-F238E27FC236}">
+                <a16:creationId xmlns:a16="http://schemas.microsoft.com/office/drawing/2014/main" id="{012CDEC9-82AC-C6AF-0779-ABF2FEBC8731}"/>
+              </a:ext>
+            </a:extLst>
+          </p:cNvPr>
+          <p:cNvPicPr>
+            <a:picLocks noChangeAspect="1"/>
+          </p:cNvPicPr>
+          <p:nvPr/>
+        </p:nvPicPr>
+        <p:blipFill>
+          <a:blip r:embed="rId4">
+            <a:extLst>
+              <a:ext uri="{28A0092B-C50C-407E-A947-70E740481C1C}">
+                <a14:useLocalDpi xmlns:a14="http://schemas.microsoft.com/office/drawing/2010/main" val="0"/>
+              </a:ext>
+            </a:extLst>
+          </a:blip>
+          <a:stretch>
+            <a:fillRect/>
+          </a:stretch>
+        </p:blipFill>
+        <p:spPr>
+          <a:xfrm>
+            <a:off x="4540250" y="642938"/>
+            <a:ext cx="3959225" cy="1057275"/>
+          </a:xfrm>
+          <a:prstGeom prst="rect">
+            <a:avLst/>
+          </a:prstGeom>
+        </p:spPr>
+      </p:pic>
+      <p:pic>
+        <p:nvPicPr>
+          <p:cNvPr id="4" name="Content Placeholder 3" descr="Graphical user interface, application&#10;&#10;Description automatically generated">
+            <a:extLst>
+              <a:ext uri="{FF2B5EF4-FFF2-40B4-BE49-F238E27FC236}">
+                <a16:creationId xmlns:a16="http://schemas.microsoft.com/office/drawing/2014/main" id="{55E1B51F-B4CD-7AAB-F8BA-2304F3282D77}"/>
+              </a:ext>
+            </a:extLst>
+          </p:cNvPr>
+          <p:cNvPicPr>
+            <a:picLocks noGrp="1" noChangeAspect="1"/>
+          </p:cNvPicPr>
+          <p:nvPr>
+            <p:ph idx="1"/>
+          </p:nvPr>
+        </p:nvPicPr>
+        <p:blipFill>
+          <a:blip r:embed="rId5">
+            <a:extLst>
+              <a:ext uri="{28A0092B-C50C-407E-A947-70E740481C1C}">
+                <a14:useLocalDpi xmlns:a14="http://schemas.microsoft.com/office/drawing/2010/main" val="0"/>
+              </a:ext>
+            </a:extLst>
+          </a:blip>
+          <a:stretch>
+            <a:fillRect/>
+          </a:stretch>
+        </p:blipFill>
+        <p:spPr>
+          <a:xfrm>
+            <a:off x="4675189" y="2084646"/>
+            <a:ext cx="3959225" cy="1643063"/>
+          </a:xfrm>
+        </p:spPr>
+      </p:pic>
       <p:pic>
         <p:nvPicPr>
           <p:cNvPr id="14338" name="Picture 6" descr="Whoosh">
@@ -10197,7 +10592,7 @@
           <p:nvPr/>
         </p:nvPicPr>
         <p:blipFill>
-          <a:blip r:embed="rId2">
+          <a:blip r:embed="rId6">
             <a:extLst>
               <a:ext uri="{28A0092B-C50C-407E-A947-70E740481C1C}">
                 <a14:useLocalDpi xmlns:a14="http://schemas.microsoft.com/office/drawing/2010/main" val="0"/>
@@ -10211,16 +10606,12 @@
         </p:blipFill>
         <p:spPr bwMode="auto">
           <a:xfrm>
-            <a:off x="0" y="3892550"/>
-            <a:ext cx="9144000" cy="2965450"/>
+            <a:off x="5436096" y="4050257"/>
+            <a:ext cx="3567435" cy="1236663"/>
           </a:xfrm>
           <a:prstGeom prst="rect">
             <a:avLst/>
           </a:prstGeom>
-          <a:noFill/>
-          <a:ln>
-            <a:noFill/>
-          </a:ln>
           <a:extLst>
             <a:ext uri="{909E8E84-426E-40DD-AFC4-6F175D3DCCD1}">
               <a14:hiddenFill xmlns:a14="http://schemas.microsoft.com/office/drawing/2010/main">
@@ -10260,44 +10651,20 @@
         </p:nvSpPr>
         <p:spPr>
           <a:xfrm>
-            <a:off x="-33958" y="-243408"/>
-            <a:ext cx="8134350" cy="1143000"/>
+            <a:off x="628650" y="5529884"/>
+            <a:ext cx="5789535" cy="1096331"/>
           </a:xfrm>
         </p:spPr>
         <p:txBody>
-          <a:bodyPr/>
+          <a:bodyPr>
+            <a:normAutofit/>
+          </a:bodyPr>
           <a:lstStyle/>
           <a:p>
-            <a:pPr algn="l"/>
             <a:r>
-              <a:rPr lang="en-GB" altLang="en-US" sz="4000" b="1" dirty="0"/>
+              <a:rPr lang="en-GB" altLang="en-US" b="1"/>
               <a:t>Shiny Dashboard</a:t>
             </a:r>
-          </a:p>
-        </p:txBody>
-      </p:sp>
-      <p:sp>
-        <p:nvSpPr>
-          <p:cNvPr id="2" name="Content Placeholder 1">
-            <a:extLst>
-              <a:ext uri="{FF2B5EF4-FFF2-40B4-BE49-F238E27FC236}">
-                <a16:creationId xmlns:a16="http://schemas.microsoft.com/office/drawing/2014/main" id="{C40039FB-6060-B9A4-20C5-3A610FF473DB}"/>
-              </a:ext>
-            </a:extLst>
-          </p:cNvPr>
-          <p:cNvSpPr>
-            <a:spLocks noGrp="1"/>
-          </p:cNvSpPr>
-          <p:nvPr>
-            <p:ph idx="1"/>
-          </p:nvPr>
-        </p:nvSpPr>
-        <p:spPr/>
-        <p:txBody>
-          <a:bodyPr/>
-          <a:lstStyle/>
-          <a:p>
-            <a:endParaRPr lang="en-GB"/>
           </a:p>
         </p:txBody>
       </p:sp>

--- a/Final Powerpoint presentation for 12.08.22.pptx
+++ b/Final Powerpoint presentation for 12.08.22.pptx
@@ -5,7 +5,7 @@
     <p:sldMasterId id="2147483648" r:id="rId1"/>
   </p:sldMasterIdLst>
   <p:notesMasterIdLst>
-    <p:notesMasterId r:id="rId15"/>
+    <p:notesMasterId r:id="rId16"/>
   </p:notesMasterIdLst>
   <p:sldIdLst>
     <p:sldId id="256" r:id="rId2"/>
@@ -15,12 +15,13 @@
     <p:sldId id="304" r:id="rId6"/>
     <p:sldId id="322" r:id="rId7"/>
     <p:sldId id="306" r:id="rId8"/>
-    <p:sldId id="260" r:id="rId9"/>
-    <p:sldId id="310" r:id="rId10"/>
-    <p:sldId id="305" r:id="rId11"/>
-    <p:sldId id="303" r:id="rId12"/>
-    <p:sldId id="320" r:id="rId13"/>
-    <p:sldId id="273" r:id="rId14"/>
+    <p:sldId id="323" r:id="rId9"/>
+    <p:sldId id="260" r:id="rId10"/>
+    <p:sldId id="310" r:id="rId11"/>
+    <p:sldId id="305" r:id="rId12"/>
+    <p:sldId id="303" r:id="rId13"/>
+    <p:sldId id="320" r:id="rId14"/>
+    <p:sldId id="273" r:id="rId15"/>
   </p:sldIdLst>
   <p:sldSz cx="9144000" cy="6858000" type="screen4x3"/>
   <p:notesSz cx="7099300" cy="10234613"/>
@@ -6242,7 +6243,7 @@
 </file>
 
 <file path=ppt/slides/slide10.xml><?xml version="1.0" encoding="utf-8"?>
-<p:sld xmlns:a="http://schemas.openxmlformats.org/drawingml/2006/main" xmlns:r="http://schemas.openxmlformats.org/officeDocument/2006/relationships" xmlns:p="http://schemas.openxmlformats.org/presentationml/2006/main">
+<p:sld xmlns:a="http://schemas.openxmlformats.org/drawingml/2006/main" xmlns:r="http://schemas.openxmlformats.org/officeDocument/2006/relationships" xmlns:p="http://schemas.openxmlformats.org/presentationml/2006/main" show="0">
   <p:cSld>
     <p:spTree>
       <p:nvGrpSpPr>
@@ -6260,10 +6261,10 @@
       </p:grpSpPr>
       <p:pic>
         <p:nvPicPr>
-          <p:cNvPr id="7170" name="Picture 6" descr="Whoosh">
+          <p:cNvPr id="6146" name="Picture 6" descr="Whoosh">
             <a:extLst>
               <a:ext uri="{FF2B5EF4-FFF2-40B4-BE49-F238E27FC236}">
-                <a16:creationId xmlns:a16="http://schemas.microsoft.com/office/drawing/2014/main" id="{DA9DC900-B596-739B-F82F-159E48082827}"/>
+                <a16:creationId xmlns:a16="http://schemas.microsoft.com/office/drawing/2014/main" id="{B87E6D56-3A72-6493-C5C3-65D174BB37B9}"/>
               </a:ext>
             </a:extLst>
           </p:cNvPr>
@@ -6320,61 +6321,10 @@
       </p:pic>
       <p:sp>
         <p:nvSpPr>
-          <p:cNvPr id="6" name="Title 1">
+          <p:cNvPr id="6147" name="Title 3">
             <a:extLst>
               <a:ext uri="{FF2B5EF4-FFF2-40B4-BE49-F238E27FC236}">
-                <a16:creationId xmlns:a16="http://schemas.microsoft.com/office/drawing/2014/main" id="{6C19822B-9BB1-5715-4E18-001220CB2F67}"/>
-              </a:ext>
-            </a:extLst>
-          </p:cNvPr>
-          <p:cNvSpPr txBox="1">
-            <a:spLocks/>
-          </p:cNvSpPr>
-          <p:nvPr/>
-        </p:nvSpPr>
-        <p:spPr bwMode="auto">
-          <a:xfrm>
-            <a:off x="0" y="-170657"/>
-            <a:ext cx="7772400" cy="1008063"/>
-          </a:xfrm>
-          <a:prstGeom prst="rect">
-            <a:avLst/>
-          </a:prstGeom>
-          <a:noFill/>
-          <a:ln w="9525">
-            <a:noFill/>
-            <a:miter lim="800000"/>
-            <a:headEnd/>
-            <a:tailEnd/>
-          </a:ln>
-        </p:spPr>
-        <p:txBody>
-          <a:bodyPr anchor="ctr"/>
-          <a:lstStyle/>
-          <a:p>
-            <a:pPr eaLnBrk="1" hangingPunct="1">
-              <a:defRPr/>
-            </a:pPr>
-            <a:r>
-              <a:rPr lang="en-GB" sz="4400" b="1" kern="0" dirty="0">
-                <a:solidFill>
-                  <a:schemeClr val="tx2"/>
-                </a:solidFill>
-                <a:latin typeface="+mj-lt"/>
-                <a:ea typeface="+mj-ea"/>
-                <a:cs typeface="+mj-cs"/>
-              </a:rPr>
-              <a:t>Temporal data</a:t>
-            </a:r>
-          </a:p>
-        </p:txBody>
-      </p:sp>
-      <p:sp>
-        <p:nvSpPr>
-          <p:cNvPr id="2" name="Content Placeholder 1">
-            <a:extLst>
-              <a:ext uri="{FF2B5EF4-FFF2-40B4-BE49-F238E27FC236}">
-                <a16:creationId xmlns:a16="http://schemas.microsoft.com/office/drawing/2014/main" id="{06235267-39C6-0C14-A3DA-8B87223773E7}"/>
+                <a16:creationId xmlns:a16="http://schemas.microsoft.com/office/drawing/2014/main" id="{8E4A1B37-336A-3222-18F8-7BC49192149B}"/>
               </a:ext>
             </a:extLst>
           </p:cNvPr>
@@ -6382,15 +6332,28 @@
             <a:spLocks noGrp="1"/>
           </p:cNvSpPr>
           <p:nvPr>
-            <p:ph idx="1"/>
+            <p:ph type="ctrTitle"/>
           </p:nvPr>
         </p:nvSpPr>
-        <p:spPr/>
+        <p:spPr>
+          <a:xfrm>
+            <a:off x="-538850" y="476672"/>
+            <a:ext cx="5110336" cy="288032"/>
+          </a:xfrm>
+        </p:spPr>
         <p:txBody>
           <a:bodyPr/>
           <a:lstStyle/>
           <a:p>
-            <a:endParaRPr lang="en-GB"/>
+            <a:pPr eaLnBrk="1" hangingPunct="1"/>
+            <a:r>
+              <a:rPr lang="en-GB" altLang="en-US" b="1" dirty="0"/>
+              <a:t>Map of Impact</a:t>
+            </a:r>
+            <a:br>
+              <a:rPr lang="en-GB" altLang="en-US" b="1" dirty="0"/>
+            </a:br>
+            <a:endParaRPr lang="en-GB" altLang="en-US" sz="3200" b="1" dirty="0"/>
           </a:p>
         </p:txBody>
       </p:sp>
@@ -6403,7 +6366,7 @@
 </file>
 
 <file path=ppt/slides/slide11.xml><?xml version="1.0" encoding="utf-8"?>
-<p:sld xmlns:a="http://schemas.openxmlformats.org/drawingml/2006/main" xmlns:r="http://schemas.openxmlformats.org/officeDocument/2006/relationships" xmlns:p="http://schemas.openxmlformats.org/presentationml/2006/main">
+<p:sld xmlns:a="http://schemas.openxmlformats.org/drawingml/2006/main" xmlns:r="http://schemas.openxmlformats.org/officeDocument/2006/relationships" xmlns:p="http://schemas.openxmlformats.org/presentationml/2006/main" show="0">
   <p:cSld>
     <p:spTree>
       <p:nvGrpSpPr>
@@ -6421,10 +6384,10 @@
       </p:grpSpPr>
       <p:pic>
         <p:nvPicPr>
-          <p:cNvPr id="10242" name="Picture 6" descr="Whoosh">
+          <p:cNvPr id="7170" name="Picture 6" descr="Whoosh">
             <a:extLst>
               <a:ext uri="{FF2B5EF4-FFF2-40B4-BE49-F238E27FC236}">
-                <a16:creationId xmlns:a16="http://schemas.microsoft.com/office/drawing/2014/main" id="{C0773036-C7B2-8EEC-B041-03C9BB887245}"/>
+                <a16:creationId xmlns:a16="http://schemas.microsoft.com/office/drawing/2014/main" id="{DA9DC900-B596-739B-F82F-159E48082827}"/>
               </a:ext>
             </a:extLst>
           </p:cNvPr>
@@ -6481,34 +6444,51 @@
       </p:pic>
       <p:sp>
         <p:nvSpPr>
-          <p:cNvPr id="10243" name="Title 1">
+          <p:cNvPr id="6" name="Title 1">
             <a:extLst>
               <a:ext uri="{FF2B5EF4-FFF2-40B4-BE49-F238E27FC236}">
-                <a16:creationId xmlns:a16="http://schemas.microsoft.com/office/drawing/2014/main" id="{7A44A555-10CE-4863-E416-6EC822CD9726}"/>
+                <a16:creationId xmlns:a16="http://schemas.microsoft.com/office/drawing/2014/main" id="{6C19822B-9BB1-5715-4E18-001220CB2F67}"/>
               </a:ext>
             </a:extLst>
           </p:cNvPr>
-          <p:cNvSpPr>
-            <a:spLocks noGrp="1"/>
+          <p:cNvSpPr txBox="1">
+            <a:spLocks/>
           </p:cNvSpPr>
-          <p:nvPr>
-            <p:ph type="title"/>
-          </p:nvPr>
+          <p:nvPr/>
         </p:nvSpPr>
-        <p:spPr>
+        <p:spPr bwMode="auto">
           <a:xfrm>
-            <a:off x="-1981" y="-243408"/>
-            <a:ext cx="7772400" cy="1143000"/>
+            <a:off x="0" y="-170657"/>
+            <a:ext cx="7772400" cy="1008063"/>
           </a:xfrm>
+          <a:prstGeom prst="rect">
+            <a:avLst/>
+          </a:prstGeom>
+          <a:noFill/>
+          <a:ln w="9525">
+            <a:noFill/>
+            <a:miter lim="800000"/>
+            <a:headEnd/>
+            <a:tailEnd/>
+          </a:ln>
         </p:spPr>
         <p:txBody>
-          <a:bodyPr/>
+          <a:bodyPr anchor="ctr"/>
           <a:lstStyle/>
           <a:p>
-            <a:pPr algn="l" eaLnBrk="1" hangingPunct="1"/>
+            <a:pPr eaLnBrk="1" hangingPunct="1">
+              <a:defRPr/>
+            </a:pPr>
             <a:r>
-              <a:rPr lang="en-GB" altLang="en-US" b="1" dirty="0"/>
-              <a:t>Trend of stays</a:t>
+              <a:rPr lang="en-GB" sz="4400" b="1" kern="0" dirty="0">
+                <a:solidFill>
+                  <a:schemeClr val="tx2"/>
+                </a:solidFill>
+                <a:latin typeface="+mj-lt"/>
+                <a:ea typeface="+mj-ea"/>
+                <a:cs typeface="+mj-cs"/>
+              </a:rPr>
+              <a:t>Temporal data</a:t>
             </a:r>
           </a:p>
         </p:txBody>
@@ -6518,7 +6498,7 @@
           <p:cNvPr id="2" name="Content Placeholder 1">
             <a:extLst>
               <a:ext uri="{FF2B5EF4-FFF2-40B4-BE49-F238E27FC236}">
-                <a16:creationId xmlns:a16="http://schemas.microsoft.com/office/drawing/2014/main" id="{5478A769-7D39-9A6F-45FB-28700452DC33}"/>
+                <a16:creationId xmlns:a16="http://schemas.microsoft.com/office/drawing/2014/main" id="{06235267-39C6-0C14-A3DA-8B87223773E7}"/>
               </a:ext>
             </a:extLst>
           </p:cNvPr>
@@ -6538,36 +6518,6 @@
           </a:p>
         </p:txBody>
       </p:sp>
-      <p:pic>
-        <p:nvPicPr>
-          <p:cNvPr id="4" name="Picture 3">
-            <a:extLst>
-              <a:ext uri="{FF2B5EF4-FFF2-40B4-BE49-F238E27FC236}">
-                <a16:creationId xmlns:a16="http://schemas.microsoft.com/office/drawing/2014/main" id="{A7C7F028-B870-A699-6167-DC6A79401A4D}"/>
-              </a:ext>
-            </a:extLst>
-          </p:cNvPr>
-          <p:cNvPicPr>
-            <a:picLocks noChangeAspect="1"/>
-          </p:cNvPicPr>
-          <p:nvPr/>
-        </p:nvPicPr>
-        <p:blipFill>
-          <a:blip r:embed="rId3"/>
-          <a:stretch>
-            <a:fillRect/>
-          </a:stretch>
-        </p:blipFill>
-        <p:spPr>
-          <a:xfrm>
-            <a:off x="107505" y="762000"/>
-            <a:ext cx="5116964" cy="3130550"/>
-          </a:xfrm>
-          <a:prstGeom prst="rect">
-            <a:avLst/>
-          </a:prstGeom>
-        </p:spPr>
-      </p:pic>
     </p:spTree>
   </p:cSld>
   <p:clrMapOvr>
@@ -6577,7 +6527,7 @@
 </file>
 
 <file path=ppt/slides/slide12.xml><?xml version="1.0" encoding="utf-8"?>
-<p:sld xmlns:a="http://schemas.openxmlformats.org/drawingml/2006/main" xmlns:r="http://schemas.openxmlformats.org/officeDocument/2006/relationships" xmlns:p="http://schemas.openxmlformats.org/presentationml/2006/main">
+<p:sld xmlns:a="http://schemas.openxmlformats.org/drawingml/2006/main" xmlns:r="http://schemas.openxmlformats.org/officeDocument/2006/relationships" xmlns:p="http://schemas.openxmlformats.org/presentationml/2006/main" show="0">
   <p:cSld>
     <p:spTree>
       <p:nvGrpSpPr>
@@ -6595,10 +6545,10 @@
       </p:grpSpPr>
       <p:pic>
         <p:nvPicPr>
-          <p:cNvPr id="12290" name="Picture 6" descr="Whoosh">
+          <p:cNvPr id="10242" name="Picture 6" descr="Whoosh">
             <a:extLst>
               <a:ext uri="{FF2B5EF4-FFF2-40B4-BE49-F238E27FC236}">
-                <a16:creationId xmlns:a16="http://schemas.microsoft.com/office/drawing/2014/main" id="{D426872C-4429-862B-F06E-64EBCDE036B4}"/>
+                <a16:creationId xmlns:a16="http://schemas.microsoft.com/office/drawing/2014/main" id="{C0773036-C7B2-8EEC-B041-03C9BB887245}"/>
               </a:ext>
             </a:extLst>
           </p:cNvPr>
@@ -6655,6 +6605,180 @@
       </p:pic>
       <p:sp>
         <p:nvSpPr>
+          <p:cNvPr id="10243" name="Title 1">
+            <a:extLst>
+              <a:ext uri="{FF2B5EF4-FFF2-40B4-BE49-F238E27FC236}">
+                <a16:creationId xmlns:a16="http://schemas.microsoft.com/office/drawing/2014/main" id="{7A44A555-10CE-4863-E416-6EC822CD9726}"/>
+              </a:ext>
+            </a:extLst>
+          </p:cNvPr>
+          <p:cNvSpPr>
+            <a:spLocks noGrp="1"/>
+          </p:cNvSpPr>
+          <p:nvPr>
+            <p:ph type="title"/>
+          </p:nvPr>
+        </p:nvSpPr>
+        <p:spPr>
+          <a:xfrm>
+            <a:off x="-1981" y="-243408"/>
+            <a:ext cx="7772400" cy="1143000"/>
+          </a:xfrm>
+        </p:spPr>
+        <p:txBody>
+          <a:bodyPr/>
+          <a:lstStyle/>
+          <a:p>
+            <a:pPr algn="l" eaLnBrk="1" hangingPunct="1"/>
+            <a:r>
+              <a:rPr lang="en-GB" altLang="en-US" b="1" dirty="0"/>
+              <a:t>Trend of stays</a:t>
+            </a:r>
+          </a:p>
+        </p:txBody>
+      </p:sp>
+      <p:sp>
+        <p:nvSpPr>
+          <p:cNvPr id="2" name="Content Placeholder 1">
+            <a:extLst>
+              <a:ext uri="{FF2B5EF4-FFF2-40B4-BE49-F238E27FC236}">
+                <a16:creationId xmlns:a16="http://schemas.microsoft.com/office/drawing/2014/main" id="{5478A769-7D39-9A6F-45FB-28700452DC33}"/>
+              </a:ext>
+            </a:extLst>
+          </p:cNvPr>
+          <p:cNvSpPr>
+            <a:spLocks noGrp="1"/>
+          </p:cNvSpPr>
+          <p:nvPr>
+            <p:ph idx="1"/>
+          </p:nvPr>
+        </p:nvSpPr>
+        <p:spPr/>
+        <p:txBody>
+          <a:bodyPr/>
+          <a:lstStyle/>
+          <a:p>
+            <a:endParaRPr lang="en-GB"/>
+          </a:p>
+        </p:txBody>
+      </p:sp>
+      <p:pic>
+        <p:nvPicPr>
+          <p:cNvPr id="4" name="Picture 3">
+            <a:extLst>
+              <a:ext uri="{FF2B5EF4-FFF2-40B4-BE49-F238E27FC236}">
+                <a16:creationId xmlns:a16="http://schemas.microsoft.com/office/drawing/2014/main" id="{A7C7F028-B870-A699-6167-DC6A79401A4D}"/>
+              </a:ext>
+            </a:extLst>
+          </p:cNvPr>
+          <p:cNvPicPr>
+            <a:picLocks noChangeAspect="1"/>
+          </p:cNvPicPr>
+          <p:nvPr/>
+        </p:nvPicPr>
+        <p:blipFill>
+          <a:blip r:embed="rId3"/>
+          <a:stretch>
+            <a:fillRect/>
+          </a:stretch>
+        </p:blipFill>
+        <p:spPr>
+          <a:xfrm>
+            <a:off x="107505" y="762000"/>
+            <a:ext cx="5116964" cy="3130550"/>
+          </a:xfrm>
+          <a:prstGeom prst="rect">
+            <a:avLst/>
+          </a:prstGeom>
+        </p:spPr>
+      </p:pic>
+    </p:spTree>
+  </p:cSld>
+  <p:clrMapOvr>
+    <a:masterClrMapping/>
+  </p:clrMapOvr>
+</p:sld>
+</file>
+
+<file path=ppt/slides/slide13.xml><?xml version="1.0" encoding="utf-8"?>
+<p:sld xmlns:a="http://schemas.openxmlformats.org/drawingml/2006/main" xmlns:r="http://schemas.openxmlformats.org/officeDocument/2006/relationships" xmlns:p="http://schemas.openxmlformats.org/presentationml/2006/main" show="0">
+  <p:cSld>
+    <p:spTree>
+      <p:nvGrpSpPr>
+        <p:cNvPr id="1" name=""/>
+        <p:cNvGrpSpPr/>
+        <p:nvPr/>
+      </p:nvGrpSpPr>
+      <p:grpSpPr>
+        <a:xfrm>
+          <a:off x="0" y="0"/>
+          <a:ext cx="0" cy="0"/>
+          <a:chOff x="0" y="0"/>
+          <a:chExt cx="0" cy="0"/>
+        </a:xfrm>
+      </p:grpSpPr>
+      <p:pic>
+        <p:nvPicPr>
+          <p:cNvPr id="12290" name="Picture 6" descr="Whoosh">
+            <a:extLst>
+              <a:ext uri="{FF2B5EF4-FFF2-40B4-BE49-F238E27FC236}">
+                <a16:creationId xmlns:a16="http://schemas.microsoft.com/office/drawing/2014/main" id="{D426872C-4429-862B-F06E-64EBCDE036B4}"/>
+              </a:ext>
+            </a:extLst>
+          </p:cNvPr>
+          <p:cNvPicPr>
+            <a:picLocks noChangeAspect="1" noChangeArrowheads="1"/>
+          </p:cNvPicPr>
+          <p:nvPr/>
+        </p:nvPicPr>
+        <p:blipFill>
+          <a:blip r:embed="rId2">
+            <a:extLst>
+              <a:ext uri="{28A0092B-C50C-407E-A947-70E740481C1C}">
+                <a14:useLocalDpi xmlns:a14="http://schemas.microsoft.com/office/drawing/2010/main" val="0"/>
+              </a:ext>
+            </a:extLst>
+          </a:blip>
+          <a:srcRect/>
+          <a:stretch>
+            <a:fillRect/>
+          </a:stretch>
+        </p:blipFill>
+        <p:spPr bwMode="auto">
+          <a:xfrm>
+            <a:off x="0" y="3892550"/>
+            <a:ext cx="9144000" cy="2965450"/>
+          </a:xfrm>
+          <a:prstGeom prst="rect">
+            <a:avLst/>
+          </a:prstGeom>
+          <a:noFill/>
+          <a:ln>
+            <a:noFill/>
+          </a:ln>
+          <a:extLst>
+            <a:ext uri="{909E8E84-426E-40DD-AFC4-6F175D3DCCD1}">
+              <a14:hiddenFill xmlns:a14="http://schemas.microsoft.com/office/drawing/2010/main">
+                <a:solidFill>
+                  <a:srgbClr val="FFFFFF"/>
+                </a:solidFill>
+              </a14:hiddenFill>
+            </a:ext>
+            <a:ext uri="{91240B29-F687-4F45-9708-019B960494DF}">
+              <a14:hiddenLine xmlns:a14="http://schemas.microsoft.com/office/drawing/2010/main" w="9525">
+                <a:solidFill>
+                  <a:srgbClr val="000000"/>
+                </a:solidFill>
+                <a:miter lim="800000"/>
+                <a:headEnd/>
+                <a:tailEnd/>
+              </a14:hiddenLine>
+            </a:ext>
+          </a:extLst>
+        </p:spPr>
+      </p:pic>
+      <p:sp>
+        <p:nvSpPr>
           <p:cNvPr id="12291" name="Title 1">
             <a:extLst>
               <a:ext uri="{FF2B5EF4-FFF2-40B4-BE49-F238E27FC236}">
@@ -6725,8 +6849,8 @@
 </p:sld>
 </file>
 
-<file path=ppt/slides/slide13.xml><?xml version="1.0" encoding="utf-8"?>
-<p:sld xmlns:a="http://schemas.openxmlformats.org/drawingml/2006/main" xmlns:r="http://schemas.openxmlformats.org/officeDocument/2006/relationships" xmlns:p="http://schemas.openxmlformats.org/presentationml/2006/main">
+<file path=ppt/slides/slide14.xml><?xml version="1.0" encoding="utf-8"?>
+<p:sld xmlns:a="http://schemas.openxmlformats.org/drawingml/2006/main" xmlns:r="http://schemas.openxmlformats.org/officeDocument/2006/relationships" xmlns:p="http://schemas.openxmlformats.org/presentationml/2006/main" show="0">
   <p:cSld>
     <p:bg>
       <p:bgPr>
@@ -8853,7 +8977,7 @@
               <a:rPr lang="en-US" altLang="en-US" sz="1700" b="1" dirty="0">
                 <a:latin typeface="+mj-lt"/>
               </a:rPr>
-              <a:t>Impact of Covid on secondary care over time and by health board</a:t>
+              <a:t>Impact of Covid/winter on secondary care over time and by health board</a:t>
             </a:r>
           </a:p>
           <a:p>
@@ -8862,7 +8986,7 @@
               <a:rPr lang="en-US" altLang="en-US" sz="1700" b="1" dirty="0">
                 <a:latin typeface="+mj-lt"/>
               </a:rPr>
-              <a:t>Impact of Covid on demographics </a:t>
+              <a:t>Impact of Covid/winter on demographics </a:t>
             </a:r>
           </a:p>
           <a:p>
@@ -8871,7 +8995,7 @@
               <a:rPr lang="en-US" altLang="en-US" sz="1700" b="1" dirty="0">
                 <a:latin typeface="+mj-lt"/>
               </a:rPr>
-              <a:t>Geographic variation </a:t>
+              <a:t>Geographical representation of KPIs</a:t>
             </a:r>
           </a:p>
           <a:p>
@@ -8977,191 +9101,6 @@
           <a:chExt cx="0" cy="0"/>
         </a:xfrm>
       </p:grpSpPr>
-      <p:sp>
-        <p:nvSpPr>
-          <p:cNvPr id="4104" name="Rectangle 4103">
-            <a:extLst>
-              <a:ext uri="{FF2B5EF4-FFF2-40B4-BE49-F238E27FC236}">
-                <a16:creationId xmlns:a16="http://schemas.microsoft.com/office/drawing/2014/main" id="{81AEB8A9-B768-4E30-BA55-D919E6687343}"/>
-              </a:ext>
-              <a:ext uri="{C183D7F6-B498-43B3-948B-1728B52AA6E4}">
-                <adec:decorative xmlns:adec="http://schemas.microsoft.com/office/drawing/2017/decorative" val="1"/>
-              </a:ext>
-            </a:extLst>
-          </p:cNvPr>
-          <p:cNvSpPr>
-            <a:spLocks noGrp="1" noRot="1" noChangeAspect="1" noMove="1" noResize="1" noEditPoints="1" noAdjustHandles="1" noChangeArrowheads="1" noChangeShapeType="1" noTextEdit="1"/>
-          </p:cNvSpPr>
-          <p:nvPr>
-            <p:extLst>
-              <p:ext uri="{386F3935-93C4-4BCD-93E2-E3B085C9AB24}">
-                <p16:designElem xmlns:p16="http://schemas.microsoft.com/office/powerpoint/2015/main" val="1"/>
-              </p:ext>
-            </p:extLst>
-          </p:nvPr>
-        </p:nvSpPr>
-        <p:spPr>
-          <a:xfrm>
-            <a:off x="-7500" y="-2"/>
-            <a:ext cx="3052451" cy="6858002"/>
-          </a:xfrm>
-          <a:prstGeom prst="rect">
-            <a:avLst/>
-          </a:prstGeom>
-          <a:solidFill>
-            <a:schemeClr val="accent1"/>
-          </a:solidFill>
-          <a:ln>
-            <a:noFill/>
-          </a:ln>
-        </p:spPr>
-        <p:style>
-          <a:lnRef idx="2">
-            <a:schemeClr val="accent1">
-              <a:shade val="50000"/>
-            </a:schemeClr>
-          </a:lnRef>
-          <a:fillRef idx="1">
-            <a:schemeClr val="accent1"/>
-          </a:fillRef>
-          <a:effectRef idx="0">
-            <a:schemeClr val="accent1"/>
-          </a:effectRef>
-          <a:fontRef idx="minor">
-            <a:schemeClr val="lt1"/>
-          </a:fontRef>
-        </p:style>
-        <p:txBody>
-          <a:bodyPr rtlCol="0" anchor="ctr"/>
-          <a:lstStyle/>
-          <a:p>
-            <a:pPr marL="0" marR="0" lvl="0" indent="0" algn="ctr" defTabSz="914400" rtl="0" eaLnBrk="1" fontAlgn="auto" latinLnBrk="0" hangingPunct="1">
-              <a:lnSpc>
-                <a:spcPct val="100000"/>
-              </a:lnSpc>
-              <a:spcBef>
-                <a:spcPts val="0"/>
-              </a:spcBef>
-              <a:spcAft>
-                <a:spcPts val="0"/>
-              </a:spcAft>
-              <a:buClrTx/>
-              <a:buSzTx/>
-              <a:buFontTx/>
-              <a:buNone/>
-              <a:tabLst/>
-              <a:defRPr/>
-            </a:pPr>
-            <a:endParaRPr kumimoji="0" lang="en-US" sz="1800" b="0" i="0" u="none" strike="noStrike" kern="1200" cap="none" spc="0" normalizeH="0" baseline="0" noProof="0">
-              <a:ln>
-                <a:noFill/>
-              </a:ln>
-              <a:solidFill>
-                <a:prstClr val="white"/>
-              </a:solidFill>
-              <a:effectLst/>
-              <a:uLnTx/>
-              <a:uFillTx/>
-              <a:latin typeface="Calibri" panose="020F0502020204030204"/>
-              <a:ea typeface="+mn-ea"/>
-              <a:cs typeface="+mn-cs"/>
-            </a:endParaRPr>
-          </a:p>
-        </p:txBody>
-      </p:sp>
-      <p:sp>
-        <p:nvSpPr>
-          <p:cNvPr id="4099" name="Title 1">
-            <a:extLst>
-              <a:ext uri="{FF2B5EF4-FFF2-40B4-BE49-F238E27FC236}">
-                <a16:creationId xmlns:a16="http://schemas.microsoft.com/office/drawing/2014/main" id="{01A5C118-013F-ECEC-FD4C-7E307BA2B6B5}"/>
-              </a:ext>
-            </a:extLst>
-          </p:cNvPr>
-          <p:cNvSpPr>
-            <a:spLocks noGrp="1"/>
-          </p:cNvSpPr>
-          <p:nvPr>
-            <p:ph type="title"/>
-          </p:nvPr>
-        </p:nvSpPr>
-        <p:spPr>
-          <a:xfrm>
-            <a:off x="482600" y="640080"/>
-            <a:ext cx="2322320" cy="5613236"/>
-          </a:xfrm>
-        </p:spPr>
-        <p:txBody>
-          <a:bodyPr anchor="ctr">
-            <a:normAutofit/>
-          </a:bodyPr>
-          <a:lstStyle/>
-          <a:p>
-            <a:pPr eaLnBrk="1" hangingPunct="1"/>
-            <a:r>
-              <a:rPr lang="en-GB" altLang="en-US" b="1">
-                <a:solidFill>
-                  <a:srgbClr val="FFFFFF"/>
-                </a:solidFill>
-              </a:rPr>
-              <a:t>KPIs</a:t>
-            </a:r>
-          </a:p>
-        </p:txBody>
-      </p:sp>
-      <p:sp>
-        <p:nvSpPr>
-          <p:cNvPr id="2" name="Content Placeholder 1">
-            <a:extLst>
-              <a:ext uri="{FF2B5EF4-FFF2-40B4-BE49-F238E27FC236}">
-                <a16:creationId xmlns:a16="http://schemas.microsoft.com/office/drawing/2014/main" id="{1A506ABA-6A4C-5E36-2645-62FEB4524825}"/>
-              </a:ext>
-            </a:extLst>
-          </p:cNvPr>
-          <p:cNvSpPr>
-            <a:spLocks noGrp="1"/>
-          </p:cNvSpPr>
-          <p:nvPr>
-            <p:ph idx="1"/>
-          </p:nvPr>
-        </p:nvSpPr>
-        <p:spPr>
-          <a:xfrm>
-            <a:off x="3524863" y="640082"/>
-            <a:ext cx="5136536" cy="3292974"/>
-          </a:xfrm>
-        </p:spPr>
-        <p:txBody>
-          <a:bodyPr anchor="ctr">
-            <a:normAutofit/>
-          </a:bodyPr>
-          <a:lstStyle/>
-          <a:p>
-            <a:r>
-              <a:rPr lang="en-US" b="1" dirty="0">
-                <a:latin typeface="+mj-lt"/>
-              </a:rPr>
-              <a:t>Number of admissions</a:t>
-            </a:r>
-          </a:p>
-          <a:p>
-            <a:r>
-              <a:rPr lang="en-US" b="1" dirty="0">
-                <a:latin typeface="+mj-lt"/>
-              </a:rPr>
-              <a:t>Bed occupancy</a:t>
-            </a:r>
-          </a:p>
-          <a:p>
-            <a:r>
-              <a:rPr lang="en-US" b="1" dirty="0">
-                <a:latin typeface="+mj-lt"/>
-              </a:rPr>
-              <a:t>Length of stay/episode</a:t>
-            </a:r>
-          </a:p>
-        </p:txBody>
-      </p:sp>
       <p:pic>
         <p:nvPicPr>
           <p:cNvPr id="4098" name="Picture 6" descr="Whoosh">
@@ -9218,6 +9157,191 @@
           </a:extLst>
         </p:spPr>
       </p:pic>
+      <p:sp>
+        <p:nvSpPr>
+          <p:cNvPr id="4104" name="Rectangle 4103">
+            <a:extLst>
+              <a:ext uri="{FF2B5EF4-FFF2-40B4-BE49-F238E27FC236}">
+                <a16:creationId xmlns:a16="http://schemas.microsoft.com/office/drawing/2014/main" id="{81AEB8A9-B768-4E30-BA55-D919E6687343}"/>
+              </a:ext>
+              <a:ext uri="{C183D7F6-B498-43B3-948B-1728B52AA6E4}">
+                <adec:decorative xmlns:adec="http://schemas.microsoft.com/office/drawing/2017/decorative" val="1"/>
+              </a:ext>
+            </a:extLst>
+          </p:cNvPr>
+          <p:cNvSpPr>
+            <a:spLocks noGrp="1" noRot="1" noChangeAspect="1" noMove="1" noResize="1" noEditPoints="1" noAdjustHandles="1" noChangeArrowheads="1" noChangeShapeType="1" noTextEdit="1"/>
+          </p:cNvSpPr>
+          <p:nvPr>
+            <p:extLst>
+              <p:ext uri="{386F3935-93C4-4BCD-93E2-E3B085C9AB24}">
+                <p16:designElem xmlns:p16="http://schemas.microsoft.com/office/powerpoint/2015/main" val="1"/>
+              </p:ext>
+            </p:extLst>
+          </p:nvPr>
+        </p:nvSpPr>
+        <p:spPr>
+          <a:xfrm>
+            <a:off x="-7500" y="-2"/>
+            <a:ext cx="3052451" cy="6858002"/>
+          </a:xfrm>
+          <a:prstGeom prst="rect">
+            <a:avLst/>
+          </a:prstGeom>
+          <a:solidFill>
+            <a:schemeClr val="accent1"/>
+          </a:solidFill>
+          <a:ln>
+            <a:noFill/>
+          </a:ln>
+        </p:spPr>
+        <p:style>
+          <a:lnRef idx="2">
+            <a:schemeClr val="accent1">
+              <a:shade val="50000"/>
+            </a:schemeClr>
+          </a:lnRef>
+          <a:fillRef idx="1">
+            <a:schemeClr val="accent1"/>
+          </a:fillRef>
+          <a:effectRef idx="0">
+            <a:schemeClr val="accent1"/>
+          </a:effectRef>
+          <a:fontRef idx="minor">
+            <a:schemeClr val="lt1"/>
+          </a:fontRef>
+        </p:style>
+        <p:txBody>
+          <a:bodyPr rtlCol="0" anchor="ctr"/>
+          <a:lstStyle/>
+          <a:p>
+            <a:pPr marL="0" marR="0" lvl="0" indent="0" algn="ctr" defTabSz="914400" rtl="0" eaLnBrk="1" fontAlgn="auto" latinLnBrk="0" hangingPunct="1">
+              <a:lnSpc>
+                <a:spcPct val="100000"/>
+              </a:lnSpc>
+              <a:spcBef>
+                <a:spcPts val="0"/>
+              </a:spcBef>
+              <a:spcAft>
+                <a:spcPts val="0"/>
+              </a:spcAft>
+              <a:buClrTx/>
+              <a:buSzTx/>
+              <a:buFontTx/>
+              <a:buNone/>
+              <a:tabLst/>
+              <a:defRPr/>
+            </a:pPr>
+            <a:endParaRPr kumimoji="0" lang="en-US" sz="1800" b="0" i="0" u="none" strike="noStrike" kern="1200" cap="none" spc="0" normalizeH="0" baseline="0" noProof="0">
+              <a:ln>
+                <a:noFill/>
+              </a:ln>
+              <a:solidFill>
+                <a:prstClr val="white"/>
+              </a:solidFill>
+              <a:effectLst/>
+              <a:uLnTx/>
+              <a:uFillTx/>
+              <a:latin typeface="Calibri" panose="020F0502020204030204"/>
+              <a:ea typeface="+mn-ea"/>
+              <a:cs typeface="+mn-cs"/>
+            </a:endParaRPr>
+          </a:p>
+        </p:txBody>
+      </p:sp>
+      <p:sp>
+        <p:nvSpPr>
+          <p:cNvPr id="4099" name="Title 1">
+            <a:extLst>
+              <a:ext uri="{FF2B5EF4-FFF2-40B4-BE49-F238E27FC236}">
+                <a16:creationId xmlns:a16="http://schemas.microsoft.com/office/drawing/2014/main" id="{01A5C118-013F-ECEC-FD4C-7E307BA2B6B5}"/>
+              </a:ext>
+            </a:extLst>
+          </p:cNvPr>
+          <p:cNvSpPr>
+            <a:spLocks noGrp="1"/>
+          </p:cNvSpPr>
+          <p:nvPr>
+            <p:ph type="title"/>
+          </p:nvPr>
+        </p:nvSpPr>
+        <p:spPr>
+          <a:xfrm>
+            <a:off x="482600" y="640080"/>
+            <a:ext cx="2322320" cy="5613236"/>
+          </a:xfrm>
+        </p:spPr>
+        <p:txBody>
+          <a:bodyPr anchor="ctr">
+            <a:normAutofit/>
+          </a:bodyPr>
+          <a:lstStyle/>
+          <a:p>
+            <a:pPr eaLnBrk="1" hangingPunct="1"/>
+            <a:r>
+              <a:rPr lang="en-GB" altLang="en-US" b="1">
+                <a:solidFill>
+                  <a:srgbClr val="FFFFFF"/>
+                </a:solidFill>
+              </a:rPr>
+              <a:t>KPIs</a:t>
+            </a:r>
+          </a:p>
+        </p:txBody>
+      </p:sp>
+      <p:sp>
+        <p:nvSpPr>
+          <p:cNvPr id="2" name="Content Placeholder 1">
+            <a:extLst>
+              <a:ext uri="{FF2B5EF4-FFF2-40B4-BE49-F238E27FC236}">
+                <a16:creationId xmlns:a16="http://schemas.microsoft.com/office/drawing/2014/main" id="{1A506ABA-6A4C-5E36-2645-62FEB4524825}"/>
+              </a:ext>
+            </a:extLst>
+          </p:cNvPr>
+          <p:cNvSpPr>
+            <a:spLocks noGrp="1"/>
+          </p:cNvSpPr>
+          <p:nvPr>
+            <p:ph idx="1"/>
+          </p:nvPr>
+        </p:nvSpPr>
+        <p:spPr>
+          <a:xfrm>
+            <a:off x="3507792" y="1329893"/>
+            <a:ext cx="5136536" cy="3292974"/>
+          </a:xfrm>
+        </p:spPr>
+        <p:txBody>
+          <a:bodyPr anchor="ctr">
+            <a:normAutofit/>
+          </a:bodyPr>
+          <a:lstStyle/>
+          <a:p>
+            <a:r>
+              <a:rPr lang="en-US" b="1" dirty="0">
+                <a:latin typeface="+mj-lt"/>
+              </a:rPr>
+              <a:t>Number of admissions</a:t>
+            </a:r>
+          </a:p>
+          <a:p>
+            <a:r>
+              <a:rPr lang="en-US" b="1" dirty="0">
+                <a:latin typeface="+mj-lt"/>
+              </a:rPr>
+              <a:t>Bed occupancy</a:t>
+            </a:r>
+          </a:p>
+          <a:p>
+            <a:r>
+              <a:rPr lang="en-US" b="1" dirty="0">
+                <a:latin typeface="+mj-lt"/>
+              </a:rPr>
+              <a:t>Length of stay/episode</a:t>
+            </a:r>
+          </a:p>
+        </p:txBody>
+      </p:sp>
     </p:spTree>
   </p:cSld>
   <p:clrMapOvr>
@@ -10695,6 +10819,89 @@
       </p:grpSpPr>
       <p:sp>
         <p:nvSpPr>
+          <p:cNvPr id="2" name="Title 1">
+            <a:extLst>
+              <a:ext uri="{FF2B5EF4-FFF2-40B4-BE49-F238E27FC236}">
+                <a16:creationId xmlns:a16="http://schemas.microsoft.com/office/drawing/2014/main" id="{5D07A941-3181-434F-A31F-1E7783C90517}"/>
+              </a:ext>
+            </a:extLst>
+          </p:cNvPr>
+          <p:cNvSpPr>
+            <a:spLocks noGrp="1"/>
+          </p:cNvSpPr>
+          <p:nvPr>
+            <p:ph type="title"/>
+          </p:nvPr>
+        </p:nvSpPr>
+        <p:spPr/>
+        <p:txBody>
+          <a:bodyPr/>
+          <a:lstStyle/>
+          <a:p>
+            <a:r>
+              <a:rPr lang="en-US" dirty="0"/>
+              <a:t>Back up slides</a:t>
+            </a:r>
+          </a:p>
+        </p:txBody>
+      </p:sp>
+      <p:sp>
+        <p:nvSpPr>
+          <p:cNvPr id="3" name="Content Placeholder 2">
+            <a:extLst>
+              <a:ext uri="{FF2B5EF4-FFF2-40B4-BE49-F238E27FC236}">
+                <a16:creationId xmlns:a16="http://schemas.microsoft.com/office/drawing/2014/main" id="{44457365-4B3A-B107-8A84-F3BDD9815732}"/>
+              </a:ext>
+            </a:extLst>
+          </p:cNvPr>
+          <p:cNvSpPr>
+            <a:spLocks noGrp="1"/>
+          </p:cNvSpPr>
+          <p:nvPr>
+            <p:ph idx="1"/>
+          </p:nvPr>
+        </p:nvSpPr>
+        <p:spPr/>
+        <p:txBody>
+          <a:bodyPr/>
+          <a:lstStyle/>
+          <a:p>
+            <a:endParaRPr lang="en-US"/>
+          </a:p>
+        </p:txBody>
+      </p:sp>
+    </p:spTree>
+    <p:extLst>
+      <p:ext uri="{BB962C8B-B14F-4D97-AF65-F5344CB8AC3E}">
+        <p14:creationId xmlns:p14="http://schemas.microsoft.com/office/powerpoint/2010/main" val="3101779690"/>
+      </p:ext>
+    </p:extLst>
+  </p:cSld>
+  <p:clrMapOvr>
+    <a:masterClrMapping/>
+  </p:clrMapOvr>
+</p:sld>
+</file>
+
+<file path=ppt/slides/slide9.xml><?xml version="1.0" encoding="utf-8"?>
+<p:sld xmlns:a="http://schemas.openxmlformats.org/drawingml/2006/main" xmlns:r="http://schemas.openxmlformats.org/officeDocument/2006/relationships" xmlns:p="http://schemas.openxmlformats.org/presentationml/2006/main" show="0">
+  <p:cSld>
+    <p:spTree>
+      <p:nvGrpSpPr>
+        <p:cNvPr id="1" name=""/>
+        <p:cNvGrpSpPr/>
+        <p:nvPr/>
+      </p:nvGrpSpPr>
+      <p:grpSpPr>
+        <a:xfrm>
+          <a:off x="0" y="0"/>
+          <a:ext cx="0" cy="0"/>
+          <a:chOff x="0" y="0"/>
+          <a:chExt cx="0" cy="0"/>
+        </a:xfrm>
+      </p:grpSpPr>
+      <p:sp>
+        <p:nvSpPr>
           <p:cNvPr id="5122" name="Title 3">
             <a:extLst>
               <a:ext uri="{FF2B5EF4-FFF2-40B4-BE49-F238E27FC236}">
@@ -10847,129 +11054,6 @@
           </a:prstGeom>
         </p:spPr>
       </p:pic>
-    </p:spTree>
-  </p:cSld>
-  <p:clrMapOvr>
-    <a:masterClrMapping/>
-  </p:clrMapOvr>
-</p:sld>
-</file>
-
-<file path=ppt/slides/slide9.xml><?xml version="1.0" encoding="utf-8"?>
-<p:sld xmlns:a="http://schemas.openxmlformats.org/drawingml/2006/main" xmlns:r="http://schemas.openxmlformats.org/officeDocument/2006/relationships" xmlns:p="http://schemas.openxmlformats.org/presentationml/2006/main">
-  <p:cSld>
-    <p:spTree>
-      <p:nvGrpSpPr>
-        <p:cNvPr id="1" name=""/>
-        <p:cNvGrpSpPr/>
-        <p:nvPr/>
-      </p:nvGrpSpPr>
-      <p:grpSpPr>
-        <a:xfrm>
-          <a:off x="0" y="0"/>
-          <a:ext cx="0" cy="0"/>
-          <a:chOff x="0" y="0"/>
-          <a:chExt cx="0" cy="0"/>
-        </a:xfrm>
-      </p:grpSpPr>
-      <p:pic>
-        <p:nvPicPr>
-          <p:cNvPr id="6146" name="Picture 6" descr="Whoosh">
-            <a:extLst>
-              <a:ext uri="{FF2B5EF4-FFF2-40B4-BE49-F238E27FC236}">
-                <a16:creationId xmlns:a16="http://schemas.microsoft.com/office/drawing/2014/main" id="{B87E6D56-3A72-6493-C5C3-65D174BB37B9}"/>
-              </a:ext>
-            </a:extLst>
-          </p:cNvPr>
-          <p:cNvPicPr>
-            <a:picLocks noChangeAspect="1" noChangeArrowheads="1"/>
-          </p:cNvPicPr>
-          <p:nvPr/>
-        </p:nvPicPr>
-        <p:blipFill>
-          <a:blip r:embed="rId2">
-            <a:extLst>
-              <a:ext uri="{28A0092B-C50C-407E-A947-70E740481C1C}">
-                <a14:useLocalDpi xmlns:a14="http://schemas.microsoft.com/office/drawing/2010/main" val="0"/>
-              </a:ext>
-            </a:extLst>
-          </a:blip>
-          <a:srcRect/>
-          <a:stretch>
-            <a:fillRect/>
-          </a:stretch>
-        </p:blipFill>
-        <p:spPr bwMode="auto">
-          <a:xfrm>
-            <a:off x="0" y="3892550"/>
-            <a:ext cx="9144000" cy="2965450"/>
-          </a:xfrm>
-          <a:prstGeom prst="rect">
-            <a:avLst/>
-          </a:prstGeom>
-          <a:noFill/>
-          <a:ln>
-            <a:noFill/>
-          </a:ln>
-          <a:extLst>
-            <a:ext uri="{909E8E84-426E-40DD-AFC4-6F175D3DCCD1}">
-              <a14:hiddenFill xmlns:a14="http://schemas.microsoft.com/office/drawing/2010/main">
-                <a:solidFill>
-                  <a:srgbClr val="FFFFFF"/>
-                </a:solidFill>
-              </a14:hiddenFill>
-            </a:ext>
-            <a:ext uri="{91240B29-F687-4F45-9708-019B960494DF}">
-              <a14:hiddenLine xmlns:a14="http://schemas.microsoft.com/office/drawing/2010/main" w="9525">
-                <a:solidFill>
-                  <a:srgbClr val="000000"/>
-                </a:solidFill>
-                <a:miter lim="800000"/>
-                <a:headEnd/>
-                <a:tailEnd/>
-              </a14:hiddenLine>
-            </a:ext>
-          </a:extLst>
-        </p:spPr>
-      </p:pic>
-      <p:sp>
-        <p:nvSpPr>
-          <p:cNvPr id="6147" name="Title 3">
-            <a:extLst>
-              <a:ext uri="{FF2B5EF4-FFF2-40B4-BE49-F238E27FC236}">
-                <a16:creationId xmlns:a16="http://schemas.microsoft.com/office/drawing/2014/main" id="{8E4A1B37-336A-3222-18F8-7BC49192149B}"/>
-              </a:ext>
-            </a:extLst>
-          </p:cNvPr>
-          <p:cNvSpPr>
-            <a:spLocks noGrp="1"/>
-          </p:cNvSpPr>
-          <p:nvPr>
-            <p:ph type="ctrTitle"/>
-          </p:nvPr>
-        </p:nvSpPr>
-        <p:spPr>
-          <a:xfrm>
-            <a:off x="-538850" y="476672"/>
-            <a:ext cx="5110336" cy="288032"/>
-          </a:xfrm>
-        </p:spPr>
-        <p:txBody>
-          <a:bodyPr/>
-          <a:lstStyle/>
-          <a:p>
-            <a:pPr eaLnBrk="1" hangingPunct="1"/>
-            <a:r>
-              <a:rPr lang="en-GB" altLang="en-US" b="1" dirty="0"/>
-              <a:t>Map of Impact</a:t>
-            </a:r>
-            <a:br>
-              <a:rPr lang="en-GB" altLang="en-US" b="1" dirty="0"/>
-            </a:br>
-            <a:endParaRPr lang="en-GB" altLang="en-US" sz="3200" b="1" dirty="0"/>
-          </a:p>
-        </p:txBody>
-      </p:sp>
     </p:spTree>
   </p:cSld>
   <p:clrMapOvr>
